--- a/files/SWC slides R Shiny 2024 Fall.pptx
+++ b/files/SWC slides R Shiny 2024 Fall.pptx
@@ -5,7 +5,7 @@
     <p:sldMasterId id="2147483659" r:id="rId1"/>
   </p:sldMasterIdLst>
   <p:notesMasterIdLst>
-    <p:notesMasterId r:id="rId41"/>
+    <p:notesMasterId r:id="rId47"/>
   </p:notesMasterIdLst>
   <p:sldIdLst>
     <p:sldId id="256" r:id="rId2"/>
@@ -43,38 +43,44 @@
     <p:sldId id="290" r:id="rId34"/>
     <p:sldId id="291" r:id="rId35"/>
     <p:sldId id="293" r:id="rId36"/>
-    <p:sldId id="294" r:id="rId37"/>
-    <p:sldId id="261" r:id="rId38"/>
-    <p:sldId id="262" r:id="rId39"/>
-    <p:sldId id="282" r:id="rId40"/>
+    <p:sldId id="295" r:id="rId37"/>
+    <p:sldId id="296" r:id="rId38"/>
+    <p:sldId id="297" r:id="rId39"/>
+    <p:sldId id="298" r:id="rId40"/>
+    <p:sldId id="299" r:id="rId41"/>
+    <p:sldId id="300" r:id="rId42"/>
+    <p:sldId id="294" r:id="rId43"/>
+    <p:sldId id="261" r:id="rId44"/>
+    <p:sldId id="262" r:id="rId45"/>
+    <p:sldId id="282" r:id="rId46"/>
   </p:sldIdLst>
   <p:sldSz cx="9144000" cy="5143500" type="screen16x9"/>
   <p:notesSz cx="6858000" cy="9144000"/>
   <p:embeddedFontLst>
     <p:embeddedFont>
       <p:font typeface="Raleway" pitchFamily="2" charset="0"/>
-      <p:regular r:id="rId42"/>
-      <p:bold r:id="rId43"/>
-      <p:italic r:id="rId44"/>
-      <p:boldItalic r:id="rId45"/>
+      <p:regular r:id="rId48"/>
+      <p:bold r:id="rId49"/>
+      <p:italic r:id="rId50"/>
+      <p:boldItalic r:id="rId51"/>
     </p:embeddedFont>
     <p:embeddedFont>
       <p:font typeface="Simplified Arabic Fixed" panose="02070309020205020404" pitchFamily="49" charset="-78"/>
-      <p:regular r:id="rId46"/>
+      <p:regular r:id="rId52"/>
     </p:embeddedFont>
     <p:embeddedFont>
       <p:font typeface="Source Code Pro" panose="020B0509030403020204" pitchFamily="49" charset="0"/>
-      <p:regular r:id="rId47"/>
-      <p:bold r:id="rId48"/>
-      <p:italic r:id="rId49"/>
-      <p:boldItalic r:id="rId50"/>
+      <p:regular r:id="rId53"/>
+      <p:bold r:id="rId54"/>
+      <p:italic r:id="rId55"/>
+      <p:boldItalic r:id="rId56"/>
     </p:embeddedFont>
     <p:embeddedFont>
       <p:font typeface="Source Sans Pro" panose="020B0503030403020204" pitchFamily="34" charset="0"/>
-      <p:regular r:id="rId51"/>
-      <p:bold r:id="rId52"/>
-      <p:italic r:id="rId53"/>
-      <p:boldItalic r:id="rId54"/>
+      <p:regular r:id="rId57"/>
+      <p:bold r:id="rId58"/>
+      <p:italic r:id="rId59"/>
+      <p:boldItalic r:id="rId60"/>
     </p:embeddedFont>
   </p:embeddedFontLst>
   <p:defaultTextStyle>
@@ -4214,49 +4220,60 @@
           <a:bodyPr/>
           <a:lstStyle/>
           <a:p>
-            <a:r>
-              <a:rPr lang="en-US" dirty="0"/>
-              <a:t>In this final hour, my plan is to introduce you to three powerhouse packages that can turn a good Shiny app into a great one: DT, leaflet, and </a:t>
+            <a:pPr marL="457200" indent="-298450"/>
+            <a:r>
+              <a:rPr lang="en-US" dirty="0"/>
+              <a:t>Our app is pretty boring so far, and apps are really only useful when they allow users to do cool things. So, let’s add some cool things, starting with a table for users to view the </a:t>
             </a:r>
             <a:r>
               <a:rPr lang="en-US" dirty="0" err="1"/>
-              <a:t>plotly</a:t>
-            </a:r>
-            <a:r>
-              <a:rPr lang="en-US" dirty="0"/>
-              <a:t> for building interactive tables, maps, and graphs.</a:t>
-            </a:r>
-          </a:p>
-          <a:p>
-            <a:r>
-              <a:rPr lang="en-US" dirty="0"/>
-              <a:t>For each, we’ll learn how to add a basic version so you can just how many features these come with by default. We’ll also see how to turn some of those features off if we want to. </a:t>
-            </a:r>
-          </a:p>
-          <a:p>
-            <a:r>
-              <a:rPr lang="en-US" dirty="0"/>
-              <a:t>We’ll also learn a </a:t>
-            </a:r>
-            <a:r>
-              <a:rPr lang="en-US" i="1" dirty="0"/>
-              <a:t>little</a:t>
-            </a:r>
-            <a:r>
-              <a:rPr lang="en-US" dirty="0"/>
-              <a:t> about customization and styling these elements.</a:t>
-            </a:r>
-          </a:p>
-          <a:p>
-            <a:r>
-              <a:rPr lang="en-US" dirty="0"/>
-              <a:t>If there’s time, I also want to show you how to update these elements without rebuilding them using a web dev mechanism called a “proxy.”</a:t>
-            </a:r>
-          </a:p>
-          <a:p>
-            <a:r>
-              <a:rPr lang="en-US" dirty="0"/>
-              <a:t>And lastly, I’ll mention some of the user interactions with these elements you can track and respond to, if you want. </a:t>
+              <a:t>gapminder</a:t>
+            </a:r>
+            <a:r>
+              <a:rPr lang="en-US" dirty="0"/>
+              <a:t> data set.</a:t>
+            </a:r>
+          </a:p>
+          <a:p>
+            <a:pPr marL="457200" indent="-298450"/>
+            <a:r>
+              <a:rPr lang="en-US" dirty="0"/>
+              <a:t>if you think about it, a table seems like something HTML should excel at building—it’s just a box full of other boxes, like rows, columns and cells.</a:t>
+            </a:r>
+          </a:p>
+          <a:p>
+            <a:pPr marL="457200" indent="-298450"/>
+            <a:r>
+              <a:rPr lang="en-US" dirty="0"/>
+              <a:t>And that’s true! But it’d be tedious to create such a large table in HTML ourselves. Thankfully, we can get R to do the hard stuff.</a:t>
+            </a:r>
+          </a:p>
+          <a:p>
+            <a:pPr marL="457200" indent="-298450"/>
+            <a:r>
+              <a:rPr lang="en-US" dirty="0"/>
+              <a:t>The process of having R build a complex element like a table and then display it in the UI involves three steps:</a:t>
+            </a:r>
+          </a:p>
+          <a:p>
+            <a:pPr marL="457200" indent="-298450"/>
+            <a:r>
+              <a:rPr lang="en-US" dirty="0"/>
+              <a:t>First, any heavy lifting, aka data manipulation, to produce the final R version of the thing.</a:t>
+            </a:r>
+          </a:p>
+          <a:p>
+            <a:pPr marL="457200" indent="-298450"/>
+            <a:r>
+              <a:rPr lang="en-US" dirty="0"/>
+              <a:t>Then, we render the R object, on the server side, into its equivalent HTML object.</a:t>
+            </a:r>
+          </a:p>
+          <a:p>
+            <a:pPr marL="457200" indent="-298450"/>
+            <a:r>
+              <a:rPr lang="en-US" dirty="0"/>
+              <a:t>Lastly, we pass the rendered element to the UI by outputting it. Let’s see all that in action: (Go to R to show them).</a:t>
             </a:r>
           </a:p>
         </p:txBody>
@@ -4264,7 +4281,7 @@
     </p:spTree>
     <p:extLst>
       <p:ext uri="{BB962C8B-B14F-4D97-AF65-F5344CB8AC3E}">
-        <p14:creationId xmlns:p14="http://schemas.microsoft.com/office/powerpoint/2010/main" val="2695607810"/>
+        <p14:creationId xmlns:p14="http://schemas.microsoft.com/office/powerpoint/2010/main" val="3980664900"/>
       </p:ext>
     </p:extLst>
   </p:cSld>
@@ -4275,11 +4292,11 @@
 </file>
 
 <file path=ppt/notesSlides/notesSlide37.xml><?xml version="1.0" encoding="utf-8"?>
-<p:notes xmlns:a="http://schemas.openxmlformats.org/drawingml/2006/main" xmlns:r="http://schemas.openxmlformats.org/officeDocument/2006/relationships" xmlns:p="http://schemas.openxmlformats.org/presentationml/2006/main" showMasterSp="0" showMasterPhAnim="0">
+<p:notes xmlns:a="http://schemas.openxmlformats.org/drawingml/2006/main" xmlns:r="http://schemas.openxmlformats.org/officeDocument/2006/relationships" xmlns:p="http://schemas.openxmlformats.org/presentationml/2006/main">
   <p:cSld>
     <p:spTree>
       <p:nvGrpSpPr>
-        <p:cNvPr id="1" name="Shape 89"/>
+        <p:cNvPr id="1" name=""/>
         <p:cNvGrpSpPr/>
         <p:nvPr/>
       </p:nvGrpSpPr>
@@ -4293,84 +4310,93 @@
       </p:grpSpPr>
       <p:sp>
         <p:nvSpPr>
-          <p:cNvPr id="90" name="Google Shape;90;g9bf89401d4_0_35:notes"/>
+          <p:cNvPr id="2" name="Slide Image Placeholder 1"/>
           <p:cNvSpPr>
             <a:spLocks noGrp="1" noRot="1" noChangeAspect="1"/>
           </p:cNvSpPr>
           <p:nvPr>
-            <p:ph type="sldImg" idx="2"/>
+            <p:ph type="sldImg"/>
           </p:nvPr>
         </p:nvSpPr>
         <p:spPr>
           <a:xfrm>
-            <a:off x="381300" y="685800"/>
+            <a:off x="381000" y="685800"/>
             <a:ext cx="6096000" cy="3429000"/>
           </a:xfrm>
-          <a:custGeom>
-            <a:avLst/>
-            <a:gdLst/>
-            <a:ahLst/>
-            <a:cxnLst/>
-            <a:rect l="l" t="t" r="r" b="b"/>
-            <a:pathLst>
-              <a:path w="120000" h="120000" extrusionOk="0">
-                <a:moveTo>
-                  <a:pt x="0" y="0"/>
-                </a:moveTo>
-                <a:lnTo>
-                  <a:pt x="120000" y="0"/>
-                </a:lnTo>
-                <a:lnTo>
-                  <a:pt x="120000" y="120000"/>
-                </a:lnTo>
-                <a:lnTo>
-                  <a:pt x="0" y="120000"/>
-                </a:lnTo>
-                <a:close/>
-              </a:path>
-            </a:pathLst>
-          </a:custGeom>
         </p:spPr>
       </p:sp>
       <p:sp>
         <p:nvSpPr>
-          <p:cNvPr id="91" name="Google Shape;91;g9bf89401d4_0_35:notes"/>
-          <p:cNvSpPr txBox="1">
+          <p:cNvPr id="3" name="Notes Placeholder 2"/>
+          <p:cNvSpPr>
             <a:spLocks noGrp="1"/>
           </p:cNvSpPr>
           <p:nvPr>
             <p:ph type="body" idx="1"/>
           </p:nvPr>
         </p:nvSpPr>
-        <p:spPr>
-          <a:xfrm>
-            <a:off x="685800" y="4343400"/>
-            <a:ext cx="5486400" cy="4114800"/>
-          </a:xfrm>
-          <a:prstGeom prst="rect">
-            <a:avLst/>
-          </a:prstGeom>
-        </p:spPr>
+        <p:spPr/>
         <p:txBody>
-          <a:bodyPr spcFirstLastPara="1" wrap="square" lIns="91425" tIns="91425" rIns="91425" bIns="91425" anchor="t" anchorCtr="0">
-            <a:noAutofit/>
-          </a:bodyPr>
+          <a:bodyPr/>
           <a:lstStyle/>
           <a:p>
-            <a:pPr marL="0" lvl="0" indent="0" algn="l" rtl="0">
-              <a:spcBef>
-                <a:spcPts val="0"/>
-              </a:spcBef>
-              <a:spcAft>
-                <a:spcPts val="0"/>
-              </a:spcAft>
-              <a:buNone/>
-            </a:pPr>
-            <a:endParaRPr/>
+            <a:r>
+              <a:rPr lang="en-US" dirty="0"/>
+              <a:t>There’s a lot going on in the code we just looked at, so I think here maybe an analogy would help.</a:t>
+            </a:r>
+          </a:p>
+          <a:p>
+            <a:r>
+              <a:rPr lang="en-US" dirty="0"/>
+              <a:t>I want you to think of an app as a restaurant. In this analogy, the R code we put inside our render function’s braces are the recipe—how do we build the R object we want?</a:t>
+            </a:r>
+          </a:p>
+          <a:p>
+            <a:r>
+              <a:rPr lang="en-US" dirty="0"/>
+              <a:t>The final R object itself, then, would be the assembled meal. But it isn’t ready for customers yet—it’s not “cooked.”</a:t>
+            </a:r>
+          </a:p>
+          <a:p>
+            <a:r>
+              <a:rPr lang="en-US" dirty="0"/>
+              <a:t>We need the chef, the render function, to cook it into the final meal. </a:t>
+            </a:r>
+          </a:p>
+          <a:p>
+            <a:r>
+              <a:rPr lang="en-US" dirty="0"/>
+              <a:t>Then, the waiter comes along—that’s output. It’s what will carry that cooked meal out to the users.</a:t>
+            </a:r>
+          </a:p>
+          <a:p>
+            <a:r>
+              <a:rPr lang="en-US" dirty="0"/>
+              <a:t>Our Output*() call is the table it needs to bring it to, but which table is that? Well, the </a:t>
+            </a:r>
+            <a:r>
+              <a:rPr lang="en-US" dirty="0" err="1"/>
+              <a:t>outputId</a:t>
+            </a:r>
+            <a:r>
+              <a:rPr lang="en-US" dirty="0"/>
+              <a:t> is like the order ticket—it tells us which food goes with which table. </a:t>
+            </a:r>
+          </a:p>
+          <a:p>
+            <a:r>
+              <a:rPr lang="en-US" dirty="0"/>
+              <a:t>Does this make sense? </a:t>
+            </a:r>
           </a:p>
         </p:txBody>
       </p:sp>
     </p:spTree>
+    <p:extLst>
+      <p:ext uri="{BB962C8B-B14F-4D97-AF65-F5344CB8AC3E}">
+        <p14:creationId xmlns:p14="http://schemas.microsoft.com/office/powerpoint/2010/main" val="519178805"/>
+      </p:ext>
+    </p:extLst>
   </p:cSld>
   <p:clrMapOvr>
     <a:masterClrMapping/>
@@ -4379,11 +4405,11 @@
 </file>
 
 <file path=ppt/notesSlides/notesSlide38.xml><?xml version="1.0" encoding="utf-8"?>
-<p:notes xmlns:a="http://schemas.openxmlformats.org/drawingml/2006/main" xmlns:r="http://schemas.openxmlformats.org/officeDocument/2006/relationships" xmlns:p="http://schemas.openxmlformats.org/presentationml/2006/main" showMasterSp="0" showMasterPhAnim="0">
+<p:notes xmlns:a="http://schemas.openxmlformats.org/drawingml/2006/main" xmlns:r="http://schemas.openxmlformats.org/officeDocument/2006/relationships" xmlns:p="http://schemas.openxmlformats.org/presentationml/2006/main">
   <p:cSld>
     <p:spTree>
       <p:nvGrpSpPr>
-        <p:cNvPr id="1" name="Shape 95"/>
+        <p:cNvPr id="1" name=""/>
         <p:cNvGrpSpPr/>
         <p:nvPr/>
       </p:nvGrpSpPr>
@@ -4397,84 +4423,248 @@
       </p:grpSpPr>
       <p:sp>
         <p:nvSpPr>
-          <p:cNvPr id="96" name="Google Shape;96;g279eb764eb5_0_92:notes"/>
+          <p:cNvPr id="2" name="Slide Image Placeholder 1"/>
           <p:cNvSpPr>
             <a:spLocks noGrp="1" noRot="1" noChangeAspect="1"/>
           </p:cNvSpPr>
           <p:nvPr>
-            <p:ph type="sldImg" idx="2"/>
+            <p:ph type="sldImg"/>
           </p:nvPr>
         </p:nvSpPr>
         <p:spPr>
           <a:xfrm>
-            <a:off x="381300" y="685800"/>
+            <a:off x="381000" y="685800"/>
             <a:ext cx="6096000" cy="3429000"/>
           </a:xfrm>
-          <a:custGeom>
-            <a:avLst/>
-            <a:gdLst/>
-            <a:ahLst/>
-            <a:cxnLst/>
-            <a:rect l="l" t="t" r="r" b="b"/>
-            <a:pathLst>
-              <a:path w="120000" h="120000" extrusionOk="0">
-                <a:moveTo>
-                  <a:pt x="0" y="0"/>
-                </a:moveTo>
-                <a:lnTo>
-                  <a:pt x="120000" y="0"/>
-                </a:lnTo>
-                <a:lnTo>
-                  <a:pt x="120000" y="120000"/>
-                </a:lnTo>
-                <a:lnTo>
-                  <a:pt x="0" y="120000"/>
-                </a:lnTo>
-                <a:close/>
-              </a:path>
-            </a:pathLst>
-          </a:custGeom>
         </p:spPr>
       </p:sp>
       <p:sp>
         <p:nvSpPr>
-          <p:cNvPr id="97" name="Google Shape;97;g279eb764eb5_0_92:notes"/>
-          <p:cNvSpPr txBox="1">
+          <p:cNvPr id="3" name="Notes Placeholder 2"/>
+          <p:cNvSpPr>
             <a:spLocks noGrp="1"/>
           </p:cNvSpPr>
           <p:nvPr>
             <p:ph type="body" idx="1"/>
           </p:nvPr>
         </p:nvSpPr>
-        <p:spPr>
-          <a:xfrm>
-            <a:off x="685800" y="4343400"/>
-            <a:ext cx="5486400" cy="4114800"/>
-          </a:xfrm>
-          <a:prstGeom prst="rect">
-            <a:avLst/>
-          </a:prstGeom>
-        </p:spPr>
+        <p:spPr/>
         <p:txBody>
-          <a:bodyPr spcFirstLastPara="1" wrap="square" lIns="91425" tIns="91425" rIns="91425" bIns="91425" anchor="t" anchorCtr="0">
-            <a:noAutofit/>
-          </a:bodyPr>
+          <a:bodyPr/>
           <a:lstStyle/>
           <a:p>
-            <a:pPr marL="0" lvl="0" indent="0" algn="l" rtl="0">
-              <a:spcBef>
-                <a:spcPts val="0"/>
-              </a:spcBef>
-              <a:spcAft>
-                <a:spcPts val="0"/>
-              </a:spcAft>
-              <a:buNone/>
-            </a:pPr>
-            <a:endParaRPr/>
+            <a:r>
+              <a:rPr lang="en-US" dirty="0"/>
+              <a:t>So, our table is a little unexciting…we’ll fix that later by upgrading it to a DT table.</a:t>
+            </a:r>
+          </a:p>
+          <a:p>
+            <a:r>
+              <a:rPr lang="en-US" dirty="0"/>
+              <a:t>In the meantime, we can address it’s other shortcoming—it’s not interactive! We can’t actually do anything with it. </a:t>
+            </a:r>
+          </a:p>
+          <a:p>
+            <a:r>
+              <a:rPr lang="en-US" dirty="0"/>
+              <a:t>Let’s give our users a way to interact with the table—by controlling how it’s sorted—by adding an input widget.</a:t>
+            </a:r>
+          </a:p>
+          <a:p>
+            <a:r>
+              <a:rPr lang="en-US" dirty="0"/>
+              <a:t>A widget is any UI element that users know they can fiddle with and the app will track and respond to those actions.</a:t>
+            </a:r>
+          </a:p>
+          <a:p>
+            <a:r>
+              <a:rPr lang="en-US" dirty="0"/>
+              <a:t>In this case, we’ll build a drop-down menu style widget. To set up an input widget in Shiny, we must do three things.</a:t>
+            </a:r>
+          </a:p>
+          <a:p>
+            <a:r>
+              <a:rPr lang="en-US" dirty="0"/>
+              <a:t>First, use the appropriate function to place the widget in the UI.</a:t>
+            </a:r>
+          </a:p>
+          <a:p>
+            <a:r>
+              <a:rPr lang="en-US" dirty="0"/>
+              <a:t>Second, we use the input object to continuously pass the widget’s current value over to the server, where it can be watched.</a:t>
+            </a:r>
+          </a:p>
+          <a:p>
+            <a:r>
+              <a:rPr lang="en-US" dirty="0"/>
+              <a:t>Lastly, we use that current value in our server code somehow. Specifically, we have to use it inside of a reactive context…more on what that is in a moment.</a:t>
+            </a:r>
+          </a:p>
+          <a:p>
+            <a:r>
+              <a:rPr lang="en-US" dirty="0"/>
+              <a:t>(Go to R to start doing this, just step 1 and run).</a:t>
+            </a:r>
           </a:p>
         </p:txBody>
       </p:sp>
     </p:spTree>
+    <p:extLst>
+      <p:ext uri="{BB962C8B-B14F-4D97-AF65-F5344CB8AC3E}">
+        <p14:creationId xmlns:p14="http://schemas.microsoft.com/office/powerpoint/2010/main" val="3794751436"/>
+      </p:ext>
+    </p:extLst>
+  </p:cSld>
+  <p:clrMapOvr>
+    <a:masterClrMapping/>
+  </p:clrMapOvr>
+</p:notes>
+</file>
+
+<file path=ppt/notesSlides/notesSlide39.xml><?xml version="1.0" encoding="utf-8"?>
+<p:notes xmlns:a="http://schemas.openxmlformats.org/drawingml/2006/main" xmlns:r="http://schemas.openxmlformats.org/officeDocument/2006/relationships" xmlns:p="http://schemas.openxmlformats.org/presentationml/2006/main">
+  <p:cSld>
+    <p:spTree>
+      <p:nvGrpSpPr>
+        <p:cNvPr id="1" name=""/>
+        <p:cNvGrpSpPr/>
+        <p:nvPr/>
+      </p:nvGrpSpPr>
+      <p:grpSpPr>
+        <a:xfrm>
+          <a:off x="0" y="0"/>
+          <a:ext cx="0" cy="0"/>
+          <a:chOff x="0" y="0"/>
+          <a:chExt cx="0" cy="0"/>
+        </a:xfrm>
+      </p:grpSpPr>
+      <p:sp>
+        <p:nvSpPr>
+          <p:cNvPr id="2" name="Slide Image Placeholder 1"/>
+          <p:cNvSpPr>
+            <a:spLocks noGrp="1" noRot="1" noChangeAspect="1"/>
+          </p:cNvSpPr>
+          <p:nvPr>
+            <p:ph type="sldImg"/>
+          </p:nvPr>
+        </p:nvSpPr>
+        <p:spPr>
+          <a:xfrm>
+            <a:off x="381000" y="685800"/>
+            <a:ext cx="6096000" cy="3429000"/>
+          </a:xfrm>
+        </p:spPr>
+      </p:sp>
+      <p:sp>
+        <p:nvSpPr>
+          <p:cNvPr id="3" name="Notes Placeholder 2"/>
+          <p:cNvSpPr>
+            <a:spLocks noGrp="1"/>
+          </p:cNvSpPr>
+          <p:nvPr>
+            <p:ph type="body" idx="1"/>
+          </p:nvPr>
+        </p:nvSpPr>
+        <p:spPr/>
+        <p:txBody>
+          <a:bodyPr/>
+          <a:lstStyle/>
+          <a:p>
+            <a:r>
+              <a:rPr lang="en-US" dirty="0"/>
+              <a:t>We saw, as we built our </a:t>
+            </a:r>
+            <a:r>
+              <a:rPr lang="en-US" dirty="0" err="1"/>
+              <a:t>selectInput</a:t>
+            </a:r>
+            <a:r>
+              <a:rPr lang="en-US" dirty="0"/>
+              <a:t>, that we had to give it three inputs. </a:t>
+            </a:r>
+          </a:p>
+          <a:p>
+            <a:r>
+              <a:rPr lang="en-US" dirty="0"/>
+              <a:t>The first was an </a:t>
+            </a:r>
+            <a:r>
+              <a:rPr lang="en-US" dirty="0" err="1"/>
+              <a:t>inputId</a:t>
+            </a:r>
+            <a:r>
+              <a:rPr lang="en-US" dirty="0"/>
+              <a:t>. Earlier, we met output. It passes rendered outputs from the server to the UI via </a:t>
+            </a:r>
+            <a:r>
+              <a:rPr lang="en-US" dirty="0" err="1"/>
+              <a:t>outputIds</a:t>
+            </a:r>
+            <a:r>
+              <a:rPr lang="en-US" dirty="0"/>
+              <a:t>. </a:t>
+            </a:r>
+          </a:p>
+          <a:p>
+            <a:r>
+              <a:rPr lang="en-US" dirty="0"/>
+              <a:t>Now, we’re about to meet input, which passes to the server the current value of any input widgets, which it does using </a:t>
+            </a:r>
+            <a:r>
+              <a:rPr lang="en-US" dirty="0" err="1"/>
+              <a:t>inputIds</a:t>
+            </a:r>
+            <a:r>
+              <a:rPr lang="en-US" dirty="0"/>
+              <a:t>. Same concept!</a:t>
+            </a:r>
+          </a:p>
+          <a:p>
+            <a:r>
+              <a:rPr lang="en-US" dirty="0"/>
+              <a:t>We also gave a label, which is text that accompanies the widget and, usually, describes what it does.</a:t>
+            </a:r>
+          </a:p>
+          <a:p>
+            <a:r>
+              <a:rPr lang="en-US" dirty="0"/>
+              <a:t>Lastly, we gave this widget choices, which will be the options in the drop-down menu.</a:t>
+            </a:r>
+          </a:p>
+          <a:p>
+            <a:r>
+              <a:rPr lang="en-US" dirty="0"/>
+              <a:t>While they are all variations on this theme, all other Shiny inputs are very similar to </a:t>
+            </a:r>
+            <a:r>
+              <a:rPr lang="en-US" dirty="0" err="1"/>
+              <a:t>selectInput</a:t>
+            </a:r>
+            <a:r>
+              <a:rPr lang="en-US" dirty="0"/>
+              <a:t>, so it’s a good first example. </a:t>
+            </a:r>
+          </a:p>
+          <a:p>
+            <a:r>
+              <a:rPr lang="en-US" dirty="0"/>
+              <a:t>Now, you’ll notice that our widget doesn’t actually do anything yet—we need to keep going and add the appropriate server code still. </a:t>
+            </a:r>
+          </a:p>
+          <a:p>
+            <a:r>
+              <a:rPr lang="en-US" dirty="0"/>
+              <a:t>(Go do this, and demonstrate to them that it works).</a:t>
+            </a:r>
+          </a:p>
+        </p:txBody>
+      </p:sp>
+    </p:spTree>
+    <p:extLst>
+      <p:ext uri="{BB962C8B-B14F-4D97-AF65-F5344CB8AC3E}">
+        <p14:creationId xmlns:p14="http://schemas.microsoft.com/office/powerpoint/2010/main" val="152220478"/>
+      </p:ext>
+    </p:extLst>
   </p:cSld>
   <p:clrMapOvr>
     <a:masterClrMapping/>
@@ -4590,6 +4780,632 @@
               <a:buNone/>
             </a:pPr>
             <a:endParaRPr dirty="0"/>
+          </a:p>
+        </p:txBody>
+      </p:sp>
+    </p:spTree>
+  </p:cSld>
+  <p:clrMapOvr>
+    <a:masterClrMapping/>
+  </p:clrMapOvr>
+</p:notes>
+</file>
+
+<file path=ppt/notesSlides/notesSlide40.xml><?xml version="1.0" encoding="utf-8"?>
+<p:notes xmlns:a="http://schemas.openxmlformats.org/drawingml/2006/main" xmlns:r="http://schemas.openxmlformats.org/officeDocument/2006/relationships" xmlns:p="http://schemas.openxmlformats.org/presentationml/2006/main">
+  <p:cSld>
+    <p:spTree>
+      <p:nvGrpSpPr>
+        <p:cNvPr id="1" name=""/>
+        <p:cNvGrpSpPr/>
+        <p:nvPr/>
+      </p:nvGrpSpPr>
+      <p:grpSpPr>
+        <a:xfrm>
+          <a:off x="0" y="0"/>
+          <a:ext cx="0" cy="0"/>
+          <a:chOff x="0" y="0"/>
+          <a:chExt cx="0" cy="0"/>
+        </a:xfrm>
+      </p:grpSpPr>
+      <p:sp>
+        <p:nvSpPr>
+          <p:cNvPr id="2" name="Slide Image Placeholder 1"/>
+          <p:cNvSpPr>
+            <a:spLocks noGrp="1" noRot="1" noChangeAspect="1"/>
+          </p:cNvSpPr>
+          <p:nvPr>
+            <p:ph type="sldImg"/>
+          </p:nvPr>
+        </p:nvSpPr>
+        <p:spPr>
+          <a:xfrm>
+            <a:off x="381000" y="685800"/>
+            <a:ext cx="6096000" cy="3429000"/>
+          </a:xfrm>
+        </p:spPr>
+      </p:sp>
+      <p:sp>
+        <p:nvSpPr>
+          <p:cNvPr id="3" name="Notes Placeholder 2"/>
+          <p:cNvSpPr>
+            <a:spLocks noGrp="1"/>
+          </p:cNvSpPr>
+          <p:nvPr>
+            <p:ph type="body" idx="1"/>
+          </p:nvPr>
+        </p:nvSpPr>
+        <p:spPr/>
+        <p:txBody>
+          <a:bodyPr/>
+          <a:lstStyle/>
+          <a:p>
+            <a:r>
+              <a:rPr lang="en-US" dirty="0"/>
+              <a:t>Ok, we’re finally to the most critical concept in all of R Shiny/web development! So, it’s time for some terminology.</a:t>
+            </a:r>
+          </a:p>
+          <a:p>
+            <a:r>
+              <a:rPr lang="en-US" dirty="0"/>
+              <a:t>First, web </a:t>
+            </a:r>
+            <a:r>
+              <a:rPr lang="en-US" dirty="0" err="1"/>
+              <a:t>devs</a:t>
+            </a:r>
+            <a:r>
+              <a:rPr lang="en-US" dirty="0"/>
+              <a:t> talk of events. An event is any action a user takes that the app *might* be tracking or watching out for. In this example, that’s our user selecting a new choice in our widget.</a:t>
+            </a:r>
+          </a:p>
+          <a:p>
+            <a:r>
+              <a:rPr lang="en-US" dirty="0"/>
+              <a:t>We also talk about handling events, which is having code run that figures out how the app will respond, if it will. In our case, it does respond by resorting the table for the user.</a:t>
+            </a:r>
+          </a:p>
+          <a:p>
+            <a:r>
+              <a:rPr lang="en-US" dirty="0"/>
+              <a:t>That brings us to the concept of reactions and reactivity. A reactive object is any object whose value might change as a result of an event—the user triggers the change, not us. </a:t>
+            </a:r>
+          </a:p>
+          <a:p>
+            <a:r>
+              <a:rPr lang="en-US" dirty="0"/>
+              <a:t>An example is </a:t>
+            </a:r>
+            <a:r>
+              <a:rPr lang="en-US" dirty="0" err="1"/>
+              <a:t>input$sorted_column</a:t>
+            </a:r>
+            <a:r>
+              <a:rPr lang="en-US" dirty="0"/>
+              <a:t>. Its value will change every time the user selects a new choice.</a:t>
+            </a:r>
+          </a:p>
+          <a:p>
+            <a:r>
+              <a:rPr lang="en-US" dirty="0"/>
+              <a:t>A reactive context, then, is a code block that might contain reactive objects like </a:t>
+            </a:r>
+            <a:r>
+              <a:rPr lang="en-US" dirty="0" err="1"/>
+              <a:t>input$sorted_column</a:t>
+            </a:r>
+            <a:r>
+              <a:rPr lang="en-US" dirty="0"/>
+              <a:t> and, thus, Shiny needs to watch it for events.</a:t>
+            </a:r>
+          </a:p>
+          <a:p>
+            <a:r>
+              <a:rPr lang="en-US" dirty="0"/>
+              <a:t>In our case, </a:t>
+            </a:r>
+            <a:r>
+              <a:rPr lang="en-US" dirty="0" err="1"/>
+              <a:t>renderTable’s</a:t>
+            </a:r>
+            <a:r>
+              <a:rPr lang="en-US" dirty="0"/>
+              <a:t> expression, the part inside the braces, is a reactive context, so it can contain values like </a:t>
+            </a:r>
+            <a:r>
+              <a:rPr lang="en-US" dirty="0" err="1"/>
+              <a:t>input$sorted_column</a:t>
+            </a:r>
+            <a:r>
+              <a:rPr lang="en-US" dirty="0"/>
+              <a:t>.</a:t>
+            </a:r>
+          </a:p>
+          <a:p>
+            <a:r>
+              <a:rPr lang="en-US" dirty="0"/>
+              <a:t>And so here’s the key idea: Whenever a reactive object, like </a:t>
+            </a:r>
+            <a:r>
+              <a:rPr lang="en-US" dirty="0" err="1"/>
+              <a:t>input$sorted_column</a:t>
+            </a:r>
+            <a:r>
+              <a:rPr lang="en-US" dirty="0"/>
+              <a:t> changes inside of a reactive context, Shiny handles that event by rerunning the entire reactive context.</a:t>
+            </a:r>
+          </a:p>
+          <a:p>
+            <a:r>
+              <a:rPr lang="en-US" dirty="0"/>
+              <a:t>The logic here actually makes sense. If a reactive context produces an output, like a table, and key inputs to that process have changed in value, maybe our outputs are “old” and need refreshing. The way to do that is to rerun the code that makes them. Make sense?</a:t>
+            </a:r>
+          </a:p>
+          <a:p>
+            <a:r>
+              <a:rPr lang="en-US" dirty="0"/>
+              <a:t>(Demonstrate this fact using print(). Tell them this is also a great way to troubleshoot—when is code running? What are the values of things?)</a:t>
+            </a:r>
+          </a:p>
+          <a:p>
+            <a:r>
+              <a:rPr lang="en-US" dirty="0"/>
+              <a:t>(Also demonstrate that we cannot put reactive objects somewhere other than inside </a:t>
+            </a:r>
+            <a:r>
+              <a:rPr lang="en-US"/>
+              <a:t>a reactive context. </a:t>
+            </a:r>
+            <a:endParaRPr lang="en-US" dirty="0"/>
+          </a:p>
+        </p:txBody>
+      </p:sp>
+    </p:spTree>
+    <p:extLst>
+      <p:ext uri="{BB962C8B-B14F-4D97-AF65-F5344CB8AC3E}">
+        <p14:creationId xmlns:p14="http://schemas.microsoft.com/office/powerpoint/2010/main" val="1228179672"/>
+      </p:ext>
+    </p:extLst>
+  </p:cSld>
+  <p:clrMapOvr>
+    <a:masterClrMapping/>
+  </p:clrMapOvr>
+</p:notes>
+</file>
+
+<file path=ppt/notesSlides/notesSlide41.xml><?xml version="1.0" encoding="utf-8"?>
+<p:notes xmlns:a="http://schemas.openxmlformats.org/drawingml/2006/main" xmlns:r="http://schemas.openxmlformats.org/officeDocument/2006/relationships" xmlns:p="http://schemas.openxmlformats.org/presentationml/2006/main">
+  <p:cSld>
+    <p:spTree>
+      <p:nvGrpSpPr>
+        <p:cNvPr id="1" name=""/>
+        <p:cNvGrpSpPr/>
+        <p:nvPr/>
+      </p:nvGrpSpPr>
+      <p:grpSpPr>
+        <a:xfrm>
+          <a:off x="0" y="0"/>
+          <a:ext cx="0" cy="0"/>
+          <a:chOff x="0" y="0"/>
+          <a:chExt cx="0" cy="0"/>
+        </a:xfrm>
+      </p:grpSpPr>
+      <p:sp>
+        <p:nvSpPr>
+          <p:cNvPr id="2" name="Slide Image Placeholder 1"/>
+          <p:cNvSpPr>
+            <a:spLocks noGrp="1" noRot="1" noChangeAspect="1"/>
+          </p:cNvSpPr>
+          <p:nvPr>
+            <p:ph type="sldImg"/>
+          </p:nvPr>
+        </p:nvSpPr>
+        <p:spPr>
+          <a:xfrm>
+            <a:off x="381000" y="685800"/>
+            <a:ext cx="6096000" cy="3429000"/>
+          </a:xfrm>
+        </p:spPr>
+      </p:sp>
+      <p:sp>
+        <p:nvSpPr>
+          <p:cNvPr id="3" name="Notes Placeholder 2"/>
+          <p:cNvSpPr>
+            <a:spLocks noGrp="1"/>
+          </p:cNvSpPr>
+          <p:nvPr>
+            <p:ph type="body" idx="1"/>
+          </p:nvPr>
+        </p:nvSpPr>
+        <p:spPr/>
+        <p:txBody>
+          <a:bodyPr/>
+          <a:lstStyle/>
+          <a:p>
+            <a:r>
+              <a:rPr lang="en-US" dirty="0"/>
+              <a:t>I said earlier that R Shiny server code is going to feel pretty unfamiliar. I hope that you’re starting to see what I mean!</a:t>
+            </a:r>
+          </a:p>
+          <a:p>
+            <a:r>
+              <a:rPr lang="en-US" dirty="0"/>
+              <a:t>The reason for this is that our relationship with R is very different when we’re writing R code vs R Shiny server code.</a:t>
+            </a:r>
+          </a:p>
+          <a:p>
+            <a:r>
+              <a:rPr lang="en-US" dirty="0"/>
+              <a:t>In R, we’re the user. We have needs, and we want R to meet those needs right now. </a:t>
+            </a:r>
+          </a:p>
+          <a:p>
+            <a:r>
+              <a:rPr lang="en-US" dirty="0"/>
+              <a:t>R has imperative evaluation. It runs code from top to bottom, as fast as it can, as soon as we ask it to. It’s the coding equivalent of us yelling, R, make me a sandwich this exact way, pronto! and it responding yes sir/</a:t>
+            </a:r>
+            <a:r>
+              <a:rPr lang="en-US" dirty="0" err="1"/>
+              <a:t>maam</a:t>
+            </a:r>
+            <a:r>
+              <a:rPr lang="en-US" dirty="0"/>
+              <a:t>!</a:t>
+            </a:r>
+          </a:p>
+          <a:p>
+            <a:r>
+              <a:rPr lang="en-US" dirty="0"/>
+              <a:t>But, when you’re writing server code, you have to realize: you’re NOT the user anymore! Your needs are irrelevant. The users are whoever visits your app. More crazily, their needs could be whatever, and they could want them whenever, in whatever order.</a:t>
+            </a:r>
+          </a:p>
+          <a:p>
+            <a:r>
+              <a:rPr lang="en-US" dirty="0"/>
+              <a:t>So, our job here is as the programmers who anticipate these needs and plan for them.</a:t>
+            </a:r>
+          </a:p>
+          <a:p>
+            <a:r>
+              <a:rPr lang="en-US" dirty="0"/>
+              <a:t>In line with all this, R Shiny server code evaluates </a:t>
+            </a:r>
+            <a:r>
+              <a:rPr lang="en-US" dirty="0" err="1"/>
+              <a:t>directively</a:t>
+            </a:r>
+            <a:r>
+              <a:rPr lang="en-US" dirty="0"/>
+              <a:t> instead. It waits until an event occurs and re-runs whichever reactive contexts are affected and only those. It’s the equivalent of saying (read what’s on the slide).</a:t>
+            </a:r>
+          </a:p>
+          <a:p>
+            <a:r>
+              <a:rPr lang="en-US" dirty="0"/>
+              <a:t>Does this distinction make sense? </a:t>
+            </a:r>
+          </a:p>
+        </p:txBody>
+      </p:sp>
+    </p:spTree>
+    <p:extLst>
+      <p:ext uri="{BB962C8B-B14F-4D97-AF65-F5344CB8AC3E}">
+        <p14:creationId xmlns:p14="http://schemas.microsoft.com/office/powerpoint/2010/main" val="1091345159"/>
+      </p:ext>
+    </p:extLst>
+  </p:cSld>
+  <p:clrMapOvr>
+    <a:masterClrMapping/>
+  </p:clrMapOvr>
+</p:notes>
+</file>
+
+<file path=ppt/notesSlides/notesSlide42.xml><?xml version="1.0" encoding="utf-8"?>
+<p:notes xmlns:a="http://schemas.openxmlformats.org/drawingml/2006/main" xmlns:r="http://schemas.openxmlformats.org/officeDocument/2006/relationships" xmlns:p="http://schemas.openxmlformats.org/presentationml/2006/main">
+  <p:cSld>
+    <p:spTree>
+      <p:nvGrpSpPr>
+        <p:cNvPr id="1" name=""/>
+        <p:cNvGrpSpPr/>
+        <p:nvPr/>
+      </p:nvGrpSpPr>
+      <p:grpSpPr>
+        <a:xfrm>
+          <a:off x="0" y="0"/>
+          <a:ext cx="0" cy="0"/>
+          <a:chOff x="0" y="0"/>
+          <a:chExt cx="0" cy="0"/>
+        </a:xfrm>
+      </p:grpSpPr>
+      <p:sp>
+        <p:nvSpPr>
+          <p:cNvPr id="2" name="Slide Image Placeholder 1"/>
+          <p:cNvSpPr>
+            <a:spLocks noGrp="1" noRot="1" noChangeAspect="1"/>
+          </p:cNvSpPr>
+          <p:nvPr>
+            <p:ph type="sldImg"/>
+          </p:nvPr>
+        </p:nvSpPr>
+        <p:spPr>
+          <a:xfrm>
+            <a:off x="381000" y="685800"/>
+            <a:ext cx="6096000" cy="3429000"/>
+          </a:xfrm>
+        </p:spPr>
+      </p:sp>
+      <p:sp>
+        <p:nvSpPr>
+          <p:cNvPr id="3" name="Notes Placeholder 2"/>
+          <p:cNvSpPr>
+            <a:spLocks noGrp="1"/>
+          </p:cNvSpPr>
+          <p:nvPr>
+            <p:ph type="body" idx="1"/>
+          </p:nvPr>
+        </p:nvSpPr>
+        <p:spPr/>
+        <p:txBody>
+          <a:bodyPr/>
+          <a:lstStyle/>
+          <a:p>
+            <a:r>
+              <a:rPr lang="en-US" dirty="0"/>
+              <a:t>In this final hour, my plan is to introduce you to three powerhouse packages that can turn a good Shiny app into a great one: DT, leaflet, and </a:t>
+            </a:r>
+            <a:r>
+              <a:rPr lang="en-US" dirty="0" err="1"/>
+              <a:t>plotly</a:t>
+            </a:r>
+            <a:r>
+              <a:rPr lang="en-US" dirty="0"/>
+              <a:t> for building interactive tables, maps, and graphs.</a:t>
+            </a:r>
+          </a:p>
+          <a:p>
+            <a:r>
+              <a:rPr lang="en-US" dirty="0"/>
+              <a:t>For each, we’ll learn how to add a basic version so you can just how many features these come with by default. We’ll also see how to turn some of those features off if we want to. </a:t>
+            </a:r>
+          </a:p>
+          <a:p>
+            <a:r>
+              <a:rPr lang="en-US" dirty="0"/>
+              <a:t>We’ll also learn a </a:t>
+            </a:r>
+            <a:r>
+              <a:rPr lang="en-US" i="1" dirty="0"/>
+              <a:t>little</a:t>
+            </a:r>
+            <a:r>
+              <a:rPr lang="en-US" dirty="0"/>
+              <a:t> about customization and styling these elements.</a:t>
+            </a:r>
+          </a:p>
+          <a:p>
+            <a:r>
+              <a:rPr lang="en-US" dirty="0"/>
+              <a:t>If there’s time, I also want to show you how to update these elements without rebuilding them using a web dev mechanism called a “proxy.”</a:t>
+            </a:r>
+          </a:p>
+          <a:p>
+            <a:r>
+              <a:rPr lang="en-US" dirty="0"/>
+              <a:t>And lastly, I’ll mention some of the user interactions with these elements you can track and respond to, if you want. </a:t>
+            </a:r>
+          </a:p>
+        </p:txBody>
+      </p:sp>
+    </p:spTree>
+    <p:extLst>
+      <p:ext uri="{BB962C8B-B14F-4D97-AF65-F5344CB8AC3E}">
+        <p14:creationId xmlns:p14="http://schemas.microsoft.com/office/powerpoint/2010/main" val="2695607810"/>
+      </p:ext>
+    </p:extLst>
+  </p:cSld>
+  <p:clrMapOvr>
+    <a:masterClrMapping/>
+  </p:clrMapOvr>
+</p:notes>
+</file>
+
+<file path=ppt/notesSlides/notesSlide43.xml><?xml version="1.0" encoding="utf-8"?>
+<p:notes xmlns:a="http://schemas.openxmlformats.org/drawingml/2006/main" xmlns:r="http://schemas.openxmlformats.org/officeDocument/2006/relationships" xmlns:p="http://schemas.openxmlformats.org/presentationml/2006/main" showMasterSp="0" showMasterPhAnim="0">
+  <p:cSld>
+    <p:spTree>
+      <p:nvGrpSpPr>
+        <p:cNvPr id="1" name="Shape 89"/>
+        <p:cNvGrpSpPr/>
+        <p:nvPr/>
+      </p:nvGrpSpPr>
+      <p:grpSpPr>
+        <a:xfrm>
+          <a:off x="0" y="0"/>
+          <a:ext cx="0" cy="0"/>
+          <a:chOff x="0" y="0"/>
+          <a:chExt cx="0" cy="0"/>
+        </a:xfrm>
+      </p:grpSpPr>
+      <p:sp>
+        <p:nvSpPr>
+          <p:cNvPr id="90" name="Google Shape;90;g9bf89401d4_0_35:notes"/>
+          <p:cNvSpPr>
+            <a:spLocks noGrp="1" noRot="1" noChangeAspect="1"/>
+          </p:cNvSpPr>
+          <p:nvPr>
+            <p:ph type="sldImg" idx="2"/>
+          </p:nvPr>
+        </p:nvSpPr>
+        <p:spPr>
+          <a:xfrm>
+            <a:off x="381300" y="685800"/>
+            <a:ext cx="6096000" cy="3429000"/>
+          </a:xfrm>
+          <a:custGeom>
+            <a:avLst/>
+            <a:gdLst/>
+            <a:ahLst/>
+            <a:cxnLst/>
+            <a:rect l="l" t="t" r="r" b="b"/>
+            <a:pathLst>
+              <a:path w="120000" h="120000" extrusionOk="0">
+                <a:moveTo>
+                  <a:pt x="0" y="0"/>
+                </a:moveTo>
+                <a:lnTo>
+                  <a:pt x="120000" y="0"/>
+                </a:lnTo>
+                <a:lnTo>
+                  <a:pt x="120000" y="120000"/>
+                </a:lnTo>
+                <a:lnTo>
+                  <a:pt x="0" y="120000"/>
+                </a:lnTo>
+                <a:close/>
+              </a:path>
+            </a:pathLst>
+          </a:custGeom>
+        </p:spPr>
+      </p:sp>
+      <p:sp>
+        <p:nvSpPr>
+          <p:cNvPr id="91" name="Google Shape;91;g9bf89401d4_0_35:notes"/>
+          <p:cNvSpPr txBox="1">
+            <a:spLocks noGrp="1"/>
+          </p:cNvSpPr>
+          <p:nvPr>
+            <p:ph type="body" idx="1"/>
+          </p:nvPr>
+        </p:nvSpPr>
+        <p:spPr>
+          <a:xfrm>
+            <a:off x="685800" y="4343400"/>
+            <a:ext cx="5486400" cy="4114800"/>
+          </a:xfrm>
+          <a:prstGeom prst="rect">
+            <a:avLst/>
+          </a:prstGeom>
+        </p:spPr>
+        <p:txBody>
+          <a:bodyPr spcFirstLastPara="1" wrap="square" lIns="91425" tIns="91425" rIns="91425" bIns="91425" anchor="t" anchorCtr="0">
+            <a:noAutofit/>
+          </a:bodyPr>
+          <a:lstStyle/>
+          <a:p>
+            <a:pPr marL="0" lvl="0" indent="0" algn="l" rtl="0">
+              <a:spcBef>
+                <a:spcPts val="0"/>
+              </a:spcBef>
+              <a:spcAft>
+                <a:spcPts val="0"/>
+              </a:spcAft>
+              <a:buNone/>
+            </a:pPr>
+            <a:endParaRPr/>
+          </a:p>
+        </p:txBody>
+      </p:sp>
+    </p:spTree>
+  </p:cSld>
+  <p:clrMapOvr>
+    <a:masterClrMapping/>
+  </p:clrMapOvr>
+</p:notes>
+</file>
+
+<file path=ppt/notesSlides/notesSlide44.xml><?xml version="1.0" encoding="utf-8"?>
+<p:notes xmlns:a="http://schemas.openxmlformats.org/drawingml/2006/main" xmlns:r="http://schemas.openxmlformats.org/officeDocument/2006/relationships" xmlns:p="http://schemas.openxmlformats.org/presentationml/2006/main" showMasterSp="0" showMasterPhAnim="0">
+  <p:cSld>
+    <p:spTree>
+      <p:nvGrpSpPr>
+        <p:cNvPr id="1" name="Shape 95"/>
+        <p:cNvGrpSpPr/>
+        <p:nvPr/>
+      </p:nvGrpSpPr>
+      <p:grpSpPr>
+        <a:xfrm>
+          <a:off x="0" y="0"/>
+          <a:ext cx="0" cy="0"/>
+          <a:chOff x="0" y="0"/>
+          <a:chExt cx="0" cy="0"/>
+        </a:xfrm>
+      </p:grpSpPr>
+      <p:sp>
+        <p:nvSpPr>
+          <p:cNvPr id="96" name="Google Shape;96;g279eb764eb5_0_92:notes"/>
+          <p:cNvSpPr>
+            <a:spLocks noGrp="1" noRot="1" noChangeAspect="1"/>
+          </p:cNvSpPr>
+          <p:nvPr>
+            <p:ph type="sldImg" idx="2"/>
+          </p:nvPr>
+        </p:nvSpPr>
+        <p:spPr>
+          <a:xfrm>
+            <a:off x="381300" y="685800"/>
+            <a:ext cx="6096000" cy="3429000"/>
+          </a:xfrm>
+          <a:custGeom>
+            <a:avLst/>
+            <a:gdLst/>
+            <a:ahLst/>
+            <a:cxnLst/>
+            <a:rect l="l" t="t" r="r" b="b"/>
+            <a:pathLst>
+              <a:path w="120000" h="120000" extrusionOk="0">
+                <a:moveTo>
+                  <a:pt x="0" y="0"/>
+                </a:moveTo>
+                <a:lnTo>
+                  <a:pt x="120000" y="0"/>
+                </a:lnTo>
+                <a:lnTo>
+                  <a:pt x="120000" y="120000"/>
+                </a:lnTo>
+                <a:lnTo>
+                  <a:pt x="0" y="120000"/>
+                </a:lnTo>
+                <a:close/>
+              </a:path>
+            </a:pathLst>
+          </a:custGeom>
+        </p:spPr>
+      </p:sp>
+      <p:sp>
+        <p:nvSpPr>
+          <p:cNvPr id="97" name="Google Shape;97;g279eb764eb5_0_92:notes"/>
+          <p:cNvSpPr txBox="1">
+            <a:spLocks noGrp="1"/>
+          </p:cNvSpPr>
+          <p:nvPr>
+            <p:ph type="body" idx="1"/>
+          </p:nvPr>
+        </p:nvSpPr>
+        <p:spPr>
+          <a:xfrm>
+            <a:off x="685800" y="4343400"/>
+            <a:ext cx="5486400" cy="4114800"/>
+          </a:xfrm>
+          <a:prstGeom prst="rect">
+            <a:avLst/>
+          </a:prstGeom>
+        </p:spPr>
+        <p:txBody>
+          <a:bodyPr spcFirstLastPara="1" wrap="square" lIns="91425" tIns="91425" rIns="91425" bIns="91425" anchor="t" anchorCtr="0">
+            <a:noAutofit/>
+          </a:bodyPr>
+          <a:lstStyle/>
+          <a:p>
+            <a:pPr marL="0" lvl="0" indent="0" algn="l" rtl="0">
+              <a:spcBef>
+                <a:spcPts val="0"/>
+              </a:spcBef>
+              <a:spcAft>
+                <a:spcPts val="0"/>
+              </a:spcAft>
+              <a:buNone/>
+            </a:pPr>
+            <a:endParaRPr/>
           </a:p>
         </p:txBody>
       </p:sp>
@@ -29660,7 +30476,7 @@
           <p:cNvPr id="2" name="Title 1">
             <a:extLst>
               <a:ext uri="{FF2B5EF4-FFF2-40B4-BE49-F238E27FC236}">
-                <a16:creationId xmlns:a16="http://schemas.microsoft.com/office/drawing/2014/main" id="{7839FCC2-6E9C-0369-313B-768EEC25DC46}"/>
+                <a16:creationId xmlns:a16="http://schemas.microsoft.com/office/drawing/2014/main" id="{C84BEA3F-C8FA-FCDF-6FF3-A159B691BFBF}"/>
               </a:ext>
             </a:extLst>
           </p:cNvPr>
@@ -29678,7 +30494,7 @@
           <a:p>
             <a:r>
               <a:rPr lang="en-US" dirty="0"/>
-              <a:t>Hour 3: Adding Showstoppers</a:t>
+              <a:t>Turning the tables</a:t>
             </a:r>
           </a:p>
         </p:txBody>
@@ -29688,7 +30504,7 @@
           <p:cNvPr id="3" name="Text Placeholder 2">
             <a:extLst>
               <a:ext uri="{FF2B5EF4-FFF2-40B4-BE49-F238E27FC236}">
-                <a16:creationId xmlns:a16="http://schemas.microsoft.com/office/drawing/2014/main" id="{4A973216-2DD9-BCF8-E650-D4E0112A688D}"/>
+                <a16:creationId xmlns:a16="http://schemas.microsoft.com/office/drawing/2014/main" id="{733F4CEA-51E0-AAB2-C351-B83199485F0F}"/>
               </a:ext>
             </a:extLst>
           </p:cNvPr>
@@ -29701,147 +30517,139 @@
         </p:nvSpPr>
         <p:spPr/>
         <p:txBody>
-          <a:bodyPr/>
+          <a:bodyPr>
+            <a:normAutofit lnSpcReduction="10000"/>
+          </a:bodyPr>
           <a:lstStyle/>
-          <a:p>
-            <a:pPr marL="76200" indent="0">
-              <a:lnSpc>
-                <a:spcPct val="100000"/>
-              </a:lnSpc>
-              <a:buNone/>
-            </a:pPr>
-            <a:r>
-              <a:rPr lang="en-US" dirty="0"/>
-              <a:t>What we’ll cover:</a:t>
-            </a:r>
-          </a:p>
           <a:p>
             <a:pPr>
               <a:lnSpc>
-                <a:spcPct val="100000"/>
+                <a:spcPct val="110000"/>
               </a:lnSpc>
             </a:pPr>
             <a:r>
               <a:rPr lang="en-US" dirty="0"/>
-              <a:t>For </a:t>
+              <a:t>Our UI is boring! Apps are only as good as what they let users </a:t>
             </a:r>
             <a:r>
               <a:rPr lang="en-US" i="1" dirty="0"/>
-              <a:t>DT</a:t>
-            </a:r>
-            <a:r>
-              <a:rPr lang="en-US" dirty="0"/>
-              <a:t> tables, </a:t>
-            </a:r>
-            <a:r>
-              <a:rPr lang="en-US" i="1" dirty="0"/>
-              <a:t>leaflet</a:t>
-            </a:r>
-            <a:r>
-              <a:rPr lang="en-US" dirty="0"/>
-              <a:t> maps, and </a:t>
-            </a:r>
-            <a:r>
-              <a:rPr lang="en-US" i="1" dirty="0" err="1"/>
-              <a:t>plotly</a:t>
-            </a:r>
-            <a:r>
-              <a:rPr lang="en-US" dirty="0"/>
-              <a:t> graphs, we’ll see…</a:t>
-            </a:r>
-          </a:p>
-          <a:p>
-            <a:pPr lvl="1">
+              <a:t>do</a:t>
+            </a:r>
+            <a:r>
+              <a:rPr lang="en-US" dirty="0"/>
+              <a:t>. </a:t>
+            </a:r>
+          </a:p>
+          <a:p>
+            <a:pPr>
               <a:lnSpc>
-                <a:spcPct val="100000"/>
+                <a:spcPct val="110000"/>
+              </a:lnSpc>
+            </a:pPr>
+            <a:r>
+              <a:rPr lang="en-US" dirty="0"/>
+              <a:t>Let’s add a table displaying the </a:t>
+            </a:r>
+            <a:r>
+              <a:rPr lang="en-US" dirty="0" err="1"/>
+              <a:t>gapminder</a:t>
+            </a:r>
+            <a:r>
+              <a:rPr lang="en-US" dirty="0"/>
+              <a:t> data set.</a:t>
+            </a:r>
+          </a:p>
+          <a:p>
+            <a:pPr>
+              <a:lnSpc>
+                <a:spcPct val="110000"/>
+              </a:lnSpc>
+            </a:pPr>
+            <a:r>
+              <a:rPr lang="en-US" dirty="0"/>
+              <a:t>A table is just boxes within boxes—HTML can make one!</a:t>
+            </a:r>
+          </a:p>
+          <a:p>
+            <a:pPr>
+              <a:lnSpc>
+                <a:spcPct val="110000"/>
+              </a:lnSpc>
+            </a:pPr>
+            <a:r>
+              <a:rPr lang="en-US" dirty="0"/>
+              <a:t>…But let’s make R do that tedious task.</a:t>
+            </a:r>
+          </a:p>
+          <a:p>
+            <a:pPr>
+              <a:lnSpc>
+                <a:spcPct val="110000"/>
+              </a:lnSpc>
+            </a:pPr>
+            <a:r>
+              <a:rPr lang="en-US" dirty="0"/>
+              <a:t>To make a complex element in Shiny to display in our UI:</a:t>
+            </a:r>
+          </a:p>
+          <a:p>
+            <a:pPr marL="990600" lvl="1" indent="-457200">
+              <a:lnSpc>
+                <a:spcPct val="110000"/>
               </a:lnSpc>
               <a:spcBef>
                 <a:spcPts val="0"/>
               </a:spcBef>
+              <a:buFont typeface="+mj-lt"/>
+              <a:buAutoNum type="arabicPeriod"/>
             </a:pPr>
             <a:r>
               <a:rPr lang="en-US" dirty="0"/>
-              <a:t>How to add a default version to our app.</a:t>
-            </a:r>
-          </a:p>
-          <a:p>
-            <a:pPr lvl="1">
+              <a:t>Do any “heavy lifting” with regular R code on the server side.</a:t>
+            </a:r>
+          </a:p>
+          <a:p>
+            <a:pPr marL="990600" lvl="1" indent="-457200">
               <a:lnSpc>
-                <a:spcPct val="100000"/>
+                <a:spcPct val="110000"/>
               </a:lnSpc>
               <a:spcBef>
                 <a:spcPts val="0"/>
               </a:spcBef>
+              <a:buFont typeface="+mj-lt"/>
+              <a:buAutoNum type="arabicPeriod"/>
             </a:pPr>
             <a:r>
-              <a:rPr lang="en-US" dirty="0"/>
-              <a:t>How to adjust interactive features.</a:t>
-            </a:r>
-          </a:p>
-          <a:p>
-            <a:pPr lvl="1">
+              <a:rPr lang="en-US" b="1" dirty="0"/>
+              <a:t>Render</a:t>
+            </a:r>
+            <a:r>
+              <a:rPr lang="en-US" dirty="0"/>
+              <a:t> the R object server-side into the equivalent HTML object.</a:t>
+            </a:r>
+          </a:p>
+          <a:p>
+            <a:pPr marL="990600" lvl="1" indent="-457200">
               <a:lnSpc>
-                <a:spcPct val="100000"/>
+                <a:spcPct val="110000"/>
               </a:lnSpc>
               <a:spcBef>
                 <a:spcPts val="0"/>
               </a:spcBef>
+              <a:buFont typeface="+mj-lt"/>
+              <a:buAutoNum type="arabicPeriod"/>
             </a:pPr>
             <a:r>
               <a:rPr lang="en-US" dirty="0"/>
-              <a:t>How to style/customize a </a:t>
-            </a:r>
-            <a:r>
-              <a:rPr lang="en-US" i="1" dirty="0"/>
-              <a:t>little</a:t>
-            </a:r>
-            <a:r>
-              <a:rPr lang="en-US" dirty="0"/>
-              <a:t>.</a:t>
-            </a:r>
-          </a:p>
-          <a:p>
-            <a:pPr lvl="1">
-              <a:lnSpc>
-                <a:spcPct val="100000"/>
-              </a:lnSpc>
-              <a:spcBef>
-                <a:spcPts val="0"/>
-              </a:spcBef>
-            </a:pPr>
-            <a:r>
-              <a:rPr lang="en-US" dirty="0"/>
-              <a:t>How to update one “on the fly” using a </a:t>
+              <a:t>Pass it to the UI into a specific spot by </a:t>
             </a:r>
             <a:r>
               <a:rPr lang="en-US" b="1" dirty="0"/>
-              <a:t>proxy</a:t>
-            </a:r>
-            <a:r>
-              <a:rPr lang="en-US" dirty="0"/>
-              <a:t>. </a:t>
-            </a:r>
-          </a:p>
-          <a:p>
-            <a:pPr lvl="1">
-              <a:lnSpc>
-                <a:spcPct val="100000"/>
-              </a:lnSpc>
-              <a:spcBef>
-                <a:spcPts val="0"/>
-              </a:spcBef>
-            </a:pPr>
-            <a:r>
-              <a:rPr lang="en-US" dirty="0"/>
-              <a:t>What </a:t>
-            </a:r>
-            <a:r>
-              <a:rPr lang="en-US" b="1" dirty="0"/>
-              <a:t>events</a:t>
-            </a:r>
-            <a:r>
-              <a:rPr lang="en-US" dirty="0"/>
-              <a:t> you can track and handle.</a:t>
+              <a:t>outputting</a:t>
+            </a:r>
+            <a:r>
+              <a:rPr lang="en-US" dirty="0"/>
+              <a:t> it.</a:t>
             </a:r>
           </a:p>
         </p:txBody>
@@ -29849,404 +30657,524 @@
     </p:spTree>
     <p:extLst>
       <p:ext uri="{BB962C8B-B14F-4D97-AF65-F5344CB8AC3E}">
-        <p14:creationId xmlns:p14="http://schemas.microsoft.com/office/powerpoint/2010/main" val="793989300"/>
+        <p14:creationId xmlns:p14="http://schemas.microsoft.com/office/powerpoint/2010/main" val="2976621450"/>
       </p:ext>
     </p:extLst>
   </p:cSld>
   <p:clrMapOvr>
     <a:masterClrMapping/>
   </p:clrMapOvr>
+  <p:timing>
+    <p:tnLst>
+      <p:par>
+        <p:cTn id="1" dur="indefinite" restart="never" nodeType="tmRoot">
+          <p:childTnLst>
+            <p:seq concurrent="1" nextAc="seek">
+              <p:cTn id="2" dur="indefinite" nodeType="mainSeq">
+                <p:childTnLst>
+                  <p:par>
+                    <p:cTn id="3" fill="hold">
+                      <p:stCondLst>
+                        <p:cond delay="indefinite"/>
+                        <p:cond evt="onBegin" delay="0">
+                          <p:tn val="2"/>
+                        </p:cond>
+                      </p:stCondLst>
+                      <p:childTnLst>
+                        <p:par>
+                          <p:cTn id="4" fill="hold">
+                            <p:stCondLst>
+                              <p:cond delay="0"/>
+                            </p:stCondLst>
+                            <p:childTnLst>
+                              <p:par>
+                                <p:cTn id="5" presetID="10" presetClass="entr" presetSubtype="0" fill="hold" grpId="0" nodeType="afterEffect">
+                                  <p:stCondLst>
+                                    <p:cond delay="0"/>
+                                  </p:stCondLst>
+                                  <p:childTnLst>
+                                    <p:set>
+                                      <p:cBhvr>
+                                        <p:cTn id="6" dur="1" fill="hold">
+                                          <p:stCondLst>
+                                            <p:cond delay="0"/>
+                                          </p:stCondLst>
+                                        </p:cTn>
+                                        <p:tgtEl>
+                                          <p:spTgt spid="3">
+                                            <p:txEl>
+                                              <p:pRg st="0" end="0"/>
+                                            </p:txEl>
+                                          </p:spTgt>
+                                        </p:tgtEl>
+                                        <p:attrNameLst>
+                                          <p:attrName>style.visibility</p:attrName>
+                                        </p:attrNameLst>
+                                      </p:cBhvr>
+                                      <p:to>
+                                        <p:strVal val="visible"/>
+                                      </p:to>
+                                    </p:set>
+                                    <p:animEffect transition="in" filter="fade">
+                                      <p:cBhvr>
+                                        <p:cTn id="7" dur="500"/>
+                                        <p:tgtEl>
+                                          <p:spTgt spid="3">
+                                            <p:txEl>
+                                              <p:pRg st="0" end="0"/>
+                                            </p:txEl>
+                                          </p:spTgt>
+                                        </p:tgtEl>
+                                      </p:cBhvr>
+                                    </p:animEffect>
+                                  </p:childTnLst>
+                                </p:cTn>
+                              </p:par>
+                            </p:childTnLst>
+                          </p:cTn>
+                        </p:par>
+                      </p:childTnLst>
+                    </p:cTn>
+                  </p:par>
+                  <p:par>
+                    <p:cTn id="8" fill="hold">
+                      <p:stCondLst>
+                        <p:cond delay="indefinite"/>
+                      </p:stCondLst>
+                      <p:childTnLst>
+                        <p:par>
+                          <p:cTn id="9" fill="hold">
+                            <p:stCondLst>
+                              <p:cond delay="0"/>
+                            </p:stCondLst>
+                            <p:childTnLst>
+                              <p:par>
+                                <p:cTn id="10" presetID="10" presetClass="entr" presetSubtype="0" fill="hold" grpId="0" nodeType="clickEffect">
+                                  <p:stCondLst>
+                                    <p:cond delay="0"/>
+                                  </p:stCondLst>
+                                  <p:childTnLst>
+                                    <p:set>
+                                      <p:cBhvr>
+                                        <p:cTn id="11" dur="1" fill="hold">
+                                          <p:stCondLst>
+                                            <p:cond delay="0"/>
+                                          </p:stCondLst>
+                                        </p:cTn>
+                                        <p:tgtEl>
+                                          <p:spTgt spid="3">
+                                            <p:txEl>
+                                              <p:pRg st="1" end="1"/>
+                                            </p:txEl>
+                                          </p:spTgt>
+                                        </p:tgtEl>
+                                        <p:attrNameLst>
+                                          <p:attrName>style.visibility</p:attrName>
+                                        </p:attrNameLst>
+                                      </p:cBhvr>
+                                      <p:to>
+                                        <p:strVal val="visible"/>
+                                      </p:to>
+                                    </p:set>
+                                    <p:animEffect transition="in" filter="fade">
+                                      <p:cBhvr>
+                                        <p:cTn id="12" dur="500"/>
+                                        <p:tgtEl>
+                                          <p:spTgt spid="3">
+                                            <p:txEl>
+                                              <p:pRg st="1" end="1"/>
+                                            </p:txEl>
+                                          </p:spTgt>
+                                        </p:tgtEl>
+                                      </p:cBhvr>
+                                    </p:animEffect>
+                                  </p:childTnLst>
+                                </p:cTn>
+                              </p:par>
+                            </p:childTnLst>
+                          </p:cTn>
+                        </p:par>
+                        <p:par>
+                          <p:cTn id="13" fill="hold">
+                            <p:stCondLst>
+                              <p:cond delay="500"/>
+                            </p:stCondLst>
+                            <p:childTnLst>
+                              <p:par>
+                                <p:cTn id="14" presetID="10" presetClass="entr" presetSubtype="0" fill="hold" grpId="0" nodeType="afterEffect">
+                                  <p:stCondLst>
+                                    <p:cond delay="0"/>
+                                  </p:stCondLst>
+                                  <p:childTnLst>
+                                    <p:set>
+                                      <p:cBhvr>
+                                        <p:cTn id="15" dur="1" fill="hold">
+                                          <p:stCondLst>
+                                            <p:cond delay="0"/>
+                                          </p:stCondLst>
+                                        </p:cTn>
+                                        <p:tgtEl>
+                                          <p:spTgt spid="3">
+                                            <p:txEl>
+                                              <p:pRg st="2" end="2"/>
+                                            </p:txEl>
+                                          </p:spTgt>
+                                        </p:tgtEl>
+                                        <p:attrNameLst>
+                                          <p:attrName>style.visibility</p:attrName>
+                                        </p:attrNameLst>
+                                      </p:cBhvr>
+                                      <p:to>
+                                        <p:strVal val="visible"/>
+                                      </p:to>
+                                    </p:set>
+                                    <p:animEffect transition="in" filter="fade">
+                                      <p:cBhvr>
+                                        <p:cTn id="16" dur="500"/>
+                                        <p:tgtEl>
+                                          <p:spTgt spid="3">
+                                            <p:txEl>
+                                              <p:pRg st="2" end="2"/>
+                                            </p:txEl>
+                                          </p:spTgt>
+                                        </p:tgtEl>
+                                      </p:cBhvr>
+                                    </p:animEffect>
+                                  </p:childTnLst>
+                                </p:cTn>
+                              </p:par>
+                            </p:childTnLst>
+                          </p:cTn>
+                        </p:par>
+                      </p:childTnLst>
+                    </p:cTn>
+                  </p:par>
+                  <p:par>
+                    <p:cTn id="17" fill="hold">
+                      <p:stCondLst>
+                        <p:cond delay="indefinite"/>
+                      </p:stCondLst>
+                      <p:childTnLst>
+                        <p:par>
+                          <p:cTn id="18" fill="hold">
+                            <p:stCondLst>
+                              <p:cond delay="0"/>
+                            </p:stCondLst>
+                            <p:childTnLst>
+                              <p:par>
+                                <p:cTn id="19" presetID="10" presetClass="entr" presetSubtype="0" fill="hold" grpId="0" nodeType="clickEffect">
+                                  <p:stCondLst>
+                                    <p:cond delay="0"/>
+                                  </p:stCondLst>
+                                  <p:childTnLst>
+                                    <p:set>
+                                      <p:cBhvr>
+                                        <p:cTn id="20" dur="1" fill="hold">
+                                          <p:stCondLst>
+                                            <p:cond delay="0"/>
+                                          </p:stCondLst>
+                                        </p:cTn>
+                                        <p:tgtEl>
+                                          <p:spTgt spid="3">
+                                            <p:txEl>
+                                              <p:pRg st="3" end="3"/>
+                                            </p:txEl>
+                                          </p:spTgt>
+                                        </p:tgtEl>
+                                        <p:attrNameLst>
+                                          <p:attrName>style.visibility</p:attrName>
+                                        </p:attrNameLst>
+                                      </p:cBhvr>
+                                      <p:to>
+                                        <p:strVal val="visible"/>
+                                      </p:to>
+                                    </p:set>
+                                    <p:animEffect transition="in" filter="fade">
+                                      <p:cBhvr>
+                                        <p:cTn id="21" dur="500"/>
+                                        <p:tgtEl>
+                                          <p:spTgt spid="3">
+                                            <p:txEl>
+                                              <p:pRg st="3" end="3"/>
+                                            </p:txEl>
+                                          </p:spTgt>
+                                        </p:tgtEl>
+                                      </p:cBhvr>
+                                    </p:animEffect>
+                                  </p:childTnLst>
+                                </p:cTn>
+                              </p:par>
+                            </p:childTnLst>
+                          </p:cTn>
+                        </p:par>
+                        <p:par>
+                          <p:cTn id="22" fill="hold">
+                            <p:stCondLst>
+                              <p:cond delay="500"/>
+                            </p:stCondLst>
+                            <p:childTnLst>
+                              <p:par>
+                                <p:cTn id="23" presetID="10" presetClass="entr" presetSubtype="0" fill="hold" grpId="0" nodeType="afterEffect">
+                                  <p:stCondLst>
+                                    <p:cond delay="0"/>
+                                  </p:stCondLst>
+                                  <p:childTnLst>
+                                    <p:set>
+                                      <p:cBhvr>
+                                        <p:cTn id="24" dur="1" fill="hold">
+                                          <p:stCondLst>
+                                            <p:cond delay="0"/>
+                                          </p:stCondLst>
+                                        </p:cTn>
+                                        <p:tgtEl>
+                                          <p:spTgt spid="3">
+                                            <p:txEl>
+                                              <p:pRg st="4" end="4"/>
+                                            </p:txEl>
+                                          </p:spTgt>
+                                        </p:tgtEl>
+                                        <p:attrNameLst>
+                                          <p:attrName>style.visibility</p:attrName>
+                                        </p:attrNameLst>
+                                      </p:cBhvr>
+                                      <p:to>
+                                        <p:strVal val="visible"/>
+                                      </p:to>
+                                    </p:set>
+                                    <p:animEffect transition="in" filter="fade">
+                                      <p:cBhvr>
+                                        <p:cTn id="25" dur="500"/>
+                                        <p:tgtEl>
+                                          <p:spTgt spid="3">
+                                            <p:txEl>
+                                              <p:pRg st="4" end="4"/>
+                                            </p:txEl>
+                                          </p:spTgt>
+                                        </p:tgtEl>
+                                      </p:cBhvr>
+                                    </p:animEffect>
+                                  </p:childTnLst>
+                                </p:cTn>
+                              </p:par>
+                            </p:childTnLst>
+                          </p:cTn>
+                        </p:par>
+                      </p:childTnLst>
+                    </p:cTn>
+                  </p:par>
+                  <p:par>
+                    <p:cTn id="26" fill="hold">
+                      <p:stCondLst>
+                        <p:cond delay="indefinite"/>
+                      </p:stCondLst>
+                      <p:childTnLst>
+                        <p:par>
+                          <p:cTn id="27" fill="hold">
+                            <p:stCondLst>
+                              <p:cond delay="0"/>
+                            </p:stCondLst>
+                            <p:childTnLst>
+                              <p:par>
+                                <p:cTn id="28" presetID="10" presetClass="entr" presetSubtype="0" fill="hold" grpId="0" nodeType="clickEffect">
+                                  <p:stCondLst>
+                                    <p:cond delay="0"/>
+                                  </p:stCondLst>
+                                  <p:childTnLst>
+                                    <p:set>
+                                      <p:cBhvr>
+                                        <p:cTn id="29" dur="1" fill="hold">
+                                          <p:stCondLst>
+                                            <p:cond delay="0"/>
+                                          </p:stCondLst>
+                                        </p:cTn>
+                                        <p:tgtEl>
+                                          <p:spTgt spid="3">
+                                            <p:txEl>
+                                              <p:pRg st="5" end="5"/>
+                                            </p:txEl>
+                                          </p:spTgt>
+                                        </p:tgtEl>
+                                        <p:attrNameLst>
+                                          <p:attrName>style.visibility</p:attrName>
+                                        </p:attrNameLst>
+                                      </p:cBhvr>
+                                      <p:to>
+                                        <p:strVal val="visible"/>
+                                      </p:to>
+                                    </p:set>
+                                    <p:animEffect transition="in" filter="fade">
+                                      <p:cBhvr>
+                                        <p:cTn id="30" dur="500"/>
+                                        <p:tgtEl>
+                                          <p:spTgt spid="3">
+                                            <p:txEl>
+                                              <p:pRg st="5" end="5"/>
+                                            </p:txEl>
+                                          </p:spTgt>
+                                        </p:tgtEl>
+                                      </p:cBhvr>
+                                    </p:animEffect>
+                                  </p:childTnLst>
+                                </p:cTn>
+                              </p:par>
+                            </p:childTnLst>
+                          </p:cTn>
+                        </p:par>
+                      </p:childTnLst>
+                    </p:cTn>
+                  </p:par>
+                  <p:par>
+                    <p:cTn id="31" fill="hold">
+                      <p:stCondLst>
+                        <p:cond delay="indefinite"/>
+                      </p:stCondLst>
+                      <p:childTnLst>
+                        <p:par>
+                          <p:cTn id="32" fill="hold">
+                            <p:stCondLst>
+                              <p:cond delay="0"/>
+                            </p:stCondLst>
+                            <p:childTnLst>
+                              <p:par>
+                                <p:cTn id="33" presetID="10" presetClass="entr" presetSubtype="0" fill="hold" grpId="0" nodeType="clickEffect">
+                                  <p:stCondLst>
+                                    <p:cond delay="0"/>
+                                  </p:stCondLst>
+                                  <p:childTnLst>
+                                    <p:set>
+                                      <p:cBhvr>
+                                        <p:cTn id="34" dur="1" fill="hold">
+                                          <p:stCondLst>
+                                            <p:cond delay="0"/>
+                                          </p:stCondLst>
+                                        </p:cTn>
+                                        <p:tgtEl>
+                                          <p:spTgt spid="3">
+                                            <p:txEl>
+                                              <p:pRg st="6" end="6"/>
+                                            </p:txEl>
+                                          </p:spTgt>
+                                        </p:tgtEl>
+                                        <p:attrNameLst>
+                                          <p:attrName>style.visibility</p:attrName>
+                                        </p:attrNameLst>
+                                      </p:cBhvr>
+                                      <p:to>
+                                        <p:strVal val="visible"/>
+                                      </p:to>
+                                    </p:set>
+                                    <p:animEffect transition="in" filter="fade">
+                                      <p:cBhvr>
+                                        <p:cTn id="35" dur="500"/>
+                                        <p:tgtEl>
+                                          <p:spTgt spid="3">
+                                            <p:txEl>
+                                              <p:pRg st="6" end="6"/>
+                                            </p:txEl>
+                                          </p:spTgt>
+                                        </p:tgtEl>
+                                      </p:cBhvr>
+                                    </p:animEffect>
+                                  </p:childTnLst>
+                                </p:cTn>
+                              </p:par>
+                            </p:childTnLst>
+                          </p:cTn>
+                        </p:par>
+                      </p:childTnLst>
+                    </p:cTn>
+                  </p:par>
+                  <p:par>
+                    <p:cTn id="36" fill="hold">
+                      <p:stCondLst>
+                        <p:cond delay="indefinite"/>
+                      </p:stCondLst>
+                      <p:childTnLst>
+                        <p:par>
+                          <p:cTn id="37" fill="hold">
+                            <p:stCondLst>
+                              <p:cond delay="0"/>
+                            </p:stCondLst>
+                            <p:childTnLst>
+                              <p:par>
+                                <p:cTn id="38" presetID="10" presetClass="entr" presetSubtype="0" fill="hold" grpId="0" nodeType="clickEffect">
+                                  <p:stCondLst>
+                                    <p:cond delay="0"/>
+                                  </p:stCondLst>
+                                  <p:childTnLst>
+                                    <p:set>
+                                      <p:cBhvr>
+                                        <p:cTn id="39" dur="1" fill="hold">
+                                          <p:stCondLst>
+                                            <p:cond delay="0"/>
+                                          </p:stCondLst>
+                                        </p:cTn>
+                                        <p:tgtEl>
+                                          <p:spTgt spid="3">
+                                            <p:txEl>
+                                              <p:pRg st="7" end="7"/>
+                                            </p:txEl>
+                                          </p:spTgt>
+                                        </p:tgtEl>
+                                        <p:attrNameLst>
+                                          <p:attrName>style.visibility</p:attrName>
+                                        </p:attrNameLst>
+                                      </p:cBhvr>
+                                      <p:to>
+                                        <p:strVal val="visible"/>
+                                      </p:to>
+                                    </p:set>
+                                    <p:animEffect transition="in" filter="fade">
+                                      <p:cBhvr>
+                                        <p:cTn id="40" dur="500"/>
+                                        <p:tgtEl>
+                                          <p:spTgt spid="3">
+                                            <p:txEl>
+                                              <p:pRg st="7" end="7"/>
+                                            </p:txEl>
+                                          </p:spTgt>
+                                        </p:tgtEl>
+                                      </p:cBhvr>
+                                    </p:animEffect>
+                                  </p:childTnLst>
+                                </p:cTn>
+                              </p:par>
+                            </p:childTnLst>
+                          </p:cTn>
+                        </p:par>
+                      </p:childTnLst>
+                    </p:cTn>
+                  </p:par>
+                </p:childTnLst>
+              </p:cTn>
+              <p:prevCondLst>
+                <p:cond evt="onPrev" delay="0">
+                  <p:tgtEl>
+                    <p:sldTgt/>
+                  </p:tgtEl>
+                </p:cond>
+              </p:prevCondLst>
+              <p:nextCondLst>
+                <p:cond evt="onNext" delay="0">
+                  <p:tgtEl>
+                    <p:sldTgt/>
+                  </p:tgtEl>
+                </p:cond>
+              </p:nextCondLst>
+            </p:seq>
+          </p:childTnLst>
+        </p:cTn>
+      </p:par>
+    </p:tnLst>
+    <p:bldLst>
+      <p:bldP spid="3" grpId="0" uiExpand="1" build="p"/>
+    </p:bldLst>
+  </p:timing>
 </p:sld>
 </file>
 
 <file path=ppt/slides/slide37.xml><?xml version="1.0" encoding="utf-8"?>
 <p:sld xmlns:a="http://schemas.openxmlformats.org/drawingml/2006/main" xmlns:r="http://schemas.openxmlformats.org/officeDocument/2006/relationships" xmlns:p="http://schemas.openxmlformats.org/presentationml/2006/main">
-  <p:cSld>
-    <p:spTree>
-      <p:nvGrpSpPr>
-        <p:cNvPr id="1" name="Shape 92"/>
-        <p:cNvGrpSpPr/>
-        <p:nvPr/>
-      </p:nvGrpSpPr>
-      <p:grpSpPr>
-        <a:xfrm>
-          <a:off x="0" y="0"/>
-          <a:ext cx="0" cy="0"/>
-          <a:chOff x="0" y="0"/>
-          <a:chExt cx="0" cy="0"/>
-        </a:xfrm>
-      </p:grpSpPr>
-      <p:sp>
-        <p:nvSpPr>
-          <p:cNvPr id="93" name="Google Shape;93;p18"/>
-          <p:cNvSpPr txBox="1">
-            <a:spLocks noGrp="1"/>
-          </p:cNvSpPr>
-          <p:nvPr>
-            <p:ph type="title"/>
-          </p:nvPr>
-        </p:nvSpPr>
-        <p:spPr>
-          <a:xfrm>
-            <a:off x="311700" y="445025"/>
-            <a:ext cx="8520600" cy="623400"/>
-          </a:xfrm>
-          <a:prstGeom prst="rect">
-            <a:avLst/>
-          </a:prstGeom>
-        </p:spPr>
-        <p:txBody>
-          <a:bodyPr spcFirstLastPara="1" wrap="square" lIns="91425" tIns="91425" rIns="91425" bIns="91425" anchor="t" anchorCtr="0">
-            <a:noAutofit/>
-          </a:bodyPr>
-          <a:lstStyle/>
-          <a:p>
-            <a:pPr marL="0" lvl="0" indent="0" algn="l" rtl="0">
-              <a:spcBef>
-                <a:spcPts val="0"/>
-              </a:spcBef>
-              <a:spcAft>
-                <a:spcPts val="0"/>
-              </a:spcAft>
-              <a:buNone/>
-            </a:pPr>
-            <a:r>
-              <a:rPr lang="en"/>
-              <a:t>More resources for help</a:t>
-            </a:r>
-            <a:endParaRPr/>
-          </a:p>
-        </p:txBody>
-      </p:sp>
-      <p:sp>
-        <p:nvSpPr>
-          <p:cNvPr id="94" name="Google Shape;94;p18"/>
-          <p:cNvSpPr txBox="1">
-            <a:spLocks noGrp="1"/>
-          </p:cNvSpPr>
-          <p:nvPr>
-            <p:ph type="body" idx="1"/>
-          </p:nvPr>
-        </p:nvSpPr>
-        <p:spPr>
-          <a:xfrm>
-            <a:off x="311700" y="1152475"/>
-            <a:ext cx="8520600" cy="3416400"/>
-          </a:xfrm>
-          <a:prstGeom prst="rect">
-            <a:avLst/>
-          </a:prstGeom>
-        </p:spPr>
-        <p:txBody>
-          <a:bodyPr spcFirstLastPara="1" wrap="square" lIns="91425" tIns="91425" rIns="91425" bIns="91425" anchor="t" anchorCtr="0">
-            <a:noAutofit/>
-          </a:bodyPr>
-          <a:lstStyle/>
-          <a:p>
-            <a:pPr marL="457200" lvl="0" indent="-381000" algn="l" rtl="0">
-              <a:spcBef>
-                <a:spcPts val="0"/>
-              </a:spcBef>
-              <a:spcAft>
-                <a:spcPts val="0"/>
-              </a:spcAft>
-              <a:buSzPts val="2400"/>
-              <a:buChar char="●"/>
-            </a:pPr>
-            <a:r>
-              <a:rPr lang="en"/>
-              <a:t>Related workshops at UMN: </a:t>
-            </a:r>
-            <a:r>
-              <a:rPr lang="en" u="sng">
-                <a:solidFill>
-                  <a:schemeClr val="hlink"/>
-                </a:solidFill>
-                <a:hlinkClick r:id="rId3"/>
-              </a:rPr>
-              <a:t>https://workshops.umn.edu/</a:t>
-            </a:r>
-            <a:endParaRPr/>
-          </a:p>
-          <a:p>
-            <a:pPr marL="457200" lvl="0" indent="-381000" algn="l" rtl="0">
-              <a:spcBef>
-                <a:spcPts val="0"/>
-              </a:spcBef>
-              <a:spcAft>
-                <a:spcPts val="0"/>
-              </a:spcAft>
-              <a:buSzPts val="2400"/>
-              <a:buChar char="●"/>
-            </a:pPr>
-            <a:r>
-              <a:rPr lang="en"/>
-              <a:t>LATIS: </a:t>
-            </a:r>
-            <a:r>
-              <a:rPr lang="en" u="sng">
-                <a:solidFill>
-                  <a:schemeClr val="hlink"/>
-                </a:solidFill>
-                <a:hlinkClick r:id="rId3"/>
-              </a:rPr>
-              <a:t>https://latisresearch.umn.edu/</a:t>
-            </a:r>
-            <a:endParaRPr/>
-          </a:p>
-          <a:p>
-            <a:pPr marL="457200" lvl="0" indent="-381000" algn="l" rtl="0">
-              <a:spcBef>
-                <a:spcPts val="0"/>
-              </a:spcBef>
-              <a:spcAft>
-                <a:spcPts val="0"/>
-              </a:spcAft>
-              <a:buSzPts val="2400"/>
-              <a:buChar char="●"/>
-            </a:pPr>
-            <a:r>
-              <a:rPr lang="en"/>
-              <a:t>Minnesota Supercomputing Institute: </a:t>
-            </a:r>
-            <a:r>
-              <a:rPr lang="en" u="sng">
-                <a:solidFill>
-                  <a:schemeClr val="hlink"/>
-                </a:solidFill>
-                <a:hlinkClick r:id="rId3"/>
-              </a:rPr>
-              <a:t>https://www.msi.umn.edu</a:t>
-            </a:r>
-            <a:endParaRPr/>
-          </a:p>
-          <a:p>
-            <a:pPr marL="457200" lvl="0" indent="-381000" algn="l" rtl="0">
-              <a:spcBef>
-                <a:spcPts val="0"/>
-              </a:spcBef>
-              <a:spcAft>
-                <a:spcPts val="0"/>
-              </a:spcAft>
-              <a:buSzPts val="2400"/>
-              <a:buChar char="●"/>
-            </a:pPr>
-            <a:r>
-              <a:rPr lang="en"/>
-              <a:t>Data Science Initiative: </a:t>
-            </a:r>
-            <a:r>
-              <a:rPr lang="en" u="sng">
-                <a:solidFill>
-                  <a:schemeClr val="hlink"/>
-                </a:solidFill>
-                <a:hlinkClick r:id="rId4"/>
-              </a:rPr>
-              <a:t>https://dsi.umn.edu/</a:t>
-            </a:r>
-            <a:endParaRPr/>
-          </a:p>
-          <a:p>
-            <a:pPr marL="457200" lvl="0" indent="-381000" algn="l" rtl="0">
-              <a:spcBef>
-                <a:spcPts val="0"/>
-              </a:spcBef>
-              <a:spcAft>
-                <a:spcPts val="0"/>
-              </a:spcAft>
-              <a:buSzPts val="2400"/>
-              <a:buChar char="●"/>
-            </a:pPr>
-            <a:r>
-              <a:rPr lang="en"/>
-              <a:t>U-Spatial: </a:t>
-            </a:r>
-            <a:r>
-              <a:rPr lang="en" u="sng">
-                <a:solidFill>
-                  <a:schemeClr val="hlink"/>
-                </a:solidFill>
-                <a:hlinkClick r:id="rId3"/>
-              </a:rPr>
-              <a:t>https://research.umn.edu/units/uspatial</a:t>
-            </a:r>
-            <a:endParaRPr/>
-          </a:p>
-          <a:p>
-            <a:pPr marL="0" lvl="0" indent="0" algn="l" rtl="0">
-              <a:spcBef>
-                <a:spcPts val="1600"/>
-              </a:spcBef>
-              <a:spcAft>
-                <a:spcPts val="1600"/>
-              </a:spcAft>
-              <a:buNone/>
-            </a:pPr>
-            <a:endParaRPr/>
-          </a:p>
-        </p:txBody>
-      </p:sp>
-    </p:spTree>
-  </p:cSld>
-  <p:clrMapOvr>
-    <a:masterClrMapping/>
-  </p:clrMapOvr>
-</p:sld>
-</file>
-
-<file path=ppt/slides/slide38.xml><?xml version="1.0" encoding="utf-8"?>
-<p:sld xmlns:a="http://schemas.openxmlformats.org/drawingml/2006/main" xmlns:r="http://schemas.openxmlformats.org/officeDocument/2006/relationships" xmlns:p="http://schemas.openxmlformats.org/presentationml/2006/main">
-  <p:cSld>
-    <p:spTree>
-      <p:nvGrpSpPr>
-        <p:cNvPr id="1" name="Shape 98"/>
-        <p:cNvGrpSpPr/>
-        <p:nvPr/>
-      </p:nvGrpSpPr>
-      <p:grpSpPr>
-        <a:xfrm>
-          <a:off x="0" y="0"/>
-          <a:ext cx="0" cy="0"/>
-          <a:chOff x="0" y="0"/>
-          <a:chExt cx="0" cy="0"/>
-        </a:xfrm>
-      </p:grpSpPr>
-      <p:sp>
-        <p:nvSpPr>
-          <p:cNvPr id="99" name="Google Shape;99;p19"/>
-          <p:cNvSpPr txBox="1">
-            <a:spLocks noGrp="1"/>
-          </p:cNvSpPr>
-          <p:nvPr>
-            <p:ph type="title"/>
-          </p:nvPr>
-        </p:nvSpPr>
-        <p:spPr>
-          <a:xfrm>
-            <a:off x="490250" y="235425"/>
-            <a:ext cx="8069400" cy="4382100"/>
-          </a:xfrm>
-          <a:prstGeom prst="rect">
-            <a:avLst/>
-          </a:prstGeom>
-        </p:spPr>
-        <p:txBody>
-          <a:bodyPr spcFirstLastPara="1" wrap="square" lIns="91425" tIns="91425" rIns="91425" bIns="91425" anchor="t" anchorCtr="0">
-            <a:noAutofit/>
-          </a:bodyPr>
-          <a:lstStyle/>
-          <a:p>
-            <a:pPr marL="0" lvl="0" indent="0" algn="l" rtl="0">
-              <a:spcBef>
-                <a:spcPts val="0"/>
-              </a:spcBef>
-              <a:spcAft>
-                <a:spcPts val="0"/>
-              </a:spcAft>
-              <a:buNone/>
-            </a:pPr>
-            <a:r>
-              <a:rPr lang="en" sz="3600" u="sng"/>
-              <a:t>R Shiny</a:t>
-            </a:r>
-            <a:endParaRPr sz="3600" u="sng"/>
-          </a:p>
-          <a:p>
-            <a:pPr marL="0" lvl="0" indent="0" algn="l" rtl="0">
-              <a:spcBef>
-                <a:spcPts val="0"/>
-              </a:spcBef>
-              <a:spcAft>
-                <a:spcPts val="0"/>
-              </a:spcAft>
-              <a:buNone/>
-            </a:pPr>
-            <a:endParaRPr sz="3200" b="0"/>
-          </a:p>
-          <a:p>
-            <a:pPr marL="0" lvl="0" indent="0" algn="l" rtl="0">
-              <a:spcBef>
-                <a:spcPts val="0"/>
-              </a:spcBef>
-              <a:spcAft>
-                <a:spcPts val="0"/>
-              </a:spcAft>
-              <a:buNone/>
-            </a:pPr>
-            <a:r>
-              <a:rPr lang="en" sz="3200" b="0"/>
-              <a:t>Post-workshop survey: </a:t>
-            </a:r>
-            <a:endParaRPr sz="3200" b="0"/>
-          </a:p>
-          <a:p>
-            <a:pPr marL="0" lvl="0" indent="0" algn="l" rtl="0">
-              <a:spcBef>
-                <a:spcPts val="0"/>
-              </a:spcBef>
-              <a:spcAft>
-                <a:spcPts val="0"/>
-              </a:spcAft>
-              <a:buNone/>
-            </a:pPr>
-            <a:r>
-              <a:rPr lang="en" sz="3200" b="0"/>
-              <a:t>https://z.umn.edu/swc-post</a:t>
-            </a:r>
-            <a:endParaRPr sz="3200" b="0"/>
-          </a:p>
-          <a:p>
-            <a:pPr marL="0" lvl="0" indent="0" algn="l" rtl="0">
-              <a:spcBef>
-                <a:spcPts val="0"/>
-              </a:spcBef>
-              <a:spcAft>
-                <a:spcPts val="0"/>
-              </a:spcAft>
-              <a:buNone/>
-            </a:pPr>
-            <a:endParaRPr sz="4400"/>
-          </a:p>
-        </p:txBody>
-      </p:sp>
-      <p:pic>
-        <p:nvPicPr>
-          <p:cNvPr id="100" name="Google Shape;100;p19"/>
-          <p:cNvPicPr preferRelativeResize="0"/>
-          <p:nvPr/>
-        </p:nvPicPr>
-        <p:blipFill>
-          <a:blip r:embed="rId3">
-            <a:alphaModFix/>
-          </a:blip>
-          <a:stretch>
-            <a:fillRect/>
-          </a:stretch>
-        </p:blipFill>
-        <p:spPr>
-          <a:xfrm>
-            <a:off x="6166175" y="2521475"/>
-            <a:ext cx="2162300" cy="2162300"/>
-          </a:xfrm>
-          <a:prstGeom prst="rect">
-            <a:avLst/>
-          </a:prstGeom>
-          <a:noFill/>
-          <a:ln>
-            <a:noFill/>
-          </a:ln>
-        </p:spPr>
-      </p:pic>
-    </p:spTree>
-  </p:cSld>
-  <p:clrMapOvr>
-    <a:masterClrMapping/>
-  </p:clrMapOvr>
-</p:sld>
-</file>
-
-<file path=ppt/slides/slide39.xml><?xml version="1.0" encoding="utf-8"?>
-<p:sld xmlns:a="http://schemas.openxmlformats.org/drawingml/2006/main" xmlns:r="http://schemas.openxmlformats.org/officeDocument/2006/relationships" xmlns:p="http://schemas.openxmlformats.org/presentationml/2006/main" show="0">
   <p:cSld>
     <p:spTree>
       <p:nvGrpSpPr>
@@ -30267,7 +31195,7 @@
           <p:cNvPr id="2" name="Title 1">
             <a:extLst>
               <a:ext uri="{FF2B5EF4-FFF2-40B4-BE49-F238E27FC236}">
-                <a16:creationId xmlns:a16="http://schemas.microsoft.com/office/drawing/2014/main" id="{52C512F1-AB17-D750-8DF2-AAE980398704}"/>
+                <a16:creationId xmlns:a16="http://schemas.microsoft.com/office/drawing/2014/main" id="{C84BEA3F-C8FA-FCDF-6FF3-A159B691BFBF}"/>
               </a:ext>
             </a:extLst>
           </p:cNvPr>
@@ -30278,19 +31206,1898 @@
             <p:ph type="title"/>
           </p:nvPr>
         </p:nvSpPr>
-        <p:spPr>
-          <a:xfrm>
-            <a:off x="311700" y="445025"/>
-            <a:ext cx="3999900" cy="623400"/>
-          </a:xfrm>
-        </p:spPr>
+        <p:spPr/>
         <p:txBody>
           <a:bodyPr/>
           <a:lstStyle/>
           <a:p>
             <a:r>
               <a:rPr lang="en-US" dirty="0"/>
-              <a:t>Getting blocked</a:t>
+              <a:t>Restaurant Shiny</a:t>
+            </a:r>
+          </a:p>
+        </p:txBody>
+      </p:sp>
+      <p:sp>
+        <p:nvSpPr>
+          <p:cNvPr id="4" name="TextBox 3">
+            <a:extLst>
+              <a:ext uri="{FF2B5EF4-FFF2-40B4-BE49-F238E27FC236}">
+                <a16:creationId xmlns:a16="http://schemas.microsoft.com/office/drawing/2014/main" id="{C3023A47-197D-FD69-ACE1-5448CCEFDEAE}"/>
+              </a:ext>
+            </a:extLst>
+          </p:cNvPr>
+          <p:cNvSpPr txBox="1"/>
+          <p:nvPr/>
+        </p:nvSpPr>
+        <p:spPr>
+          <a:xfrm>
+            <a:off x="105221" y="3029564"/>
+            <a:ext cx="1789471" cy="1015663"/>
+          </a:xfrm>
+          <a:prstGeom prst="rect">
+            <a:avLst/>
+          </a:prstGeom>
+          <a:noFill/>
+        </p:spPr>
+        <p:txBody>
+          <a:bodyPr wrap="square" rtlCol="0">
+            <a:spAutoFit/>
+          </a:bodyPr>
+          <a:lstStyle/>
+          <a:p>
+            <a:r>
+              <a:rPr lang="en-US" sz="2000" dirty="0"/>
+              <a:t>R code inside render*({}) = Recipe</a:t>
+            </a:r>
+          </a:p>
+        </p:txBody>
+      </p:sp>
+      <p:pic>
+        <p:nvPicPr>
+          <p:cNvPr id="5" name="Picture 4">
+            <a:extLst>
+              <a:ext uri="{FF2B5EF4-FFF2-40B4-BE49-F238E27FC236}">
+                <a16:creationId xmlns:a16="http://schemas.microsoft.com/office/drawing/2014/main" id="{AD73A77C-D06E-517A-20D0-15B43DBB4186}"/>
+              </a:ext>
+            </a:extLst>
+          </p:cNvPr>
+          <p:cNvPicPr>
+            <a:picLocks noChangeAspect="1"/>
+          </p:cNvPicPr>
+          <p:nvPr/>
+        </p:nvPicPr>
+        <p:blipFill>
+          <a:blip r:embed="rId3">
+            <a:extLst>
+              <a:ext uri="{BEBA8EAE-BF5A-486C-A8C5-ECC9F3942E4B}">
+                <a14:imgProps xmlns:a14="http://schemas.microsoft.com/office/drawing/2010/main">
+                  <a14:imgLayer r:embed="rId4">
+                    <a14:imgEffect>
+                      <a14:saturation sat="400000"/>
+                    </a14:imgEffect>
+                  </a14:imgLayer>
+                </a14:imgProps>
+              </a:ext>
+            </a:extLst>
+          </a:blip>
+          <a:srcRect l="8709" t="17369" r="7792" b="16970"/>
+          <a:stretch/>
+        </p:blipFill>
+        <p:spPr>
+          <a:xfrm>
+            <a:off x="174197" y="1449662"/>
+            <a:ext cx="1789471" cy="1407205"/>
+          </a:xfrm>
+          <a:prstGeom prst="rect">
+            <a:avLst/>
+          </a:prstGeom>
+        </p:spPr>
+      </p:pic>
+      <p:sp>
+        <p:nvSpPr>
+          <p:cNvPr id="6" name="TextBox 5">
+            <a:extLst>
+              <a:ext uri="{FF2B5EF4-FFF2-40B4-BE49-F238E27FC236}">
+                <a16:creationId xmlns:a16="http://schemas.microsoft.com/office/drawing/2014/main" id="{611C4AF5-0DF5-05DC-9448-1840DAD8D8A2}"/>
+              </a:ext>
+            </a:extLst>
+          </p:cNvPr>
+          <p:cNvSpPr txBox="1"/>
+          <p:nvPr/>
+        </p:nvSpPr>
+        <p:spPr>
+          <a:xfrm>
+            <a:off x="3867912" y="3183452"/>
+            <a:ext cx="1408176" cy="707886"/>
+          </a:xfrm>
+          <a:prstGeom prst="rect">
+            <a:avLst/>
+          </a:prstGeom>
+          <a:noFill/>
+        </p:spPr>
+        <p:txBody>
+          <a:bodyPr wrap="square" rtlCol="0">
+            <a:spAutoFit/>
+          </a:bodyPr>
+          <a:lstStyle/>
+          <a:p>
+            <a:r>
+              <a:rPr lang="en-US" sz="2000" dirty="0"/>
+              <a:t>render*({}) = Chef</a:t>
+            </a:r>
+          </a:p>
+        </p:txBody>
+      </p:sp>
+      <p:pic>
+        <p:nvPicPr>
+          <p:cNvPr id="8" name="Graphic 7" descr="Chef female outline">
+            <a:extLst>
+              <a:ext uri="{FF2B5EF4-FFF2-40B4-BE49-F238E27FC236}">
+                <a16:creationId xmlns:a16="http://schemas.microsoft.com/office/drawing/2014/main" id="{30E55742-18AB-0876-5063-E3081CF7B5D5}"/>
+              </a:ext>
+            </a:extLst>
+          </p:cNvPr>
+          <p:cNvPicPr>
+            <a:picLocks noChangeAspect="1"/>
+          </p:cNvPicPr>
+          <p:nvPr/>
+        </p:nvPicPr>
+        <p:blipFill>
+          <a:blip r:embed="rId5">
+            <a:extLst>
+              <a:ext uri="{96DAC541-7B7A-43D3-8B79-37D633B846F1}">
+                <asvg:svgBlip xmlns:asvg="http://schemas.microsoft.com/office/drawing/2016/SVG/main" r:embed="rId6"/>
+              </a:ext>
+            </a:extLst>
+          </a:blip>
+          <a:stretch>
+            <a:fillRect/>
+          </a:stretch>
+        </p:blipFill>
+        <p:spPr>
+          <a:xfrm>
+            <a:off x="3827328" y="1576233"/>
+            <a:ext cx="1408176" cy="1408176"/>
+          </a:xfrm>
+          <a:prstGeom prst="rect">
+            <a:avLst/>
+          </a:prstGeom>
+        </p:spPr>
+      </p:pic>
+      <p:sp>
+        <p:nvSpPr>
+          <p:cNvPr id="9" name="TextBox 8">
+            <a:extLst>
+              <a:ext uri="{FF2B5EF4-FFF2-40B4-BE49-F238E27FC236}">
+                <a16:creationId xmlns:a16="http://schemas.microsoft.com/office/drawing/2014/main" id="{96FA04ED-4F0D-B98A-0EAC-143BFC805100}"/>
+              </a:ext>
+            </a:extLst>
+          </p:cNvPr>
+          <p:cNvSpPr txBox="1"/>
+          <p:nvPr/>
+        </p:nvSpPr>
+        <p:spPr>
+          <a:xfrm>
+            <a:off x="2142213" y="3029564"/>
+            <a:ext cx="1503376" cy="1323439"/>
+          </a:xfrm>
+          <a:prstGeom prst="rect">
+            <a:avLst/>
+          </a:prstGeom>
+          <a:noFill/>
+        </p:spPr>
+        <p:txBody>
+          <a:bodyPr wrap="square" rtlCol="0">
+            <a:spAutoFit/>
+          </a:bodyPr>
+          <a:lstStyle/>
+          <a:p>
+            <a:r>
+              <a:rPr lang="en-US" sz="2000" dirty="0"/>
+              <a:t>Final R object = Uncooked meal</a:t>
+            </a:r>
+          </a:p>
+        </p:txBody>
+      </p:sp>
+      <p:sp>
+        <p:nvSpPr>
+          <p:cNvPr id="12" name="TextBox 11">
+            <a:extLst>
+              <a:ext uri="{FF2B5EF4-FFF2-40B4-BE49-F238E27FC236}">
+                <a16:creationId xmlns:a16="http://schemas.microsoft.com/office/drawing/2014/main" id="{7C631CDD-E7A1-97A7-35B3-E19A949CA89D}"/>
+              </a:ext>
+            </a:extLst>
+          </p:cNvPr>
+          <p:cNvSpPr txBox="1"/>
+          <p:nvPr/>
+        </p:nvSpPr>
+        <p:spPr>
+          <a:xfrm>
+            <a:off x="5498411" y="3183452"/>
+            <a:ext cx="1366683" cy="707886"/>
+          </a:xfrm>
+          <a:prstGeom prst="rect">
+            <a:avLst/>
+          </a:prstGeom>
+          <a:noFill/>
+        </p:spPr>
+        <p:txBody>
+          <a:bodyPr wrap="square" rtlCol="0">
+            <a:spAutoFit/>
+          </a:bodyPr>
+          <a:lstStyle/>
+          <a:p>
+            <a:r>
+              <a:rPr lang="en-US" sz="2000" dirty="0"/>
+              <a:t>output = Waiter</a:t>
+            </a:r>
+          </a:p>
+        </p:txBody>
+      </p:sp>
+      <p:pic>
+        <p:nvPicPr>
+          <p:cNvPr id="14" name="Graphic 13" descr="Waiter male with solid fill">
+            <a:extLst>
+              <a:ext uri="{FF2B5EF4-FFF2-40B4-BE49-F238E27FC236}">
+                <a16:creationId xmlns:a16="http://schemas.microsoft.com/office/drawing/2014/main" id="{AD904575-04F3-F064-5027-8ADABA6A8130}"/>
+              </a:ext>
+            </a:extLst>
+          </p:cNvPr>
+          <p:cNvPicPr>
+            <a:picLocks noChangeAspect="1"/>
+          </p:cNvPicPr>
+          <p:nvPr/>
+        </p:nvPicPr>
+        <p:blipFill>
+          <a:blip r:embed="rId7">
+            <a:extLst>
+              <a:ext uri="{96DAC541-7B7A-43D3-8B79-37D633B846F1}">
+                <asvg:svgBlip xmlns:asvg="http://schemas.microsoft.com/office/drawing/2016/SVG/main" r:embed="rId8"/>
+              </a:ext>
+            </a:extLst>
+          </a:blip>
+          <a:stretch>
+            <a:fillRect/>
+          </a:stretch>
+        </p:blipFill>
+        <p:spPr>
+          <a:xfrm>
+            <a:off x="5461649" y="1573179"/>
+            <a:ext cx="1408176" cy="1408176"/>
+          </a:xfrm>
+          <a:prstGeom prst="rect">
+            <a:avLst/>
+          </a:prstGeom>
+        </p:spPr>
+      </p:pic>
+      <p:sp>
+        <p:nvSpPr>
+          <p:cNvPr id="15" name="TextBox 14">
+            <a:extLst>
+              <a:ext uri="{FF2B5EF4-FFF2-40B4-BE49-F238E27FC236}">
+                <a16:creationId xmlns:a16="http://schemas.microsoft.com/office/drawing/2014/main" id="{C9F9B9C8-1D63-9664-AE54-4D04A8F56252}"/>
+              </a:ext>
+            </a:extLst>
+          </p:cNvPr>
+          <p:cNvSpPr txBox="1"/>
+          <p:nvPr/>
+        </p:nvSpPr>
+        <p:spPr>
+          <a:xfrm>
+            <a:off x="7459556" y="3183452"/>
+            <a:ext cx="1789471" cy="707886"/>
+          </a:xfrm>
+          <a:prstGeom prst="rect">
+            <a:avLst/>
+          </a:prstGeom>
+          <a:noFill/>
+        </p:spPr>
+        <p:txBody>
+          <a:bodyPr wrap="square" rtlCol="0">
+            <a:spAutoFit/>
+          </a:bodyPr>
+          <a:lstStyle/>
+          <a:p>
+            <a:r>
+              <a:rPr lang="en-US" sz="2000" dirty="0" err="1"/>
+              <a:t>outputId</a:t>
+            </a:r>
+            <a:r>
+              <a:rPr lang="en-US" sz="2000" dirty="0"/>
+              <a:t> = Order ticket </a:t>
+            </a:r>
+          </a:p>
+        </p:txBody>
+      </p:sp>
+      <p:pic>
+        <p:nvPicPr>
+          <p:cNvPr id="16" name="Picture 15">
+            <a:extLst>
+              <a:ext uri="{FF2B5EF4-FFF2-40B4-BE49-F238E27FC236}">
+                <a16:creationId xmlns:a16="http://schemas.microsoft.com/office/drawing/2014/main" id="{AF1B3D2F-E7A7-BC1B-9818-4DA0B3499204}"/>
+              </a:ext>
+            </a:extLst>
+          </p:cNvPr>
+          <p:cNvPicPr>
+            <a:picLocks noChangeAspect="1"/>
+          </p:cNvPicPr>
+          <p:nvPr/>
+        </p:nvPicPr>
+        <p:blipFill>
+          <a:blip r:embed="rId9"/>
+          <a:srcRect l="17803" t="200" r="5779" b="24010"/>
+          <a:stretch/>
+        </p:blipFill>
+        <p:spPr>
+          <a:xfrm>
+            <a:off x="7095970" y="1573179"/>
+            <a:ext cx="1977655" cy="1408176"/>
+          </a:xfrm>
+          <a:prstGeom prst="rect">
+            <a:avLst/>
+          </a:prstGeom>
+        </p:spPr>
+      </p:pic>
+      <p:pic>
+        <p:nvPicPr>
+          <p:cNvPr id="18" name="Graphic 17" descr="Chicken leg outline">
+            <a:extLst>
+              <a:ext uri="{FF2B5EF4-FFF2-40B4-BE49-F238E27FC236}">
+                <a16:creationId xmlns:a16="http://schemas.microsoft.com/office/drawing/2014/main" id="{B10907B6-F46A-5A55-BD79-4FAC8605F8E8}"/>
+              </a:ext>
+            </a:extLst>
+          </p:cNvPr>
+          <p:cNvPicPr>
+            <a:picLocks noChangeAspect="1"/>
+          </p:cNvPicPr>
+          <p:nvPr/>
+        </p:nvPicPr>
+        <p:blipFill>
+          <a:blip r:embed="rId10">
+            <a:extLst>
+              <a:ext uri="{96DAC541-7B7A-43D3-8B79-37D633B846F1}">
+                <asvg:svgBlip xmlns:asvg="http://schemas.microsoft.com/office/drawing/2016/SVG/main" r:embed="rId11"/>
+              </a:ext>
+            </a:extLst>
+          </a:blip>
+          <a:stretch>
+            <a:fillRect/>
+          </a:stretch>
+        </p:blipFill>
+        <p:spPr>
+          <a:xfrm>
+            <a:off x="2189813" y="1573179"/>
+            <a:ext cx="1408176" cy="1408176"/>
+          </a:xfrm>
+          <a:prstGeom prst="rect">
+            <a:avLst/>
+          </a:prstGeom>
+        </p:spPr>
+      </p:pic>
+      <p:pic>
+        <p:nvPicPr>
+          <p:cNvPr id="20" name="Graphic 19" descr="Pasta with solid fill">
+            <a:extLst>
+              <a:ext uri="{FF2B5EF4-FFF2-40B4-BE49-F238E27FC236}">
+                <a16:creationId xmlns:a16="http://schemas.microsoft.com/office/drawing/2014/main" id="{AF4D5D91-9713-F3B5-44D9-5FD7FA01FADA}"/>
+              </a:ext>
+            </a:extLst>
+          </p:cNvPr>
+          <p:cNvPicPr>
+            <a:picLocks noChangeAspect="1"/>
+          </p:cNvPicPr>
+          <p:nvPr/>
+        </p:nvPicPr>
+        <p:blipFill>
+          <a:blip r:embed="rId12">
+            <a:extLst>
+              <a:ext uri="{96DAC541-7B7A-43D3-8B79-37D633B846F1}">
+                <asvg:svgBlip xmlns:asvg="http://schemas.microsoft.com/office/drawing/2016/SVG/main" r:embed="rId13"/>
+              </a:ext>
+            </a:extLst>
+          </a:blip>
+          <a:stretch>
+            <a:fillRect/>
+          </a:stretch>
+        </p:blipFill>
+        <p:spPr>
+          <a:xfrm>
+            <a:off x="4328981" y="63955"/>
+            <a:ext cx="1408176" cy="1408176"/>
+          </a:xfrm>
+          <a:prstGeom prst="rect">
+            <a:avLst/>
+          </a:prstGeom>
+        </p:spPr>
+      </p:pic>
+      <p:sp>
+        <p:nvSpPr>
+          <p:cNvPr id="21" name="TextBox 20">
+            <a:extLst>
+              <a:ext uri="{FF2B5EF4-FFF2-40B4-BE49-F238E27FC236}">
+                <a16:creationId xmlns:a16="http://schemas.microsoft.com/office/drawing/2014/main" id="{0C5A0A05-805A-55A1-BEAD-41C0E155083A}"/>
+              </a:ext>
+            </a:extLst>
+          </p:cNvPr>
+          <p:cNvSpPr txBox="1"/>
+          <p:nvPr/>
+        </p:nvSpPr>
+        <p:spPr>
+          <a:xfrm>
+            <a:off x="5737157" y="402782"/>
+            <a:ext cx="2856397" cy="707886"/>
+          </a:xfrm>
+          <a:prstGeom prst="rect">
+            <a:avLst/>
+          </a:prstGeom>
+          <a:noFill/>
+        </p:spPr>
+        <p:txBody>
+          <a:bodyPr wrap="square" rtlCol="0">
+            <a:spAutoFit/>
+          </a:bodyPr>
+          <a:lstStyle/>
+          <a:p>
+            <a:r>
+              <a:rPr lang="en-US" sz="2000" dirty="0"/>
+              <a:t>Rendered HTML object = Cooked meal</a:t>
+            </a:r>
+          </a:p>
+        </p:txBody>
+      </p:sp>
+      <p:pic>
+        <p:nvPicPr>
+          <p:cNvPr id="23" name="Graphic 22" descr="Table and chairs with solid fill">
+            <a:extLst>
+              <a:ext uri="{FF2B5EF4-FFF2-40B4-BE49-F238E27FC236}">
+                <a16:creationId xmlns:a16="http://schemas.microsoft.com/office/drawing/2014/main" id="{275D61ED-4DC1-3E3C-0F00-1A63DD5F0920}"/>
+              </a:ext>
+            </a:extLst>
+          </p:cNvPr>
+          <p:cNvPicPr>
+            <a:picLocks noChangeAspect="1"/>
+          </p:cNvPicPr>
+          <p:nvPr/>
+        </p:nvPicPr>
+        <p:blipFill>
+          <a:blip r:embed="rId14">
+            <a:extLst>
+              <a:ext uri="{96DAC541-7B7A-43D3-8B79-37D633B846F1}">
+                <asvg:svgBlip xmlns:asvg="http://schemas.microsoft.com/office/drawing/2016/SVG/main" r:embed="rId15"/>
+              </a:ext>
+            </a:extLst>
+          </a:blip>
+          <a:stretch>
+            <a:fillRect/>
+          </a:stretch>
+        </p:blipFill>
+        <p:spPr>
+          <a:xfrm>
+            <a:off x="4199861" y="3891337"/>
+            <a:ext cx="1408176" cy="1408176"/>
+          </a:xfrm>
+          <a:prstGeom prst="rect">
+            <a:avLst/>
+          </a:prstGeom>
+        </p:spPr>
+      </p:pic>
+      <p:sp>
+        <p:nvSpPr>
+          <p:cNvPr id="24" name="TextBox 23">
+            <a:extLst>
+              <a:ext uri="{FF2B5EF4-FFF2-40B4-BE49-F238E27FC236}">
+                <a16:creationId xmlns:a16="http://schemas.microsoft.com/office/drawing/2014/main" id="{6BB1D555-B306-8435-1B43-CC368E17DF47}"/>
+              </a:ext>
+            </a:extLst>
+          </p:cNvPr>
+          <p:cNvSpPr txBox="1"/>
+          <p:nvPr/>
+        </p:nvSpPr>
+        <p:spPr>
+          <a:xfrm>
+            <a:off x="5737156" y="4395370"/>
+            <a:ext cx="2856397" cy="400110"/>
+          </a:xfrm>
+          <a:prstGeom prst="rect">
+            <a:avLst/>
+          </a:prstGeom>
+          <a:noFill/>
+        </p:spPr>
+        <p:txBody>
+          <a:bodyPr wrap="square" rtlCol="0">
+            <a:spAutoFit/>
+          </a:bodyPr>
+          <a:lstStyle/>
+          <a:p>
+            <a:r>
+              <a:rPr lang="en-US" sz="2000" dirty="0"/>
+              <a:t>*Output() = Table</a:t>
+            </a:r>
+          </a:p>
+        </p:txBody>
+      </p:sp>
+    </p:spTree>
+    <p:extLst>
+      <p:ext uri="{BB962C8B-B14F-4D97-AF65-F5344CB8AC3E}">
+        <p14:creationId xmlns:p14="http://schemas.microsoft.com/office/powerpoint/2010/main" val="1626421317"/>
+      </p:ext>
+    </p:extLst>
+  </p:cSld>
+  <p:clrMapOvr>
+    <a:masterClrMapping/>
+  </p:clrMapOvr>
+  <p:timing>
+    <p:tnLst>
+      <p:par>
+        <p:cTn id="1" dur="indefinite" restart="never" nodeType="tmRoot">
+          <p:childTnLst>
+            <p:seq concurrent="1" nextAc="seek">
+              <p:cTn id="2" dur="indefinite" nodeType="mainSeq">
+                <p:childTnLst>
+                  <p:par>
+                    <p:cTn id="3" fill="hold">
+                      <p:stCondLst>
+                        <p:cond delay="indefinite"/>
+                      </p:stCondLst>
+                      <p:childTnLst>
+                        <p:par>
+                          <p:cTn id="4" fill="hold">
+                            <p:stCondLst>
+                              <p:cond delay="0"/>
+                            </p:stCondLst>
+                            <p:childTnLst>
+                              <p:par>
+                                <p:cTn id="5" presetID="10" presetClass="entr" presetSubtype="0" fill="hold" nodeType="clickEffect">
+                                  <p:stCondLst>
+                                    <p:cond delay="0"/>
+                                  </p:stCondLst>
+                                  <p:childTnLst>
+                                    <p:set>
+                                      <p:cBhvr>
+                                        <p:cTn id="6" dur="1" fill="hold">
+                                          <p:stCondLst>
+                                            <p:cond delay="0"/>
+                                          </p:stCondLst>
+                                        </p:cTn>
+                                        <p:tgtEl>
+                                          <p:spTgt spid="5"/>
+                                        </p:tgtEl>
+                                        <p:attrNameLst>
+                                          <p:attrName>style.visibility</p:attrName>
+                                        </p:attrNameLst>
+                                      </p:cBhvr>
+                                      <p:to>
+                                        <p:strVal val="visible"/>
+                                      </p:to>
+                                    </p:set>
+                                    <p:animEffect transition="in" filter="fade">
+                                      <p:cBhvr>
+                                        <p:cTn id="7" dur="500"/>
+                                        <p:tgtEl>
+                                          <p:spTgt spid="5"/>
+                                        </p:tgtEl>
+                                      </p:cBhvr>
+                                    </p:animEffect>
+                                  </p:childTnLst>
+                                </p:cTn>
+                              </p:par>
+                              <p:par>
+                                <p:cTn id="8" presetID="10" presetClass="entr" presetSubtype="0" fill="hold" grpId="0" nodeType="withEffect">
+                                  <p:stCondLst>
+                                    <p:cond delay="0"/>
+                                  </p:stCondLst>
+                                  <p:childTnLst>
+                                    <p:set>
+                                      <p:cBhvr>
+                                        <p:cTn id="9" dur="1" fill="hold">
+                                          <p:stCondLst>
+                                            <p:cond delay="0"/>
+                                          </p:stCondLst>
+                                        </p:cTn>
+                                        <p:tgtEl>
+                                          <p:spTgt spid="4"/>
+                                        </p:tgtEl>
+                                        <p:attrNameLst>
+                                          <p:attrName>style.visibility</p:attrName>
+                                        </p:attrNameLst>
+                                      </p:cBhvr>
+                                      <p:to>
+                                        <p:strVal val="visible"/>
+                                      </p:to>
+                                    </p:set>
+                                    <p:animEffect transition="in" filter="fade">
+                                      <p:cBhvr>
+                                        <p:cTn id="10" dur="500"/>
+                                        <p:tgtEl>
+                                          <p:spTgt spid="4"/>
+                                        </p:tgtEl>
+                                      </p:cBhvr>
+                                    </p:animEffect>
+                                  </p:childTnLst>
+                                </p:cTn>
+                              </p:par>
+                            </p:childTnLst>
+                          </p:cTn>
+                        </p:par>
+                      </p:childTnLst>
+                    </p:cTn>
+                  </p:par>
+                  <p:par>
+                    <p:cTn id="11" fill="hold">
+                      <p:stCondLst>
+                        <p:cond delay="indefinite"/>
+                      </p:stCondLst>
+                      <p:childTnLst>
+                        <p:par>
+                          <p:cTn id="12" fill="hold">
+                            <p:stCondLst>
+                              <p:cond delay="0"/>
+                            </p:stCondLst>
+                            <p:childTnLst>
+                              <p:par>
+                                <p:cTn id="13" presetID="10" presetClass="entr" presetSubtype="0" fill="hold" nodeType="clickEffect">
+                                  <p:stCondLst>
+                                    <p:cond delay="0"/>
+                                  </p:stCondLst>
+                                  <p:childTnLst>
+                                    <p:set>
+                                      <p:cBhvr>
+                                        <p:cTn id="14" dur="1" fill="hold">
+                                          <p:stCondLst>
+                                            <p:cond delay="0"/>
+                                          </p:stCondLst>
+                                        </p:cTn>
+                                        <p:tgtEl>
+                                          <p:spTgt spid="18"/>
+                                        </p:tgtEl>
+                                        <p:attrNameLst>
+                                          <p:attrName>style.visibility</p:attrName>
+                                        </p:attrNameLst>
+                                      </p:cBhvr>
+                                      <p:to>
+                                        <p:strVal val="visible"/>
+                                      </p:to>
+                                    </p:set>
+                                    <p:animEffect transition="in" filter="fade">
+                                      <p:cBhvr>
+                                        <p:cTn id="15" dur="500"/>
+                                        <p:tgtEl>
+                                          <p:spTgt spid="18"/>
+                                        </p:tgtEl>
+                                      </p:cBhvr>
+                                    </p:animEffect>
+                                  </p:childTnLst>
+                                </p:cTn>
+                              </p:par>
+                              <p:par>
+                                <p:cTn id="16" presetID="10" presetClass="entr" presetSubtype="0" fill="hold" grpId="0" nodeType="withEffect">
+                                  <p:stCondLst>
+                                    <p:cond delay="0"/>
+                                  </p:stCondLst>
+                                  <p:childTnLst>
+                                    <p:set>
+                                      <p:cBhvr>
+                                        <p:cTn id="17" dur="1" fill="hold">
+                                          <p:stCondLst>
+                                            <p:cond delay="0"/>
+                                          </p:stCondLst>
+                                        </p:cTn>
+                                        <p:tgtEl>
+                                          <p:spTgt spid="9"/>
+                                        </p:tgtEl>
+                                        <p:attrNameLst>
+                                          <p:attrName>style.visibility</p:attrName>
+                                        </p:attrNameLst>
+                                      </p:cBhvr>
+                                      <p:to>
+                                        <p:strVal val="visible"/>
+                                      </p:to>
+                                    </p:set>
+                                    <p:animEffect transition="in" filter="fade">
+                                      <p:cBhvr>
+                                        <p:cTn id="18" dur="500"/>
+                                        <p:tgtEl>
+                                          <p:spTgt spid="9"/>
+                                        </p:tgtEl>
+                                      </p:cBhvr>
+                                    </p:animEffect>
+                                  </p:childTnLst>
+                                </p:cTn>
+                              </p:par>
+                            </p:childTnLst>
+                          </p:cTn>
+                        </p:par>
+                      </p:childTnLst>
+                    </p:cTn>
+                  </p:par>
+                  <p:par>
+                    <p:cTn id="19" fill="hold">
+                      <p:stCondLst>
+                        <p:cond delay="indefinite"/>
+                      </p:stCondLst>
+                      <p:childTnLst>
+                        <p:par>
+                          <p:cTn id="20" fill="hold">
+                            <p:stCondLst>
+                              <p:cond delay="0"/>
+                            </p:stCondLst>
+                            <p:childTnLst>
+                              <p:par>
+                                <p:cTn id="21" presetID="10" presetClass="entr" presetSubtype="0" fill="hold" nodeType="clickEffect">
+                                  <p:stCondLst>
+                                    <p:cond delay="0"/>
+                                  </p:stCondLst>
+                                  <p:childTnLst>
+                                    <p:set>
+                                      <p:cBhvr>
+                                        <p:cTn id="22" dur="1" fill="hold">
+                                          <p:stCondLst>
+                                            <p:cond delay="0"/>
+                                          </p:stCondLst>
+                                        </p:cTn>
+                                        <p:tgtEl>
+                                          <p:spTgt spid="8"/>
+                                        </p:tgtEl>
+                                        <p:attrNameLst>
+                                          <p:attrName>style.visibility</p:attrName>
+                                        </p:attrNameLst>
+                                      </p:cBhvr>
+                                      <p:to>
+                                        <p:strVal val="visible"/>
+                                      </p:to>
+                                    </p:set>
+                                    <p:animEffect transition="in" filter="fade">
+                                      <p:cBhvr>
+                                        <p:cTn id="23" dur="500"/>
+                                        <p:tgtEl>
+                                          <p:spTgt spid="8"/>
+                                        </p:tgtEl>
+                                      </p:cBhvr>
+                                    </p:animEffect>
+                                  </p:childTnLst>
+                                </p:cTn>
+                              </p:par>
+                              <p:par>
+                                <p:cTn id="24" presetID="10" presetClass="entr" presetSubtype="0" fill="hold" grpId="0" nodeType="withEffect">
+                                  <p:stCondLst>
+                                    <p:cond delay="0"/>
+                                  </p:stCondLst>
+                                  <p:childTnLst>
+                                    <p:set>
+                                      <p:cBhvr>
+                                        <p:cTn id="25" dur="1" fill="hold">
+                                          <p:stCondLst>
+                                            <p:cond delay="0"/>
+                                          </p:stCondLst>
+                                        </p:cTn>
+                                        <p:tgtEl>
+                                          <p:spTgt spid="6"/>
+                                        </p:tgtEl>
+                                        <p:attrNameLst>
+                                          <p:attrName>style.visibility</p:attrName>
+                                        </p:attrNameLst>
+                                      </p:cBhvr>
+                                      <p:to>
+                                        <p:strVal val="visible"/>
+                                      </p:to>
+                                    </p:set>
+                                    <p:animEffect transition="in" filter="fade">
+                                      <p:cBhvr>
+                                        <p:cTn id="26" dur="500"/>
+                                        <p:tgtEl>
+                                          <p:spTgt spid="6"/>
+                                        </p:tgtEl>
+                                      </p:cBhvr>
+                                    </p:animEffect>
+                                  </p:childTnLst>
+                                </p:cTn>
+                              </p:par>
+                            </p:childTnLst>
+                          </p:cTn>
+                        </p:par>
+                      </p:childTnLst>
+                    </p:cTn>
+                  </p:par>
+                  <p:par>
+                    <p:cTn id="27" fill="hold">
+                      <p:stCondLst>
+                        <p:cond delay="indefinite"/>
+                      </p:stCondLst>
+                      <p:childTnLst>
+                        <p:par>
+                          <p:cTn id="28" fill="hold">
+                            <p:stCondLst>
+                              <p:cond delay="0"/>
+                            </p:stCondLst>
+                            <p:childTnLst>
+                              <p:par>
+                                <p:cTn id="29" presetID="10" presetClass="entr" presetSubtype="0" fill="hold" grpId="0" nodeType="clickEffect">
+                                  <p:stCondLst>
+                                    <p:cond delay="0"/>
+                                  </p:stCondLst>
+                                  <p:childTnLst>
+                                    <p:set>
+                                      <p:cBhvr>
+                                        <p:cTn id="30" dur="1" fill="hold">
+                                          <p:stCondLst>
+                                            <p:cond delay="0"/>
+                                          </p:stCondLst>
+                                        </p:cTn>
+                                        <p:tgtEl>
+                                          <p:spTgt spid="21"/>
+                                        </p:tgtEl>
+                                        <p:attrNameLst>
+                                          <p:attrName>style.visibility</p:attrName>
+                                        </p:attrNameLst>
+                                      </p:cBhvr>
+                                      <p:to>
+                                        <p:strVal val="visible"/>
+                                      </p:to>
+                                    </p:set>
+                                    <p:animEffect transition="in" filter="fade">
+                                      <p:cBhvr>
+                                        <p:cTn id="31" dur="500"/>
+                                        <p:tgtEl>
+                                          <p:spTgt spid="21"/>
+                                        </p:tgtEl>
+                                      </p:cBhvr>
+                                    </p:animEffect>
+                                  </p:childTnLst>
+                                </p:cTn>
+                              </p:par>
+                              <p:par>
+                                <p:cTn id="32" presetID="10" presetClass="entr" presetSubtype="0" fill="hold" nodeType="withEffect">
+                                  <p:stCondLst>
+                                    <p:cond delay="0"/>
+                                  </p:stCondLst>
+                                  <p:childTnLst>
+                                    <p:set>
+                                      <p:cBhvr>
+                                        <p:cTn id="33" dur="1" fill="hold">
+                                          <p:stCondLst>
+                                            <p:cond delay="0"/>
+                                          </p:stCondLst>
+                                        </p:cTn>
+                                        <p:tgtEl>
+                                          <p:spTgt spid="20"/>
+                                        </p:tgtEl>
+                                        <p:attrNameLst>
+                                          <p:attrName>style.visibility</p:attrName>
+                                        </p:attrNameLst>
+                                      </p:cBhvr>
+                                      <p:to>
+                                        <p:strVal val="visible"/>
+                                      </p:to>
+                                    </p:set>
+                                    <p:animEffect transition="in" filter="fade">
+                                      <p:cBhvr>
+                                        <p:cTn id="34" dur="500"/>
+                                        <p:tgtEl>
+                                          <p:spTgt spid="20"/>
+                                        </p:tgtEl>
+                                      </p:cBhvr>
+                                    </p:animEffect>
+                                  </p:childTnLst>
+                                </p:cTn>
+                              </p:par>
+                            </p:childTnLst>
+                          </p:cTn>
+                        </p:par>
+                      </p:childTnLst>
+                    </p:cTn>
+                  </p:par>
+                  <p:par>
+                    <p:cTn id="35" fill="hold">
+                      <p:stCondLst>
+                        <p:cond delay="indefinite"/>
+                      </p:stCondLst>
+                      <p:childTnLst>
+                        <p:par>
+                          <p:cTn id="36" fill="hold">
+                            <p:stCondLst>
+                              <p:cond delay="0"/>
+                            </p:stCondLst>
+                            <p:childTnLst>
+                              <p:par>
+                                <p:cTn id="37" presetID="10" presetClass="entr" presetSubtype="0" fill="hold" nodeType="clickEffect">
+                                  <p:stCondLst>
+                                    <p:cond delay="0"/>
+                                  </p:stCondLst>
+                                  <p:childTnLst>
+                                    <p:set>
+                                      <p:cBhvr>
+                                        <p:cTn id="38" dur="1" fill="hold">
+                                          <p:stCondLst>
+                                            <p:cond delay="0"/>
+                                          </p:stCondLst>
+                                        </p:cTn>
+                                        <p:tgtEl>
+                                          <p:spTgt spid="14"/>
+                                        </p:tgtEl>
+                                        <p:attrNameLst>
+                                          <p:attrName>style.visibility</p:attrName>
+                                        </p:attrNameLst>
+                                      </p:cBhvr>
+                                      <p:to>
+                                        <p:strVal val="visible"/>
+                                      </p:to>
+                                    </p:set>
+                                    <p:animEffect transition="in" filter="fade">
+                                      <p:cBhvr>
+                                        <p:cTn id="39" dur="500"/>
+                                        <p:tgtEl>
+                                          <p:spTgt spid="14"/>
+                                        </p:tgtEl>
+                                      </p:cBhvr>
+                                    </p:animEffect>
+                                  </p:childTnLst>
+                                </p:cTn>
+                              </p:par>
+                              <p:par>
+                                <p:cTn id="40" presetID="10" presetClass="entr" presetSubtype="0" fill="hold" grpId="0" nodeType="withEffect">
+                                  <p:stCondLst>
+                                    <p:cond delay="0"/>
+                                  </p:stCondLst>
+                                  <p:childTnLst>
+                                    <p:set>
+                                      <p:cBhvr>
+                                        <p:cTn id="41" dur="1" fill="hold">
+                                          <p:stCondLst>
+                                            <p:cond delay="0"/>
+                                          </p:stCondLst>
+                                        </p:cTn>
+                                        <p:tgtEl>
+                                          <p:spTgt spid="12"/>
+                                        </p:tgtEl>
+                                        <p:attrNameLst>
+                                          <p:attrName>style.visibility</p:attrName>
+                                        </p:attrNameLst>
+                                      </p:cBhvr>
+                                      <p:to>
+                                        <p:strVal val="visible"/>
+                                      </p:to>
+                                    </p:set>
+                                    <p:animEffect transition="in" filter="fade">
+                                      <p:cBhvr>
+                                        <p:cTn id="42" dur="500"/>
+                                        <p:tgtEl>
+                                          <p:spTgt spid="12"/>
+                                        </p:tgtEl>
+                                      </p:cBhvr>
+                                    </p:animEffect>
+                                  </p:childTnLst>
+                                </p:cTn>
+                              </p:par>
+                            </p:childTnLst>
+                          </p:cTn>
+                        </p:par>
+                      </p:childTnLst>
+                    </p:cTn>
+                  </p:par>
+                  <p:par>
+                    <p:cTn id="43" fill="hold">
+                      <p:stCondLst>
+                        <p:cond delay="indefinite"/>
+                      </p:stCondLst>
+                      <p:childTnLst>
+                        <p:par>
+                          <p:cTn id="44" fill="hold">
+                            <p:stCondLst>
+                              <p:cond delay="0"/>
+                            </p:stCondLst>
+                            <p:childTnLst>
+                              <p:par>
+                                <p:cTn id="45" presetID="10" presetClass="entr" presetSubtype="0" fill="hold" nodeType="clickEffect">
+                                  <p:stCondLst>
+                                    <p:cond delay="0"/>
+                                  </p:stCondLst>
+                                  <p:childTnLst>
+                                    <p:set>
+                                      <p:cBhvr>
+                                        <p:cTn id="46" dur="1" fill="hold">
+                                          <p:stCondLst>
+                                            <p:cond delay="0"/>
+                                          </p:stCondLst>
+                                        </p:cTn>
+                                        <p:tgtEl>
+                                          <p:spTgt spid="23"/>
+                                        </p:tgtEl>
+                                        <p:attrNameLst>
+                                          <p:attrName>style.visibility</p:attrName>
+                                        </p:attrNameLst>
+                                      </p:cBhvr>
+                                      <p:to>
+                                        <p:strVal val="visible"/>
+                                      </p:to>
+                                    </p:set>
+                                    <p:animEffect transition="in" filter="fade">
+                                      <p:cBhvr>
+                                        <p:cTn id="47" dur="500"/>
+                                        <p:tgtEl>
+                                          <p:spTgt spid="23"/>
+                                        </p:tgtEl>
+                                      </p:cBhvr>
+                                    </p:animEffect>
+                                  </p:childTnLst>
+                                </p:cTn>
+                              </p:par>
+                              <p:par>
+                                <p:cTn id="48" presetID="10" presetClass="entr" presetSubtype="0" fill="hold" grpId="0" nodeType="withEffect">
+                                  <p:stCondLst>
+                                    <p:cond delay="0"/>
+                                  </p:stCondLst>
+                                  <p:childTnLst>
+                                    <p:set>
+                                      <p:cBhvr>
+                                        <p:cTn id="49" dur="1" fill="hold">
+                                          <p:stCondLst>
+                                            <p:cond delay="0"/>
+                                          </p:stCondLst>
+                                        </p:cTn>
+                                        <p:tgtEl>
+                                          <p:spTgt spid="24"/>
+                                        </p:tgtEl>
+                                        <p:attrNameLst>
+                                          <p:attrName>style.visibility</p:attrName>
+                                        </p:attrNameLst>
+                                      </p:cBhvr>
+                                      <p:to>
+                                        <p:strVal val="visible"/>
+                                      </p:to>
+                                    </p:set>
+                                    <p:animEffect transition="in" filter="fade">
+                                      <p:cBhvr>
+                                        <p:cTn id="50" dur="500"/>
+                                        <p:tgtEl>
+                                          <p:spTgt spid="24"/>
+                                        </p:tgtEl>
+                                      </p:cBhvr>
+                                    </p:animEffect>
+                                  </p:childTnLst>
+                                </p:cTn>
+                              </p:par>
+                            </p:childTnLst>
+                          </p:cTn>
+                        </p:par>
+                      </p:childTnLst>
+                    </p:cTn>
+                  </p:par>
+                  <p:par>
+                    <p:cTn id="51" fill="hold">
+                      <p:stCondLst>
+                        <p:cond delay="indefinite"/>
+                      </p:stCondLst>
+                      <p:childTnLst>
+                        <p:par>
+                          <p:cTn id="52" fill="hold">
+                            <p:stCondLst>
+                              <p:cond delay="0"/>
+                            </p:stCondLst>
+                            <p:childTnLst>
+                              <p:par>
+                                <p:cTn id="53" presetID="10" presetClass="entr" presetSubtype="0" fill="hold" grpId="0" nodeType="clickEffect">
+                                  <p:stCondLst>
+                                    <p:cond delay="0"/>
+                                  </p:stCondLst>
+                                  <p:childTnLst>
+                                    <p:set>
+                                      <p:cBhvr>
+                                        <p:cTn id="54" dur="1" fill="hold">
+                                          <p:stCondLst>
+                                            <p:cond delay="0"/>
+                                          </p:stCondLst>
+                                        </p:cTn>
+                                        <p:tgtEl>
+                                          <p:spTgt spid="15"/>
+                                        </p:tgtEl>
+                                        <p:attrNameLst>
+                                          <p:attrName>style.visibility</p:attrName>
+                                        </p:attrNameLst>
+                                      </p:cBhvr>
+                                      <p:to>
+                                        <p:strVal val="visible"/>
+                                      </p:to>
+                                    </p:set>
+                                    <p:animEffect transition="in" filter="fade">
+                                      <p:cBhvr>
+                                        <p:cTn id="55" dur="500"/>
+                                        <p:tgtEl>
+                                          <p:spTgt spid="15"/>
+                                        </p:tgtEl>
+                                      </p:cBhvr>
+                                    </p:animEffect>
+                                  </p:childTnLst>
+                                </p:cTn>
+                              </p:par>
+                              <p:par>
+                                <p:cTn id="56" presetID="10" presetClass="entr" presetSubtype="0" fill="hold" nodeType="withEffect">
+                                  <p:stCondLst>
+                                    <p:cond delay="0"/>
+                                  </p:stCondLst>
+                                  <p:childTnLst>
+                                    <p:set>
+                                      <p:cBhvr>
+                                        <p:cTn id="57" dur="1" fill="hold">
+                                          <p:stCondLst>
+                                            <p:cond delay="0"/>
+                                          </p:stCondLst>
+                                        </p:cTn>
+                                        <p:tgtEl>
+                                          <p:spTgt spid="16"/>
+                                        </p:tgtEl>
+                                        <p:attrNameLst>
+                                          <p:attrName>style.visibility</p:attrName>
+                                        </p:attrNameLst>
+                                      </p:cBhvr>
+                                      <p:to>
+                                        <p:strVal val="visible"/>
+                                      </p:to>
+                                    </p:set>
+                                    <p:animEffect transition="in" filter="fade">
+                                      <p:cBhvr>
+                                        <p:cTn id="58" dur="500"/>
+                                        <p:tgtEl>
+                                          <p:spTgt spid="16"/>
+                                        </p:tgtEl>
+                                      </p:cBhvr>
+                                    </p:animEffect>
+                                  </p:childTnLst>
+                                </p:cTn>
+                              </p:par>
+                            </p:childTnLst>
+                          </p:cTn>
+                        </p:par>
+                      </p:childTnLst>
+                    </p:cTn>
+                  </p:par>
+                </p:childTnLst>
+              </p:cTn>
+              <p:prevCondLst>
+                <p:cond evt="onPrev" delay="0">
+                  <p:tgtEl>
+                    <p:sldTgt/>
+                  </p:tgtEl>
+                </p:cond>
+              </p:prevCondLst>
+              <p:nextCondLst>
+                <p:cond evt="onNext" delay="0">
+                  <p:tgtEl>
+                    <p:sldTgt/>
+                  </p:tgtEl>
+                </p:cond>
+              </p:nextCondLst>
+            </p:seq>
+          </p:childTnLst>
+        </p:cTn>
+      </p:par>
+    </p:tnLst>
+    <p:bldLst>
+      <p:bldP spid="4" grpId="0"/>
+      <p:bldP spid="6" grpId="0"/>
+      <p:bldP spid="9" grpId="0"/>
+      <p:bldP spid="12" grpId="0"/>
+      <p:bldP spid="15" grpId="0"/>
+      <p:bldP spid="21" grpId="0"/>
+      <p:bldP spid="24" grpId="0"/>
+    </p:bldLst>
+  </p:timing>
+</p:sld>
+</file>
+
+<file path=ppt/slides/slide38.xml><?xml version="1.0" encoding="utf-8"?>
+<p:sld xmlns:a="http://schemas.openxmlformats.org/drawingml/2006/main" xmlns:r="http://schemas.openxmlformats.org/officeDocument/2006/relationships" xmlns:p="http://schemas.openxmlformats.org/presentationml/2006/main">
+  <p:cSld>
+    <p:spTree>
+      <p:nvGrpSpPr>
+        <p:cNvPr id="1" name=""/>
+        <p:cNvGrpSpPr/>
+        <p:nvPr/>
+      </p:nvGrpSpPr>
+      <p:grpSpPr>
+        <a:xfrm>
+          <a:off x="0" y="0"/>
+          <a:ext cx="0" cy="0"/>
+          <a:chOff x="0" y="0"/>
+          <a:chExt cx="0" cy="0"/>
+        </a:xfrm>
+      </p:grpSpPr>
+      <p:sp>
+        <p:nvSpPr>
+          <p:cNvPr id="3" name="Title 2">
+            <a:extLst>
+              <a:ext uri="{FF2B5EF4-FFF2-40B4-BE49-F238E27FC236}">
+                <a16:creationId xmlns:a16="http://schemas.microsoft.com/office/drawing/2014/main" id="{920C8415-797F-9948-61E6-58A461F1DCE8}"/>
+              </a:ext>
+            </a:extLst>
+          </p:cNvPr>
+          <p:cNvSpPr>
+            <a:spLocks noGrp="1"/>
+          </p:cNvSpPr>
+          <p:nvPr>
+            <p:ph type="title"/>
+          </p:nvPr>
+        </p:nvSpPr>
+        <p:spPr/>
+        <p:txBody>
+          <a:bodyPr/>
+          <a:lstStyle/>
+          <a:p>
+            <a:r>
+              <a:rPr lang="en-US" dirty="0"/>
+              <a:t>Your input is requested</a:t>
+            </a:r>
+          </a:p>
+        </p:txBody>
+      </p:sp>
+      <p:sp>
+        <p:nvSpPr>
+          <p:cNvPr id="4" name="Text Placeholder 3">
+            <a:extLst>
+              <a:ext uri="{FF2B5EF4-FFF2-40B4-BE49-F238E27FC236}">
+                <a16:creationId xmlns:a16="http://schemas.microsoft.com/office/drawing/2014/main" id="{F0CC10AD-407F-672B-01A8-A44BE7DFC14A}"/>
+              </a:ext>
+            </a:extLst>
+          </p:cNvPr>
+          <p:cNvSpPr>
+            <a:spLocks noGrp="1"/>
+          </p:cNvSpPr>
+          <p:nvPr>
+            <p:ph type="body" idx="1"/>
+          </p:nvPr>
+        </p:nvSpPr>
+        <p:spPr/>
+        <p:txBody>
+          <a:bodyPr>
+            <a:normAutofit fontScale="85000" lnSpcReduction="10000"/>
+          </a:bodyPr>
+          <a:lstStyle/>
+          <a:p>
+            <a:pPr>
+              <a:lnSpc>
+                <a:spcPct val="120000"/>
+              </a:lnSpc>
+            </a:pPr>
+            <a:r>
+              <a:rPr lang="en-US" dirty="0"/>
+              <a:t>Our table looks a little drab, but, more importantly, it’s </a:t>
+            </a:r>
+            <a:r>
+              <a:rPr lang="en-US" b="1" dirty="0"/>
+              <a:t>static</a:t>
+            </a:r>
+            <a:r>
+              <a:rPr lang="en-US" dirty="0"/>
+              <a:t>—users can’t </a:t>
+            </a:r>
+            <a:r>
+              <a:rPr lang="en-US" i="1" dirty="0"/>
+              <a:t>do</a:t>
+            </a:r>
+            <a:r>
+              <a:rPr lang="en-US" dirty="0"/>
+              <a:t> anything with it except look at it. </a:t>
+            </a:r>
+          </a:p>
+          <a:p>
+            <a:pPr>
+              <a:lnSpc>
+                <a:spcPct val="120000"/>
+              </a:lnSpc>
+            </a:pPr>
+            <a:r>
+              <a:rPr lang="en-US" dirty="0"/>
+              <a:t>Let’s allow users to </a:t>
+            </a:r>
+            <a:r>
+              <a:rPr lang="en-US" i="1" dirty="0"/>
+              <a:t>interact</a:t>
+            </a:r>
+            <a:r>
+              <a:rPr lang="en-US" dirty="0"/>
+              <a:t> with this table—let’s add a drop-down menu </a:t>
+            </a:r>
+            <a:r>
+              <a:rPr lang="en-US" b="1" dirty="0"/>
+              <a:t>input widget</a:t>
+            </a:r>
+            <a:r>
+              <a:rPr lang="en-US" dirty="0"/>
+              <a:t>.</a:t>
+            </a:r>
+          </a:p>
+          <a:p>
+            <a:pPr>
+              <a:lnSpc>
+                <a:spcPct val="120000"/>
+              </a:lnSpc>
+            </a:pPr>
+            <a:r>
+              <a:rPr lang="en-US" dirty="0"/>
+              <a:t>This widget will allow users to decide which column the table is sorted by. </a:t>
+            </a:r>
+          </a:p>
+          <a:p>
+            <a:pPr>
+              <a:lnSpc>
+                <a:spcPct val="120000"/>
+              </a:lnSpc>
+            </a:pPr>
+            <a:r>
+              <a:rPr lang="en-US" dirty="0"/>
+              <a:t>To set up an input widget in Shiny:</a:t>
+            </a:r>
+          </a:p>
+          <a:p>
+            <a:pPr marL="990600" lvl="1" indent="-457200">
+              <a:lnSpc>
+                <a:spcPct val="120000"/>
+              </a:lnSpc>
+              <a:spcBef>
+                <a:spcPts val="0"/>
+              </a:spcBef>
+              <a:buFont typeface="+mj-lt"/>
+              <a:buAutoNum type="arabicPeriod"/>
+            </a:pPr>
+            <a:r>
+              <a:rPr lang="en-US" dirty="0"/>
+              <a:t>Place the widget in the UI using the appropriate Shiny function.</a:t>
+            </a:r>
+          </a:p>
+          <a:p>
+            <a:pPr marL="990600" lvl="1" indent="-457200">
+              <a:lnSpc>
+                <a:spcPct val="120000"/>
+              </a:lnSpc>
+              <a:spcBef>
+                <a:spcPts val="0"/>
+              </a:spcBef>
+              <a:buFont typeface="+mj-lt"/>
+              <a:buAutoNum type="arabicPeriod"/>
+            </a:pPr>
+            <a:r>
+              <a:rPr lang="en-US" dirty="0"/>
+              <a:t>Pass the widget’s current value from the UI to the server using the </a:t>
+            </a:r>
+            <a:r>
+              <a:rPr lang="en-US" b="1" dirty="0"/>
+              <a:t>input</a:t>
+            </a:r>
+            <a:r>
+              <a:rPr lang="en-US" dirty="0"/>
+              <a:t> object.</a:t>
+            </a:r>
+          </a:p>
+          <a:p>
+            <a:pPr marL="990600" lvl="1" indent="-457200">
+              <a:lnSpc>
+                <a:spcPct val="120000"/>
+              </a:lnSpc>
+              <a:spcBef>
+                <a:spcPts val="0"/>
+              </a:spcBef>
+              <a:buFont typeface="+mj-lt"/>
+              <a:buAutoNum type="arabicPeriod"/>
+            </a:pPr>
+            <a:r>
+              <a:rPr lang="en-US" dirty="0"/>
+              <a:t>Use that current value inside a </a:t>
+            </a:r>
+            <a:r>
+              <a:rPr lang="en-US" b="1" dirty="0"/>
+              <a:t>reactive context </a:t>
+            </a:r>
+            <a:r>
+              <a:rPr lang="en-US" dirty="0"/>
+              <a:t>on the server side </a:t>
+            </a:r>
+            <a:r>
+              <a:rPr lang="en-US" i="1" dirty="0"/>
+              <a:t>somehow.</a:t>
+            </a:r>
+            <a:endParaRPr lang="en-US" dirty="0"/>
+          </a:p>
+        </p:txBody>
+      </p:sp>
+    </p:spTree>
+    <p:extLst>
+      <p:ext uri="{BB962C8B-B14F-4D97-AF65-F5344CB8AC3E}">
+        <p14:creationId xmlns:p14="http://schemas.microsoft.com/office/powerpoint/2010/main" val="991295047"/>
+      </p:ext>
+    </p:extLst>
+  </p:cSld>
+  <p:clrMapOvr>
+    <a:masterClrMapping/>
+  </p:clrMapOvr>
+  <p:timing>
+    <p:tnLst>
+      <p:par>
+        <p:cTn id="1" dur="indefinite" restart="never" nodeType="tmRoot">
+          <p:childTnLst>
+            <p:seq concurrent="1" nextAc="seek">
+              <p:cTn id="2" dur="indefinite" nodeType="mainSeq">
+                <p:childTnLst>
+                  <p:par>
+                    <p:cTn id="3" fill="hold">
+                      <p:stCondLst>
+                        <p:cond delay="indefinite"/>
+                        <p:cond evt="onBegin" delay="0">
+                          <p:tn val="2"/>
+                        </p:cond>
+                      </p:stCondLst>
+                      <p:childTnLst>
+                        <p:par>
+                          <p:cTn id="4" fill="hold">
+                            <p:stCondLst>
+                              <p:cond delay="0"/>
+                            </p:stCondLst>
+                            <p:childTnLst>
+                              <p:par>
+                                <p:cTn id="5" presetID="10" presetClass="entr" presetSubtype="0" fill="hold" grpId="0" nodeType="afterEffect">
+                                  <p:stCondLst>
+                                    <p:cond delay="0"/>
+                                  </p:stCondLst>
+                                  <p:childTnLst>
+                                    <p:set>
+                                      <p:cBhvr>
+                                        <p:cTn id="6" dur="1" fill="hold">
+                                          <p:stCondLst>
+                                            <p:cond delay="0"/>
+                                          </p:stCondLst>
+                                        </p:cTn>
+                                        <p:tgtEl>
+                                          <p:spTgt spid="4">
+                                            <p:txEl>
+                                              <p:pRg st="0" end="0"/>
+                                            </p:txEl>
+                                          </p:spTgt>
+                                        </p:tgtEl>
+                                        <p:attrNameLst>
+                                          <p:attrName>style.visibility</p:attrName>
+                                        </p:attrNameLst>
+                                      </p:cBhvr>
+                                      <p:to>
+                                        <p:strVal val="visible"/>
+                                      </p:to>
+                                    </p:set>
+                                    <p:animEffect transition="in" filter="fade">
+                                      <p:cBhvr>
+                                        <p:cTn id="7" dur="500"/>
+                                        <p:tgtEl>
+                                          <p:spTgt spid="4">
+                                            <p:txEl>
+                                              <p:pRg st="0" end="0"/>
+                                            </p:txEl>
+                                          </p:spTgt>
+                                        </p:tgtEl>
+                                      </p:cBhvr>
+                                    </p:animEffect>
+                                  </p:childTnLst>
+                                </p:cTn>
+                              </p:par>
+                            </p:childTnLst>
+                          </p:cTn>
+                        </p:par>
+                      </p:childTnLst>
+                    </p:cTn>
+                  </p:par>
+                  <p:par>
+                    <p:cTn id="8" fill="hold">
+                      <p:stCondLst>
+                        <p:cond delay="indefinite"/>
+                      </p:stCondLst>
+                      <p:childTnLst>
+                        <p:par>
+                          <p:cTn id="9" fill="hold">
+                            <p:stCondLst>
+                              <p:cond delay="0"/>
+                            </p:stCondLst>
+                            <p:childTnLst>
+                              <p:par>
+                                <p:cTn id="10" presetID="10" presetClass="entr" presetSubtype="0" fill="hold" grpId="0" nodeType="clickEffect">
+                                  <p:stCondLst>
+                                    <p:cond delay="0"/>
+                                  </p:stCondLst>
+                                  <p:childTnLst>
+                                    <p:set>
+                                      <p:cBhvr>
+                                        <p:cTn id="11" dur="1" fill="hold">
+                                          <p:stCondLst>
+                                            <p:cond delay="0"/>
+                                          </p:stCondLst>
+                                        </p:cTn>
+                                        <p:tgtEl>
+                                          <p:spTgt spid="4">
+                                            <p:txEl>
+                                              <p:pRg st="1" end="1"/>
+                                            </p:txEl>
+                                          </p:spTgt>
+                                        </p:tgtEl>
+                                        <p:attrNameLst>
+                                          <p:attrName>style.visibility</p:attrName>
+                                        </p:attrNameLst>
+                                      </p:cBhvr>
+                                      <p:to>
+                                        <p:strVal val="visible"/>
+                                      </p:to>
+                                    </p:set>
+                                    <p:animEffect transition="in" filter="fade">
+                                      <p:cBhvr>
+                                        <p:cTn id="12" dur="500"/>
+                                        <p:tgtEl>
+                                          <p:spTgt spid="4">
+                                            <p:txEl>
+                                              <p:pRg st="1" end="1"/>
+                                            </p:txEl>
+                                          </p:spTgt>
+                                        </p:tgtEl>
+                                      </p:cBhvr>
+                                    </p:animEffect>
+                                  </p:childTnLst>
+                                </p:cTn>
+                              </p:par>
+                            </p:childTnLst>
+                          </p:cTn>
+                        </p:par>
+                        <p:par>
+                          <p:cTn id="13" fill="hold">
+                            <p:stCondLst>
+                              <p:cond delay="500"/>
+                            </p:stCondLst>
+                            <p:childTnLst>
+                              <p:par>
+                                <p:cTn id="14" presetID="10" presetClass="entr" presetSubtype="0" fill="hold" grpId="0" nodeType="afterEffect">
+                                  <p:stCondLst>
+                                    <p:cond delay="0"/>
+                                  </p:stCondLst>
+                                  <p:childTnLst>
+                                    <p:set>
+                                      <p:cBhvr>
+                                        <p:cTn id="15" dur="1" fill="hold">
+                                          <p:stCondLst>
+                                            <p:cond delay="0"/>
+                                          </p:stCondLst>
+                                        </p:cTn>
+                                        <p:tgtEl>
+                                          <p:spTgt spid="4">
+                                            <p:txEl>
+                                              <p:pRg st="2" end="2"/>
+                                            </p:txEl>
+                                          </p:spTgt>
+                                        </p:tgtEl>
+                                        <p:attrNameLst>
+                                          <p:attrName>style.visibility</p:attrName>
+                                        </p:attrNameLst>
+                                      </p:cBhvr>
+                                      <p:to>
+                                        <p:strVal val="visible"/>
+                                      </p:to>
+                                    </p:set>
+                                    <p:animEffect transition="in" filter="fade">
+                                      <p:cBhvr>
+                                        <p:cTn id="16" dur="500"/>
+                                        <p:tgtEl>
+                                          <p:spTgt spid="4">
+                                            <p:txEl>
+                                              <p:pRg st="2" end="2"/>
+                                            </p:txEl>
+                                          </p:spTgt>
+                                        </p:tgtEl>
+                                      </p:cBhvr>
+                                    </p:animEffect>
+                                  </p:childTnLst>
+                                </p:cTn>
+                              </p:par>
+                            </p:childTnLst>
+                          </p:cTn>
+                        </p:par>
+                      </p:childTnLst>
+                    </p:cTn>
+                  </p:par>
+                  <p:par>
+                    <p:cTn id="17" fill="hold">
+                      <p:stCondLst>
+                        <p:cond delay="indefinite"/>
+                      </p:stCondLst>
+                      <p:childTnLst>
+                        <p:par>
+                          <p:cTn id="18" fill="hold">
+                            <p:stCondLst>
+                              <p:cond delay="0"/>
+                            </p:stCondLst>
+                            <p:childTnLst>
+                              <p:par>
+                                <p:cTn id="19" presetID="10" presetClass="entr" presetSubtype="0" fill="hold" grpId="0" nodeType="clickEffect">
+                                  <p:stCondLst>
+                                    <p:cond delay="0"/>
+                                  </p:stCondLst>
+                                  <p:childTnLst>
+                                    <p:set>
+                                      <p:cBhvr>
+                                        <p:cTn id="20" dur="1" fill="hold">
+                                          <p:stCondLst>
+                                            <p:cond delay="0"/>
+                                          </p:stCondLst>
+                                        </p:cTn>
+                                        <p:tgtEl>
+                                          <p:spTgt spid="4">
+                                            <p:txEl>
+                                              <p:pRg st="3" end="3"/>
+                                            </p:txEl>
+                                          </p:spTgt>
+                                        </p:tgtEl>
+                                        <p:attrNameLst>
+                                          <p:attrName>style.visibility</p:attrName>
+                                        </p:attrNameLst>
+                                      </p:cBhvr>
+                                      <p:to>
+                                        <p:strVal val="visible"/>
+                                      </p:to>
+                                    </p:set>
+                                    <p:animEffect transition="in" filter="fade">
+                                      <p:cBhvr>
+                                        <p:cTn id="21" dur="500"/>
+                                        <p:tgtEl>
+                                          <p:spTgt spid="4">
+                                            <p:txEl>
+                                              <p:pRg st="3" end="3"/>
+                                            </p:txEl>
+                                          </p:spTgt>
+                                        </p:tgtEl>
+                                      </p:cBhvr>
+                                    </p:animEffect>
+                                  </p:childTnLst>
+                                </p:cTn>
+                              </p:par>
+                            </p:childTnLst>
+                          </p:cTn>
+                        </p:par>
+                        <p:par>
+                          <p:cTn id="22" fill="hold">
+                            <p:stCondLst>
+                              <p:cond delay="500"/>
+                            </p:stCondLst>
+                            <p:childTnLst>
+                              <p:par>
+                                <p:cTn id="23" presetID="10" presetClass="entr" presetSubtype="0" fill="hold" grpId="0" nodeType="afterEffect">
+                                  <p:stCondLst>
+                                    <p:cond delay="0"/>
+                                  </p:stCondLst>
+                                  <p:childTnLst>
+                                    <p:set>
+                                      <p:cBhvr>
+                                        <p:cTn id="24" dur="1" fill="hold">
+                                          <p:stCondLst>
+                                            <p:cond delay="0"/>
+                                          </p:stCondLst>
+                                        </p:cTn>
+                                        <p:tgtEl>
+                                          <p:spTgt spid="4">
+                                            <p:txEl>
+                                              <p:pRg st="4" end="4"/>
+                                            </p:txEl>
+                                          </p:spTgt>
+                                        </p:tgtEl>
+                                        <p:attrNameLst>
+                                          <p:attrName>style.visibility</p:attrName>
+                                        </p:attrNameLst>
+                                      </p:cBhvr>
+                                      <p:to>
+                                        <p:strVal val="visible"/>
+                                      </p:to>
+                                    </p:set>
+                                    <p:animEffect transition="in" filter="fade">
+                                      <p:cBhvr>
+                                        <p:cTn id="25" dur="500"/>
+                                        <p:tgtEl>
+                                          <p:spTgt spid="4">
+                                            <p:txEl>
+                                              <p:pRg st="4" end="4"/>
+                                            </p:txEl>
+                                          </p:spTgt>
+                                        </p:tgtEl>
+                                      </p:cBhvr>
+                                    </p:animEffect>
+                                  </p:childTnLst>
+                                </p:cTn>
+                              </p:par>
+                            </p:childTnLst>
+                          </p:cTn>
+                        </p:par>
+                      </p:childTnLst>
+                    </p:cTn>
+                  </p:par>
+                  <p:par>
+                    <p:cTn id="26" fill="hold">
+                      <p:stCondLst>
+                        <p:cond delay="indefinite"/>
+                      </p:stCondLst>
+                      <p:childTnLst>
+                        <p:par>
+                          <p:cTn id="27" fill="hold">
+                            <p:stCondLst>
+                              <p:cond delay="0"/>
+                            </p:stCondLst>
+                            <p:childTnLst>
+                              <p:par>
+                                <p:cTn id="28" presetID="10" presetClass="entr" presetSubtype="0" fill="hold" grpId="0" nodeType="clickEffect">
+                                  <p:stCondLst>
+                                    <p:cond delay="0"/>
+                                  </p:stCondLst>
+                                  <p:childTnLst>
+                                    <p:set>
+                                      <p:cBhvr>
+                                        <p:cTn id="29" dur="1" fill="hold">
+                                          <p:stCondLst>
+                                            <p:cond delay="0"/>
+                                          </p:stCondLst>
+                                        </p:cTn>
+                                        <p:tgtEl>
+                                          <p:spTgt spid="4">
+                                            <p:txEl>
+                                              <p:pRg st="5" end="5"/>
+                                            </p:txEl>
+                                          </p:spTgt>
+                                        </p:tgtEl>
+                                        <p:attrNameLst>
+                                          <p:attrName>style.visibility</p:attrName>
+                                        </p:attrNameLst>
+                                      </p:cBhvr>
+                                      <p:to>
+                                        <p:strVal val="visible"/>
+                                      </p:to>
+                                    </p:set>
+                                    <p:animEffect transition="in" filter="fade">
+                                      <p:cBhvr>
+                                        <p:cTn id="30" dur="500"/>
+                                        <p:tgtEl>
+                                          <p:spTgt spid="4">
+                                            <p:txEl>
+                                              <p:pRg st="5" end="5"/>
+                                            </p:txEl>
+                                          </p:spTgt>
+                                        </p:tgtEl>
+                                      </p:cBhvr>
+                                    </p:animEffect>
+                                  </p:childTnLst>
+                                </p:cTn>
+                              </p:par>
+                            </p:childTnLst>
+                          </p:cTn>
+                        </p:par>
+                      </p:childTnLst>
+                    </p:cTn>
+                  </p:par>
+                  <p:par>
+                    <p:cTn id="31" fill="hold">
+                      <p:stCondLst>
+                        <p:cond delay="indefinite"/>
+                      </p:stCondLst>
+                      <p:childTnLst>
+                        <p:par>
+                          <p:cTn id="32" fill="hold">
+                            <p:stCondLst>
+                              <p:cond delay="0"/>
+                            </p:stCondLst>
+                            <p:childTnLst>
+                              <p:par>
+                                <p:cTn id="33" presetID="10" presetClass="entr" presetSubtype="0" fill="hold" grpId="0" nodeType="clickEffect">
+                                  <p:stCondLst>
+                                    <p:cond delay="0"/>
+                                  </p:stCondLst>
+                                  <p:childTnLst>
+                                    <p:set>
+                                      <p:cBhvr>
+                                        <p:cTn id="34" dur="1" fill="hold">
+                                          <p:stCondLst>
+                                            <p:cond delay="0"/>
+                                          </p:stCondLst>
+                                        </p:cTn>
+                                        <p:tgtEl>
+                                          <p:spTgt spid="4">
+                                            <p:txEl>
+                                              <p:pRg st="6" end="6"/>
+                                            </p:txEl>
+                                          </p:spTgt>
+                                        </p:tgtEl>
+                                        <p:attrNameLst>
+                                          <p:attrName>style.visibility</p:attrName>
+                                        </p:attrNameLst>
+                                      </p:cBhvr>
+                                      <p:to>
+                                        <p:strVal val="visible"/>
+                                      </p:to>
+                                    </p:set>
+                                    <p:animEffect transition="in" filter="fade">
+                                      <p:cBhvr>
+                                        <p:cTn id="35" dur="500"/>
+                                        <p:tgtEl>
+                                          <p:spTgt spid="4">
+                                            <p:txEl>
+                                              <p:pRg st="6" end="6"/>
+                                            </p:txEl>
+                                          </p:spTgt>
+                                        </p:tgtEl>
+                                      </p:cBhvr>
+                                    </p:animEffect>
+                                  </p:childTnLst>
+                                </p:cTn>
+                              </p:par>
+                            </p:childTnLst>
+                          </p:cTn>
+                        </p:par>
+                      </p:childTnLst>
+                    </p:cTn>
+                  </p:par>
+                </p:childTnLst>
+              </p:cTn>
+              <p:prevCondLst>
+                <p:cond evt="onPrev" delay="0">
+                  <p:tgtEl>
+                    <p:sldTgt/>
+                  </p:tgtEl>
+                </p:cond>
+              </p:prevCondLst>
+              <p:nextCondLst>
+                <p:cond evt="onNext" delay="0">
+                  <p:tgtEl>
+                    <p:sldTgt/>
+                  </p:tgtEl>
+                </p:cond>
+              </p:nextCondLst>
+            </p:seq>
+          </p:childTnLst>
+        </p:cTn>
+      </p:par>
+    </p:tnLst>
+    <p:bldLst>
+      <p:bldP spid="4" grpId="0" uiExpand="1" build="p"/>
+    </p:bldLst>
+  </p:timing>
+</p:sld>
+</file>
+
+<file path=ppt/slides/slide39.xml><?xml version="1.0" encoding="utf-8"?>
+<p:sld xmlns:a="http://schemas.openxmlformats.org/drawingml/2006/main" xmlns:r="http://schemas.openxmlformats.org/officeDocument/2006/relationships" xmlns:p="http://schemas.openxmlformats.org/presentationml/2006/main">
+  <p:cSld>
+    <p:spTree>
+      <p:nvGrpSpPr>
+        <p:cNvPr id="1" name=""/>
+        <p:cNvGrpSpPr/>
+        <p:nvPr/>
+      </p:nvGrpSpPr>
+      <p:grpSpPr>
+        <a:xfrm>
+          <a:off x="0" y="0"/>
+          <a:ext cx="0" cy="0"/>
+          <a:chOff x="0" y="0"/>
+          <a:chExt cx="0" cy="0"/>
+        </a:xfrm>
+      </p:grpSpPr>
+      <p:sp>
+        <p:nvSpPr>
+          <p:cNvPr id="2" name="Title 1">
+            <a:extLst>
+              <a:ext uri="{FF2B5EF4-FFF2-40B4-BE49-F238E27FC236}">
+                <a16:creationId xmlns:a16="http://schemas.microsoft.com/office/drawing/2014/main" id="{E38AF3FD-E291-776F-DD14-F5EB6AF27523}"/>
+              </a:ext>
+            </a:extLst>
+          </p:cNvPr>
+          <p:cNvSpPr>
+            <a:spLocks noGrp="1"/>
+          </p:cNvSpPr>
+          <p:nvPr>
+            <p:ph type="title"/>
+          </p:nvPr>
+        </p:nvSpPr>
+        <p:spPr/>
+        <p:txBody>
+          <a:bodyPr/>
+          <a:lstStyle/>
+          <a:p>
+            <a:r>
+              <a:rPr lang="en-US" dirty="0"/>
+              <a:t>Selector Connector</a:t>
             </a:r>
           </a:p>
         </p:txBody>
@@ -30300,7 +33107,7 @@
           <p:cNvPr id="3" name="Text Placeholder 2">
             <a:extLst>
               <a:ext uri="{FF2B5EF4-FFF2-40B4-BE49-F238E27FC236}">
-                <a16:creationId xmlns:a16="http://schemas.microsoft.com/office/drawing/2014/main" id="{12F85143-1645-2FCA-6B2E-FFF4CB1A9D24}"/>
+                <a16:creationId xmlns:a16="http://schemas.microsoft.com/office/drawing/2014/main" id="{0283154E-E4C3-7EAD-DFA5-5DBB7CA823E8}"/>
               </a:ext>
             </a:extLst>
           </p:cNvPr>
@@ -30316,96 +33123,561 @@
           <a:bodyPr/>
           <a:lstStyle/>
           <a:p>
-            <a:r>
-              <a:rPr lang="en-US" dirty="0"/>
-              <a:t>All HTML elements are either </a:t>
+            <a:pPr>
+              <a:lnSpc>
+                <a:spcPct val="100000"/>
+              </a:lnSpc>
+            </a:pPr>
+            <a:r>
+              <a:rPr lang="en-US" dirty="0"/>
+              <a:t>Our </a:t>
+            </a:r>
+            <a:r>
+              <a:rPr lang="en-US" dirty="0" err="1"/>
+              <a:t>selectInput</a:t>
+            </a:r>
+            <a:r>
+              <a:rPr lang="en-US" dirty="0"/>
+              <a:t>() got three inputs:</a:t>
+            </a:r>
+          </a:p>
+          <a:p>
+            <a:pPr marL="1016000" lvl="1" indent="-457200">
+              <a:lnSpc>
+                <a:spcPct val="100000"/>
+              </a:lnSpc>
+              <a:spcBef>
+                <a:spcPts val="0"/>
+              </a:spcBef>
+              <a:buFont typeface="+mj-lt"/>
+              <a:buAutoNum type="arabicPeriod"/>
+            </a:pPr>
+            <a:r>
+              <a:rPr lang="en-US" dirty="0"/>
+              <a:t>An </a:t>
+            </a:r>
+            <a:r>
+              <a:rPr lang="en-US" b="1" dirty="0" err="1"/>
+              <a:t>inputId</a:t>
+            </a:r>
+            <a:r>
+              <a:rPr lang="en-US" dirty="0"/>
+              <a:t>. A nickname used to slap this widget’s current selection onto the </a:t>
             </a:r>
             <a:r>
               <a:rPr lang="en-US" b="1" dirty="0"/>
-              <a:t>inline</a:t>
-            </a:r>
-            <a:r>
-              <a:rPr lang="en-US" dirty="0"/>
-              <a:t> or </a:t>
+              <a:t>input</a:t>
+            </a:r>
+            <a:r>
+              <a:rPr lang="en-US" dirty="0"/>
+              <a:t> object using the </a:t>
             </a:r>
             <a:r>
               <a:rPr lang="en-US" b="1" dirty="0"/>
-              <a:t>block</a:t>
-            </a:r>
-            <a:r>
-              <a:rPr lang="en-US" dirty="0"/>
-              <a:t>. This affects what happens when they are “over.” Do we go to the next “line” or no?</a:t>
-            </a:r>
-          </a:p>
-          <a:p>
-            <a:r>
-              <a:rPr lang="en-US" dirty="0"/>
-              <a:t>Inline elements can flow after each other on the same “line.”</a:t>
-            </a:r>
-            <a:endParaRPr lang="en-US" sz="3200" dirty="0">
-              <a:solidFill>
-                <a:srgbClr val="0070C0"/>
-              </a:solidFill>
-              <a:latin typeface="Arial" panose="020B0604020202020204" pitchFamily="34" charset="0"/>
-            </a:endParaRPr>
-          </a:p>
-          <a:p>
-            <a:r>
-              <a:rPr lang="en-US" dirty="0"/>
-              <a:t>Blocks elements flow vertically, always forcing a new line in between them.</a:t>
-            </a:r>
-            <a:endParaRPr kumimoji="0" lang="en-US" altLang="en-US" sz="3200" b="0" i="0" u="none" strike="noStrike" cap="none" normalizeH="0" baseline="0" dirty="0">
-              <a:ln>
-                <a:noFill/>
-              </a:ln>
-              <a:solidFill>
-                <a:srgbClr val="0070C0"/>
-              </a:solidFill>
-              <a:effectLst/>
-              <a:latin typeface="Arial" panose="020B0604020202020204" pitchFamily="34" charset="0"/>
-            </a:endParaRPr>
+              <a:t>$ operator</a:t>
+            </a:r>
+            <a:r>
+              <a:rPr lang="en-US" dirty="0"/>
+              <a:t>. </a:t>
+            </a:r>
+          </a:p>
+          <a:p>
+            <a:pPr lvl="2">
+              <a:lnSpc>
+                <a:spcPct val="100000"/>
+              </a:lnSpc>
+              <a:spcBef>
+                <a:spcPts val="0"/>
+              </a:spcBef>
+            </a:pPr>
+            <a:r>
+              <a:rPr lang="en-US" dirty="0"/>
+              <a:t>VERY much like how the </a:t>
+            </a:r>
+            <a:r>
+              <a:rPr lang="en-US" b="1" dirty="0" err="1"/>
+              <a:t>outputId</a:t>
+            </a:r>
+            <a:r>
+              <a:rPr lang="en-US" dirty="0"/>
+              <a:t> was used to slap rendered outputs on the </a:t>
+            </a:r>
+            <a:r>
+              <a:rPr lang="en-US" b="1" dirty="0"/>
+              <a:t>output</a:t>
+            </a:r>
+            <a:r>
+              <a:rPr lang="en-US" dirty="0"/>
+              <a:t> object </a:t>
+            </a:r>
+            <a:r>
+              <a:rPr lang="en-US" dirty="0">
+                <a:sym typeface="Wingdings" panose="05000000000000000000" pitchFamily="2" charset="2"/>
+              </a:rPr>
+              <a:t>.</a:t>
+            </a:r>
+            <a:endParaRPr lang="en-US" dirty="0"/>
+          </a:p>
+          <a:p>
+            <a:pPr marL="1016000" lvl="1" indent="-457200">
+              <a:lnSpc>
+                <a:spcPct val="100000"/>
+              </a:lnSpc>
+              <a:spcBef>
+                <a:spcPts val="0"/>
+              </a:spcBef>
+              <a:buFont typeface="+mj-lt"/>
+              <a:buAutoNum type="arabicPeriod"/>
+            </a:pPr>
+            <a:r>
+              <a:rPr lang="en-US" dirty="0"/>
+              <a:t>A </a:t>
+            </a:r>
+            <a:r>
+              <a:rPr lang="en-US" b="1" dirty="0"/>
+              <a:t>label</a:t>
+            </a:r>
+            <a:r>
+              <a:rPr lang="en-US" dirty="0"/>
+              <a:t>, a text go-with that you’ll generally use to describe what the widget does.</a:t>
+            </a:r>
+          </a:p>
+          <a:p>
+            <a:pPr marL="1016000" lvl="1" indent="-457200">
+              <a:lnSpc>
+                <a:spcPct val="100000"/>
+              </a:lnSpc>
+              <a:spcBef>
+                <a:spcPts val="0"/>
+              </a:spcBef>
+              <a:buFont typeface="+mj-lt"/>
+              <a:buAutoNum type="arabicPeriod"/>
+            </a:pPr>
+            <a:r>
+              <a:rPr lang="en-US" b="1" dirty="0"/>
+              <a:t>choices</a:t>
+            </a:r>
+            <a:r>
+              <a:rPr lang="en-US" dirty="0"/>
+              <a:t>. These populate the drop-down menu. </a:t>
+            </a:r>
+          </a:p>
+          <a:p>
+            <a:pPr marL="558800" indent="-457200">
+              <a:lnSpc>
+                <a:spcPct val="100000"/>
+              </a:lnSpc>
+            </a:pPr>
+            <a:r>
+              <a:rPr lang="en-US" dirty="0"/>
+              <a:t>Notice that our widget doesn’t actually do anything…we need to add the corresponding server code!</a:t>
+            </a:r>
           </a:p>
         </p:txBody>
       </p:sp>
-      <p:pic>
-        <p:nvPicPr>
-          <p:cNvPr id="9" name="Picture 8">
-            <a:extLst>
-              <a:ext uri="{FF2B5EF4-FFF2-40B4-BE49-F238E27FC236}">
-                <a16:creationId xmlns:a16="http://schemas.microsoft.com/office/drawing/2014/main" id="{7AA66182-0E61-9328-F992-FAA17714B9D6}"/>
-              </a:ext>
-            </a:extLst>
-          </p:cNvPr>
-          <p:cNvPicPr>
-            <a:picLocks noChangeAspect="1"/>
-          </p:cNvPicPr>
-          <p:nvPr/>
-        </p:nvPicPr>
-        <p:blipFill rotWithShape="1">
-          <a:blip r:embed="rId2"/>
-          <a:srcRect l="5879" t="13499" r="6715" b="22407"/>
-          <a:stretch/>
-        </p:blipFill>
-        <p:spPr>
-          <a:xfrm>
-            <a:off x="4400566" y="591267"/>
-            <a:ext cx="4530305" cy="4153473"/>
-          </a:xfrm>
-          <a:prstGeom prst="rect">
-            <a:avLst/>
-          </a:prstGeom>
-        </p:spPr>
-      </p:pic>
     </p:spTree>
     <p:extLst>
       <p:ext uri="{BB962C8B-B14F-4D97-AF65-F5344CB8AC3E}">
-        <p14:creationId xmlns:p14="http://schemas.microsoft.com/office/powerpoint/2010/main" val="1972745409"/>
+        <p14:creationId xmlns:p14="http://schemas.microsoft.com/office/powerpoint/2010/main" val="467956291"/>
       </p:ext>
     </p:extLst>
   </p:cSld>
   <p:clrMapOvr>
     <a:masterClrMapping/>
   </p:clrMapOvr>
+  <p:timing>
+    <p:tnLst>
+      <p:par>
+        <p:cTn id="1" dur="indefinite" restart="never" nodeType="tmRoot">
+          <p:childTnLst>
+            <p:seq concurrent="1" nextAc="seek">
+              <p:cTn id="2" dur="indefinite" nodeType="mainSeq">
+                <p:childTnLst>
+                  <p:par>
+                    <p:cTn id="3" fill="hold">
+                      <p:stCondLst>
+                        <p:cond delay="indefinite"/>
+                        <p:cond evt="onBegin" delay="0">
+                          <p:tn val="2"/>
+                        </p:cond>
+                      </p:stCondLst>
+                      <p:childTnLst>
+                        <p:par>
+                          <p:cTn id="4" fill="hold">
+                            <p:stCondLst>
+                              <p:cond delay="0"/>
+                            </p:stCondLst>
+                            <p:childTnLst>
+                              <p:par>
+                                <p:cTn id="5" presetID="10" presetClass="entr" presetSubtype="0" fill="hold" grpId="0" nodeType="afterEffect">
+                                  <p:stCondLst>
+                                    <p:cond delay="0"/>
+                                  </p:stCondLst>
+                                  <p:childTnLst>
+                                    <p:set>
+                                      <p:cBhvr>
+                                        <p:cTn id="6" dur="1" fill="hold">
+                                          <p:stCondLst>
+                                            <p:cond delay="0"/>
+                                          </p:stCondLst>
+                                        </p:cTn>
+                                        <p:tgtEl>
+                                          <p:spTgt spid="3">
+                                            <p:txEl>
+                                              <p:pRg st="0" end="0"/>
+                                            </p:txEl>
+                                          </p:spTgt>
+                                        </p:tgtEl>
+                                        <p:attrNameLst>
+                                          <p:attrName>style.visibility</p:attrName>
+                                        </p:attrNameLst>
+                                      </p:cBhvr>
+                                      <p:to>
+                                        <p:strVal val="visible"/>
+                                      </p:to>
+                                    </p:set>
+                                    <p:animEffect transition="in" filter="fade">
+                                      <p:cBhvr>
+                                        <p:cTn id="7" dur="500"/>
+                                        <p:tgtEl>
+                                          <p:spTgt spid="3">
+                                            <p:txEl>
+                                              <p:pRg st="0" end="0"/>
+                                            </p:txEl>
+                                          </p:spTgt>
+                                        </p:tgtEl>
+                                      </p:cBhvr>
+                                    </p:animEffect>
+                                  </p:childTnLst>
+                                </p:cTn>
+                              </p:par>
+                            </p:childTnLst>
+                          </p:cTn>
+                        </p:par>
+                      </p:childTnLst>
+                    </p:cTn>
+                  </p:par>
+                  <p:par>
+                    <p:cTn id="8" fill="hold">
+                      <p:stCondLst>
+                        <p:cond delay="indefinite"/>
+                      </p:stCondLst>
+                      <p:childTnLst>
+                        <p:par>
+                          <p:cTn id="9" fill="hold">
+                            <p:stCondLst>
+                              <p:cond delay="0"/>
+                            </p:stCondLst>
+                            <p:childTnLst>
+                              <p:par>
+                                <p:cTn id="10" presetID="10" presetClass="entr" presetSubtype="0" fill="hold" grpId="0" nodeType="clickEffect">
+                                  <p:stCondLst>
+                                    <p:cond delay="0"/>
+                                  </p:stCondLst>
+                                  <p:childTnLst>
+                                    <p:set>
+                                      <p:cBhvr>
+                                        <p:cTn id="11" dur="1" fill="hold">
+                                          <p:stCondLst>
+                                            <p:cond delay="0"/>
+                                          </p:stCondLst>
+                                        </p:cTn>
+                                        <p:tgtEl>
+                                          <p:spTgt spid="3">
+                                            <p:txEl>
+                                              <p:pRg st="1" end="1"/>
+                                            </p:txEl>
+                                          </p:spTgt>
+                                        </p:tgtEl>
+                                        <p:attrNameLst>
+                                          <p:attrName>style.visibility</p:attrName>
+                                        </p:attrNameLst>
+                                      </p:cBhvr>
+                                      <p:to>
+                                        <p:strVal val="visible"/>
+                                      </p:to>
+                                    </p:set>
+                                    <p:animEffect transition="in" filter="fade">
+                                      <p:cBhvr>
+                                        <p:cTn id="12" dur="500"/>
+                                        <p:tgtEl>
+                                          <p:spTgt spid="3">
+                                            <p:txEl>
+                                              <p:pRg st="1" end="1"/>
+                                            </p:txEl>
+                                          </p:spTgt>
+                                        </p:tgtEl>
+                                      </p:cBhvr>
+                                    </p:animEffect>
+                                  </p:childTnLst>
+                                </p:cTn>
+                              </p:par>
+                            </p:childTnLst>
+                          </p:cTn>
+                        </p:par>
+                        <p:par>
+                          <p:cTn id="13" fill="hold">
+                            <p:stCondLst>
+                              <p:cond delay="500"/>
+                            </p:stCondLst>
+                            <p:childTnLst>
+                              <p:par>
+                                <p:cTn id="14" presetID="10" presetClass="entr" presetSubtype="0" fill="hold" grpId="0" nodeType="afterEffect">
+                                  <p:stCondLst>
+                                    <p:cond delay="0"/>
+                                  </p:stCondLst>
+                                  <p:childTnLst>
+                                    <p:set>
+                                      <p:cBhvr>
+                                        <p:cTn id="15" dur="1" fill="hold">
+                                          <p:stCondLst>
+                                            <p:cond delay="0"/>
+                                          </p:stCondLst>
+                                        </p:cTn>
+                                        <p:tgtEl>
+                                          <p:spTgt spid="3">
+                                            <p:txEl>
+                                              <p:pRg st="2" end="2"/>
+                                            </p:txEl>
+                                          </p:spTgt>
+                                        </p:tgtEl>
+                                        <p:attrNameLst>
+                                          <p:attrName>style.visibility</p:attrName>
+                                        </p:attrNameLst>
+                                      </p:cBhvr>
+                                      <p:to>
+                                        <p:strVal val="visible"/>
+                                      </p:to>
+                                    </p:set>
+                                    <p:animEffect transition="in" filter="fade">
+                                      <p:cBhvr>
+                                        <p:cTn id="16" dur="500"/>
+                                        <p:tgtEl>
+                                          <p:spTgt spid="3">
+                                            <p:txEl>
+                                              <p:pRg st="2" end="2"/>
+                                            </p:txEl>
+                                          </p:spTgt>
+                                        </p:tgtEl>
+                                      </p:cBhvr>
+                                    </p:animEffect>
+                                  </p:childTnLst>
+                                </p:cTn>
+                              </p:par>
+                            </p:childTnLst>
+                          </p:cTn>
+                        </p:par>
+                      </p:childTnLst>
+                    </p:cTn>
+                  </p:par>
+                  <p:par>
+                    <p:cTn id="17" fill="hold">
+                      <p:stCondLst>
+                        <p:cond delay="indefinite"/>
+                      </p:stCondLst>
+                      <p:childTnLst>
+                        <p:par>
+                          <p:cTn id="18" fill="hold">
+                            <p:stCondLst>
+                              <p:cond delay="0"/>
+                            </p:stCondLst>
+                            <p:childTnLst>
+                              <p:par>
+                                <p:cTn id="19" presetID="10" presetClass="entr" presetSubtype="0" fill="hold" grpId="0" nodeType="clickEffect">
+                                  <p:stCondLst>
+                                    <p:cond delay="0"/>
+                                  </p:stCondLst>
+                                  <p:childTnLst>
+                                    <p:set>
+                                      <p:cBhvr>
+                                        <p:cTn id="20" dur="1" fill="hold">
+                                          <p:stCondLst>
+                                            <p:cond delay="0"/>
+                                          </p:stCondLst>
+                                        </p:cTn>
+                                        <p:tgtEl>
+                                          <p:spTgt spid="3">
+                                            <p:txEl>
+                                              <p:pRg st="3" end="3"/>
+                                            </p:txEl>
+                                          </p:spTgt>
+                                        </p:tgtEl>
+                                        <p:attrNameLst>
+                                          <p:attrName>style.visibility</p:attrName>
+                                        </p:attrNameLst>
+                                      </p:cBhvr>
+                                      <p:to>
+                                        <p:strVal val="visible"/>
+                                      </p:to>
+                                    </p:set>
+                                    <p:animEffect transition="in" filter="fade">
+                                      <p:cBhvr>
+                                        <p:cTn id="21" dur="500"/>
+                                        <p:tgtEl>
+                                          <p:spTgt spid="3">
+                                            <p:txEl>
+                                              <p:pRg st="3" end="3"/>
+                                            </p:txEl>
+                                          </p:spTgt>
+                                        </p:tgtEl>
+                                      </p:cBhvr>
+                                    </p:animEffect>
+                                  </p:childTnLst>
+                                </p:cTn>
+                              </p:par>
+                            </p:childTnLst>
+                          </p:cTn>
+                        </p:par>
+                      </p:childTnLst>
+                    </p:cTn>
+                  </p:par>
+                  <p:par>
+                    <p:cTn id="22" fill="hold">
+                      <p:stCondLst>
+                        <p:cond delay="indefinite"/>
+                      </p:stCondLst>
+                      <p:childTnLst>
+                        <p:par>
+                          <p:cTn id="23" fill="hold">
+                            <p:stCondLst>
+                              <p:cond delay="0"/>
+                            </p:stCondLst>
+                            <p:childTnLst>
+                              <p:par>
+                                <p:cTn id="24" presetID="10" presetClass="entr" presetSubtype="0" fill="hold" grpId="0" nodeType="clickEffect">
+                                  <p:stCondLst>
+                                    <p:cond delay="0"/>
+                                  </p:stCondLst>
+                                  <p:childTnLst>
+                                    <p:set>
+                                      <p:cBhvr>
+                                        <p:cTn id="25" dur="1" fill="hold">
+                                          <p:stCondLst>
+                                            <p:cond delay="0"/>
+                                          </p:stCondLst>
+                                        </p:cTn>
+                                        <p:tgtEl>
+                                          <p:spTgt spid="3">
+                                            <p:txEl>
+                                              <p:pRg st="4" end="4"/>
+                                            </p:txEl>
+                                          </p:spTgt>
+                                        </p:tgtEl>
+                                        <p:attrNameLst>
+                                          <p:attrName>style.visibility</p:attrName>
+                                        </p:attrNameLst>
+                                      </p:cBhvr>
+                                      <p:to>
+                                        <p:strVal val="visible"/>
+                                      </p:to>
+                                    </p:set>
+                                    <p:animEffect transition="in" filter="fade">
+                                      <p:cBhvr>
+                                        <p:cTn id="26" dur="500"/>
+                                        <p:tgtEl>
+                                          <p:spTgt spid="3">
+                                            <p:txEl>
+                                              <p:pRg st="4" end="4"/>
+                                            </p:txEl>
+                                          </p:spTgt>
+                                        </p:tgtEl>
+                                      </p:cBhvr>
+                                    </p:animEffect>
+                                  </p:childTnLst>
+                                </p:cTn>
+                              </p:par>
+                            </p:childTnLst>
+                          </p:cTn>
+                        </p:par>
+                      </p:childTnLst>
+                    </p:cTn>
+                  </p:par>
+                  <p:par>
+                    <p:cTn id="27" fill="hold">
+                      <p:stCondLst>
+                        <p:cond delay="indefinite"/>
+                      </p:stCondLst>
+                      <p:childTnLst>
+                        <p:par>
+                          <p:cTn id="28" fill="hold">
+                            <p:stCondLst>
+                              <p:cond delay="0"/>
+                            </p:stCondLst>
+                            <p:childTnLst>
+                              <p:par>
+                                <p:cTn id="29" presetID="10" presetClass="entr" presetSubtype="0" fill="hold" grpId="0" nodeType="clickEffect">
+                                  <p:stCondLst>
+                                    <p:cond delay="0"/>
+                                  </p:stCondLst>
+                                  <p:childTnLst>
+                                    <p:set>
+                                      <p:cBhvr>
+                                        <p:cTn id="30" dur="1" fill="hold">
+                                          <p:stCondLst>
+                                            <p:cond delay="0"/>
+                                          </p:stCondLst>
+                                        </p:cTn>
+                                        <p:tgtEl>
+                                          <p:spTgt spid="3">
+                                            <p:txEl>
+                                              <p:pRg st="5" end="5"/>
+                                            </p:txEl>
+                                          </p:spTgt>
+                                        </p:tgtEl>
+                                        <p:attrNameLst>
+                                          <p:attrName>style.visibility</p:attrName>
+                                        </p:attrNameLst>
+                                      </p:cBhvr>
+                                      <p:to>
+                                        <p:strVal val="visible"/>
+                                      </p:to>
+                                    </p:set>
+                                    <p:animEffect transition="in" filter="fade">
+                                      <p:cBhvr>
+                                        <p:cTn id="31" dur="500"/>
+                                        <p:tgtEl>
+                                          <p:spTgt spid="3">
+                                            <p:txEl>
+                                              <p:pRg st="5" end="5"/>
+                                            </p:txEl>
+                                          </p:spTgt>
+                                        </p:tgtEl>
+                                      </p:cBhvr>
+                                    </p:animEffect>
+                                  </p:childTnLst>
+                                </p:cTn>
+                              </p:par>
+                            </p:childTnLst>
+                          </p:cTn>
+                        </p:par>
+                      </p:childTnLst>
+                    </p:cTn>
+                  </p:par>
+                </p:childTnLst>
+              </p:cTn>
+              <p:prevCondLst>
+                <p:cond evt="onPrev" delay="0">
+                  <p:tgtEl>
+                    <p:sldTgt/>
+                  </p:tgtEl>
+                </p:cond>
+              </p:prevCondLst>
+              <p:nextCondLst>
+                <p:cond evt="onNext" delay="0">
+                  <p:tgtEl>
+                    <p:sldTgt/>
+                  </p:tgtEl>
+                </p:cond>
+              </p:nextCondLst>
+            </p:seq>
+          </p:childTnLst>
+        </p:cTn>
+      </p:par>
+    </p:tnLst>
+    <p:bldLst>
+      <p:bldP spid="3" grpId="0" uiExpand="1" build="p"/>
+    </p:bldLst>
+  </p:timing>
 </p:sld>
 </file>
 
@@ -30563,6 +33835,2271 @@
         </p:txBody>
       </p:sp>
     </p:spTree>
+  </p:cSld>
+  <p:clrMapOvr>
+    <a:masterClrMapping/>
+  </p:clrMapOvr>
+</p:sld>
+</file>
+
+<file path=ppt/slides/slide40.xml><?xml version="1.0" encoding="utf-8"?>
+<p:sld xmlns:a="http://schemas.openxmlformats.org/drawingml/2006/main" xmlns:r="http://schemas.openxmlformats.org/officeDocument/2006/relationships" xmlns:p="http://schemas.openxmlformats.org/presentationml/2006/main">
+  <p:cSld>
+    <p:spTree>
+      <p:nvGrpSpPr>
+        <p:cNvPr id="1" name=""/>
+        <p:cNvGrpSpPr/>
+        <p:nvPr/>
+      </p:nvGrpSpPr>
+      <p:grpSpPr>
+        <a:xfrm>
+          <a:off x="0" y="0"/>
+          <a:ext cx="0" cy="0"/>
+          <a:chOff x="0" y="0"/>
+          <a:chExt cx="0" cy="0"/>
+        </a:xfrm>
+      </p:grpSpPr>
+      <p:sp>
+        <p:nvSpPr>
+          <p:cNvPr id="2" name="Title 1">
+            <a:extLst>
+              <a:ext uri="{FF2B5EF4-FFF2-40B4-BE49-F238E27FC236}">
+                <a16:creationId xmlns:a16="http://schemas.microsoft.com/office/drawing/2014/main" id="{E38AF3FD-E291-776F-DD14-F5EB6AF27523}"/>
+              </a:ext>
+            </a:extLst>
+          </p:cNvPr>
+          <p:cNvSpPr>
+            <a:spLocks noGrp="1"/>
+          </p:cNvSpPr>
+          <p:nvPr>
+            <p:ph type="title"/>
+          </p:nvPr>
+        </p:nvSpPr>
+        <p:spPr/>
+        <p:txBody>
+          <a:bodyPr/>
+          <a:lstStyle/>
+          <a:p>
+            <a:r>
+              <a:rPr lang="en-US" dirty="0"/>
+              <a:t>Event planning</a:t>
+            </a:r>
+          </a:p>
+        </p:txBody>
+      </p:sp>
+      <p:sp>
+        <p:nvSpPr>
+          <p:cNvPr id="3" name="Text Placeholder 2">
+            <a:extLst>
+              <a:ext uri="{FF2B5EF4-FFF2-40B4-BE49-F238E27FC236}">
+                <a16:creationId xmlns:a16="http://schemas.microsoft.com/office/drawing/2014/main" id="{0283154E-E4C3-7EAD-DFA5-5DBB7CA823E8}"/>
+              </a:ext>
+            </a:extLst>
+          </p:cNvPr>
+          <p:cNvSpPr>
+            <a:spLocks noGrp="1"/>
+          </p:cNvSpPr>
+          <p:nvPr>
+            <p:ph type="body" idx="1"/>
+          </p:nvPr>
+        </p:nvSpPr>
+        <p:spPr/>
+        <p:txBody>
+          <a:bodyPr>
+            <a:normAutofit fontScale="62500" lnSpcReduction="20000"/>
+          </a:bodyPr>
+          <a:lstStyle/>
+          <a:p>
+            <a:pPr marL="76200" indent="0">
+              <a:lnSpc>
+                <a:spcPct val="120000"/>
+              </a:lnSpc>
+              <a:buNone/>
+            </a:pPr>
+            <a:r>
+              <a:rPr lang="en-US" dirty="0"/>
+              <a:t>Time for some terminology!!!</a:t>
+            </a:r>
+          </a:p>
+          <a:p>
+            <a:pPr>
+              <a:lnSpc>
+                <a:spcPct val="120000"/>
+              </a:lnSpc>
+            </a:pPr>
+            <a:r>
+              <a:rPr lang="en-US" b="1" dirty="0"/>
+              <a:t>Event</a:t>
+            </a:r>
+            <a:r>
+              <a:rPr lang="en-US" dirty="0"/>
+              <a:t>: Any action a user can take that the app might track.</a:t>
+            </a:r>
+          </a:p>
+          <a:p>
+            <a:pPr lvl="1">
+              <a:lnSpc>
+                <a:spcPct val="120000"/>
+              </a:lnSpc>
+              <a:spcBef>
+                <a:spcPts val="0"/>
+              </a:spcBef>
+            </a:pPr>
+            <a:r>
+              <a:rPr lang="en-US" dirty="0"/>
+              <a:t>Ex: User selects a new choice for our widget.</a:t>
+            </a:r>
+          </a:p>
+          <a:p>
+            <a:pPr>
+              <a:lnSpc>
+                <a:spcPct val="120000"/>
+              </a:lnSpc>
+            </a:pPr>
+            <a:r>
+              <a:rPr lang="en-US" b="1" dirty="0"/>
+              <a:t>Event handling: </a:t>
+            </a:r>
+            <a:r>
+              <a:rPr lang="en-US" dirty="0"/>
+              <a:t>Executing code that “decides” how (if) the app will </a:t>
+            </a:r>
+            <a:r>
+              <a:rPr lang="en-US" i="1" dirty="0"/>
+              <a:t>respond</a:t>
+            </a:r>
+            <a:r>
+              <a:rPr lang="en-US" dirty="0"/>
+              <a:t>.</a:t>
+            </a:r>
+          </a:p>
+          <a:p>
+            <a:pPr lvl="1">
+              <a:lnSpc>
+                <a:spcPct val="120000"/>
+              </a:lnSpc>
+              <a:spcBef>
+                <a:spcPts val="0"/>
+              </a:spcBef>
+            </a:pPr>
+            <a:r>
+              <a:rPr lang="en-US" dirty="0"/>
+              <a:t>Ex: Our app resorts the table.</a:t>
+            </a:r>
+          </a:p>
+          <a:p>
+            <a:pPr>
+              <a:lnSpc>
+                <a:spcPct val="120000"/>
+              </a:lnSpc>
+            </a:pPr>
+            <a:r>
+              <a:rPr lang="en-US" b="1" dirty="0"/>
+              <a:t>Reactive object</a:t>
+            </a:r>
+            <a:r>
+              <a:rPr lang="en-US" dirty="0"/>
+              <a:t>: A value that might change at any time as a result of an event (rather than due to our own code).</a:t>
+            </a:r>
+          </a:p>
+          <a:p>
+            <a:pPr lvl="1">
+              <a:lnSpc>
+                <a:spcPct val="120000"/>
+              </a:lnSpc>
+              <a:spcBef>
+                <a:spcPts val="0"/>
+              </a:spcBef>
+            </a:pPr>
+            <a:r>
+              <a:rPr lang="en-US" dirty="0"/>
+              <a:t>Ex: </a:t>
+            </a:r>
+            <a:r>
+              <a:rPr lang="en-US" dirty="0" err="1"/>
+              <a:t>input$sorted_column</a:t>
+            </a:r>
+            <a:r>
+              <a:rPr lang="en-US" dirty="0"/>
+              <a:t>, which will change in value whenever the user selected a new choice.</a:t>
+            </a:r>
+          </a:p>
+          <a:p>
+            <a:pPr>
+              <a:lnSpc>
+                <a:spcPct val="120000"/>
+              </a:lnSpc>
+            </a:pPr>
+            <a:r>
+              <a:rPr lang="en-US" b="1" dirty="0"/>
+              <a:t>Reactive context</a:t>
+            </a:r>
+            <a:r>
+              <a:rPr lang="en-US" dirty="0"/>
+              <a:t>: A code block Shiny knows might contain reactive objects and handle events.</a:t>
+            </a:r>
+          </a:p>
+          <a:p>
+            <a:pPr lvl="1">
+              <a:lnSpc>
+                <a:spcPct val="120000"/>
+              </a:lnSpc>
+              <a:spcBef>
+                <a:spcPts val="0"/>
+              </a:spcBef>
+            </a:pPr>
+            <a:r>
+              <a:rPr lang="en-US" dirty="0"/>
+              <a:t>Ex: </a:t>
+            </a:r>
+            <a:r>
+              <a:rPr lang="en-US" dirty="0" err="1"/>
+              <a:t>renderTable’s</a:t>
+            </a:r>
+            <a:r>
+              <a:rPr lang="en-US" dirty="0"/>
+              <a:t> </a:t>
+            </a:r>
+            <a:r>
+              <a:rPr lang="en-US" b="1" dirty="0"/>
+              <a:t>expression</a:t>
+            </a:r>
+            <a:r>
+              <a:rPr lang="en-US" dirty="0"/>
+              <a:t> (the braced part { … }) </a:t>
+            </a:r>
+          </a:p>
+          <a:p>
+            <a:pPr>
+              <a:lnSpc>
+                <a:spcPct val="120000"/>
+              </a:lnSpc>
+            </a:pPr>
+            <a:r>
+              <a:rPr lang="en-US" b="1" dirty="0"/>
+              <a:t>Key idea</a:t>
+            </a:r>
+            <a:r>
+              <a:rPr lang="en-US" dirty="0"/>
+              <a:t>: Whenever a reactive object inside a reactive context changes, Shiny “handles” that </a:t>
+            </a:r>
+            <a:r>
+              <a:rPr lang="en-US" i="1" dirty="0"/>
+              <a:t>by re-running that entire reactive context</a:t>
+            </a:r>
+            <a:r>
+              <a:rPr lang="en-US" dirty="0"/>
+              <a:t>. </a:t>
+            </a:r>
+          </a:p>
+          <a:p>
+            <a:pPr lvl="1">
+              <a:lnSpc>
+                <a:spcPct val="120000"/>
+              </a:lnSpc>
+              <a:spcBef>
+                <a:spcPts val="0"/>
+              </a:spcBef>
+            </a:pPr>
+            <a:r>
+              <a:rPr lang="en-US" b="1" dirty="0"/>
+              <a:t>The logic</a:t>
+            </a:r>
+            <a:r>
+              <a:rPr lang="en-US" dirty="0"/>
+              <a:t>: If key inputs have changed, our outputs are “outdated” and need refreshing. </a:t>
+            </a:r>
+          </a:p>
+        </p:txBody>
+      </p:sp>
+    </p:spTree>
+    <p:extLst>
+      <p:ext uri="{BB962C8B-B14F-4D97-AF65-F5344CB8AC3E}">
+        <p14:creationId xmlns:p14="http://schemas.microsoft.com/office/powerpoint/2010/main" val="3393717383"/>
+      </p:ext>
+    </p:extLst>
+  </p:cSld>
+  <p:clrMapOvr>
+    <a:masterClrMapping/>
+  </p:clrMapOvr>
+  <p:timing>
+    <p:tnLst>
+      <p:par>
+        <p:cTn id="1" dur="indefinite" restart="never" nodeType="tmRoot">
+          <p:childTnLst>
+            <p:seq concurrent="1" nextAc="seek">
+              <p:cTn id="2" dur="indefinite" nodeType="mainSeq">
+                <p:childTnLst>
+                  <p:par>
+                    <p:cTn id="3" fill="hold">
+                      <p:stCondLst>
+                        <p:cond delay="indefinite"/>
+                        <p:cond evt="onBegin" delay="0">
+                          <p:tn val="2"/>
+                        </p:cond>
+                      </p:stCondLst>
+                      <p:childTnLst>
+                        <p:par>
+                          <p:cTn id="4" fill="hold">
+                            <p:stCondLst>
+                              <p:cond delay="0"/>
+                            </p:stCondLst>
+                            <p:childTnLst>
+                              <p:par>
+                                <p:cTn id="5" presetID="10" presetClass="entr" presetSubtype="0" fill="hold" grpId="0" nodeType="afterEffect">
+                                  <p:stCondLst>
+                                    <p:cond delay="0"/>
+                                  </p:stCondLst>
+                                  <p:childTnLst>
+                                    <p:set>
+                                      <p:cBhvr>
+                                        <p:cTn id="6" dur="1" fill="hold">
+                                          <p:stCondLst>
+                                            <p:cond delay="0"/>
+                                          </p:stCondLst>
+                                        </p:cTn>
+                                        <p:tgtEl>
+                                          <p:spTgt spid="3">
+                                            <p:txEl>
+                                              <p:pRg st="0" end="0"/>
+                                            </p:txEl>
+                                          </p:spTgt>
+                                        </p:tgtEl>
+                                        <p:attrNameLst>
+                                          <p:attrName>style.visibility</p:attrName>
+                                        </p:attrNameLst>
+                                      </p:cBhvr>
+                                      <p:to>
+                                        <p:strVal val="visible"/>
+                                      </p:to>
+                                    </p:set>
+                                    <p:animEffect transition="in" filter="fade">
+                                      <p:cBhvr>
+                                        <p:cTn id="7" dur="500"/>
+                                        <p:tgtEl>
+                                          <p:spTgt spid="3">
+                                            <p:txEl>
+                                              <p:pRg st="0" end="0"/>
+                                            </p:txEl>
+                                          </p:spTgt>
+                                        </p:tgtEl>
+                                      </p:cBhvr>
+                                    </p:animEffect>
+                                  </p:childTnLst>
+                                </p:cTn>
+                              </p:par>
+                            </p:childTnLst>
+                          </p:cTn>
+                        </p:par>
+                      </p:childTnLst>
+                    </p:cTn>
+                  </p:par>
+                  <p:par>
+                    <p:cTn id="8" fill="hold">
+                      <p:stCondLst>
+                        <p:cond delay="indefinite"/>
+                      </p:stCondLst>
+                      <p:childTnLst>
+                        <p:par>
+                          <p:cTn id="9" fill="hold">
+                            <p:stCondLst>
+                              <p:cond delay="0"/>
+                            </p:stCondLst>
+                            <p:childTnLst>
+                              <p:par>
+                                <p:cTn id="10" presetID="10" presetClass="entr" presetSubtype="0" fill="hold" grpId="0" nodeType="clickEffect">
+                                  <p:stCondLst>
+                                    <p:cond delay="0"/>
+                                  </p:stCondLst>
+                                  <p:childTnLst>
+                                    <p:set>
+                                      <p:cBhvr>
+                                        <p:cTn id="11" dur="1" fill="hold">
+                                          <p:stCondLst>
+                                            <p:cond delay="0"/>
+                                          </p:stCondLst>
+                                        </p:cTn>
+                                        <p:tgtEl>
+                                          <p:spTgt spid="3">
+                                            <p:txEl>
+                                              <p:pRg st="1" end="1"/>
+                                            </p:txEl>
+                                          </p:spTgt>
+                                        </p:tgtEl>
+                                        <p:attrNameLst>
+                                          <p:attrName>style.visibility</p:attrName>
+                                        </p:attrNameLst>
+                                      </p:cBhvr>
+                                      <p:to>
+                                        <p:strVal val="visible"/>
+                                      </p:to>
+                                    </p:set>
+                                    <p:animEffect transition="in" filter="fade">
+                                      <p:cBhvr>
+                                        <p:cTn id="12" dur="500"/>
+                                        <p:tgtEl>
+                                          <p:spTgt spid="3">
+                                            <p:txEl>
+                                              <p:pRg st="1" end="1"/>
+                                            </p:txEl>
+                                          </p:spTgt>
+                                        </p:tgtEl>
+                                      </p:cBhvr>
+                                    </p:animEffect>
+                                  </p:childTnLst>
+                                </p:cTn>
+                              </p:par>
+                            </p:childTnLst>
+                          </p:cTn>
+                        </p:par>
+                      </p:childTnLst>
+                    </p:cTn>
+                  </p:par>
+                  <p:par>
+                    <p:cTn id="13" fill="hold">
+                      <p:stCondLst>
+                        <p:cond delay="indefinite"/>
+                      </p:stCondLst>
+                      <p:childTnLst>
+                        <p:par>
+                          <p:cTn id="14" fill="hold">
+                            <p:stCondLst>
+                              <p:cond delay="0"/>
+                            </p:stCondLst>
+                            <p:childTnLst>
+                              <p:par>
+                                <p:cTn id="15" presetID="10" presetClass="entr" presetSubtype="0" fill="hold" grpId="0" nodeType="clickEffect">
+                                  <p:stCondLst>
+                                    <p:cond delay="0"/>
+                                  </p:stCondLst>
+                                  <p:childTnLst>
+                                    <p:set>
+                                      <p:cBhvr>
+                                        <p:cTn id="16" dur="1" fill="hold">
+                                          <p:stCondLst>
+                                            <p:cond delay="0"/>
+                                          </p:stCondLst>
+                                        </p:cTn>
+                                        <p:tgtEl>
+                                          <p:spTgt spid="3">
+                                            <p:txEl>
+                                              <p:pRg st="2" end="2"/>
+                                            </p:txEl>
+                                          </p:spTgt>
+                                        </p:tgtEl>
+                                        <p:attrNameLst>
+                                          <p:attrName>style.visibility</p:attrName>
+                                        </p:attrNameLst>
+                                      </p:cBhvr>
+                                      <p:to>
+                                        <p:strVal val="visible"/>
+                                      </p:to>
+                                    </p:set>
+                                    <p:animEffect transition="in" filter="fade">
+                                      <p:cBhvr>
+                                        <p:cTn id="17" dur="500"/>
+                                        <p:tgtEl>
+                                          <p:spTgt spid="3">
+                                            <p:txEl>
+                                              <p:pRg st="2" end="2"/>
+                                            </p:txEl>
+                                          </p:spTgt>
+                                        </p:tgtEl>
+                                      </p:cBhvr>
+                                    </p:animEffect>
+                                  </p:childTnLst>
+                                </p:cTn>
+                              </p:par>
+                            </p:childTnLst>
+                          </p:cTn>
+                        </p:par>
+                      </p:childTnLst>
+                    </p:cTn>
+                  </p:par>
+                  <p:par>
+                    <p:cTn id="18" fill="hold">
+                      <p:stCondLst>
+                        <p:cond delay="indefinite"/>
+                      </p:stCondLst>
+                      <p:childTnLst>
+                        <p:par>
+                          <p:cTn id="19" fill="hold">
+                            <p:stCondLst>
+                              <p:cond delay="0"/>
+                            </p:stCondLst>
+                            <p:childTnLst>
+                              <p:par>
+                                <p:cTn id="20" presetID="10" presetClass="entr" presetSubtype="0" fill="hold" grpId="0" nodeType="clickEffect">
+                                  <p:stCondLst>
+                                    <p:cond delay="0"/>
+                                  </p:stCondLst>
+                                  <p:childTnLst>
+                                    <p:set>
+                                      <p:cBhvr>
+                                        <p:cTn id="21" dur="1" fill="hold">
+                                          <p:stCondLst>
+                                            <p:cond delay="0"/>
+                                          </p:stCondLst>
+                                        </p:cTn>
+                                        <p:tgtEl>
+                                          <p:spTgt spid="3">
+                                            <p:txEl>
+                                              <p:pRg st="3" end="3"/>
+                                            </p:txEl>
+                                          </p:spTgt>
+                                        </p:tgtEl>
+                                        <p:attrNameLst>
+                                          <p:attrName>style.visibility</p:attrName>
+                                        </p:attrNameLst>
+                                      </p:cBhvr>
+                                      <p:to>
+                                        <p:strVal val="visible"/>
+                                      </p:to>
+                                    </p:set>
+                                    <p:animEffect transition="in" filter="fade">
+                                      <p:cBhvr>
+                                        <p:cTn id="22" dur="500"/>
+                                        <p:tgtEl>
+                                          <p:spTgt spid="3">
+                                            <p:txEl>
+                                              <p:pRg st="3" end="3"/>
+                                            </p:txEl>
+                                          </p:spTgt>
+                                        </p:tgtEl>
+                                      </p:cBhvr>
+                                    </p:animEffect>
+                                  </p:childTnLst>
+                                </p:cTn>
+                              </p:par>
+                            </p:childTnLst>
+                          </p:cTn>
+                        </p:par>
+                      </p:childTnLst>
+                    </p:cTn>
+                  </p:par>
+                  <p:par>
+                    <p:cTn id="23" fill="hold">
+                      <p:stCondLst>
+                        <p:cond delay="indefinite"/>
+                      </p:stCondLst>
+                      <p:childTnLst>
+                        <p:par>
+                          <p:cTn id="24" fill="hold">
+                            <p:stCondLst>
+                              <p:cond delay="0"/>
+                            </p:stCondLst>
+                            <p:childTnLst>
+                              <p:par>
+                                <p:cTn id="25" presetID="10" presetClass="entr" presetSubtype="0" fill="hold" grpId="0" nodeType="clickEffect">
+                                  <p:stCondLst>
+                                    <p:cond delay="0"/>
+                                  </p:stCondLst>
+                                  <p:childTnLst>
+                                    <p:set>
+                                      <p:cBhvr>
+                                        <p:cTn id="26" dur="1" fill="hold">
+                                          <p:stCondLst>
+                                            <p:cond delay="0"/>
+                                          </p:stCondLst>
+                                        </p:cTn>
+                                        <p:tgtEl>
+                                          <p:spTgt spid="3">
+                                            <p:txEl>
+                                              <p:pRg st="4" end="4"/>
+                                            </p:txEl>
+                                          </p:spTgt>
+                                        </p:tgtEl>
+                                        <p:attrNameLst>
+                                          <p:attrName>style.visibility</p:attrName>
+                                        </p:attrNameLst>
+                                      </p:cBhvr>
+                                      <p:to>
+                                        <p:strVal val="visible"/>
+                                      </p:to>
+                                    </p:set>
+                                    <p:animEffect transition="in" filter="fade">
+                                      <p:cBhvr>
+                                        <p:cTn id="27" dur="500"/>
+                                        <p:tgtEl>
+                                          <p:spTgt spid="3">
+                                            <p:txEl>
+                                              <p:pRg st="4" end="4"/>
+                                            </p:txEl>
+                                          </p:spTgt>
+                                        </p:tgtEl>
+                                      </p:cBhvr>
+                                    </p:animEffect>
+                                  </p:childTnLst>
+                                </p:cTn>
+                              </p:par>
+                            </p:childTnLst>
+                          </p:cTn>
+                        </p:par>
+                      </p:childTnLst>
+                    </p:cTn>
+                  </p:par>
+                  <p:par>
+                    <p:cTn id="28" fill="hold">
+                      <p:stCondLst>
+                        <p:cond delay="indefinite"/>
+                      </p:stCondLst>
+                      <p:childTnLst>
+                        <p:par>
+                          <p:cTn id="29" fill="hold">
+                            <p:stCondLst>
+                              <p:cond delay="0"/>
+                            </p:stCondLst>
+                            <p:childTnLst>
+                              <p:par>
+                                <p:cTn id="30" presetID="10" presetClass="entr" presetSubtype="0" fill="hold" grpId="0" nodeType="clickEffect">
+                                  <p:stCondLst>
+                                    <p:cond delay="0"/>
+                                  </p:stCondLst>
+                                  <p:childTnLst>
+                                    <p:set>
+                                      <p:cBhvr>
+                                        <p:cTn id="31" dur="1" fill="hold">
+                                          <p:stCondLst>
+                                            <p:cond delay="0"/>
+                                          </p:stCondLst>
+                                        </p:cTn>
+                                        <p:tgtEl>
+                                          <p:spTgt spid="3">
+                                            <p:txEl>
+                                              <p:pRg st="5" end="5"/>
+                                            </p:txEl>
+                                          </p:spTgt>
+                                        </p:tgtEl>
+                                        <p:attrNameLst>
+                                          <p:attrName>style.visibility</p:attrName>
+                                        </p:attrNameLst>
+                                      </p:cBhvr>
+                                      <p:to>
+                                        <p:strVal val="visible"/>
+                                      </p:to>
+                                    </p:set>
+                                    <p:animEffect transition="in" filter="fade">
+                                      <p:cBhvr>
+                                        <p:cTn id="32" dur="500"/>
+                                        <p:tgtEl>
+                                          <p:spTgt spid="3">
+                                            <p:txEl>
+                                              <p:pRg st="5" end="5"/>
+                                            </p:txEl>
+                                          </p:spTgt>
+                                        </p:tgtEl>
+                                      </p:cBhvr>
+                                    </p:animEffect>
+                                  </p:childTnLst>
+                                </p:cTn>
+                              </p:par>
+                            </p:childTnLst>
+                          </p:cTn>
+                        </p:par>
+                      </p:childTnLst>
+                    </p:cTn>
+                  </p:par>
+                  <p:par>
+                    <p:cTn id="33" fill="hold">
+                      <p:stCondLst>
+                        <p:cond delay="indefinite"/>
+                      </p:stCondLst>
+                      <p:childTnLst>
+                        <p:par>
+                          <p:cTn id="34" fill="hold">
+                            <p:stCondLst>
+                              <p:cond delay="0"/>
+                            </p:stCondLst>
+                            <p:childTnLst>
+                              <p:par>
+                                <p:cTn id="35" presetID="10" presetClass="entr" presetSubtype="0" fill="hold" grpId="0" nodeType="clickEffect">
+                                  <p:stCondLst>
+                                    <p:cond delay="0"/>
+                                  </p:stCondLst>
+                                  <p:childTnLst>
+                                    <p:set>
+                                      <p:cBhvr>
+                                        <p:cTn id="36" dur="1" fill="hold">
+                                          <p:stCondLst>
+                                            <p:cond delay="0"/>
+                                          </p:stCondLst>
+                                        </p:cTn>
+                                        <p:tgtEl>
+                                          <p:spTgt spid="3">
+                                            <p:txEl>
+                                              <p:pRg st="6" end="6"/>
+                                            </p:txEl>
+                                          </p:spTgt>
+                                        </p:tgtEl>
+                                        <p:attrNameLst>
+                                          <p:attrName>style.visibility</p:attrName>
+                                        </p:attrNameLst>
+                                      </p:cBhvr>
+                                      <p:to>
+                                        <p:strVal val="visible"/>
+                                      </p:to>
+                                    </p:set>
+                                    <p:animEffect transition="in" filter="fade">
+                                      <p:cBhvr>
+                                        <p:cTn id="37" dur="500"/>
+                                        <p:tgtEl>
+                                          <p:spTgt spid="3">
+                                            <p:txEl>
+                                              <p:pRg st="6" end="6"/>
+                                            </p:txEl>
+                                          </p:spTgt>
+                                        </p:tgtEl>
+                                      </p:cBhvr>
+                                    </p:animEffect>
+                                  </p:childTnLst>
+                                </p:cTn>
+                              </p:par>
+                            </p:childTnLst>
+                          </p:cTn>
+                        </p:par>
+                      </p:childTnLst>
+                    </p:cTn>
+                  </p:par>
+                  <p:par>
+                    <p:cTn id="38" fill="hold">
+                      <p:stCondLst>
+                        <p:cond delay="indefinite"/>
+                      </p:stCondLst>
+                      <p:childTnLst>
+                        <p:par>
+                          <p:cTn id="39" fill="hold">
+                            <p:stCondLst>
+                              <p:cond delay="0"/>
+                            </p:stCondLst>
+                            <p:childTnLst>
+                              <p:par>
+                                <p:cTn id="40" presetID="10" presetClass="entr" presetSubtype="0" fill="hold" grpId="0" nodeType="clickEffect">
+                                  <p:stCondLst>
+                                    <p:cond delay="0"/>
+                                  </p:stCondLst>
+                                  <p:childTnLst>
+                                    <p:set>
+                                      <p:cBhvr>
+                                        <p:cTn id="41" dur="1" fill="hold">
+                                          <p:stCondLst>
+                                            <p:cond delay="0"/>
+                                          </p:stCondLst>
+                                        </p:cTn>
+                                        <p:tgtEl>
+                                          <p:spTgt spid="3">
+                                            <p:txEl>
+                                              <p:pRg st="7" end="7"/>
+                                            </p:txEl>
+                                          </p:spTgt>
+                                        </p:tgtEl>
+                                        <p:attrNameLst>
+                                          <p:attrName>style.visibility</p:attrName>
+                                        </p:attrNameLst>
+                                      </p:cBhvr>
+                                      <p:to>
+                                        <p:strVal val="visible"/>
+                                      </p:to>
+                                    </p:set>
+                                    <p:animEffect transition="in" filter="fade">
+                                      <p:cBhvr>
+                                        <p:cTn id="42" dur="500"/>
+                                        <p:tgtEl>
+                                          <p:spTgt spid="3">
+                                            <p:txEl>
+                                              <p:pRg st="7" end="7"/>
+                                            </p:txEl>
+                                          </p:spTgt>
+                                        </p:tgtEl>
+                                      </p:cBhvr>
+                                    </p:animEffect>
+                                  </p:childTnLst>
+                                </p:cTn>
+                              </p:par>
+                            </p:childTnLst>
+                          </p:cTn>
+                        </p:par>
+                      </p:childTnLst>
+                    </p:cTn>
+                  </p:par>
+                  <p:par>
+                    <p:cTn id="43" fill="hold">
+                      <p:stCondLst>
+                        <p:cond delay="indefinite"/>
+                      </p:stCondLst>
+                      <p:childTnLst>
+                        <p:par>
+                          <p:cTn id="44" fill="hold">
+                            <p:stCondLst>
+                              <p:cond delay="0"/>
+                            </p:stCondLst>
+                            <p:childTnLst>
+                              <p:par>
+                                <p:cTn id="45" presetID="10" presetClass="entr" presetSubtype="0" fill="hold" grpId="0" nodeType="clickEffect">
+                                  <p:stCondLst>
+                                    <p:cond delay="0"/>
+                                  </p:stCondLst>
+                                  <p:childTnLst>
+                                    <p:set>
+                                      <p:cBhvr>
+                                        <p:cTn id="46" dur="1" fill="hold">
+                                          <p:stCondLst>
+                                            <p:cond delay="0"/>
+                                          </p:stCondLst>
+                                        </p:cTn>
+                                        <p:tgtEl>
+                                          <p:spTgt spid="3">
+                                            <p:txEl>
+                                              <p:pRg st="8" end="8"/>
+                                            </p:txEl>
+                                          </p:spTgt>
+                                        </p:tgtEl>
+                                        <p:attrNameLst>
+                                          <p:attrName>style.visibility</p:attrName>
+                                        </p:attrNameLst>
+                                      </p:cBhvr>
+                                      <p:to>
+                                        <p:strVal val="visible"/>
+                                      </p:to>
+                                    </p:set>
+                                    <p:animEffect transition="in" filter="fade">
+                                      <p:cBhvr>
+                                        <p:cTn id="47" dur="500"/>
+                                        <p:tgtEl>
+                                          <p:spTgt spid="3">
+                                            <p:txEl>
+                                              <p:pRg st="8" end="8"/>
+                                            </p:txEl>
+                                          </p:spTgt>
+                                        </p:tgtEl>
+                                      </p:cBhvr>
+                                    </p:animEffect>
+                                  </p:childTnLst>
+                                </p:cTn>
+                              </p:par>
+                            </p:childTnLst>
+                          </p:cTn>
+                        </p:par>
+                      </p:childTnLst>
+                    </p:cTn>
+                  </p:par>
+                  <p:par>
+                    <p:cTn id="48" fill="hold">
+                      <p:stCondLst>
+                        <p:cond delay="indefinite"/>
+                      </p:stCondLst>
+                      <p:childTnLst>
+                        <p:par>
+                          <p:cTn id="49" fill="hold">
+                            <p:stCondLst>
+                              <p:cond delay="0"/>
+                            </p:stCondLst>
+                            <p:childTnLst>
+                              <p:par>
+                                <p:cTn id="50" presetID="10" presetClass="entr" presetSubtype="0" fill="hold" grpId="0" nodeType="clickEffect">
+                                  <p:stCondLst>
+                                    <p:cond delay="0"/>
+                                  </p:stCondLst>
+                                  <p:childTnLst>
+                                    <p:set>
+                                      <p:cBhvr>
+                                        <p:cTn id="51" dur="1" fill="hold">
+                                          <p:stCondLst>
+                                            <p:cond delay="0"/>
+                                          </p:stCondLst>
+                                        </p:cTn>
+                                        <p:tgtEl>
+                                          <p:spTgt spid="3">
+                                            <p:txEl>
+                                              <p:pRg st="9" end="9"/>
+                                            </p:txEl>
+                                          </p:spTgt>
+                                        </p:tgtEl>
+                                        <p:attrNameLst>
+                                          <p:attrName>style.visibility</p:attrName>
+                                        </p:attrNameLst>
+                                      </p:cBhvr>
+                                      <p:to>
+                                        <p:strVal val="visible"/>
+                                      </p:to>
+                                    </p:set>
+                                    <p:animEffect transition="in" filter="fade">
+                                      <p:cBhvr>
+                                        <p:cTn id="52" dur="500"/>
+                                        <p:tgtEl>
+                                          <p:spTgt spid="3">
+                                            <p:txEl>
+                                              <p:pRg st="9" end="9"/>
+                                            </p:txEl>
+                                          </p:spTgt>
+                                        </p:tgtEl>
+                                      </p:cBhvr>
+                                    </p:animEffect>
+                                  </p:childTnLst>
+                                </p:cTn>
+                              </p:par>
+                            </p:childTnLst>
+                          </p:cTn>
+                        </p:par>
+                      </p:childTnLst>
+                    </p:cTn>
+                  </p:par>
+                  <p:par>
+                    <p:cTn id="53" fill="hold">
+                      <p:stCondLst>
+                        <p:cond delay="indefinite"/>
+                      </p:stCondLst>
+                      <p:childTnLst>
+                        <p:par>
+                          <p:cTn id="54" fill="hold">
+                            <p:stCondLst>
+                              <p:cond delay="0"/>
+                            </p:stCondLst>
+                            <p:childTnLst>
+                              <p:par>
+                                <p:cTn id="55" presetID="10" presetClass="entr" presetSubtype="0" fill="hold" grpId="0" nodeType="clickEffect">
+                                  <p:stCondLst>
+                                    <p:cond delay="0"/>
+                                  </p:stCondLst>
+                                  <p:childTnLst>
+                                    <p:set>
+                                      <p:cBhvr>
+                                        <p:cTn id="56" dur="1" fill="hold">
+                                          <p:stCondLst>
+                                            <p:cond delay="0"/>
+                                          </p:stCondLst>
+                                        </p:cTn>
+                                        <p:tgtEl>
+                                          <p:spTgt spid="3">
+                                            <p:txEl>
+                                              <p:pRg st="10" end="10"/>
+                                            </p:txEl>
+                                          </p:spTgt>
+                                        </p:tgtEl>
+                                        <p:attrNameLst>
+                                          <p:attrName>style.visibility</p:attrName>
+                                        </p:attrNameLst>
+                                      </p:cBhvr>
+                                      <p:to>
+                                        <p:strVal val="visible"/>
+                                      </p:to>
+                                    </p:set>
+                                    <p:animEffect transition="in" filter="fade">
+                                      <p:cBhvr>
+                                        <p:cTn id="57" dur="500"/>
+                                        <p:tgtEl>
+                                          <p:spTgt spid="3">
+                                            <p:txEl>
+                                              <p:pRg st="10" end="10"/>
+                                            </p:txEl>
+                                          </p:spTgt>
+                                        </p:tgtEl>
+                                      </p:cBhvr>
+                                    </p:animEffect>
+                                  </p:childTnLst>
+                                </p:cTn>
+                              </p:par>
+                            </p:childTnLst>
+                          </p:cTn>
+                        </p:par>
+                      </p:childTnLst>
+                    </p:cTn>
+                  </p:par>
+                </p:childTnLst>
+              </p:cTn>
+              <p:prevCondLst>
+                <p:cond evt="onPrev" delay="0">
+                  <p:tgtEl>
+                    <p:sldTgt/>
+                  </p:tgtEl>
+                </p:cond>
+              </p:prevCondLst>
+              <p:nextCondLst>
+                <p:cond evt="onNext" delay="0">
+                  <p:tgtEl>
+                    <p:sldTgt/>
+                  </p:tgtEl>
+                </p:cond>
+              </p:nextCondLst>
+            </p:seq>
+          </p:childTnLst>
+        </p:cTn>
+      </p:par>
+    </p:tnLst>
+    <p:bldLst>
+      <p:bldP spid="3" grpId="0" uiExpand="1" build="p"/>
+    </p:bldLst>
+  </p:timing>
+</p:sld>
+</file>
+
+<file path=ppt/slides/slide41.xml><?xml version="1.0" encoding="utf-8"?>
+<p:sld xmlns:a="http://schemas.openxmlformats.org/drawingml/2006/main" xmlns:r="http://schemas.openxmlformats.org/officeDocument/2006/relationships" xmlns:p="http://schemas.openxmlformats.org/presentationml/2006/main">
+  <p:cSld>
+    <p:spTree>
+      <p:nvGrpSpPr>
+        <p:cNvPr id="1" name=""/>
+        <p:cNvGrpSpPr/>
+        <p:nvPr/>
+      </p:nvGrpSpPr>
+      <p:grpSpPr>
+        <a:xfrm>
+          <a:off x="0" y="0"/>
+          <a:ext cx="0" cy="0"/>
+          <a:chOff x="0" y="0"/>
+          <a:chExt cx="0" cy="0"/>
+        </a:xfrm>
+      </p:grpSpPr>
+      <p:sp>
+        <p:nvSpPr>
+          <p:cNvPr id="2" name="Title 1">
+            <a:extLst>
+              <a:ext uri="{FF2B5EF4-FFF2-40B4-BE49-F238E27FC236}">
+                <a16:creationId xmlns:a16="http://schemas.microsoft.com/office/drawing/2014/main" id="{6FFF6141-08E8-ADE3-11E9-094B8EA67DA7}"/>
+              </a:ext>
+            </a:extLst>
+          </p:cNvPr>
+          <p:cNvSpPr>
+            <a:spLocks noGrp="1"/>
+          </p:cNvSpPr>
+          <p:nvPr>
+            <p:ph type="title"/>
+          </p:nvPr>
+        </p:nvSpPr>
+        <p:spPr/>
+        <p:txBody>
+          <a:bodyPr/>
+          <a:lstStyle/>
+          <a:p>
+            <a:r>
+              <a:rPr lang="en-US" dirty="0"/>
+              <a:t>Advance directive</a:t>
+            </a:r>
+          </a:p>
+        </p:txBody>
+      </p:sp>
+      <p:sp>
+        <p:nvSpPr>
+          <p:cNvPr id="3" name="Text Placeholder 2">
+            <a:extLst>
+              <a:ext uri="{FF2B5EF4-FFF2-40B4-BE49-F238E27FC236}">
+                <a16:creationId xmlns:a16="http://schemas.microsoft.com/office/drawing/2014/main" id="{DA0283FA-2C9C-E54C-A9A9-E0481F6C3F50}"/>
+              </a:ext>
+            </a:extLst>
+          </p:cNvPr>
+          <p:cNvSpPr>
+            <a:spLocks noGrp="1"/>
+          </p:cNvSpPr>
+          <p:nvPr>
+            <p:ph type="body" idx="1"/>
+          </p:nvPr>
+        </p:nvSpPr>
+        <p:spPr/>
+        <p:txBody>
+          <a:bodyPr/>
+          <a:lstStyle/>
+          <a:p>
+            <a:pPr>
+              <a:lnSpc>
+                <a:spcPct val="100000"/>
+              </a:lnSpc>
+            </a:pPr>
+            <a:r>
+              <a:rPr lang="en-US" dirty="0"/>
+              <a:t>In R, YOU’RE the user. R must meet YOUR needs </a:t>
+            </a:r>
+            <a:r>
+              <a:rPr lang="en-US" i="1" dirty="0"/>
+              <a:t>NOW</a:t>
+            </a:r>
+            <a:r>
+              <a:rPr lang="en-US" dirty="0"/>
+              <a:t>.</a:t>
+            </a:r>
+          </a:p>
+          <a:p>
+            <a:pPr lvl="1">
+              <a:lnSpc>
+                <a:spcPct val="100000"/>
+              </a:lnSpc>
+              <a:spcBef>
+                <a:spcPts val="0"/>
+              </a:spcBef>
+            </a:pPr>
+            <a:r>
+              <a:rPr lang="en-US" b="1" dirty="0"/>
+              <a:t>Imperative evaluation</a:t>
+            </a:r>
+            <a:r>
+              <a:rPr lang="en-US" dirty="0"/>
+              <a:t>: “R, make me a sandwich, in this order, ASAP!”</a:t>
+            </a:r>
+          </a:p>
+          <a:p>
+            <a:pPr>
+              <a:lnSpc>
+                <a:spcPct val="100000"/>
+              </a:lnSpc>
+            </a:pPr>
+            <a:r>
+              <a:rPr lang="en-US" dirty="0"/>
+              <a:t>For a Shiny app, though, you’re </a:t>
+            </a:r>
+            <a:r>
+              <a:rPr lang="en-US" i="1" dirty="0"/>
+              <a:t>not</a:t>
+            </a:r>
+            <a:r>
+              <a:rPr lang="en-US" dirty="0"/>
+              <a:t> the user! Your users are whoever, with whatever needs, whenever. </a:t>
+            </a:r>
+          </a:p>
+          <a:p>
+            <a:pPr lvl="1">
+              <a:lnSpc>
+                <a:spcPct val="100000"/>
+              </a:lnSpc>
+              <a:spcBef>
+                <a:spcPts val="0"/>
+              </a:spcBef>
+            </a:pPr>
+            <a:r>
+              <a:rPr lang="en-US" dirty="0"/>
+              <a:t>We must </a:t>
+            </a:r>
+            <a:r>
+              <a:rPr lang="en-US" i="1" dirty="0"/>
+              <a:t>anticipate</a:t>
+            </a:r>
+            <a:r>
+              <a:rPr lang="en-US" dirty="0"/>
+              <a:t> their needs and </a:t>
+            </a:r>
+            <a:r>
+              <a:rPr lang="en-US" i="1" dirty="0"/>
+              <a:t>plan</a:t>
+            </a:r>
+            <a:r>
+              <a:rPr lang="en-US" dirty="0"/>
+              <a:t> for them!</a:t>
+            </a:r>
+          </a:p>
+          <a:p>
+            <a:pPr lvl="1">
+              <a:lnSpc>
+                <a:spcPct val="100000"/>
+              </a:lnSpc>
+              <a:spcBef>
+                <a:spcPts val="0"/>
+              </a:spcBef>
+            </a:pPr>
+            <a:r>
+              <a:rPr lang="en-US" b="1" dirty="0"/>
+              <a:t>Directive evaluation</a:t>
+            </a:r>
+            <a:r>
+              <a:rPr lang="en-US" dirty="0"/>
+              <a:t>: “R, whenever someone comes and wants a sandwich, use these general instructions to make it. Don’t do stuff unless and until you need to.”  </a:t>
+            </a:r>
+          </a:p>
+        </p:txBody>
+      </p:sp>
+    </p:spTree>
+    <p:extLst>
+      <p:ext uri="{BB962C8B-B14F-4D97-AF65-F5344CB8AC3E}">
+        <p14:creationId xmlns:p14="http://schemas.microsoft.com/office/powerpoint/2010/main" val="2426568011"/>
+      </p:ext>
+    </p:extLst>
+  </p:cSld>
+  <p:clrMapOvr>
+    <a:masterClrMapping/>
+  </p:clrMapOvr>
+  <p:timing>
+    <p:tnLst>
+      <p:par>
+        <p:cTn id="1" dur="indefinite" restart="never" nodeType="tmRoot">
+          <p:childTnLst>
+            <p:seq concurrent="1" nextAc="seek">
+              <p:cTn id="2" dur="indefinite" nodeType="mainSeq">
+                <p:childTnLst>
+                  <p:par>
+                    <p:cTn id="3" fill="hold">
+                      <p:stCondLst>
+                        <p:cond delay="indefinite"/>
+                      </p:stCondLst>
+                      <p:childTnLst>
+                        <p:par>
+                          <p:cTn id="4" fill="hold">
+                            <p:stCondLst>
+                              <p:cond delay="0"/>
+                            </p:stCondLst>
+                            <p:childTnLst>
+                              <p:par>
+                                <p:cTn id="5" presetID="10" presetClass="entr" presetSubtype="0" fill="hold" grpId="0" nodeType="clickEffect">
+                                  <p:stCondLst>
+                                    <p:cond delay="0"/>
+                                  </p:stCondLst>
+                                  <p:childTnLst>
+                                    <p:set>
+                                      <p:cBhvr>
+                                        <p:cTn id="6" dur="1" fill="hold">
+                                          <p:stCondLst>
+                                            <p:cond delay="0"/>
+                                          </p:stCondLst>
+                                        </p:cTn>
+                                        <p:tgtEl>
+                                          <p:spTgt spid="3">
+                                            <p:txEl>
+                                              <p:pRg st="0" end="0"/>
+                                            </p:txEl>
+                                          </p:spTgt>
+                                        </p:tgtEl>
+                                        <p:attrNameLst>
+                                          <p:attrName>style.visibility</p:attrName>
+                                        </p:attrNameLst>
+                                      </p:cBhvr>
+                                      <p:to>
+                                        <p:strVal val="visible"/>
+                                      </p:to>
+                                    </p:set>
+                                    <p:animEffect transition="in" filter="fade">
+                                      <p:cBhvr>
+                                        <p:cTn id="7" dur="500"/>
+                                        <p:tgtEl>
+                                          <p:spTgt spid="3">
+                                            <p:txEl>
+                                              <p:pRg st="0" end="0"/>
+                                            </p:txEl>
+                                          </p:spTgt>
+                                        </p:tgtEl>
+                                      </p:cBhvr>
+                                    </p:animEffect>
+                                  </p:childTnLst>
+                                </p:cTn>
+                              </p:par>
+                            </p:childTnLst>
+                          </p:cTn>
+                        </p:par>
+                        <p:par>
+                          <p:cTn id="8" fill="hold">
+                            <p:stCondLst>
+                              <p:cond delay="500"/>
+                            </p:stCondLst>
+                            <p:childTnLst>
+                              <p:par>
+                                <p:cTn id="9" presetID="10" presetClass="entr" presetSubtype="0" fill="hold" grpId="0" nodeType="afterEffect">
+                                  <p:stCondLst>
+                                    <p:cond delay="0"/>
+                                  </p:stCondLst>
+                                  <p:childTnLst>
+                                    <p:set>
+                                      <p:cBhvr>
+                                        <p:cTn id="10" dur="1" fill="hold">
+                                          <p:stCondLst>
+                                            <p:cond delay="0"/>
+                                          </p:stCondLst>
+                                        </p:cTn>
+                                        <p:tgtEl>
+                                          <p:spTgt spid="3">
+                                            <p:txEl>
+                                              <p:pRg st="1" end="1"/>
+                                            </p:txEl>
+                                          </p:spTgt>
+                                        </p:tgtEl>
+                                        <p:attrNameLst>
+                                          <p:attrName>style.visibility</p:attrName>
+                                        </p:attrNameLst>
+                                      </p:cBhvr>
+                                      <p:to>
+                                        <p:strVal val="visible"/>
+                                      </p:to>
+                                    </p:set>
+                                    <p:animEffect transition="in" filter="fade">
+                                      <p:cBhvr>
+                                        <p:cTn id="11" dur="500"/>
+                                        <p:tgtEl>
+                                          <p:spTgt spid="3">
+                                            <p:txEl>
+                                              <p:pRg st="1" end="1"/>
+                                            </p:txEl>
+                                          </p:spTgt>
+                                        </p:tgtEl>
+                                      </p:cBhvr>
+                                    </p:animEffect>
+                                  </p:childTnLst>
+                                </p:cTn>
+                              </p:par>
+                            </p:childTnLst>
+                          </p:cTn>
+                        </p:par>
+                      </p:childTnLst>
+                    </p:cTn>
+                  </p:par>
+                  <p:par>
+                    <p:cTn id="12" fill="hold">
+                      <p:stCondLst>
+                        <p:cond delay="indefinite"/>
+                      </p:stCondLst>
+                      <p:childTnLst>
+                        <p:par>
+                          <p:cTn id="13" fill="hold">
+                            <p:stCondLst>
+                              <p:cond delay="0"/>
+                            </p:stCondLst>
+                            <p:childTnLst>
+                              <p:par>
+                                <p:cTn id="14" presetID="10" presetClass="entr" presetSubtype="0" fill="hold" grpId="0" nodeType="clickEffect">
+                                  <p:stCondLst>
+                                    <p:cond delay="0"/>
+                                  </p:stCondLst>
+                                  <p:childTnLst>
+                                    <p:set>
+                                      <p:cBhvr>
+                                        <p:cTn id="15" dur="1" fill="hold">
+                                          <p:stCondLst>
+                                            <p:cond delay="0"/>
+                                          </p:stCondLst>
+                                        </p:cTn>
+                                        <p:tgtEl>
+                                          <p:spTgt spid="3">
+                                            <p:txEl>
+                                              <p:pRg st="2" end="2"/>
+                                            </p:txEl>
+                                          </p:spTgt>
+                                        </p:tgtEl>
+                                        <p:attrNameLst>
+                                          <p:attrName>style.visibility</p:attrName>
+                                        </p:attrNameLst>
+                                      </p:cBhvr>
+                                      <p:to>
+                                        <p:strVal val="visible"/>
+                                      </p:to>
+                                    </p:set>
+                                    <p:animEffect transition="in" filter="fade">
+                                      <p:cBhvr>
+                                        <p:cTn id="16" dur="500"/>
+                                        <p:tgtEl>
+                                          <p:spTgt spid="3">
+                                            <p:txEl>
+                                              <p:pRg st="2" end="2"/>
+                                            </p:txEl>
+                                          </p:spTgt>
+                                        </p:tgtEl>
+                                      </p:cBhvr>
+                                    </p:animEffect>
+                                  </p:childTnLst>
+                                </p:cTn>
+                              </p:par>
+                            </p:childTnLst>
+                          </p:cTn>
+                        </p:par>
+                      </p:childTnLst>
+                    </p:cTn>
+                  </p:par>
+                  <p:par>
+                    <p:cTn id="17" fill="hold">
+                      <p:stCondLst>
+                        <p:cond delay="indefinite"/>
+                      </p:stCondLst>
+                      <p:childTnLst>
+                        <p:par>
+                          <p:cTn id="18" fill="hold">
+                            <p:stCondLst>
+                              <p:cond delay="0"/>
+                            </p:stCondLst>
+                            <p:childTnLst>
+                              <p:par>
+                                <p:cTn id="19" presetID="10" presetClass="entr" presetSubtype="0" fill="hold" grpId="0" nodeType="clickEffect">
+                                  <p:stCondLst>
+                                    <p:cond delay="0"/>
+                                  </p:stCondLst>
+                                  <p:childTnLst>
+                                    <p:set>
+                                      <p:cBhvr>
+                                        <p:cTn id="20" dur="1" fill="hold">
+                                          <p:stCondLst>
+                                            <p:cond delay="0"/>
+                                          </p:stCondLst>
+                                        </p:cTn>
+                                        <p:tgtEl>
+                                          <p:spTgt spid="3">
+                                            <p:txEl>
+                                              <p:pRg st="3" end="3"/>
+                                            </p:txEl>
+                                          </p:spTgt>
+                                        </p:tgtEl>
+                                        <p:attrNameLst>
+                                          <p:attrName>style.visibility</p:attrName>
+                                        </p:attrNameLst>
+                                      </p:cBhvr>
+                                      <p:to>
+                                        <p:strVal val="visible"/>
+                                      </p:to>
+                                    </p:set>
+                                    <p:animEffect transition="in" filter="fade">
+                                      <p:cBhvr>
+                                        <p:cTn id="21" dur="500"/>
+                                        <p:tgtEl>
+                                          <p:spTgt spid="3">
+                                            <p:txEl>
+                                              <p:pRg st="3" end="3"/>
+                                            </p:txEl>
+                                          </p:spTgt>
+                                        </p:tgtEl>
+                                      </p:cBhvr>
+                                    </p:animEffect>
+                                  </p:childTnLst>
+                                </p:cTn>
+                              </p:par>
+                            </p:childTnLst>
+                          </p:cTn>
+                        </p:par>
+                        <p:par>
+                          <p:cTn id="22" fill="hold">
+                            <p:stCondLst>
+                              <p:cond delay="500"/>
+                            </p:stCondLst>
+                            <p:childTnLst>
+                              <p:par>
+                                <p:cTn id="23" presetID="10" presetClass="entr" presetSubtype="0" fill="hold" grpId="0" nodeType="afterEffect">
+                                  <p:stCondLst>
+                                    <p:cond delay="0"/>
+                                  </p:stCondLst>
+                                  <p:childTnLst>
+                                    <p:set>
+                                      <p:cBhvr>
+                                        <p:cTn id="24" dur="1" fill="hold">
+                                          <p:stCondLst>
+                                            <p:cond delay="0"/>
+                                          </p:stCondLst>
+                                        </p:cTn>
+                                        <p:tgtEl>
+                                          <p:spTgt spid="3">
+                                            <p:txEl>
+                                              <p:pRg st="4" end="4"/>
+                                            </p:txEl>
+                                          </p:spTgt>
+                                        </p:tgtEl>
+                                        <p:attrNameLst>
+                                          <p:attrName>style.visibility</p:attrName>
+                                        </p:attrNameLst>
+                                      </p:cBhvr>
+                                      <p:to>
+                                        <p:strVal val="visible"/>
+                                      </p:to>
+                                    </p:set>
+                                    <p:animEffect transition="in" filter="fade">
+                                      <p:cBhvr>
+                                        <p:cTn id="25" dur="500"/>
+                                        <p:tgtEl>
+                                          <p:spTgt spid="3">
+                                            <p:txEl>
+                                              <p:pRg st="4" end="4"/>
+                                            </p:txEl>
+                                          </p:spTgt>
+                                        </p:tgtEl>
+                                      </p:cBhvr>
+                                    </p:animEffect>
+                                  </p:childTnLst>
+                                </p:cTn>
+                              </p:par>
+                            </p:childTnLst>
+                          </p:cTn>
+                        </p:par>
+                      </p:childTnLst>
+                    </p:cTn>
+                  </p:par>
+                </p:childTnLst>
+              </p:cTn>
+              <p:prevCondLst>
+                <p:cond evt="onPrev" delay="0">
+                  <p:tgtEl>
+                    <p:sldTgt/>
+                  </p:tgtEl>
+                </p:cond>
+              </p:prevCondLst>
+              <p:nextCondLst>
+                <p:cond evt="onNext" delay="0">
+                  <p:tgtEl>
+                    <p:sldTgt/>
+                  </p:tgtEl>
+                </p:cond>
+              </p:nextCondLst>
+            </p:seq>
+          </p:childTnLst>
+        </p:cTn>
+      </p:par>
+    </p:tnLst>
+    <p:bldLst>
+      <p:bldP spid="3" grpId="0" uiExpand="1" build="p"/>
+    </p:bldLst>
+  </p:timing>
+</p:sld>
+</file>
+
+<file path=ppt/slides/slide42.xml><?xml version="1.0" encoding="utf-8"?>
+<p:sld xmlns:a="http://schemas.openxmlformats.org/drawingml/2006/main" xmlns:r="http://schemas.openxmlformats.org/officeDocument/2006/relationships" xmlns:p="http://schemas.openxmlformats.org/presentationml/2006/main">
+  <p:cSld>
+    <p:spTree>
+      <p:nvGrpSpPr>
+        <p:cNvPr id="1" name=""/>
+        <p:cNvGrpSpPr/>
+        <p:nvPr/>
+      </p:nvGrpSpPr>
+      <p:grpSpPr>
+        <a:xfrm>
+          <a:off x="0" y="0"/>
+          <a:ext cx="0" cy="0"/>
+          <a:chOff x="0" y="0"/>
+          <a:chExt cx="0" cy="0"/>
+        </a:xfrm>
+      </p:grpSpPr>
+      <p:sp>
+        <p:nvSpPr>
+          <p:cNvPr id="2" name="Title 1">
+            <a:extLst>
+              <a:ext uri="{FF2B5EF4-FFF2-40B4-BE49-F238E27FC236}">
+                <a16:creationId xmlns:a16="http://schemas.microsoft.com/office/drawing/2014/main" id="{7839FCC2-6E9C-0369-313B-768EEC25DC46}"/>
+              </a:ext>
+            </a:extLst>
+          </p:cNvPr>
+          <p:cNvSpPr>
+            <a:spLocks noGrp="1"/>
+          </p:cNvSpPr>
+          <p:nvPr>
+            <p:ph type="title"/>
+          </p:nvPr>
+        </p:nvSpPr>
+        <p:spPr/>
+        <p:txBody>
+          <a:bodyPr/>
+          <a:lstStyle/>
+          <a:p>
+            <a:r>
+              <a:rPr lang="en-US" dirty="0"/>
+              <a:t>Hour 3: Adding Showstoppers</a:t>
+            </a:r>
+          </a:p>
+        </p:txBody>
+      </p:sp>
+      <p:sp>
+        <p:nvSpPr>
+          <p:cNvPr id="3" name="Text Placeholder 2">
+            <a:extLst>
+              <a:ext uri="{FF2B5EF4-FFF2-40B4-BE49-F238E27FC236}">
+                <a16:creationId xmlns:a16="http://schemas.microsoft.com/office/drawing/2014/main" id="{4A973216-2DD9-BCF8-E650-D4E0112A688D}"/>
+              </a:ext>
+            </a:extLst>
+          </p:cNvPr>
+          <p:cNvSpPr>
+            <a:spLocks noGrp="1"/>
+          </p:cNvSpPr>
+          <p:nvPr>
+            <p:ph type="body" idx="1"/>
+          </p:nvPr>
+        </p:nvSpPr>
+        <p:spPr/>
+        <p:txBody>
+          <a:bodyPr/>
+          <a:lstStyle/>
+          <a:p>
+            <a:pPr marL="76200" indent="0">
+              <a:lnSpc>
+                <a:spcPct val="100000"/>
+              </a:lnSpc>
+              <a:buNone/>
+            </a:pPr>
+            <a:r>
+              <a:rPr lang="en-US" dirty="0"/>
+              <a:t>What we’ll cover:</a:t>
+            </a:r>
+          </a:p>
+          <a:p>
+            <a:pPr>
+              <a:lnSpc>
+                <a:spcPct val="100000"/>
+              </a:lnSpc>
+            </a:pPr>
+            <a:r>
+              <a:rPr lang="en-US" dirty="0"/>
+              <a:t>For </a:t>
+            </a:r>
+            <a:r>
+              <a:rPr lang="en-US" i="1" dirty="0"/>
+              <a:t>DT</a:t>
+            </a:r>
+            <a:r>
+              <a:rPr lang="en-US" dirty="0"/>
+              <a:t> tables, </a:t>
+            </a:r>
+            <a:r>
+              <a:rPr lang="en-US" i="1" dirty="0"/>
+              <a:t>leaflet</a:t>
+            </a:r>
+            <a:r>
+              <a:rPr lang="en-US" dirty="0"/>
+              <a:t> maps, and </a:t>
+            </a:r>
+            <a:r>
+              <a:rPr lang="en-US" i="1" dirty="0" err="1"/>
+              <a:t>plotly</a:t>
+            </a:r>
+            <a:r>
+              <a:rPr lang="en-US" dirty="0"/>
+              <a:t> graphs, we’ll see…</a:t>
+            </a:r>
+          </a:p>
+          <a:p>
+            <a:pPr lvl="1">
+              <a:lnSpc>
+                <a:spcPct val="100000"/>
+              </a:lnSpc>
+              <a:spcBef>
+                <a:spcPts val="0"/>
+              </a:spcBef>
+            </a:pPr>
+            <a:r>
+              <a:rPr lang="en-US" dirty="0"/>
+              <a:t>How to add a default version to our app.</a:t>
+            </a:r>
+          </a:p>
+          <a:p>
+            <a:pPr lvl="1">
+              <a:lnSpc>
+                <a:spcPct val="100000"/>
+              </a:lnSpc>
+              <a:spcBef>
+                <a:spcPts val="0"/>
+              </a:spcBef>
+            </a:pPr>
+            <a:r>
+              <a:rPr lang="en-US" dirty="0"/>
+              <a:t>How to adjust interactive features.</a:t>
+            </a:r>
+          </a:p>
+          <a:p>
+            <a:pPr lvl="1">
+              <a:lnSpc>
+                <a:spcPct val="100000"/>
+              </a:lnSpc>
+              <a:spcBef>
+                <a:spcPts val="0"/>
+              </a:spcBef>
+            </a:pPr>
+            <a:r>
+              <a:rPr lang="en-US" dirty="0"/>
+              <a:t>How to style/customize a </a:t>
+            </a:r>
+            <a:r>
+              <a:rPr lang="en-US" i="1" dirty="0"/>
+              <a:t>little</a:t>
+            </a:r>
+            <a:r>
+              <a:rPr lang="en-US" dirty="0"/>
+              <a:t>.</a:t>
+            </a:r>
+          </a:p>
+          <a:p>
+            <a:pPr lvl="1">
+              <a:lnSpc>
+                <a:spcPct val="100000"/>
+              </a:lnSpc>
+              <a:spcBef>
+                <a:spcPts val="0"/>
+              </a:spcBef>
+            </a:pPr>
+            <a:r>
+              <a:rPr lang="en-US" dirty="0"/>
+              <a:t>How to update one “on the fly” using a </a:t>
+            </a:r>
+            <a:r>
+              <a:rPr lang="en-US" b="1" dirty="0"/>
+              <a:t>proxy</a:t>
+            </a:r>
+            <a:r>
+              <a:rPr lang="en-US" dirty="0"/>
+              <a:t>. </a:t>
+            </a:r>
+          </a:p>
+          <a:p>
+            <a:pPr lvl="1">
+              <a:lnSpc>
+                <a:spcPct val="100000"/>
+              </a:lnSpc>
+              <a:spcBef>
+                <a:spcPts val="0"/>
+              </a:spcBef>
+            </a:pPr>
+            <a:r>
+              <a:rPr lang="en-US" dirty="0"/>
+              <a:t>What </a:t>
+            </a:r>
+            <a:r>
+              <a:rPr lang="en-US" b="1" dirty="0"/>
+              <a:t>events</a:t>
+            </a:r>
+            <a:r>
+              <a:rPr lang="en-US" dirty="0"/>
+              <a:t> you can track and handle.</a:t>
+            </a:r>
+          </a:p>
+        </p:txBody>
+      </p:sp>
+    </p:spTree>
+    <p:extLst>
+      <p:ext uri="{BB962C8B-B14F-4D97-AF65-F5344CB8AC3E}">
+        <p14:creationId xmlns:p14="http://schemas.microsoft.com/office/powerpoint/2010/main" val="793989300"/>
+      </p:ext>
+    </p:extLst>
+  </p:cSld>
+  <p:clrMapOvr>
+    <a:masterClrMapping/>
+  </p:clrMapOvr>
+</p:sld>
+</file>
+
+<file path=ppt/slides/slide43.xml><?xml version="1.0" encoding="utf-8"?>
+<p:sld xmlns:a="http://schemas.openxmlformats.org/drawingml/2006/main" xmlns:r="http://schemas.openxmlformats.org/officeDocument/2006/relationships" xmlns:p="http://schemas.openxmlformats.org/presentationml/2006/main">
+  <p:cSld>
+    <p:spTree>
+      <p:nvGrpSpPr>
+        <p:cNvPr id="1" name="Shape 92"/>
+        <p:cNvGrpSpPr/>
+        <p:nvPr/>
+      </p:nvGrpSpPr>
+      <p:grpSpPr>
+        <a:xfrm>
+          <a:off x="0" y="0"/>
+          <a:ext cx="0" cy="0"/>
+          <a:chOff x="0" y="0"/>
+          <a:chExt cx="0" cy="0"/>
+        </a:xfrm>
+      </p:grpSpPr>
+      <p:sp>
+        <p:nvSpPr>
+          <p:cNvPr id="93" name="Google Shape;93;p18"/>
+          <p:cNvSpPr txBox="1">
+            <a:spLocks noGrp="1"/>
+          </p:cNvSpPr>
+          <p:nvPr>
+            <p:ph type="title"/>
+          </p:nvPr>
+        </p:nvSpPr>
+        <p:spPr>
+          <a:xfrm>
+            <a:off x="311700" y="445025"/>
+            <a:ext cx="8520600" cy="623400"/>
+          </a:xfrm>
+          <a:prstGeom prst="rect">
+            <a:avLst/>
+          </a:prstGeom>
+        </p:spPr>
+        <p:txBody>
+          <a:bodyPr spcFirstLastPara="1" wrap="square" lIns="91425" tIns="91425" rIns="91425" bIns="91425" anchor="t" anchorCtr="0">
+            <a:noAutofit/>
+          </a:bodyPr>
+          <a:lstStyle/>
+          <a:p>
+            <a:pPr marL="0" lvl="0" indent="0" algn="l" rtl="0">
+              <a:spcBef>
+                <a:spcPts val="0"/>
+              </a:spcBef>
+              <a:spcAft>
+                <a:spcPts val="0"/>
+              </a:spcAft>
+              <a:buNone/>
+            </a:pPr>
+            <a:r>
+              <a:rPr lang="en"/>
+              <a:t>More resources for help</a:t>
+            </a:r>
+            <a:endParaRPr/>
+          </a:p>
+        </p:txBody>
+      </p:sp>
+      <p:sp>
+        <p:nvSpPr>
+          <p:cNvPr id="94" name="Google Shape;94;p18"/>
+          <p:cNvSpPr txBox="1">
+            <a:spLocks noGrp="1"/>
+          </p:cNvSpPr>
+          <p:nvPr>
+            <p:ph type="body" idx="1"/>
+          </p:nvPr>
+        </p:nvSpPr>
+        <p:spPr>
+          <a:xfrm>
+            <a:off x="311700" y="1152475"/>
+            <a:ext cx="8520600" cy="3416400"/>
+          </a:xfrm>
+          <a:prstGeom prst="rect">
+            <a:avLst/>
+          </a:prstGeom>
+        </p:spPr>
+        <p:txBody>
+          <a:bodyPr spcFirstLastPara="1" wrap="square" lIns="91425" tIns="91425" rIns="91425" bIns="91425" anchor="t" anchorCtr="0">
+            <a:noAutofit/>
+          </a:bodyPr>
+          <a:lstStyle/>
+          <a:p>
+            <a:pPr marL="457200" lvl="0" indent="-381000" algn="l" rtl="0">
+              <a:spcBef>
+                <a:spcPts val="0"/>
+              </a:spcBef>
+              <a:spcAft>
+                <a:spcPts val="0"/>
+              </a:spcAft>
+              <a:buSzPts val="2400"/>
+              <a:buChar char="●"/>
+            </a:pPr>
+            <a:r>
+              <a:rPr lang="en"/>
+              <a:t>Related workshops at UMN: </a:t>
+            </a:r>
+            <a:r>
+              <a:rPr lang="en" u="sng">
+                <a:solidFill>
+                  <a:schemeClr val="hlink"/>
+                </a:solidFill>
+                <a:hlinkClick r:id="rId3"/>
+              </a:rPr>
+              <a:t>https://workshops.umn.edu/</a:t>
+            </a:r>
+            <a:endParaRPr/>
+          </a:p>
+          <a:p>
+            <a:pPr marL="457200" lvl="0" indent="-381000" algn="l" rtl="0">
+              <a:spcBef>
+                <a:spcPts val="0"/>
+              </a:spcBef>
+              <a:spcAft>
+                <a:spcPts val="0"/>
+              </a:spcAft>
+              <a:buSzPts val="2400"/>
+              <a:buChar char="●"/>
+            </a:pPr>
+            <a:r>
+              <a:rPr lang="en"/>
+              <a:t>LATIS: </a:t>
+            </a:r>
+            <a:r>
+              <a:rPr lang="en" u="sng">
+                <a:solidFill>
+                  <a:schemeClr val="hlink"/>
+                </a:solidFill>
+                <a:hlinkClick r:id="rId3"/>
+              </a:rPr>
+              <a:t>https://latisresearch.umn.edu/</a:t>
+            </a:r>
+            <a:endParaRPr/>
+          </a:p>
+          <a:p>
+            <a:pPr marL="457200" lvl="0" indent="-381000" algn="l" rtl="0">
+              <a:spcBef>
+                <a:spcPts val="0"/>
+              </a:spcBef>
+              <a:spcAft>
+                <a:spcPts val="0"/>
+              </a:spcAft>
+              <a:buSzPts val="2400"/>
+              <a:buChar char="●"/>
+            </a:pPr>
+            <a:r>
+              <a:rPr lang="en"/>
+              <a:t>Minnesota Supercomputing Institute: </a:t>
+            </a:r>
+            <a:r>
+              <a:rPr lang="en" u="sng">
+                <a:solidFill>
+                  <a:schemeClr val="hlink"/>
+                </a:solidFill>
+                <a:hlinkClick r:id="rId3"/>
+              </a:rPr>
+              <a:t>https://www.msi.umn.edu</a:t>
+            </a:r>
+            <a:endParaRPr/>
+          </a:p>
+          <a:p>
+            <a:pPr marL="457200" lvl="0" indent="-381000" algn="l" rtl="0">
+              <a:spcBef>
+                <a:spcPts val="0"/>
+              </a:spcBef>
+              <a:spcAft>
+                <a:spcPts val="0"/>
+              </a:spcAft>
+              <a:buSzPts val="2400"/>
+              <a:buChar char="●"/>
+            </a:pPr>
+            <a:r>
+              <a:rPr lang="en"/>
+              <a:t>Data Science Initiative: </a:t>
+            </a:r>
+            <a:r>
+              <a:rPr lang="en" u="sng">
+                <a:solidFill>
+                  <a:schemeClr val="hlink"/>
+                </a:solidFill>
+                <a:hlinkClick r:id="rId4"/>
+              </a:rPr>
+              <a:t>https://dsi.umn.edu/</a:t>
+            </a:r>
+            <a:endParaRPr/>
+          </a:p>
+          <a:p>
+            <a:pPr marL="457200" lvl="0" indent="-381000" algn="l" rtl="0">
+              <a:spcBef>
+                <a:spcPts val="0"/>
+              </a:spcBef>
+              <a:spcAft>
+                <a:spcPts val="0"/>
+              </a:spcAft>
+              <a:buSzPts val="2400"/>
+              <a:buChar char="●"/>
+            </a:pPr>
+            <a:r>
+              <a:rPr lang="en"/>
+              <a:t>U-Spatial: </a:t>
+            </a:r>
+            <a:r>
+              <a:rPr lang="en" u="sng">
+                <a:solidFill>
+                  <a:schemeClr val="hlink"/>
+                </a:solidFill>
+                <a:hlinkClick r:id="rId3"/>
+              </a:rPr>
+              <a:t>https://research.umn.edu/units/uspatial</a:t>
+            </a:r>
+            <a:endParaRPr/>
+          </a:p>
+          <a:p>
+            <a:pPr marL="0" lvl="0" indent="0" algn="l" rtl="0">
+              <a:spcBef>
+                <a:spcPts val="1600"/>
+              </a:spcBef>
+              <a:spcAft>
+                <a:spcPts val="1600"/>
+              </a:spcAft>
+              <a:buNone/>
+            </a:pPr>
+            <a:endParaRPr/>
+          </a:p>
+        </p:txBody>
+      </p:sp>
+    </p:spTree>
+  </p:cSld>
+  <p:clrMapOvr>
+    <a:masterClrMapping/>
+  </p:clrMapOvr>
+</p:sld>
+</file>
+
+<file path=ppt/slides/slide44.xml><?xml version="1.0" encoding="utf-8"?>
+<p:sld xmlns:a="http://schemas.openxmlformats.org/drawingml/2006/main" xmlns:r="http://schemas.openxmlformats.org/officeDocument/2006/relationships" xmlns:p="http://schemas.openxmlformats.org/presentationml/2006/main">
+  <p:cSld>
+    <p:spTree>
+      <p:nvGrpSpPr>
+        <p:cNvPr id="1" name="Shape 98"/>
+        <p:cNvGrpSpPr/>
+        <p:nvPr/>
+      </p:nvGrpSpPr>
+      <p:grpSpPr>
+        <a:xfrm>
+          <a:off x="0" y="0"/>
+          <a:ext cx="0" cy="0"/>
+          <a:chOff x="0" y="0"/>
+          <a:chExt cx="0" cy="0"/>
+        </a:xfrm>
+      </p:grpSpPr>
+      <p:sp>
+        <p:nvSpPr>
+          <p:cNvPr id="99" name="Google Shape;99;p19"/>
+          <p:cNvSpPr txBox="1">
+            <a:spLocks noGrp="1"/>
+          </p:cNvSpPr>
+          <p:nvPr>
+            <p:ph type="title"/>
+          </p:nvPr>
+        </p:nvSpPr>
+        <p:spPr>
+          <a:xfrm>
+            <a:off x="490250" y="235425"/>
+            <a:ext cx="8069400" cy="4382100"/>
+          </a:xfrm>
+          <a:prstGeom prst="rect">
+            <a:avLst/>
+          </a:prstGeom>
+        </p:spPr>
+        <p:txBody>
+          <a:bodyPr spcFirstLastPara="1" wrap="square" lIns="91425" tIns="91425" rIns="91425" bIns="91425" anchor="t" anchorCtr="0">
+            <a:noAutofit/>
+          </a:bodyPr>
+          <a:lstStyle/>
+          <a:p>
+            <a:pPr marL="0" lvl="0" indent="0" algn="l" rtl="0">
+              <a:spcBef>
+                <a:spcPts val="0"/>
+              </a:spcBef>
+              <a:spcAft>
+                <a:spcPts val="0"/>
+              </a:spcAft>
+              <a:buNone/>
+            </a:pPr>
+            <a:r>
+              <a:rPr lang="en" sz="3600" u="sng"/>
+              <a:t>R Shiny</a:t>
+            </a:r>
+            <a:endParaRPr sz="3600" u="sng"/>
+          </a:p>
+          <a:p>
+            <a:pPr marL="0" lvl="0" indent="0" algn="l" rtl="0">
+              <a:spcBef>
+                <a:spcPts val="0"/>
+              </a:spcBef>
+              <a:spcAft>
+                <a:spcPts val="0"/>
+              </a:spcAft>
+              <a:buNone/>
+            </a:pPr>
+            <a:endParaRPr sz="3200" b="0"/>
+          </a:p>
+          <a:p>
+            <a:pPr marL="0" lvl="0" indent="0" algn="l" rtl="0">
+              <a:spcBef>
+                <a:spcPts val="0"/>
+              </a:spcBef>
+              <a:spcAft>
+                <a:spcPts val="0"/>
+              </a:spcAft>
+              <a:buNone/>
+            </a:pPr>
+            <a:r>
+              <a:rPr lang="en" sz="3200" b="0"/>
+              <a:t>Post-workshop survey: </a:t>
+            </a:r>
+            <a:endParaRPr sz="3200" b="0"/>
+          </a:p>
+          <a:p>
+            <a:pPr marL="0" lvl="0" indent="0" algn="l" rtl="0">
+              <a:spcBef>
+                <a:spcPts val="0"/>
+              </a:spcBef>
+              <a:spcAft>
+                <a:spcPts val="0"/>
+              </a:spcAft>
+              <a:buNone/>
+            </a:pPr>
+            <a:r>
+              <a:rPr lang="en" sz="3200" b="0"/>
+              <a:t>https://z.umn.edu/swc-post</a:t>
+            </a:r>
+            <a:endParaRPr sz="3200" b="0"/>
+          </a:p>
+          <a:p>
+            <a:pPr marL="0" lvl="0" indent="0" algn="l" rtl="0">
+              <a:spcBef>
+                <a:spcPts val="0"/>
+              </a:spcBef>
+              <a:spcAft>
+                <a:spcPts val="0"/>
+              </a:spcAft>
+              <a:buNone/>
+            </a:pPr>
+            <a:endParaRPr sz="4400"/>
+          </a:p>
+        </p:txBody>
+      </p:sp>
+      <p:pic>
+        <p:nvPicPr>
+          <p:cNvPr id="100" name="Google Shape;100;p19"/>
+          <p:cNvPicPr preferRelativeResize="0"/>
+          <p:nvPr/>
+        </p:nvPicPr>
+        <p:blipFill>
+          <a:blip r:embed="rId3">
+            <a:alphaModFix/>
+          </a:blip>
+          <a:stretch>
+            <a:fillRect/>
+          </a:stretch>
+        </p:blipFill>
+        <p:spPr>
+          <a:xfrm>
+            <a:off x="6166175" y="2521475"/>
+            <a:ext cx="2162300" cy="2162300"/>
+          </a:xfrm>
+          <a:prstGeom prst="rect">
+            <a:avLst/>
+          </a:prstGeom>
+          <a:noFill/>
+          <a:ln>
+            <a:noFill/>
+          </a:ln>
+        </p:spPr>
+      </p:pic>
+    </p:spTree>
+  </p:cSld>
+  <p:clrMapOvr>
+    <a:masterClrMapping/>
+  </p:clrMapOvr>
+</p:sld>
+</file>
+
+<file path=ppt/slides/slide45.xml><?xml version="1.0" encoding="utf-8"?>
+<p:sld xmlns:a="http://schemas.openxmlformats.org/drawingml/2006/main" xmlns:r="http://schemas.openxmlformats.org/officeDocument/2006/relationships" xmlns:p="http://schemas.openxmlformats.org/presentationml/2006/main" show="0">
+  <p:cSld>
+    <p:spTree>
+      <p:nvGrpSpPr>
+        <p:cNvPr id="1" name=""/>
+        <p:cNvGrpSpPr/>
+        <p:nvPr/>
+      </p:nvGrpSpPr>
+      <p:grpSpPr>
+        <a:xfrm>
+          <a:off x="0" y="0"/>
+          <a:ext cx="0" cy="0"/>
+          <a:chOff x="0" y="0"/>
+          <a:chExt cx="0" cy="0"/>
+        </a:xfrm>
+      </p:grpSpPr>
+      <p:sp>
+        <p:nvSpPr>
+          <p:cNvPr id="2" name="Title 1">
+            <a:extLst>
+              <a:ext uri="{FF2B5EF4-FFF2-40B4-BE49-F238E27FC236}">
+                <a16:creationId xmlns:a16="http://schemas.microsoft.com/office/drawing/2014/main" id="{52C512F1-AB17-D750-8DF2-AAE980398704}"/>
+              </a:ext>
+            </a:extLst>
+          </p:cNvPr>
+          <p:cNvSpPr>
+            <a:spLocks noGrp="1"/>
+          </p:cNvSpPr>
+          <p:nvPr>
+            <p:ph type="title"/>
+          </p:nvPr>
+        </p:nvSpPr>
+        <p:spPr>
+          <a:xfrm>
+            <a:off x="311700" y="445025"/>
+            <a:ext cx="3999900" cy="623400"/>
+          </a:xfrm>
+        </p:spPr>
+        <p:txBody>
+          <a:bodyPr/>
+          <a:lstStyle/>
+          <a:p>
+            <a:r>
+              <a:rPr lang="en-US" dirty="0"/>
+              <a:t>Getting blocked</a:t>
+            </a:r>
+          </a:p>
+        </p:txBody>
+      </p:sp>
+      <p:sp>
+        <p:nvSpPr>
+          <p:cNvPr id="3" name="Text Placeholder 2">
+            <a:extLst>
+              <a:ext uri="{FF2B5EF4-FFF2-40B4-BE49-F238E27FC236}">
+                <a16:creationId xmlns:a16="http://schemas.microsoft.com/office/drawing/2014/main" id="{12F85143-1645-2FCA-6B2E-FFF4CB1A9D24}"/>
+              </a:ext>
+            </a:extLst>
+          </p:cNvPr>
+          <p:cNvSpPr>
+            <a:spLocks noGrp="1"/>
+          </p:cNvSpPr>
+          <p:nvPr>
+            <p:ph type="body" idx="1"/>
+          </p:nvPr>
+        </p:nvSpPr>
+        <p:spPr/>
+        <p:txBody>
+          <a:bodyPr/>
+          <a:lstStyle/>
+          <a:p>
+            <a:r>
+              <a:rPr lang="en-US" dirty="0"/>
+              <a:t>All HTML elements are either </a:t>
+            </a:r>
+            <a:r>
+              <a:rPr lang="en-US" b="1" dirty="0"/>
+              <a:t>inline</a:t>
+            </a:r>
+            <a:r>
+              <a:rPr lang="en-US" dirty="0"/>
+              <a:t> or </a:t>
+            </a:r>
+            <a:r>
+              <a:rPr lang="en-US" b="1" dirty="0"/>
+              <a:t>block</a:t>
+            </a:r>
+            <a:r>
+              <a:rPr lang="en-US" dirty="0"/>
+              <a:t>. This affects what happens when they are “over.” Do we go to the next “line” or no?</a:t>
+            </a:r>
+          </a:p>
+          <a:p>
+            <a:r>
+              <a:rPr lang="en-US" dirty="0"/>
+              <a:t>Inline elements can flow after each other on the same “line.”</a:t>
+            </a:r>
+            <a:endParaRPr lang="en-US" sz="3200" dirty="0">
+              <a:solidFill>
+                <a:srgbClr val="0070C0"/>
+              </a:solidFill>
+              <a:latin typeface="Arial" panose="020B0604020202020204" pitchFamily="34" charset="0"/>
+            </a:endParaRPr>
+          </a:p>
+          <a:p>
+            <a:r>
+              <a:rPr lang="en-US" dirty="0"/>
+              <a:t>Blocks elements flow vertically, always forcing a new line in between them.</a:t>
+            </a:r>
+            <a:endParaRPr kumimoji="0" lang="en-US" altLang="en-US" sz="3200" b="0" i="0" u="none" strike="noStrike" cap="none" normalizeH="0" baseline="0" dirty="0">
+              <a:ln>
+                <a:noFill/>
+              </a:ln>
+              <a:solidFill>
+                <a:srgbClr val="0070C0"/>
+              </a:solidFill>
+              <a:effectLst/>
+              <a:latin typeface="Arial" panose="020B0604020202020204" pitchFamily="34" charset="0"/>
+            </a:endParaRPr>
+          </a:p>
+        </p:txBody>
+      </p:sp>
+      <p:pic>
+        <p:nvPicPr>
+          <p:cNvPr id="9" name="Picture 8">
+            <a:extLst>
+              <a:ext uri="{FF2B5EF4-FFF2-40B4-BE49-F238E27FC236}">
+                <a16:creationId xmlns:a16="http://schemas.microsoft.com/office/drawing/2014/main" id="{7AA66182-0E61-9328-F992-FAA17714B9D6}"/>
+              </a:ext>
+            </a:extLst>
+          </p:cNvPr>
+          <p:cNvPicPr>
+            <a:picLocks noChangeAspect="1"/>
+          </p:cNvPicPr>
+          <p:nvPr/>
+        </p:nvPicPr>
+        <p:blipFill rotWithShape="1">
+          <a:blip r:embed="rId2"/>
+          <a:srcRect l="5879" t="13499" r="6715" b="22407"/>
+          <a:stretch/>
+        </p:blipFill>
+        <p:spPr>
+          <a:xfrm>
+            <a:off x="4400566" y="591267"/>
+            <a:ext cx="4530305" cy="4153473"/>
+          </a:xfrm>
+          <a:prstGeom prst="rect">
+            <a:avLst/>
+          </a:prstGeom>
+        </p:spPr>
+      </p:pic>
+    </p:spTree>
+    <p:extLst>
+      <p:ext uri="{BB962C8B-B14F-4D97-AF65-F5344CB8AC3E}">
+        <p14:creationId xmlns:p14="http://schemas.microsoft.com/office/powerpoint/2010/main" val="1972745409"/>
+      </p:ext>
+    </p:extLst>
   </p:cSld>
   <p:clrMapOvr>
     <a:masterClrMapping/>

--- a/files/SWC slides R Shiny 2024 Fall.pptx
+++ b/files/SWC slides R Shiny 2024 Fall.pptx
@@ -5,7 +5,7 @@
     <p:sldMasterId id="2147483659" r:id="rId1"/>
   </p:sldMasterIdLst>
   <p:notesMasterIdLst>
-    <p:notesMasterId r:id="rId47"/>
+    <p:notesMasterId r:id="rId51"/>
   </p:notesMasterIdLst>
   <p:sldIdLst>
     <p:sldId id="256" r:id="rId2"/>
@@ -49,38 +49,42 @@
     <p:sldId id="298" r:id="rId40"/>
     <p:sldId id="299" r:id="rId41"/>
     <p:sldId id="300" r:id="rId42"/>
-    <p:sldId id="294" r:id="rId43"/>
-    <p:sldId id="261" r:id="rId44"/>
-    <p:sldId id="262" r:id="rId45"/>
-    <p:sldId id="282" r:id="rId46"/>
+    <p:sldId id="301" r:id="rId43"/>
+    <p:sldId id="302" r:id="rId44"/>
+    <p:sldId id="303" r:id="rId45"/>
+    <p:sldId id="304" r:id="rId46"/>
+    <p:sldId id="294" r:id="rId47"/>
+    <p:sldId id="261" r:id="rId48"/>
+    <p:sldId id="262" r:id="rId49"/>
+    <p:sldId id="282" r:id="rId50"/>
   </p:sldIdLst>
   <p:sldSz cx="9144000" cy="5143500" type="screen16x9"/>
   <p:notesSz cx="6858000" cy="9144000"/>
   <p:embeddedFontLst>
     <p:embeddedFont>
       <p:font typeface="Raleway" pitchFamily="2" charset="0"/>
-      <p:regular r:id="rId48"/>
-      <p:bold r:id="rId49"/>
-      <p:italic r:id="rId50"/>
-      <p:boldItalic r:id="rId51"/>
+      <p:regular r:id="rId52"/>
+      <p:bold r:id="rId53"/>
+      <p:italic r:id="rId54"/>
+      <p:boldItalic r:id="rId55"/>
     </p:embeddedFont>
     <p:embeddedFont>
       <p:font typeface="Simplified Arabic Fixed" panose="02070309020205020404" pitchFamily="49" charset="-78"/>
-      <p:regular r:id="rId52"/>
+      <p:regular r:id="rId56"/>
     </p:embeddedFont>
     <p:embeddedFont>
       <p:font typeface="Source Code Pro" panose="020B0509030403020204" pitchFamily="49" charset="0"/>
-      <p:regular r:id="rId53"/>
-      <p:bold r:id="rId54"/>
-      <p:italic r:id="rId55"/>
-      <p:boldItalic r:id="rId56"/>
-    </p:embeddedFont>
-    <p:embeddedFont>
-      <p:font typeface="Source Sans Pro" panose="020B0503030403020204" pitchFamily="34" charset="0"/>
       <p:regular r:id="rId57"/>
       <p:bold r:id="rId58"/>
       <p:italic r:id="rId59"/>
       <p:boldItalic r:id="rId60"/>
+    </p:embeddedFont>
+    <p:embeddedFont>
+      <p:font typeface="Source Sans Pro" panose="020B0503030403020204" pitchFamily="34" charset="0"/>
+      <p:regular r:id="rId61"/>
+      <p:bold r:id="rId62"/>
+      <p:italic r:id="rId63"/>
+      <p:boldItalic r:id="rId64"/>
     </p:embeddedFont>
   </p:embeddedFontLst>
   <p:defaultTextStyle>
@@ -4121,39 +4125,31 @@
           <a:p>
             <a:r>
               <a:rPr lang="en-US" dirty="0"/>
-              <a:t>I know we haven’t actually done much in R yet. But, now that we have all the basics of web development down, that changes now!</a:t>
-            </a:r>
-          </a:p>
-          <a:p>
-            <a:r>
-              <a:rPr lang="en-US" dirty="0"/>
-              <a:t>We’ll be spending the rest of our time in R and, in this hour, that’ll include learning the essentials of building a powerful Shiny app.</a:t>
-            </a:r>
-          </a:p>
-          <a:p>
-            <a:r>
-              <a:rPr lang="en-US" dirty="0"/>
-              <a:t>Such as learning how to add complex elements like tables to our UI, adding input widgets like drop-down menus to give your users something to play with, and learning about events and how to handle them.</a:t>
-            </a:r>
-          </a:p>
-          <a:p>
-            <a:r>
-              <a:rPr lang="en-US" dirty="0"/>
-              <a:t>Then, we’ll give users and ourselves more control over proceedings using a button and an observer, as well as add a set of tabs. </a:t>
-            </a:r>
-          </a:p>
-          <a:p>
-            <a:r>
-              <a:rPr lang="en-US" dirty="0"/>
-              <a:t>If we get through all this successfully, you’ll walk out with a </a:t>
-            </a:r>
-            <a:r>
-              <a:rPr lang="en-US" i="1" dirty="0"/>
-              <a:t>massive</a:t>
-            </a:r>
-            <a:r>
-              <a:rPr lang="en-US" dirty="0"/>
-              <a:t> toolkit with which to build a wide array of apps!</a:t>
+              <a:t>I know we haven’t actually done much in R yet. But, now that we have all the basics of web development down, that can change!</a:t>
+            </a:r>
+          </a:p>
+          <a:p>
+            <a:r>
+              <a:rPr lang="en-US" dirty="0"/>
+              <a:t>We’ll spend the rest of our time in R and, in this hour, that’ll include learning the essentials of R Shiny.</a:t>
+            </a:r>
+          </a:p>
+          <a:p>
+            <a:r>
+              <a:rPr lang="en-US" dirty="0"/>
+              <a:t>Such as learning how to add complex elements like tables to our app’s UI, adding input widgets like drop-down menus to give your users things to play with, and learning about events and how to handle them.</a:t>
+            </a:r>
+          </a:p>
+          <a:p>
+            <a:r>
+              <a:rPr lang="en-US" dirty="0"/>
+              <a:t>Then, we’ll give users and ourselves more control over proceedings using a button and an observer, as well as add a set of tabs to jazz up our UI. </a:t>
+            </a:r>
+          </a:p>
+          <a:p>
+            <a:r>
+              <a:rPr lang="en-US" dirty="0"/>
+              <a:t>If the concepts at the heart of this block of material click for you, you will possess a powerful toolkit that will allow you to build a wide array of apps!</a:t>
             </a:r>
           </a:p>
         </p:txBody>
@@ -4223,7 +4219,7 @@
             <a:pPr marL="457200" indent="-298450"/>
             <a:r>
               <a:rPr lang="en-US" dirty="0"/>
-              <a:t>Our app is pretty boring so far, and apps are really only useful when they allow users to do cool things. So, let’s add some cool things, starting with a table for users to view the </a:t>
+              <a:t>Our app is pretty boring so far, and apps are really about allowing users to do cool things. So, let’s add some cool things, starting with a table for users to view the </a:t>
             </a:r>
             <a:r>
               <a:rPr lang="en-US" dirty="0" err="1"/>
@@ -4231,7 +4227,7 @@
             </a:r>
             <a:r>
               <a:rPr lang="en-US" dirty="0"/>
-              <a:t> data set.</a:t>
+              <a:t> data set with.</a:t>
             </a:r>
           </a:p>
           <a:p>
@@ -4245,7 +4241,7 @@
             <a:pPr marL="457200" indent="-298450"/>
             <a:r>
               <a:rPr lang="en-US" dirty="0"/>
-              <a:t>And that’s true! But it’d be tedious to create such a large table in HTML ourselves. Thankfully, we can get R to do the hard stuff.</a:t>
+              <a:t>And yes you can build tables in HTML! But it’d be tedious to create such a large table in HTML ourselves. Thankfully, we can get R to do that for us.</a:t>
             </a:r>
           </a:p>
           <a:p>
@@ -4259,7 +4255,7 @@
             <a:pPr marL="457200" indent="-298450"/>
             <a:r>
               <a:rPr lang="en-US" dirty="0"/>
-              <a:t>First, any heavy lifting, aka data manipulation, to produce the final R version of the thing.</a:t>
+              <a:t>First, any heavy lifting, aka data manipulation, needed to produce the final R object must happen.</a:t>
             </a:r>
           </a:p>
           <a:p>
@@ -4342,13 +4338,13 @@
           <a:p>
             <a:r>
               <a:rPr lang="en-US" dirty="0"/>
-              <a:t>There’s a lot going on in the code we just looked at, so I think here maybe an analogy would help.</a:t>
-            </a:r>
-          </a:p>
-          <a:p>
-            <a:r>
-              <a:rPr lang="en-US" dirty="0"/>
-              <a:t>I want you to think of an app as a restaurant. In this analogy, the R code we put inside our render function’s braces are the recipe—how do we build the R object we want?</a:t>
+              <a:t>The code we just looked at had a lot going on! But rendering and outputting are core ideas of working in Shiny, so let’s see if we can solidify our understanding with an analogy.</a:t>
+            </a:r>
+          </a:p>
+          <a:p>
+            <a:r>
+              <a:rPr lang="en-US" dirty="0"/>
+              <a:t>I want you to think of an app as a restaurant. In this analogy, the R code we put inside our render function’s braces is the recipe—how do we build the R object we want?</a:t>
             </a:r>
           </a:p>
           <a:p>
@@ -4455,13 +4451,7 @@
           <a:p>
             <a:r>
               <a:rPr lang="en-US" dirty="0"/>
-              <a:t>So, our table is a little unexciting…we’ll fix that later by upgrading it to a DT table.</a:t>
-            </a:r>
-          </a:p>
-          <a:p>
-            <a:r>
-              <a:rPr lang="en-US" dirty="0"/>
-              <a:t>In the meantime, we can address it’s other shortcoming—it’s not interactive! We can’t actually do anything with it. </a:t>
+              <a:t>So, our table is present and functional, if a little unexciting…we’ll fix that later. In the meantime, we can address its other shortcoming—it’s not interactive! We can’t actually do anything with it but look at it.</a:t>
             </a:r>
           </a:p>
           <a:p>
@@ -4491,7 +4481,7 @@
           <a:p>
             <a:r>
               <a:rPr lang="en-US" dirty="0"/>
-              <a:t>Second, we use the input object to continuously pass the widget’s current value over to the server, where it can be watched.</a:t>
+              <a:t>Second, we use the input object to pass the widget’s current value over to the server, where we can watch that value for changes.</a:t>
             </a:r>
           </a:p>
           <a:p>
@@ -4608,7 +4598,7 @@
           <a:p>
             <a:r>
               <a:rPr lang="en-US" dirty="0"/>
-              <a:t>Now, we’re about to meet input, which passes to the server the current value of any input widgets, which it does using </a:t>
+              <a:t>Now, we’ll soon meet input, which does exactly the opposite--it passes to the server the current value of any input widgets, which it does using </a:t>
             </a:r>
             <a:r>
               <a:rPr lang="en-US" dirty="0" err="1"/>
@@ -4616,13 +4606,13 @@
             </a:r>
             <a:r>
               <a:rPr lang="en-US" dirty="0"/>
-              <a:t>. Same concept!</a:t>
-            </a:r>
-          </a:p>
-          <a:p>
-            <a:r>
-              <a:rPr lang="en-US" dirty="0"/>
-              <a:t>We also gave a label, which is text that accompanies the widget and, usually, describes what it does.</a:t>
+              <a:t>. </a:t>
+            </a:r>
+          </a:p>
+          <a:p>
+            <a:r>
+              <a:rPr lang="en-US" dirty="0"/>
+              <a:t>We also gave the widget a label, which is text that accompanies the widget and, usually, describes what it does to the user.</a:t>
             </a:r>
           </a:p>
           <a:p>
@@ -4634,7 +4624,7 @@
           <a:p>
             <a:r>
               <a:rPr lang="en-US" dirty="0"/>
-              <a:t>While they are all variations on this theme, all other Shiny inputs are very similar to </a:t>
+              <a:t>All other Shiny input widgets, of which there are many, are very similar to </a:t>
             </a:r>
             <a:r>
               <a:rPr lang="en-US" dirty="0" err="1"/>
@@ -4648,7 +4638,7 @@
           <a:p>
             <a:r>
               <a:rPr lang="en-US" dirty="0"/>
-              <a:t>Now, you’ll notice that our widget doesn’t actually do anything yet—we need to keep going and add the appropriate server code still. </a:t>
+              <a:t>Now, you’ll notice that our widget doesn’t actually do anything yet—to fix that, we need to keep going and add the appropriate server code to “wire up” this widget. </a:t>
             </a:r>
           </a:p>
           <a:p>
@@ -4842,7 +4832,7 @@
           <a:p>
             <a:r>
               <a:rPr lang="en-US" dirty="0"/>
-              <a:t>Ok, we’re finally to the most critical concept in all of R Shiny/web development! So, it’s time for some terminology.</a:t>
+              <a:t>Ok, we’re finally to the most critical concept in all of R Shiny/web development! So, it’s time to pause for some key terminology.</a:t>
             </a:r>
           </a:p>
           <a:p>
@@ -4856,19 +4846,19 @@
             </a:r>
             <a:r>
               <a:rPr lang="en-US" dirty="0"/>
-              <a:t> talk of events. An event is any action a user takes that the app *might* be tracking or watching out for. In this example, that’s our user selecting a new choice in our widget.</a:t>
-            </a:r>
-          </a:p>
-          <a:p>
-            <a:r>
-              <a:rPr lang="en-US" dirty="0"/>
-              <a:t>We also talk about handling events, which is having code run that figures out how the app will respond, if it will. In our case, it does respond by resorting the table for the user.</a:t>
-            </a:r>
-          </a:p>
-          <a:p>
-            <a:r>
-              <a:rPr lang="en-US" dirty="0"/>
-              <a:t>That brings us to the concept of reactions and reactivity. A reactive object is any object whose value might change as a result of an event—the user triggers the change, not us. </a:t>
+              <a:t> talk of events. An event is any action a user takes that the app *might* be tracking or watching for. In this example, an event would be a user selecting a new choice in our widget.</a:t>
+            </a:r>
+          </a:p>
+          <a:p>
+            <a:r>
+              <a:rPr lang="en-US" dirty="0"/>
+              <a:t>We also talk about handling events, which is having code run that determines the app’s reaction. In our case, our app’s reaction would be to resort the table. </a:t>
+            </a:r>
+          </a:p>
+          <a:p>
+            <a:r>
+              <a:rPr lang="en-US" dirty="0"/>
+              <a:t>That brings us to the concept of reactivity. A reactive object is any object whose value might change as a result of an event—the user triggers the change, not us. </a:t>
             </a:r>
           </a:p>
           <a:p>
@@ -4882,7 +4872,15 @@
             </a:r>
             <a:r>
               <a:rPr lang="en-US" dirty="0"/>
-              <a:t>. Its value will change every time the user selects a new choice.</a:t>
+              <a:t>. Its value changes every time the </a:t>
+            </a:r>
+            <a:r>
+              <a:rPr lang="en-US" i="1" dirty="0"/>
+              <a:t>user</a:t>
+            </a:r>
+            <a:r>
+              <a:rPr lang="en-US" dirty="0"/>
+              <a:t> selects a new choice.</a:t>
             </a:r>
           </a:p>
           <a:p>
@@ -4896,7 +4894,7 @@
             </a:r>
             <a:r>
               <a:rPr lang="en-US" dirty="0"/>
-              <a:t> and, thus, Shiny needs to watch it for events.</a:t>
+              <a:t> and, thus, Shiny needs to be watching inside it for events.</a:t>
             </a:r>
           </a:p>
           <a:p>
@@ -4918,13 +4916,19 @@
             </a:r>
             <a:r>
               <a:rPr lang="en-US" dirty="0"/>
-              <a:t>.</a:t>
-            </a:r>
-          </a:p>
-          <a:p>
-            <a:r>
-              <a:rPr lang="en-US" dirty="0"/>
-              <a:t>And so here’s the key idea: Whenever a reactive object, like </a:t>
+              <a:t> and R will watch it for events.</a:t>
+            </a:r>
+          </a:p>
+          <a:p>
+            <a:r>
+              <a:rPr lang="en-US" dirty="0"/>
+              <a:t>In general, if an R Shiny server function takes as an input an expression in braces, it’s probably a reactive context, although we will see one notable exception a bit later.</a:t>
+            </a:r>
+          </a:p>
+          <a:p>
+            <a:r>
+              <a:rPr lang="en-US" dirty="0"/>
+              <a:t>Here’s the key idea: Whenever a reactive object, like </a:t>
             </a:r>
             <a:r>
               <a:rPr lang="en-US" dirty="0" err="1"/>
@@ -4938,7 +4942,7 @@
           <a:p>
             <a:r>
               <a:rPr lang="en-US" dirty="0"/>
-              <a:t>The logic here actually makes sense. If a reactive context produces an output, like a table, and key inputs to that process have changed in value, maybe our outputs are “old” and need refreshing. The way to do that is to rerun the code that makes them. Make sense?</a:t>
+              <a:t>The logic here actually makes sense. If a reactive context produces an output, like a table, and key inputs to that process have changed, maybe our outputs are “outdated” and need refreshing, and the way to do that is to rerun the code that makes them. Make sense?</a:t>
             </a:r>
           </a:p>
           <a:p>
@@ -4950,13 +4954,8 @@
           <a:p>
             <a:r>
               <a:rPr lang="en-US" dirty="0"/>
-              <a:t>(Also demonstrate that we cannot put reactive objects somewhere other than inside </a:t>
-            </a:r>
-            <a:r>
-              <a:rPr lang="en-US"/>
-              <a:t>a reactive context. </a:t>
-            </a:r>
-            <a:endParaRPr lang="en-US" dirty="0"/>
+              <a:t>(Also demonstrate that we cannot put reactive objects somewhere other than inside a reactive context. </a:t>
+            </a:r>
           </a:p>
         </p:txBody>
       </p:sp>
@@ -5024,7 +5023,7 @@
           <a:p>
             <a:r>
               <a:rPr lang="en-US" dirty="0"/>
-              <a:t>I said earlier that R Shiny server code is going to feel pretty unfamiliar. I hope that you’re starting to see what I mean!</a:t>
+              <a:t>I said earlier that R Shiny server code might feel unfamiliar. I hope you’re seeing what I meant!</a:t>
             </a:r>
           </a:p>
           <a:p>
@@ -5036,13 +5035,13 @@
           <a:p>
             <a:r>
               <a:rPr lang="en-US" dirty="0"/>
-              <a:t>In R, we’re the user. We have needs, and we want R to meet those needs right now. </a:t>
-            </a:r>
-          </a:p>
-          <a:p>
-            <a:r>
-              <a:rPr lang="en-US" dirty="0"/>
-              <a:t>R has imperative evaluation. It runs code from top to bottom, as fast as it can, as soon as we ask it to. It’s the coding equivalent of us yelling, R, make me a sandwich this exact way, pronto! and it responding yes sir/</a:t>
+              <a:t>In R, we’re the user. We have needs, and we want R to meet those needs NOW. </a:t>
+            </a:r>
+          </a:p>
+          <a:p>
+            <a:r>
+              <a:rPr lang="en-US" dirty="0"/>
+              <a:t>R evaluates code imperatively for that reason. It runs code from top to bottom, as fast as it can, as soon as we ask it to. It’s the evaluation equivalent of us yelling, R, make me a sandwich this exact way, pronto! and it responding yes sir/</a:t>
             </a:r>
             <a:r>
               <a:rPr lang="en-US" dirty="0" err="1"/>
@@ -5068,7 +5067,7 @@
           <a:p>
             <a:r>
               <a:rPr lang="en-US" dirty="0"/>
-              <a:t>In line with all this, R Shiny server code evaluates </a:t>
+              <a:t>In line with this, R Shiny server code evaluates </a:t>
             </a:r>
             <a:r>
               <a:rPr lang="en-US" dirty="0" err="1"/>
@@ -5076,7 +5075,7 @@
             </a:r>
             <a:r>
               <a:rPr lang="en-US" dirty="0"/>
-              <a:t> instead. It waits until an event occurs and re-runs whichever reactive contexts are affected and only those. It’s the equivalent of saying (read what’s on the slide).</a:t>
+              <a:t> instead. It waits until an event occurs and re-runs whichever reactive contexts are affected and only those contexts. It’s the equivalent of saying (read what’s on the slide).</a:t>
             </a:r>
           </a:p>
           <a:p>
@@ -5151,6 +5150,490 @@
           <a:p>
             <a:r>
               <a:rPr lang="en-US" dirty="0"/>
+              <a:t>Now, you’ll notice that the way we’re handling our drop-down menu widget causes the table to rebuild every time a new choice is made. </a:t>
+            </a:r>
+          </a:p>
+          <a:p>
+            <a:r>
+              <a:rPr lang="en-US" dirty="0"/>
+              <a:t>This approach is ok because we only have one widget and rebuilding this table is really fast.</a:t>
+            </a:r>
+          </a:p>
+          <a:p>
+            <a:r>
+              <a:rPr lang="en-US" dirty="0"/>
+              <a:t>But if we had lots of widgets, or if rebuilding the table was slow, a user might want more say in </a:t>
+            </a:r>
+            <a:r>
+              <a:rPr lang="en-US" i="1" dirty="0"/>
+              <a:t>when</a:t>
+            </a:r>
+            <a:r>
+              <a:rPr lang="en-US" dirty="0"/>
+              <a:t> the table rebuilds so that, e.g., they could dial in all their selections before triggering the rebuild.</a:t>
+            </a:r>
+          </a:p>
+          <a:p>
+            <a:r>
+              <a:rPr lang="en-US" dirty="0"/>
+              <a:t>Let’s add a button widget to give them that power.</a:t>
+            </a:r>
+          </a:p>
+          <a:p>
+            <a:r>
+              <a:rPr lang="en-US" dirty="0"/>
+              <a:t>(Go off to R to do it). </a:t>
+            </a:r>
+          </a:p>
+          <a:p>
+            <a:r>
+              <a:rPr lang="en-US" dirty="0"/>
+              <a:t>We have our button, but we still need to handle its events. We want button presses to trigger a table rebuild, so let’s add </a:t>
+            </a:r>
+            <a:r>
+              <a:rPr lang="en-US" dirty="0" err="1"/>
+              <a:t>input$go_button</a:t>
+            </a:r>
+            <a:r>
+              <a:rPr lang="en-US" dirty="0"/>
+              <a:t> to our </a:t>
+            </a:r>
+            <a:r>
+              <a:rPr lang="en-US" dirty="0" err="1"/>
+              <a:t>renderTable</a:t>
+            </a:r>
+            <a:r>
+              <a:rPr lang="en-US" dirty="0"/>
+              <a:t>({})’s reactive context to get R to start watching it for events in the way we want (do that in R). </a:t>
+            </a:r>
+          </a:p>
+          <a:p>
+            <a:r>
+              <a:rPr lang="en-US" dirty="0"/>
+              <a:t>However, </a:t>
+            </a:r>
+            <a:r>
+              <a:rPr lang="en-US" dirty="0" err="1"/>
+              <a:t>input$sorted_column</a:t>
+            </a:r>
+            <a:r>
+              <a:rPr lang="en-US" dirty="0"/>
+              <a:t> is still in here too, so changing the menu will also still trigger a rebuild. And we can’t remove </a:t>
+            </a:r>
+            <a:r>
+              <a:rPr lang="en-US" dirty="0" err="1"/>
+              <a:t>input$sorted_column</a:t>
+            </a:r>
+            <a:r>
+              <a:rPr lang="en-US" dirty="0"/>
+              <a:t> because, if we did, we couldn’t use its value to influence how to sort the table. Are we stuck?</a:t>
+            </a:r>
+          </a:p>
+          <a:p>
+            <a:r>
+              <a:rPr lang="en-US" dirty="0"/>
+              <a:t>No. This is a time to use isolation.  The isolate function allows us to access a reactive object’s value for use in operations but prevents changes to that object from being considered an event. (Show them)</a:t>
+            </a:r>
+          </a:p>
+        </p:txBody>
+      </p:sp>
+    </p:spTree>
+    <p:extLst>
+      <p:ext uri="{BB962C8B-B14F-4D97-AF65-F5344CB8AC3E}">
+        <p14:creationId xmlns:p14="http://schemas.microsoft.com/office/powerpoint/2010/main" val="3719549489"/>
+      </p:ext>
+    </p:extLst>
+  </p:cSld>
+  <p:clrMapOvr>
+    <a:masterClrMapping/>
+  </p:clrMapOvr>
+</p:notes>
+</file>
+
+<file path=ppt/notesSlides/notesSlide43.xml><?xml version="1.0" encoding="utf-8"?>
+<p:notes xmlns:a="http://schemas.openxmlformats.org/drawingml/2006/main" xmlns:r="http://schemas.openxmlformats.org/officeDocument/2006/relationships" xmlns:p="http://schemas.openxmlformats.org/presentationml/2006/main">
+  <p:cSld>
+    <p:spTree>
+      <p:nvGrpSpPr>
+        <p:cNvPr id="1" name=""/>
+        <p:cNvGrpSpPr/>
+        <p:nvPr/>
+      </p:nvGrpSpPr>
+      <p:grpSpPr>
+        <a:xfrm>
+          <a:off x="0" y="0"/>
+          <a:ext cx="0" cy="0"/>
+          <a:chOff x="0" y="0"/>
+          <a:chExt cx="0" cy="0"/>
+        </a:xfrm>
+      </p:grpSpPr>
+      <p:sp>
+        <p:nvSpPr>
+          <p:cNvPr id="2" name="Slide Image Placeholder 1"/>
+          <p:cNvSpPr>
+            <a:spLocks noGrp="1" noRot="1" noChangeAspect="1"/>
+          </p:cNvSpPr>
+          <p:nvPr>
+            <p:ph type="sldImg"/>
+          </p:nvPr>
+        </p:nvSpPr>
+        <p:spPr>
+          <a:xfrm>
+            <a:off x="381000" y="685800"/>
+            <a:ext cx="6096000" cy="3429000"/>
+          </a:xfrm>
+        </p:spPr>
+      </p:sp>
+      <p:sp>
+        <p:nvSpPr>
+          <p:cNvPr id="3" name="Notes Placeholder 2"/>
+          <p:cNvSpPr>
+            <a:spLocks noGrp="1"/>
+          </p:cNvSpPr>
+          <p:nvPr>
+            <p:ph type="body" idx="1"/>
+          </p:nvPr>
+        </p:nvSpPr>
+        <p:spPr/>
+        <p:txBody>
+          <a:bodyPr/>
+          <a:lstStyle/>
+          <a:p>
+            <a:r>
+              <a:rPr lang="en-US" dirty="0"/>
+              <a:t>This situation is pretty simple—we have just two inputs, and we only needed to “silence” one with isolate to get the outcome we wanted. </a:t>
+            </a:r>
+          </a:p>
+          <a:p>
+            <a:r>
+              <a:rPr lang="en-US" dirty="0"/>
+              <a:t>If you have a much more complex situation, like one that would require a ton of isolating, there’s a cleaner option: </a:t>
+            </a:r>
+            <a:r>
+              <a:rPr lang="en-US" dirty="0" err="1"/>
+              <a:t>observeEvent</a:t>
+            </a:r>
+            <a:r>
+              <a:rPr lang="en-US" dirty="0"/>
+              <a:t>.</a:t>
+            </a:r>
+          </a:p>
+          <a:p>
+            <a:r>
+              <a:rPr lang="en-US" dirty="0" err="1"/>
+              <a:t>observeEvent</a:t>
+            </a:r>
+            <a:r>
+              <a:rPr lang="en-US" dirty="0"/>
+              <a:t> allows us to code up a “if exactly this happens, do exactly that” response to events. </a:t>
+            </a:r>
+          </a:p>
+          <a:p>
+            <a:r>
+              <a:rPr lang="en-US" dirty="0"/>
+              <a:t>(Go off and show them). </a:t>
+            </a:r>
+          </a:p>
+        </p:txBody>
+      </p:sp>
+    </p:spTree>
+    <p:extLst>
+      <p:ext uri="{BB962C8B-B14F-4D97-AF65-F5344CB8AC3E}">
+        <p14:creationId xmlns:p14="http://schemas.microsoft.com/office/powerpoint/2010/main" val="2313243417"/>
+      </p:ext>
+    </p:extLst>
+  </p:cSld>
+  <p:clrMapOvr>
+    <a:masterClrMapping/>
+  </p:clrMapOvr>
+</p:notes>
+</file>
+
+<file path=ppt/notesSlides/notesSlide44.xml><?xml version="1.0" encoding="utf-8"?>
+<p:notes xmlns:a="http://schemas.openxmlformats.org/drawingml/2006/main" xmlns:r="http://schemas.openxmlformats.org/officeDocument/2006/relationships" xmlns:p="http://schemas.openxmlformats.org/presentationml/2006/main">
+  <p:cSld>
+    <p:spTree>
+      <p:nvGrpSpPr>
+        <p:cNvPr id="1" name=""/>
+        <p:cNvGrpSpPr/>
+        <p:nvPr/>
+      </p:nvGrpSpPr>
+      <p:grpSpPr>
+        <a:xfrm>
+          <a:off x="0" y="0"/>
+          <a:ext cx="0" cy="0"/>
+          <a:chOff x="0" y="0"/>
+          <a:chExt cx="0" cy="0"/>
+        </a:xfrm>
+      </p:grpSpPr>
+      <p:sp>
+        <p:nvSpPr>
+          <p:cNvPr id="2" name="Slide Image Placeholder 1"/>
+          <p:cNvSpPr>
+            <a:spLocks noGrp="1" noRot="1" noChangeAspect="1"/>
+          </p:cNvSpPr>
+          <p:nvPr>
+            <p:ph type="sldImg"/>
+          </p:nvPr>
+        </p:nvSpPr>
+        <p:spPr>
+          <a:xfrm>
+            <a:off x="381000" y="685800"/>
+            <a:ext cx="6096000" cy="3429000"/>
+          </a:xfrm>
+        </p:spPr>
+      </p:sp>
+      <p:sp>
+        <p:nvSpPr>
+          <p:cNvPr id="3" name="Notes Placeholder 2"/>
+          <p:cNvSpPr>
+            <a:spLocks noGrp="1"/>
+          </p:cNvSpPr>
+          <p:nvPr>
+            <p:ph type="body" idx="1"/>
+          </p:nvPr>
+        </p:nvSpPr>
+        <p:spPr/>
+        <p:txBody>
+          <a:bodyPr/>
+          <a:lstStyle/>
+          <a:p>
+            <a:r>
+              <a:rPr lang="en-US" dirty="0"/>
+              <a:t>Notice that, with those changes, the app works exactly the same as before! These two approaches work the same.</a:t>
+            </a:r>
+          </a:p>
+          <a:p>
+            <a:r>
+              <a:rPr lang="en-US" dirty="0"/>
+              <a:t>However, the second is much more precise. It tells R, hey, listen for changes in this first expression and, when one happens, trigger the second expression.</a:t>
+            </a:r>
+          </a:p>
+          <a:p>
+            <a:r>
+              <a:rPr lang="en-US" dirty="0"/>
+              <a:t>Oh, and also, never execute the first expression, and never trigger </a:t>
+            </a:r>
+            <a:r>
+              <a:rPr lang="en-US" i="1" dirty="0"/>
+              <a:t>events</a:t>
+            </a:r>
+            <a:r>
+              <a:rPr lang="en-US" dirty="0"/>
+              <a:t> within the second expression.</a:t>
+            </a:r>
+          </a:p>
+          <a:p>
+            <a:r>
+              <a:rPr lang="en-US" dirty="0"/>
+              <a:t>It’s like the 1</a:t>
+            </a:r>
+            <a:r>
+              <a:rPr lang="en-US" baseline="30000" dirty="0"/>
+              <a:t>st</a:t>
+            </a:r>
+            <a:r>
+              <a:rPr lang="en-US" dirty="0"/>
+              <a:t> expression is on “mute”—it </a:t>
+            </a:r>
+            <a:r>
+              <a:rPr lang="en-US" i="1" dirty="0"/>
+              <a:t>can’t</a:t>
+            </a:r>
+            <a:r>
+              <a:rPr lang="en-US" dirty="0"/>
+              <a:t> do work or make outputs, it can only trigger events.</a:t>
+            </a:r>
+          </a:p>
+          <a:p>
+            <a:r>
+              <a:rPr lang="en-US" dirty="0"/>
+              <a:t>Meanwhile, the 2</a:t>
+            </a:r>
+            <a:r>
+              <a:rPr lang="en-US" baseline="30000" dirty="0"/>
+              <a:t>nd</a:t>
+            </a:r>
+            <a:r>
+              <a:rPr lang="en-US" dirty="0"/>
+              <a:t> expression is functionally isolated—it can only do work and make outputs and NOT trigger events. </a:t>
+            </a:r>
+          </a:p>
+          <a:p>
+            <a:r>
+              <a:rPr lang="en-US" dirty="0"/>
+              <a:t>So, we can watch just one specific thing and use as many reactive objects in the response as we want without needing isolate once. Hopefully, you can see how this would be useful! </a:t>
+            </a:r>
+          </a:p>
+        </p:txBody>
+      </p:sp>
+    </p:spTree>
+    <p:extLst>
+      <p:ext uri="{BB962C8B-B14F-4D97-AF65-F5344CB8AC3E}">
+        <p14:creationId xmlns:p14="http://schemas.microsoft.com/office/powerpoint/2010/main" val="3692080897"/>
+      </p:ext>
+    </p:extLst>
+  </p:cSld>
+  <p:clrMapOvr>
+    <a:masterClrMapping/>
+  </p:clrMapOvr>
+</p:notes>
+</file>
+
+<file path=ppt/notesSlides/notesSlide45.xml><?xml version="1.0" encoding="utf-8"?>
+<p:notes xmlns:a="http://schemas.openxmlformats.org/drawingml/2006/main" xmlns:r="http://schemas.openxmlformats.org/officeDocument/2006/relationships" xmlns:p="http://schemas.openxmlformats.org/presentationml/2006/main">
+  <p:cSld>
+    <p:spTree>
+      <p:nvGrpSpPr>
+        <p:cNvPr id="1" name=""/>
+        <p:cNvGrpSpPr/>
+        <p:nvPr/>
+      </p:nvGrpSpPr>
+      <p:grpSpPr>
+        <a:xfrm>
+          <a:off x="0" y="0"/>
+          <a:ext cx="0" cy="0"/>
+          <a:chOff x="0" y="0"/>
+          <a:chExt cx="0" cy="0"/>
+        </a:xfrm>
+      </p:grpSpPr>
+      <p:sp>
+        <p:nvSpPr>
+          <p:cNvPr id="2" name="Slide Image Placeholder 1"/>
+          <p:cNvSpPr>
+            <a:spLocks noGrp="1" noRot="1" noChangeAspect="1"/>
+          </p:cNvSpPr>
+          <p:nvPr>
+            <p:ph type="sldImg"/>
+          </p:nvPr>
+        </p:nvSpPr>
+        <p:spPr>
+          <a:xfrm>
+            <a:off x="381000" y="685800"/>
+            <a:ext cx="6096000" cy="3429000"/>
+          </a:xfrm>
+        </p:spPr>
+      </p:sp>
+      <p:sp>
+        <p:nvSpPr>
+          <p:cNvPr id="3" name="Notes Placeholder 2"/>
+          <p:cNvSpPr>
+            <a:spLocks noGrp="1"/>
+          </p:cNvSpPr>
+          <p:nvPr>
+            <p:ph type="body" idx="1"/>
+          </p:nvPr>
+        </p:nvSpPr>
+        <p:spPr/>
+        <p:txBody>
+          <a:bodyPr/>
+          <a:lstStyle/>
+          <a:p>
+            <a:r>
+              <a:rPr lang="en-US" dirty="0"/>
+              <a:t>At this point, we understand the core Shiny concepts of rendering and outputting, events and event handling, widgets, and reactivity, so we have all the conceptual tools we need to build incredible apps!</a:t>
+            </a:r>
+          </a:p>
+          <a:p>
+            <a:r>
+              <a:rPr lang="en-US" dirty="0"/>
+              <a:t>In the last hour, we’ll upgrade our table and add interactive maps and graphs. To keep our UI organized, though, let’s first split the main panel cell of our app into three tabs using the Shiny functions </a:t>
+            </a:r>
+            <a:r>
+              <a:rPr lang="en-US" dirty="0" err="1"/>
+              <a:t>tabsetPanel</a:t>
+            </a:r>
+            <a:r>
+              <a:rPr lang="en-US" dirty="0"/>
+              <a:t>() and </a:t>
+            </a:r>
+            <a:r>
+              <a:rPr lang="en-US" dirty="0" err="1"/>
+              <a:t>tabPanel</a:t>
+            </a:r>
+            <a:r>
+              <a:rPr lang="en-US" dirty="0"/>
+              <a:t>().</a:t>
+            </a:r>
+          </a:p>
+          <a:p>
+            <a:r>
+              <a:rPr lang="en-US" dirty="0"/>
+              <a:t>(Go off and do that, and show them).</a:t>
+            </a:r>
+          </a:p>
+          <a:p>
+            <a:r>
+              <a:rPr lang="en-US" dirty="0"/>
+              <a:t>Note that our latter two tabs are empty, but we’ll soon change that!</a:t>
+            </a:r>
+          </a:p>
+        </p:txBody>
+      </p:sp>
+    </p:spTree>
+    <p:extLst>
+      <p:ext uri="{BB962C8B-B14F-4D97-AF65-F5344CB8AC3E}">
+        <p14:creationId xmlns:p14="http://schemas.microsoft.com/office/powerpoint/2010/main" val="1141439824"/>
+      </p:ext>
+    </p:extLst>
+  </p:cSld>
+  <p:clrMapOvr>
+    <a:masterClrMapping/>
+  </p:clrMapOvr>
+</p:notes>
+</file>
+
+<file path=ppt/notesSlides/notesSlide46.xml><?xml version="1.0" encoding="utf-8"?>
+<p:notes xmlns:a="http://schemas.openxmlformats.org/drawingml/2006/main" xmlns:r="http://schemas.openxmlformats.org/officeDocument/2006/relationships" xmlns:p="http://schemas.openxmlformats.org/presentationml/2006/main">
+  <p:cSld>
+    <p:spTree>
+      <p:nvGrpSpPr>
+        <p:cNvPr id="1" name=""/>
+        <p:cNvGrpSpPr/>
+        <p:nvPr/>
+      </p:nvGrpSpPr>
+      <p:grpSpPr>
+        <a:xfrm>
+          <a:off x="0" y="0"/>
+          <a:ext cx="0" cy="0"/>
+          <a:chOff x="0" y="0"/>
+          <a:chExt cx="0" cy="0"/>
+        </a:xfrm>
+      </p:grpSpPr>
+      <p:sp>
+        <p:nvSpPr>
+          <p:cNvPr id="2" name="Slide Image Placeholder 1"/>
+          <p:cNvSpPr>
+            <a:spLocks noGrp="1" noRot="1" noChangeAspect="1"/>
+          </p:cNvSpPr>
+          <p:nvPr>
+            <p:ph type="sldImg"/>
+          </p:nvPr>
+        </p:nvSpPr>
+        <p:spPr>
+          <a:xfrm>
+            <a:off x="381000" y="685800"/>
+            <a:ext cx="6096000" cy="3429000"/>
+          </a:xfrm>
+        </p:spPr>
+      </p:sp>
+      <p:sp>
+        <p:nvSpPr>
+          <p:cNvPr id="3" name="Notes Placeholder 2"/>
+          <p:cNvSpPr>
+            <a:spLocks noGrp="1"/>
+          </p:cNvSpPr>
+          <p:nvPr>
+            <p:ph type="body" idx="1"/>
+          </p:nvPr>
+        </p:nvSpPr>
+        <p:spPr/>
+        <p:txBody>
+          <a:bodyPr/>
+          <a:lstStyle/>
+          <a:p>
+            <a:r>
+              <a:rPr lang="en-US" dirty="0"/>
               <a:t>In this final hour, my plan is to introduce you to three powerhouse packages that can turn a good Shiny app into a great one: DT, leaflet, and </a:t>
             </a:r>
             <a:r>
@@ -5209,7 +5692,7 @@
 </p:notes>
 </file>
 
-<file path=ppt/notesSlides/notesSlide43.xml><?xml version="1.0" encoding="utf-8"?>
+<file path=ppt/notesSlides/notesSlide47.xml><?xml version="1.0" encoding="utf-8"?>
 <p:notes xmlns:a="http://schemas.openxmlformats.org/drawingml/2006/main" xmlns:r="http://schemas.openxmlformats.org/officeDocument/2006/relationships" xmlns:p="http://schemas.openxmlformats.org/presentationml/2006/main" showMasterSp="0" showMasterPhAnim="0">
   <p:cSld>
     <p:spTree>
@@ -5313,7 +5796,7 @@
 </p:notes>
 </file>
 
-<file path=ppt/notesSlides/notesSlide44.xml><?xml version="1.0" encoding="utf-8"?>
+<file path=ppt/notesSlides/notesSlide48.xml><?xml version="1.0" encoding="utf-8"?>
 <p:notes xmlns:a="http://schemas.openxmlformats.org/drawingml/2006/main" xmlns:r="http://schemas.openxmlformats.org/officeDocument/2006/relationships" xmlns:p="http://schemas.openxmlformats.org/presentationml/2006/main" showMasterSp="0" showMasterPhAnim="0">
   <p:cSld>
     <p:spTree>
@@ -30518,7 +31001,7 @@
         <p:spPr/>
         <p:txBody>
           <a:bodyPr>
-            <a:normAutofit lnSpcReduction="10000"/>
+            <a:normAutofit/>
           </a:bodyPr>
           <a:lstStyle/>
           <a:p>
@@ -30529,7 +31012,7 @@
             </a:pPr>
             <a:r>
               <a:rPr lang="en-US" dirty="0"/>
-              <a:t>Our UI is boring! Apps are only as good as what they let users </a:t>
+              <a:t>Apps are best when they let users </a:t>
             </a:r>
             <a:r>
               <a:rPr lang="en-US" i="1" dirty="0"/>
@@ -30537,7 +31020,7 @@
             </a:r>
             <a:r>
               <a:rPr lang="en-US" dirty="0"/>
-              <a:t>. </a:t>
+              <a:t> fun stuff.</a:t>
             </a:r>
           </a:p>
           <a:p>
@@ -30548,7 +31031,7 @@
             </a:pPr>
             <a:r>
               <a:rPr lang="en-US" dirty="0"/>
-              <a:t>Let’s add a table displaying the </a:t>
+              <a:t>Let’s start with a table displaying the </a:t>
             </a:r>
             <a:r>
               <a:rPr lang="en-US" dirty="0" err="1"/>
@@ -30567,7 +31050,7 @@
             </a:pPr>
             <a:r>
               <a:rPr lang="en-US" dirty="0"/>
-              <a:t>A table is just boxes within boxes—HTML can make one!</a:t>
+              <a:t>A table is just boxes within boxes—perfect for HTML!</a:t>
             </a:r>
           </a:p>
           <a:p>
@@ -30578,7 +31061,7 @@
             </a:pPr>
             <a:r>
               <a:rPr lang="en-US" dirty="0"/>
-              <a:t>…But let’s make R do that tedious task.</a:t>
+              <a:t>…But let’s make R do the tedious task of building one.</a:t>
             </a:r>
           </a:p>
           <a:p>
@@ -30641,7 +31124,7 @@
             </a:pPr>
             <a:r>
               <a:rPr lang="en-US" dirty="0"/>
-              <a:t>Pass it to the UI into a specific spot by </a:t>
+              <a:t>Pass the product to the UI into a specific place by </a:t>
             </a:r>
             <a:r>
               <a:rPr lang="en-US" b="1" dirty="0"/>
@@ -30649,7 +31132,7 @@
             </a:r>
             <a:r>
               <a:rPr lang="en-US" dirty="0"/>
-              <a:t> it.</a:t>
+              <a:t> it there.</a:t>
             </a:r>
           </a:p>
         </p:txBody>
@@ -31248,7 +31731,18 @@
           <a:p>
             <a:r>
               <a:rPr lang="en-US" sz="2000" dirty="0"/>
-              <a:t>R code inside render*({}) = Recipe</a:t>
+              <a:t>R code inside render*({}) = </a:t>
+            </a:r>
+            <a:r>
+              <a:rPr lang="en-US" sz="2000" dirty="0">
+                <a:solidFill>
+                  <a:schemeClr val="tx1">
+                    <a:lumMod val="60000"/>
+                    <a:lumOff val="40000"/>
+                  </a:schemeClr>
+                </a:solidFill>
+              </a:rPr>
+              <a:t>Recipe</a:t>
             </a:r>
           </a:p>
         </p:txBody>
@@ -31324,7 +31818,18 @@
           <a:p>
             <a:r>
               <a:rPr lang="en-US" sz="2000" dirty="0"/>
-              <a:t>render*({}) = Chef</a:t>
+              <a:t>render*({}) = </a:t>
+            </a:r>
+            <a:r>
+              <a:rPr lang="en-US" sz="2000" dirty="0">
+                <a:solidFill>
+                  <a:schemeClr val="tx1">
+                    <a:lumMod val="60000"/>
+                    <a:lumOff val="40000"/>
+                  </a:schemeClr>
+                </a:solidFill>
+              </a:rPr>
+              <a:t>Chef</a:t>
             </a:r>
           </a:p>
         </p:txBody>
@@ -31395,7 +31900,29 @@
           <a:p>
             <a:r>
               <a:rPr lang="en-US" sz="2000" dirty="0"/>
-              <a:t>Final R object = Uncooked meal</a:t>
+              <a:t>Final R object = </a:t>
+            </a:r>
+            <a:r>
+              <a:rPr lang="en-US" sz="2000" i="1" dirty="0">
+                <a:solidFill>
+                  <a:schemeClr val="tx1">
+                    <a:lumMod val="60000"/>
+                    <a:lumOff val="40000"/>
+                  </a:schemeClr>
+                </a:solidFill>
+              </a:rPr>
+              <a:t>Uncooked</a:t>
+            </a:r>
+            <a:r>
+              <a:rPr lang="en-US" sz="2000" dirty="0">
+                <a:solidFill>
+                  <a:schemeClr val="tx1">
+                    <a:lumMod val="60000"/>
+                    <a:lumOff val="40000"/>
+                  </a:schemeClr>
+                </a:solidFill>
+              </a:rPr>
+              <a:t> meal</a:t>
             </a:r>
           </a:p>
         </p:txBody>
@@ -31430,7 +31957,18 @@
           <a:p>
             <a:r>
               <a:rPr lang="en-US" sz="2000" dirty="0"/>
-              <a:t>output = Waiter</a:t>
+              <a:t>output = </a:t>
+            </a:r>
+            <a:r>
+              <a:rPr lang="en-US" sz="2000" dirty="0">
+                <a:solidFill>
+                  <a:schemeClr val="tx1">
+                    <a:lumMod val="60000"/>
+                    <a:lumOff val="40000"/>
+                  </a:schemeClr>
+                </a:solidFill>
+              </a:rPr>
+              <a:t>Waiter</a:t>
             </a:r>
           </a:p>
         </p:txBody>
@@ -31505,7 +32043,18 @@
             </a:r>
             <a:r>
               <a:rPr lang="en-US" sz="2000" dirty="0"/>
-              <a:t> = Order ticket </a:t>
+              <a:t> = </a:t>
+            </a:r>
+            <a:r>
+              <a:rPr lang="en-US" sz="2000" dirty="0">
+                <a:solidFill>
+                  <a:schemeClr val="tx1">
+                    <a:lumMod val="60000"/>
+                    <a:lumOff val="40000"/>
+                  </a:schemeClr>
+                </a:solidFill>
+              </a:rPr>
+              <a:t>Order ticket </a:t>
             </a:r>
           </a:p>
         </p:txBody>
@@ -31641,7 +32190,29 @@
           <a:p>
             <a:r>
               <a:rPr lang="en-US" sz="2000" dirty="0"/>
-              <a:t>Rendered HTML object = Cooked meal</a:t>
+              <a:t>Rendered HTML object = </a:t>
+            </a:r>
+            <a:r>
+              <a:rPr lang="en-US" sz="2000" i="1" dirty="0">
+                <a:solidFill>
+                  <a:schemeClr val="tx1">
+                    <a:lumMod val="60000"/>
+                    <a:lumOff val="40000"/>
+                  </a:schemeClr>
+                </a:solidFill>
+              </a:rPr>
+              <a:t>Cooked</a:t>
+            </a:r>
+            <a:r>
+              <a:rPr lang="en-US" sz="2000" dirty="0">
+                <a:solidFill>
+                  <a:schemeClr val="tx1">
+                    <a:lumMod val="60000"/>
+                    <a:lumOff val="40000"/>
+                  </a:schemeClr>
+                </a:solidFill>
+              </a:rPr>
+              <a:t> meal</a:t>
             </a:r>
           </a:p>
         </p:txBody>
@@ -31712,7 +32283,18 @@
           <a:p>
             <a:r>
               <a:rPr lang="en-US" sz="2000" dirty="0"/>
-              <a:t>*Output() = Table</a:t>
+              <a:t>*Output() = </a:t>
+            </a:r>
+            <a:r>
+              <a:rPr lang="en-US" sz="2000" dirty="0">
+                <a:solidFill>
+                  <a:schemeClr val="tx1">
+                    <a:lumMod val="60000"/>
+                    <a:lumOff val="40000"/>
+                  </a:schemeClr>
+                </a:solidFill>
+              </a:rPr>
+              <a:t>Table</a:t>
             </a:r>
           </a:p>
         </p:txBody>
@@ -32449,7 +33031,7 @@
         <p:spPr/>
         <p:txBody>
           <a:bodyPr>
-            <a:normAutofit fontScale="85000" lnSpcReduction="10000"/>
+            <a:normAutofit fontScale="92500" lnSpcReduction="20000"/>
           </a:bodyPr>
           <a:lstStyle/>
           <a:p>
@@ -32460,7 +33042,7 @@
             </a:pPr>
             <a:r>
               <a:rPr lang="en-US" dirty="0"/>
-              <a:t>Our table looks a little drab, but, more importantly, it’s </a:t>
+              <a:t>Our table looks drab, but, more importantly, it’s </a:t>
             </a:r>
             <a:r>
               <a:rPr lang="en-US" b="1" dirty="0"/>
@@ -32495,7 +33077,7 @@
             </a:r>
             <a:r>
               <a:rPr lang="en-US" dirty="0"/>
-              <a:t> with this table—let’s add a drop-down menu </a:t>
+              <a:t> with it—let’s add a drop-down-menu-style </a:t>
             </a:r>
             <a:r>
               <a:rPr lang="en-US" b="1" dirty="0"/>
@@ -32514,7 +33096,7 @@
             </a:pPr>
             <a:r>
               <a:rPr lang="en-US" dirty="0"/>
-              <a:t>This widget will allow users to decide which column the table is sorted by. </a:t>
+              <a:t>This’ll allow users to decide which column the table is sorted by. </a:t>
             </a:r>
           </a:p>
           <a:p>
@@ -32581,7 +33163,7 @@
             </a:pPr>
             <a:r>
               <a:rPr lang="en-US" dirty="0"/>
-              <a:t>Use that current value inside a </a:t>
+              <a:t>Use that value inside a </a:t>
             </a:r>
             <a:r>
               <a:rPr lang="en-US" b="1" dirty="0"/>
@@ -33162,7 +33744,7 @@
             </a:r>
             <a:r>
               <a:rPr lang="en-US" dirty="0"/>
-              <a:t>. A nickname used to slap this widget’s current selection onto the </a:t>
+              <a:t>. A nickname used to slap this widget’s current value onto the </a:t>
             </a:r>
             <a:r>
               <a:rPr lang="en-US" b="1" dirty="0"/>
@@ -33178,7 +33760,7 @@
             </a:r>
             <a:r>
               <a:rPr lang="en-US" dirty="0"/>
-              <a:t>. </a:t>
+              <a:t> and pass it to the server.</a:t>
             </a:r>
           </a:p>
           <a:p>
@@ -33192,15 +33774,19 @@
             </a:pPr>
             <a:r>
               <a:rPr lang="en-US" dirty="0"/>
-              <a:t>VERY much like how the </a:t>
+              <a:t>VERY like how </a:t>
             </a:r>
             <a:r>
               <a:rPr lang="en-US" b="1" dirty="0" err="1"/>
               <a:t>outputId</a:t>
             </a:r>
             <a:r>
-              <a:rPr lang="en-US" dirty="0"/>
-              <a:t> was used to slap rendered outputs on the </a:t>
+              <a:rPr lang="en-US" dirty="0" err="1"/>
+              <a:t>s</a:t>
+            </a:r>
+            <a:r>
+              <a:rPr lang="en-US" dirty="0"/>
+              <a:t> are used to slap rendered outputs onto the </a:t>
             </a:r>
             <a:r>
               <a:rPr lang="en-US" b="1" dirty="0"/>
@@ -33208,7 +33794,7 @@
             </a:r>
             <a:r>
               <a:rPr lang="en-US" dirty="0"/>
-              <a:t> object </a:t>
+              <a:t> object to pass them to the UI </a:t>
             </a:r>
             <a:r>
               <a:rPr lang="en-US" dirty="0">
@@ -33239,7 +33825,7 @@
             </a:r>
             <a:r>
               <a:rPr lang="en-US" dirty="0"/>
-              <a:t>, a text go-with that you’ll generally use to describe what the widget does.</a:t>
+              <a:t>, a text go-with that’ll generally describe what the widget does.</a:t>
             </a:r>
           </a:p>
           <a:p>
@@ -33270,7 +33856,7 @@
             </a:pPr>
             <a:r>
               <a:rPr lang="en-US" dirty="0"/>
-              <a:t>Notice that our widget doesn’t actually do anything…we need to add the corresponding server code!</a:t>
+              <a:t>Notice that our widget doesn’t actually do anything when played with…we need to add the corresponding server code!</a:t>
             </a:r>
           </a:p>
         </p:txBody>
@@ -33933,7 +34519,7 @@
             </a:r>
             <a:r>
               <a:rPr lang="en-US" dirty="0"/>
-              <a:t>: Any action a user can take that the app might track.</a:t>
+              <a:t>: Any action a user can take the app might track.</a:t>
             </a:r>
           </a:p>
           <a:p>
@@ -33966,7 +34552,7 @@
             </a:r>
             <a:r>
               <a:rPr lang="en-US" i="1" dirty="0"/>
-              <a:t>respond</a:t>
+              <a:t>react</a:t>
             </a:r>
             <a:r>
               <a:rPr lang="en-US" dirty="0"/>
@@ -33984,7 +34570,7 @@
             </a:pPr>
             <a:r>
               <a:rPr lang="en-US" dirty="0"/>
-              <a:t>Ex: Our app resorts the table.</a:t>
+              <a:t>Ex: Our app re-sorts the table.</a:t>
             </a:r>
           </a:p>
           <a:p>
@@ -34021,7 +34607,7 @@
             </a:r>
             <a:r>
               <a:rPr lang="en-US" dirty="0"/>
-              <a:t>, which will change in value whenever the user selected a new choice.</a:t>
+              <a:t>, which will change in value whenever the user selects a new choice.</a:t>
             </a:r>
           </a:p>
           <a:p>
@@ -34036,7 +34622,7 @@
             </a:r>
             <a:r>
               <a:rPr lang="en-US" dirty="0"/>
-              <a:t>: A code block Shiny knows might contain reactive objects and handle events.</a:t>
+              <a:t>: A code block Shiny knows might contain reactive objects.</a:t>
             </a:r>
           </a:p>
           <a:p>
@@ -34070,6 +34656,24 @@
             </a:r>
           </a:p>
           <a:p>
+            <a:pPr lvl="1">
+              <a:lnSpc>
+                <a:spcPct val="120000"/>
+              </a:lnSpc>
+              <a:spcBef>
+                <a:spcPts val="0"/>
+              </a:spcBef>
+            </a:pPr>
+            <a:r>
+              <a:rPr lang="en-US" i="1" dirty="0"/>
+              <a:t>In general</a:t>
+            </a:r>
+            <a:r>
+              <a:rPr lang="en-US" dirty="0"/>
+              <a:t>, braces ( { … } ) mark reactive contexts in R Shiny server functions. </a:t>
+            </a:r>
+          </a:p>
+          <a:p>
             <a:pPr>
               <a:lnSpc>
                 <a:spcPct val="120000"/>
@@ -34085,7 +34689,7 @@
             </a:r>
             <a:r>
               <a:rPr lang="en-US" i="1" dirty="0"/>
-              <a:t>by re-running that entire reactive context</a:t>
+              <a:t>by re-running the entire reactive context</a:t>
             </a:r>
             <a:r>
               <a:rPr lang="en-US" dirty="0"/>
@@ -34252,30 +34856,21 @@
                             </p:childTnLst>
                           </p:cTn>
                         </p:par>
-                      </p:childTnLst>
-                    </p:cTn>
-                  </p:par>
-                  <p:par>
-                    <p:cTn id="13" fill="hold">
-                      <p:stCondLst>
-                        <p:cond delay="indefinite"/>
-                      </p:stCondLst>
-                      <p:childTnLst>
                         <p:par>
-                          <p:cTn id="14" fill="hold">
+                          <p:cTn id="13" fill="hold">
                             <p:stCondLst>
-                              <p:cond delay="0"/>
+                              <p:cond delay="500"/>
                             </p:stCondLst>
                             <p:childTnLst>
                               <p:par>
-                                <p:cTn id="15" presetID="10" presetClass="entr" presetSubtype="0" fill="hold" grpId="0" nodeType="clickEffect">
+                                <p:cTn id="14" presetID="10" presetClass="entr" presetSubtype="0" fill="hold" grpId="0" nodeType="afterEffect">
                                   <p:stCondLst>
                                     <p:cond delay="0"/>
                                   </p:stCondLst>
                                   <p:childTnLst>
                                     <p:set>
                                       <p:cBhvr>
-                                        <p:cTn id="16" dur="1" fill="hold">
+                                        <p:cTn id="15" dur="1" fill="hold">
                                           <p:stCondLst>
                                             <p:cond delay="0"/>
                                           </p:stCondLst>
@@ -34297,7 +34892,7 @@
                                     </p:set>
                                     <p:animEffect transition="in" filter="fade">
                                       <p:cBhvr>
-                                        <p:cTn id="17" dur="500"/>
+                                        <p:cTn id="16" dur="500"/>
                                         <p:tgtEl>
                                           <p:spTgt spid="3">
                                             <p:txEl>
@@ -34317,26 +34912,26 @@
                     </p:cTn>
                   </p:par>
                   <p:par>
-                    <p:cTn id="18" fill="hold">
+                    <p:cTn id="17" fill="hold">
                       <p:stCondLst>
                         <p:cond delay="indefinite"/>
                       </p:stCondLst>
                       <p:childTnLst>
                         <p:par>
-                          <p:cTn id="19" fill="hold">
+                          <p:cTn id="18" fill="hold">
                             <p:stCondLst>
                               <p:cond delay="0"/>
                             </p:stCondLst>
                             <p:childTnLst>
                               <p:par>
-                                <p:cTn id="20" presetID="10" presetClass="entr" presetSubtype="0" fill="hold" grpId="0" nodeType="clickEffect">
+                                <p:cTn id="19" presetID="10" presetClass="entr" presetSubtype="0" fill="hold" grpId="0" nodeType="clickEffect">
                                   <p:stCondLst>
                                     <p:cond delay="0"/>
                                   </p:stCondLst>
                                   <p:childTnLst>
                                     <p:set>
                                       <p:cBhvr>
-                                        <p:cTn id="21" dur="1" fill="hold">
+                                        <p:cTn id="20" dur="1" fill="hold">
                                           <p:stCondLst>
                                             <p:cond delay="0"/>
                                           </p:stCondLst>
@@ -34358,11 +34953,63 @@
                                     </p:set>
                                     <p:animEffect transition="in" filter="fade">
                                       <p:cBhvr>
-                                        <p:cTn id="22" dur="500"/>
+                                        <p:cTn id="21" dur="500"/>
                                         <p:tgtEl>
                                           <p:spTgt spid="3">
                                             <p:txEl>
                                               <p:pRg st="3" end="3"/>
+                                            </p:txEl>
+                                          </p:spTgt>
+                                        </p:tgtEl>
+                                      </p:cBhvr>
+                                    </p:animEffect>
+                                  </p:childTnLst>
+                                </p:cTn>
+                              </p:par>
+                            </p:childTnLst>
+                          </p:cTn>
+                        </p:par>
+                        <p:par>
+                          <p:cTn id="22" fill="hold">
+                            <p:stCondLst>
+                              <p:cond delay="500"/>
+                            </p:stCondLst>
+                            <p:childTnLst>
+                              <p:par>
+                                <p:cTn id="23" presetID="10" presetClass="entr" presetSubtype="0" fill="hold" grpId="0" nodeType="afterEffect">
+                                  <p:stCondLst>
+                                    <p:cond delay="0"/>
+                                  </p:stCondLst>
+                                  <p:childTnLst>
+                                    <p:set>
+                                      <p:cBhvr>
+                                        <p:cTn id="24" dur="1" fill="hold">
+                                          <p:stCondLst>
+                                            <p:cond delay="0"/>
+                                          </p:stCondLst>
+                                        </p:cTn>
+                                        <p:tgtEl>
+                                          <p:spTgt spid="3">
+                                            <p:txEl>
+                                              <p:pRg st="4" end="4"/>
+                                            </p:txEl>
+                                          </p:spTgt>
+                                        </p:tgtEl>
+                                        <p:attrNameLst>
+                                          <p:attrName>style.visibility</p:attrName>
+                                        </p:attrNameLst>
+                                      </p:cBhvr>
+                                      <p:to>
+                                        <p:strVal val="visible"/>
+                                      </p:to>
+                                    </p:set>
+                                    <p:animEffect transition="in" filter="fade">
+                                      <p:cBhvr>
+                                        <p:cTn id="25" dur="500"/>
+                                        <p:tgtEl>
+                                          <p:spTgt spid="3">
+                                            <p:txEl>
+                                              <p:pRg st="4" end="4"/>
                                             </p:txEl>
                                           </p:spTgt>
                                         </p:tgtEl>
@@ -34378,26 +35025,26 @@
                     </p:cTn>
                   </p:par>
                   <p:par>
-                    <p:cTn id="23" fill="hold">
+                    <p:cTn id="26" fill="hold">
                       <p:stCondLst>
                         <p:cond delay="indefinite"/>
                       </p:stCondLst>
                       <p:childTnLst>
                         <p:par>
-                          <p:cTn id="24" fill="hold">
+                          <p:cTn id="27" fill="hold">
                             <p:stCondLst>
                               <p:cond delay="0"/>
                             </p:stCondLst>
                             <p:childTnLst>
                               <p:par>
-                                <p:cTn id="25" presetID="10" presetClass="entr" presetSubtype="0" fill="hold" grpId="0" nodeType="clickEffect">
+                                <p:cTn id="28" presetID="10" presetClass="entr" presetSubtype="0" fill="hold" grpId="0" nodeType="clickEffect">
                                   <p:stCondLst>
                                     <p:cond delay="0"/>
                                   </p:stCondLst>
                                   <p:childTnLst>
                                     <p:set>
                                       <p:cBhvr>
-                                        <p:cTn id="26" dur="1" fill="hold">
+                                        <p:cTn id="29" dur="1" fill="hold">
                                           <p:stCondLst>
                                             <p:cond delay="0"/>
                                           </p:stCondLst>
@@ -34405,7 +35052,7 @@
                                         <p:tgtEl>
                                           <p:spTgt spid="3">
                                             <p:txEl>
-                                              <p:pRg st="4" end="4"/>
+                                              <p:pRg st="5" end="5"/>
                                             </p:txEl>
                                           </p:spTgt>
                                         </p:tgtEl>
@@ -34419,11 +35066,63 @@
                                     </p:set>
                                     <p:animEffect transition="in" filter="fade">
                                       <p:cBhvr>
-                                        <p:cTn id="27" dur="500"/>
+                                        <p:cTn id="30" dur="500"/>
                                         <p:tgtEl>
                                           <p:spTgt spid="3">
                                             <p:txEl>
-                                              <p:pRg st="4" end="4"/>
+                                              <p:pRg st="5" end="5"/>
+                                            </p:txEl>
+                                          </p:spTgt>
+                                        </p:tgtEl>
+                                      </p:cBhvr>
+                                    </p:animEffect>
+                                  </p:childTnLst>
+                                </p:cTn>
+                              </p:par>
+                            </p:childTnLst>
+                          </p:cTn>
+                        </p:par>
+                        <p:par>
+                          <p:cTn id="31" fill="hold">
+                            <p:stCondLst>
+                              <p:cond delay="500"/>
+                            </p:stCondLst>
+                            <p:childTnLst>
+                              <p:par>
+                                <p:cTn id="32" presetID="10" presetClass="entr" presetSubtype="0" fill="hold" grpId="0" nodeType="afterEffect">
+                                  <p:stCondLst>
+                                    <p:cond delay="0"/>
+                                  </p:stCondLst>
+                                  <p:childTnLst>
+                                    <p:set>
+                                      <p:cBhvr>
+                                        <p:cTn id="33" dur="1" fill="hold">
+                                          <p:stCondLst>
+                                            <p:cond delay="0"/>
+                                          </p:stCondLst>
+                                        </p:cTn>
+                                        <p:tgtEl>
+                                          <p:spTgt spid="3">
+                                            <p:txEl>
+                                              <p:pRg st="6" end="6"/>
+                                            </p:txEl>
+                                          </p:spTgt>
+                                        </p:tgtEl>
+                                        <p:attrNameLst>
+                                          <p:attrName>style.visibility</p:attrName>
+                                        </p:attrNameLst>
+                                      </p:cBhvr>
+                                      <p:to>
+                                        <p:strVal val="visible"/>
+                                      </p:to>
+                                    </p:set>
+                                    <p:animEffect transition="in" filter="fade">
+                                      <p:cBhvr>
+                                        <p:cTn id="34" dur="500"/>
+                                        <p:tgtEl>
+                                          <p:spTgt spid="3">
+                                            <p:txEl>
+                                              <p:pRg st="6" end="6"/>
                                             </p:txEl>
                                           </p:spTgt>
                                         </p:tgtEl>
@@ -34439,26 +35138,26 @@
                     </p:cTn>
                   </p:par>
                   <p:par>
-                    <p:cTn id="28" fill="hold">
+                    <p:cTn id="35" fill="hold">
                       <p:stCondLst>
                         <p:cond delay="indefinite"/>
                       </p:stCondLst>
                       <p:childTnLst>
                         <p:par>
-                          <p:cTn id="29" fill="hold">
+                          <p:cTn id="36" fill="hold">
                             <p:stCondLst>
                               <p:cond delay="0"/>
                             </p:stCondLst>
                             <p:childTnLst>
                               <p:par>
-                                <p:cTn id="30" presetID="10" presetClass="entr" presetSubtype="0" fill="hold" grpId="0" nodeType="clickEffect">
+                                <p:cTn id="37" presetID="10" presetClass="entr" presetSubtype="0" fill="hold" grpId="0" nodeType="clickEffect">
                                   <p:stCondLst>
                                     <p:cond delay="0"/>
                                   </p:stCondLst>
                                   <p:childTnLst>
                                     <p:set>
                                       <p:cBhvr>
-                                        <p:cTn id="31" dur="1" fill="hold">
+                                        <p:cTn id="38" dur="1" fill="hold">
                                           <p:stCondLst>
                                             <p:cond delay="0"/>
                                           </p:stCondLst>
@@ -34466,7 +35165,7 @@
                                         <p:tgtEl>
                                           <p:spTgt spid="3">
                                             <p:txEl>
-                                              <p:pRg st="5" end="5"/>
+                                              <p:pRg st="7" end="7"/>
                                             </p:txEl>
                                           </p:spTgt>
                                         </p:tgtEl>
@@ -34480,11 +35179,63 @@
                                     </p:set>
                                     <p:animEffect transition="in" filter="fade">
                                       <p:cBhvr>
-                                        <p:cTn id="32" dur="500"/>
+                                        <p:cTn id="39" dur="500"/>
                                         <p:tgtEl>
                                           <p:spTgt spid="3">
                                             <p:txEl>
-                                              <p:pRg st="5" end="5"/>
+                                              <p:pRg st="7" end="7"/>
+                                            </p:txEl>
+                                          </p:spTgt>
+                                        </p:tgtEl>
+                                      </p:cBhvr>
+                                    </p:animEffect>
+                                  </p:childTnLst>
+                                </p:cTn>
+                              </p:par>
+                            </p:childTnLst>
+                          </p:cTn>
+                        </p:par>
+                        <p:par>
+                          <p:cTn id="40" fill="hold">
+                            <p:stCondLst>
+                              <p:cond delay="500"/>
+                            </p:stCondLst>
+                            <p:childTnLst>
+                              <p:par>
+                                <p:cTn id="41" presetID="10" presetClass="entr" presetSubtype="0" fill="hold" grpId="0" nodeType="afterEffect">
+                                  <p:stCondLst>
+                                    <p:cond delay="0"/>
+                                  </p:stCondLst>
+                                  <p:childTnLst>
+                                    <p:set>
+                                      <p:cBhvr>
+                                        <p:cTn id="42" dur="1" fill="hold">
+                                          <p:stCondLst>
+                                            <p:cond delay="0"/>
+                                          </p:stCondLst>
+                                        </p:cTn>
+                                        <p:tgtEl>
+                                          <p:spTgt spid="3">
+                                            <p:txEl>
+                                              <p:pRg st="8" end="8"/>
+                                            </p:txEl>
+                                          </p:spTgt>
+                                        </p:tgtEl>
+                                        <p:attrNameLst>
+                                          <p:attrName>style.visibility</p:attrName>
+                                        </p:attrNameLst>
+                                      </p:cBhvr>
+                                      <p:to>
+                                        <p:strVal val="visible"/>
+                                      </p:to>
+                                    </p:set>
+                                    <p:animEffect transition="in" filter="fade">
+                                      <p:cBhvr>
+                                        <p:cTn id="43" dur="500"/>
+                                        <p:tgtEl>
+                                          <p:spTgt spid="3">
+                                            <p:txEl>
+                                              <p:pRg st="8" end="8"/>
                                             </p:txEl>
                                           </p:spTgt>
                                         </p:tgtEl>
@@ -34500,26 +35251,26 @@
                     </p:cTn>
                   </p:par>
                   <p:par>
-                    <p:cTn id="33" fill="hold">
+                    <p:cTn id="44" fill="hold">
                       <p:stCondLst>
                         <p:cond delay="indefinite"/>
                       </p:stCondLst>
                       <p:childTnLst>
                         <p:par>
-                          <p:cTn id="34" fill="hold">
+                          <p:cTn id="45" fill="hold">
                             <p:stCondLst>
                               <p:cond delay="0"/>
                             </p:stCondLst>
                             <p:childTnLst>
                               <p:par>
-                                <p:cTn id="35" presetID="10" presetClass="entr" presetSubtype="0" fill="hold" grpId="0" nodeType="clickEffect">
+                                <p:cTn id="46" presetID="10" presetClass="entr" presetSubtype="0" fill="hold" grpId="0" nodeType="clickEffect">
                                   <p:stCondLst>
                                     <p:cond delay="0"/>
                                   </p:stCondLst>
                                   <p:childTnLst>
                                     <p:set>
                                       <p:cBhvr>
-                                        <p:cTn id="36" dur="1" fill="hold">
+                                        <p:cTn id="47" dur="1" fill="hold">
                                           <p:stCondLst>
                                             <p:cond delay="0"/>
                                           </p:stCondLst>
@@ -34527,7 +35278,7 @@
                                         <p:tgtEl>
                                           <p:spTgt spid="3">
                                             <p:txEl>
-                                              <p:pRg st="6" end="6"/>
+                                              <p:pRg st="9" end="9"/>
                                             </p:txEl>
                                           </p:spTgt>
                                         </p:tgtEl>
@@ -34541,11 +35292,11 @@
                                     </p:set>
                                     <p:animEffect transition="in" filter="fade">
                                       <p:cBhvr>
-                                        <p:cTn id="37" dur="500"/>
+                                        <p:cTn id="48" dur="500"/>
                                         <p:tgtEl>
                                           <p:spTgt spid="3">
                                             <p:txEl>
-                                              <p:pRg st="6" end="6"/>
+                                              <p:pRg st="9" end="9"/>
                                             </p:txEl>
                                           </p:spTgt>
                                         </p:tgtEl>
@@ -34561,26 +35312,26 @@
                     </p:cTn>
                   </p:par>
                   <p:par>
-                    <p:cTn id="38" fill="hold">
+                    <p:cTn id="49" fill="hold">
                       <p:stCondLst>
                         <p:cond delay="indefinite"/>
                       </p:stCondLst>
                       <p:childTnLst>
                         <p:par>
-                          <p:cTn id="39" fill="hold">
+                          <p:cTn id="50" fill="hold">
                             <p:stCondLst>
                               <p:cond delay="0"/>
                             </p:stCondLst>
                             <p:childTnLst>
                               <p:par>
-                                <p:cTn id="40" presetID="10" presetClass="entr" presetSubtype="0" fill="hold" grpId="0" nodeType="clickEffect">
+                                <p:cTn id="51" presetID="10" presetClass="entr" presetSubtype="0" fill="hold" grpId="0" nodeType="clickEffect">
                                   <p:stCondLst>
                                     <p:cond delay="0"/>
                                   </p:stCondLst>
                                   <p:childTnLst>
                                     <p:set>
                                       <p:cBhvr>
-                                        <p:cTn id="41" dur="1" fill="hold">
+                                        <p:cTn id="52" dur="1" fill="hold">
                                           <p:stCondLst>
                                             <p:cond delay="0"/>
                                           </p:stCondLst>
@@ -34588,7 +35339,7 @@
                                         <p:tgtEl>
                                           <p:spTgt spid="3">
                                             <p:txEl>
-                                              <p:pRg st="7" end="7"/>
+                                              <p:pRg st="10" end="10"/>
                                             </p:txEl>
                                           </p:spTgt>
                                         </p:tgtEl>
@@ -34602,11 +35353,11 @@
                                     </p:set>
                                     <p:animEffect transition="in" filter="fade">
                                       <p:cBhvr>
-                                        <p:cTn id="42" dur="500"/>
+                                        <p:cTn id="53" dur="500"/>
                                         <p:tgtEl>
                                           <p:spTgt spid="3">
                                             <p:txEl>
-                                              <p:pRg st="7" end="7"/>
+                                              <p:pRg st="10" end="10"/>
                                             </p:txEl>
                                           </p:spTgt>
                                         </p:tgtEl>
@@ -34622,26 +35373,26 @@
                     </p:cTn>
                   </p:par>
                   <p:par>
-                    <p:cTn id="43" fill="hold">
+                    <p:cTn id="54" fill="hold">
                       <p:stCondLst>
                         <p:cond delay="indefinite"/>
                       </p:stCondLst>
                       <p:childTnLst>
                         <p:par>
-                          <p:cTn id="44" fill="hold">
+                          <p:cTn id="55" fill="hold">
                             <p:stCondLst>
                               <p:cond delay="0"/>
                             </p:stCondLst>
                             <p:childTnLst>
                               <p:par>
-                                <p:cTn id="45" presetID="10" presetClass="entr" presetSubtype="0" fill="hold" grpId="0" nodeType="clickEffect">
+                                <p:cTn id="56" presetID="10" presetClass="entr" presetSubtype="0" fill="hold" grpId="0" nodeType="clickEffect">
                                   <p:stCondLst>
                                     <p:cond delay="0"/>
                                   </p:stCondLst>
                                   <p:childTnLst>
                                     <p:set>
                                       <p:cBhvr>
-                                        <p:cTn id="46" dur="1" fill="hold">
+                                        <p:cTn id="57" dur="1" fill="hold">
                                           <p:stCondLst>
                                             <p:cond delay="0"/>
                                           </p:stCondLst>
@@ -34649,7 +35400,7 @@
                                         <p:tgtEl>
                                           <p:spTgt spid="3">
                                             <p:txEl>
-                                              <p:pRg st="8" end="8"/>
+                                              <p:pRg st="11" end="11"/>
                                             </p:txEl>
                                           </p:spTgt>
                                         </p:tgtEl>
@@ -34663,133 +35414,11 @@
                                     </p:set>
                                     <p:animEffect transition="in" filter="fade">
                                       <p:cBhvr>
-                                        <p:cTn id="47" dur="500"/>
+                                        <p:cTn id="58" dur="500"/>
                                         <p:tgtEl>
                                           <p:spTgt spid="3">
                                             <p:txEl>
-                                              <p:pRg st="8" end="8"/>
-                                            </p:txEl>
-                                          </p:spTgt>
-                                        </p:tgtEl>
-                                      </p:cBhvr>
-                                    </p:animEffect>
-                                  </p:childTnLst>
-                                </p:cTn>
-                              </p:par>
-                            </p:childTnLst>
-                          </p:cTn>
-                        </p:par>
-                      </p:childTnLst>
-                    </p:cTn>
-                  </p:par>
-                  <p:par>
-                    <p:cTn id="48" fill="hold">
-                      <p:stCondLst>
-                        <p:cond delay="indefinite"/>
-                      </p:stCondLst>
-                      <p:childTnLst>
-                        <p:par>
-                          <p:cTn id="49" fill="hold">
-                            <p:stCondLst>
-                              <p:cond delay="0"/>
-                            </p:stCondLst>
-                            <p:childTnLst>
-                              <p:par>
-                                <p:cTn id="50" presetID="10" presetClass="entr" presetSubtype="0" fill="hold" grpId="0" nodeType="clickEffect">
-                                  <p:stCondLst>
-                                    <p:cond delay="0"/>
-                                  </p:stCondLst>
-                                  <p:childTnLst>
-                                    <p:set>
-                                      <p:cBhvr>
-                                        <p:cTn id="51" dur="1" fill="hold">
-                                          <p:stCondLst>
-                                            <p:cond delay="0"/>
-                                          </p:stCondLst>
-                                        </p:cTn>
-                                        <p:tgtEl>
-                                          <p:spTgt spid="3">
-                                            <p:txEl>
-                                              <p:pRg st="9" end="9"/>
-                                            </p:txEl>
-                                          </p:spTgt>
-                                        </p:tgtEl>
-                                        <p:attrNameLst>
-                                          <p:attrName>style.visibility</p:attrName>
-                                        </p:attrNameLst>
-                                      </p:cBhvr>
-                                      <p:to>
-                                        <p:strVal val="visible"/>
-                                      </p:to>
-                                    </p:set>
-                                    <p:animEffect transition="in" filter="fade">
-                                      <p:cBhvr>
-                                        <p:cTn id="52" dur="500"/>
-                                        <p:tgtEl>
-                                          <p:spTgt spid="3">
-                                            <p:txEl>
-                                              <p:pRg st="9" end="9"/>
-                                            </p:txEl>
-                                          </p:spTgt>
-                                        </p:tgtEl>
-                                      </p:cBhvr>
-                                    </p:animEffect>
-                                  </p:childTnLst>
-                                </p:cTn>
-                              </p:par>
-                            </p:childTnLst>
-                          </p:cTn>
-                        </p:par>
-                      </p:childTnLst>
-                    </p:cTn>
-                  </p:par>
-                  <p:par>
-                    <p:cTn id="53" fill="hold">
-                      <p:stCondLst>
-                        <p:cond delay="indefinite"/>
-                      </p:stCondLst>
-                      <p:childTnLst>
-                        <p:par>
-                          <p:cTn id="54" fill="hold">
-                            <p:stCondLst>
-                              <p:cond delay="0"/>
-                            </p:stCondLst>
-                            <p:childTnLst>
-                              <p:par>
-                                <p:cTn id="55" presetID="10" presetClass="entr" presetSubtype="0" fill="hold" grpId="0" nodeType="clickEffect">
-                                  <p:stCondLst>
-                                    <p:cond delay="0"/>
-                                  </p:stCondLst>
-                                  <p:childTnLst>
-                                    <p:set>
-                                      <p:cBhvr>
-                                        <p:cTn id="56" dur="1" fill="hold">
-                                          <p:stCondLst>
-                                            <p:cond delay="0"/>
-                                          </p:stCondLst>
-                                        </p:cTn>
-                                        <p:tgtEl>
-                                          <p:spTgt spid="3">
-                                            <p:txEl>
-                                              <p:pRg st="10" end="10"/>
-                                            </p:txEl>
-                                          </p:spTgt>
-                                        </p:tgtEl>
-                                        <p:attrNameLst>
-                                          <p:attrName>style.visibility</p:attrName>
-                                        </p:attrNameLst>
-                                      </p:cBhvr>
-                                      <p:to>
-                                        <p:strVal val="visible"/>
-                                      </p:to>
-                                    </p:set>
-                                    <p:animEffect transition="in" filter="fade">
-                                      <p:cBhvr>
-                                        <p:cTn id="57" dur="500"/>
-                                        <p:tgtEl>
-                                          <p:spTgt spid="3">
-                                            <p:txEl>
-                                              <p:pRg st="10" end="10"/>
+                                              <p:pRg st="11" end="11"/>
                                             </p:txEl>
                                           </p:spTgt>
                                         </p:tgtEl>
@@ -34998,7 +35627,31 @@
             </a:r>
             <a:r>
               <a:rPr lang="en-US" dirty="0"/>
-              <a:t>: “R, whenever someone comes and wants a sandwich, use these general instructions to make it. Don’t do stuff unless and until you need to.”  </a:t>
+              <a:t>: “R, whenever someone comes and wants a sandwich, use these general instructions to make it using whatever inputs are relevant. Oh, and </a:t>
+            </a:r>
+            <a:r>
+              <a:rPr lang="en-US" i="1" dirty="0"/>
+              <a:t>don’t</a:t>
+            </a:r>
+            <a:r>
+              <a:rPr lang="en-US" dirty="0"/>
+              <a:t> do stuff </a:t>
+            </a:r>
+            <a:r>
+              <a:rPr lang="en-US" i="1" dirty="0"/>
+              <a:t>unless</a:t>
+            </a:r>
+            <a:r>
+              <a:rPr lang="en-US" dirty="0"/>
+              <a:t> and </a:t>
+            </a:r>
+            <a:r>
+              <a:rPr lang="en-US" i="1" dirty="0"/>
+              <a:t>until</a:t>
+            </a:r>
+            <a:r>
+              <a:rPr lang="en-US" dirty="0"/>
+              <a:t> needed.”  </a:t>
             </a:r>
           </a:p>
         </p:txBody>
@@ -35358,6 +36011,1648 @@
           <p:cNvPr id="2" name="Title 1">
             <a:extLst>
               <a:ext uri="{FF2B5EF4-FFF2-40B4-BE49-F238E27FC236}">
+                <a16:creationId xmlns:a16="http://schemas.microsoft.com/office/drawing/2014/main" id="{390F2388-5F99-873D-F994-A21FE6557641}"/>
+              </a:ext>
+            </a:extLst>
+          </p:cNvPr>
+          <p:cNvSpPr>
+            <a:spLocks noGrp="1"/>
+          </p:cNvSpPr>
+          <p:nvPr>
+            <p:ph type="title"/>
+          </p:nvPr>
+        </p:nvSpPr>
+        <p:spPr/>
+        <p:txBody>
+          <a:bodyPr/>
+          <a:lstStyle/>
+          <a:p>
+            <a:r>
+              <a:rPr lang="en-US" dirty="0"/>
+              <a:t>Button chops</a:t>
+            </a:r>
+          </a:p>
+        </p:txBody>
+      </p:sp>
+      <p:sp>
+        <p:nvSpPr>
+          <p:cNvPr id="3" name="Text Placeholder 2">
+            <a:extLst>
+              <a:ext uri="{FF2B5EF4-FFF2-40B4-BE49-F238E27FC236}">
+                <a16:creationId xmlns:a16="http://schemas.microsoft.com/office/drawing/2014/main" id="{70BF5300-AD15-E764-8FD6-4A4BC05A8341}"/>
+              </a:ext>
+            </a:extLst>
+          </p:cNvPr>
+          <p:cNvSpPr>
+            <a:spLocks noGrp="1"/>
+          </p:cNvSpPr>
+          <p:nvPr>
+            <p:ph type="body" idx="1"/>
+          </p:nvPr>
+        </p:nvSpPr>
+        <p:spPr/>
+        <p:txBody>
+          <a:bodyPr>
+            <a:normAutofit fontScale="85000" lnSpcReduction="10000"/>
+          </a:bodyPr>
+          <a:lstStyle/>
+          <a:p>
+            <a:r>
+              <a:rPr lang="en-US" dirty="0"/>
+              <a:t>Users may want more control over when the table updates, especially if they have lots of widgets to adjust.</a:t>
+            </a:r>
+          </a:p>
+          <a:p>
+            <a:r>
+              <a:rPr lang="en-US" dirty="0"/>
+              <a:t>Let’s give them a button widget—the table won’t update until it’s pressed.</a:t>
+            </a:r>
+          </a:p>
+          <a:p>
+            <a:pPr>
+              <a:lnSpc>
+                <a:spcPct val="110000"/>
+              </a:lnSpc>
+            </a:pPr>
+            <a:r>
+              <a:rPr lang="en-US" dirty="0"/>
+              <a:t>How should we </a:t>
+            </a:r>
+            <a:r>
+              <a:rPr lang="en-US" b="1" dirty="0"/>
+              <a:t>handle</a:t>
+            </a:r>
+            <a:r>
+              <a:rPr lang="en-US" dirty="0"/>
+              <a:t> button presses? </a:t>
+            </a:r>
+          </a:p>
+          <a:p>
+            <a:pPr lvl="1">
+              <a:lnSpc>
+                <a:spcPct val="110000"/>
+              </a:lnSpc>
+              <a:spcBef>
+                <a:spcPts val="0"/>
+              </a:spcBef>
+            </a:pPr>
+            <a:r>
+              <a:rPr lang="en-US" dirty="0"/>
+              <a:t>We want button presses to trigger rebuilds, but new selections in our drop-down menu should not.</a:t>
+            </a:r>
+          </a:p>
+          <a:p>
+            <a:pPr lvl="1">
+              <a:lnSpc>
+                <a:spcPct val="110000"/>
+              </a:lnSpc>
+              <a:spcBef>
+                <a:spcPts val="0"/>
+              </a:spcBef>
+            </a:pPr>
+            <a:r>
+              <a:rPr lang="en-US" dirty="0"/>
+              <a:t>But we still want to use the current menu selection to influence how the table rebuilds, when it does. </a:t>
+            </a:r>
+          </a:p>
+          <a:p>
+            <a:pPr>
+              <a:lnSpc>
+                <a:spcPct val="110000"/>
+              </a:lnSpc>
+            </a:pPr>
+            <a:r>
+              <a:rPr lang="en-US" dirty="0"/>
+              <a:t>This is a good time to use </a:t>
+            </a:r>
+            <a:r>
+              <a:rPr lang="en-US" b="1" dirty="0"/>
+              <a:t>isolation</a:t>
+            </a:r>
+            <a:r>
+              <a:rPr lang="en-US" dirty="0"/>
+              <a:t>. </a:t>
+            </a:r>
+          </a:p>
+          <a:p>
+            <a:pPr lvl="1">
+              <a:lnSpc>
+                <a:spcPct val="110000"/>
+              </a:lnSpc>
+              <a:spcBef>
+                <a:spcPts val="0"/>
+              </a:spcBef>
+            </a:pPr>
+            <a:r>
+              <a:rPr lang="en-US" dirty="0"/>
+              <a:t>isolate() allows use of a reactive object’s value but prevents event triggering.</a:t>
+            </a:r>
+          </a:p>
+        </p:txBody>
+      </p:sp>
+    </p:spTree>
+    <p:extLst>
+      <p:ext uri="{BB962C8B-B14F-4D97-AF65-F5344CB8AC3E}">
+        <p14:creationId xmlns:p14="http://schemas.microsoft.com/office/powerpoint/2010/main" val="3219504805"/>
+      </p:ext>
+    </p:extLst>
+  </p:cSld>
+  <p:clrMapOvr>
+    <a:masterClrMapping/>
+  </p:clrMapOvr>
+  <p:timing>
+    <p:tnLst>
+      <p:par>
+        <p:cTn id="1" dur="indefinite" restart="never" nodeType="tmRoot">
+          <p:childTnLst>
+            <p:seq concurrent="1" nextAc="seek">
+              <p:cTn id="2" dur="indefinite" nodeType="mainSeq">
+                <p:childTnLst>
+                  <p:par>
+                    <p:cTn id="3" fill="hold">
+                      <p:stCondLst>
+                        <p:cond delay="indefinite"/>
+                        <p:cond evt="onBegin" delay="0">
+                          <p:tn val="2"/>
+                        </p:cond>
+                      </p:stCondLst>
+                      <p:childTnLst>
+                        <p:par>
+                          <p:cTn id="4" fill="hold">
+                            <p:stCondLst>
+                              <p:cond delay="0"/>
+                            </p:stCondLst>
+                            <p:childTnLst>
+                              <p:par>
+                                <p:cTn id="5" presetID="10" presetClass="entr" presetSubtype="0" fill="hold" grpId="0" nodeType="afterEffect">
+                                  <p:stCondLst>
+                                    <p:cond delay="0"/>
+                                  </p:stCondLst>
+                                  <p:childTnLst>
+                                    <p:set>
+                                      <p:cBhvr>
+                                        <p:cTn id="6" dur="1" fill="hold">
+                                          <p:stCondLst>
+                                            <p:cond delay="0"/>
+                                          </p:stCondLst>
+                                        </p:cTn>
+                                        <p:tgtEl>
+                                          <p:spTgt spid="3">
+                                            <p:txEl>
+                                              <p:pRg st="0" end="0"/>
+                                            </p:txEl>
+                                          </p:spTgt>
+                                        </p:tgtEl>
+                                        <p:attrNameLst>
+                                          <p:attrName>style.visibility</p:attrName>
+                                        </p:attrNameLst>
+                                      </p:cBhvr>
+                                      <p:to>
+                                        <p:strVal val="visible"/>
+                                      </p:to>
+                                    </p:set>
+                                    <p:animEffect transition="in" filter="fade">
+                                      <p:cBhvr>
+                                        <p:cTn id="7" dur="500"/>
+                                        <p:tgtEl>
+                                          <p:spTgt spid="3">
+                                            <p:txEl>
+                                              <p:pRg st="0" end="0"/>
+                                            </p:txEl>
+                                          </p:spTgt>
+                                        </p:tgtEl>
+                                      </p:cBhvr>
+                                    </p:animEffect>
+                                  </p:childTnLst>
+                                </p:cTn>
+                              </p:par>
+                            </p:childTnLst>
+                          </p:cTn>
+                        </p:par>
+                      </p:childTnLst>
+                    </p:cTn>
+                  </p:par>
+                  <p:par>
+                    <p:cTn id="8" fill="hold">
+                      <p:stCondLst>
+                        <p:cond delay="indefinite"/>
+                      </p:stCondLst>
+                      <p:childTnLst>
+                        <p:par>
+                          <p:cTn id="9" fill="hold">
+                            <p:stCondLst>
+                              <p:cond delay="0"/>
+                            </p:stCondLst>
+                            <p:childTnLst>
+                              <p:par>
+                                <p:cTn id="10" presetID="10" presetClass="entr" presetSubtype="0" fill="hold" grpId="0" nodeType="clickEffect">
+                                  <p:stCondLst>
+                                    <p:cond delay="0"/>
+                                  </p:stCondLst>
+                                  <p:childTnLst>
+                                    <p:set>
+                                      <p:cBhvr>
+                                        <p:cTn id="11" dur="1" fill="hold">
+                                          <p:stCondLst>
+                                            <p:cond delay="0"/>
+                                          </p:stCondLst>
+                                        </p:cTn>
+                                        <p:tgtEl>
+                                          <p:spTgt spid="3">
+                                            <p:txEl>
+                                              <p:pRg st="1" end="1"/>
+                                            </p:txEl>
+                                          </p:spTgt>
+                                        </p:tgtEl>
+                                        <p:attrNameLst>
+                                          <p:attrName>style.visibility</p:attrName>
+                                        </p:attrNameLst>
+                                      </p:cBhvr>
+                                      <p:to>
+                                        <p:strVal val="visible"/>
+                                      </p:to>
+                                    </p:set>
+                                    <p:animEffect transition="in" filter="fade">
+                                      <p:cBhvr>
+                                        <p:cTn id="12" dur="500"/>
+                                        <p:tgtEl>
+                                          <p:spTgt spid="3">
+                                            <p:txEl>
+                                              <p:pRg st="1" end="1"/>
+                                            </p:txEl>
+                                          </p:spTgt>
+                                        </p:tgtEl>
+                                      </p:cBhvr>
+                                    </p:animEffect>
+                                  </p:childTnLst>
+                                </p:cTn>
+                              </p:par>
+                            </p:childTnLst>
+                          </p:cTn>
+                        </p:par>
+                      </p:childTnLst>
+                    </p:cTn>
+                  </p:par>
+                  <p:par>
+                    <p:cTn id="13" fill="hold">
+                      <p:stCondLst>
+                        <p:cond delay="indefinite"/>
+                      </p:stCondLst>
+                      <p:childTnLst>
+                        <p:par>
+                          <p:cTn id="14" fill="hold">
+                            <p:stCondLst>
+                              <p:cond delay="0"/>
+                            </p:stCondLst>
+                            <p:childTnLst>
+                              <p:par>
+                                <p:cTn id="15" presetID="10" presetClass="entr" presetSubtype="0" fill="hold" grpId="0" nodeType="clickEffect">
+                                  <p:stCondLst>
+                                    <p:cond delay="0"/>
+                                  </p:stCondLst>
+                                  <p:childTnLst>
+                                    <p:set>
+                                      <p:cBhvr>
+                                        <p:cTn id="16" dur="1" fill="hold">
+                                          <p:stCondLst>
+                                            <p:cond delay="0"/>
+                                          </p:stCondLst>
+                                        </p:cTn>
+                                        <p:tgtEl>
+                                          <p:spTgt spid="3">
+                                            <p:txEl>
+                                              <p:pRg st="2" end="2"/>
+                                            </p:txEl>
+                                          </p:spTgt>
+                                        </p:tgtEl>
+                                        <p:attrNameLst>
+                                          <p:attrName>style.visibility</p:attrName>
+                                        </p:attrNameLst>
+                                      </p:cBhvr>
+                                      <p:to>
+                                        <p:strVal val="visible"/>
+                                      </p:to>
+                                    </p:set>
+                                    <p:animEffect transition="in" filter="fade">
+                                      <p:cBhvr>
+                                        <p:cTn id="17" dur="500"/>
+                                        <p:tgtEl>
+                                          <p:spTgt spid="3">
+                                            <p:txEl>
+                                              <p:pRg st="2" end="2"/>
+                                            </p:txEl>
+                                          </p:spTgt>
+                                        </p:tgtEl>
+                                      </p:cBhvr>
+                                    </p:animEffect>
+                                  </p:childTnLst>
+                                </p:cTn>
+                              </p:par>
+                            </p:childTnLst>
+                          </p:cTn>
+                        </p:par>
+                        <p:par>
+                          <p:cTn id="18" fill="hold">
+                            <p:stCondLst>
+                              <p:cond delay="500"/>
+                            </p:stCondLst>
+                            <p:childTnLst>
+                              <p:par>
+                                <p:cTn id="19" presetID="10" presetClass="entr" presetSubtype="0" fill="hold" grpId="0" nodeType="afterEffect">
+                                  <p:stCondLst>
+                                    <p:cond delay="0"/>
+                                  </p:stCondLst>
+                                  <p:childTnLst>
+                                    <p:set>
+                                      <p:cBhvr>
+                                        <p:cTn id="20" dur="1" fill="hold">
+                                          <p:stCondLst>
+                                            <p:cond delay="0"/>
+                                          </p:stCondLst>
+                                        </p:cTn>
+                                        <p:tgtEl>
+                                          <p:spTgt spid="3">
+                                            <p:txEl>
+                                              <p:pRg st="3" end="3"/>
+                                            </p:txEl>
+                                          </p:spTgt>
+                                        </p:tgtEl>
+                                        <p:attrNameLst>
+                                          <p:attrName>style.visibility</p:attrName>
+                                        </p:attrNameLst>
+                                      </p:cBhvr>
+                                      <p:to>
+                                        <p:strVal val="visible"/>
+                                      </p:to>
+                                    </p:set>
+                                    <p:animEffect transition="in" filter="fade">
+                                      <p:cBhvr>
+                                        <p:cTn id="21" dur="500"/>
+                                        <p:tgtEl>
+                                          <p:spTgt spid="3">
+                                            <p:txEl>
+                                              <p:pRg st="3" end="3"/>
+                                            </p:txEl>
+                                          </p:spTgt>
+                                        </p:tgtEl>
+                                      </p:cBhvr>
+                                    </p:animEffect>
+                                  </p:childTnLst>
+                                </p:cTn>
+                              </p:par>
+                            </p:childTnLst>
+                          </p:cTn>
+                        </p:par>
+                      </p:childTnLst>
+                    </p:cTn>
+                  </p:par>
+                  <p:par>
+                    <p:cTn id="22" fill="hold">
+                      <p:stCondLst>
+                        <p:cond delay="indefinite"/>
+                      </p:stCondLst>
+                      <p:childTnLst>
+                        <p:par>
+                          <p:cTn id="23" fill="hold">
+                            <p:stCondLst>
+                              <p:cond delay="0"/>
+                            </p:stCondLst>
+                            <p:childTnLst>
+                              <p:par>
+                                <p:cTn id="24" presetID="10" presetClass="entr" presetSubtype="0" fill="hold" grpId="0" nodeType="clickEffect">
+                                  <p:stCondLst>
+                                    <p:cond delay="0"/>
+                                  </p:stCondLst>
+                                  <p:childTnLst>
+                                    <p:set>
+                                      <p:cBhvr>
+                                        <p:cTn id="25" dur="1" fill="hold">
+                                          <p:stCondLst>
+                                            <p:cond delay="0"/>
+                                          </p:stCondLst>
+                                        </p:cTn>
+                                        <p:tgtEl>
+                                          <p:spTgt spid="3">
+                                            <p:txEl>
+                                              <p:pRg st="4" end="4"/>
+                                            </p:txEl>
+                                          </p:spTgt>
+                                        </p:tgtEl>
+                                        <p:attrNameLst>
+                                          <p:attrName>style.visibility</p:attrName>
+                                        </p:attrNameLst>
+                                      </p:cBhvr>
+                                      <p:to>
+                                        <p:strVal val="visible"/>
+                                      </p:to>
+                                    </p:set>
+                                    <p:animEffect transition="in" filter="fade">
+                                      <p:cBhvr>
+                                        <p:cTn id="26" dur="500"/>
+                                        <p:tgtEl>
+                                          <p:spTgt spid="3">
+                                            <p:txEl>
+                                              <p:pRg st="4" end="4"/>
+                                            </p:txEl>
+                                          </p:spTgt>
+                                        </p:tgtEl>
+                                      </p:cBhvr>
+                                    </p:animEffect>
+                                  </p:childTnLst>
+                                </p:cTn>
+                              </p:par>
+                            </p:childTnLst>
+                          </p:cTn>
+                        </p:par>
+                      </p:childTnLst>
+                    </p:cTn>
+                  </p:par>
+                  <p:par>
+                    <p:cTn id="27" fill="hold">
+                      <p:stCondLst>
+                        <p:cond delay="indefinite"/>
+                      </p:stCondLst>
+                      <p:childTnLst>
+                        <p:par>
+                          <p:cTn id="28" fill="hold">
+                            <p:stCondLst>
+                              <p:cond delay="0"/>
+                            </p:stCondLst>
+                            <p:childTnLst>
+                              <p:par>
+                                <p:cTn id="29" presetID="10" presetClass="entr" presetSubtype="0" fill="hold" grpId="0" nodeType="clickEffect">
+                                  <p:stCondLst>
+                                    <p:cond delay="0"/>
+                                  </p:stCondLst>
+                                  <p:childTnLst>
+                                    <p:set>
+                                      <p:cBhvr>
+                                        <p:cTn id="30" dur="1" fill="hold">
+                                          <p:stCondLst>
+                                            <p:cond delay="0"/>
+                                          </p:stCondLst>
+                                        </p:cTn>
+                                        <p:tgtEl>
+                                          <p:spTgt spid="3">
+                                            <p:txEl>
+                                              <p:pRg st="5" end="5"/>
+                                            </p:txEl>
+                                          </p:spTgt>
+                                        </p:tgtEl>
+                                        <p:attrNameLst>
+                                          <p:attrName>style.visibility</p:attrName>
+                                        </p:attrNameLst>
+                                      </p:cBhvr>
+                                      <p:to>
+                                        <p:strVal val="visible"/>
+                                      </p:to>
+                                    </p:set>
+                                    <p:animEffect transition="in" filter="fade">
+                                      <p:cBhvr>
+                                        <p:cTn id="31" dur="500"/>
+                                        <p:tgtEl>
+                                          <p:spTgt spid="3">
+                                            <p:txEl>
+                                              <p:pRg st="5" end="5"/>
+                                            </p:txEl>
+                                          </p:spTgt>
+                                        </p:tgtEl>
+                                      </p:cBhvr>
+                                    </p:animEffect>
+                                  </p:childTnLst>
+                                </p:cTn>
+                              </p:par>
+                              <p:par>
+                                <p:cTn id="32" presetID="10" presetClass="entr" presetSubtype="0" fill="hold" grpId="0" nodeType="withEffect">
+                                  <p:stCondLst>
+                                    <p:cond delay="0"/>
+                                  </p:stCondLst>
+                                  <p:childTnLst>
+                                    <p:set>
+                                      <p:cBhvr>
+                                        <p:cTn id="33" dur="1" fill="hold">
+                                          <p:stCondLst>
+                                            <p:cond delay="0"/>
+                                          </p:stCondLst>
+                                        </p:cTn>
+                                        <p:tgtEl>
+                                          <p:spTgt spid="3">
+                                            <p:txEl>
+                                              <p:pRg st="6" end="6"/>
+                                            </p:txEl>
+                                          </p:spTgt>
+                                        </p:tgtEl>
+                                        <p:attrNameLst>
+                                          <p:attrName>style.visibility</p:attrName>
+                                        </p:attrNameLst>
+                                      </p:cBhvr>
+                                      <p:to>
+                                        <p:strVal val="visible"/>
+                                      </p:to>
+                                    </p:set>
+                                    <p:animEffect transition="in" filter="fade">
+                                      <p:cBhvr>
+                                        <p:cTn id="34" dur="500"/>
+                                        <p:tgtEl>
+                                          <p:spTgt spid="3">
+                                            <p:txEl>
+                                              <p:pRg st="6" end="6"/>
+                                            </p:txEl>
+                                          </p:spTgt>
+                                        </p:tgtEl>
+                                      </p:cBhvr>
+                                    </p:animEffect>
+                                  </p:childTnLst>
+                                </p:cTn>
+                              </p:par>
+                            </p:childTnLst>
+                          </p:cTn>
+                        </p:par>
+                      </p:childTnLst>
+                    </p:cTn>
+                  </p:par>
+                </p:childTnLst>
+              </p:cTn>
+              <p:prevCondLst>
+                <p:cond evt="onPrev" delay="0">
+                  <p:tgtEl>
+                    <p:sldTgt/>
+                  </p:tgtEl>
+                </p:cond>
+              </p:prevCondLst>
+              <p:nextCondLst>
+                <p:cond evt="onNext" delay="0">
+                  <p:tgtEl>
+                    <p:sldTgt/>
+                  </p:tgtEl>
+                </p:cond>
+              </p:nextCondLst>
+            </p:seq>
+          </p:childTnLst>
+        </p:cTn>
+      </p:par>
+    </p:tnLst>
+    <p:bldLst>
+      <p:bldP spid="3" grpId="0" uiExpand="1" build="p"/>
+    </p:bldLst>
+  </p:timing>
+</p:sld>
+</file>
+
+<file path=ppt/slides/slide43.xml><?xml version="1.0" encoding="utf-8"?>
+<p:sld xmlns:a="http://schemas.openxmlformats.org/drawingml/2006/main" xmlns:r="http://schemas.openxmlformats.org/officeDocument/2006/relationships" xmlns:p="http://schemas.openxmlformats.org/presentationml/2006/main">
+  <p:cSld>
+    <p:spTree>
+      <p:nvGrpSpPr>
+        <p:cNvPr id="1" name=""/>
+        <p:cNvGrpSpPr/>
+        <p:nvPr/>
+      </p:nvGrpSpPr>
+      <p:grpSpPr>
+        <a:xfrm>
+          <a:off x="0" y="0"/>
+          <a:ext cx="0" cy="0"/>
+          <a:chOff x="0" y="0"/>
+          <a:chExt cx="0" cy="0"/>
+        </a:xfrm>
+      </p:grpSpPr>
+      <p:sp>
+        <p:nvSpPr>
+          <p:cNvPr id="2" name="Title 1">
+            <a:extLst>
+              <a:ext uri="{FF2B5EF4-FFF2-40B4-BE49-F238E27FC236}">
+                <a16:creationId xmlns:a16="http://schemas.microsoft.com/office/drawing/2014/main" id="{7A28F7CD-F08E-0F9D-83DA-BF32E54A9C12}"/>
+              </a:ext>
+            </a:extLst>
+          </p:cNvPr>
+          <p:cNvSpPr>
+            <a:spLocks noGrp="1"/>
+          </p:cNvSpPr>
+          <p:nvPr>
+            <p:ph type="title"/>
+          </p:nvPr>
+        </p:nvSpPr>
+        <p:spPr/>
+        <p:txBody>
+          <a:bodyPr/>
+          <a:lstStyle/>
+          <a:p>
+            <a:r>
+              <a:rPr lang="en-US" dirty="0"/>
+              <a:t>Observe and report</a:t>
+            </a:r>
+          </a:p>
+        </p:txBody>
+      </p:sp>
+      <p:sp>
+        <p:nvSpPr>
+          <p:cNvPr id="3" name="Text Placeholder 2">
+            <a:extLst>
+              <a:ext uri="{FF2B5EF4-FFF2-40B4-BE49-F238E27FC236}">
+                <a16:creationId xmlns:a16="http://schemas.microsoft.com/office/drawing/2014/main" id="{5D7F91A4-78AF-075F-ED51-054009969C8D}"/>
+              </a:ext>
+            </a:extLst>
+          </p:cNvPr>
+          <p:cNvSpPr>
+            <a:spLocks noGrp="1"/>
+          </p:cNvSpPr>
+          <p:nvPr>
+            <p:ph type="body" idx="1"/>
+          </p:nvPr>
+        </p:nvSpPr>
+        <p:spPr/>
+        <p:txBody>
+          <a:bodyPr/>
+          <a:lstStyle/>
+          <a:p>
+            <a:r>
+              <a:rPr lang="en-US" dirty="0"/>
+              <a:t>Isolation works well in simple situations.</a:t>
+            </a:r>
+          </a:p>
+          <a:p>
+            <a:r>
+              <a:rPr lang="en-US" dirty="0"/>
+              <a:t>When there are </a:t>
+            </a:r>
+            <a:r>
+              <a:rPr lang="en-US" i="1" dirty="0"/>
+              <a:t>many</a:t>
+            </a:r>
+            <a:r>
+              <a:rPr lang="en-US" dirty="0"/>
+              <a:t> reactive objects needing isolation, though, it gets clunky!</a:t>
+            </a:r>
+          </a:p>
+          <a:p>
+            <a:r>
+              <a:rPr lang="en-US" dirty="0"/>
+              <a:t>If we want to code a “if [this], then [that]” response, it’s cleaner to use </a:t>
+            </a:r>
+            <a:r>
+              <a:rPr lang="en-US" dirty="0" err="1"/>
+              <a:t>observeEvent</a:t>
+            </a:r>
+            <a:r>
+              <a:rPr lang="en-US" dirty="0"/>
+              <a:t>({},{}). </a:t>
+            </a:r>
+          </a:p>
+        </p:txBody>
+      </p:sp>
+    </p:spTree>
+    <p:extLst>
+      <p:ext uri="{BB962C8B-B14F-4D97-AF65-F5344CB8AC3E}">
+        <p14:creationId xmlns:p14="http://schemas.microsoft.com/office/powerpoint/2010/main" val="3310946856"/>
+      </p:ext>
+    </p:extLst>
+  </p:cSld>
+  <p:clrMapOvr>
+    <a:masterClrMapping/>
+  </p:clrMapOvr>
+  <p:timing>
+    <p:tnLst>
+      <p:par>
+        <p:cTn id="1" dur="indefinite" restart="never" nodeType="tmRoot">
+          <p:childTnLst>
+            <p:seq concurrent="1" nextAc="seek">
+              <p:cTn id="2" dur="indefinite" nodeType="mainSeq">
+                <p:childTnLst>
+                  <p:par>
+                    <p:cTn id="3" fill="hold">
+                      <p:stCondLst>
+                        <p:cond delay="indefinite"/>
+                        <p:cond evt="onBegin" delay="0">
+                          <p:tn val="2"/>
+                        </p:cond>
+                      </p:stCondLst>
+                      <p:childTnLst>
+                        <p:par>
+                          <p:cTn id="4" fill="hold">
+                            <p:stCondLst>
+                              <p:cond delay="0"/>
+                            </p:stCondLst>
+                            <p:childTnLst>
+                              <p:par>
+                                <p:cTn id="5" presetID="10" presetClass="entr" presetSubtype="0" fill="hold" grpId="0" nodeType="afterEffect">
+                                  <p:stCondLst>
+                                    <p:cond delay="0"/>
+                                  </p:stCondLst>
+                                  <p:childTnLst>
+                                    <p:set>
+                                      <p:cBhvr>
+                                        <p:cTn id="6" dur="1" fill="hold">
+                                          <p:stCondLst>
+                                            <p:cond delay="0"/>
+                                          </p:stCondLst>
+                                        </p:cTn>
+                                        <p:tgtEl>
+                                          <p:spTgt spid="3">
+                                            <p:txEl>
+                                              <p:pRg st="0" end="0"/>
+                                            </p:txEl>
+                                          </p:spTgt>
+                                        </p:tgtEl>
+                                        <p:attrNameLst>
+                                          <p:attrName>style.visibility</p:attrName>
+                                        </p:attrNameLst>
+                                      </p:cBhvr>
+                                      <p:to>
+                                        <p:strVal val="visible"/>
+                                      </p:to>
+                                    </p:set>
+                                    <p:animEffect transition="in" filter="fade">
+                                      <p:cBhvr>
+                                        <p:cTn id="7" dur="500"/>
+                                        <p:tgtEl>
+                                          <p:spTgt spid="3">
+                                            <p:txEl>
+                                              <p:pRg st="0" end="0"/>
+                                            </p:txEl>
+                                          </p:spTgt>
+                                        </p:tgtEl>
+                                      </p:cBhvr>
+                                    </p:animEffect>
+                                  </p:childTnLst>
+                                </p:cTn>
+                              </p:par>
+                            </p:childTnLst>
+                          </p:cTn>
+                        </p:par>
+                        <p:par>
+                          <p:cTn id="8" fill="hold">
+                            <p:stCondLst>
+                              <p:cond delay="500"/>
+                            </p:stCondLst>
+                            <p:childTnLst>
+                              <p:par>
+                                <p:cTn id="9" presetID="10" presetClass="entr" presetSubtype="0" fill="hold" grpId="0" nodeType="afterEffect">
+                                  <p:stCondLst>
+                                    <p:cond delay="0"/>
+                                  </p:stCondLst>
+                                  <p:childTnLst>
+                                    <p:set>
+                                      <p:cBhvr>
+                                        <p:cTn id="10" dur="1" fill="hold">
+                                          <p:stCondLst>
+                                            <p:cond delay="0"/>
+                                          </p:stCondLst>
+                                        </p:cTn>
+                                        <p:tgtEl>
+                                          <p:spTgt spid="3">
+                                            <p:txEl>
+                                              <p:pRg st="1" end="1"/>
+                                            </p:txEl>
+                                          </p:spTgt>
+                                        </p:tgtEl>
+                                        <p:attrNameLst>
+                                          <p:attrName>style.visibility</p:attrName>
+                                        </p:attrNameLst>
+                                      </p:cBhvr>
+                                      <p:to>
+                                        <p:strVal val="visible"/>
+                                      </p:to>
+                                    </p:set>
+                                    <p:animEffect transition="in" filter="fade">
+                                      <p:cBhvr>
+                                        <p:cTn id="11" dur="500"/>
+                                        <p:tgtEl>
+                                          <p:spTgt spid="3">
+                                            <p:txEl>
+                                              <p:pRg st="1" end="1"/>
+                                            </p:txEl>
+                                          </p:spTgt>
+                                        </p:tgtEl>
+                                      </p:cBhvr>
+                                    </p:animEffect>
+                                  </p:childTnLst>
+                                </p:cTn>
+                              </p:par>
+                            </p:childTnLst>
+                          </p:cTn>
+                        </p:par>
+                        <p:par>
+                          <p:cTn id="12" fill="hold">
+                            <p:stCondLst>
+                              <p:cond delay="1000"/>
+                            </p:stCondLst>
+                            <p:childTnLst>
+                              <p:par>
+                                <p:cTn id="13" presetID="10" presetClass="entr" presetSubtype="0" fill="hold" grpId="0" nodeType="afterEffect">
+                                  <p:stCondLst>
+                                    <p:cond delay="0"/>
+                                  </p:stCondLst>
+                                  <p:childTnLst>
+                                    <p:set>
+                                      <p:cBhvr>
+                                        <p:cTn id="14" dur="1" fill="hold">
+                                          <p:stCondLst>
+                                            <p:cond delay="0"/>
+                                          </p:stCondLst>
+                                        </p:cTn>
+                                        <p:tgtEl>
+                                          <p:spTgt spid="3">
+                                            <p:txEl>
+                                              <p:pRg st="2" end="2"/>
+                                            </p:txEl>
+                                          </p:spTgt>
+                                        </p:tgtEl>
+                                        <p:attrNameLst>
+                                          <p:attrName>style.visibility</p:attrName>
+                                        </p:attrNameLst>
+                                      </p:cBhvr>
+                                      <p:to>
+                                        <p:strVal val="visible"/>
+                                      </p:to>
+                                    </p:set>
+                                    <p:animEffect transition="in" filter="fade">
+                                      <p:cBhvr>
+                                        <p:cTn id="15" dur="500"/>
+                                        <p:tgtEl>
+                                          <p:spTgt spid="3">
+                                            <p:txEl>
+                                              <p:pRg st="2" end="2"/>
+                                            </p:txEl>
+                                          </p:spTgt>
+                                        </p:tgtEl>
+                                      </p:cBhvr>
+                                    </p:animEffect>
+                                  </p:childTnLst>
+                                </p:cTn>
+                              </p:par>
+                            </p:childTnLst>
+                          </p:cTn>
+                        </p:par>
+                      </p:childTnLst>
+                    </p:cTn>
+                  </p:par>
+                </p:childTnLst>
+              </p:cTn>
+              <p:prevCondLst>
+                <p:cond evt="onPrev" delay="0">
+                  <p:tgtEl>
+                    <p:sldTgt/>
+                  </p:tgtEl>
+                </p:cond>
+              </p:prevCondLst>
+              <p:nextCondLst>
+                <p:cond evt="onNext" delay="0">
+                  <p:tgtEl>
+                    <p:sldTgt/>
+                  </p:tgtEl>
+                </p:cond>
+              </p:nextCondLst>
+            </p:seq>
+          </p:childTnLst>
+        </p:cTn>
+      </p:par>
+    </p:tnLst>
+    <p:bldLst>
+      <p:bldP spid="3" grpId="0" uiExpand="1" build="p"/>
+    </p:bldLst>
+  </p:timing>
+</p:sld>
+</file>
+
+<file path=ppt/slides/slide44.xml><?xml version="1.0" encoding="utf-8"?>
+<p:sld xmlns:a="http://schemas.openxmlformats.org/drawingml/2006/main" xmlns:r="http://schemas.openxmlformats.org/officeDocument/2006/relationships" xmlns:p="http://schemas.openxmlformats.org/presentationml/2006/main">
+  <p:cSld>
+    <p:spTree>
+      <p:nvGrpSpPr>
+        <p:cNvPr id="1" name=""/>
+        <p:cNvGrpSpPr/>
+        <p:nvPr/>
+      </p:nvGrpSpPr>
+      <p:grpSpPr>
+        <a:xfrm>
+          <a:off x="0" y="0"/>
+          <a:ext cx="0" cy="0"/>
+          <a:chOff x="0" y="0"/>
+          <a:chExt cx="0" cy="0"/>
+        </a:xfrm>
+      </p:grpSpPr>
+      <p:sp>
+        <p:nvSpPr>
+          <p:cNvPr id="2" name="Title 1">
+            <a:extLst>
+              <a:ext uri="{FF2B5EF4-FFF2-40B4-BE49-F238E27FC236}">
+                <a16:creationId xmlns:a16="http://schemas.microsoft.com/office/drawing/2014/main" id="{7A28F7CD-F08E-0F9D-83DA-BF32E54A9C12}"/>
+              </a:ext>
+            </a:extLst>
+          </p:cNvPr>
+          <p:cNvSpPr>
+            <a:spLocks noGrp="1"/>
+          </p:cNvSpPr>
+          <p:nvPr>
+            <p:ph type="title"/>
+          </p:nvPr>
+        </p:nvSpPr>
+        <p:spPr/>
+        <p:txBody>
+          <a:bodyPr/>
+          <a:lstStyle/>
+          <a:p>
+            <a:r>
+              <a:rPr lang="en-US" dirty="0"/>
+              <a:t>Observe and report II</a:t>
+            </a:r>
+          </a:p>
+        </p:txBody>
+      </p:sp>
+      <p:sp>
+        <p:nvSpPr>
+          <p:cNvPr id="3" name="Text Placeholder 2">
+            <a:extLst>
+              <a:ext uri="{FF2B5EF4-FFF2-40B4-BE49-F238E27FC236}">
+                <a16:creationId xmlns:a16="http://schemas.microsoft.com/office/drawing/2014/main" id="{5D7F91A4-78AF-075F-ED51-054009969C8D}"/>
+              </a:ext>
+            </a:extLst>
+          </p:cNvPr>
+          <p:cNvSpPr>
+            <a:spLocks noGrp="1"/>
+          </p:cNvSpPr>
+          <p:nvPr>
+            <p:ph type="body" idx="1"/>
+          </p:nvPr>
+        </p:nvSpPr>
+        <p:spPr/>
+        <p:txBody>
+          <a:bodyPr/>
+          <a:lstStyle/>
+          <a:p>
+            <a:r>
+              <a:rPr lang="en-US" dirty="0"/>
+              <a:t>Note that the app works the same as before; the two approaches are equivalent.</a:t>
+            </a:r>
+          </a:p>
+          <a:p>
+            <a:r>
+              <a:rPr lang="en-US" dirty="0"/>
+              <a:t>However, </a:t>
+            </a:r>
+            <a:r>
+              <a:rPr lang="en-US" dirty="0" err="1"/>
+              <a:t>observeEvent</a:t>
+            </a:r>
+            <a:r>
+              <a:rPr lang="en-US" dirty="0"/>
+              <a:t>({},{}) is more precise:</a:t>
+            </a:r>
+          </a:p>
+          <a:p>
+            <a:pPr lvl="1"/>
+            <a:r>
+              <a:rPr lang="en-US" dirty="0"/>
+              <a:t>“Hey R, if {first expression} changes, do {second expression}. Never </a:t>
+            </a:r>
+            <a:r>
+              <a:rPr lang="en-US" i="1" dirty="0"/>
+              <a:t>execute</a:t>
+            </a:r>
+            <a:r>
+              <a:rPr lang="en-US" dirty="0"/>
+              <a:t> the first expression, and never </a:t>
+            </a:r>
+            <a:r>
+              <a:rPr lang="en-US" i="1" dirty="0"/>
+              <a:t>trigger events </a:t>
+            </a:r>
+            <a:r>
+              <a:rPr lang="en-US" dirty="0"/>
+              <a:t>within the second expression.”</a:t>
+            </a:r>
+          </a:p>
+          <a:p>
+            <a:pPr lvl="1"/>
+            <a:r>
+              <a:rPr lang="en-US" dirty="0"/>
+              <a:t>It’s like expression 1 is on “mute,” and expression 2 is isolate()d!</a:t>
+            </a:r>
+          </a:p>
+        </p:txBody>
+      </p:sp>
+    </p:spTree>
+    <p:extLst>
+      <p:ext uri="{BB962C8B-B14F-4D97-AF65-F5344CB8AC3E}">
+        <p14:creationId xmlns:p14="http://schemas.microsoft.com/office/powerpoint/2010/main" val="1053887196"/>
+      </p:ext>
+    </p:extLst>
+  </p:cSld>
+  <p:clrMapOvr>
+    <a:masterClrMapping/>
+  </p:clrMapOvr>
+  <p:timing>
+    <p:tnLst>
+      <p:par>
+        <p:cTn id="1" dur="indefinite" restart="never" nodeType="tmRoot">
+          <p:childTnLst>
+            <p:seq concurrent="1" nextAc="seek">
+              <p:cTn id="2" dur="indefinite" nodeType="mainSeq">
+                <p:childTnLst>
+                  <p:par>
+                    <p:cTn id="3" fill="hold">
+                      <p:stCondLst>
+                        <p:cond delay="indefinite"/>
+                        <p:cond evt="onBegin" delay="0">
+                          <p:tn val="2"/>
+                        </p:cond>
+                      </p:stCondLst>
+                      <p:childTnLst>
+                        <p:par>
+                          <p:cTn id="4" fill="hold">
+                            <p:stCondLst>
+                              <p:cond delay="0"/>
+                            </p:stCondLst>
+                            <p:childTnLst>
+                              <p:par>
+                                <p:cTn id="5" presetID="10" presetClass="entr" presetSubtype="0" fill="hold" grpId="0" nodeType="afterEffect">
+                                  <p:stCondLst>
+                                    <p:cond delay="0"/>
+                                  </p:stCondLst>
+                                  <p:childTnLst>
+                                    <p:set>
+                                      <p:cBhvr>
+                                        <p:cTn id="6" dur="1" fill="hold">
+                                          <p:stCondLst>
+                                            <p:cond delay="0"/>
+                                          </p:stCondLst>
+                                        </p:cTn>
+                                        <p:tgtEl>
+                                          <p:spTgt spid="3">
+                                            <p:txEl>
+                                              <p:pRg st="0" end="0"/>
+                                            </p:txEl>
+                                          </p:spTgt>
+                                        </p:tgtEl>
+                                        <p:attrNameLst>
+                                          <p:attrName>style.visibility</p:attrName>
+                                        </p:attrNameLst>
+                                      </p:cBhvr>
+                                      <p:to>
+                                        <p:strVal val="visible"/>
+                                      </p:to>
+                                    </p:set>
+                                    <p:animEffect transition="in" filter="fade">
+                                      <p:cBhvr>
+                                        <p:cTn id="7" dur="500"/>
+                                        <p:tgtEl>
+                                          <p:spTgt spid="3">
+                                            <p:txEl>
+                                              <p:pRg st="0" end="0"/>
+                                            </p:txEl>
+                                          </p:spTgt>
+                                        </p:tgtEl>
+                                      </p:cBhvr>
+                                    </p:animEffect>
+                                  </p:childTnLst>
+                                </p:cTn>
+                              </p:par>
+                            </p:childTnLst>
+                          </p:cTn>
+                        </p:par>
+                      </p:childTnLst>
+                    </p:cTn>
+                  </p:par>
+                  <p:par>
+                    <p:cTn id="8" fill="hold">
+                      <p:stCondLst>
+                        <p:cond delay="indefinite"/>
+                      </p:stCondLst>
+                      <p:childTnLst>
+                        <p:par>
+                          <p:cTn id="9" fill="hold">
+                            <p:stCondLst>
+                              <p:cond delay="0"/>
+                            </p:stCondLst>
+                            <p:childTnLst>
+                              <p:par>
+                                <p:cTn id="10" presetID="10" presetClass="entr" presetSubtype="0" fill="hold" grpId="0" nodeType="clickEffect">
+                                  <p:stCondLst>
+                                    <p:cond delay="0"/>
+                                  </p:stCondLst>
+                                  <p:childTnLst>
+                                    <p:set>
+                                      <p:cBhvr>
+                                        <p:cTn id="11" dur="1" fill="hold">
+                                          <p:stCondLst>
+                                            <p:cond delay="0"/>
+                                          </p:stCondLst>
+                                        </p:cTn>
+                                        <p:tgtEl>
+                                          <p:spTgt spid="3">
+                                            <p:txEl>
+                                              <p:pRg st="1" end="1"/>
+                                            </p:txEl>
+                                          </p:spTgt>
+                                        </p:tgtEl>
+                                        <p:attrNameLst>
+                                          <p:attrName>style.visibility</p:attrName>
+                                        </p:attrNameLst>
+                                      </p:cBhvr>
+                                      <p:to>
+                                        <p:strVal val="visible"/>
+                                      </p:to>
+                                    </p:set>
+                                    <p:animEffect transition="in" filter="fade">
+                                      <p:cBhvr>
+                                        <p:cTn id="12" dur="500"/>
+                                        <p:tgtEl>
+                                          <p:spTgt spid="3">
+                                            <p:txEl>
+                                              <p:pRg st="1" end="1"/>
+                                            </p:txEl>
+                                          </p:spTgt>
+                                        </p:tgtEl>
+                                      </p:cBhvr>
+                                    </p:animEffect>
+                                  </p:childTnLst>
+                                </p:cTn>
+                              </p:par>
+                            </p:childTnLst>
+                          </p:cTn>
+                        </p:par>
+                        <p:par>
+                          <p:cTn id="13" fill="hold">
+                            <p:stCondLst>
+                              <p:cond delay="500"/>
+                            </p:stCondLst>
+                            <p:childTnLst>
+                              <p:par>
+                                <p:cTn id="14" presetID="10" presetClass="entr" presetSubtype="0" fill="hold" grpId="0" nodeType="afterEffect">
+                                  <p:stCondLst>
+                                    <p:cond delay="0"/>
+                                  </p:stCondLst>
+                                  <p:childTnLst>
+                                    <p:set>
+                                      <p:cBhvr>
+                                        <p:cTn id="15" dur="1" fill="hold">
+                                          <p:stCondLst>
+                                            <p:cond delay="0"/>
+                                          </p:stCondLst>
+                                        </p:cTn>
+                                        <p:tgtEl>
+                                          <p:spTgt spid="3">
+                                            <p:txEl>
+                                              <p:pRg st="2" end="2"/>
+                                            </p:txEl>
+                                          </p:spTgt>
+                                        </p:tgtEl>
+                                        <p:attrNameLst>
+                                          <p:attrName>style.visibility</p:attrName>
+                                        </p:attrNameLst>
+                                      </p:cBhvr>
+                                      <p:to>
+                                        <p:strVal val="visible"/>
+                                      </p:to>
+                                    </p:set>
+                                    <p:animEffect transition="in" filter="fade">
+                                      <p:cBhvr>
+                                        <p:cTn id="16" dur="500"/>
+                                        <p:tgtEl>
+                                          <p:spTgt spid="3">
+                                            <p:txEl>
+                                              <p:pRg st="2" end="2"/>
+                                            </p:txEl>
+                                          </p:spTgt>
+                                        </p:tgtEl>
+                                      </p:cBhvr>
+                                    </p:animEffect>
+                                  </p:childTnLst>
+                                </p:cTn>
+                              </p:par>
+                            </p:childTnLst>
+                          </p:cTn>
+                        </p:par>
+                      </p:childTnLst>
+                    </p:cTn>
+                  </p:par>
+                  <p:par>
+                    <p:cTn id="17" fill="hold">
+                      <p:stCondLst>
+                        <p:cond delay="indefinite"/>
+                      </p:stCondLst>
+                      <p:childTnLst>
+                        <p:par>
+                          <p:cTn id="18" fill="hold">
+                            <p:stCondLst>
+                              <p:cond delay="0"/>
+                            </p:stCondLst>
+                            <p:childTnLst>
+                              <p:par>
+                                <p:cTn id="19" presetID="10" presetClass="entr" presetSubtype="0" fill="hold" grpId="0" nodeType="clickEffect">
+                                  <p:stCondLst>
+                                    <p:cond delay="0"/>
+                                  </p:stCondLst>
+                                  <p:childTnLst>
+                                    <p:set>
+                                      <p:cBhvr>
+                                        <p:cTn id="20" dur="1" fill="hold">
+                                          <p:stCondLst>
+                                            <p:cond delay="0"/>
+                                          </p:stCondLst>
+                                        </p:cTn>
+                                        <p:tgtEl>
+                                          <p:spTgt spid="3">
+                                            <p:txEl>
+                                              <p:pRg st="3" end="3"/>
+                                            </p:txEl>
+                                          </p:spTgt>
+                                        </p:tgtEl>
+                                        <p:attrNameLst>
+                                          <p:attrName>style.visibility</p:attrName>
+                                        </p:attrNameLst>
+                                      </p:cBhvr>
+                                      <p:to>
+                                        <p:strVal val="visible"/>
+                                      </p:to>
+                                    </p:set>
+                                    <p:animEffect transition="in" filter="fade">
+                                      <p:cBhvr>
+                                        <p:cTn id="21" dur="500"/>
+                                        <p:tgtEl>
+                                          <p:spTgt spid="3">
+                                            <p:txEl>
+                                              <p:pRg st="3" end="3"/>
+                                            </p:txEl>
+                                          </p:spTgt>
+                                        </p:tgtEl>
+                                      </p:cBhvr>
+                                    </p:animEffect>
+                                  </p:childTnLst>
+                                </p:cTn>
+                              </p:par>
+                            </p:childTnLst>
+                          </p:cTn>
+                        </p:par>
+                      </p:childTnLst>
+                    </p:cTn>
+                  </p:par>
+                </p:childTnLst>
+              </p:cTn>
+              <p:prevCondLst>
+                <p:cond evt="onPrev" delay="0">
+                  <p:tgtEl>
+                    <p:sldTgt/>
+                  </p:tgtEl>
+                </p:cond>
+              </p:prevCondLst>
+              <p:nextCondLst>
+                <p:cond evt="onNext" delay="0">
+                  <p:tgtEl>
+                    <p:sldTgt/>
+                  </p:tgtEl>
+                </p:cond>
+              </p:nextCondLst>
+            </p:seq>
+          </p:childTnLst>
+        </p:cTn>
+      </p:par>
+    </p:tnLst>
+    <p:bldLst>
+      <p:bldP spid="3" grpId="0" uiExpand="1" build="p"/>
+    </p:bldLst>
+  </p:timing>
+</p:sld>
+</file>
+
+<file path=ppt/slides/slide45.xml><?xml version="1.0" encoding="utf-8"?>
+<p:sld xmlns:a="http://schemas.openxmlformats.org/drawingml/2006/main" xmlns:r="http://schemas.openxmlformats.org/officeDocument/2006/relationships" xmlns:p="http://schemas.openxmlformats.org/presentationml/2006/main">
+  <p:cSld>
+    <p:spTree>
+      <p:nvGrpSpPr>
+        <p:cNvPr id="1" name=""/>
+        <p:cNvGrpSpPr/>
+        <p:nvPr/>
+      </p:nvGrpSpPr>
+      <p:grpSpPr>
+        <a:xfrm>
+          <a:off x="0" y="0"/>
+          <a:ext cx="0" cy="0"/>
+          <a:chOff x="0" y="0"/>
+          <a:chExt cx="0" cy="0"/>
+        </a:xfrm>
+      </p:grpSpPr>
+      <p:sp>
+        <p:nvSpPr>
+          <p:cNvPr id="2" name="Title 1">
+            <a:extLst>
+              <a:ext uri="{FF2B5EF4-FFF2-40B4-BE49-F238E27FC236}">
+                <a16:creationId xmlns:a16="http://schemas.microsoft.com/office/drawing/2014/main" id="{0A6900D4-22D8-7C42-47F9-689E51F93DDC}"/>
+              </a:ext>
+            </a:extLst>
+          </p:cNvPr>
+          <p:cNvSpPr>
+            <a:spLocks noGrp="1"/>
+          </p:cNvSpPr>
+          <p:nvPr>
+            <p:ph type="title"/>
+          </p:nvPr>
+        </p:nvSpPr>
+        <p:spPr/>
+        <p:txBody>
+          <a:bodyPr/>
+          <a:lstStyle/>
+          <a:p>
+            <a:r>
+              <a:rPr lang="en-US" dirty="0"/>
+              <a:t>Tabby cats</a:t>
+            </a:r>
+          </a:p>
+        </p:txBody>
+      </p:sp>
+      <p:sp>
+        <p:nvSpPr>
+          <p:cNvPr id="3" name="Text Placeholder 2">
+            <a:extLst>
+              <a:ext uri="{FF2B5EF4-FFF2-40B4-BE49-F238E27FC236}">
+                <a16:creationId xmlns:a16="http://schemas.microsoft.com/office/drawing/2014/main" id="{12CB628F-4329-27BA-6EDE-3203652125DF}"/>
+              </a:ext>
+            </a:extLst>
+          </p:cNvPr>
+          <p:cNvSpPr>
+            <a:spLocks noGrp="1"/>
+          </p:cNvSpPr>
+          <p:nvPr>
+            <p:ph type="body" idx="1"/>
+          </p:nvPr>
+        </p:nvSpPr>
+        <p:spPr/>
+        <p:txBody>
+          <a:bodyPr/>
+          <a:lstStyle/>
+          <a:p>
+            <a:r>
+              <a:rPr lang="en-US" dirty="0"/>
+              <a:t>In the last hour, we’ll make an upgraded table and add a graph and map. </a:t>
+            </a:r>
+          </a:p>
+          <a:p>
+            <a:r>
+              <a:rPr lang="en-US" dirty="0"/>
+              <a:t>Let’s create spaces in our UI for these using a </a:t>
+            </a:r>
+            <a:r>
+              <a:rPr lang="en-US" dirty="0" err="1"/>
+              <a:t>tabsetPanel</a:t>
+            </a:r>
+            <a:r>
+              <a:rPr lang="en-US" dirty="0"/>
+              <a:t> to create three tabs, one for each new element.</a:t>
+            </a:r>
+          </a:p>
+          <a:p>
+            <a:r>
+              <a:rPr lang="en-US" dirty="0"/>
+              <a:t>Note that the latter two tabs are empty, but not for long!</a:t>
+            </a:r>
+          </a:p>
+        </p:txBody>
+      </p:sp>
+    </p:spTree>
+    <p:extLst>
+      <p:ext uri="{BB962C8B-B14F-4D97-AF65-F5344CB8AC3E}">
+        <p14:creationId xmlns:p14="http://schemas.microsoft.com/office/powerpoint/2010/main" val="3016651032"/>
+      </p:ext>
+    </p:extLst>
+  </p:cSld>
+  <p:clrMapOvr>
+    <a:masterClrMapping/>
+  </p:clrMapOvr>
+  <p:timing>
+    <p:tnLst>
+      <p:par>
+        <p:cTn id="1" dur="indefinite" restart="never" nodeType="tmRoot">
+          <p:childTnLst>
+            <p:seq concurrent="1" nextAc="seek">
+              <p:cTn id="2" dur="indefinite" nodeType="mainSeq">
+                <p:childTnLst>
+                  <p:par>
+                    <p:cTn id="3" fill="hold">
+                      <p:stCondLst>
+                        <p:cond delay="indefinite"/>
+                        <p:cond evt="onBegin" delay="0">
+                          <p:tn val="2"/>
+                        </p:cond>
+                      </p:stCondLst>
+                      <p:childTnLst>
+                        <p:par>
+                          <p:cTn id="4" fill="hold">
+                            <p:stCondLst>
+                              <p:cond delay="0"/>
+                            </p:stCondLst>
+                            <p:childTnLst>
+                              <p:par>
+                                <p:cTn id="5" presetID="10" presetClass="entr" presetSubtype="0" fill="hold" grpId="0" nodeType="afterEffect">
+                                  <p:stCondLst>
+                                    <p:cond delay="0"/>
+                                  </p:stCondLst>
+                                  <p:childTnLst>
+                                    <p:set>
+                                      <p:cBhvr>
+                                        <p:cTn id="6" dur="1" fill="hold">
+                                          <p:stCondLst>
+                                            <p:cond delay="0"/>
+                                          </p:stCondLst>
+                                        </p:cTn>
+                                        <p:tgtEl>
+                                          <p:spTgt spid="3">
+                                            <p:txEl>
+                                              <p:pRg st="0" end="0"/>
+                                            </p:txEl>
+                                          </p:spTgt>
+                                        </p:tgtEl>
+                                        <p:attrNameLst>
+                                          <p:attrName>style.visibility</p:attrName>
+                                        </p:attrNameLst>
+                                      </p:cBhvr>
+                                      <p:to>
+                                        <p:strVal val="visible"/>
+                                      </p:to>
+                                    </p:set>
+                                    <p:animEffect transition="in" filter="fade">
+                                      <p:cBhvr>
+                                        <p:cTn id="7" dur="500"/>
+                                        <p:tgtEl>
+                                          <p:spTgt spid="3">
+                                            <p:txEl>
+                                              <p:pRg st="0" end="0"/>
+                                            </p:txEl>
+                                          </p:spTgt>
+                                        </p:tgtEl>
+                                      </p:cBhvr>
+                                    </p:animEffect>
+                                  </p:childTnLst>
+                                </p:cTn>
+                              </p:par>
+                            </p:childTnLst>
+                          </p:cTn>
+                        </p:par>
+                        <p:par>
+                          <p:cTn id="8" fill="hold">
+                            <p:stCondLst>
+                              <p:cond delay="500"/>
+                            </p:stCondLst>
+                            <p:childTnLst>
+                              <p:par>
+                                <p:cTn id="9" presetID="10" presetClass="entr" presetSubtype="0" fill="hold" grpId="0" nodeType="afterEffect">
+                                  <p:stCondLst>
+                                    <p:cond delay="0"/>
+                                  </p:stCondLst>
+                                  <p:childTnLst>
+                                    <p:set>
+                                      <p:cBhvr>
+                                        <p:cTn id="10" dur="1" fill="hold">
+                                          <p:stCondLst>
+                                            <p:cond delay="0"/>
+                                          </p:stCondLst>
+                                        </p:cTn>
+                                        <p:tgtEl>
+                                          <p:spTgt spid="3">
+                                            <p:txEl>
+                                              <p:pRg st="1" end="1"/>
+                                            </p:txEl>
+                                          </p:spTgt>
+                                        </p:tgtEl>
+                                        <p:attrNameLst>
+                                          <p:attrName>style.visibility</p:attrName>
+                                        </p:attrNameLst>
+                                      </p:cBhvr>
+                                      <p:to>
+                                        <p:strVal val="visible"/>
+                                      </p:to>
+                                    </p:set>
+                                    <p:animEffect transition="in" filter="fade">
+                                      <p:cBhvr>
+                                        <p:cTn id="11" dur="500"/>
+                                        <p:tgtEl>
+                                          <p:spTgt spid="3">
+                                            <p:txEl>
+                                              <p:pRg st="1" end="1"/>
+                                            </p:txEl>
+                                          </p:spTgt>
+                                        </p:tgtEl>
+                                      </p:cBhvr>
+                                    </p:animEffect>
+                                  </p:childTnLst>
+                                </p:cTn>
+                              </p:par>
+                            </p:childTnLst>
+                          </p:cTn>
+                        </p:par>
+                      </p:childTnLst>
+                    </p:cTn>
+                  </p:par>
+                  <p:par>
+                    <p:cTn id="12" fill="hold">
+                      <p:stCondLst>
+                        <p:cond delay="indefinite"/>
+                      </p:stCondLst>
+                      <p:childTnLst>
+                        <p:par>
+                          <p:cTn id="13" fill="hold">
+                            <p:stCondLst>
+                              <p:cond delay="0"/>
+                            </p:stCondLst>
+                            <p:childTnLst>
+                              <p:par>
+                                <p:cTn id="14" presetID="10" presetClass="entr" presetSubtype="0" fill="hold" grpId="0" nodeType="clickEffect">
+                                  <p:stCondLst>
+                                    <p:cond delay="0"/>
+                                  </p:stCondLst>
+                                  <p:childTnLst>
+                                    <p:set>
+                                      <p:cBhvr>
+                                        <p:cTn id="15" dur="1" fill="hold">
+                                          <p:stCondLst>
+                                            <p:cond delay="0"/>
+                                          </p:stCondLst>
+                                        </p:cTn>
+                                        <p:tgtEl>
+                                          <p:spTgt spid="3">
+                                            <p:txEl>
+                                              <p:pRg st="2" end="2"/>
+                                            </p:txEl>
+                                          </p:spTgt>
+                                        </p:tgtEl>
+                                        <p:attrNameLst>
+                                          <p:attrName>style.visibility</p:attrName>
+                                        </p:attrNameLst>
+                                      </p:cBhvr>
+                                      <p:to>
+                                        <p:strVal val="visible"/>
+                                      </p:to>
+                                    </p:set>
+                                    <p:animEffect transition="in" filter="fade">
+                                      <p:cBhvr>
+                                        <p:cTn id="16" dur="500"/>
+                                        <p:tgtEl>
+                                          <p:spTgt spid="3">
+                                            <p:txEl>
+                                              <p:pRg st="2" end="2"/>
+                                            </p:txEl>
+                                          </p:spTgt>
+                                        </p:tgtEl>
+                                      </p:cBhvr>
+                                    </p:animEffect>
+                                  </p:childTnLst>
+                                </p:cTn>
+                              </p:par>
+                            </p:childTnLst>
+                          </p:cTn>
+                        </p:par>
+                      </p:childTnLst>
+                    </p:cTn>
+                  </p:par>
+                </p:childTnLst>
+              </p:cTn>
+              <p:prevCondLst>
+                <p:cond evt="onPrev" delay="0">
+                  <p:tgtEl>
+                    <p:sldTgt/>
+                  </p:tgtEl>
+                </p:cond>
+              </p:prevCondLst>
+              <p:nextCondLst>
+                <p:cond evt="onNext" delay="0">
+                  <p:tgtEl>
+                    <p:sldTgt/>
+                  </p:tgtEl>
+                </p:cond>
+              </p:nextCondLst>
+            </p:seq>
+          </p:childTnLst>
+        </p:cTn>
+      </p:par>
+    </p:tnLst>
+    <p:bldLst>
+      <p:bldP spid="3" grpId="0" uiExpand="1" build="p"/>
+    </p:bldLst>
+  </p:timing>
+</p:sld>
+</file>
+
+<file path=ppt/slides/slide46.xml><?xml version="1.0" encoding="utf-8"?>
+<p:sld xmlns:a="http://schemas.openxmlformats.org/drawingml/2006/main" xmlns:r="http://schemas.openxmlformats.org/officeDocument/2006/relationships" xmlns:p="http://schemas.openxmlformats.org/presentationml/2006/main">
+  <p:cSld>
+    <p:spTree>
+      <p:nvGrpSpPr>
+        <p:cNvPr id="1" name=""/>
+        <p:cNvGrpSpPr/>
+        <p:nvPr/>
+      </p:nvGrpSpPr>
+      <p:grpSpPr>
+        <a:xfrm>
+          <a:off x="0" y="0"/>
+          <a:ext cx="0" cy="0"/>
+          <a:chOff x="0" y="0"/>
+          <a:chExt cx="0" cy="0"/>
+        </a:xfrm>
+      </p:grpSpPr>
+      <p:sp>
+        <p:nvSpPr>
+          <p:cNvPr id="2" name="Title 1">
+            <a:extLst>
+              <a:ext uri="{FF2B5EF4-FFF2-40B4-BE49-F238E27FC236}">
                 <a16:creationId xmlns:a16="http://schemas.microsoft.com/office/drawing/2014/main" id="{7839FCC2-6E9C-0369-313B-768EEC25DC46}"/>
               </a:ext>
             </a:extLst>
@@ -35557,7 +37852,7 @@
 </p:sld>
 </file>
 
-<file path=ppt/slides/slide43.xml><?xml version="1.0" encoding="utf-8"?>
+<file path=ppt/slides/slide47.xml><?xml version="1.0" encoding="utf-8"?>
 <p:sld xmlns:a="http://schemas.openxmlformats.org/drawingml/2006/main" xmlns:r="http://schemas.openxmlformats.org/officeDocument/2006/relationships" xmlns:p="http://schemas.openxmlformats.org/presentationml/2006/main">
   <p:cSld>
     <p:spTree>
@@ -35792,7 +38087,7 @@
 </p:sld>
 </file>
 
-<file path=ppt/slides/slide44.xml><?xml version="1.0" encoding="utf-8"?>
+<file path=ppt/slides/slide48.xml><?xml version="1.0" encoding="utf-8"?>
 <p:sld xmlns:a="http://schemas.openxmlformats.org/drawingml/2006/main" xmlns:r="http://schemas.openxmlformats.org/officeDocument/2006/relationships" xmlns:p="http://schemas.openxmlformats.org/presentationml/2006/main">
   <p:cSld>
     <p:spTree>
@@ -35943,7 +38238,7 @@
 </p:sld>
 </file>
 
-<file path=ppt/slides/slide45.xml><?xml version="1.0" encoding="utf-8"?>
+<file path=ppt/slides/slide49.xml><?xml version="1.0" encoding="utf-8"?>
 <p:sld xmlns:a="http://schemas.openxmlformats.org/drawingml/2006/main" xmlns:r="http://schemas.openxmlformats.org/officeDocument/2006/relationships" xmlns:p="http://schemas.openxmlformats.org/presentationml/2006/main" show="0">
   <p:cSld>
     <p:spTree>

--- a/files/SWC slides R Shiny 2024 Fall.pptx
+++ b/files/SWC slides R Shiny 2024 Fall.pptx
@@ -3209,8 +3209,13 @@
           <a:p>
             <a:r>
               <a:rPr lang="en-US" dirty="0"/>
-              <a:t>(Go do all this in R, and then start the app to show them)</a:t>
-            </a:r>
+              <a:t>(Go do all this in R, and then start the app to show them—remind them at this point to switch to “</a:t>
+            </a:r>
+            <a:r>
+              <a:rPr lang="en-US"/>
+              <a:t>launch external”!!!)</a:t>
+            </a:r>
+            <a:endParaRPr lang="en-US" dirty="0"/>
           </a:p>
         </p:txBody>
       </p:sp>

--- a/files/SWC slides R Shiny 2024 Fall.pptx
+++ b/files/SWC slides R Shiny 2024 Fall.pptx
@@ -5,7 +5,7 @@
     <p:sldMasterId id="2147483659" r:id="rId1"/>
   </p:sldMasterIdLst>
   <p:notesMasterIdLst>
-    <p:notesMasterId r:id="rId52"/>
+    <p:notesMasterId r:id="rId60"/>
   </p:notesMasterIdLst>
   <p:sldIdLst>
     <p:sldId id="256" r:id="rId2"/>
@@ -55,37 +55,45 @@
     <p:sldId id="303" r:id="rId46"/>
     <p:sldId id="304" r:id="rId47"/>
     <p:sldId id="294" r:id="rId48"/>
-    <p:sldId id="261" r:id="rId49"/>
-    <p:sldId id="262" r:id="rId50"/>
-    <p:sldId id="282" r:id="rId51"/>
+    <p:sldId id="306" r:id="rId49"/>
+    <p:sldId id="307" r:id="rId50"/>
+    <p:sldId id="308" r:id="rId51"/>
+    <p:sldId id="309" r:id="rId52"/>
+    <p:sldId id="310" r:id="rId53"/>
+    <p:sldId id="311" r:id="rId54"/>
+    <p:sldId id="312" r:id="rId55"/>
+    <p:sldId id="313" r:id="rId56"/>
+    <p:sldId id="261" r:id="rId57"/>
+    <p:sldId id="262" r:id="rId58"/>
+    <p:sldId id="282" r:id="rId59"/>
   </p:sldIdLst>
   <p:sldSz cx="9144000" cy="5143500" type="screen16x9"/>
   <p:notesSz cx="6858000" cy="9144000"/>
   <p:embeddedFontLst>
     <p:embeddedFont>
       <p:font typeface="Raleway" pitchFamily="2" charset="0"/>
-      <p:regular r:id="rId53"/>
-      <p:bold r:id="rId54"/>
-      <p:italic r:id="rId55"/>
-      <p:boldItalic r:id="rId56"/>
+      <p:regular r:id="rId61"/>
+      <p:bold r:id="rId62"/>
+      <p:italic r:id="rId63"/>
+      <p:boldItalic r:id="rId64"/>
     </p:embeddedFont>
     <p:embeddedFont>
       <p:font typeface="Simplified Arabic Fixed" panose="02070309020205020404" pitchFamily="49" charset="-78"/>
-      <p:regular r:id="rId57"/>
+      <p:regular r:id="rId65"/>
     </p:embeddedFont>
     <p:embeddedFont>
       <p:font typeface="Source Code Pro" panose="020B0509030403020204" pitchFamily="49" charset="0"/>
-      <p:regular r:id="rId58"/>
-      <p:bold r:id="rId59"/>
-      <p:italic r:id="rId60"/>
-      <p:boldItalic r:id="rId61"/>
+      <p:regular r:id="rId66"/>
+      <p:bold r:id="rId67"/>
+      <p:italic r:id="rId68"/>
+      <p:boldItalic r:id="rId69"/>
     </p:embeddedFont>
     <p:embeddedFont>
       <p:font typeface="Source Sans Pro" panose="020B0503030403020204" pitchFamily="34" charset="0"/>
-      <p:regular r:id="rId62"/>
-      <p:bold r:id="rId63"/>
-      <p:italic r:id="rId64"/>
-      <p:boldItalic r:id="rId65"/>
+      <p:regular r:id="rId70"/>
+      <p:bold r:id="rId71"/>
+      <p:italic r:id="rId72"/>
+      <p:boldItalic r:id="rId73"/>
     </p:embeddedFont>
   </p:embeddedFontLst>
   <p:defaultTextStyle>
@@ -5798,11 +5806,11 @@
 </file>
 
 <file path=ppt/notesSlides/notesSlide48.xml><?xml version="1.0" encoding="utf-8"?>
-<p:notes xmlns:a="http://schemas.openxmlformats.org/drawingml/2006/main" xmlns:r="http://schemas.openxmlformats.org/officeDocument/2006/relationships" xmlns:p="http://schemas.openxmlformats.org/presentationml/2006/main" showMasterSp="0" showMasterPhAnim="0">
+<p:notes xmlns:a="http://schemas.openxmlformats.org/drawingml/2006/main" xmlns:r="http://schemas.openxmlformats.org/officeDocument/2006/relationships" xmlns:p="http://schemas.openxmlformats.org/presentationml/2006/main">
   <p:cSld>
     <p:spTree>
       <p:nvGrpSpPr>
-        <p:cNvPr id="1" name="Shape 89"/>
+        <p:cNvPr id="1" name=""/>
         <p:cNvGrpSpPr/>
         <p:nvPr/>
       </p:nvGrpSpPr>
@@ -5816,84 +5824,81 @@
       </p:grpSpPr>
       <p:sp>
         <p:nvSpPr>
-          <p:cNvPr id="90" name="Google Shape;90;g9bf89401d4_0_35:notes"/>
+          <p:cNvPr id="2" name="Slide Image Placeholder 1"/>
           <p:cNvSpPr>
             <a:spLocks noGrp="1" noRot="1" noChangeAspect="1"/>
           </p:cNvSpPr>
           <p:nvPr>
-            <p:ph type="sldImg" idx="2"/>
+            <p:ph type="sldImg"/>
           </p:nvPr>
         </p:nvSpPr>
         <p:spPr>
           <a:xfrm>
-            <a:off x="381300" y="685800"/>
+            <a:off x="381000" y="685800"/>
             <a:ext cx="6096000" cy="3429000"/>
           </a:xfrm>
-          <a:custGeom>
-            <a:avLst/>
-            <a:gdLst/>
-            <a:ahLst/>
-            <a:cxnLst/>
-            <a:rect l="l" t="t" r="r" b="b"/>
-            <a:pathLst>
-              <a:path w="120000" h="120000" extrusionOk="0">
-                <a:moveTo>
-                  <a:pt x="0" y="0"/>
-                </a:moveTo>
-                <a:lnTo>
-                  <a:pt x="120000" y="0"/>
-                </a:lnTo>
-                <a:lnTo>
-                  <a:pt x="120000" y="120000"/>
-                </a:lnTo>
-                <a:lnTo>
-                  <a:pt x="0" y="120000"/>
-                </a:lnTo>
-                <a:close/>
-              </a:path>
-            </a:pathLst>
-          </a:custGeom>
         </p:spPr>
       </p:sp>
       <p:sp>
         <p:nvSpPr>
-          <p:cNvPr id="91" name="Google Shape;91;g9bf89401d4_0_35:notes"/>
-          <p:cNvSpPr txBox="1">
+          <p:cNvPr id="3" name="Notes Placeholder 2"/>
+          <p:cNvSpPr>
             <a:spLocks noGrp="1"/>
           </p:cNvSpPr>
           <p:nvPr>
             <p:ph type="body" idx="1"/>
           </p:nvPr>
         </p:nvSpPr>
-        <p:spPr>
-          <a:xfrm>
-            <a:off x="685800" y="4343400"/>
-            <a:ext cx="5486400" cy="4114800"/>
-          </a:xfrm>
-          <a:prstGeom prst="rect">
-            <a:avLst/>
-          </a:prstGeom>
-        </p:spPr>
+        <p:spPr/>
         <p:txBody>
-          <a:bodyPr spcFirstLastPara="1" wrap="square" lIns="91425" tIns="91425" rIns="91425" bIns="91425" anchor="t" anchorCtr="0">
-            <a:noAutofit/>
-          </a:bodyPr>
+          <a:bodyPr/>
           <a:lstStyle/>
           <a:p>
-            <a:pPr marL="0" lvl="0" indent="0" algn="l" rtl="0">
-              <a:spcBef>
-                <a:spcPts val="0"/>
-              </a:spcBef>
-              <a:spcAft>
-                <a:spcPts val="0"/>
-              </a:spcAft>
-              <a:buNone/>
-            </a:pPr>
-            <a:endParaRPr/>
+            <a:r>
+              <a:rPr lang="en-US" dirty="0"/>
+              <a:t>Of the three packages we’ll meet in this hour, I want to start with DT for a few reasons.</a:t>
+            </a:r>
+          </a:p>
+          <a:p>
+            <a:r>
+              <a:rPr lang="en-US" dirty="0"/>
+              <a:t>It’ll allow us to swap out our current table for a cooler one, and it also features characteristics most like those we already know. But it still introduces all the key ideas we’ll need to understand </a:t>
+            </a:r>
+            <a:r>
+              <a:rPr lang="en-US" dirty="0" err="1"/>
+              <a:t>plotly</a:t>
+            </a:r>
+            <a:r>
+              <a:rPr lang="en-US" dirty="0"/>
+              <a:t> and leaflet too.</a:t>
+            </a:r>
+          </a:p>
+          <a:p>
+            <a:r>
+              <a:rPr lang="en-US" dirty="0"/>
+              <a:t>To get started, we just need to swap out our current render and output calls for the equivalent DT ones—that’s it! </a:t>
+            </a:r>
+          </a:p>
+          <a:p>
+            <a:r>
+              <a:rPr lang="en-US" dirty="0"/>
+              <a:t>(Go off and do that)</a:t>
+            </a:r>
+          </a:p>
+          <a:p>
+            <a:r>
+              <a:rPr lang="en-US" dirty="0"/>
+              <a:t>(Show them all the new features that DT tables come with—pagination, page length, search, sorting, and row selection).</a:t>
+            </a:r>
           </a:p>
         </p:txBody>
       </p:sp>
     </p:spTree>
+    <p:extLst>
+      <p:ext uri="{BB962C8B-B14F-4D97-AF65-F5344CB8AC3E}">
+        <p14:creationId xmlns:p14="http://schemas.microsoft.com/office/powerpoint/2010/main" val="4003647599"/>
+      </p:ext>
+    </p:extLst>
   </p:cSld>
   <p:clrMapOvr>
     <a:masterClrMapping/>
@@ -5902,11 +5907,11 @@
 </file>
 
 <file path=ppt/notesSlides/notesSlide49.xml><?xml version="1.0" encoding="utf-8"?>
-<p:notes xmlns:a="http://schemas.openxmlformats.org/drawingml/2006/main" xmlns:r="http://schemas.openxmlformats.org/officeDocument/2006/relationships" xmlns:p="http://schemas.openxmlformats.org/presentationml/2006/main" showMasterSp="0" showMasterPhAnim="0">
+<p:notes xmlns:a="http://schemas.openxmlformats.org/drawingml/2006/main" xmlns:r="http://schemas.openxmlformats.org/officeDocument/2006/relationships" xmlns:p="http://schemas.openxmlformats.org/presentationml/2006/main">
   <p:cSld>
     <p:spTree>
       <p:nvGrpSpPr>
-        <p:cNvPr id="1" name="Shape 95"/>
+        <p:cNvPr id="1" name=""/>
         <p:cNvGrpSpPr/>
         <p:nvPr/>
       </p:nvGrpSpPr>
@@ -5920,84 +5925,95 @@
       </p:grpSpPr>
       <p:sp>
         <p:nvSpPr>
-          <p:cNvPr id="96" name="Google Shape;96;g279eb764eb5_0_92:notes"/>
+          <p:cNvPr id="2" name="Slide Image Placeholder 1"/>
           <p:cNvSpPr>
             <a:spLocks noGrp="1" noRot="1" noChangeAspect="1"/>
           </p:cNvSpPr>
           <p:nvPr>
-            <p:ph type="sldImg" idx="2"/>
+            <p:ph type="sldImg"/>
           </p:nvPr>
         </p:nvSpPr>
         <p:spPr>
           <a:xfrm>
-            <a:off x="381300" y="685800"/>
+            <a:off x="381000" y="685800"/>
             <a:ext cx="6096000" cy="3429000"/>
           </a:xfrm>
-          <a:custGeom>
-            <a:avLst/>
-            <a:gdLst/>
-            <a:ahLst/>
-            <a:cxnLst/>
-            <a:rect l="l" t="t" r="r" b="b"/>
-            <a:pathLst>
-              <a:path w="120000" h="120000" extrusionOk="0">
-                <a:moveTo>
-                  <a:pt x="0" y="0"/>
-                </a:moveTo>
-                <a:lnTo>
-                  <a:pt x="120000" y="0"/>
-                </a:lnTo>
-                <a:lnTo>
-                  <a:pt x="120000" y="120000"/>
-                </a:lnTo>
-                <a:lnTo>
-                  <a:pt x="0" y="120000"/>
-                </a:lnTo>
-                <a:close/>
-              </a:path>
-            </a:pathLst>
-          </a:custGeom>
         </p:spPr>
       </p:sp>
       <p:sp>
         <p:nvSpPr>
-          <p:cNvPr id="97" name="Google Shape;97;g279eb764eb5_0_92:notes"/>
-          <p:cNvSpPr txBox="1">
+          <p:cNvPr id="3" name="Notes Placeholder 2"/>
+          <p:cNvSpPr>
             <a:spLocks noGrp="1"/>
           </p:cNvSpPr>
           <p:nvPr>
             <p:ph type="body" idx="1"/>
           </p:nvPr>
         </p:nvSpPr>
-        <p:spPr>
-          <a:xfrm>
-            <a:off x="685800" y="4343400"/>
-            <a:ext cx="5486400" cy="4114800"/>
-          </a:xfrm>
-          <a:prstGeom prst="rect">
-            <a:avLst/>
-          </a:prstGeom>
-        </p:spPr>
+        <p:spPr/>
         <p:txBody>
-          <a:bodyPr spcFirstLastPara="1" wrap="square" lIns="91425" tIns="91425" rIns="91425" bIns="91425" anchor="t" anchorCtr="0">
-            <a:noAutofit/>
-          </a:bodyPr>
+          <a:bodyPr/>
           <a:lstStyle/>
           <a:p>
-            <a:pPr marL="0" lvl="0" indent="0" algn="l" rtl="0">
-              <a:spcBef>
-                <a:spcPts val="0"/>
-              </a:spcBef>
-              <a:spcAft>
-                <a:spcPts val="0"/>
-              </a:spcAft>
-              <a:buNone/>
-            </a:pPr>
-            <a:endParaRPr/>
+            <a:r>
+              <a:rPr lang="en-US" dirty="0"/>
+              <a:t>As we just saw, DT tables come with lots of interactivity out of the box! This’ll be a theme; </a:t>
+            </a:r>
+            <a:r>
+              <a:rPr lang="en-US" dirty="0" err="1"/>
+              <a:t>plotlys</a:t>
+            </a:r>
+            <a:r>
+              <a:rPr lang="en-US" dirty="0"/>
+              <a:t> and leaflets are similar.</a:t>
+            </a:r>
+          </a:p>
+          <a:p>
+            <a:r>
+              <a:rPr lang="en-US" dirty="0"/>
+              <a:t>This isn’t always good! From a UX, or user experience, standpoint, having lots of options may be overwhelming, confusing, or unnecessary-feeling for some users.</a:t>
+            </a:r>
+          </a:p>
+          <a:p>
+            <a:r>
+              <a:rPr lang="en-US" dirty="0"/>
+              <a:t>IMO, it’s best to rewind to the essentials and then turn features on intentionally when they’re beneficial and understandable.</a:t>
+            </a:r>
+          </a:p>
+          <a:p>
+            <a:r>
+              <a:rPr lang="en-US" dirty="0"/>
+              <a:t>That’s the second theme: You can do that! If there’s a feature in these packages, there’s also a way to disable it. </a:t>
+            </a:r>
+          </a:p>
+          <a:p>
+            <a:r>
+              <a:rPr lang="en-US" dirty="0"/>
+              <a:t>In DT, that’s usually by manipulating something inside of the </a:t>
+            </a:r>
+            <a:r>
+              <a:rPr lang="en-US" dirty="0" err="1"/>
+              <a:t>datatable</a:t>
+            </a:r>
+            <a:r>
+              <a:rPr lang="en-US" dirty="0"/>
+              <a:t>() function.</a:t>
+            </a:r>
+          </a:p>
+          <a:p>
+            <a:r>
+              <a:rPr lang="en-US" dirty="0"/>
+              <a:t>(Go off and disable several features, then show them). </a:t>
+            </a:r>
           </a:p>
         </p:txBody>
       </p:sp>
     </p:spTree>
+    <p:extLst>
+      <p:ext uri="{BB962C8B-B14F-4D97-AF65-F5344CB8AC3E}">
+        <p14:creationId xmlns:p14="http://schemas.microsoft.com/office/powerpoint/2010/main" val="3604816191"/>
+      </p:ext>
+    </p:extLst>
   </p:cSld>
   <p:clrMapOvr>
     <a:masterClrMapping/>
@@ -6173,6 +6189,902 @@
               <a:buNone/>
             </a:pPr>
             <a:endParaRPr dirty="0"/>
+          </a:p>
+        </p:txBody>
+      </p:sp>
+    </p:spTree>
+  </p:cSld>
+  <p:clrMapOvr>
+    <a:masterClrMapping/>
+  </p:clrMapOvr>
+</p:notes>
+</file>
+
+<file path=ppt/notesSlides/notesSlide50.xml><?xml version="1.0" encoding="utf-8"?>
+<p:notes xmlns:a="http://schemas.openxmlformats.org/drawingml/2006/main" xmlns:r="http://schemas.openxmlformats.org/officeDocument/2006/relationships" xmlns:p="http://schemas.openxmlformats.org/presentationml/2006/main">
+  <p:cSld>
+    <p:spTree>
+      <p:nvGrpSpPr>
+        <p:cNvPr id="1" name=""/>
+        <p:cNvGrpSpPr/>
+        <p:nvPr/>
+      </p:nvGrpSpPr>
+      <p:grpSpPr>
+        <a:xfrm>
+          <a:off x="0" y="0"/>
+          <a:ext cx="0" cy="0"/>
+          <a:chOff x="0" y="0"/>
+          <a:chExt cx="0" cy="0"/>
+        </a:xfrm>
+      </p:grpSpPr>
+      <p:sp>
+        <p:nvSpPr>
+          <p:cNvPr id="2" name="Slide Image Placeholder 1"/>
+          <p:cNvSpPr>
+            <a:spLocks noGrp="1" noRot="1" noChangeAspect="1"/>
+          </p:cNvSpPr>
+          <p:nvPr>
+            <p:ph type="sldImg"/>
+          </p:nvPr>
+        </p:nvSpPr>
+        <p:spPr>
+          <a:xfrm>
+            <a:off x="381000" y="685800"/>
+            <a:ext cx="6096000" cy="3429000"/>
+          </a:xfrm>
+        </p:spPr>
+      </p:sp>
+      <p:sp>
+        <p:nvSpPr>
+          <p:cNvPr id="3" name="Notes Placeholder 2"/>
+          <p:cNvSpPr>
+            <a:spLocks noGrp="1"/>
+          </p:cNvSpPr>
+          <p:nvPr>
+            <p:ph type="body" idx="1"/>
+          </p:nvPr>
+        </p:nvSpPr>
+        <p:spPr/>
+        <p:txBody>
+          <a:bodyPr/>
+          <a:lstStyle/>
+          <a:p>
+            <a:r>
+              <a:rPr lang="en-US" dirty="0"/>
+              <a:t>Next, I want to show that all three packages come with lots of stylization options; you should rarely need raw CSS to style these graphics.</a:t>
+            </a:r>
+          </a:p>
+          <a:p>
+            <a:r>
+              <a:rPr lang="en-US" dirty="0"/>
+              <a:t>For example, in DT, we can use the format and style functions to adjust our table’s looks. However, as you’ll see, the system here is really not much different from writing CSS anyhow!</a:t>
+            </a:r>
+          </a:p>
+          <a:p>
+            <a:r>
+              <a:rPr lang="en-US" dirty="0"/>
+              <a:t>(Go off and show them, indicating that the examples are just meant to show you what’s possible.). </a:t>
+            </a:r>
+          </a:p>
+        </p:txBody>
+      </p:sp>
+    </p:spTree>
+    <p:extLst>
+      <p:ext uri="{BB962C8B-B14F-4D97-AF65-F5344CB8AC3E}">
+        <p14:creationId xmlns:p14="http://schemas.microsoft.com/office/powerpoint/2010/main" val="4180126365"/>
+      </p:ext>
+    </p:extLst>
+  </p:cSld>
+  <p:clrMapOvr>
+    <a:masterClrMapping/>
+  </p:clrMapOvr>
+</p:notes>
+</file>
+
+<file path=ppt/notesSlides/notesSlide51.xml><?xml version="1.0" encoding="utf-8"?>
+<p:notes xmlns:a="http://schemas.openxmlformats.org/drawingml/2006/main" xmlns:r="http://schemas.openxmlformats.org/officeDocument/2006/relationships" xmlns:p="http://schemas.openxmlformats.org/presentationml/2006/main">
+  <p:cSld>
+    <p:spTree>
+      <p:nvGrpSpPr>
+        <p:cNvPr id="1" name=""/>
+        <p:cNvGrpSpPr/>
+        <p:nvPr/>
+      </p:nvGrpSpPr>
+      <p:grpSpPr>
+        <a:xfrm>
+          <a:off x="0" y="0"/>
+          <a:ext cx="0" cy="0"/>
+          <a:chOff x="0" y="0"/>
+          <a:chExt cx="0" cy="0"/>
+        </a:xfrm>
+      </p:grpSpPr>
+      <p:sp>
+        <p:nvSpPr>
+          <p:cNvPr id="2" name="Slide Image Placeholder 1"/>
+          <p:cNvSpPr>
+            <a:spLocks noGrp="1" noRot="1" noChangeAspect="1"/>
+          </p:cNvSpPr>
+          <p:nvPr>
+            <p:ph type="sldImg"/>
+          </p:nvPr>
+        </p:nvSpPr>
+        <p:spPr>
+          <a:xfrm>
+            <a:off x="381000" y="685800"/>
+            <a:ext cx="6096000" cy="3429000"/>
+          </a:xfrm>
+        </p:spPr>
+      </p:sp>
+      <p:sp>
+        <p:nvSpPr>
+          <p:cNvPr id="3" name="Notes Placeholder 2"/>
+          <p:cNvSpPr>
+            <a:spLocks noGrp="1"/>
+          </p:cNvSpPr>
+          <p:nvPr>
+            <p:ph type="body" idx="1"/>
+          </p:nvPr>
+        </p:nvSpPr>
+        <p:spPr/>
+        <p:txBody>
+          <a:bodyPr/>
+          <a:lstStyle/>
+          <a:p>
+            <a:r>
+              <a:rPr lang="en-US" dirty="0"/>
+              <a:t>Moving on, let’s consider how we’ve handled events for our table so far. </a:t>
+            </a:r>
+          </a:p>
+          <a:p>
+            <a:r>
+              <a:rPr lang="en-US" dirty="0" err="1"/>
+              <a:t>Til</a:t>
+            </a:r>
+            <a:r>
+              <a:rPr lang="en-US" dirty="0"/>
+              <a:t> now, if our table needed changing, we’ve simply had </a:t>
+            </a:r>
+            <a:r>
+              <a:rPr lang="en-US" dirty="0" err="1"/>
+              <a:t>renderTable</a:t>
+            </a:r>
+            <a:r>
+              <a:rPr lang="en-US" dirty="0"/>
+              <a:t> rebuilt it from scratch.</a:t>
+            </a:r>
+          </a:p>
+          <a:p>
+            <a:r>
+              <a:rPr lang="en-US" dirty="0"/>
+              <a:t>That works, but, if you think about it, it’s inefficient—it requires putting the “building code” in two places. It also looks to the user like a “flickering” or “locking up”, they’ll lose any progress with the old table and, if rebuilding is slow, the user has to wait. </a:t>
+            </a:r>
+          </a:p>
+          <a:p>
+            <a:r>
+              <a:rPr lang="en-US" dirty="0"/>
+              <a:t>It’d be better if, instead, we updated the table! In Shiny, we do that using something called a proxy. This is like a direct phone line btw. the server and the UI that allows the server to tweak a graphic the user can already see </a:t>
+            </a:r>
+            <a:r>
+              <a:rPr lang="en-US" i="1" dirty="0"/>
+              <a:t>without</a:t>
+            </a:r>
+            <a:r>
+              <a:rPr lang="en-US" dirty="0"/>
+              <a:t> commissioning a re-build. </a:t>
+            </a:r>
+          </a:p>
+          <a:p>
+            <a:r>
+              <a:rPr lang="en-US" dirty="0"/>
+              <a:t>Here, whenever the table needs re-sorting, we’ll use DT’s proxy function to establish a “phone call,” and then the function </a:t>
+            </a:r>
+            <a:r>
+              <a:rPr lang="en-US" dirty="0" err="1"/>
+              <a:t>replaceData</a:t>
+            </a:r>
+            <a:r>
+              <a:rPr lang="en-US" dirty="0"/>
+              <a:t> to swap out the old data for the new, touching nothing else.</a:t>
+            </a:r>
+          </a:p>
+          <a:p>
+            <a:r>
+              <a:rPr lang="en-US" dirty="0"/>
+              <a:t>(Go do that). </a:t>
+            </a:r>
+          </a:p>
+          <a:p>
+            <a:r>
+              <a:rPr lang="en-US" dirty="0"/>
+              <a:t>This solution is cleaner, faster, less disruptive, and more code-efficient!</a:t>
+            </a:r>
+          </a:p>
+        </p:txBody>
+      </p:sp>
+    </p:spTree>
+    <p:extLst>
+      <p:ext uri="{BB962C8B-B14F-4D97-AF65-F5344CB8AC3E}">
+        <p14:creationId xmlns:p14="http://schemas.microsoft.com/office/powerpoint/2010/main" val="2359076491"/>
+      </p:ext>
+    </p:extLst>
+  </p:cSld>
+  <p:clrMapOvr>
+    <a:masterClrMapping/>
+  </p:clrMapOvr>
+</p:notes>
+</file>
+
+<file path=ppt/notesSlides/notesSlide52.xml><?xml version="1.0" encoding="utf-8"?>
+<p:notes xmlns:a="http://schemas.openxmlformats.org/drawingml/2006/main" xmlns:r="http://schemas.openxmlformats.org/officeDocument/2006/relationships" xmlns:p="http://schemas.openxmlformats.org/presentationml/2006/main">
+  <p:cSld>
+    <p:spTree>
+      <p:nvGrpSpPr>
+        <p:cNvPr id="1" name=""/>
+        <p:cNvGrpSpPr/>
+        <p:nvPr/>
+      </p:nvGrpSpPr>
+      <p:grpSpPr>
+        <a:xfrm>
+          <a:off x="0" y="0"/>
+          <a:ext cx="0" cy="0"/>
+          <a:chOff x="0" y="0"/>
+          <a:chExt cx="0" cy="0"/>
+        </a:xfrm>
+      </p:grpSpPr>
+      <p:sp>
+        <p:nvSpPr>
+          <p:cNvPr id="2" name="Slide Image Placeholder 1"/>
+          <p:cNvSpPr>
+            <a:spLocks noGrp="1" noRot="1" noChangeAspect="1"/>
+          </p:cNvSpPr>
+          <p:nvPr>
+            <p:ph type="sldImg"/>
+          </p:nvPr>
+        </p:nvSpPr>
+        <p:spPr>
+          <a:xfrm>
+            <a:off x="381000" y="685800"/>
+            <a:ext cx="6096000" cy="3429000"/>
+          </a:xfrm>
+        </p:spPr>
+      </p:sp>
+      <p:sp>
+        <p:nvSpPr>
+          <p:cNvPr id="3" name="Notes Placeholder 2"/>
+          <p:cNvSpPr>
+            <a:spLocks noGrp="1"/>
+          </p:cNvSpPr>
+          <p:nvPr>
+            <p:ph type="body" idx="1"/>
+          </p:nvPr>
+        </p:nvSpPr>
+        <p:spPr/>
+        <p:txBody>
+          <a:bodyPr/>
+          <a:lstStyle/>
+          <a:p>
+            <a:r>
+              <a:rPr lang="en-US" dirty="0"/>
+              <a:t>The last thing I want to show you about DT tables is that they aren’t just powerful and pretty—they’re also widgets. </a:t>
+            </a:r>
+          </a:p>
+          <a:p>
+            <a:r>
+              <a:rPr lang="en-US" dirty="0"/>
+              <a:t>That is, the app can gather data on user interactions with them and use those to trigger events, passing that event data to the server for a response via the input object.</a:t>
+            </a:r>
+          </a:p>
+          <a:p>
+            <a:r>
+              <a:rPr lang="en-US" dirty="0"/>
+              <a:t>For example, I said earlier that selection doesn’t do anything by default, but it could. If we enable selection of individual cells, we can get the row and column numbers of the selected cell via input$[our table’s </a:t>
+            </a:r>
+            <a:r>
+              <a:rPr lang="en-US" dirty="0" err="1"/>
+              <a:t>outputId</a:t>
+            </a:r>
+            <a:r>
+              <a:rPr lang="en-US" dirty="0"/>
+              <a:t>]_</a:t>
+            </a:r>
+            <a:r>
+              <a:rPr lang="en-US" dirty="0" err="1"/>
+              <a:t>cells_selected</a:t>
+            </a:r>
+            <a:r>
+              <a:rPr lang="en-US" dirty="0"/>
+              <a:t>.</a:t>
+            </a:r>
+          </a:p>
+          <a:p>
+            <a:r>
+              <a:rPr lang="en-US" dirty="0"/>
+              <a:t>(Go show them this—first, turn on cell selection, then build new observer to watch for it. Use print to show them the value of the object as it changes.)</a:t>
+            </a:r>
+          </a:p>
+          <a:p>
+            <a:r>
+              <a:rPr lang="en-US" dirty="0"/>
+              <a:t>Now, this just shows that we can access these data server-side. Events are being triggered! But we’re not really handling them yet—I won’t show you an example of doing that here today, but I do in the online curriculum. I use these clicks to procedurally generate some text to show the user, and I also show all the problems that doing so can cause! So check that out.</a:t>
+            </a:r>
+          </a:p>
+          <a:p>
+            <a:endParaRPr lang="en-US" dirty="0"/>
+          </a:p>
+        </p:txBody>
+      </p:sp>
+    </p:spTree>
+    <p:extLst>
+      <p:ext uri="{BB962C8B-B14F-4D97-AF65-F5344CB8AC3E}">
+        <p14:creationId xmlns:p14="http://schemas.microsoft.com/office/powerpoint/2010/main" val="2383516176"/>
+      </p:ext>
+    </p:extLst>
+  </p:cSld>
+  <p:clrMapOvr>
+    <a:masterClrMapping/>
+  </p:clrMapOvr>
+</p:notes>
+</file>
+
+<file path=ppt/notesSlides/notesSlide53.xml><?xml version="1.0" encoding="utf-8"?>
+<p:notes xmlns:a="http://schemas.openxmlformats.org/drawingml/2006/main" xmlns:r="http://schemas.openxmlformats.org/officeDocument/2006/relationships" xmlns:p="http://schemas.openxmlformats.org/presentationml/2006/main">
+  <p:cSld>
+    <p:spTree>
+      <p:nvGrpSpPr>
+        <p:cNvPr id="1" name=""/>
+        <p:cNvGrpSpPr/>
+        <p:nvPr/>
+      </p:nvGrpSpPr>
+      <p:grpSpPr>
+        <a:xfrm>
+          <a:off x="0" y="0"/>
+          <a:ext cx="0" cy="0"/>
+          <a:chOff x="0" y="0"/>
+          <a:chExt cx="0" cy="0"/>
+        </a:xfrm>
+      </p:grpSpPr>
+      <p:sp>
+        <p:nvSpPr>
+          <p:cNvPr id="2" name="Slide Image Placeholder 1"/>
+          <p:cNvSpPr>
+            <a:spLocks noGrp="1" noRot="1" noChangeAspect="1"/>
+          </p:cNvSpPr>
+          <p:nvPr>
+            <p:ph type="sldImg"/>
+          </p:nvPr>
+        </p:nvSpPr>
+        <p:spPr>
+          <a:xfrm>
+            <a:off x="381000" y="685800"/>
+            <a:ext cx="6096000" cy="3429000"/>
+          </a:xfrm>
+        </p:spPr>
+      </p:sp>
+      <p:sp>
+        <p:nvSpPr>
+          <p:cNvPr id="3" name="Notes Placeholder 2"/>
+          <p:cNvSpPr>
+            <a:spLocks noGrp="1"/>
+          </p:cNvSpPr>
+          <p:nvPr>
+            <p:ph type="body" idx="1"/>
+          </p:nvPr>
+        </p:nvSpPr>
+        <p:spPr/>
+        <p:txBody>
+          <a:bodyPr/>
+          <a:lstStyle/>
+          <a:p>
+            <a:r>
+              <a:rPr lang="en-US" dirty="0"/>
+              <a:t>We’ll now turn our attentions to leaflet, a JS and now R package for making web-enabled, interactive maps for featuring spatial data, like </a:t>
+            </a:r>
+            <a:r>
+              <a:rPr lang="en-US" dirty="0" err="1"/>
+              <a:t>lat</a:t>
+            </a:r>
+            <a:r>
+              <a:rPr lang="en-US" dirty="0"/>
+              <a:t>-long data. </a:t>
+            </a:r>
+          </a:p>
+          <a:p>
+            <a:r>
+              <a:rPr lang="en-US" dirty="0"/>
+              <a:t>This means we’ll need some spatial data to work with! I’ve done the hard work of scraping together a version of the </a:t>
+            </a:r>
+            <a:r>
+              <a:rPr lang="en-US" dirty="0" err="1"/>
+              <a:t>gapminder</a:t>
+            </a:r>
+            <a:r>
+              <a:rPr lang="en-US" dirty="0"/>
+              <a:t> data set with spatial data attached to it already—you just need to download it…Here is a Z-link you can use to access that data set if you did not download it during setup.</a:t>
+            </a:r>
+          </a:p>
+          <a:p>
+            <a:r>
+              <a:rPr lang="en-US" dirty="0"/>
+              <a:t>Make sure to move it into your R Project folder, then add it to your </a:t>
+            </a:r>
+            <a:r>
+              <a:rPr lang="en-US" dirty="0" err="1"/>
+              <a:t>global.R</a:t>
+            </a:r>
+            <a:r>
+              <a:rPr lang="en-US" dirty="0"/>
+              <a:t> file. (Show them).</a:t>
+            </a:r>
+          </a:p>
+          <a:p>
+            <a:r>
+              <a:rPr lang="en-US" dirty="0"/>
+              <a:t>Not that I will be assuming you have a </a:t>
+            </a:r>
+            <a:r>
+              <a:rPr lang="en-US" dirty="0" err="1"/>
+              <a:t>gap_map</a:t>
+            </a:r>
+            <a:r>
+              <a:rPr lang="en-US" dirty="0"/>
+              <a:t> object from here on out! So make sure you do this.</a:t>
+            </a:r>
+          </a:p>
+          <a:p>
+            <a:r>
+              <a:rPr lang="en-US" dirty="0"/>
+              <a:t>In this unit, we’ll hit all the same aspects that we just hit with DT, so the specifics will change, obviously, but the concepts will be the same, so you’ll get to practice what you just learned!</a:t>
+            </a:r>
+          </a:p>
+          <a:p>
+            <a:endParaRPr lang="en-US" dirty="0"/>
+          </a:p>
+        </p:txBody>
+      </p:sp>
+    </p:spTree>
+    <p:extLst>
+      <p:ext uri="{BB962C8B-B14F-4D97-AF65-F5344CB8AC3E}">
+        <p14:creationId xmlns:p14="http://schemas.microsoft.com/office/powerpoint/2010/main" val="1057873606"/>
+      </p:ext>
+    </p:extLst>
+  </p:cSld>
+  <p:clrMapOvr>
+    <a:masterClrMapping/>
+  </p:clrMapOvr>
+</p:notes>
+</file>
+
+<file path=ppt/notesSlides/notesSlide54.xml><?xml version="1.0" encoding="utf-8"?>
+<p:notes xmlns:a="http://schemas.openxmlformats.org/drawingml/2006/main" xmlns:r="http://schemas.openxmlformats.org/officeDocument/2006/relationships" xmlns:p="http://schemas.openxmlformats.org/presentationml/2006/main">
+  <p:cSld>
+    <p:spTree>
+      <p:nvGrpSpPr>
+        <p:cNvPr id="1" name=""/>
+        <p:cNvGrpSpPr/>
+        <p:nvPr/>
+      </p:nvGrpSpPr>
+      <p:grpSpPr>
+        <a:xfrm>
+          <a:off x="0" y="0"/>
+          <a:ext cx="0" cy="0"/>
+          <a:chOff x="0" y="0"/>
+          <a:chExt cx="0" cy="0"/>
+        </a:xfrm>
+      </p:grpSpPr>
+      <p:sp>
+        <p:nvSpPr>
+          <p:cNvPr id="2" name="Slide Image Placeholder 1"/>
+          <p:cNvSpPr>
+            <a:spLocks noGrp="1" noRot="1" noChangeAspect="1"/>
+          </p:cNvSpPr>
+          <p:nvPr>
+            <p:ph type="sldImg"/>
+          </p:nvPr>
+        </p:nvSpPr>
+        <p:spPr>
+          <a:xfrm>
+            <a:off x="381000" y="685800"/>
+            <a:ext cx="6096000" cy="3429000"/>
+          </a:xfrm>
+        </p:spPr>
+      </p:sp>
+      <p:sp>
+        <p:nvSpPr>
+          <p:cNvPr id="3" name="Notes Placeholder 2"/>
+          <p:cNvSpPr>
+            <a:spLocks noGrp="1"/>
+          </p:cNvSpPr>
+          <p:nvPr>
+            <p:ph type="body" idx="1"/>
+          </p:nvPr>
+        </p:nvSpPr>
+        <p:spPr/>
+        <p:txBody>
+          <a:bodyPr/>
+          <a:lstStyle/>
+          <a:p>
+            <a:r>
+              <a:rPr lang="en-US" dirty="0"/>
+              <a:t>Let’s start by making a basic map in which we draw colored outlines around all the countries in our data set.</a:t>
+            </a:r>
+          </a:p>
+          <a:p>
+            <a:r>
+              <a:rPr lang="en-US" dirty="0"/>
+              <a:t>Every leaflet map is built from at least three components. </a:t>
+            </a:r>
+          </a:p>
+          <a:p>
+            <a:r>
+              <a:rPr lang="en-US" dirty="0"/>
+              <a:t>The first is a call to leaflet(). This is like </a:t>
+            </a:r>
+            <a:r>
+              <a:rPr lang="en-US" dirty="0" err="1"/>
+              <a:t>ggplot</a:t>
+            </a:r>
+            <a:r>
+              <a:rPr lang="en-US" dirty="0"/>
+              <a:t>() from ggplot2—it sets stuff up and you can set global options there.</a:t>
+            </a:r>
+          </a:p>
+          <a:p>
+            <a:r>
+              <a:rPr lang="en-US" dirty="0"/>
+              <a:t>Next is addTiles(). This adds a tile, or background image, to the map. You know, the thing that shows rivers and borders and roads and stuff!</a:t>
+            </a:r>
+          </a:p>
+          <a:p>
+            <a:r>
+              <a:rPr lang="en-US" dirty="0"/>
+              <a:t>Lastly, some kind of add function adds our spatial data. Since we have polygonal data (country borders), we’ll use </a:t>
+            </a:r>
+            <a:r>
+              <a:rPr lang="en-US" dirty="0" err="1"/>
+              <a:t>addPolygons</a:t>
+            </a:r>
+            <a:r>
+              <a:rPr lang="en-US" dirty="0"/>
+              <a:t> for this.</a:t>
+            </a:r>
+          </a:p>
+          <a:p>
+            <a:r>
+              <a:rPr lang="en-US" dirty="0"/>
+              <a:t>(Go do all that, and show them how to pan and zoom).</a:t>
+            </a:r>
+          </a:p>
+          <a:p>
+            <a:r>
+              <a:rPr lang="en-US" dirty="0"/>
+              <a:t>We just saw that both panning and zooming, when overused, can be disorienting! You can get lost. So, the top two features of a leaflet map you’ll want to adjust is these—let’s set min and max zoom levels and also set bounds users can’t pan beyond. </a:t>
+            </a:r>
+          </a:p>
+        </p:txBody>
+      </p:sp>
+    </p:spTree>
+    <p:extLst>
+      <p:ext uri="{BB962C8B-B14F-4D97-AF65-F5344CB8AC3E}">
+        <p14:creationId xmlns:p14="http://schemas.microsoft.com/office/powerpoint/2010/main" val="2650806501"/>
+      </p:ext>
+    </p:extLst>
+  </p:cSld>
+  <p:clrMapOvr>
+    <a:masterClrMapping/>
+  </p:clrMapOvr>
+</p:notes>
+</file>
+
+<file path=ppt/notesSlides/notesSlide55.xml><?xml version="1.0" encoding="utf-8"?>
+<p:notes xmlns:a="http://schemas.openxmlformats.org/drawingml/2006/main" xmlns:r="http://schemas.openxmlformats.org/officeDocument/2006/relationships" xmlns:p="http://schemas.openxmlformats.org/presentationml/2006/main">
+  <p:cSld>
+    <p:spTree>
+      <p:nvGrpSpPr>
+        <p:cNvPr id="1" name=""/>
+        <p:cNvGrpSpPr/>
+        <p:nvPr/>
+      </p:nvGrpSpPr>
+      <p:grpSpPr>
+        <a:xfrm>
+          <a:off x="0" y="0"/>
+          <a:ext cx="0" cy="0"/>
+          <a:chOff x="0" y="0"/>
+          <a:chExt cx="0" cy="0"/>
+        </a:xfrm>
+      </p:grpSpPr>
+      <p:sp>
+        <p:nvSpPr>
+          <p:cNvPr id="2" name="Slide Image Placeholder 1"/>
+          <p:cNvSpPr>
+            <a:spLocks noGrp="1" noRot="1" noChangeAspect="1"/>
+          </p:cNvSpPr>
+          <p:nvPr>
+            <p:ph type="sldImg"/>
+          </p:nvPr>
+        </p:nvSpPr>
+        <p:spPr>
+          <a:xfrm>
+            <a:off x="381000" y="685800"/>
+            <a:ext cx="6096000" cy="3429000"/>
+          </a:xfrm>
+        </p:spPr>
+      </p:sp>
+      <p:sp>
+        <p:nvSpPr>
+          <p:cNvPr id="3" name="Notes Placeholder 2"/>
+          <p:cNvSpPr>
+            <a:spLocks noGrp="1"/>
+          </p:cNvSpPr>
+          <p:nvPr>
+            <p:ph type="body" idx="1"/>
+          </p:nvPr>
+        </p:nvSpPr>
+        <p:spPr/>
+        <p:txBody>
+          <a:bodyPr/>
+          <a:lstStyle/>
+          <a:p>
+            <a:r>
+              <a:rPr lang="en-US" dirty="0"/>
+              <a:t>Now, you’ll note our map is a little visually messy right now. That’s because the default strokes, or outlines, are messy. However, by adjusting just a few parameters, we can vastly improve that. (Go do that).</a:t>
+            </a:r>
+          </a:p>
+          <a:p>
+            <a:r>
+              <a:rPr lang="en-US" dirty="0"/>
+              <a:t>This map is prettier! But, it isn’t very useful—it doesn’t actually show any data yet, and all countries look the same.</a:t>
+            </a:r>
+          </a:p>
+          <a:p>
+            <a:r>
+              <a:rPr lang="en-US" dirty="0"/>
+              <a:t>Let’s change that! Let’s have the map show 2007 life expectancy data from every country, using different fill colors for different values.</a:t>
+            </a:r>
+          </a:p>
+          <a:p>
+            <a:r>
+              <a:rPr lang="en-US" dirty="0"/>
+              <a:t>This’ll be a two-step process. The first step is to build a color palette function that leaflet can use to figure out which colors go with which values. (Go and make that). </a:t>
+            </a:r>
+          </a:p>
+          <a:p>
+            <a:r>
+              <a:rPr lang="en-US" dirty="0"/>
+              <a:t>The second step is providing that color palette function plus the data to leaflet (go do that). </a:t>
+            </a:r>
+          </a:p>
+          <a:p>
+            <a:r>
+              <a:rPr lang="en-US" dirty="0"/>
+              <a:t>This is already a very neat map, but still hard to read because there’s no legend, right? What colors go with what values? We can add one using </a:t>
+            </a:r>
+            <a:r>
+              <a:rPr lang="en-US" dirty="0" err="1"/>
+              <a:t>addLegend</a:t>
+            </a:r>
+            <a:r>
+              <a:rPr lang="en-US" dirty="0"/>
+              <a:t> (go do that).</a:t>
+            </a:r>
+          </a:p>
+          <a:p>
+            <a:r>
+              <a:rPr lang="en-US" dirty="0"/>
+              <a:t>This map is pretty snazzy now, and info rich! But could it be even richer? What if our users don’t know geography and want to know which country is which, or what the exact life expectancy value was? We can display this info using popups or tooltips that appear on click or hover, respectively (Go add these).</a:t>
+            </a:r>
+          </a:p>
+        </p:txBody>
+      </p:sp>
+    </p:spTree>
+    <p:extLst>
+      <p:ext uri="{BB962C8B-B14F-4D97-AF65-F5344CB8AC3E}">
+        <p14:creationId xmlns:p14="http://schemas.microsoft.com/office/powerpoint/2010/main" val="3304714359"/>
+      </p:ext>
+    </p:extLst>
+  </p:cSld>
+  <p:clrMapOvr>
+    <a:masterClrMapping/>
+  </p:clrMapOvr>
+</p:notes>
+</file>
+
+<file path=ppt/notesSlides/notesSlide56.xml><?xml version="1.0" encoding="utf-8"?>
+<p:notes xmlns:a="http://schemas.openxmlformats.org/drawingml/2006/main" xmlns:r="http://schemas.openxmlformats.org/officeDocument/2006/relationships" xmlns:p="http://schemas.openxmlformats.org/presentationml/2006/main" showMasterSp="0" showMasterPhAnim="0">
+  <p:cSld>
+    <p:spTree>
+      <p:nvGrpSpPr>
+        <p:cNvPr id="1" name="Shape 89"/>
+        <p:cNvGrpSpPr/>
+        <p:nvPr/>
+      </p:nvGrpSpPr>
+      <p:grpSpPr>
+        <a:xfrm>
+          <a:off x="0" y="0"/>
+          <a:ext cx="0" cy="0"/>
+          <a:chOff x="0" y="0"/>
+          <a:chExt cx="0" cy="0"/>
+        </a:xfrm>
+      </p:grpSpPr>
+      <p:sp>
+        <p:nvSpPr>
+          <p:cNvPr id="90" name="Google Shape;90;g9bf89401d4_0_35:notes"/>
+          <p:cNvSpPr>
+            <a:spLocks noGrp="1" noRot="1" noChangeAspect="1"/>
+          </p:cNvSpPr>
+          <p:nvPr>
+            <p:ph type="sldImg" idx="2"/>
+          </p:nvPr>
+        </p:nvSpPr>
+        <p:spPr>
+          <a:xfrm>
+            <a:off x="381300" y="685800"/>
+            <a:ext cx="6096000" cy="3429000"/>
+          </a:xfrm>
+          <a:custGeom>
+            <a:avLst/>
+            <a:gdLst/>
+            <a:ahLst/>
+            <a:cxnLst/>
+            <a:rect l="l" t="t" r="r" b="b"/>
+            <a:pathLst>
+              <a:path w="120000" h="120000" extrusionOk="0">
+                <a:moveTo>
+                  <a:pt x="0" y="0"/>
+                </a:moveTo>
+                <a:lnTo>
+                  <a:pt x="120000" y="0"/>
+                </a:lnTo>
+                <a:lnTo>
+                  <a:pt x="120000" y="120000"/>
+                </a:lnTo>
+                <a:lnTo>
+                  <a:pt x="0" y="120000"/>
+                </a:lnTo>
+                <a:close/>
+              </a:path>
+            </a:pathLst>
+          </a:custGeom>
+        </p:spPr>
+      </p:sp>
+      <p:sp>
+        <p:nvSpPr>
+          <p:cNvPr id="91" name="Google Shape;91;g9bf89401d4_0_35:notes"/>
+          <p:cNvSpPr txBox="1">
+            <a:spLocks noGrp="1"/>
+          </p:cNvSpPr>
+          <p:nvPr>
+            <p:ph type="body" idx="1"/>
+          </p:nvPr>
+        </p:nvSpPr>
+        <p:spPr>
+          <a:xfrm>
+            <a:off x="685800" y="4343400"/>
+            <a:ext cx="5486400" cy="4114800"/>
+          </a:xfrm>
+          <a:prstGeom prst="rect">
+            <a:avLst/>
+          </a:prstGeom>
+        </p:spPr>
+        <p:txBody>
+          <a:bodyPr spcFirstLastPara="1" wrap="square" lIns="91425" tIns="91425" rIns="91425" bIns="91425" anchor="t" anchorCtr="0">
+            <a:noAutofit/>
+          </a:bodyPr>
+          <a:lstStyle/>
+          <a:p>
+            <a:pPr marL="0" lvl="0" indent="0" algn="l" rtl="0">
+              <a:spcBef>
+                <a:spcPts val="0"/>
+              </a:spcBef>
+              <a:spcAft>
+                <a:spcPts val="0"/>
+              </a:spcAft>
+              <a:buNone/>
+            </a:pPr>
+            <a:endParaRPr/>
+          </a:p>
+        </p:txBody>
+      </p:sp>
+    </p:spTree>
+  </p:cSld>
+  <p:clrMapOvr>
+    <a:masterClrMapping/>
+  </p:clrMapOvr>
+</p:notes>
+</file>
+
+<file path=ppt/notesSlides/notesSlide57.xml><?xml version="1.0" encoding="utf-8"?>
+<p:notes xmlns:a="http://schemas.openxmlformats.org/drawingml/2006/main" xmlns:r="http://schemas.openxmlformats.org/officeDocument/2006/relationships" xmlns:p="http://schemas.openxmlformats.org/presentationml/2006/main" showMasterSp="0" showMasterPhAnim="0">
+  <p:cSld>
+    <p:spTree>
+      <p:nvGrpSpPr>
+        <p:cNvPr id="1" name="Shape 95"/>
+        <p:cNvGrpSpPr/>
+        <p:nvPr/>
+      </p:nvGrpSpPr>
+      <p:grpSpPr>
+        <a:xfrm>
+          <a:off x="0" y="0"/>
+          <a:ext cx="0" cy="0"/>
+          <a:chOff x="0" y="0"/>
+          <a:chExt cx="0" cy="0"/>
+        </a:xfrm>
+      </p:grpSpPr>
+      <p:sp>
+        <p:nvSpPr>
+          <p:cNvPr id="96" name="Google Shape;96;g279eb764eb5_0_92:notes"/>
+          <p:cNvSpPr>
+            <a:spLocks noGrp="1" noRot="1" noChangeAspect="1"/>
+          </p:cNvSpPr>
+          <p:nvPr>
+            <p:ph type="sldImg" idx="2"/>
+          </p:nvPr>
+        </p:nvSpPr>
+        <p:spPr>
+          <a:xfrm>
+            <a:off x="381300" y="685800"/>
+            <a:ext cx="6096000" cy="3429000"/>
+          </a:xfrm>
+          <a:custGeom>
+            <a:avLst/>
+            <a:gdLst/>
+            <a:ahLst/>
+            <a:cxnLst/>
+            <a:rect l="l" t="t" r="r" b="b"/>
+            <a:pathLst>
+              <a:path w="120000" h="120000" extrusionOk="0">
+                <a:moveTo>
+                  <a:pt x="0" y="0"/>
+                </a:moveTo>
+                <a:lnTo>
+                  <a:pt x="120000" y="0"/>
+                </a:lnTo>
+                <a:lnTo>
+                  <a:pt x="120000" y="120000"/>
+                </a:lnTo>
+                <a:lnTo>
+                  <a:pt x="0" y="120000"/>
+                </a:lnTo>
+                <a:close/>
+              </a:path>
+            </a:pathLst>
+          </a:custGeom>
+        </p:spPr>
+      </p:sp>
+      <p:sp>
+        <p:nvSpPr>
+          <p:cNvPr id="97" name="Google Shape;97;g279eb764eb5_0_92:notes"/>
+          <p:cNvSpPr txBox="1">
+            <a:spLocks noGrp="1"/>
+          </p:cNvSpPr>
+          <p:nvPr>
+            <p:ph type="body" idx="1"/>
+          </p:nvPr>
+        </p:nvSpPr>
+        <p:spPr>
+          <a:xfrm>
+            <a:off x="685800" y="4343400"/>
+            <a:ext cx="5486400" cy="4114800"/>
+          </a:xfrm>
+          <a:prstGeom prst="rect">
+            <a:avLst/>
+          </a:prstGeom>
+        </p:spPr>
+        <p:txBody>
+          <a:bodyPr spcFirstLastPara="1" wrap="square" lIns="91425" tIns="91425" rIns="91425" bIns="91425" anchor="t" anchorCtr="0">
+            <a:noAutofit/>
+          </a:bodyPr>
+          <a:lstStyle/>
+          <a:p>
+            <a:pPr marL="0" lvl="0" indent="0" algn="l" rtl="0">
+              <a:spcBef>
+                <a:spcPts val="0"/>
+              </a:spcBef>
+              <a:spcAft>
+                <a:spcPts val="0"/>
+              </a:spcAft>
+              <a:buNone/>
+            </a:pPr>
+            <a:endParaRPr/>
           </a:p>
         </p:txBody>
       </p:sp>
@@ -38881,7 +39793,7 @@
   <p:cSld>
     <p:spTree>
       <p:nvGrpSpPr>
-        <p:cNvPr id="1" name="Shape 92"/>
+        <p:cNvPr id="1" name=""/>
         <p:cNvGrpSpPr/>
         <p:nvPr/>
       </p:nvGrpSpPr>
@@ -38895,219 +39807,398 @@
       </p:grpSpPr>
       <p:sp>
         <p:nvSpPr>
-          <p:cNvPr id="93" name="Google Shape;93;p18"/>
-          <p:cNvSpPr txBox="1">
+          <p:cNvPr id="2" name="Title 1">
+            <a:extLst>
+              <a:ext uri="{FF2B5EF4-FFF2-40B4-BE49-F238E27FC236}">
+                <a16:creationId xmlns:a16="http://schemas.microsoft.com/office/drawing/2014/main" id="{7766821D-FC5D-A3E8-AE88-21BC2E84C0B8}"/>
+              </a:ext>
+            </a:extLst>
+          </p:cNvPr>
+          <p:cNvSpPr>
             <a:spLocks noGrp="1"/>
           </p:cNvSpPr>
           <p:nvPr>
             <p:ph type="title"/>
           </p:nvPr>
         </p:nvSpPr>
-        <p:spPr>
-          <a:xfrm>
-            <a:off x="311700" y="445025"/>
-            <a:ext cx="8520600" cy="623400"/>
-          </a:xfrm>
-          <a:prstGeom prst="rect">
-            <a:avLst/>
-          </a:prstGeom>
-        </p:spPr>
+        <p:spPr/>
         <p:txBody>
-          <a:bodyPr spcFirstLastPara="1" wrap="square" lIns="91425" tIns="91425" rIns="91425" bIns="91425" anchor="t" anchorCtr="0">
-            <a:noAutofit/>
-          </a:bodyPr>
+          <a:bodyPr/>
           <a:lstStyle/>
           <a:p>
-            <a:pPr marL="0" lvl="0" indent="0" algn="l" rtl="0">
-              <a:spcBef>
-                <a:spcPts val="0"/>
-              </a:spcBef>
-              <a:spcAft>
-                <a:spcPts val="0"/>
-              </a:spcAft>
-              <a:buNone/>
-            </a:pPr>
-            <a:r>
-              <a:rPr lang="en"/>
-              <a:t>More resources for help</a:t>
-            </a:r>
-            <a:endParaRPr/>
+            <a:r>
+              <a:rPr lang="en-US" dirty="0"/>
+              <a:t>Turning the tables</a:t>
+            </a:r>
           </a:p>
         </p:txBody>
       </p:sp>
       <p:sp>
         <p:nvSpPr>
-          <p:cNvPr id="94" name="Google Shape;94;p18"/>
-          <p:cNvSpPr txBox="1">
+          <p:cNvPr id="3" name="Text Placeholder 2">
+            <a:extLst>
+              <a:ext uri="{FF2B5EF4-FFF2-40B4-BE49-F238E27FC236}">
+                <a16:creationId xmlns:a16="http://schemas.microsoft.com/office/drawing/2014/main" id="{6152BB79-AB88-A1EE-7B96-40AFA536C515}"/>
+              </a:ext>
+            </a:extLst>
+          </p:cNvPr>
+          <p:cNvSpPr>
             <a:spLocks noGrp="1"/>
           </p:cNvSpPr>
           <p:nvPr>
             <p:ph type="body" idx="1"/>
           </p:nvPr>
         </p:nvSpPr>
-        <p:spPr>
-          <a:xfrm>
-            <a:off x="311700" y="1152475"/>
-            <a:ext cx="8520600" cy="3416400"/>
-          </a:xfrm>
-          <a:prstGeom prst="rect">
-            <a:avLst/>
-          </a:prstGeom>
-        </p:spPr>
+        <p:spPr/>
         <p:txBody>
-          <a:bodyPr spcFirstLastPara="1" wrap="square" lIns="91425" tIns="91425" rIns="91425" bIns="91425" anchor="t" anchorCtr="0">
-            <a:noAutofit/>
-          </a:bodyPr>
+          <a:bodyPr/>
           <a:lstStyle/>
           <a:p>
-            <a:pPr marL="457200" lvl="0" indent="-381000" algn="l" rtl="0">
-              <a:spcBef>
-                <a:spcPts val="0"/>
-              </a:spcBef>
-              <a:spcAft>
-                <a:spcPts val="0"/>
-              </a:spcAft>
-              <a:buSzPts val="2400"/>
-              <a:buChar char="●"/>
-            </a:pPr>
-            <a:r>
-              <a:rPr lang="en"/>
-              <a:t>Related workshops at UMN: </a:t>
-            </a:r>
-            <a:r>
-              <a:rPr lang="en" u="sng">
-                <a:solidFill>
-                  <a:schemeClr val="hlink"/>
-                </a:solidFill>
-                <a:hlinkClick r:id="rId3"/>
-              </a:rPr>
-              <a:t>https://workshops.umn.edu/</a:t>
-            </a:r>
-            <a:endParaRPr/>
-          </a:p>
-          <a:p>
-            <a:pPr marL="457200" lvl="0" indent="-381000" algn="l" rtl="0">
-              <a:spcBef>
-                <a:spcPts val="0"/>
-              </a:spcBef>
-              <a:spcAft>
-                <a:spcPts val="0"/>
-              </a:spcAft>
-              <a:buSzPts val="2400"/>
-              <a:buChar char="●"/>
-            </a:pPr>
-            <a:r>
-              <a:rPr lang="en"/>
-              <a:t>LATIS: </a:t>
-            </a:r>
-            <a:r>
-              <a:rPr lang="en" u="sng">
-                <a:solidFill>
-                  <a:schemeClr val="hlink"/>
-                </a:solidFill>
-                <a:hlinkClick r:id="rId3"/>
-              </a:rPr>
-              <a:t>https://latisresearch.umn.edu/</a:t>
-            </a:r>
-            <a:endParaRPr/>
-          </a:p>
-          <a:p>
-            <a:pPr marL="457200" lvl="0" indent="-381000" algn="l" rtl="0">
-              <a:spcBef>
-                <a:spcPts val="0"/>
-              </a:spcBef>
-              <a:spcAft>
-                <a:spcPts val="0"/>
-              </a:spcAft>
-              <a:buSzPts val="2400"/>
-              <a:buChar char="●"/>
-            </a:pPr>
-            <a:r>
-              <a:rPr lang="en"/>
-              <a:t>Minnesota Supercomputing Institute: </a:t>
-            </a:r>
-            <a:r>
-              <a:rPr lang="en" u="sng">
-                <a:solidFill>
-                  <a:schemeClr val="hlink"/>
-                </a:solidFill>
-                <a:hlinkClick r:id="rId3"/>
-              </a:rPr>
-              <a:t>https://www.msi.umn.edu</a:t>
-            </a:r>
-            <a:endParaRPr/>
-          </a:p>
-          <a:p>
-            <a:pPr marL="457200" lvl="0" indent="-381000" algn="l" rtl="0">
-              <a:spcBef>
-                <a:spcPts val="0"/>
-              </a:spcBef>
-              <a:spcAft>
-                <a:spcPts val="0"/>
-              </a:spcAft>
-              <a:buSzPts val="2400"/>
-              <a:buChar char="●"/>
-            </a:pPr>
-            <a:r>
-              <a:rPr lang="en"/>
-              <a:t>Data Science Initiative: </a:t>
-            </a:r>
-            <a:r>
-              <a:rPr lang="en" u="sng">
-                <a:solidFill>
-                  <a:schemeClr val="hlink"/>
-                </a:solidFill>
-                <a:hlinkClick r:id="rId4"/>
-              </a:rPr>
-              <a:t>https://dsi.umn.edu/</a:t>
-            </a:r>
-            <a:endParaRPr/>
-          </a:p>
-          <a:p>
-            <a:pPr marL="457200" lvl="0" indent="-381000" algn="l" rtl="0">
-              <a:spcBef>
-                <a:spcPts val="0"/>
-              </a:spcBef>
-              <a:spcAft>
-                <a:spcPts val="0"/>
-              </a:spcAft>
-              <a:buSzPts val="2400"/>
-              <a:buChar char="●"/>
-            </a:pPr>
-            <a:r>
-              <a:rPr lang="en"/>
-              <a:t>U-Spatial: </a:t>
-            </a:r>
-            <a:r>
-              <a:rPr lang="en" u="sng">
-                <a:solidFill>
-                  <a:schemeClr val="hlink"/>
-                </a:solidFill>
-                <a:hlinkClick r:id="rId3"/>
-              </a:rPr>
-              <a:t>https://research.umn.edu/units/uspatial</a:t>
-            </a:r>
-            <a:endParaRPr/>
-          </a:p>
-          <a:p>
-            <a:pPr marL="0" lvl="0" indent="0" algn="l" rtl="0">
-              <a:spcBef>
-                <a:spcPts val="1600"/>
-              </a:spcBef>
-              <a:spcAft>
-                <a:spcPts val="1600"/>
-              </a:spcAft>
-              <a:buNone/>
-            </a:pPr>
-            <a:endParaRPr/>
+            <a:r>
+              <a:rPr lang="en-US" dirty="0"/>
+              <a:t>Let’s start with </a:t>
+            </a:r>
+            <a:r>
+              <a:rPr lang="en-US" i="1" dirty="0"/>
+              <a:t>DT</a:t>
+            </a:r>
+            <a:r>
+              <a:rPr lang="en-US" dirty="0"/>
+              <a:t>, the JS (and now R) package for building interactive, web-enabled </a:t>
+            </a:r>
+            <a:r>
+              <a:rPr lang="en-US" b="1" dirty="0"/>
+              <a:t>tables</a:t>
+            </a:r>
+            <a:r>
+              <a:rPr lang="en-US" dirty="0"/>
+              <a:t>. </a:t>
+            </a:r>
+          </a:p>
+          <a:p>
+            <a:r>
+              <a:rPr lang="en-US" dirty="0"/>
+              <a:t>It’s most like things we’ve already seen, and it’ll allow us to swap out our current table for a cooler one. </a:t>
+            </a:r>
+          </a:p>
+          <a:p>
+            <a:r>
+              <a:rPr lang="en-US" dirty="0"/>
+              <a:t>And we can learn all the essential concepts along the way!</a:t>
+            </a:r>
+          </a:p>
+          <a:p>
+            <a:r>
+              <a:rPr lang="en-US" dirty="0"/>
+              <a:t>We just need to replace our </a:t>
+            </a:r>
+            <a:r>
+              <a:rPr lang="en-US" dirty="0" err="1"/>
+              <a:t>renderTable</a:t>
+            </a:r>
+            <a:r>
+              <a:rPr lang="en-US" dirty="0"/>
+              <a:t>({}) and </a:t>
+            </a:r>
+            <a:r>
+              <a:rPr lang="en-US" dirty="0" err="1"/>
+              <a:t>tableOutput</a:t>
+            </a:r>
+            <a:r>
+              <a:rPr lang="en-US" dirty="0"/>
+              <a:t>() calls for </a:t>
+            </a:r>
+            <a:r>
+              <a:rPr lang="en-US" dirty="0" err="1"/>
+              <a:t>renderDT</a:t>
+            </a:r>
+            <a:r>
+              <a:rPr lang="en-US" dirty="0"/>
+              <a:t>({}) and </a:t>
+            </a:r>
+            <a:r>
+              <a:rPr lang="en-US" dirty="0" err="1"/>
+              <a:t>dataTableOutput</a:t>
+            </a:r>
+            <a:r>
+              <a:rPr lang="en-US" dirty="0"/>
+              <a:t>() ones!</a:t>
+            </a:r>
           </a:p>
         </p:txBody>
       </p:sp>
     </p:spTree>
+    <p:extLst>
+      <p:ext uri="{BB962C8B-B14F-4D97-AF65-F5344CB8AC3E}">
+        <p14:creationId xmlns:p14="http://schemas.microsoft.com/office/powerpoint/2010/main" val="3886452758"/>
+      </p:ext>
+    </p:extLst>
   </p:cSld>
   <p:clrMapOvr>
     <a:masterClrMapping/>
   </p:clrMapOvr>
+  <p:timing>
+    <p:tnLst>
+      <p:par>
+        <p:cTn id="1" dur="indefinite" restart="never" nodeType="tmRoot">
+          <p:childTnLst>
+            <p:seq concurrent="1" nextAc="seek">
+              <p:cTn id="2" dur="indefinite" nodeType="mainSeq">
+                <p:childTnLst>
+                  <p:par>
+                    <p:cTn id="3" fill="hold">
+                      <p:stCondLst>
+                        <p:cond delay="indefinite"/>
+                        <p:cond evt="onBegin" delay="0">
+                          <p:tn val="2"/>
+                        </p:cond>
+                      </p:stCondLst>
+                      <p:childTnLst>
+                        <p:par>
+                          <p:cTn id="4" fill="hold">
+                            <p:stCondLst>
+                              <p:cond delay="0"/>
+                            </p:stCondLst>
+                            <p:childTnLst>
+                              <p:par>
+                                <p:cTn id="5" presetID="10" presetClass="entr" presetSubtype="0" fill="hold" grpId="0" nodeType="afterEffect">
+                                  <p:stCondLst>
+                                    <p:cond delay="0"/>
+                                  </p:stCondLst>
+                                  <p:childTnLst>
+                                    <p:set>
+                                      <p:cBhvr>
+                                        <p:cTn id="6" dur="1" fill="hold">
+                                          <p:stCondLst>
+                                            <p:cond delay="0"/>
+                                          </p:stCondLst>
+                                        </p:cTn>
+                                        <p:tgtEl>
+                                          <p:spTgt spid="3">
+                                            <p:txEl>
+                                              <p:pRg st="0" end="0"/>
+                                            </p:txEl>
+                                          </p:spTgt>
+                                        </p:tgtEl>
+                                        <p:attrNameLst>
+                                          <p:attrName>style.visibility</p:attrName>
+                                        </p:attrNameLst>
+                                      </p:cBhvr>
+                                      <p:to>
+                                        <p:strVal val="visible"/>
+                                      </p:to>
+                                    </p:set>
+                                    <p:animEffect transition="in" filter="fade">
+                                      <p:cBhvr>
+                                        <p:cTn id="7" dur="500"/>
+                                        <p:tgtEl>
+                                          <p:spTgt spid="3">
+                                            <p:txEl>
+                                              <p:pRg st="0" end="0"/>
+                                            </p:txEl>
+                                          </p:spTgt>
+                                        </p:tgtEl>
+                                      </p:cBhvr>
+                                    </p:animEffect>
+                                  </p:childTnLst>
+                                </p:cTn>
+                              </p:par>
+                            </p:childTnLst>
+                          </p:cTn>
+                        </p:par>
+                        <p:par>
+                          <p:cTn id="8" fill="hold">
+                            <p:stCondLst>
+                              <p:cond delay="500"/>
+                            </p:stCondLst>
+                            <p:childTnLst>
+                              <p:par>
+                                <p:cTn id="9" presetID="10" presetClass="entr" presetSubtype="0" fill="hold" grpId="0" nodeType="afterEffect">
+                                  <p:stCondLst>
+                                    <p:cond delay="0"/>
+                                  </p:stCondLst>
+                                  <p:childTnLst>
+                                    <p:set>
+                                      <p:cBhvr>
+                                        <p:cTn id="10" dur="1" fill="hold">
+                                          <p:stCondLst>
+                                            <p:cond delay="0"/>
+                                          </p:stCondLst>
+                                        </p:cTn>
+                                        <p:tgtEl>
+                                          <p:spTgt spid="3">
+                                            <p:txEl>
+                                              <p:pRg st="1" end="1"/>
+                                            </p:txEl>
+                                          </p:spTgt>
+                                        </p:tgtEl>
+                                        <p:attrNameLst>
+                                          <p:attrName>style.visibility</p:attrName>
+                                        </p:attrNameLst>
+                                      </p:cBhvr>
+                                      <p:to>
+                                        <p:strVal val="visible"/>
+                                      </p:to>
+                                    </p:set>
+                                    <p:animEffect transition="in" filter="fade">
+                                      <p:cBhvr>
+                                        <p:cTn id="11" dur="500"/>
+                                        <p:tgtEl>
+                                          <p:spTgt spid="3">
+                                            <p:txEl>
+                                              <p:pRg st="1" end="1"/>
+                                            </p:txEl>
+                                          </p:spTgt>
+                                        </p:tgtEl>
+                                      </p:cBhvr>
+                                    </p:animEffect>
+                                  </p:childTnLst>
+                                </p:cTn>
+                              </p:par>
+                            </p:childTnLst>
+                          </p:cTn>
+                        </p:par>
+                        <p:par>
+                          <p:cTn id="12" fill="hold">
+                            <p:stCondLst>
+                              <p:cond delay="1000"/>
+                            </p:stCondLst>
+                            <p:childTnLst>
+                              <p:par>
+                                <p:cTn id="13" presetID="10" presetClass="entr" presetSubtype="0" fill="hold" grpId="0" nodeType="afterEffect">
+                                  <p:stCondLst>
+                                    <p:cond delay="0"/>
+                                  </p:stCondLst>
+                                  <p:childTnLst>
+                                    <p:set>
+                                      <p:cBhvr>
+                                        <p:cTn id="14" dur="1" fill="hold">
+                                          <p:stCondLst>
+                                            <p:cond delay="0"/>
+                                          </p:stCondLst>
+                                        </p:cTn>
+                                        <p:tgtEl>
+                                          <p:spTgt spid="3">
+                                            <p:txEl>
+                                              <p:pRg st="2" end="2"/>
+                                            </p:txEl>
+                                          </p:spTgt>
+                                        </p:tgtEl>
+                                        <p:attrNameLst>
+                                          <p:attrName>style.visibility</p:attrName>
+                                        </p:attrNameLst>
+                                      </p:cBhvr>
+                                      <p:to>
+                                        <p:strVal val="visible"/>
+                                      </p:to>
+                                    </p:set>
+                                    <p:animEffect transition="in" filter="fade">
+                                      <p:cBhvr>
+                                        <p:cTn id="15" dur="500"/>
+                                        <p:tgtEl>
+                                          <p:spTgt spid="3">
+                                            <p:txEl>
+                                              <p:pRg st="2" end="2"/>
+                                            </p:txEl>
+                                          </p:spTgt>
+                                        </p:tgtEl>
+                                      </p:cBhvr>
+                                    </p:animEffect>
+                                  </p:childTnLst>
+                                </p:cTn>
+                              </p:par>
+                            </p:childTnLst>
+                          </p:cTn>
+                        </p:par>
+                      </p:childTnLst>
+                    </p:cTn>
+                  </p:par>
+                  <p:par>
+                    <p:cTn id="16" fill="hold">
+                      <p:stCondLst>
+                        <p:cond delay="indefinite"/>
+                      </p:stCondLst>
+                      <p:childTnLst>
+                        <p:par>
+                          <p:cTn id="17" fill="hold">
+                            <p:stCondLst>
+                              <p:cond delay="0"/>
+                            </p:stCondLst>
+                            <p:childTnLst>
+                              <p:par>
+                                <p:cTn id="18" presetID="10" presetClass="entr" presetSubtype="0" fill="hold" grpId="0" nodeType="clickEffect">
+                                  <p:stCondLst>
+                                    <p:cond delay="0"/>
+                                  </p:stCondLst>
+                                  <p:childTnLst>
+                                    <p:set>
+                                      <p:cBhvr>
+                                        <p:cTn id="19" dur="1" fill="hold">
+                                          <p:stCondLst>
+                                            <p:cond delay="0"/>
+                                          </p:stCondLst>
+                                        </p:cTn>
+                                        <p:tgtEl>
+                                          <p:spTgt spid="3">
+                                            <p:txEl>
+                                              <p:pRg st="3" end="3"/>
+                                            </p:txEl>
+                                          </p:spTgt>
+                                        </p:tgtEl>
+                                        <p:attrNameLst>
+                                          <p:attrName>style.visibility</p:attrName>
+                                        </p:attrNameLst>
+                                      </p:cBhvr>
+                                      <p:to>
+                                        <p:strVal val="visible"/>
+                                      </p:to>
+                                    </p:set>
+                                    <p:animEffect transition="in" filter="fade">
+                                      <p:cBhvr>
+                                        <p:cTn id="20" dur="500"/>
+                                        <p:tgtEl>
+                                          <p:spTgt spid="3">
+                                            <p:txEl>
+                                              <p:pRg st="3" end="3"/>
+                                            </p:txEl>
+                                          </p:spTgt>
+                                        </p:tgtEl>
+                                      </p:cBhvr>
+                                    </p:animEffect>
+                                  </p:childTnLst>
+                                </p:cTn>
+                              </p:par>
+                            </p:childTnLst>
+                          </p:cTn>
+                        </p:par>
+                      </p:childTnLst>
+                    </p:cTn>
+                  </p:par>
+                </p:childTnLst>
+              </p:cTn>
+              <p:prevCondLst>
+                <p:cond evt="onPrev" delay="0">
+                  <p:tgtEl>
+                    <p:sldTgt/>
+                  </p:tgtEl>
+                </p:cond>
+              </p:prevCondLst>
+              <p:nextCondLst>
+                <p:cond evt="onNext" delay="0">
+                  <p:tgtEl>
+                    <p:sldTgt/>
+                  </p:tgtEl>
+                </p:cond>
+              </p:nextCondLst>
+            </p:seq>
+          </p:childTnLst>
+        </p:cTn>
+      </p:par>
+    </p:tnLst>
+    <p:bldLst>
+      <p:bldP spid="3" grpId="0" uiExpand="1" build="p"/>
+    </p:bldLst>
+  </p:timing>
 </p:sld>
 </file>
 
@@ -39116,7 +40207,7 @@
   <p:cSld>
     <p:spTree>
       <p:nvGrpSpPr>
-        <p:cNvPr id="1" name="Shape 98"/>
+        <p:cNvPr id="1" name=""/>
         <p:cNvGrpSpPr/>
         <p:nvPr/>
       </p:nvGrpSpPr>
@@ -39130,135 +40221,481 @@
       </p:grpSpPr>
       <p:sp>
         <p:nvSpPr>
-          <p:cNvPr id="99" name="Google Shape;99;p19"/>
-          <p:cNvSpPr txBox="1">
+          <p:cNvPr id="2" name="Title 1">
+            <a:extLst>
+              <a:ext uri="{FF2B5EF4-FFF2-40B4-BE49-F238E27FC236}">
+                <a16:creationId xmlns:a16="http://schemas.microsoft.com/office/drawing/2014/main" id="{C50AA546-3D9C-7985-50C8-AE83C5A982A4}"/>
+              </a:ext>
+            </a:extLst>
+          </p:cNvPr>
+          <p:cNvSpPr>
             <a:spLocks noGrp="1"/>
           </p:cNvSpPr>
           <p:nvPr>
             <p:ph type="title"/>
           </p:nvPr>
         </p:nvSpPr>
-        <p:spPr>
-          <a:xfrm>
-            <a:off x="490250" y="235425"/>
-            <a:ext cx="8069400" cy="4382100"/>
-          </a:xfrm>
-          <a:prstGeom prst="rect">
-            <a:avLst/>
-          </a:prstGeom>
-        </p:spPr>
+        <p:spPr/>
         <p:txBody>
-          <a:bodyPr spcFirstLastPara="1" wrap="square" lIns="91425" tIns="91425" rIns="91425" bIns="91425" anchor="t" anchorCtr="0">
-            <a:noAutofit/>
+          <a:bodyPr/>
+          <a:lstStyle/>
+          <a:p>
+            <a:r>
+              <a:rPr lang="en-US" dirty="0"/>
+              <a:t>Simmer down</a:t>
+            </a:r>
+          </a:p>
+        </p:txBody>
+      </p:sp>
+      <p:sp>
+        <p:nvSpPr>
+          <p:cNvPr id="3" name="Text Placeholder 2">
+            <a:extLst>
+              <a:ext uri="{FF2B5EF4-FFF2-40B4-BE49-F238E27FC236}">
+                <a16:creationId xmlns:a16="http://schemas.microsoft.com/office/drawing/2014/main" id="{597B392A-1E4B-B1CD-01AE-08BCFFD19644}"/>
+              </a:ext>
+            </a:extLst>
+          </p:cNvPr>
+          <p:cNvSpPr>
+            <a:spLocks noGrp="1"/>
+          </p:cNvSpPr>
+          <p:nvPr>
+            <p:ph type="body" idx="1"/>
+          </p:nvPr>
+        </p:nvSpPr>
+        <p:spPr/>
+        <p:txBody>
+          <a:bodyPr>
+            <a:normAutofit/>
           </a:bodyPr>
           <a:lstStyle/>
           <a:p>
-            <a:pPr marL="0" lvl="0" indent="0" algn="l" rtl="0">
+            <a:r>
+              <a:rPr lang="en-US" dirty="0"/>
+              <a:t>The first theme of the hour: Interactive Shiny graphics come with a lot of interactive features!</a:t>
+            </a:r>
+          </a:p>
+          <a:p>
+            <a:r>
+              <a:rPr lang="en-US" dirty="0"/>
+              <a:t>…That isn’t </a:t>
+            </a:r>
+            <a:r>
+              <a:rPr lang="en-US" i="1" dirty="0"/>
+              <a:t>always</a:t>
+            </a:r>
+            <a:r>
+              <a:rPr lang="en-US" dirty="0"/>
+              <a:t> good. Users may find them overwhelming, confusing, or superfluous. </a:t>
+            </a:r>
+          </a:p>
+          <a:p>
+            <a:r>
+              <a:rPr lang="en-US" dirty="0"/>
+              <a:t>It’s best to rewind to the essentials, then add </a:t>
+            </a:r>
+            <a:r>
+              <a:rPr lang="en-US" i="1" dirty="0"/>
+              <a:t>intentionally</a:t>
+            </a:r>
+            <a:r>
+              <a:rPr lang="en-US" dirty="0"/>
+              <a:t>.</a:t>
+            </a:r>
+          </a:p>
+          <a:p>
+            <a:pPr>
+              <a:lnSpc>
+                <a:spcPct val="100000"/>
+              </a:lnSpc>
+            </a:pPr>
+            <a:r>
+              <a:rPr lang="en-US" dirty="0"/>
+              <a:t>The second theme: With DTs (or leaflets or </a:t>
+            </a:r>
+            <a:r>
+              <a:rPr lang="en-US" dirty="0" err="1"/>
+              <a:t>plotlys</a:t>
+            </a:r>
+            <a:r>
+              <a:rPr lang="en-US" dirty="0"/>
+              <a:t>), if there’s a feature, it can be disabled </a:t>
+            </a:r>
+            <a:r>
+              <a:rPr lang="en-US" i="1" dirty="0"/>
+              <a:t>somehow</a:t>
+            </a:r>
+            <a:r>
+              <a:rPr lang="en-US" dirty="0"/>
+              <a:t>. </a:t>
+            </a:r>
+          </a:p>
+          <a:p>
+            <a:pPr lvl="1">
+              <a:lnSpc>
+                <a:spcPct val="100000"/>
+              </a:lnSpc>
               <a:spcBef>
                 <a:spcPts val="0"/>
               </a:spcBef>
-              <a:spcAft>
-                <a:spcPts val="0"/>
-              </a:spcAft>
-              <a:buNone/>
             </a:pPr>
             <a:r>
-              <a:rPr lang="en" sz="3600" u="sng"/>
-              <a:t>R Shiny</a:t>
-            </a:r>
-            <a:endParaRPr sz="3600" u="sng"/>
-          </a:p>
-          <a:p>
-            <a:pPr marL="0" lvl="0" indent="0" algn="l" rtl="0">
-              <a:spcBef>
-                <a:spcPts val="0"/>
-              </a:spcBef>
-              <a:spcAft>
-                <a:spcPts val="0"/>
-              </a:spcAft>
-              <a:buNone/>
-            </a:pPr>
-            <a:endParaRPr sz="3200" b="0"/>
-          </a:p>
-          <a:p>
-            <a:pPr marL="0" lvl="0" indent="0" algn="l" rtl="0">
-              <a:spcBef>
-                <a:spcPts val="0"/>
-              </a:spcBef>
-              <a:spcAft>
-                <a:spcPts val="0"/>
-              </a:spcAft>
-              <a:buNone/>
-            </a:pPr>
-            <a:r>
-              <a:rPr lang="en" sz="3200" b="0"/>
-              <a:t>Post-workshop survey: </a:t>
-            </a:r>
-            <a:endParaRPr sz="3200" b="0"/>
-          </a:p>
-          <a:p>
-            <a:pPr marL="0" lvl="0" indent="0" algn="l" rtl="0">
-              <a:spcBef>
-                <a:spcPts val="0"/>
-              </a:spcBef>
-              <a:spcAft>
-                <a:spcPts val="0"/>
-              </a:spcAft>
-              <a:buNone/>
-            </a:pPr>
-            <a:r>
-              <a:rPr lang="en" sz="3200" b="0"/>
-              <a:t>https://z.umn.edu/swc-post</a:t>
-            </a:r>
-            <a:endParaRPr sz="3200" b="0"/>
-          </a:p>
-          <a:p>
-            <a:pPr marL="0" lvl="0" indent="0" algn="l" rtl="0">
-              <a:spcBef>
-                <a:spcPts val="0"/>
-              </a:spcBef>
-              <a:spcAft>
-                <a:spcPts val="0"/>
-              </a:spcAft>
-              <a:buNone/>
-            </a:pPr>
-            <a:endParaRPr sz="4400"/>
+              <a:rPr lang="en-US" dirty="0"/>
+              <a:t>In DT, the way often involves the options parameter of </a:t>
+            </a:r>
+            <a:r>
+              <a:rPr lang="en-US" dirty="0" err="1"/>
+              <a:t>datatable</a:t>
+            </a:r>
+            <a:r>
+              <a:rPr lang="en-US" dirty="0"/>
+              <a:t>(). </a:t>
+            </a:r>
           </a:p>
         </p:txBody>
       </p:sp>
-      <p:pic>
-        <p:nvPicPr>
-          <p:cNvPr id="100" name="Google Shape;100;p19"/>
-          <p:cNvPicPr preferRelativeResize="0"/>
-          <p:nvPr/>
-        </p:nvPicPr>
-        <p:blipFill>
-          <a:blip r:embed="rId3">
-            <a:alphaModFix/>
-          </a:blip>
-          <a:stretch>
-            <a:fillRect/>
-          </a:stretch>
-        </p:blipFill>
-        <p:spPr>
-          <a:xfrm>
-            <a:off x="6166175" y="2521475"/>
-            <a:ext cx="2162300" cy="2162300"/>
-          </a:xfrm>
-          <a:prstGeom prst="rect">
-            <a:avLst/>
-          </a:prstGeom>
-          <a:noFill/>
-          <a:ln>
-            <a:noFill/>
-          </a:ln>
-        </p:spPr>
-      </p:pic>
     </p:spTree>
+    <p:extLst>
+      <p:ext uri="{BB962C8B-B14F-4D97-AF65-F5344CB8AC3E}">
+        <p14:creationId xmlns:p14="http://schemas.microsoft.com/office/powerpoint/2010/main" val="2003666074"/>
+      </p:ext>
+    </p:extLst>
   </p:cSld>
   <p:clrMapOvr>
     <a:masterClrMapping/>
   </p:clrMapOvr>
+  <p:timing>
+    <p:tnLst>
+      <p:par>
+        <p:cTn id="1" dur="indefinite" restart="never" nodeType="tmRoot">
+          <p:childTnLst>
+            <p:seq concurrent="1" nextAc="seek">
+              <p:cTn id="2" dur="indefinite" nodeType="mainSeq">
+                <p:childTnLst>
+                  <p:par>
+                    <p:cTn id="3" fill="hold">
+                      <p:stCondLst>
+                        <p:cond delay="indefinite"/>
+                        <p:cond evt="onBegin" delay="0">
+                          <p:tn val="2"/>
+                        </p:cond>
+                      </p:stCondLst>
+                      <p:childTnLst>
+                        <p:par>
+                          <p:cTn id="4" fill="hold">
+                            <p:stCondLst>
+                              <p:cond delay="0"/>
+                            </p:stCondLst>
+                            <p:childTnLst>
+                              <p:par>
+                                <p:cTn id="5" presetID="10" presetClass="entr" presetSubtype="0" fill="hold" grpId="0" nodeType="afterEffect">
+                                  <p:stCondLst>
+                                    <p:cond delay="0"/>
+                                  </p:stCondLst>
+                                  <p:childTnLst>
+                                    <p:set>
+                                      <p:cBhvr>
+                                        <p:cTn id="6" dur="1" fill="hold">
+                                          <p:stCondLst>
+                                            <p:cond delay="0"/>
+                                          </p:stCondLst>
+                                        </p:cTn>
+                                        <p:tgtEl>
+                                          <p:spTgt spid="3">
+                                            <p:txEl>
+                                              <p:pRg st="0" end="0"/>
+                                            </p:txEl>
+                                          </p:spTgt>
+                                        </p:tgtEl>
+                                        <p:attrNameLst>
+                                          <p:attrName>style.visibility</p:attrName>
+                                        </p:attrNameLst>
+                                      </p:cBhvr>
+                                      <p:to>
+                                        <p:strVal val="visible"/>
+                                      </p:to>
+                                    </p:set>
+                                    <p:animEffect transition="in" filter="fade">
+                                      <p:cBhvr>
+                                        <p:cTn id="7" dur="500"/>
+                                        <p:tgtEl>
+                                          <p:spTgt spid="3">
+                                            <p:txEl>
+                                              <p:pRg st="0" end="0"/>
+                                            </p:txEl>
+                                          </p:spTgt>
+                                        </p:tgtEl>
+                                      </p:cBhvr>
+                                    </p:animEffect>
+                                  </p:childTnLst>
+                                </p:cTn>
+                              </p:par>
+                            </p:childTnLst>
+                          </p:cTn>
+                        </p:par>
+                      </p:childTnLst>
+                    </p:cTn>
+                  </p:par>
+                  <p:par>
+                    <p:cTn id="8" fill="hold">
+                      <p:stCondLst>
+                        <p:cond delay="indefinite"/>
+                      </p:stCondLst>
+                      <p:childTnLst>
+                        <p:par>
+                          <p:cTn id="9" fill="hold">
+                            <p:stCondLst>
+                              <p:cond delay="0"/>
+                            </p:stCondLst>
+                            <p:childTnLst>
+                              <p:par>
+                                <p:cTn id="10" presetID="10" presetClass="entr" presetSubtype="0" fill="hold" grpId="0" nodeType="clickEffect">
+                                  <p:stCondLst>
+                                    <p:cond delay="0"/>
+                                  </p:stCondLst>
+                                  <p:childTnLst>
+                                    <p:set>
+                                      <p:cBhvr>
+                                        <p:cTn id="11" dur="1" fill="hold">
+                                          <p:stCondLst>
+                                            <p:cond delay="0"/>
+                                          </p:stCondLst>
+                                        </p:cTn>
+                                        <p:tgtEl>
+                                          <p:spTgt spid="3">
+                                            <p:txEl>
+                                              <p:pRg st="1" end="1"/>
+                                            </p:txEl>
+                                          </p:spTgt>
+                                        </p:tgtEl>
+                                        <p:attrNameLst>
+                                          <p:attrName>style.visibility</p:attrName>
+                                        </p:attrNameLst>
+                                      </p:cBhvr>
+                                      <p:to>
+                                        <p:strVal val="visible"/>
+                                      </p:to>
+                                    </p:set>
+                                    <p:animEffect transition="in" filter="fade">
+                                      <p:cBhvr>
+                                        <p:cTn id="12" dur="500"/>
+                                        <p:tgtEl>
+                                          <p:spTgt spid="3">
+                                            <p:txEl>
+                                              <p:pRg st="1" end="1"/>
+                                            </p:txEl>
+                                          </p:spTgt>
+                                        </p:tgtEl>
+                                      </p:cBhvr>
+                                    </p:animEffect>
+                                  </p:childTnLst>
+                                </p:cTn>
+                              </p:par>
+                            </p:childTnLst>
+                          </p:cTn>
+                        </p:par>
+                      </p:childTnLst>
+                    </p:cTn>
+                  </p:par>
+                  <p:par>
+                    <p:cTn id="13" fill="hold">
+                      <p:stCondLst>
+                        <p:cond delay="indefinite"/>
+                      </p:stCondLst>
+                      <p:childTnLst>
+                        <p:par>
+                          <p:cTn id="14" fill="hold">
+                            <p:stCondLst>
+                              <p:cond delay="0"/>
+                            </p:stCondLst>
+                            <p:childTnLst>
+                              <p:par>
+                                <p:cTn id="15" presetID="10" presetClass="entr" presetSubtype="0" fill="hold" grpId="0" nodeType="clickEffect">
+                                  <p:stCondLst>
+                                    <p:cond delay="0"/>
+                                  </p:stCondLst>
+                                  <p:childTnLst>
+                                    <p:set>
+                                      <p:cBhvr>
+                                        <p:cTn id="16" dur="1" fill="hold">
+                                          <p:stCondLst>
+                                            <p:cond delay="0"/>
+                                          </p:stCondLst>
+                                        </p:cTn>
+                                        <p:tgtEl>
+                                          <p:spTgt spid="3">
+                                            <p:txEl>
+                                              <p:pRg st="2" end="2"/>
+                                            </p:txEl>
+                                          </p:spTgt>
+                                        </p:tgtEl>
+                                        <p:attrNameLst>
+                                          <p:attrName>style.visibility</p:attrName>
+                                        </p:attrNameLst>
+                                      </p:cBhvr>
+                                      <p:to>
+                                        <p:strVal val="visible"/>
+                                      </p:to>
+                                    </p:set>
+                                    <p:animEffect transition="in" filter="fade">
+                                      <p:cBhvr>
+                                        <p:cTn id="17" dur="500"/>
+                                        <p:tgtEl>
+                                          <p:spTgt spid="3">
+                                            <p:txEl>
+                                              <p:pRg st="2" end="2"/>
+                                            </p:txEl>
+                                          </p:spTgt>
+                                        </p:tgtEl>
+                                      </p:cBhvr>
+                                    </p:animEffect>
+                                  </p:childTnLst>
+                                </p:cTn>
+                              </p:par>
+                            </p:childTnLst>
+                          </p:cTn>
+                        </p:par>
+                      </p:childTnLst>
+                    </p:cTn>
+                  </p:par>
+                  <p:par>
+                    <p:cTn id="18" fill="hold">
+                      <p:stCondLst>
+                        <p:cond delay="indefinite"/>
+                      </p:stCondLst>
+                      <p:childTnLst>
+                        <p:par>
+                          <p:cTn id="19" fill="hold">
+                            <p:stCondLst>
+                              <p:cond delay="0"/>
+                            </p:stCondLst>
+                            <p:childTnLst>
+                              <p:par>
+                                <p:cTn id="20" presetID="10" presetClass="entr" presetSubtype="0" fill="hold" grpId="0" nodeType="clickEffect">
+                                  <p:stCondLst>
+                                    <p:cond delay="0"/>
+                                  </p:stCondLst>
+                                  <p:childTnLst>
+                                    <p:set>
+                                      <p:cBhvr>
+                                        <p:cTn id="21" dur="1" fill="hold">
+                                          <p:stCondLst>
+                                            <p:cond delay="0"/>
+                                          </p:stCondLst>
+                                        </p:cTn>
+                                        <p:tgtEl>
+                                          <p:spTgt spid="3">
+                                            <p:txEl>
+                                              <p:pRg st="3" end="3"/>
+                                            </p:txEl>
+                                          </p:spTgt>
+                                        </p:tgtEl>
+                                        <p:attrNameLst>
+                                          <p:attrName>style.visibility</p:attrName>
+                                        </p:attrNameLst>
+                                      </p:cBhvr>
+                                      <p:to>
+                                        <p:strVal val="visible"/>
+                                      </p:to>
+                                    </p:set>
+                                    <p:animEffect transition="in" filter="fade">
+                                      <p:cBhvr>
+                                        <p:cTn id="22" dur="500"/>
+                                        <p:tgtEl>
+                                          <p:spTgt spid="3">
+                                            <p:txEl>
+                                              <p:pRg st="3" end="3"/>
+                                            </p:txEl>
+                                          </p:spTgt>
+                                        </p:tgtEl>
+                                      </p:cBhvr>
+                                    </p:animEffect>
+                                  </p:childTnLst>
+                                </p:cTn>
+                              </p:par>
+                            </p:childTnLst>
+                          </p:cTn>
+                        </p:par>
+                        <p:par>
+                          <p:cTn id="23" fill="hold">
+                            <p:stCondLst>
+                              <p:cond delay="500"/>
+                            </p:stCondLst>
+                            <p:childTnLst>
+                              <p:par>
+                                <p:cTn id="24" presetID="10" presetClass="entr" presetSubtype="0" fill="hold" grpId="0" nodeType="afterEffect">
+                                  <p:stCondLst>
+                                    <p:cond delay="0"/>
+                                  </p:stCondLst>
+                                  <p:childTnLst>
+                                    <p:set>
+                                      <p:cBhvr>
+                                        <p:cTn id="25" dur="1" fill="hold">
+                                          <p:stCondLst>
+                                            <p:cond delay="0"/>
+                                          </p:stCondLst>
+                                        </p:cTn>
+                                        <p:tgtEl>
+                                          <p:spTgt spid="3">
+                                            <p:txEl>
+                                              <p:pRg st="4" end="4"/>
+                                            </p:txEl>
+                                          </p:spTgt>
+                                        </p:tgtEl>
+                                        <p:attrNameLst>
+                                          <p:attrName>style.visibility</p:attrName>
+                                        </p:attrNameLst>
+                                      </p:cBhvr>
+                                      <p:to>
+                                        <p:strVal val="visible"/>
+                                      </p:to>
+                                    </p:set>
+                                    <p:animEffect transition="in" filter="fade">
+                                      <p:cBhvr>
+                                        <p:cTn id="26" dur="500"/>
+                                        <p:tgtEl>
+                                          <p:spTgt spid="3">
+                                            <p:txEl>
+                                              <p:pRg st="4" end="4"/>
+                                            </p:txEl>
+                                          </p:spTgt>
+                                        </p:tgtEl>
+                                      </p:cBhvr>
+                                    </p:animEffect>
+                                  </p:childTnLst>
+                                </p:cTn>
+                              </p:par>
+                            </p:childTnLst>
+                          </p:cTn>
+                        </p:par>
+                      </p:childTnLst>
+                    </p:cTn>
+                  </p:par>
+                </p:childTnLst>
+              </p:cTn>
+              <p:prevCondLst>
+                <p:cond evt="onPrev" delay="0">
+                  <p:tgtEl>
+                    <p:sldTgt/>
+                  </p:tgtEl>
+                </p:cond>
+              </p:prevCondLst>
+              <p:nextCondLst>
+                <p:cond evt="onNext" delay="0">
+                  <p:tgtEl>
+                    <p:sldTgt/>
+                  </p:tgtEl>
+                </p:cond>
+              </p:nextCondLst>
+            </p:seq>
+          </p:childTnLst>
+        </p:cTn>
+      </p:par>
+    </p:tnLst>
+    <p:bldLst>
+      <p:bldP spid="3" grpId="0" uiExpand="1" build="p"/>
+    </p:bldLst>
+  </p:timing>
 </p:sld>
 </file>
 
@@ -39972,6 +41409,3594 @@
 </file>
 
 <file path=ppt/slides/slide50.xml><?xml version="1.0" encoding="utf-8"?>
+<p:sld xmlns:a="http://schemas.openxmlformats.org/drawingml/2006/main" xmlns:r="http://schemas.openxmlformats.org/officeDocument/2006/relationships" xmlns:p="http://schemas.openxmlformats.org/presentationml/2006/main">
+  <p:cSld>
+    <p:spTree>
+      <p:nvGrpSpPr>
+        <p:cNvPr id="1" name=""/>
+        <p:cNvGrpSpPr/>
+        <p:nvPr/>
+      </p:nvGrpSpPr>
+      <p:grpSpPr>
+        <a:xfrm>
+          <a:off x="0" y="0"/>
+          <a:ext cx="0" cy="0"/>
+          <a:chOff x="0" y="0"/>
+          <a:chExt cx="0" cy="0"/>
+        </a:xfrm>
+      </p:grpSpPr>
+      <p:sp>
+        <p:nvSpPr>
+          <p:cNvPr id="2" name="Title 1">
+            <a:extLst>
+              <a:ext uri="{FF2B5EF4-FFF2-40B4-BE49-F238E27FC236}">
+                <a16:creationId xmlns:a16="http://schemas.microsoft.com/office/drawing/2014/main" id="{C3BDF646-A31B-FAD4-70D5-AFF1D914153B}"/>
+              </a:ext>
+            </a:extLst>
+          </p:cNvPr>
+          <p:cNvSpPr>
+            <a:spLocks noGrp="1"/>
+          </p:cNvSpPr>
+          <p:nvPr>
+            <p:ph type="title"/>
+          </p:nvPr>
+        </p:nvSpPr>
+        <p:spPr/>
+        <p:txBody>
+          <a:bodyPr/>
+          <a:lstStyle/>
+          <a:p>
+            <a:r>
+              <a:rPr lang="en-US" dirty="0"/>
+              <a:t>Style wild	</a:t>
+            </a:r>
+          </a:p>
+        </p:txBody>
+      </p:sp>
+      <p:sp>
+        <p:nvSpPr>
+          <p:cNvPr id="3" name="Text Placeholder 2">
+            <a:extLst>
+              <a:ext uri="{FF2B5EF4-FFF2-40B4-BE49-F238E27FC236}">
+                <a16:creationId xmlns:a16="http://schemas.microsoft.com/office/drawing/2014/main" id="{379421B3-0A64-E949-7AB5-FCD3AC65E354}"/>
+              </a:ext>
+            </a:extLst>
+          </p:cNvPr>
+          <p:cNvSpPr>
+            <a:spLocks noGrp="1"/>
+          </p:cNvSpPr>
+          <p:nvPr>
+            <p:ph type="body" idx="1"/>
+          </p:nvPr>
+        </p:nvSpPr>
+        <p:spPr/>
+        <p:txBody>
+          <a:bodyPr/>
+          <a:lstStyle/>
+          <a:p>
+            <a:r>
+              <a:rPr lang="en-US" dirty="0"/>
+              <a:t>The third theme: Each package comes with stylization options that largely circumvents the need for </a:t>
+            </a:r>
+            <a:r>
+              <a:rPr lang="en-US" i="1" dirty="0"/>
+              <a:t>raw</a:t>
+            </a:r>
+            <a:r>
+              <a:rPr lang="en-US" dirty="0"/>
+              <a:t> CSS. </a:t>
+            </a:r>
+          </a:p>
+          <a:p>
+            <a:r>
+              <a:rPr lang="en-US" dirty="0"/>
+              <a:t>In DT, we can use the format*() and style*() functions to style our table using CSS disguised as R code.</a:t>
+            </a:r>
+          </a:p>
+        </p:txBody>
+      </p:sp>
+    </p:spTree>
+    <p:extLst>
+      <p:ext uri="{BB962C8B-B14F-4D97-AF65-F5344CB8AC3E}">
+        <p14:creationId xmlns:p14="http://schemas.microsoft.com/office/powerpoint/2010/main" val="417963668"/>
+      </p:ext>
+    </p:extLst>
+  </p:cSld>
+  <p:clrMapOvr>
+    <a:masterClrMapping/>
+  </p:clrMapOvr>
+  <p:timing>
+    <p:tnLst>
+      <p:par>
+        <p:cTn id="1" dur="indefinite" restart="never" nodeType="tmRoot">
+          <p:childTnLst>
+            <p:seq concurrent="1" nextAc="seek">
+              <p:cTn id="2" dur="indefinite" nodeType="mainSeq">
+                <p:childTnLst>
+                  <p:par>
+                    <p:cTn id="3" fill="hold">
+                      <p:stCondLst>
+                        <p:cond delay="indefinite"/>
+                        <p:cond evt="onBegin" delay="0">
+                          <p:tn val="2"/>
+                        </p:cond>
+                      </p:stCondLst>
+                      <p:childTnLst>
+                        <p:par>
+                          <p:cTn id="4" fill="hold">
+                            <p:stCondLst>
+                              <p:cond delay="0"/>
+                            </p:stCondLst>
+                            <p:childTnLst>
+                              <p:par>
+                                <p:cTn id="5" presetID="10" presetClass="entr" presetSubtype="0" fill="hold" grpId="0" nodeType="withEffect">
+                                  <p:stCondLst>
+                                    <p:cond delay="0"/>
+                                  </p:stCondLst>
+                                  <p:childTnLst>
+                                    <p:set>
+                                      <p:cBhvr>
+                                        <p:cTn id="6" dur="1" fill="hold">
+                                          <p:stCondLst>
+                                            <p:cond delay="0"/>
+                                          </p:stCondLst>
+                                        </p:cTn>
+                                        <p:tgtEl>
+                                          <p:spTgt spid="3">
+                                            <p:txEl>
+                                              <p:pRg st="0" end="0"/>
+                                            </p:txEl>
+                                          </p:spTgt>
+                                        </p:tgtEl>
+                                        <p:attrNameLst>
+                                          <p:attrName>style.visibility</p:attrName>
+                                        </p:attrNameLst>
+                                      </p:cBhvr>
+                                      <p:to>
+                                        <p:strVal val="visible"/>
+                                      </p:to>
+                                    </p:set>
+                                    <p:animEffect transition="in" filter="fade">
+                                      <p:cBhvr>
+                                        <p:cTn id="7" dur="500"/>
+                                        <p:tgtEl>
+                                          <p:spTgt spid="3">
+                                            <p:txEl>
+                                              <p:pRg st="0" end="0"/>
+                                            </p:txEl>
+                                          </p:spTgt>
+                                        </p:tgtEl>
+                                      </p:cBhvr>
+                                    </p:animEffect>
+                                  </p:childTnLst>
+                                </p:cTn>
+                              </p:par>
+                            </p:childTnLst>
+                          </p:cTn>
+                        </p:par>
+                      </p:childTnLst>
+                    </p:cTn>
+                  </p:par>
+                  <p:par>
+                    <p:cTn id="8" fill="hold">
+                      <p:stCondLst>
+                        <p:cond delay="indefinite"/>
+                      </p:stCondLst>
+                      <p:childTnLst>
+                        <p:par>
+                          <p:cTn id="9" fill="hold">
+                            <p:stCondLst>
+                              <p:cond delay="0"/>
+                            </p:stCondLst>
+                            <p:childTnLst>
+                              <p:par>
+                                <p:cTn id="10" presetID="10" presetClass="entr" presetSubtype="0" fill="hold" grpId="0" nodeType="clickEffect">
+                                  <p:stCondLst>
+                                    <p:cond delay="0"/>
+                                  </p:stCondLst>
+                                  <p:childTnLst>
+                                    <p:set>
+                                      <p:cBhvr>
+                                        <p:cTn id="11" dur="1" fill="hold">
+                                          <p:stCondLst>
+                                            <p:cond delay="0"/>
+                                          </p:stCondLst>
+                                        </p:cTn>
+                                        <p:tgtEl>
+                                          <p:spTgt spid="3">
+                                            <p:txEl>
+                                              <p:pRg st="1" end="1"/>
+                                            </p:txEl>
+                                          </p:spTgt>
+                                        </p:tgtEl>
+                                        <p:attrNameLst>
+                                          <p:attrName>style.visibility</p:attrName>
+                                        </p:attrNameLst>
+                                      </p:cBhvr>
+                                      <p:to>
+                                        <p:strVal val="visible"/>
+                                      </p:to>
+                                    </p:set>
+                                    <p:animEffect transition="in" filter="fade">
+                                      <p:cBhvr>
+                                        <p:cTn id="12" dur="500"/>
+                                        <p:tgtEl>
+                                          <p:spTgt spid="3">
+                                            <p:txEl>
+                                              <p:pRg st="1" end="1"/>
+                                            </p:txEl>
+                                          </p:spTgt>
+                                        </p:tgtEl>
+                                      </p:cBhvr>
+                                    </p:animEffect>
+                                  </p:childTnLst>
+                                </p:cTn>
+                              </p:par>
+                            </p:childTnLst>
+                          </p:cTn>
+                        </p:par>
+                      </p:childTnLst>
+                    </p:cTn>
+                  </p:par>
+                </p:childTnLst>
+              </p:cTn>
+              <p:prevCondLst>
+                <p:cond evt="onPrev" delay="0">
+                  <p:tgtEl>
+                    <p:sldTgt/>
+                  </p:tgtEl>
+                </p:cond>
+              </p:prevCondLst>
+              <p:nextCondLst>
+                <p:cond evt="onNext" delay="0">
+                  <p:tgtEl>
+                    <p:sldTgt/>
+                  </p:tgtEl>
+                </p:cond>
+              </p:nextCondLst>
+            </p:seq>
+          </p:childTnLst>
+        </p:cTn>
+      </p:par>
+    </p:tnLst>
+    <p:bldLst>
+      <p:bldP spid="3" grpId="0" uiExpand="1" build="p"/>
+    </p:bldLst>
+  </p:timing>
+</p:sld>
+</file>
+
+<file path=ppt/slides/slide51.xml><?xml version="1.0" encoding="utf-8"?>
+<p:sld xmlns:a="http://schemas.openxmlformats.org/drawingml/2006/main" xmlns:r="http://schemas.openxmlformats.org/officeDocument/2006/relationships" xmlns:p="http://schemas.openxmlformats.org/presentationml/2006/main">
+  <p:cSld>
+    <p:spTree>
+      <p:nvGrpSpPr>
+        <p:cNvPr id="1" name=""/>
+        <p:cNvGrpSpPr/>
+        <p:nvPr/>
+      </p:nvGrpSpPr>
+      <p:grpSpPr>
+        <a:xfrm>
+          <a:off x="0" y="0"/>
+          <a:ext cx="0" cy="0"/>
+          <a:chOff x="0" y="0"/>
+          <a:chExt cx="0" cy="0"/>
+        </a:xfrm>
+      </p:grpSpPr>
+      <p:sp>
+        <p:nvSpPr>
+          <p:cNvPr id="2" name="Title 1">
+            <a:extLst>
+              <a:ext uri="{FF2B5EF4-FFF2-40B4-BE49-F238E27FC236}">
+                <a16:creationId xmlns:a16="http://schemas.microsoft.com/office/drawing/2014/main" id="{79C3DA17-0B43-74C6-90EB-6C9410E2BFAF}"/>
+              </a:ext>
+            </a:extLst>
+          </p:cNvPr>
+          <p:cNvSpPr>
+            <a:spLocks noGrp="1"/>
+          </p:cNvSpPr>
+          <p:nvPr>
+            <p:ph type="title"/>
+          </p:nvPr>
+        </p:nvSpPr>
+        <p:spPr/>
+        <p:txBody>
+          <a:bodyPr/>
+          <a:lstStyle/>
+          <a:p>
+            <a:r>
+              <a:rPr lang="en-US" dirty="0"/>
+              <a:t>Newsflash</a:t>
+            </a:r>
+          </a:p>
+        </p:txBody>
+      </p:sp>
+      <p:sp>
+        <p:nvSpPr>
+          <p:cNvPr id="3" name="Text Placeholder 2">
+            <a:extLst>
+              <a:ext uri="{FF2B5EF4-FFF2-40B4-BE49-F238E27FC236}">
+                <a16:creationId xmlns:a16="http://schemas.microsoft.com/office/drawing/2014/main" id="{55A74791-DFD8-A60E-0234-1E35D0122B67}"/>
+              </a:ext>
+            </a:extLst>
+          </p:cNvPr>
+          <p:cNvSpPr>
+            <a:spLocks noGrp="1"/>
+          </p:cNvSpPr>
+          <p:nvPr>
+            <p:ph type="body" idx="1"/>
+          </p:nvPr>
+        </p:nvSpPr>
+        <p:spPr/>
+        <p:txBody>
+          <a:bodyPr>
+            <a:normAutofit fontScale="92500"/>
+          </a:bodyPr>
+          <a:lstStyle/>
+          <a:p>
+            <a:pPr>
+              <a:lnSpc>
+                <a:spcPct val="120000"/>
+              </a:lnSpc>
+            </a:pPr>
+            <a:r>
+              <a:rPr lang="en-US" dirty="0"/>
+              <a:t>So far, to handle requested changes, we’ve </a:t>
+            </a:r>
+            <a:r>
+              <a:rPr lang="en-US" i="1" dirty="0"/>
+              <a:t>rebuilt</a:t>
+            </a:r>
+            <a:r>
+              <a:rPr lang="en-US" dirty="0"/>
+              <a:t> our table.</a:t>
+            </a:r>
+          </a:p>
+          <a:p>
+            <a:pPr lvl="1">
+              <a:lnSpc>
+                <a:spcPct val="120000"/>
+              </a:lnSpc>
+              <a:spcBef>
+                <a:spcPts val="0"/>
+              </a:spcBef>
+            </a:pPr>
+            <a:r>
+              <a:rPr lang="en-US" dirty="0"/>
+              <a:t>This is inefficient, “buggy-looking,” disruptive, and potentially slow.</a:t>
+            </a:r>
+          </a:p>
+          <a:p>
+            <a:pPr>
+              <a:lnSpc>
+                <a:spcPct val="120000"/>
+              </a:lnSpc>
+            </a:pPr>
+            <a:r>
+              <a:rPr lang="en-US" dirty="0"/>
+              <a:t>The fourth theme:</a:t>
+            </a:r>
+            <a:r>
+              <a:rPr lang="en-US" i="1" dirty="0"/>
+              <a:t> Update complex elements; don’t rebuild them! </a:t>
+            </a:r>
+          </a:p>
+          <a:p>
+            <a:pPr>
+              <a:lnSpc>
+                <a:spcPct val="120000"/>
+              </a:lnSpc>
+            </a:pPr>
+            <a:r>
+              <a:rPr lang="en-US" dirty="0"/>
+              <a:t>To update a graphic, changing only what’s needed, we use a </a:t>
+            </a:r>
+            <a:r>
+              <a:rPr lang="en-US" b="1" dirty="0"/>
+              <a:t>proxy</a:t>
+            </a:r>
+            <a:r>
+              <a:rPr lang="en-US" dirty="0"/>
+              <a:t>. </a:t>
+            </a:r>
+          </a:p>
+          <a:p>
+            <a:pPr lvl="1">
+              <a:lnSpc>
+                <a:spcPct val="120000"/>
+              </a:lnSpc>
+              <a:spcBef>
+                <a:spcPts val="0"/>
+              </a:spcBef>
+            </a:pPr>
+            <a:r>
+              <a:rPr lang="en-US" dirty="0"/>
+              <a:t>Proxies are “direct lines” between the server and the UI for tweaking a pre-existing graphic </a:t>
+            </a:r>
+            <a:r>
+              <a:rPr lang="en-US" i="1" dirty="0"/>
+              <a:t>without</a:t>
+            </a:r>
+            <a:r>
+              <a:rPr lang="en-US" dirty="0"/>
+              <a:t> rebuilding it. </a:t>
+            </a:r>
+          </a:p>
+          <a:p>
+            <a:pPr>
+              <a:lnSpc>
+                <a:spcPct val="120000"/>
+              </a:lnSpc>
+            </a:pPr>
+            <a:r>
+              <a:rPr lang="en-US" dirty="0"/>
+              <a:t>We’ll use </a:t>
+            </a:r>
+            <a:r>
+              <a:rPr lang="en-US" dirty="0" err="1"/>
+              <a:t>dataTableProxy</a:t>
+            </a:r>
+            <a:r>
+              <a:rPr lang="en-US" dirty="0"/>
+              <a:t>() to establish the “phone call” and then </a:t>
+            </a:r>
+            <a:r>
+              <a:rPr lang="en-US" dirty="0" err="1"/>
+              <a:t>replaceData</a:t>
+            </a:r>
+            <a:r>
+              <a:rPr lang="en-US" dirty="0"/>
+              <a:t>() to swap the data, leaving the rest unchanged.</a:t>
+            </a:r>
+          </a:p>
+        </p:txBody>
+      </p:sp>
+    </p:spTree>
+    <p:extLst>
+      <p:ext uri="{BB962C8B-B14F-4D97-AF65-F5344CB8AC3E}">
+        <p14:creationId xmlns:p14="http://schemas.microsoft.com/office/powerpoint/2010/main" val="2710113791"/>
+      </p:ext>
+    </p:extLst>
+  </p:cSld>
+  <p:clrMapOvr>
+    <a:masterClrMapping/>
+  </p:clrMapOvr>
+  <p:timing>
+    <p:tnLst>
+      <p:par>
+        <p:cTn id="1" dur="indefinite" restart="never" nodeType="tmRoot">
+          <p:childTnLst>
+            <p:seq concurrent="1" nextAc="seek">
+              <p:cTn id="2" dur="indefinite" nodeType="mainSeq">
+                <p:childTnLst>
+                  <p:par>
+                    <p:cTn id="3" fill="hold">
+                      <p:stCondLst>
+                        <p:cond delay="indefinite"/>
+                        <p:cond evt="onBegin" delay="0">
+                          <p:tn val="2"/>
+                        </p:cond>
+                      </p:stCondLst>
+                      <p:childTnLst>
+                        <p:par>
+                          <p:cTn id="4" fill="hold">
+                            <p:stCondLst>
+                              <p:cond delay="0"/>
+                            </p:stCondLst>
+                            <p:childTnLst>
+                              <p:par>
+                                <p:cTn id="5" presetID="10" presetClass="entr" presetSubtype="0" fill="hold" grpId="0" nodeType="afterEffect">
+                                  <p:stCondLst>
+                                    <p:cond delay="0"/>
+                                  </p:stCondLst>
+                                  <p:childTnLst>
+                                    <p:set>
+                                      <p:cBhvr>
+                                        <p:cTn id="6" dur="1" fill="hold">
+                                          <p:stCondLst>
+                                            <p:cond delay="0"/>
+                                          </p:stCondLst>
+                                        </p:cTn>
+                                        <p:tgtEl>
+                                          <p:spTgt spid="3">
+                                            <p:txEl>
+                                              <p:pRg st="0" end="0"/>
+                                            </p:txEl>
+                                          </p:spTgt>
+                                        </p:tgtEl>
+                                        <p:attrNameLst>
+                                          <p:attrName>style.visibility</p:attrName>
+                                        </p:attrNameLst>
+                                      </p:cBhvr>
+                                      <p:to>
+                                        <p:strVal val="visible"/>
+                                      </p:to>
+                                    </p:set>
+                                    <p:animEffect transition="in" filter="fade">
+                                      <p:cBhvr>
+                                        <p:cTn id="7" dur="500"/>
+                                        <p:tgtEl>
+                                          <p:spTgt spid="3">
+                                            <p:txEl>
+                                              <p:pRg st="0" end="0"/>
+                                            </p:txEl>
+                                          </p:spTgt>
+                                        </p:tgtEl>
+                                      </p:cBhvr>
+                                    </p:animEffect>
+                                  </p:childTnLst>
+                                </p:cTn>
+                              </p:par>
+                            </p:childTnLst>
+                          </p:cTn>
+                        </p:par>
+                      </p:childTnLst>
+                    </p:cTn>
+                  </p:par>
+                  <p:par>
+                    <p:cTn id="8" fill="hold">
+                      <p:stCondLst>
+                        <p:cond delay="indefinite"/>
+                      </p:stCondLst>
+                      <p:childTnLst>
+                        <p:par>
+                          <p:cTn id="9" fill="hold">
+                            <p:stCondLst>
+                              <p:cond delay="0"/>
+                            </p:stCondLst>
+                            <p:childTnLst>
+                              <p:par>
+                                <p:cTn id="10" presetID="10" presetClass="entr" presetSubtype="0" fill="hold" grpId="0" nodeType="clickEffect">
+                                  <p:stCondLst>
+                                    <p:cond delay="0"/>
+                                  </p:stCondLst>
+                                  <p:childTnLst>
+                                    <p:set>
+                                      <p:cBhvr>
+                                        <p:cTn id="11" dur="1" fill="hold">
+                                          <p:stCondLst>
+                                            <p:cond delay="0"/>
+                                          </p:stCondLst>
+                                        </p:cTn>
+                                        <p:tgtEl>
+                                          <p:spTgt spid="3">
+                                            <p:txEl>
+                                              <p:pRg st="1" end="1"/>
+                                            </p:txEl>
+                                          </p:spTgt>
+                                        </p:tgtEl>
+                                        <p:attrNameLst>
+                                          <p:attrName>style.visibility</p:attrName>
+                                        </p:attrNameLst>
+                                      </p:cBhvr>
+                                      <p:to>
+                                        <p:strVal val="visible"/>
+                                      </p:to>
+                                    </p:set>
+                                    <p:animEffect transition="in" filter="fade">
+                                      <p:cBhvr>
+                                        <p:cTn id="12" dur="500"/>
+                                        <p:tgtEl>
+                                          <p:spTgt spid="3">
+                                            <p:txEl>
+                                              <p:pRg st="1" end="1"/>
+                                            </p:txEl>
+                                          </p:spTgt>
+                                        </p:tgtEl>
+                                      </p:cBhvr>
+                                    </p:animEffect>
+                                  </p:childTnLst>
+                                </p:cTn>
+                              </p:par>
+                            </p:childTnLst>
+                          </p:cTn>
+                        </p:par>
+                      </p:childTnLst>
+                    </p:cTn>
+                  </p:par>
+                  <p:par>
+                    <p:cTn id="13" fill="hold">
+                      <p:stCondLst>
+                        <p:cond delay="indefinite"/>
+                      </p:stCondLst>
+                      <p:childTnLst>
+                        <p:par>
+                          <p:cTn id="14" fill="hold">
+                            <p:stCondLst>
+                              <p:cond delay="0"/>
+                            </p:stCondLst>
+                            <p:childTnLst>
+                              <p:par>
+                                <p:cTn id="15" presetID="10" presetClass="entr" presetSubtype="0" fill="hold" grpId="0" nodeType="clickEffect">
+                                  <p:stCondLst>
+                                    <p:cond delay="0"/>
+                                  </p:stCondLst>
+                                  <p:childTnLst>
+                                    <p:set>
+                                      <p:cBhvr>
+                                        <p:cTn id="16" dur="1" fill="hold">
+                                          <p:stCondLst>
+                                            <p:cond delay="0"/>
+                                          </p:stCondLst>
+                                        </p:cTn>
+                                        <p:tgtEl>
+                                          <p:spTgt spid="3">
+                                            <p:txEl>
+                                              <p:pRg st="2" end="2"/>
+                                            </p:txEl>
+                                          </p:spTgt>
+                                        </p:tgtEl>
+                                        <p:attrNameLst>
+                                          <p:attrName>style.visibility</p:attrName>
+                                        </p:attrNameLst>
+                                      </p:cBhvr>
+                                      <p:to>
+                                        <p:strVal val="visible"/>
+                                      </p:to>
+                                    </p:set>
+                                    <p:animEffect transition="in" filter="fade">
+                                      <p:cBhvr>
+                                        <p:cTn id="17" dur="500"/>
+                                        <p:tgtEl>
+                                          <p:spTgt spid="3">
+                                            <p:txEl>
+                                              <p:pRg st="2" end="2"/>
+                                            </p:txEl>
+                                          </p:spTgt>
+                                        </p:tgtEl>
+                                      </p:cBhvr>
+                                    </p:animEffect>
+                                  </p:childTnLst>
+                                </p:cTn>
+                              </p:par>
+                            </p:childTnLst>
+                          </p:cTn>
+                        </p:par>
+                      </p:childTnLst>
+                    </p:cTn>
+                  </p:par>
+                  <p:par>
+                    <p:cTn id="18" fill="hold">
+                      <p:stCondLst>
+                        <p:cond delay="indefinite"/>
+                      </p:stCondLst>
+                      <p:childTnLst>
+                        <p:par>
+                          <p:cTn id="19" fill="hold">
+                            <p:stCondLst>
+                              <p:cond delay="0"/>
+                            </p:stCondLst>
+                            <p:childTnLst>
+                              <p:par>
+                                <p:cTn id="20" presetID="10" presetClass="entr" presetSubtype="0" fill="hold" grpId="0" nodeType="clickEffect">
+                                  <p:stCondLst>
+                                    <p:cond delay="0"/>
+                                  </p:stCondLst>
+                                  <p:childTnLst>
+                                    <p:set>
+                                      <p:cBhvr>
+                                        <p:cTn id="21" dur="1" fill="hold">
+                                          <p:stCondLst>
+                                            <p:cond delay="0"/>
+                                          </p:stCondLst>
+                                        </p:cTn>
+                                        <p:tgtEl>
+                                          <p:spTgt spid="3">
+                                            <p:txEl>
+                                              <p:pRg st="3" end="3"/>
+                                            </p:txEl>
+                                          </p:spTgt>
+                                        </p:tgtEl>
+                                        <p:attrNameLst>
+                                          <p:attrName>style.visibility</p:attrName>
+                                        </p:attrNameLst>
+                                      </p:cBhvr>
+                                      <p:to>
+                                        <p:strVal val="visible"/>
+                                      </p:to>
+                                    </p:set>
+                                    <p:animEffect transition="in" filter="fade">
+                                      <p:cBhvr>
+                                        <p:cTn id="22" dur="500"/>
+                                        <p:tgtEl>
+                                          <p:spTgt spid="3">
+                                            <p:txEl>
+                                              <p:pRg st="3" end="3"/>
+                                            </p:txEl>
+                                          </p:spTgt>
+                                        </p:tgtEl>
+                                      </p:cBhvr>
+                                    </p:animEffect>
+                                  </p:childTnLst>
+                                </p:cTn>
+                              </p:par>
+                            </p:childTnLst>
+                          </p:cTn>
+                        </p:par>
+                      </p:childTnLst>
+                    </p:cTn>
+                  </p:par>
+                  <p:par>
+                    <p:cTn id="23" fill="hold">
+                      <p:stCondLst>
+                        <p:cond delay="indefinite"/>
+                      </p:stCondLst>
+                      <p:childTnLst>
+                        <p:par>
+                          <p:cTn id="24" fill="hold">
+                            <p:stCondLst>
+                              <p:cond delay="0"/>
+                            </p:stCondLst>
+                            <p:childTnLst>
+                              <p:par>
+                                <p:cTn id="25" presetID="10" presetClass="entr" presetSubtype="0" fill="hold" grpId="0" nodeType="clickEffect">
+                                  <p:stCondLst>
+                                    <p:cond delay="0"/>
+                                  </p:stCondLst>
+                                  <p:childTnLst>
+                                    <p:set>
+                                      <p:cBhvr>
+                                        <p:cTn id="26" dur="1" fill="hold">
+                                          <p:stCondLst>
+                                            <p:cond delay="0"/>
+                                          </p:stCondLst>
+                                        </p:cTn>
+                                        <p:tgtEl>
+                                          <p:spTgt spid="3">
+                                            <p:txEl>
+                                              <p:pRg st="4" end="4"/>
+                                            </p:txEl>
+                                          </p:spTgt>
+                                        </p:tgtEl>
+                                        <p:attrNameLst>
+                                          <p:attrName>style.visibility</p:attrName>
+                                        </p:attrNameLst>
+                                      </p:cBhvr>
+                                      <p:to>
+                                        <p:strVal val="visible"/>
+                                      </p:to>
+                                    </p:set>
+                                    <p:animEffect transition="in" filter="fade">
+                                      <p:cBhvr>
+                                        <p:cTn id="27" dur="500"/>
+                                        <p:tgtEl>
+                                          <p:spTgt spid="3">
+                                            <p:txEl>
+                                              <p:pRg st="4" end="4"/>
+                                            </p:txEl>
+                                          </p:spTgt>
+                                        </p:tgtEl>
+                                      </p:cBhvr>
+                                    </p:animEffect>
+                                  </p:childTnLst>
+                                </p:cTn>
+                              </p:par>
+                            </p:childTnLst>
+                          </p:cTn>
+                        </p:par>
+                      </p:childTnLst>
+                    </p:cTn>
+                  </p:par>
+                  <p:par>
+                    <p:cTn id="28" fill="hold">
+                      <p:stCondLst>
+                        <p:cond delay="indefinite"/>
+                      </p:stCondLst>
+                      <p:childTnLst>
+                        <p:par>
+                          <p:cTn id="29" fill="hold">
+                            <p:stCondLst>
+                              <p:cond delay="0"/>
+                            </p:stCondLst>
+                            <p:childTnLst>
+                              <p:par>
+                                <p:cTn id="30" presetID="10" presetClass="entr" presetSubtype="0" fill="hold" grpId="0" nodeType="clickEffect">
+                                  <p:stCondLst>
+                                    <p:cond delay="0"/>
+                                  </p:stCondLst>
+                                  <p:childTnLst>
+                                    <p:set>
+                                      <p:cBhvr>
+                                        <p:cTn id="31" dur="1" fill="hold">
+                                          <p:stCondLst>
+                                            <p:cond delay="0"/>
+                                          </p:stCondLst>
+                                        </p:cTn>
+                                        <p:tgtEl>
+                                          <p:spTgt spid="3">
+                                            <p:txEl>
+                                              <p:pRg st="5" end="5"/>
+                                            </p:txEl>
+                                          </p:spTgt>
+                                        </p:tgtEl>
+                                        <p:attrNameLst>
+                                          <p:attrName>style.visibility</p:attrName>
+                                        </p:attrNameLst>
+                                      </p:cBhvr>
+                                      <p:to>
+                                        <p:strVal val="visible"/>
+                                      </p:to>
+                                    </p:set>
+                                    <p:animEffect transition="in" filter="fade">
+                                      <p:cBhvr>
+                                        <p:cTn id="32" dur="500"/>
+                                        <p:tgtEl>
+                                          <p:spTgt spid="3">
+                                            <p:txEl>
+                                              <p:pRg st="5" end="5"/>
+                                            </p:txEl>
+                                          </p:spTgt>
+                                        </p:tgtEl>
+                                      </p:cBhvr>
+                                    </p:animEffect>
+                                  </p:childTnLst>
+                                </p:cTn>
+                              </p:par>
+                            </p:childTnLst>
+                          </p:cTn>
+                        </p:par>
+                      </p:childTnLst>
+                    </p:cTn>
+                  </p:par>
+                </p:childTnLst>
+              </p:cTn>
+              <p:prevCondLst>
+                <p:cond evt="onPrev" delay="0">
+                  <p:tgtEl>
+                    <p:sldTgt/>
+                  </p:tgtEl>
+                </p:cond>
+              </p:prevCondLst>
+              <p:nextCondLst>
+                <p:cond evt="onNext" delay="0">
+                  <p:tgtEl>
+                    <p:sldTgt/>
+                  </p:tgtEl>
+                </p:cond>
+              </p:nextCondLst>
+            </p:seq>
+          </p:childTnLst>
+        </p:cTn>
+      </p:par>
+    </p:tnLst>
+    <p:bldLst>
+      <p:bldP spid="3" grpId="0" uiExpand="1" build="p"/>
+    </p:bldLst>
+  </p:timing>
+</p:sld>
+</file>
+
+<file path=ppt/slides/slide52.xml><?xml version="1.0" encoding="utf-8"?>
+<p:sld xmlns:a="http://schemas.openxmlformats.org/drawingml/2006/main" xmlns:r="http://schemas.openxmlformats.org/officeDocument/2006/relationships" xmlns:p="http://schemas.openxmlformats.org/presentationml/2006/main">
+  <p:cSld>
+    <p:spTree>
+      <p:nvGrpSpPr>
+        <p:cNvPr id="1" name=""/>
+        <p:cNvGrpSpPr/>
+        <p:nvPr/>
+      </p:nvGrpSpPr>
+      <p:grpSpPr>
+        <a:xfrm>
+          <a:off x="0" y="0"/>
+          <a:ext cx="0" cy="0"/>
+          <a:chOff x="0" y="0"/>
+          <a:chExt cx="0" cy="0"/>
+        </a:xfrm>
+      </p:grpSpPr>
+      <p:sp>
+        <p:nvSpPr>
+          <p:cNvPr id="2" name="Title 1">
+            <a:extLst>
+              <a:ext uri="{FF2B5EF4-FFF2-40B4-BE49-F238E27FC236}">
+                <a16:creationId xmlns:a16="http://schemas.microsoft.com/office/drawing/2014/main" id="{066DCEA8-F4E8-5F4A-3699-9A71B4E72066}"/>
+              </a:ext>
+            </a:extLst>
+          </p:cNvPr>
+          <p:cNvSpPr>
+            <a:spLocks noGrp="1"/>
+          </p:cNvSpPr>
+          <p:nvPr>
+            <p:ph type="title"/>
+          </p:nvPr>
+        </p:nvSpPr>
+        <p:spPr/>
+        <p:txBody>
+          <a:bodyPr/>
+          <a:lstStyle/>
+          <a:p>
+            <a:r>
+              <a:rPr lang="en-US" dirty="0"/>
+              <a:t>Mr. Game and Watch</a:t>
+            </a:r>
+          </a:p>
+        </p:txBody>
+      </p:sp>
+      <p:sp>
+        <p:nvSpPr>
+          <p:cNvPr id="3" name="Text Placeholder 2">
+            <a:extLst>
+              <a:ext uri="{FF2B5EF4-FFF2-40B4-BE49-F238E27FC236}">
+                <a16:creationId xmlns:a16="http://schemas.microsoft.com/office/drawing/2014/main" id="{09E57FF9-0F6F-54DA-4134-A6AE3C0FB0D4}"/>
+              </a:ext>
+            </a:extLst>
+          </p:cNvPr>
+          <p:cNvSpPr>
+            <a:spLocks noGrp="1"/>
+          </p:cNvSpPr>
+          <p:nvPr>
+            <p:ph type="body" idx="1"/>
+          </p:nvPr>
+        </p:nvSpPr>
+        <p:spPr/>
+        <p:txBody>
+          <a:bodyPr>
+            <a:normAutofit fontScale="92500" lnSpcReduction="10000"/>
+          </a:bodyPr>
+          <a:lstStyle/>
+          <a:p>
+            <a:pPr>
+              <a:lnSpc>
+                <a:spcPct val="110000"/>
+              </a:lnSpc>
+            </a:pPr>
+            <a:r>
+              <a:rPr lang="en-US" dirty="0"/>
+              <a:t>DT tables, </a:t>
+            </a:r>
+            <a:r>
+              <a:rPr lang="en-US" dirty="0" err="1"/>
+              <a:t>plotly</a:t>
+            </a:r>
+            <a:r>
+              <a:rPr lang="en-US" dirty="0"/>
+              <a:t> graphs, and leaflet maps aren’t just sweet graphics—they’re </a:t>
+            </a:r>
+            <a:r>
+              <a:rPr lang="en-US" b="1" dirty="0"/>
+              <a:t>widgets</a:t>
+            </a:r>
+            <a:r>
+              <a:rPr lang="en-US" dirty="0"/>
+              <a:t> in their own right.</a:t>
+            </a:r>
+          </a:p>
+          <a:p>
+            <a:pPr>
+              <a:lnSpc>
+                <a:spcPct val="110000"/>
+              </a:lnSpc>
+            </a:pPr>
+            <a:r>
+              <a:rPr lang="en-US" dirty="0"/>
+              <a:t>User interactions with them can trigger events we can watch for and handle.</a:t>
+            </a:r>
+          </a:p>
+          <a:p>
+            <a:pPr>
+              <a:lnSpc>
+                <a:spcPct val="110000"/>
+              </a:lnSpc>
+            </a:pPr>
+            <a:r>
+              <a:rPr lang="en-US" dirty="0"/>
+              <a:t>Data from these events are passed via the </a:t>
+            </a:r>
+            <a:r>
+              <a:rPr lang="en-US" b="1" dirty="0"/>
+              <a:t>input</a:t>
+            </a:r>
+            <a:r>
+              <a:rPr lang="en-US" dirty="0"/>
+              <a:t> object, as usual.</a:t>
+            </a:r>
+          </a:p>
+          <a:p>
+            <a:pPr lvl="1">
+              <a:lnSpc>
+                <a:spcPct val="110000"/>
+              </a:lnSpc>
+              <a:spcBef>
+                <a:spcPts val="0"/>
+              </a:spcBef>
+            </a:pPr>
+            <a:r>
+              <a:rPr lang="en-US" dirty="0"/>
+              <a:t>For example, if cell selection is enabled, we can get the row and column numbers of the selected cell via input$[</a:t>
+            </a:r>
+            <a:r>
+              <a:rPr lang="en-US" dirty="0" err="1"/>
+              <a:t>outputId</a:t>
+            </a:r>
+            <a:r>
+              <a:rPr lang="en-US" dirty="0"/>
+              <a:t>]_</a:t>
+            </a:r>
+            <a:r>
+              <a:rPr lang="en-US" dirty="0" err="1"/>
+              <a:t>cells_selected</a:t>
+            </a:r>
+            <a:r>
+              <a:rPr lang="en-US" dirty="0"/>
+              <a:t>. </a:t>
+            </a:r>
+          </a:p>
+          <a:p>
+            <a:r>
+              <a:rPr lang="en-US" dirty="0"/>
+              <a:t>For time, we won’t actually </a:t>
+            </a:r>
+            <a:r>
+              <a:rPr lang="en-US" b="1" dirty="0"/>
+              <a:t>handle</a:t>
+            </a:r>
+            <a:r>
+              <a:rPr lang="en-US" dirty="0"/>
+              <a:t> these events here, but check out the online curriculum for an example and some challenges!</a:t>
+            </a:r>
+          </a:p>
+        </p:txBody>
+      </p:sp>
+    </p:spTree>
+    <p:extLst>
+      <p:ext uri="{BB962C8B-B14F-4D97-AF65-F5344CB8AC3E}">
+        <p14:creationId xmlns:p14="http://schemas.microsoft.com/office/powerpoint/2010/main" val="2400279280"/>
+      </p:ext>
+    </p:extLst>
+  </p:cSld>
+  <p:clrMapOvr>
+    <a:masterClrMapping/>
+  </p:clrMapOvr>
+  <p:timing>
+    <p:tnLst>
+      <p:par>
+        <p:cTn id="1" dur="indefinite" restart="never" nodeType="tmRoot">
+          <p:childTnLst>
+            <p:seq concurrent="1" nextAc="seek">
+              <p:cTn id="2" dur="indefinite" nodeType="mainSeq">
+                <p:childTnLst>
+                  <p:par>
+                    <p:cTn id="3" fill="hold">
+                      <p:stCondLst>
+                        <p:cond delay="indefinite"/>
+                        <p:cond evt="onBegin" delay="0">
+                          <p:tn val="2"/>
+                        </p:cond>
+                      </p:stCondLst>
+                      <p:childTnLst>
+                        <p:par>
+                          <p:cTn id="4" fill="hold">
+                            <p:stCondLst>
+                              <p:cond delay="0"/>
+                            </p:stCondLst>
+                            <p:childTnLst>
+                              <p:par>
+                                <p:cTn id="5" presetID="10" presetClass="entr" presetSubtype="0" fill="hold" grpId="0" nodeType="withEffect">
+                                  <p:stCondLst>
+                                    <p:cond delay="0"/>
+                                  </p:stCondLst>
+                                  <p:childTnLst>
+                                    <p:set>
+                                      <p:cBhvr>
+                                        <p:cTn id="6" dur="1" fill="hold">
+                                          <p:stCondLst>
+                                            <p:cond delay="0"/>
+                                          </p:stCondLst>
+                                        </p:cTn>
+                                        <p:tgtEl>
+                                          <p:spTgt spid="3">
+                                            <p:txEl>
+                                              <p:pRg st="0" end="0"/>
+                                            </p:txEl>
+                                          </p:spTgt>
+                                        </p:tgtEl>
+                                        <p:attrNameLst>
+                                          <p:attrName>style.visibility</p:attrName>
+                                        </p:attrNameLst>
+                                      </p:cBhvr>
+                                      <p:to>
+                                        <p:strVal val="visible"/>
+                                      </p:to>
+                                    </p:set>
+                                    <p:animEffect transition="in" filter="fade">
+                                      <p:cBhvr>
+                                        <p:cTn id="7" dur="500"/>
+                                        <p:tgtEl>
+                                          <p:spTgt spid="3">
+                                            <p:txEl>
+                                              <p:pRg st="0" end="0"/>
+                                            </p:txEl>
+                                          </p:spTgt>
+                                        </p:tgtEl>
+                                      </p:cBhvr>
+                                    </p:animEffect>
+                                  </p:childTnLst>
+                                </p:cTn>
+                              </p:par>
+                            </p:childTnLst>
+                          </p:cTn>
+                        </p:par>
+                        <p:par>
+                          <p:cTn id="8" fill="hold">
+                            <p:stCondLst>
+                              <p:cond delay="500"/>
+                            </p:stCondLst>
+                            <p:childTnLst>
+                              <p:par>
+                                <p:cTn id="9" presetID="10" presetClass="entr" presetSubtype="0" fill="hold" grpId="0" nodeType="afterEffect">
+                                  <p:stCondLst>
+                                    <p:cond delay="0"/>
+                                  </p:stCondLst>
+                                  <p:childTnLst>
+                                    <p:set>
+                                      <p:cBhvr>
+                                        <p:cTn id="10" dur="1" fill="hold">
+                                          <p:stCondLst>
+                                            <p:cond delay="0"/>
+                                          </p:stCondLst>
+                                        </p:cTn>
+                                        <p:tgtEl>
+                                          <p:spTgt spid="3">
+                                            <p:txEl>
+                                              <p:pRg st="1" end="1"/>
+                                            </p:txEl>
+                                          </p:spTgt>
+                                        </p:tgtEl>
+                                        <p:attrNameLst>
+                                          <p:attrName>style.visibility</p:attrName>
+                                        </p:attrNameLst>
+                                      </p:cBhvr>
+                                      <p:to>
+                                        <p:strVal val="visible"/>
+                                      </p:to>
+                                    </p:set>
+                                    <p:animEffect transition="in" filter="fade">
+                                      <p:cBhvr>
+                                        <p:cTn id="11" dur="500"/>
+                                        <p:tgtEl>
+                                          <p:spTgt spid="3">
+                                            <p:txEl>
+                                              <p:pRg st="1" end="1"/>
+                                            </p:txEl>
+                                          </p:spTgt>
+                                        </p:tgtEl>
+                                      </p:cBhvr>
+                                    </p:animEffect>
+                                  </p:childTnLst>
+                                </p:cTn>
+                              </p:par>
+                            </p:childTnLst>
+                          </p:cTn>
+                        </p:par>
+                      </p:childTnLst>
+                    </p:cTn>
+                  </p:par>
+                  <p:par>
+                    <p:cTn id="12" fill="hold">
+                      <p:stCondLst>
+                        <p:cond delay="indefinite"/>
+                      </p:stCondLst>
+                      <p:childTnLst>
+                        <p:par>
+                          <p:cTn id="13" fill="hold">
+                            <p:stCondLst>
+                              <p:cond delay="0"/>
+                            </p:stCondLst>
+                            <p:childTnLst>
+                              <p:par>
+                                <p:cTn id="14" presetID="10" presetClass="entr" presetSubtype="0" fill="hold" grpId="0" nodeType="clickEffect">
+                                  <p:stCondLst>
+                                    <p:cond delay="0"/>
+                                  </p:stCondLst>
+                                  <p:childTnLst>
+                                    <p:set>
+                                      <p:cBhvr>
+                                        <p:cTn id="15" dur="1" fill="hold">
+                                          <p:stCondLst>
+                                            <p:cond delay="0"/>
+                                          </p:stCondLst>
+                                        </p:cTn>
+                                        <p:tgtEl>
+                                          <p:spTgt spid="3">
+                                            <p:txEl>
+                                              <p:pRg st="2" end="2"/>
+                                            </p:txEl>
+                                          </p:spTgt>
+                                        </p:tgtEl>
+                                        <p:attrNameLst>
+                                          <p:attrName>style.visibility</p:attrName>
+                                        </p:attrNameLst>
+                                      </p:cBhvr>
+                                      <p:to>
+                                        <p:strVal val="visible"/>
+                                      </p:to>
+                                    </p:set>
+                                    <p:animEffect transition="in" filter="fade">
+                                      <p:cBhvr>
+                                        <p:cTn id="16" dur="500"/>
+                                        <p:tgtEl>
+                                          <p:spTgt spid="3">
+                                            <p:txEl>
+                                              <p:pRg st="2" end="2"/>
+                                            </p:txEl>
+                                          </p:spTgt>
+                                        </p:tgtEl>
+                                      </p:cBhvr>
+                                    </p:animEffect>
+                                  </p:childTnLst>
+                                </p:cTn>
+                              </p:par>
+                            </p:childTnLst>
+                          </p:cTn>
+                        </p:par>
+                        <p:par>
+                          <p:cTn id="17" fill="hold">
+                            <p:stCondLst>
+                              <p:cond delay="500"/>
+                            </p:stCondLst>
+                            <p:childTnLst>
+                              <p:par>
+                                <p:cTn id="18" presetID="10" presetClass="entr" presetSubtype="0" fill="hold" grpId="0" nodeType="afterEffect">
+                                  <p:stCondLst>
+                                    <p:cond delay="0"/>
+                                  </p:stCondLst>
+                                  <p:childTnLst>
+                                    <p:set>
+                                      <p:cBhvr>
+                                        <p:cTn id="19" dur="1" fill="hold">
+                                          <p:stCondLst>
+                                            <p:cond delay="0"/>
+                                          </p:stCondLst>
+                                        </p:cTn>
+                                        <p:tgtEl>
+                                          <p:spTgt spid="3">
+                                            <p:txEl>
+                                              <p:pRg st="3" end="3"/>
+                                            </p:txEl>
+                                          </p:spTgt>
+                                        </p:tgtEl>
+                                        <p:attrNameLst>
+                                          <p:attrName>style.visibility</p:attrName>
+                                        </p:attrNameLst>
+                                      </p:cBhvr>
+                                      <p:to>
+                                        <p:strVal val="visible"/>
+                                      </p:to>
+                                    </p:set>
+                                    <p:animEffect transition="in" filter="fade">
+                                      <p:cBhvr>
+                                        <p:cTn id="20" dur="500"/>
+                                        <p:tgtEl>
+                                          <p:spTgt spid="3">
+                                            <p:txEl>
+                                              <p:pRg st="3" end="3"/>
+                                            </p:txEl>
+                                          </p:spTgt>
+                                        </p:tgtEl>
+                                      </p:cBhvr>
+                                    </p:animEffect>
+                                  </p:childTnLst>
+                                </p:cTn>
+                              </p:par>
+                            </p:childTnLst>
+                          </p:cTn>
+                        </p:par>
+                      </p:childTnLst>
+                    </p:cTn>
+                  </p:par>
+                  <p:par>
+                    <p:cTn id="21" fill="hold">
+                      <p:stCondLst>
+                        <p:cond delay="indefinite"/>
+                      </p:stCondLst>
+                      <p:childTnLst>
+                        <p:par>
+                          <p:cTn id="22" fill="hold">
+                            <p:stCondLst>
+                              <p:cond delay="0"/>
+                            </p:stCondLst>
+                            <p:childTnLst>
+                              <p:par>
+                                <p:cTn id="23" presetID="10" presetClass="entr" presetSubtype="0" fill="hold" grpId="0" nodeType="clickEffect">
+                                  <p:stCondLst>
+                                    <p:cond delay="0"/>
+                                  </p:stCondLst>
+                                  <p:childTnLst>
+                                    <p:set>
+                                      <p:cBhvr>
+                                        <p:cTn id="24" dur="1" fill="hold">
+                                          <p:stCondLst>
+                                            <p:cond delay="0"/>
+                                          </p:stCondLst>
+                                        </p:cTn>
+                                        <p:tgtEl>
+                                          <p:spTgt spid="3">
+                                            <p:txEl>
+                                              <p:pRg st="4" end="4"/>
+                                            </p:txEl>
+                                          </p:spTgt>
+                                        </p:tgtEl>
+                                        <p:attrNameLst>
+                                          <p:attrName>style.visibility</p:attrName>
+                                        </p:attrNameLst>
+                                      </p:cBhvr>
+                                      <p:to>
+                                        <p:strVal val="visible"/>
+                                      </p:to>
+                                    </p:set>
+                                    <p:animEffect transition="in" filter="fade">
+                                      <p:cBhvr>
+                                        <p:cTn id="25" dur="500"/>
+                                        <p:tgtEl>
+                                          <p:spTgt spid="3">
+                                            <p:txEl>
+                                              <p:pRg st="4" end="4"/>
+                                            </p:txEl>
+                                          </p:spTgt>
+                                        </p:tgtEl>
+                                      </p:cBhvr>
+                                    </p:animEffect>
+                                  </p:childTnLst>
+                                </p:cTn>
+                              </p:par>
+                            </p:childTnLst>
+                          </p:cTn>
+                        </p:par>
+                      </p:childTnLst>
+                    </p:cTn>
+                  </p:par>
+                </p:childTnLst>
+              </p:cTn>
+              <p:prevCondLst>
+                <p:cond evt="onPrev" delay="0">
+                  <p:tgtEl>
+                    <p:sldTgt/>
+                  </p:tgtEl>
+                </p:cond>
+              </p:prevCondLst>
+              <p:nextCondLst>
+                <p:cond evt="onNext" delay="0">
+                  <p:tgtEl>
+                    <p:sldTgt/>
+                  </p:tgtEl>
+                </p:cond>
+              </p:nextCondLst>
+            </p:seq>
+          </p:childTnLst>
+        </p:cTn>
+      </p:par>
+    </p:tnLst>
+    <p:bldLst>
+      <p:bldP spid="3" grpId="0" uiExpand="1" build="p"/>
+    </p:bldLst>
+  </p:timing>
+</p:sld>
+</file>
+
+<file path=ppt/slides/slide53.xml><?xml version="1.0" encoding="utf-8"?>
+<p:sld xmlns:a="http://schemas.openxmlformats.org/drawingml/2006/main" xmlns:r="http://schemas.openxmlformats.org/officeDocument/2006/relationships" xmlns:p="http://schemas.openxmlformats.org/presentationml/2006/main">
+  <p:cSld>
+    <p:spTree>
+      <p:nvGrpSpPr>
+        <p:cNvPr id="1" name=""/>
+        <p:cNvGrpSpPr/>
+        <p:nvPr/>
+      </p:nvGrpSpPr>
+      <p:grpSpPr>
+        <a:xfrm>
+          <a:off x="0" y="0"/>
+          <a:ext cx="0" cy="0"/>
+          <a:chOff x="0" y="0"/>
+          <a:chExt cx="0" cy="0"/>
+        </a:xfrm>
+      </p:grpSpPr>
+      <p:sp>
+        <p:nvSpPr>
+          <p:cNvPr id="2" name="Title 1">
+            <a:extLst>
+              <a:ext uri="{FF2B5EF4-FFF2-40B4-BE49-F238E27FC236}">
+                <a16:creationId xmlns:a16="http://schemas.microsoft.com/office/drawing/2014/main" id="{5C9397C8-C816-247B-08B3-E41EC3FABB1B}"/>
+              </a:ext>
+            </a:extLst>
+          </p:cNvPr>
+          <p:cNvSpPr>
+            <a:spLocks noGrp="1"/>
+          </p:cNvSpPr>
+          <p:nvPr>
+            <p:ph type="title"/>
+          </p:nvPr>
+        </p:nvSpPr>
+        <p:spPr/>
+        <p:txBody>
+          <a:bodyPr/>
+          <a:lstStyle/>
+          <a:p>
+            <a:r>
+              <a:rPr lang="en-US" dirty="0"/>
+              <a:t>Turning over a new leaflet</a:t>
+            </a:r>
+          </a:p>
+        </p:txBody>
+      </p:sp>
+      <p:sp>
+        <p:nvSpPr>
+          <p:cNvPr id="3" name="Text Placeholder 2">
+            <a:extLst>
+              <a:ext uri="{FF2B5EF4-FFF2-40B4-BE49-F238E27FC236}">
+                <a16:creationId xmlns:a16="http://schemas.microsoft.com/office/drawing/2014/main" id="{5BEFA0C0-A109-17E1-D747-F3A049C25486}"/>
+              </a:ext>
+            </a:extLst>
+          </p:cNvPr>
+          <p:cNvSpPr>
+            <a:spLocks noGrp="1"/>
+          </p:cNvSpPr>
+          <p:nvPr>
+            <p:ph type="body" idx="1"/>
+          </p:nvPr>
+        </p:nvSpPr>
+        <p:spPr/>
+        <p:txBody>
+          <a:bodyPr/>
+          <a:lstStyle/>
+          <a:p>
+            <a:pPr>
+              <a:lnSpc>
+                <a:spcPct val="100000"/>
+              </a:lnSpc>
+            </a:pPr>
+            <a:r>
+              <a:rPr lang="en-US" i="1" dirty="0"/>
+              <a:t>leaflet</a:t>
+            </a:r>
+            <a:r>
+              <a:rPr lang="en-US" dirty="0"/>
+              <a:t> is a JS (and now R) package for making web-enabled, interactive maps using spatial data (</a:t>
+            </a:r>
+            <a:r>
+              <a:rPr lang="en-US" i="1" dirty="0"/>
+              <a:t>e.g.</a:t>
+            </a:r>
+            <a:r>
+              <a:rPr lang="en-US" dirty="0"/>
+              <a:t>, </a:t>
+            </a:r>
+            <a:r>
+              <a:rPr lang="en-US" dirty="0" err="1"/>
+              <a:t>lat</a:t>
+            </a:r>
+            <a:r>
+              <a:rPr lang="en-US" dirty="0"/>
+              <a:t>-long). </a:t>
+            </a:r>
+          </a:p>
+          <a:p>
+            <a:pPr>
+              <a:lnSpc>
+                <a:spcPct val="100000"/>
+              </a:lnSpc>
+            </a:pPr>
+            <a:r>
+              <a:rPr lang="en-US" dirty="0"/>
+              <a:t>This means we need to add some spatial data to our data set!</a:t>
+            </a:r>
+          </a:p>
+          <a:p>
+            <a:pPr>
+              <a:lnSpc>
+                <a:spcPct val="100000"/>
+              </a:lnSpc>
+            </a:pPr>
+            <a:r>
+              <a:rPr lang="en-US" dirty="0"/>
+              <a:t>I’ve already done this for you, but you need to download the file that has a version of the </a:t>
+            </a:r>
+            <a:r>
+              <a:rPr lang="en-US" dirty="0" err="1"/>
+              <a:t>gapminder</a:t>
+            </a:r>
+            <a:r>
+              <a:rPr lang="en-US" dirty="0"/>
+              <a:t> data set with spatial data attached to it…</a:t>
+            </a:r>
+          </a:p>
+          <a:p>
+            <a:pPr lvl="1">
+              <a:lnSpc>
+                <a:spcPct val="100000"/>
+              </a:lnSpc>
+              <a:spcBef>
+                <a:spcPts val="0"/>
+              </a:spcBef>
+            </a:pPr>
+            <a:r>
+              <a:rPr lang="en-US" dirty="0"/>
+              <a:t>z.umn.edu/</a:t>
+            </a:r>
+            <a:r>
+              <a:rPr lang="en-US" dirty="0" err="1"/>
+              <a:t>gap_map</a:t>
+            </a:r>
+            <a:endParaRPr lang="en-US" dirty="0"/>
+          </a:p>
+          <a:p>
+            <a:pPr>
+              <a:lnSpc>
+                <a:spcPct val="100000"/>
+              </a:lnSpc>
+            </a:pPr>
+            <a:r>
+              <a:rPr lang="en-US" dirty="0"/>
+              <a:t>We’ll hit all the same “story beats” as with DT. The specifics will change, but the concepts are all the same!</a:t>
+            </a:r>
+          </a:p>
+        </p:txBody>
+      </p:sp>
+    </p:spTree>
+    <p:extLst>
+      <p:ext uri="{BB962C8B-B14F-4D97-AF65-F5344CB8AC3E}">
+        <p14:creationId xmlns:p14="http://schemas.microsoft.com/office/powerpoint/2010/main" val="3842764879"/>
+      </p:ext>
+    </p:extLst>
+  </p:cSld>
+  <p:clrMapOvr>
+    <a:masterClrMapping/>
+  </p:clrMapOvr>
+  <p:timing>
+    <p:tnLst>
+      <p:par>
+        <p:cTn id="1" dur="indefinite" restart="never" nodeType="tmRoot">
+          <p:childTnLst>
+            <p:seq concurrent="1" nextAc="seek">
+              <p:cTn id="2" dur="indefinite" nodeType="mainSeq">
+                <p:childTnLst>
+                  <p:par>
+                    <p:cTn id="3" fill="hold">
+                      <p:stCondLst>
+                        <p:cond delay="indefinite"/>
+                        <p:cond evt="onBegin" delay="0">
+                          <p:tn val="2"/>
+                        </p:cond>
+                      </p:stCondLst>
+                      <p:childTnLst>
+                        <p:par>
+                          <p:cTn id="4" fill="hold">
+                            <p:stCondLst>
+                              <p:cond delay="0"/>
+                            </p:stCondLst>
+                            <p:childTnLst>
+                              <p:par>
+                                <p:cTn id="5" presetID="10" presetClass="entr" presetSubtype="0" fill="hold" grpId="0" nodeType="afterEffect">
+                                  <p:stCondLst>
+                                    <p:cond delay="0"/>
+                                  </p:stCondLst>
+                                  <p:childTnLst>
+                                    <p:set>
+                                      <p:cBhvr>
+                                        <p:cTn id="6" dur="1" fill="hold">
+                                          <p:stCondLst>
+                                            <p:cond delay="0"/>
+                                          </p:stCondLst>
+                                        </p:cTn>
+                                        <p:tgtEl>
+                                          <p:spTgt spid="3">
+                                            <p:txEl>
+                                              <p:pRg st="0" end="0"/>
+                                            </p:txEl>
+                                          </p:spTgt>
+                                        </p:tgtEl>
+                                        <p:attrNameLst>
+                                          <p:attrName>style.visibility</p:attrName>
+                                        </p:attrNameLst>
+                                      </p:cBhvr>
+                                      <p:to>
+                                        <p:strVal val="visible"/>
+                                      </p:to>
+                                    </p:set>
+                                    <p:animEffect transition="in" filter="fade">
+                                      <p:cBhvr>
+                                        <p:cTn id="7" dur="500"/>
+                                        <p:tgtEl>
+                                          <p:spTgt spid="3">
+                                            <p:txEl>
+                                              <p:pRg st="0" end="0"/>
+                                            </p:txEl>
+                                          </p:spTgt>
+                                        </p:tgtEl>
+                                      </p:cBhvr>
+                                    </p:animEffect>
+                                  </p:childTnLst>
+                                </p:cTn>
+                              </p:par>
+                            </p:childTnLst>
+                          </p:cTn>
+                        </p:par>
+                        <p:par>
+                          <p:cTn id="8" fill="hold">
+                            <p:stCondLst>
+                              <p:cond delay="500"/>
+                            </p:stCondLst>
+                            <p:childTnLst>
+                              <p:par>
+                                <p:cTn id="9" presetID="10" presetClass="entr" presetSubtype="0" fill="hold" grpId="0" nodeType="afterEffect">
+                                  <p:stCondLst>
+                                    <p:cond delay="0"/>
+                                  </p:stCondLst>
+                                  <p:childTnLst>
+                                    <p:set>
+                                      <p:cBhvr>
+                                        <p:cTn id="10" dur="1" fill="hold">
+                                          <p:stCondLst>
+                                            <p:cond delay="0"/>
+                                          </p:stCondLst>
+                                        </p:cTn>
+                                        <p:tgtEl>
+                                          <p:spTgt spid="3">
+                                            <p:txEl>
+                                              <p:pRg st="1" end="1"/>
+                                            </p:txEl>
+                                          </p:spTgt>
+                                        </p:tgtEl>
+                                        <p:attrNameLst>
+                                          <p:attrName>style.visibility</p:attrName>
+                                        </p:attrNameLst>
+                                      </p:cBhvr>
+                                      <p:to>
+                                        <p:strVal val="visible"/>
+                                      </p:to>
+                                    </p:set>
+                                    <p:animEffect transition="in" filter="fade">
+                                      <p:cBhvr>
+                                        <p:cTn id="11" dur="500"/>
+                                        <p:tgtEl>
+                                          <p:spTgt spid="3">
+                                            <p:txEl>
+                                              <p:pRg st="1" end="1"/>
+                                            </p:txEl>
+                                          </p:spTgt>
+                                        </p:tgtEl>
+                                      </p:cBhvr>
+                                    </p:animEffect>
+                                  </p:childTnLst>
+                                </p:cTn>
+                              </p:par>
+                            </p:childTnLst>
+                          </p:cTn>
+                        </p:par>
+                      </p:childTnLst>
+                    </p:cTn>
+                  </p:par>
+                  <p:par>
+                    <p:cTn id="12" fill="hold">
+                      <p:stCondLst>
+                        <p:cond delay="indefinite"/>
+                      </p:stCondLst>
+                      <p:childTnLst>
+                        <p:par>
+                          <p:cTn id="13" fill="hold">
+                            <p:stCondLst>
+                              <p:cond delay="0"/>
+                            </p:stCondLst>
+                            <p:childTnLst>
+                              <p:par>
+                                <p:cTn id="14" presetID="10" presetClass="entr" presetSubtype="0" fill="hold" grpId="0" nodeType="clickEffect">
+                                  <p:stCondLst>
+                                    <p:cond delay="0"/>
+                                  </p:stCondLst>
+                                  <p:childTnLst>
+                                    <p:set>
+                                      <p:cBhvr>
+                                        <p:cTn id="15" dur="1" fill="hold">
+                                          <p:stCondLst>
+                                            <p:cond delay="0"/>
+                                          </p:stCondLst>
+                                        </p:cTn>
+                                        <p:tgtEl>
+                                          <p:spTgt spid="3">
+                                            <p:txEl>
+                                              <p:pRg st="2" end="2"/>
+                                            </p:txEl>
+                                          </p:spTgt>
+                                        </p:tgtEl>
+                                        <p:attrNameLst>
+                                          <p:attrName>style.visibility</p:attrName>
+                                        </p:attrNameLst>
+                                      </p:cBhvr>
+                                      <p:to>
+                                        <p:strVal val="visible"/>
+                                      </p:to>
+                                    </p:set>
+                                    <p:animEffect transition="in" filter="fade">
+                                      <p:cBhvr>
+                                        <p:cTn id="16" dur="500"/>
+                                        <p:tgtEl>
+                                          <p:spTgt spid="3">
+                                            <p:txEl>
+                                              <p:pRg st="2" end="2"/>
+                                            </p:txEl>
+                                          </p:spTgt>
+                                        </p:tgtEl>
+                                      </p:cBhvr>
+                                    </p:animEffect>
+                                  </p:childTnLst>
+                                </p:cTn>
+                              </p:par>
+                            </p:childTnLst>
+                          </p:cTn>
+                        </p:par>
+                        <p:par>
+                          <p:cTn id="17" fill="hold">
+                            <p:stCondLst>
+                              <p:cond delay="500"/>
+                            </p:stCondLst>
+                            <p:childTnLst>
+                              <p:par>
+                                <p:cTn id="18" presetID="10" presetClass="entr" presetSubtype="0" fill="hold" grpId="0" nodeType="afterEffect">
+                                  <p:stCondLst>
+                                    <p:cond delay="0"/>
+                                  </p:stCondLst>
+                                  <p:childTnLst>
+                                    <p:set>
+                                      <p:cBhvr>
+                                        <p:cTn id="19" dur="1" fill="hold">
+                                          <p:stCondLst>
+                                            <p:cond delay="0"/>
+                                          </p:stCondLst>
+                                        </p:cTn>
+                                        <p:tgtEl>
+                                          <p:spTgt spid="3">
+                                            <p:txEl>
+                                              <p:pRg st="3" end="3"/>
+                                            </p:txEl>
+                                          </p:spTgt>
+                                        </p:tgtEl>
+                                        <p:attrNameLst>
+                                          <p:attrName>style.visibility</p:attrName>
+                                        </p:attrNameLst>
+                                      </p:cBhvr>
+                                      <p:to>
+                                        <p:strVal val="visible"/>
+                                      </p:to>
+                                    </p:set>
+                                    <p:animEffect transition="in" filter="fade">
+                                      <p:cBhvr>
+                                        <p:cTn id="20" dur="500"/>
+                                        <p:tgtEl>
+                                          <p:spTgt spid="3">
+                                            <p:txEl>
+                                              <p:pRg st="3" end="3"/>
+                                            </p:txEl>
+                                          </p:spTgt>
+                                        </p:tgtEl>
+                                      </p:cBhvr>
+                                    </p:animEffect>
+                                  </p:childTnLst>
+                                </p:cTn>
+                              </p:par>
+                            </p:childTnLst>
+                          </p:cTn>
+                        </p:par>
+                      </p:childTnLst>
+                    </p:cTn>
+                  </p:par>
+                  <p:par>
+                    <p:cTn id="21" fill="hold">
+                      <p:stCondLst>
+                        <p:cond delay="indefinite"/>
+                      </p:stCondLst>
+                      <p:childTnLst>
+                        <p:par>
+                          <p:cTn id="22" fill="hold">
+                            <p:stCondLst>
+                              <p:cond delay="0"/>
+                            </p:stCondLst>
+                            <p:childTnLst>
+                              <p:par>
+                                <p:cTn id="23" presetID="10" presetClass="entr" presetSubtype="0" fill="hold" grpId="0" nodeType="clickEffect">
+                                  <p:stCondLst>
+                                    <p:cond delay="0"/>
+                                  </p:stCondLst>
+                                  <p:childTnLst>
+                                    <p:set>
+                                      <p:cBhvr>
+                                        <p:cTn id="24" dur="1" fill="hold">
+                                          <p:stCondLst>
+                                            <p:cond delay="0"/>
+                                          </p:stCondLst>
+                                        </p:cTn>
+                                        <p:tgtEl>
+                                          <p:spTgt spid="3">
+                                            <p:txEl>
+                                              <p:pRg st="4" end="4"/>
+                                            </p:txEl>
+                                          </p:spTgt>
+                                        </p:tgtEl>
+                                        <p:attrNameLst>
+                                          <p:attrName>style.visibility</p:attrName>
+                                        </p:attrNameLst>
+                                      </p:cBhvr>
+                                      <p:to>
+                                        <p:strVal val="visible"/>
+                                      </p:to>
+                                    </p:set>
+                                    <p:animEffect transition="in" filter="fade">
+                                      <p:cBhvr>
+                                        <p:cTn id="25" dur="500"/>
+                                        <p:tgtEl>
+                                          <p:spTgt spid="3">
+                                            <p:txEl>
+                                              <p:pRg st="4" end="4"/>
+                                            </p:txEl>
+                                          </p:spTgt>
+                                        </p:tgtEl>
+                                      </p:cBhvr>
+                                    </p:animEffect>
+                                  </p:childTnLst>
+                                </p:cTn>
+                              </p:par>
+                            </p:childTnLst>
+                          </p:cTn>
+                        </p:par>
+                      </p:childTnLst>
+                    </p:cTn>
+                  </p:par>
+                </p:childTnLst>
+              </p:cTn>
+              <p:prevCondLst>
+                <p:cond evt="onPrev" delay="0">
+                  <p:tgtEl>
+                    <p:sldTgt/>
+                  </p:tgtEl>
+                </p:cond>
+              </p:prevCondLst>
+              <p:nextCondLst>
+                <p:cond evt="onNext" delay="0">
+                  <p:tgtEl>
+                    <p:sldTgt/>
+                  </p:tgtEl>
+                </p:cond>
+              </p:nextCondLst>
+            </p:seq>
+          </p:childTnLst>
+        </p:cTn>
+      </p:par>
+    </p:tnLst>
+    <p:bldLst>
+      <p:bldP spid="3" grpId="0" uiExpand="1" build="p"/>
+    </p:bldLst>
+  </p:timing>
+</p:sld>
+</file>
+
+<file path=ppt/slides/slide54.xml><?xml version="1.0" encoding="utf-8"?>
+<p:sld xmlns:a="http://schemas.openxmlformats.org/drawingml/2006/main" xmlns:r="http://schemas.openxmlformats.org/officeDocument/2006/relationships" xmlns:p="http://schemas.openxmlformats.org/presentationml/2006/main">
+  <p:cSld>
+    <p:spTree>
+      <p:nvGrpSpPr>
+        <p:cNvPr id="1" name=""/>
+        <p:cNvGrpSpPr/>
+        <p:nvPr/>
+      </p:nvGrpSpPr>
+      <p:grpSpPr>
+        <a:xfrm>
+          <a:off x="0" y="0"/>
+          <a:ext cx="0" cy="0"/>
+          <a:chOff x="0" y="0"/>
+          <a:chExt cx="0" cy="0"/>
+        </a:xfrm>
+      </p:grpSpPr>
+      <p:sp>
+        <p:nvSpPr>
+          <p:cNvPr id="2" name="Title 1">
+            <a:extLst>
+              <a:ext uri="{FF2B5EF4-FFF2-40B4-BE49-F238E27FC236}">
+                <a16:creationId xmlns:a16="http://schemas.microsoft.com/office/drawing/2014/main" id="{10CE8776-FA7F-3783-1B0A-E9BBABC1BAD5}"/>
+              </a:ext>
+            </a:extLst>
+          </p:cNvPr>
+          <p:cNvSpPr>
+            <a:spLocks noGrp="1"/>
+          </p:cNvSpPr>
+          <p:nvPr>
+            <p:ph type="title"/>
+          </p:nvPr>
+        </p:nvSpPr>
+        <p:spPr/>
+        <p:txBody>
+          <a:bodyPr/>
+          <a:lstStyle/>
+          <a:p>
+            <a:r>
+              <a:rPr lang="en-US" dirty="0"/>
+              <a:t>Map maker</a:t>
+            </a:r>
+          </a:p>
+        </p:txBody>
+      </p:sp>
+      <p:sp>
+        <p:nvSpPr>
+          <p:cNvPr id="3" name="Text Placeholder 2">
+            <a:extLst>
+              <a:ext uri="{FF2B5EF4-FFF2-40B4-BE49-F238E27FC236}">
+                <a16:creationId xmlns:a16="http://schemas.microsoft.com/office/drawing/2014/main" id="{37C7509F-FE61-2754-550B-82AA2200D11D}"/>
+              </a:ext>
+            </a:extLst>
+          </p:cNvPr>
+          <p:cNvSpPr>
+            <a:spLocks noGrp="1"/>
+          </p:cNvSpPr>
+          <p:nvPr>
+            <p:ph type="body" idx="1"/>
+          </p:nvPr>
+        </p:nvSpPr>
+        <p:spPr/>
+        <p:txBody>
+          <a:bodyPr/>
+          <a:lstStyle/>
+          <a:p>
+            <a:pPr>
+              <a:lnSpc>
+                <a:spcPct val="100000"/>
+              </a:lnSpc>
+            </a:pPr>
+            <a:r>
+              <a:rPr lang="en-US" dirty="0"/>
+              <a:t>Every leaflet map comes with three components:</a:t>
+            </a:r>
+          </a:p>
+          <a:p>
+            <a:pPr lvl="1">
+              <a:lnSpc>
+                <a:spcPct val="100000"/>
+              </a:lnSpc>
+              <a:spcBef>
+                <a:spcPts val="0"/>
+              </a:spcBef>
+            </a:pPr>
+            <a:r>
+              <a:rPr lang="en-US" dirty="0"/>
+              <a:t>A call to leaflet(), which sets things up. Global options can be set here.</a:t>
+            </a:r>
+          </a:p>
+          <a:p>
+            <a:pPr lvl="1">
+              <a:lnSpc>
+                <a:spcPct val="100000"/>
+              </a:lnSpc>
+              <a:spcBef>
+                <a:spcPts val="0"/>
+              </a:spcBef>
+            </a:pPr>
+            <a:r>
+              <a:rPr lang="en-US" dirty="0"/>
+              <a:t>A call to addTiles(). A </a:t>
+            </a:r>
+            <a:r>
+              <a:rPr lang="en-US" b="1" dirty="0"/>
+              <a:t>tile</a:t>
+            </a:r>
+            <a:r>
+              <a:rPr lang="en-US" dirty="0"/>
+              <a:t> is the map’s background image.</a:t>
+            </a:r>
+          </a:p>
+          <a:p>
+            <a:pPr lvl="1">
+              <a:lnSpc>
+                <a:spcPct val="100000"/>
+              </a:lnSpc>
+              <a:spcBef>
+                <a:spcPts val="0"/>
+              </a:spcBef>
+            </a:pPr>
+            <a:r>
+              <a:rPr lang="en-US" dirty="0"/>
+              <a:t>A call to an add*() function to insert our spatial data.</a:t>
+            </a:r>
+          </a:p>
+          <a:p>
+            <a:pPr>
+              <a:lnSpc>
+                <a:spcPct val="100000"/>
+              </a:lnSpc>
+            </a:pPr>
+            <a:r>
+              <a:rPr lang="en-US" dirty="0"/>
+              <a:t>Here, we’ll use the default options and tile, and we’ll use </a:t>
+            </a:r>
+            <a:r>
+              <a:rPr lang="en-US" dirty="0" err="1"/>
+              <a:t>addPolygons</a:t>
+            </a:r>
+            <a:r>
+              <a:rPr lang="en-US" dirty="0"/>
+              <a:t>() to draw outlines around our countries. </a:t>
+            </a:r>
+          </a:p>
+          <a:p>
+            <a:pPr>
+              <a:lnSpc>
+                <a:spcPct val="100000"/>
+              </a:lnSpc>
+            </a:pPr>
+            <a:r>
+              <a:rPr lang="en-US" dirty="0"/>
+              <a:t>Users probably shouldn’t be able to </a:t>
+            </a:r>
+            <a:r>
+              <a:rPr lang="en-US" b="1" dirty="0"/>
+              <a:t>pan</a:t>
+            </a:r>
+            <a:r>
+              <a:rPr lang="en-US" dirty="0"/>
+              <a:t> and zoom without restrictions. Let’s set mix/max zoom levels and set </a:t>
+            </a:r>
+            <a:r>
+              <a:rPr lang="en-US" b="1" dirty="0"/>
+              <a:t>bounds</a:t>
+            </a:r>
+            <a:r>
+              <a:rPr lang="en-US" dirty="0"/>
+              <a:t>.</a:t>
+            </a:r>
+          </a:p>
+        </p:txBody>
+      </p:sp>
+    </p:spTree>
+    <p:extLst>
+      <p:ext uri="{BB962C8B-B14F-4D97-AF65-F5344CB8AC3E}">
+        <p14:creationId xmlns:p14="http://schemas.microsoft.com/office/powerpoint/2010/main" val="2866949503"/>
+      </p:ext>
+    </p:extLst>
+  </p:cSld>
+  <p:clrMapOvr>
+    <a:masterClrMapping/>
+  </p:clrMapOvr>
+  <p:timing>
+    <p:tnLst>
+      <p:par>
+        <p:cTn id="1" dur="indefinite" restart="never" nodeType="tmRoot">
+          <p:childTnLst>
+            <p:seq concurrent="1" nextAc="seek">
+              <p:cTn id="2" dur="indefinite" nodeType="mainSeq">
+                <p:childTnLst>
+                  <p:par>
+                    <p:cTn id="3" fill="hold">
+                      <p:stCondLst>
+                        <p:cond delay="indefinite"/>
+                      </p:stCondLst>
+                      <p:childTnLst>
+                        <p:par>
+                          <p:cTn id="4" fill="hold">
+                            <p:stCondLst>
+                              <p:cond delay="0"/>
+                            </p:stCondLst>
+                            <p:childTnLst>
+                              <p:par>
+                                <p:cTn id="5" presetID="10" presetClass="entr" presetSubtype="0" fill="hold" grpId="0" nodeType="clickEffect">
+                                  <p:stCondLst>
+                                    <p:cond delay="0"/>
+                                  </p:stCondLst>
+                                  <p:childTnLst>
+                                    <p:set>
+                                      <p:cBhvr>
+                                        <p:cTn id="6" dur="1" fill="hold">
+                                          <p:stCondLst>
+                                            <p:cond delay="0"/>
+                                          </p:stCondLst>
+                                        </p:cTn>
+                                        <p:tgtEl>
+                                          <p:spTgt spid="3">
+                                            <p:txEl>
+                                              <p:pRg st="0" end="0"/>
+                                            </p:txEl>
+                                          </p:spTgt>
+                                        </p:tgtEl>
+                                        <p:attrNameLst>
+                                          <p:attrName>style.visibility</p:attrName>
+                                        </p:attrNameLst>
+                                      </p:cBhvr>
+                                      <p:to>
+                                        <p:strVal val="visible"/>
+                                      </p:to>
+                                    </p:set>
+                                    <p:animEffect transition="in" filter="fade">
+                                      <p:cBhvr>
+                                        <p:cTn id="7" dur="500"/>
+                                        <p:tgtEl>
+                                          <p:spTgt spid="3">
+                                            <p:txEl>
+                                              <p:pRg st="0" end="0"/>
+                                            </p:txEl>
+                                          </p:spTgt>
+                                        </p:tgtEl>
+                                      </p:cBhvr>
+                                    </p:animEffect>
+                                  </p:childTnLst>
+                                </p:cTn>
+                              </p:par>
+                            </p:childTnLst>
+                          </p:cTn>
+                        </p:par>
+                      </p:childTnLst>
+                    </p:cTn>
+                  </p:par>
+                  <p:par>
+                    <p:cTn id="8" fill="hold">
+                      <p:stCondLst>
+                        <p:cond delay="indefinite"/>
+                      </p:stCondLst>
+                      <p:childTnLst>
+                        <p:par>
+                          <p:cTn id="9" fill="hold">
+                            <p:stCondLst>
+                              <p:cond delay="0"/>
+                            </p:stCondLst>
+                            <p:childTnLst>
+                              <p:par>
+                                <p:cTn id="10" presetID="10" presetClass="entr" presetSubtype="0" fill="hold" grpId="0" nodeType="clickEffect">
+                                  <p:stCondLst>
+                                    <p:cond delay="0"/>
+                                  </p:stCondLst>
+                                  <p:childTnLst>
+                                    <p:set>
+                                      <p:cBhvr>
+                                        <p:cTn id="11" dur="1" fill="hold">
+                                          <p:stCondLst>
+                                            <p:cond delay="0"/>
+                                          </p:stCondLst>
+                                        </p:cTn>
+                                        <p:tgtEl>
+                                          <p:spTgt spid="3">
+                                            <p:txEl>
+                                              <p:pRg st="1" end="1"/>
+                                            </p:txEl>
+                                          </p:spTgt>
+                                        </p:tgtEl>
+                                        <p:attrNameLst>
+                                          <p:attrName>style.visibility</p:attrName>
+                                        </p:attrNameLst>
+                                      </p:cBhvr>
+                                      <p:to>
+                                        <p:strVal val="visible"/>
+                                      </p:to>
+                                    </p:set>
+                                    <p:animEffect transition="in" filter="fade">
+                                      <p:cBhvr>
+                                        <p:cTn id="12" dur="500"/>
+                                        <p:tgtEl>
+                                          <p:spTgt spid="3">
+                                            <p:txEl>
+                                              <p:pRg st="1" end="1"/>
+                                            </p:txEl>
+                                          </p:spTgt>
+                                        </p:tgtEl>
+                                      </p:cBhvr>
+                                    </p:animEffect>
+                                  </p:childTnLst>
+                                </p:cTn>
+                              </p:par>
+                            </p:childTnLst>
+                          </p:cTn>
+                        </p:par>
+                      </p:childTnLst>
+                    </p:cTn>
+                  </p:par>
+                  <p:par>
+                    <p:cTn id="13" fill="hold">
+                      <p:stCondLst>
+                        <p:cond delay="indefinite"/>
+                      </p:stCondLst>
+                      <p:childTnLst>
+                        <p:par>
+                          <p:cTn id="14" fill="hold">
+                            <p:stCondLst>
+                              <p:cond delay="0"/>
+                            </p:stCondLst>
+                            <p:childTnLst>
+                              <p:par>
+                                <p:cTn id="15" presetID="10" presetClass="entr" presetSubtype="0" fill="hold" grpId="0" nodeType="clickEffect">
+                                  <p:stCondLst>
+                                    <p:cond delay="0"/>
+                                  </p:stCondLst>
+                                  <p:childTnLst>
+                                    <p:set>
+                                      <p:cBhvr>
+                                        <p:cTn id="16" dur="1" fill="hold">
+                                          <p:stCondLst>
+                                            <p:cond delay="0"/>
+                                          </p:stCondLst>
+                                        </p:cTn>
+                                        <p:tgtEl>
+                                          <p:spTgt spid="3">
+                                            <p:txEl>
+                                              <p:pRg st="2" end="2"/>
+                                            </p:txEl>
+                                          </p:spTgt>
+                                        </p:tgtEl>
+                                        <p:attrNameLst>
+                                          <p:attrName>style.visibility</p:attrName>
+                                        </p:attrNameLst>
+                                      </p:cBhvr>
+                                      <p:to>
+                                        <p:strVal val="visible"/>
+                                      </p:to>
+                                    </p:set>
+                                    <p:animEffect transition="in" filter="fade">
+                                      <p:cBhvr>
+                                        <p:cTn id="17" dur="500"/>
+                                        <p:tgtEl>
+                                          <p:spTgt spid="3">
+                                            <p:txEl>
+                                              <p:pRg st="2" end="2"/>
+                                            </p:txEl>
+                                          </p:spTgt>
+                                        </p:tgtEl>
+                                      </p:cBhvr>
+                                    </p:animEffect>
+                                  </p:childTnLst>
+                                </p:cTn>
+                              </p:par>
+                            </p:childTnLst>
+                          </p:cTn>
+                        </p:par>
+                      </p:childTnLst>
+                    </p:cTn>
+                  </p:par>
+                  <p:par>
+                    <p:cTn id="18" fill="hold">
+                      <p:stCondLst>
+                        <p:cond delay="indefinite"/>
+                      </p:stCondLst>
+                      <p:childTnLst>
+                        <p:par>
+                          <p:cTn id="19" fill="hold">
+                            <p:stCondLst>
+                              <p:cond delay="0"/>
+                            </p:stCondLst>
+                            <p:childTnLst>
+                              <p:par>
+                                <p:cTn id="20" presetID="10" presetClass="entr" presetSubtype="0" fill="hold" grpId="0" nodeType="clickEffect">
+                                  <p:stCondLst>
+                                    <p:cond delay="0"/>
+                                  </p:stCondLst>
+                                  <p:childTnLst>
+                                    <p:set>
+                                      <p:cBhvr>
+                                        <p:cTn id="21" dur="1" fill="hold">
+                                          <p:stCondLst>
+                                            <p:cond delay="0"/>
+                                          </p:stCondLst>
+                                        </p:cTn>
+                                        <p:tgtEl>
+                                          <p:spTgt spid="3">
+                                            <p:txEl>
+                                              <p:pRg st="3" end="3"/>
+                                            </p:txEl>
+                                          </p:spTgt>
+                                        </p:tgtEl>
+                                        <p:attrNameLst>
+                                          <p:attrName>style.visibility</p:attrName>
+                                        </p:attrNameLst>
+                                      </p:cBhvr>
+                                      <p:to>
+                                        <p:strVal val="visible"/>
+                                      </p:to>
+                                    </p:set>
+                                    <p:animEffect transition="in" filter="fade">
+                                      <p:cBhvr>
+                                        <p:cTn id="22" dur="500"/>
+                                        <p:tgtEl>
+                                          <p:spTgt spid="3">
+                                            <p:txEl>
+                                              <p:pRg st="3" end="3"/>
+                                            </p:txEl>
+                                          </p:spTgt>
+                                        </p:tgtEl>
+                                      </p:cBhvr>
+                                    </p:animEffect>
+                                  </p:childTnLst>
+                                </p:cTn>
+                              </p:par>
+                            </p:childTnLst>
+                          </p:cTn>
+                        </p:par>
+                      </p:childTnLst>
+                    </p:cTn>
+                  </p:par>
+                  <p:par>
+                    <p:cTn id="23" fill="hold">
+                      <p:stCondLst>
+                        <p:cond delay="indefinite"/>
+                      </p:stCondLst>
+                      <p:childTnLst>
+                        <p:par>
+                          <p:cTn id="24" fill="hold">
+                            <p:stCondLst>
+                              <p:cond delay="0"/>
+                            </p:stCondLst>
+                            <p:childTnLst>
+                              <p:par>
+                                <p:cTn id="25" presetID="10" presetClass="entr" presetSubtype="0" fill="hold" grpId="0" nodeType="clickEffect">
+                                  <p:stCondLst>
+                                    <p:cond delay="0"/>
+                                  </p:stCondLst>
+                                  <p:childTnLst>
+                                    <p:set>
+                                      <p:cBhvr>
+                                        <p:cTn id="26" dur="1" fill="hold">
+                                          <p:stCondLst>
+                                            <p:cond delay="0"/>
+                                          </p:stCondLst>
+                                        </p:cTn>
+                                        <p:tgtEl>
+                                          <p:spTgt spid="3">
+                                            <p:txEl>
+                                              <p:pRg st="4" end="4"/>
+                                            </p:txEl>
+                                          </p:spTgt>
+                                        </p:tgtEl>
+                                        <p:attrNameLst>
+                                          <p:attrName>style.visibility</p:attrName>
+                                        </p:attrNameLst>
+                                      </p:cBhvr>
+                                      <p:to>
+                                        <p:strVal val="visible"/>
+                                      </p:to>
+                                    </p:set>
+                                    <p:animEffect transition="in" filter="fade">
+                                      <p:cBhvr>
+                                        <p:cTn id="27" dur="500"/>
+                                        <p:tgtEl>
+                                          <p:spTgt spid="3">
+                                            <p:txEl>
+                                              <p:pRg st="4" end="4"/>
+                                            </p:txEl>
+                                          </p:spTgt>
+                                        </p:tgtEl>
+                                      </p:cBhvr>
+                                    </p:animEffect>
+                                  </p:childTnLst>
+                                </p:cTn>
+                              </p:par>
+                            </p:childTnLst>
+                          </p:cTn>
+                        </p:par>
+                      </p:childTnLst>
+                    </p:cTn>
+                  </p:par>
+                  <p:par>
+                    <p:cTn id="28" fill="hold">
+                      <p:stCondLst>
+                        <p:cond delay="indefinite"/>
+                      </p:stCondLst>
+                      <p:childTnLst>
+                        <p:par>
+                          <p:cTn id="29" fill="hold">
+                            <p:stCondLst>
+                              <p:cond delay="0"/>
+                            </p:stCondLst>
+                            <p:childTnLst>
+                              <p:par>
+                                <p:cTn id="30" presetID="10" presetClass="entr" presetSubtype="0" fill="hold" grpId="0" nodeType="clickEffect">
+                                  <p:stCondLst>
+                                    <p:cond delay="0"/>
+                                  </p:stCondLst>
+                                  <p:childTnLst>
+                                    <p:set>
+                                      <p:cBhvr>
+                                        <p:cTn id="31" dur="1" fill="hold">
+                                          <p:stCondLst>
+                                            <p:cond delay="0"/>
+                                          </p:stCondLst>
+                                        </p:cTn>
+                                        <p:tgtEl>
+                                          <p:spTgt spid="3">
+                                            <p:txEl>
+                                              <p:pRg st="5" end="5"/>
+                                            </p:txEl>
+                                          </p:spTgt>
+                                        </p:tgtEl>
+                                        <p:attrNameLst>
+                                          <p:attrName>style.visibility</p:attrName>
+                                        </p:attrNameLst>
+                                      </p:cBhvr>
+                                      <p:to>
+                                        <p:strVal val="visible"/>
+                                      </p:to>
+                                    </p:set>
+                                    <p:animEffect transition="in" filter="fade">
+                                      <p:cBhvr>
+                                        <p:cTn id="32" dur="500"/>
+                                        <p:tgtEl>
+                                          <p:spTgt spid="3">
+                                            <p:txEl>
+                                              <p:pRg st="5" end="5"/>
+                                            </p:txEl>
+                                          </p:spTgt>
+                                        </p:tgtEl>
+                                      </p:cBhvr>
+                                    </p:animEffect>
+                                  </p:childTnLst>
+                                </p:cTn>
+                              </p:par>
+                            </p:childTnLst>
+                          </p:cTn>
+                        </p:par>
+                      </p:childTnLst>
+                    </p:cTn>
+                  </p:par>
+                </p:childTnLst>
+              </p:cTn>
+              <p:prevCondLst>
+                <p:cond evt="onPrev" delay="0">
+                  <p:tgtEl>
+                    <p:sldTgt/>
+                  </p:tgtEl>
+                </p:cond>
+              </p:prevCondLst>
+              <p:nextCondLst>
+                <p:cond evt="onNext" delay="0">
+                  <p:tgtEl>
+                    <p:sldTgt/>
+                  </p:tgtEl>
+                </p:cond>
+              </p:nextCondLst>
+            </p:seq>
+          </p:childTnLst>
+        </p:cTn>
+      </p:par>
+    </p:tnLst>
+    <p:bldLst>
+      <p:bldP spid="3" grpId="0" uiExpand="1" build="p"/>
+    </p:bldLst>
+  </p:timing>
+</p:sld>
+</file>
+
+<file path=ppt/slides/slide55.xml><?xml version="1.0" encoding="utf-8"?>
+<p:sld xmlns:a="http://schemas.openxmlformats.org/drawingml/2006/main" xmlns:r="http://schemas.openxmlformats.org/officeDocument/2006/relationships" xmlns:p="http://schemas.openxmlformats.org/presentationml/2006/main">
+  <p:cSld>
+    <p:spTree>
+      <p:nvGrpSpPr>
+        <p:cNvPr id="1" name=""/>
+        <p:cNvGrpSpPr/>
+        <p:nvPr/>
+      </p:nvGrpSpPr>
+      <p:grpSpPr>
+        <a:xfrm>
+          <a:off x="0" y="0"/>
+          <a:ext cx="0" cy="0"/>
+          <a:chOff x="0" y="0"/>
+          <a:chExt cx="0" cy="0"/>
+        </a:xfrm>
+      </p:grpSpPr>
+      <p:sp>
+        <p:nvSpPr>
+          <p:cNvPr id="2" name="Title 1">
+            <a:extLst>
+              <a:ext uri="{FF2B5EF4-FFF2-40B4-BE49-F238E27FC236}">
+                <a16:creationId xmlns:a16="http://schemas.microsoft.com/office/drawing/2014/main" id="{10CE8776-FA7F-3783-1B0A-E9BBABC1BAD5}"/>
+              </a:ext>
+            </a:extLst>
+          </p:cNvPr>
+          <p:cNvSpPr>
+            <a:spLocks noGrp="1"/>
+          </p:cNvSpPr>
+          <p:nvPr>
+            <p:ph type="title"/>
+          </p:nvPr>
+        </p:nvSpPr>
+        <p:spPr/>
+        <p:txBody>
+          <a:bodyPr/>
+          <a:lstStyle/>
+          <a:p>
+            <a:r>
+              <a:rPr lang="en-US" dirty="0"/>
+              <a:t>Putting on the ritz</a:t>
+            </a:r>
+          </a:p>
+        </p:txBody>
+      </p:sp>
+      <p:sp>
+        <p:nvSpPr>
+          <p:cNvPr id="3" name="Text Placeholder 2">
+            <a:extLst>
+              <a:ext uri="{FF2B5EF4-FFF2-40B4-BE49-F238E27FC236}">
+                <a16:creationId xmlns:a16="http://schemas.microsoft.com/office/drawing/2014/main" id="{37C7509F-FE61-2754-550B-82AA2200D11D}"/>
+              </a:ext>
+            </a:extLst>
+          </p:cNvPr>
+          <p:cNvSpPr>
+            <a:spLocks noGrp="1"/>
+          </p:cNvSpPr>
+          <p:nvPr>
+            <p:ph type="body" idx="1"/>
+          </p:nvPr>
+        </p:nvSpPr>
+        <p:spPr/>
+        <p:txBody>
+          <a:bodyPr>
+            <a:normAutofit fontScale="92500" lnSpcReduction="20000"/>
+          </a:bodyPr>
+          <a:lstStyle/>
+          <a:p>
+            <a:pPr>
+              <a:lnSpc>
+                <a:spcPct val="100000"/>
+              </a:lnSpc>
+            </a:pPr>
+            <a:r>
+              <a:rPr lang="en-US" dirty="0"/>
+              <a:t>Our map is a little messy visually. Let’s make the strokes (outlines) of our countries crisper.</a:t>
+            </a:r>
+          </a:p>
+          <a:p>
+            <a:pPr>
+              <a:lnSpc>
+                <a:spcPct val="100000"/>
+              </a:lnSpc>
+            </a:pPr>
+            <a:r>
+              <a:rPr lang="en-US" dirty="0"/>
+              <a:t>This is prettier! But it doesn’t actually show any </a:t>
+            </a:r>
+            <a:r>
+              <a:rPr lang="en-US" b="1" dirty="0"/>
+              <a:t>data</a:t>
+            </a:r>
+            <a:r>
+              <a:rPr lang="en-US" dirty="0"/>
+              <a:t> yet…</a:t>
+            </a:r>
+          </a:p>
+          <a:p>
+            <a:pPr>
+              <a:lnSpc>
+                <a:spcPct val="100000"/>
+              </a:lnSpc>
+            </a:pPr>
+            <a:r>
+              <a:rPr lang="en-US" dirty="0"/>
+              <a:t>Let’s have the map show 2007 life expectancy data from every country.</a:t>
+            </a:r>
+          </a:p>
+          <a:p>
+            <a:pPr lvl="1">
+              <a:lnSpc>
+                <a:spcPct val="100000"/>
+              </a:lnSpc>
+              <a:spcBef>
+                <a:spcPts val="0"/>
+              </a:spcBef>
+            </a:pPr>
+            <a:r>
+              <a:rPr lang="en-US" dirty="0"/>
+              <a:t>We’ll map this aesthetic to the fill (center) of our polygons. </a:t>
+            </a:r>
+          </a:p>
+          <a:p>
+            <a:pPr>
+              <a:lnSpc>
+                <a:spcPct val="100000"/>
+              </a:lnSpc>
+            </a:pPr>
+            <a:r>
+              <a:rPr lang="en-US" dirty="0"/>
+              <a:t>This is a two-step process:</a:t>
+            </a:r>
+          </a:p>
+          <a:p>
+            <a:pPr marL="990600" lvl="1" indent="-457200">
+              <a:lnSpc>
+                <a:spcPct val="100000"/>
+              </a:lnSpc>
+              <a:spcBef>
+                <a:spcPts val="0"/>
+              </a:spcBef>
+              <a:buFont typeface="+mj-lt"/>
+              <a:buAutoNum type="arabicPeriod"/>
+            </a:pPr>
+            <a:r>
+              <a:rPr lang="en-US" dirty="0"/>
+              <a:t>We first need to use a color*() function to make a palette function leaflet can use to determine which spatial objects should get which colors.</a:t>
+            </a:r>
+          </a:p>
+          <a:p>
+            <a:pPr marL="990600" lvl="1" indent="-457200">
+              <a:lnSpc>
+                <a:spcPct val="100000"/>
+              </a:lnSpc>
+              <a:spcBef>
+                <a:spcPts val="0"/>
+              </a:spcBef>
+              <a:buFont typeface="+mj-lt"/>
+              <a:buAutoNum type="arabicPeriod"/>
+            </a:pPr>
+            <a:r>
+              <a:rPr lang="en-US" dirty="0"/>
+              <a:t>Then, we need to provide that function plus the data to our map.</a:t>
+            </a:r>
+          </a:p>
+          <a:p>
+            <a:pPr>
+              <a:lnSpc>
+                <a:spcPct val="100000"/>
+              </a:lnSpc>
+            </a:pPr>
+            <a:r>
+              <a:rPr lang="en-US" dirty="0"/>
+              <a:t>…And it makes sense to add a </a:t>
+            </a:r>
+            <a:r>
+              <a:rPr lang="en-US" b="1" dirty="0"/>
+              <a:t>legend</a:t>
+            </a:r>
+            <a:r>
+              <a:rPr lang="en-US" dirty="0"/>
+              <a:t>, right?</a:t>
+            </a:r>
+          </a:p>
+          <a:p>
+            <a:pPr>
+              <a:lnSpc>
+                <a:spcPct val="100000"/>
+              </a:lnSpc>
+            </a:pPr>
+            <a:r>
+              <a:rPr lang="en-US" dirty="0"/>
+              <a:t>…Could we add </a:t>
+            </a:r>
+            <a:r>
+              <a:rPr lang="en-US" i="1" dirty="0"/>
+              <a:t>even more </a:t>
+            </a:r>
+            <a:r>
+              <a:rPr lang="en-US" dirty="0"/>
+              <a:t>data? Yes, </a:t>
+            </a:r>
+            <a:r>
+              <a:rPr lang="en-US"/>
+              <a:t>via </a:t>
+            </a:r>
+            <a:r>
+              <a:rPr lang="en-US" b="1"/>
+              <a:t>tooltips</a:t>
+            </a:r>
+            <a:r>
+              <a:rPr lang="en-US" dirty="0"/>
+              <a:t>.</a:t>
+            </a:r>
+          </a:p>
+        </p:txBody>
+      </p:sp>
+    </p:spTree>
+    <p:extLst>
+      <p:ext uri="{BB962C8B-B14F-4D97-AF65-F5344CB8AC3E}">
+        <p14:creationId xmlns:p14="http://schemas.microsoft.com/office/powerpoint/2010/main" val="749962508"/>
+      </p:ext>
+    </p:extLst>
+  </p:cSld>
+  <p:clrMapOvr>
+    <a:masterClrMapping/>
+  </p:clrMapOvr>
+  <p:timing>
+    <p:tnLst>
+      <p:par>
+        <p:cTn id="1" dur="indefinite" restart="never" nodeType="tmRoot">
+          <p:childTnLst>
+            <p:seq concurrent="1" nextAc="seek">
+              <p:cTn id="2" dur="indefinite" nodeType="mainSeq">
+                <p:childTnLst>
+                  <p:par>
+                    <p:cTn id="3" fill="hold">
+                      <p:stCondLst>
+                        <p:cond delay="indefinite"/>
+                      </p:stCondLst>
+                      <p:childTnLst>
+                        <p:par>
+                          <p:cTn id="4" fill="hold">
+                            <p:stCondLst>
+                              <p:cond delay="0"/>
+                            </p:stCondLst>
+                            <p:childTnLst>
+                              <p:par>
+                                <p:cTn id="5" presetID="10" presetClass="entr" presetSubtype="0" fill="hold" grpId="0" nodeType="clickEffect">
+                                  <p:stCondLst>
+                                    <p:cond delay="0"/>
+                                  </p:stCondLst>
+                                  <p:childTnLst>
+                                    <p:set>
+                                      <p:cBhvr>
+                                        <p:cTn id="6" dur="1" fill="hold">
+                                          <p:stCondLst>
+                                            <p:cond delay="0"/>
+                                          </p:stCondLst>
+                                        </p:cTn>
+                                        <p:tgtEl>
+                                          <p:spTgt spid="3">
+                                            <p:txEl>
+                                              <p:pRg st="0" end="0"/>
+                                            </p:txEl>
+                                          </p:spTgt>
+                                        </p:tgtEl>
+                                        <p:attrNameLst>
+                                          <p:attrName>style.visibility</p:attrName>
+                                        </p:attrNameLst>
+                                      </p:cBhvr>
+                                      <p:to>
+                                        <p:strVal val="visible"/>
+                                      </p:to>
+                                    </p:set>
+                                    <p:animEffect transition="in" filter="fade">
+                                      <p:cBhvr>
+                                        <p:cTn id="7" dur="500"/>
+                                        <p:tgtEl>
+                                          <p:spTgt spid="3">
+                                            <p:txEl>
+                                              <p:pRg st="0" end="0"/>
+                                            </p:txEl>
+                                          </p:spTgt>
+                                        </p:tgtEl>
+                                      </p:cBhvr>
+                                    </p:animEffect>
+                                  </p:childTnLst>
+                                </p:cTn>
+                              </p:par>
+                            </p:childTnLst>
+                          </p:cTn>
+                        </p:par>
+                      </p:childTnLst>
+                    </p:cTn>
+                  </p:par>
+                  <p:par>
+                    <p:cTn id="8" fill="hold">
+                      <p:stCondLst>
+                        <p:cond delay="indefinite"/>
+                      </p:stCondLst>
+                      <p:childTnLst>
+                        <p:par>
+                          <p:cTn id="9" fill="hold">
+                            <p:stCondLst>
+                              <p:cond delay="0"/>
+                            </p:stCondLst>
+                            <p:childTnLst>
+                              <p:par>
+                                <p:cTn id="10" presetID="10" presetClass="entr" presetSubtype="0" fill="hold" grpId="0" nodeType="clickEffect">
+                                  <p:stCondLst>
+                                    <p:cond delay="0"/>
+                                  </p:stCondLst>
+                                  <p:childTnLst>
+                                    <p:set>
+                                      <p:cBhvr>
+                                        <p:cTn id="11" dur="1" fill="hold">
+                                          <p:stCondLst>
+                                            <p:cond delay="0"/>
+                                          </p:stCondLst>
+                                        </p:cTn>
+                                        <p:tgtEl>
+                                          <p:spTgt spid="3">
+                                            <p:txEl>
+                                              <p:pRg st="1" end="1"/>
+                                            </p:txEl>
+                                          </p:spTgt>
+                                        </p:tgtEl>
+                                        <p:attrNameLst>
+                                          <p:attrName>style.visibility</p:attrName>
+                                        </p:attrNameLst>
+                                      </p:cBhvr>
+                                      <p:to>
+                                        <p:strVal val="visible"/>
+                                      </p:to>
+                                    </p:set>
+                                    <p:animEffect transition="in" filter="fade">
+                                      <p:cBhvr>
+                                        <p:cTn id="12" dur="500"/>
+                                        <p:tgtEl>
+                                          <p:spTgt spid="3">
+                                            <p:txEl>
+                                              <p:pRg st="1" end="1"/>
+                                            </p:txEl>
+                                          </p:spTgt>
+                                        </p:tgtEl>
+                                      </p:cBhvr>
+                                    </p:animEffect>
+                                  </p:childTnLst>
+                                </p:cTn>
+                              </p:par>
+                            </p:childTnLst>
+                          </p:cTn>
+                        </p:par>
+                      </p:childTnLst>
+                    </p:cTn>
+                  </p:par>
+                  <p:par>
+                    <p:cTn id="13" fill="hold">
+                      <p:stCondLst>
+                        <p:cond delay="indefinite"/>
+                      </p:stCondLst>
+                      <p:childTnLst>
+                        <p:par>
+                          <p:cTn id="14" fill="hold">
+                            <p:stCondLst>
+                              <p:cond delay="0"/>
+                            </p:stCondLst>
+                            <p:childTnLst>
+                              <p:par>
+                                <p:cTn id="15" presetID="10" presetClass="entr" presetSubtype="0" fill="hold" grpId="0" nodeType="clickEffect">
+                                  <p:stCondLst>
+                                    <p:cond delay="0"/>
+                                  </p:stCondLst>
+                                  <p:childTnLst>
+                                    <p:set>
+                                      <p:cBhvr>
+                                        <p:cTn id="16" dur="1" fill="hold">
+                                          <p:stCondLst>
+                                            <p:cond delay="0"/>
+                                          </p:stCondLst>
+                                        </p:cTn>
+                                        <p:tgtEl>
+                                          <p:spTgt spid="3">
+                                            <p:txEl>
+                                              <p:pRg st="2" end="2"/>
+                                            </p:txEl>
+                                          </p:spTgt>
+                                        </p:tgtEl>
+                                        <p:attrNameLst>
+                                          <p:attrName>style.visibility</p:attrName>
+                                        </p:attrNameLst>
+                                      </p:cBhvr>
+                                      <p:to>
+                                        <p:strVal val="visible"/>
+                                      </p:to>
+                                    </p:set>
+                                    <p:animEffect transition="in" filter="fade">
+                                      <p:cBhvr>
+                                        <p:cTn id="17" dur="500"/>
+                                        <p:tgtEl>
+                                          <p:spTgt spid="3">
+                                            <p:txEl>
+                                              <p:pRg st="2" end="2"/>
+                                            </p:txEl>
+                                          </p:spTgt>
+                                        </p:tgtEl>
+                                      </p:cBhvr>
+                                    </p:animEffect>
+                                  </p:childTnLst>
+                                </p:cTn>
+                              </p:par>
+                              <p:par>
+                                <p:cTn id="18" presetID="10" presetClass="entr" presetSubtype="0" fill="hold" grpId="0" nodeType="withEffect">
+                                  <p:stCondLst>
+                                    <p:cond delay="0"/>
+                                  </p:stCondLst>
+                                  <p:childTnLst>
+                                    <p:set>
+                                      <p:cBhvr>
+                                        <p:cTn id="19" dur="1" fill="hold">
+                                          <p:stCondLst>
+                                            <p:cond delay="0"/>
+                                          </p:stCondLst>
+                                        </p:cTn>
+                                        <p:tgtEl>
+                                          <p:spTgt spid="3">
+                                            <p:txEl>
+                                              <p:pRg st="3" end="3"/>
+                                            </p:txEl>
+                                          </p:spTgt>
+                                        </p:tgtEl>
+                                        <p:attrNameLst>
+                                          <p:attrName>style.visibility</p:attrName>
+                                        </p:attrNameLst>
+                                      </p:cBhvr>
+                                      <p:to>
+                                        <p:strVal val="visible"/>
+                                      </p:to>
+                                    </p:set>
+                                    <p:animEffect transition="in" filter="fade">
+                                      <p:cBhvr>
+                                        <p:cTn id="20" dur="500"/>
+                                        <p:tgtEl>
+                                          <p:spTgt spid="3">
+                                            <p:txEl>
+                                              <p:pRg st="3" end="3"/>
+                                            </p:txEl>
+                                          </p:spTgt>
+                                        </p:tgtEl>
+                                      </p:cBhvr>
+                                    </p:animEffect>
+                                  </p:childTnLst>
+                                </p:cTn>
+                              </p:par>
+                            </p:childTnLst>
+                          </p:cTn>
+                        </p:par>
+                      </p:childTnLst>
+                    </p:cTn>
+                  </p:par>
+                  <p:par>
+                    <p:cTn id="21" fill="hold">
+                      <p:stCondLst>
+                        <p:cond delay="indefinite"/>
+                      </p:stCondLst>
+                      <p:childTnLst>
+                        <p:par>
+                          <p:cTn id="22" fill="hold">
+                            <p:stCondLst>
+                              <p:cond delay="0"/>
+                            </p:stCondLst>
+                            <p:childTnLst>
+                              <p:par>
+                                <p:cTn id="23" presetID="10" presetClass="entr" presetSubtype="0" fill="hold" grpId="0" nodeType="clickEffect">
+                                  <p:stCondLst>
+                                    <p:cond delay="0"/>
+                                  </p:stCondLst>
+                                  <p:childTnLst>
+                                    <p:set>
+                                      <p:cBhvr>
+                                        <p:cTn id="24" dur="1" fill="hold">
+                                          <p:stCondLst>
+                                            <p:cond delay="0"/>
+                                          </p:stCondLst>
+                                        </p:cTn>
+                                        <p:tgtEl>
+                                          <p:spTgt spid="3">
+                                            <p:txEl>
+                                              <p:pRg st="4" end="4"/>
+                                            </p:txEl>
+                                          </p:spTgt>
+                                        </p:tgtEl>
+                                        <p:attrNameLst>
+                                          <p:attrName>style.visibility</p:attrName>
+                                        </p:attrNameLst>
+                                      </p:cBhvr>
+                                      <p:to>
+                                        <p:strVal val="visible"/>
+                                      </p:to>
+                                    </p:set>
+                                    <p:animEffect transition="in" filter="fade">
+                                      <p:cBhvr>
+                                        <p:cTn id="25" dur="500"/>
+                                        <p:tgtEl>
+                                          <p:spTgt spid="3">
+                                            <p:txEl>
+                                              <p:pRg st="4" end="4"/>
+                                            </p:txEl>
+                                          </p:spTgt>
+                                        </p:tgtEl>
+                                      </p:cBhvr>
+                                    </p:animEffect>
+                                  </p:childTnLst>
+                                </p:cTn>
+                              </p:par>
+                              <p:par>
+                                <p:cTn id="26" presetID="10" presetClass="entr" presetSubtype="0" fill="hold" grpId="0" nodeType="withEffect">
+                                  <p:stCondLst>
+                                    <p:cond delay="0"/>
+                                  </p:stCondLst>
+                                  <p:childTnLst>
+                                    <p:set>
+                                      <p:cBhvr>
+                                        <p:cTn id="27" dur="1" fill="hold">
+                                          <p:stCondLst>
+                                            <p:cond delay="0"/>
+                                          </p:stCondLst>
+                                        </p:cTn>
+                                        <p:tgtEl>
+                                          <p:spTgt spid="3">
+                                            <p:txEl>
+                                              <p:pRg st="5" end="5"/>
+                                            </p:txEl>
+                                          </p:spTgt>
+                                        </p:tgtEl>
+                                        <p:attrNameLst>
+                                          <p:attrName>style.visibility</p:attrName>
+                                        </p:attrNameLst>
+                                      </p:cBhvr>
+                                      <p:to>
+                                        <p:strVal val="visible"/>
+                                      </p:to>
+                                    </p:set>
+                                    <p:animEffect transition="in" filter="fade">
+                                      <p:cBhvr>
+                                        <p:cTn id="28" dur="500"/>
+                                        <p:tgtEl>
+                                          <p:spTgt spid="3">
+                                            <p:txEl>
+                                              <p:pRg st="5" end="5"/>
+                                            </p:txEl>
+                                          </p:spTgt>
+                                        </p:tgtEl>
+                                      </p:cBhvr>
+                                    </p:animEffect>
+                                  </p:childTnLst>
+                                </p:cTn>
+                              </p:par>
+                              <p:par>
+                                <p:cTn id="29" presetID="10" presetClass="entr" presetSubtype="0" fill="hold" grpId="0" nodeType="withEffect">
+                                  <p:stCondLst>
+                                    <p:cond delay="0"/>
+                                  </p:stCondLst>
+                                  <p:childTnLst>
+                                    <p:set>
+                                      <p:cBhvr>
+                                        <p:cTn id="30" dur="1" fill="hold">
+                                          <p:stCondLst>
+                                            <p:cond delay="0"/>
+                                          </p:stCondLst>
+                                        </p:cTn>
+                                        <p:tgtEl>
+                                          <p:spTgt spid="3">
+                                            <p:txEl>
+                                              <p:pRg st="6" end="6"/>
+                                            </p:txEl>
+                                          </p:spTgt>
+                                        </p:tgtEl>
+                                        <p:attrNameLst>
+                                          <p:attrName>style.visibility</p:attrName>
+                                        </p:attrNameLst>
+                                      </p:cBhvr>
+                                      <p:to>
+                                        <p:strVal val="visible"/>
+                                      </p:to>
+                                    </p:set>
+                                    <p:animEffect transition="in" filter="fade">
+                                      <p:cBhvr>
+                                        <p:cTn id="31" dur="500"/>
+                                        <p:tgtEl>
+                                          <p:spTgt spid="3">
+                                            <p:txEl>
+                                              <p:pRg st="6" end="6"/>
+                                            </p:txEl>
+                                          </p:spTgt>
+                                        </p:tgtEl>
+                                      </p:cBhvr>
+                                    </p:animEffect>
+                                  </p:childTnLst>
+                                </p:cTn>
+                              </p:par>
+                            </p:childTnLst>
+                          </p:cTn>
+                        </p:par>
+                      </p:childTnLst>
+                    </p:cTn>
+                  </p:par>
+                  <p:par>
+                    <p:cTn id="32" fill="hold">
+                      <p:stCondLst>
+                        <p:cond delay="indefinite"/>
+                      </p:stCondLst>
+                      <p:childTnLst>
+                        <p:par>
+                          <p:cTn id="33" fill="hold">
+                            <p:stCondLst>
+                              <p:cond delay="0"/>
+                            </p:stCondLst>
+                            <p:childTnLst>
+                              <p:par>
+                                <p:cTn id="34" presetID="10" presetClass="entr" presetSubtype="0" fill="hold" grpId="0" nodeType="clickEffect">
+                                  <p:stCondLst>
+                                    <p:cond delay="0"/>
+                                  </p:stCondLst>
+                                  <p:childTnLst>
+                                    <p:set>
+                                      <p:cBhvr>
+                                        <p:cTn id="35" dur="1" fill="hold">
+                                          <p:stCondLst>
+                                            <p:cond delay="0"/>
+                                          </p:stCondLst>
+                                        </p:cTn>
+                                        <p:tgtEl>
+                                          <p:spTgt spid="3">
+                                            <p:txEl>
+                                              <p:pRg st="7" end="7"/>
+                                            </p:txEl>
+                                          </p:spTgt>
+                                        </p:tgtEl>
+                                        <p:attrNameLst>
+                                          <p:attrName>style.visibility</p:attrName>
+                                        </p:attrNameLst>
+                                      </p:cBhvr>
+                                      <p:to>
+                                        <p:strVal val="visible"/>
+                                      </p:to>
+                                    </p:set>
+                                    <p:animEffect transition="in" filter="fade">
+                                      <p:cBhvr>
+                                        <p:cTn id="36" dur="500"/>
+                                        <p:tgtEl>
+                                          <p:spTgt spid="3">
+                                            <p:txEl>
+                                              <p:pRg st="7" end="7"/>
+                                            </p:txEl>
+                                          </p:spTgt>
+                                        </p:tgtEl>
+                                      </p:cBhvr>
+                                    </p:animEffect>
+                                  </p:childTnLst>
+                                </p:cTn>
+                              </p:par>
+                            </p:childTnLst>
+                          </p:cTn>
+                        </p:par>
+                      </p:childTnLst>
+                    </p:cTn>
+                  </p:par>
+                  <p:par>
+                    <p:cTn id="37" fill="hold">
+                      <p:stCondLst>
+                        <p:cond delay="indefinite"/>
+                      </p:stCondLst>
+                      <p:childTnLst>
+                        <p:par>
+                          <p:cTn id="38" fill="hold">
+                            <p:stCondLst>
+                              <p:cond delay="0"/>
+                            </p:stCondLst>
+                            <p:childTnLst>
+                              <p:par>
+                                <p:cTn id="39" presetID="10" presetClass="entr" presetSubtype="0" fill="hold" grpId="0" nodeType="clickEffect">
+                                  <p:stCondLst>
+                                    <p:cond delay="0"/>
+                                  </p:stCondLst>
+                                  <p:childTnLst>
+                                    <p:set>
+                                      <p:cBhvr>
+                                        <p:cTn id="40" dur="1" fill="hold">
+                                          <p:stCondLst>
+                                            <p:cond delay="0"/>
+                                          </p:stCondLst>
+                                        </p:cTn>
+                                        <p:tgtEl>
+                                          <p:spTgt spid="3">
+                                            <p:txEl>
+                                              <p:pRg st="8" end="8"/>
+                                            </p:txEl>
+                                          </p:spTgt>
+                                        </p:tgtEl>
+                                        <p:attrNameLst>
+                                          <p:attrName>style.visibility</p:attrName>
+                                        </p:attrNameLst>
+                                      </p:cBhvr>
+                                      <p:to>
+                                        <p:strVal val="visible"/>
+                                      </p:to>
+                                    </p:set>
+                                    <p:animEffect transition="in" filter="fade">
+                                      <p:cBhvr>
+                                        <p:cTn id="41" dur="500"/>
+                                        <p:tgtEl>
+                                          <p:spTgt spid="3">
+                                            <p:txEl>
+                                              <p:pRg st="8" end="8"/>
+                                            </p:txEl>
+                                          </p:spTgt>
+                                        </p:tgtEl>
+                                      </p:cBhvr>
+                                    </p:animEffect>
+                                  </p:childTnLst>
+                                </p:cTn>
+                              </p:par>
+                            </p:childTnLst>
+                          </p:cTn>
+                        </p:par>
+                      </p:childTnLst>
+                    </p:cTn>
+                  </p:par>
+                </p:childTnLst>
+              </p:cTn>
+              <p:prevCondLst>
+                <p:cond evt="onPrev" delay="0">
+                  <p:tgtEl>
+                    <p:sldTgt/>
+                  </p:tgtEl>
+                </p:cond>
+              </p:prevCondLst>
+              <p:nextCondLst>
+                <p:cond evt="onNext" delay="0">
+                  <p:tgtEl>
+                    <p:sldTgt/>
+                  </p:tgtEl>
+                </p:cond>
+              </p:nextCondLst>
+            </p:seq>
+          </p:childTnLst>
+        </p:cTn>
+      </p:par>
+    </p:tnLst>
+    <p:bldLst>
+      <p:bldP spid="3" grpId="0" uiExpand="1" build="p"/>
+    </p:bldLst>
+  </p:timing>
+</p:sld>
+</file>
+
+<file path=ppt/slides/slide56.xml><?xml version="1.0" encoding="utf-8"?>
+<p:sld xmlns:a="http://schemas.openxmlformats.org/drawingml/2006/main" xmlns:r="http://schemas.openxmlformats.org/officeDocument/2006/relationships" xmlns:p="http://schemas.openxmlformats.org/presentationml/2006/main">
+  <p:cSld>
+    <p:spTree>
+      <p:nvGrpSpPr>
+        <p:cNvPr id="1" name="Shape 92"/>
+        <p:cNvGrpSpPr/>
+        <p:nvPr/>
+      </p:nvGrpSpPr>
+      <p:grpSpPr>
+        <a:xfrm>
+          <a:off x="0" y="0"/>
+          <a:ext cx="0" cy="0"/>
+          <a:chOff x="0" y="0"/>
+          <a:chExt cx="0" cy="0"/>
+        </a:xfrm>
+      </p:grpSpPr>
+      <p:sp>
+        <p:nvSpPr>
+          <p:cNvPr id="93" name="Google Shape;93;p18"/>
+          <p:cNvSpPr txBox="1">
+            <a:spLocks noGrp="1"/>
+          </p:cNvSpPr>
+          <p:nvPr>
+            <p:ph type="title"/>
+          </p:nvPr>
+        </p:nvSpPr>
+        <p:spPr>
+          <a:xfrm>
+            <a:off x="311700" y="445025"/>
+            <a:ext cx="8520600" cy="623400"/>
+          </a:xfrm>
+          <a:prstGeom prst="rect">
+            <a:avLst/>
+          </a:prstGeom>
+        </p:spPr>
+        <p:txBody>
+          <a:bodyPr spcFirstLastPara="1" wrap="square" lIns="91425" tIns="91425" rIns="91425" bIns="91425" anchor="t" anchorCtr="0">
+            <a:noAutofit/>
+          </a:bodyPr>
+          <a:lstStyle/>
+          <a:p>
+            <a:pPr marL="0" lvl="0" indent="0" algn="l" rtl="0">
+              <a:spcBef>
+                <a:spcPts val="0"/>
+              </a:spcBef>
+              <a:spcAft>
+                <a:spcPts val="0"/>
+              </a:spcAft>
+              <a:buNone/>
+            </a:pPr>
+            <a:r>
+              <a:rPr lang="en"/>
+              <a:t>More resources for help</a:t>
+            </a:r>
+            <a:endParaRPr/>
+          </a:p>
+        </p:txBody>
+      </p:sp>
+      <p:sp>
+        <p:nvSpPr>
+          <p:cNvPr id="94" name="Google Shape;94;p18"/>
+          <p:cNvSpPr txBox="1">
+            <a:spLocks noGrp="1"/>
+          </p:cNvSpPr>
+          <p:nvPr>
+            <p:ph type="body" idx="1"/>
+          </p:nvPr>
+        </p:nvSpPr>
+        <p:spPr>
+          <a:xfrm>
+            <a:off x="311700" y="1152475"/>
+            <a:ext cx="8520600" cy="3416400"/>
+          </a:xfrm>
+          <a:prstGeom prst="rect">
+            <a:avLst/>
+          </a:prstGeom>
+        </p:spPr>
+        <p:txBody>
+          <a:bodyPr spcFirstLastPara="1" wrap="square" lIns="91425" tIns="91425" rIns="91425" bIns="91425" anchor="t" anchorCtr="0">
+            <a:noAutofit/>
+          </a:bodyPr>
+          <a:lstStyle/>
+          <a:p>
+            <a:pPr marL="457200" lvl="0" indent="-381000" algn="l" rtl="0">
+              <a:spcBef>
+                <a:spcPts val="0"/>
+              </a:spcBef>
+              <a:spcAft>
+                <a:spcPts val="0"/>
+              </a:spcAft>
+              <a:buSzPts val="2400"/>
+              <a:buChar char="●"/>
+            </a:pPr>
+            <a:r>
+              <a:rPr lang="en"/>
+              <a:t>Related workshops at UMN: </a:t>
+            </a:r>
+            <a:r>
+              <a:rPr lang="en" u="sng">
+                <a:solidFill>
+                  <a:schemeClr val="hlink"/>
+                </a:solidFill>
+                <a:hlinkClick r:id="rId3"/>
+              </a:rPr>
+              <a:t>https://workshops.umn.edu/</a:t>
+            </a:r>
+            <a:endParaRPr/>
+          </a:p>
+          <a:p>
+            <a:pPr marL="457200" lvl="0" indent="-381000" algn="l" rtl="0">
+              <a:spcBef>
+                <a:spcPts val="0"/>
+              </a:spcBef>
+              <a:spcAft>
+                <a:spcPts val="0"/>
+              </a:spcAft>
+              <a:buSzPts val="2400"/>
+              <a:buChar char="●"/>
+            </a:pPr>
+            <a:r>
+              <a:rPr lang="en"/>
+              <a:t>LATIS: </a:t>
+            </a:r>
+            <a:r>
+              <a:rPr lang="en" u="sng">
+                <a:solidFill>
+                  <a:schemeClr val="hlink"/>
+                </a:solidFill>
+                <a:hlinkClick r:id="rId3"/>
+              </a:rPr>
+              <a:t>https://latisresearch.umn.edu/</a:t>
+            </a:r>
+            <a:endParaRPr/>
+          </a:p>
+          <a:p>
+            <a:pPr marL="457200" lvl="0" indent="-381000" algn="l" rtl="0">
+              <a:spcBef>
+                <a:spcPts val="0"/>
+              </a:spcBef>
+              <a:spcAft>
+                <a:spcPts val="0"/>
+              </a:spcAft>
+              <a:buSzPts val="2400"/>
+              <a:buChar char="●"/>
+            </a:pPr>
+            <a:r>
+              <a:rPr lang="en"/>
+              <a:t>Minnesota Supercomputing Institute: </a:t>
+            </a:r>
+            <a:r>
+              <a:rPr lang="en" u="sng">
+                <a:solidFill>
+                  <a:schemeClr val="hlink"/>
+                </a:solidFill>
+                <a:hlinkClick r:id="rId3"/>
+              </a:rPr>
+              <a:t>https://www.msi.umn.edu</a:t>
+            </a:r>
+            <a:endParaRPr/>
+          </a:p>
+          <a:p>
+            <a:pPr marL="457200" lvl="0" indent="-381000" algn="l" rtl="0">
+              <a:spcBef>
+                <a:spcPts val="0"/>
+              </a:spcBef>
+              <a:spcAft>
+                <a:spcPts val="0"/>
+              </a:spcAft>
+              <a:buSzPts val="2400"/>
+              <a:buChar char="●"/>
+            </a:pPr>
+            <a:r>
+              <a:rPr lang="en"/>
+              <a:t>Data Science Initiative: </a:t>
+            </a:r>
+            <a:r>
+              <a:rPr lang="en" u="sng">
+                <a:solidFill>
+                  <a:schemeClr val="hlink"/>
+                </a:solidFill>
+                <a:hlinkClick r:id="rId4"/>
+              </a:rPr>
+              <a:t>https://dsi.umn.edu/</a:t>
+            </a:r>
+            <a:endParaRPr/>
+          </a:p>
+          <a:p>
+            <a:pPr marL="457200" lvl="0" indent="-381000" algn="l" rtl="0">
+              <a:spcBef>
+                <a:spcPts val="0"/>
+              </a:spcBef>
+              <a:spcAft>
+                <a:spcPts val="0"/>
+              </a:spcAft>
+              <a:buSzPts val="2400"/>
+              <a:buChar char="●"/>
+            </a:pPr>
+            <a:r>
+              <a:rPr lang="en"/>
+              <a:t>U-Spatial: </a:t>
+            </a:r>
+            <a:r>
+              <a:rPr lang="en" u="sng">
+                <a:solidFill>
+                  <a:schemeClr val="hlink"/>
+                </a:solidFill>
+                <a:hlinkClick r:id="rId3"/>
+              </a:rPr>
+              <a:t>https://research.umn.edu/units/uspatial</a:t>
+            </a:r>
+            <a:endParaRPr/>
+          </a:p>
+          <a:p>
+            <a:pPr marL="0" lvl="0" indent="0" algn="l" rtl="0">
+              <a:spcBef>
+                <a:spcPts val="1600"/>
+              </a:spcBef>
+              <a:spcAft>
+                <a:spcPts val="1600"/>
+              </a:spcAft>
+              <a:buNone/>
+            </a:pPr>
+            <a:endParaRPr/>
+          </a:p>
+        </p:txBody>
+      </p:sp>
+    </p:spTree>
+  </p:cSld>
+  <p:clrMapOvr>
+    <a:masterClrMapping/>
+  </p:clrMapOvr>
+</p:sld>
+</file>
+
+<file path=ppt/slides/slide57.xml><?xml version="1.0" encoding="utf-8"?>
+<p:sld xmlns:a="http://schemas.openxmlformats.org/drawingml/2006/main" xmlns:r="http://schemas.openxmlformats.org/officeDocument/2006/relationships" xmlns:p="http://schemas.openxmlformats.org/presentationml/2006/main">
+  <p:cSld>
+    <p:spTree>
+      <p:nvGrpSpPr>
+        <p:cNvPr id="1" name="Shape 98"/>
+        <p:cNvGrpSpPr/>
+        <p:nvPr/>
+      </p:nvGrpSpPr>
+      <p:grpSpPr>
+        <a:xfrm>
+          <a:off x="0" y="0"/>
+          <a:ext cx="0" cy="0"/>
+          <a:chOff x="0" y="0"/>
+          <a:chExt cx="0" cy="0"/>
+        </a:xfrm>
+      </p:grpSpPr>
+      <p:sp>
+        <p:nvSpPr>
+          <p:cNvPr id="99" name="Google Shape;99;p19"/>
+          <p:cNvSpPr txBox="1">
+            <a:spLocks noGrp="1"/>
+          </p:cNvSpPr>
+          <p:nvPr>
+            <p:ph type="title"/>
+          </p:nvPr>
+        </p:nvSpPr>
+        <p:spPr>
+          <a:xfrm>
+            <a:off x="490250" y="235425"/>
+            <a:ext cx="8069400" cy="4382100"/>
+          </a:xfrm>
+          <a:prstGeom prst="rect">
+            <a:avLst/>
+          </a:prstGeom>
+        </p:spPr>
+        <p:txBody>
+          <a:bodyPr spcFirstLastPara="1" wrap="square" lIns="91425" tIns="91425" rIns="91425" bIns="91425" anchor="t" anchorCtr="0">
+            <a:noAutofit/>
+          </a:bodyPr>
+          <a:lstStyle/>
+          <a:p>
+            <a:pPr marL="0" lvl="0" indent="0" algn="l" rtl="0">
+              <a:spcBef>
+                <a:spcPts val="0"/>
+              </a:spcBef>
+              <a:spcAft>
+                <a:spcPts val="0"/>
+              </a:spcAft>
+              <a:buNone/>
+            </a:pPr>
+            <a:r>
+              <a:rPr lang="en" sz="3600" u="sng"/>
+              <a:t>R Shiny</a:t>
+            </a:r>
+            <a:endParaRPr sz="3600" u="sng"/>
+          </a:p>
+          <a:p>
+            <a:pPr marL="0" lvl="0" indent="0" algn="l" rtl="0">
+              <a:spcBef>
+                <a:spcPts val="0"/>
+              </a:spcBef>
+              <a:spcAft>
+                <a:spcPts val="0"/>
+              </a:spcAft>
+              <a:buNone/>
+            </a:pPr>
+            <a:endParaRPr sz="3200" b="0"/>
+          </a:p>
+          <a:p>
+            <a:pPr marL="0" lvl="0" indent="0" algn="l" rtl="0">
+              <a:spcBef>
+                <a:spcPts val="0"/>
+              </a:spcBef>
+              <a:spcAft>
+                <a:spcPts val="0"/>
+              </a:spcAft>
+              <a:buNone/>
+            </a:pPr>
+            <a:r>
+              <a:rPr lang="en" sz="3200" b="0"/>
+              <a:t>Post-workshop survey: </a:t>
+            </a:r>
+            <a:endParaRPr sz="3200" b="0"/>
+          </a:p>
+          <a:p>
+            <a:pPr marL="0" lvl="0" indent="0" algn="l" rtl="0">
+              <a:spcBef>
+                <a:spcPts val="0"/>
+              </a:spcBef>
+              <a:spcAft>
+                <a:spcPts val="0"/>
+              </a:spcAft>
+              <a:buNone/>
+            </a:pPr>
+            <a:r>
+              <a:rPr lang="en" sz="3200" b="0"/>
+              <a:t>https://z.umn.edu/swc-post</a:t>
+            </a:r>
+            <a:endParaRPr sz="3200" b="0"/>
+          </a:p>
+          <a:p>
+            <a:pPr marL="0" lvl="0" indent="0" algn="l" rtl="0">
+              <a:spcBef>
+                <a:spcPts val="0"/>
+              </a:spcBef>
+              <a:spcAft>
+                <a:spcPts val="0"/>
+              </a:spcAft>
+              <a:buNone/>
+            </a:pPr>
+            <a:endParaRPr sz="4400"/>
+          </a:p>
+        </p:txBody>
+      </p:sp>
+      <p:pic>
+        <p:nvPicPr>
+          <p:cNvPr id="100" name="Google Shape;100;p19"/>
+          <p:cNvPicPr preferRelativeResize="0"/>
+          <p:nvPr/>
+        </p:nvPicPr>
+        <p:blipFill>
+          <a:blip r:embed="rId3">
+            <a:alphaModFix/>
+          </a:blip>
+          <a:stretch>
+            <a:fillRect/>
+          </a:stretch>
+        </p:blipFill>
+        <p:spPr>
+          <a:xfrm>
+            <a:off x="6166175" y="2521475"/>
+            <a:ext cx="2162300" cy="2162300"/>
+          </a:xfrm>
+          <a:prstGeom prst="rect">
+            <a:avLst/>
+          </a:prstGeom>
+          <a:noFill/>
+          <a:ln>
+            <a:noFill/>
+          </a:ln>
+        </p:spPr>
+      </p:pic>
+    </p:spTree>
+  </p:cSld>
+  <p:clrMapOvr>
+    <a:masterClrMapping/>
+  </p:clrMapOvr>
+</p:sld>
+</file>
+
+<file path=ppt/slides/slide58.xml><?xml version="1.0" encoding="utf-8"?>
 <p:sld xmlns:a="http://schemas.openxmlformats.org/drawingml/2006/main" xmlns:r="http://schemas.openxmlformats.org/officeDocument/2006/relationships" xmlns:p="http://schemas.openxmlformats.org/presentationml/2006/main" show="0">
   <p:cSld>
     <p:spTree>

--- a/files/SWC slides R Shiny 2024 Fall.pptx
+++ b/files/SWC slides R Shiny 2024 Fall.pptx
@@ -5,7 +5,7 @@
     <p:sldMasterId id="2147483659" r:id="rId1"/>
   </p:sldMasterIdLst>
   <p:notesMasterIdLst>
-    <p:notesMasterId r:id="rId60"/>
+    <p:notesMasterId r:id="rId67"/>
   </p:notesMasterIdLst>
   <p:sldIdLst>
     <p:sldId id="256" r:id="rId2"/>
@@ -63,37 +63,44 @@
     <p:sldId id="311" r:id="rId54"/>
     <p:sldId id="312" r:id="rId55"/>
     <p:sldId id="313" r:id="rId56"/>
-    <p:sldId id="261" r:id="rId57"/>
-    <p:sldId id="262" r:id="rId58"/>
-    <p:sldId id="282" r:id="rId59"/>
+    <p:sldId id="314" r:id="rId57"/>
+    <p:sldId id="315" r:id="rId58"/>
+    <p:sldId id="316" r:id="rId59"/>
+    <p:sldId id="317" r:id="rId60"/>
+    <p:sldId id="318" r:id="rId61"/>
+    <p:sldId id="319" r:id="rId62"/>
+    <p:sldId id="320" r:id="rId63"/>
+    <p:sldId id="261" r:id="rId64"/>
+    <p:sldId id="262" r:id="rId65"/>
+    <p:sldId id="282" r:id="rId66"/>
   </p:sldIdLst>
   <p:sldSz cx="9144000" cy="5143500" type="screen16x9"/>
   <p:notesSz cx="6858000" cy="9144000"/>
   <p:embeddedFontLst>
     <p:embeddedFont>
       <p:font typeface="Raleway" pitchFamily="2" charset="0"/>
-      <p:regular r:id="rId61"/>
-      <p:bold r:id="rId62"/>
-      <p:italic r:id="rId63"/>
-      <p:boldItalic r:id="rId64"/>
+      <p:regular r:id="rId68"/>
+      <p:bold r:id="rId69"/>
+      <p:italic r:id="rId70"/>
+      <p:boldItalic r:id="rId71"/>
     </p:embeddedFont>
     <p:embeddedFont>
       <p:font typeface="Simplified Arabic Fixed" panose="02070309020205020404" pitchFamily="49" charset="-78"/>
-      <p:regular r:id="rId65"/>
+      <p:regular r:id="rId72"/>
     </p:embeddedFont>
     <p:embeddedFont>
       <p:font typeface="Source Code Pro" panose="020B0509030403020204" pitchFamily="49" charset="0"/>
-      <p:regular r:id="rId66"/>
-      <p:bold r:id="rId67"/>
-      <p:italic r:id="rId68"/>
-      <p:boldItalic r:id="rId69"/>
+      <p:regular r:id="rId73"/>
+      <p:bold r:id="rId74"/>
+      <p:italic r:id="rId75"/>
+      <p:boldItalic r:id="rId76"/>
     </p:embeddedFont>
     <p:embeddedFont>
       <p:font typeface="Source Sans Pro" panose="020B0503030403020204" pitchFamily="34" charset="0"/>
-      <p:regular r:id="rId70"/>
-      <p:bold r:id="rId71"/>
-      <p:italic r:id="rId72"/>
-      <p:boldItalic r:id="rId73"/>
+      <p:regular r:id="rId77"/>
+      <p:bold r:id="rId78"/>
+      <p:italic r:id="rId79"/>
+      <p:boldItalic r:id="rId80"/>
     </p:embeddedFont>
   </p:embeddedFontLst>
   <p:defaultTextStyle>
@@ -6577,21 +6584,13 @@
           <a:p>
             <a:r>
               <a:rPr lang="en-US" dirty="0"/>
-              <a:t>We’ll now turn our attentions to leaflet, a JS and now R package for making web-enabled, interactive maps for featuring spatial data, like </a:t>
-            </a:r>
-            <a:r>
-              <a:rPr lang="en-US" dirty="0" err="1"/>
-              <a:t>lat</a:t>
-            </a:r>
-            <a:r>
-              <a:rPr lang="en-US" dirty="0"/>
-              <a:t>-long data. </a:t>
-            </a:r>
-          </a:p>
-          <a:p>
-            <a:r>
-              <a:rPr lang="en-US" dirty="0"/>
-              <a:t>This means we’ll need some spatial data to work with! I’ve done the hard work of scraping together a version of the </a:t>
+              <a:t>We’ll now turn to leaflet, our second graphics package. This is a JS and R package for making web-enabled, interactive maps for featuring spatial data. </a:t>
+            </a:r>
+          </a:p>
+          <a:p>
+            <a:r>
+              <a:rPr lang="en-US" dirty="0"/>
+              <a:t>This means we’ll need some spatial data to use! I’ve done the hard work of making a version of the </a:t>
             </a:r>
             <a:r>
               <a:rPr lang="en-US" dirty="0" err="1"/>
@@ -6599,13 +6598,13 @@
             </a:r>
             <a:r>
               <a:rPr lang="en-US" dirty="0"/>
-              <a:t> data set with spatial data attached to it already—you just need to download it…Here is a Z-link you can use to access that data set if you did not download it during setup.</a:t>
-            </a:r>
-          </a:p>
-          <a:p>
-            <a:r>
-              <a:rPr lang="en-US" dirty="0"/>
-              <a:t>Make sure to move it into your R Project folder, then add it to your </a:t>
+              <a:t> data set with spatial data attached—you just need to download it…Here’s a Z-link to that data if you did not download it during setup.</a:t>
+            </a:r>
+          </a:p>
+          <a:p>
+            <a:r>
+              <a:rPr lang="en-US" dirty="0"/>
+              <a:t>Make sure to move the file into your R Project folder, then add it to your </a:t>
             </a:r>
             <a:r>
               <a:rPr lang="en-US" dirty="0" err="1"/>
@@ -6619,7 +6618,7 @@
           <a:p>
             <a:r>
               <a:rPr lang="en-US" dirty="0"/>
-              <a:t>Not that I will be assuming you have a </a:t>
+              <a:t>I will assume you have a </a:t>
             </a:r>
             <a:r>
               <a:rPr lang="en-US" dirty="0" err="1"/>
@@ -6627,17 +6626,14 @@
             </a:r>
             <a:r>
               <a:rPr lang="en-US" dirty="0"/>
-              <a:t> object from here on out! So make sure you do this.</a:t>
-            </a:r>
-          </a:p>
-          <a:p>
-            <a:r>
-              <a:rPr lang="en-US" dirty="0"/>
-              <a:t>In this unit, we’ll hit all the same aspects that we just hit with DT, so the specifics will change, obviously, but the concepts will be the same, so you’ll get to practice what you just learned!</a:t>
-            </a:r>
-          </a:p>
-          <a:p>
-            <a:endParaRPr lang="en-US" dirty="0"/>
+              <a:t> object from here on out! You’ve been warned :). </a:t>
+            </a:r>
+          </a:p>
+          <a:p>
+            <a:r>
+              <a:rPr lang="en-US" dirty="0"/>
+              <a:t>In this unit, we’ll hit all the same plot points we hit for DT, so the specifics will change, obviously, but the concepts will be the same, so you’ll get to practice what you’ve  just learned!</a:t>
+            </a:r>
           </a:p>
         </p:txBody>
       </p:sp>
@@ -6705,13 +6701,13 @@
           <a:p>
             <a:r>
               <a:rPr lang="en-US" dirty="0"/>
-              <a:t>Let’s start by making a basic map in which we draw colored outlines around all the countries in our data set.</a:t>
-            </a:r>
-          </a:p>
-          <a:p>
-            <a:r>
-              <a:rPr lang="en-US" dirty="0"/>
-              <a:t>Every leaflet map is built from at least three components. </a:t>
+              <a:t>Let’s start by making a basic map in which we’ll draw colored outlines around the countries in our data set.</a:t>
+            </a:r>
+          </a:p>
+          <a:p>
+            <a:r>
+              <a:rPr lang="en-US" dirty="0"/>
+              <a:t>Every leaflet map is built from three core components. </a:t>
             </a:r>
           </a:p>
           <a:p>
@@ -6725,7 +6721,7 @@
             </a:r>
             <a:r>
               <a:rPr lang="en-US" dirty="0"/>
-              <a:t>() from ggplot2—it sets stuff up and you can set global options there.</a:t>
+              <a:t>() from ggplot2—it sets stuff up and you can set global options here.</a:t>
             </a:r>
           </a:p>
           <a:p>
@@ -6745,13 +6741,13 @@
             </a:r>
             <a:r>
               <a:rPr lang="en-US" dirty="0"/>
-              <a:t> for this.</a:t>
-            </a:r>
-          </a:p>
-          <a:p>
-            <a:r>
-              <a:rPr lang="en-US" dirty="0"/>
-              <a:t>(Go do all that, and show them how to pan and zoom).</a:t>
+              <a:t>.</a:t>
+            </a:r>
+          </a:p>
+          <a:p>
+            <a:r>
+              <a:rPr lang="en-US" dirty="0"/>
+              <a:t>(Go do that, and show them to pan and zoom).</a:t>
             </a:r>
           </a:p>
           <a:p>
@@ -6826,13 +6822,13 @@
           <a:p>
             <a:r>
               <a:rPr lang="en-US" dirty="0"/>
-              <a:t>Now, you’ll note our map is a little visually messy right now. That’s because the default strokes, or outlines, are messy. However, by adjusting just a few parameters, we can vastly improve that. (Go do that).</a:t>
-            </a:r>
-          </a:p>
-          <a:p>
-            <a:r>
-              <a:rPr lang="en-US" dirty="0"/>
-              <a:t>This map is prettier! But, it isn’t very useful—it doesn’t actually show any data yet, and all countries look the same.</a:t>
+              <a:t>Now, our map is a little messy right now. That’s because leaflet’s default strokes, or outlines, aren’t the best. However, by adjusting a few parameters, we can vastly improve that. (Go do that).</a:t>
+            </a:r>
+          </a:p>
+          <a:p>
+            <a:r>
+              <a:rPr lang="en-US" dirty="0"/>
+              <a:t>This map is prettier! But, it isn’t very useful yet—it doesn’t show any data, so all countries look the same.</a:t>
             </a:r>
           </a:p>
           <a:p>
@@ -6844,7 +6840,7 @@
           <a:p>
             <a:r>
               <a:rPr lang="en-US" dirty="0"/>
-              <a:t>This’ll be a two-step process. The first step is to build a color palette function that leaflet can use to figure out which colors go with which values. (Go and make that). </a:t>
+              <a:t>This’ll be a two-step process. The first step is building a color palette function leaflet can use to link colors with values. (Go and make that). </a:t>
             </a:r>
           </a:p>
           <a:p>
@@ -6856,7 +6852,7 @@
           <a:p>
             <a:r>
               <a:rPr lang="en-US" dirty="0"/>
-              <a:t>This is already a very neat map, but still hard to read because there’s no legend, right? What colors go with what values? We can add one using </a:t>
+              <a:t>This is a very neat map now, but it’s still hard to interpret because there’s no legend, right? What do the colors mean? We can add a legend using </a:t>
             </a:r>
             <a:r>
               <a:rPr lang="en-US" dirty="0" err="1"/>
@@ -6870,7 +6866,7 @@
           <a:p>
             <a:r>
               <a:rPr lang="en-US" dirty="0"/>
-              <a:t>This map is pretty snazzy now, and info rich! But could it be even richer? What if our users don’t know geography and want to know which country is which, or what the exact life expectancy value was? We can display this info using popups or tooltips that appear on click or hover, respectively (Go add these).</a:t>
+              <a:t>This map is really snazzy now, and info rich! But could it be even richer? What if our users don’t know geography and want to know which country is which, or what the exact life expectancy value was there? We can display this info using tooltips that appear when a user clicks (Go add these).</a:t>
             </a:r>
           </a:p>
         </p:txBody>
@@ -6889,6 +6885,1029 @@
 </file>
 
 <file path=ppt/notesSlides/notesSlide56.xml><?xml version="1.0" encoding="utf-8"?>
+<p:notes xmlns:a="http://schemas.openxmlformats.org/drawingml/2006/main" xmlns:r="http://schemas.openxmlformats.org/officeDocument/2006/relationships" xmlns:p="http://schemas.openxmlformats.org/presentationml/2006/main">
+  <p:cSld>
+    <p:spTree>
+      <p:nvGrpSpPr>
+        <p:cNvPr id="1" name=""/>
+        <p:cNvGrpSpPr/>
+        <p:nvPr/>
+      </p:nvGrpSpPr>
+      <p:grpSpPr>
+        <a:xfrm>
+          <a:off x="0" y="0"/>
+          <a:ext cx="0" cy="0"/>
+          <a:chOff x="0" y="0"/>
+          <a:chExt cx="0" cy="0"/>
+        </a:xfrm>
+      </p:grpSpPr>
+      <p:sp>
+        <p:nvSpPr>
+          <p:cNvPr id="2" name="Slide Image Placeholder 1"/>
+          <p:cNvSpPr>
+            <a:spLocks noGrp="1" noRot="1" noChangeAspect="1"/>
+          </p:cNvSpPr>
+          <p:nvPr>
+            <p:ph type="sldImg"/>
+          </p:nvPr>
+        </p:nvSpPr>
+        <p:spPr>
+          <a:xfrm>
+            <a:off x="381000" y="685800"/>
+            <a:ext cx="6096000" cy="3429000"/>
+          </a:xfrm>
+        </p:spPr>
+      </p:sp>
+      <p:sp>
+        <p:nvSpPr>
+          <p:cNvPr id="3" name="Notes Placeholder 2"/>
+          <p:cNvSpPr>
+            <a:spLocks noGrp="1"/>
+          </p:cNvSpPr>
+          <p:nvPr>
+            <p:ph type="body" idx="1"/>
+          </p:nvPr>
+        </p:nvSpPr>
+        <p:spPr/>
+        <p:txBody>
+          <a:bodyPr/>
+          <a:lstStyle/>
+          <a:p>
+            <a:r>
+              <a:rPr lang="en-US" dirty="0"/>
+              <a:t>We’ve built a map, adjusted its features, and styled it up a little. Now, we need to work to give our users control over it so they can do cool stuff.</a:t>
+            </a:r>
+          </a:p>
+          <a:p>
+            <a:r>
+              <a:rPr lang="en-US" dirty="0"/>
+              <a:t>Let’s give them a new slider input widget that will allow them to pick the year of the data being shown.</a:t>
+            </a:r>
+          </a:p>
+          <a:p>
+            <a:r>
+              <a:rPr lang="en-US" dirty="0"/>
+              <a:t>(First, wire this up on the UI side and show them). </a:t>
+            </a:r>
+          </a:p>
+          <a:p>
+            <a:r>
+              <a:rPr lang="en-US" dirty="0"/>
+              <a:t>(Then, reconfigure the server-side code to change the data set, update the legend caption, and move the palette maker to </a:t>
+            </a:r>
+            <a:r>
+              <a:rPr lang="en-US" dirty="0" err="1"/>
+              <a:t>global.R</a:t>
+            </a:r>
+            <a:r>
+              <a:rPr lang="en-US" dirty="0"/>
+              <a:t>)</a:t>
+            </a:r>
+          </a:p>
+          <a:p>
+            <a:r>
+              <a:rPr lang="en-US" dirty="0"/>
+              <a:t>The map is now really cool right? But did you notice the freeze that occurs during every event? That’s because we’re using </a:t>
+            </a:r>
+            <a:r>
+              <a:rPr lang="en-US" dirty="0" err="1"/>
+              <a:t>renderLeaflet</a:t>
+            </a:r>
+            <a:r>
+              <a:rPr lang="en-US" dirty="0"/>
+              <a:t> to rebuild the entire map each time. Spatial data are voluminous, so this is expensive and takes time.</a:t>
+            </a:r>
+          </a:p>
+          <a:p>
+            <a:r>
+              <a:rPr lang="en-US" dirty="0"/>
+              <a:t>It’d be much better to use a proxy system like we did we DT to update the table on the fly instead. Let’s switch to such a system the same way we did with DT—use the render function to build the starting map, and the proxy and an observer to update it.</a:t>
+            </a:r>
+          </a:p>
+          <a:p>
+            <a:r>
+              <a:rPr lang="en-US" dirty="0"/>
+              <a:t>(Show them how to do this and the result). </a:t>
+            </a:r>
+          </a:p>
+          <a:p>
+            <a:r>
+              <a:rPr lang="en-US" dirty="0"/>
+              <a:t>Now, there are ways we could have made that even faster and more efficient, but to me, it seems more than good enough!</a:t>
+            </a:r>
+          </a:p>
+        </p:txBody>
+      </p:sp>
+    </p:spTree>
+    <p:extLst>
+      <p:ext uri="{BB962C8B-B14F-4D97-AF65-F5344CB8AC3E}">
+        <p14:creationId xmlns:p14="http://schemas.microsoft.com/office/powerpoint/2010/main" val="4083792724"/>
+      </p:ext>
+    </p:extLst>
+  </p:cSld>
+  <p:clrMapOvr>
+    <a:masterClrMapping/>
+  </p:clrMapOvr>
+</p:notes>
+</file>
+
+<file path=ppt/notesSlides/notesSlide57.xml><?xml version="1.0" encoding="utf-8"?>
+<p:notes xmlns:a="http://schemas.openxmlformats.org/drawingml/2006/main" xmlns:r="http://schemas.openxmlformats.org/officeDocument/2006/relationships" xmlns:p="http://schemas.openxmlformats.org/presentationml/2006/main">
+  <p:cSld>
+    <p:spTree>
+      <p:nvGrpSpPr>
+        <p:cNvPr id="1" name=""/>
+        <p:cNvGrpSpPr/>
+        <p:nvPr/>
+      </p:nvGrpSpPr>
+      <p:grpSpPr>
+        <a:xfrm>
+          <a:off x="0" y="0"/>
+          <a:ext cx="0" cy="0"/>
+          <a:chOff x="0" y="0"/>
+          <a:chExt cx="0" cy="0"/>
+        </a:xfrm>
+      </p:grpSpPr>
+      <p:sp>
+        <p:nvSpPr>
+          <p:cNvPr id="2" name="Slide Image Placeholder 1"/>
+          <p:cNvSpPr>
+            <a:spLocks noGrp="1" noRot="1" noChangeAspect="1"/>
+          </p:cNvSpPr>
+          <p:nvPr>
+            <p:ph type="sldImg"/>
+          </p:nvPr>
+        </p:nvSpPr>
+        <p:spPr>
+          <a:xfrm>
+            <a:off x="381000" y="685800"/>
+            <a:ext cx="6096000" cy="3429000"/>
+          </a:xfrm>
+        </p:spPr>
+      </p:sp>
+      <p:sp>
+        <p:nvSpPr>
+          <p:cNvPr id="3" name="Notes Placeholder 2"/>
+          <p:cNvSpPr>
+            <a:spLocks noGrp="1"/>
+          </p:cNvSpPr>
+          <p:nvPr>
+            <p:ph type="body" idx="1"/>
+          </p:nvPr>
+        </p:nvSpPr>
+        <p:spPr/>
+        <p:txBody>
+          <a:bodyPr/>
+          <a:lstStyle/>
+          <a:p>
+            <a:r>
+              <a:rPr lang="en-US" dirty="0"/>
+              <a:t>The last thing about leaflet maps I want to show you is that they are, just like DT tables, widgets. Users can poke them, triggering events that we can handle. </a:t>
+            </a:r>
+          </a:p>
+          <a:p>
+            <a:r>
+              <a:rPr lang="en-US" dirty="0"/>
+              <a:t>For example, when a user clicks a polygon, that can be an event. Let’s handle that event by panning and zooming the map to center on the location the user clicked.</a:t>
+            </a:r>
+          </a:p>
+          <a:p>
+            <a:r>
+              <a:rPr lang="en-US" dirty="0"/>
+              <a:t>(Show them how to do that).</a:t>
+            </a:r>
+          </a:p>
+          <a:p>
+            <a:r>
+              <a:rPr lang="en-US" dirty="0"/>
+              <a:t>Obviously, only add functionality like that if it enhances the user’s experience! But hopefully that example shows you what’s possible. </a:t>
+            </a:r>
+          </a:p>
+        </p:txBody>
+      </p:sp>
+    </p:spTree>
+    <p:extLst>
+      <p:ext uri="{BB962C8B-B14F-4D97-AF65-F5344CB8AC3E}">
+        <p14:creationId xmlns:p14="http://schemas.microsoft.com/office/powerpoint/2010/main" val="761586059"/>
+      </p:ext>
+    </p:extLst>
+  </p:cSld>
+  <p:clrMapOvr>
+    <a:masterClrMapping/>
+  </p:clrMapOvr>
+</p:notes>
+</file>
+
+<file path=ppt/notesSlides/notesSlide58.xml><?xml version="1.0" encoding="utf-8"?>
+<p:notes xmlns:a="http://schemas.openxmlformats.org/drawingml/2006/main" xmlns:r="http://schemas.openxmlformats.org/officeDocument/2006/relationships" xmlns:p="http://schemas.openxmlformats.org/presentationml/2006/main">
+  <p:cSld>
+    <p:spTree>
+      <p:nvGrpSpPr>
+        <p:cNvPr id="1" name=""/>
+        <p:cNvGrpSpPr/>
+        <p:nvPr/>
+      </p:nvGrpSpPr>
+      <p:grpSpPr>
+        <a:xfrm>
+          <a:off x="0" y="0"/>
+          <a:ext cx="0" cy="0"/>
+          <a:chOff x="0" y="0"/>
+          <a:chExt cx="0" cy="0"/>
+        </a:xfrm>
+      </p:grpSpPr>
+      <p:sp>
+        <p:nvSpPr>
+          <p:cNvPr id="2" name="Slide Image Placeholder 1"/>
+          <p:cNvSpPr>
+            <a:spLocks noGrp="1" noRot="1" noChangeAspect="1"/>
+          </p:cNvSpPr>
+          <p:nvPr>
+            <p:ph type="sldImg"/>
+          </p:nvPr>
+        </p:nvSpPr>
+        <p:spPr>
+          <a:xfrm>
+            <a:off x="381000" y="685800"/>
+            <a:ext cx="6096000" cy="3429000"/>
+          </a:xfrm>
+        </p:spPr>
+      </p:sp>
+      <p:sp>
+        <p:nvSpPr>
+          <p:cNvPr id="3" name="Notes Placeholder 2"/>
+          <p:cNvSpPr>
+            <a:spLocks noGrp="1"/>
+          </p:cNvSpPr>
+          <p:nvPr>
+            <p:ph type="body" idx="1"/>
+          </p:nvPr>
+        </p:nvSpPr>
+        <p:spPr/>
+        <p:txBody>
+          <a:bodyPr/>
+          <a:lstStyle/>
+          <a:p>
+            <a:r>
+              <a:rPr lang="en-US" dirty="0"/>
+              <a:t>We’ll wrap up today’s workshop by looking at </a:t>
+            </a:r>
+            <a:r>
+              <a:rPr lang="en-US" dirty="0" err="1"/>
+              <a:t>plotly</a:t>
+            </a:r>
+            <a:r>
+              <a:rPr lang="en-US" dirty="0"/>
+              <a:t>, a JS package for creating web-enabled, interactive graphs. </a:t>
+            </a:r>
+          </a:p>
+          <a:p>
+            <a:r>
+              <a:rPr lang="en-US" dirty="0"/>
+              <a:t>For those who know ggplot2, </a:t>
+            </a:r>
+            <a:r>
+              <a:rPr lang="en-US" dirty="0" err="1"/>
+              <a:t>plotly</a:t>
+            </a:r>
+            <a:r>
+              <a:rPr lang="en-US" dirty="0"/>
+              <a:t> is similar, which means it’s similarly daunting! The difference—</a:t>
+            </a:r>
+            <a:r>
+              <a:rPr lang="en-US" dirty="0" err="1"/>
+              <a:t>plotly</a:t>
+            </a:r>
+            <a:r>
+              <a:rPr lang="en-US" dirty="0"/>
+              <a:t> graphs are built for the web, so they’re interactive.</a:t>
+            </a:r>
+          </a:p>
+          <a:p>
+            <a:r>
+              <a:rPr lang="en-US" dirty="0"/>
+              <a:t>The good news is that we don’t actually need to know </a:t>
+            </a:r>
+            <a:r>
+              <a:rPr lang="en-US" dirty="0" err="1"/>
+              <a:t>plotly</a:t>
+            </a:r>
+            <a:r>
+              <a:rPr lang="en-US" dirty="0"/>
+              <a:t>, or even ggplot2, to appreciate </a:t>
+            </a:r>
+            <a:r>
+              <a:rPr lang="en-US" dirty="0" err="1"/>
+              <a:t>plotly’s</a:t>
+            </a:r>
+            <a:r>
+              <a:rPr lang="en-US" dirty="0"/>
+              <a:t> skills. We can use the </a:t>
+            </a:r>
+            <a:r>
+              <a:rPr lang="en-US" dirty="0" err="1"/>
+              <a:t>ggplotly</a:t>
+            </a:r>
+            <a:r>
+              <a:rPr lang="en-US" dirty="0"/>
+              <a:t>() function to convert a pre-built </a:t>
+            </a:r>
+            <a:r>
+              <a:rPr lang="en-US" dirty="0" err="1"/>
+              <a:t>ggplot</a:t>
+            </a:r>
+            <a:r>
+              <a:rPr lang="en-US" dirty="0"/>
+              <a:t> into a </a:t>
+            </a:r>
+            <a:r>
+              <a:rPr lang="en-US" dirty="0" err="1"/>
+              <a:t>plotly</a:t>
+            </a:r>
+            <a:r>
+              <a:rPr lang="en-US" dirty="0"/>
+              <a:t> graph. </a:t>
+            </a:r>
+          </a:p>
+          <a:p>
+            <a:r>
+              <a:rPr lang="en-US" dirty="0"/>
+              <a:t>This would be less fun if we had to use a boring </a:t>
+            </a:r>
+            <a:r>
+              <a:rPr lang="en-US" dirty="0" err="1"/>
+              <a:t>ggplot</a:t>
+            </a:r>
+            <a:r>
+              <a:rPr lang="en-US" dirty="0"/>
+              <a:t> or build a complex one from scratch live, so let’s just copy-paste the code to build a complex </a:t>
+            </a:r>
+            <a:r>
+              <a:rPr lang="en-US" dirty="0" err="1"/>
+              <a:t>ggplot</a:t>
+            </a:r>
+            <a:r>
+              <a:rPr lang="en-US" dirty="0"/>
+              <a:t> straight into our app from the online lesson materials. </a:t>
+            </a:r>
+          </a:p>
+          <a:p>
+            <a:r>
+              <a:rPr lang="en-US" dirty="0"/>
+              <a:t>(Go do this with them and show it to them).</a:t>
+            </a:r>
+          </a:p>
+          <a:p>
+            <a:r>
+              <a:rPr lang="en-US" dirty="0"/>
+              <a:t>(Then, convert it to a </a:t>
+            </a:r>
+            <a:r>
+              <a:rPr lang="en-US" dirty="0" err="1"/>
+              <a:t>plotly</a:t>
+            </a:r>
+            <a:r>
+              <a:rPr lang="en-US" dirty="0"/>
+              <a:t> and show them that).</a:t>
+            </a:r>
+          </a:p>
+          <a:p>
+            <a:r>
+              <a:rPr lang="en-US" dirty="0"/>
+              <a:t>Before we talk much about the </a:t>
+            </a:r>
+            <a:r>
+              <a:rPr lang="en-US" dirty="0" err="1"/>
+              <a:t>plotly</a:t>
+            </a:r>
+            <a:r>
+              <a:rPr lang="en-US" dirty="0"/>
+              <a:t>, let’s first get it into our app. Predictably, there are </a:t>
+            </a:r>
+            <a:r>
+              <a:rPr lang="en-US" dirty="0" err="1"/>
+              <a:t>renderPlotly</a:t>
+            </a:r>
+            <a:r>
+              <a:rPr lang="en-US" dirty="0"/>
+              <a:t> and </a:t>
+            </a:r>
+            <a:r>
+              <a:rPr lang="en-US" dirty="0" err="1"/>
+              <a:t>plotlyOutput</a:t>
+            </a:r>
+            <a:r>
+              <a:rPr lang="en-US" dirty="0"/>
+              <a:t> functions for this (go show them that).</a:t>
+            </a:r>
+          </a:p>
+          <a:p>
+            <a:endParaRPr lang="en-US" dirty="0"/>
+          </a:p>
+          <a:p>
+            <a:endParaRPr lang="en-US" dirty="0"/>
+          </a:p>
+        </p:txBody>
+      </p:sp>
+    </p:spTree>
+    <p:extLst>
+      <p:ext uri="{BB962C8B-B14F-4D97-AF65-F5344CB8AC3E}">
+        <p14:creationId xmlns:p14="http://schemas.microsoft.com/office/powerpoint/2010/main" val="3115164123"/>
+      </p:ext>
+    </p:extLst>
+  </p:cSld>
+  <p:clrMapOvr>
+    <a:masterClrMapping/>
+  </p:clrMapOvr>
+</p:notes>
+</file>
+
+<file path=ppt/notesSlides/notesSlide59.xml><?xml version="1.0" encoding="utf-8"?>
+<p:notes xmlns:a="http://schemas.openxmlformats.org/drawingml/2006/main" xmlns:r="http://schemas.openxmlformats.org/officeDocument/2006/relationships" xmlns:p="http://schemas.openxmlformats.org/presentationml/2006/main">
+  <p:cSld>
+    <p:spTree>
+      <p:nvGrpSpPr>
+        <p:cNvPr id="1" name=""/>
+        <p:cNvGrpSpPr/>
+        <p:nvPr/>
+      </p:nvGrpSpPr>
+      <p:grpSpPr>
+        <a:xfrm>
+          <a:off x="0" y="0"/>
+          <a:ext cx="0" cy="0"/>
+          <a:chOff x="0" y="0"/>
+          <a:chExt cx="0" cy="0"/>
+        </a:xfrm>
+      </p:grpSpPr>
+      <p:sp>
+        <p:nvSpPr>
+          <p:cNvPr id="2" name="Slide Image Placeholder 1"/>
+          <p:cNvSpPr>
+            <a:spLocks noGrp="1" noRot="1" noChangeAspect="1"/>
+          </p:cNvSpPr>
+          <p:nvPr>
+            <p:ph type="sldImg"/>
+          </p:nvPr>
+        </p:nvSpPr>
+        <p:spPr>
+          <a:xfrm>
+            <a:off x="381000" y="685800"/>
+            <a:ext cx="6096000" cy="3429000"/>
+          </a:xfrm>
+        </p:spPr>
+      </p:sp>
+      <p:sp>
+        <p:nvSpPr>
+          <p:cNvPr id="3" name="Notes Placeholder 2"/>
+          <p:cNvSpPr>
+            <a:spLocks noGrp="1"/>
+          </p:cNvSpPr>
+          <p:nvPr>
+            <p:ph type="body" idx="1"/>
+          </p:nvPr>
+        </p:nvSpPr>
+        <p:spPr/>
+        <p:txBody>
+          <a:bodyPr/>
+          <a:lstStyle/>
+          <a:p>
+            <a:r>
+              <a:rPr lang="en-US" dirty="0" err="1"/>
+              <a:t>Plotly</a:t>
+            </a:r>
+            <a:r>
+              <a:rPr lang="en-US" dirty="0"/>
+              <a:t> graphs come with a ton of default interactive features! They have tooltips, clicking and double-clicking the legend keys does stuff, clicking and double-click and dragging on the graph itself does stuff, and there’s a toolbar of buttons too!</a:t>
+            </a:r>
+          </a:p>
+          <a:p>
+            <a:r>
+              <a:rPr lang="en-US" dirty="0"/>
+              <a:t>Wow, so, we really might want to dial some of this back. Doing that requires using two of </a:t>
+            </a:r>
+            <a:r>
+              <a:rPr lang="en-US" dirty="0" err="1"/>
+              <a:t>plotly’s</a:t>
+            </a:r>
+            <a:r>
+              <a:rPr lang="en-US" dirty="0"/>
+              <a:t> main functions: layout(), which controls graph styling, and config(), which controls behaviors. </a:t>
+            </a:r>
+          </a:p>
+          <a:p>
+            <a:r>
+              <a:rPr lang="en-US" dirty="0"/>
+              <a:t>As we use these two functions, you’ll maybe be able to tell that </a:t>
+            </a:r>
+            <a:r>
+              <a:rPr lang="en-US" dirty="0" err="1"/>
+              <a:t>plotly</a:t>
+            </a:r>
+            <a:r>
+              <a:rPr lang="en-US" dirty="0"/>
+              <a:t> is a JS package—JS LOVES lists, and so get ready for lists galore! :)</a:t>
+            </a:r>
+          </a:p>
+          <a:p>
+            <a:r>
+              <a:rPr lang="en-US" dirty="0"/>
+              <a:t>(Go off and disable zoom, disable legend click events, and remove the lasso button.)</a:t>
+            </a:r>
+          </a:p>
+          <a:p>
+            <a:r>
+              <a:rPr lang="en-US" dirty="0"/>
+              <a:t>Layout, which we just met, can also help us center our legend, like it is centered by default in a </a:t>
+            </a:r>
+            <a:r>
+              <a:rPr lang="en-US" dirty="0" err="1"/>
+              <a:t>ggplot</a:t>
+            </a:r>
+            <a:r>
+              <a:rPr lang="en-US" dirty="0"/>
+              <a:t> graph.</a:t>
+            </a:r>
+          </a:p>
+          <a:p>
+            <a:r>
+              <a:rPr lang="en-US" dirty="0"/>
+              <a:t>You’ll also notice that our tooltip text is pretty cluttery looking. We can customize the text shown in our tooltips, but it requires us to use a third core </a:t>
+            </a:r>
+            <a:r>
+              <a:rPr lang="en-US" dirty="0" err="1"/>
+              <a:t>plotly</a:t>
+            </a:r>
+            <a:r>
+              <a:rPr lang="en-US" dirty="0"/>
+              <a:t> function, style(). Because we’re using </a:t>
+            </a:r>
+            <a:r>
+              <a:rPr lang="en-US" dirty="0" err="1"/>
+              <a:t>ggplotly</a:t>
+            </a:r>
+            <a:r>
+              <a:rPr lang="en-US" dirty="0"/>
+              <a:t>() to make our graph, we also have to pull a little witchcraft to get this custom text we build into the graph in the first place (go show them that). </a:t>
+            </a:r>
+          </a:p>
+        </p:txBody>
+      </p:sp>
+    </p:spTree>
+    <p:extLst>
+      <p:ext uri="{BB962C8B-B14F-4D97-AF65-F5344CB8AC3E}">
+        <p14:creationId xmlns:p14="http://schemas.microsoft.com/office/powerpoint/2010/main" val="3417738460"/>
+      </p:ext>
+    </p:extLst>
+  </p:cSld>
+  <p:clrMapOvr>
+    <a:masterClrMapping/>
+  </p:clrMapOvr>
+</p:notes>
+</file>
+
+<file path=ppt/notesSlides/notesSlide6.xml><?xml version="1.0" encoding="utf-8"?>
+<p:notes xmlns:a="http://schemas.openxmlformats.org/drawingml/2006/main" xmlns:r="http://schemas.openxmlformats.org/officeDocument/2006/relationships" xmlns:p="http://schemas.openxmlformats.org/presentationml/2006/main">
+  <p:cSld>
+    <p:spTree>
+      <p:nvGrpSpPr>
+        <p:cNvPr id="1" name=""/>
+        <p:cNvGrpSpPr/>
+        <p:nvPr/>
+      </p:nvGrpSpPr>
+      <p:grpSpPr>
+        <a:xfrm>
+          <a:off x="0" y="0"/>
+          <a:ext cx="0" cy="0"/>
+          <a:chOff x="0" y="0"/>
+          <a:chExt cx="0" cy="0"/>
+        </a:xfrm>
+      </p:grpSpPr>
+      <p:sp>
+        <p:nvSpPr>
+          <p:cNvPr id="2" name="Slide Image Placeholder 1"/>
+          <p:cNvSpPr>
+            <a:spLocks noGrp="1" noRot="1" noChangeAspect="1"/>
+          </p:cNvSpPr>
+          <p:nvPr>
+            <p:ph type="sldImg"/>
+          </p:nvPr>
+        </p:nvSpPr>
+        <p:spPr>
+          <a:xfrm>
+            <a:off x="381000" y="685800"/>
+            <a:ext cx="6096000" cy="3429000"/>
+          </a:xfrm>
+        </p:spPr>
+      </p:sp>
+      <p:sp>
+        <p:nvSpPr>
+          <p:cNvPr id="3" name="Notes Placeholder 2"/>
+          <p:cNvSpPr>
+            <a:spLocks noGrp="1"/>
+          </p:cNvSpPr>
+          <p:nvPr>
+            <p:ph type="body" idx="1"/>
+          </p:nvPr>
+        </p:nvSpPr>
+        <p:spPr/>
+        <p:txBody>
+          <a:bodyPr/>
+          <a:lstStyle/>
+          <a:p>
+            <a:r>
+              <a:rPr lang="en-US" dirty="0"/>
+              <a:t>Here, pause to show them the app we’re actually going to build together. It’s not super pretty, but it’s highly functional, and you’ll understand how to make it prettier.</a:t>
+            </a:r>
+          </a:p>
+          <a:p>
+            <a:r>
+              <a:rPr lang="en-US" dirty="0"/>
+              <a:t>Then, show them PI Charter: z.umn.edu/</a:t>
+            </a:r>
+            <a:r>
+              <a:rPr lang="en-US" dirty="0" err="1"/>
+              <a:t>PICharter</a:t>
+            </a:r>
+            <a:r>
+              <a:rPr lang="en-US" dirty="0"/>
+              <a:t>. It shows what’s possible—really complex lots of features, 2 year dev, publication, dozens of partners. 95% of what it does, coding wise, is what I teach here! So, if you Master this content, you can build something of </a:t>
+            </a:r>
+            <a:r>
+              <a:rPr lang="en-US"/>
+              <a:t>equal sophistication.</a:t>
+            </a:r>
+            <a:endParaRPr lang="en-US" dirty="0"/>
+          </a:p>
+        </p:txBody>
+      </p:sp>
+    </p:spTree>
+    <p:extLst>
+      <p:ext uri="{BB962C8B-B14F-4D97-AF65-F5344CB8AC3E}">
+        <p14:creationId xmlns:p14="http://schemas.microsoft.com/office/powerpoint/2010/main" val="2393332796"/>
+      </p:ext>
+    </p:extLst>
+  </p:cSld>
+  <p:clrMapOvr>
+    <a:masterClrMapping/>
+  </p:clrMapOvr>
+</p:notes>
+</file>
+
+<file path=ppt/notesSlides/notesSlide60.xml><?xml version="1.0" encoding="utf-8"?>
+<p:notes xmlns:a="http://schemas.openxmlformats.org/drawingml/2006/main" xmlns:r="http://schemas.openxmlformats.org/officeDocument/2006/relationships" xmlns:p="http://schemas.openxmlformats.org/presentationml/2006/main">
+  <p:cSld>
+    <p:spTree>
+      <p:nvGrpSpPr>
+        <p:cNvPr id="1" name=""/>
+        <p:cNvGrpSpPr/>
+        <p:nvPr/>
+      </p:nvGrpSpPr>
+      <p:grpSpPr>
+        <a:xfrm>
+          <a:off x="0" y="0"/>
+          <a:ext cx="0" cy="0"/>
+          <a:chOff x="0" y="0"/>
+          <a:chExt cx="0" cy="0"/>
+        </a:xfrm>
+      </p:grpSpPr>
+      <p:sp>
+        <p:nvSpPr>
+          <p:cNvPr id="2" name="Slide Image Placeholder 1"/>
+          <p:cNvSpPr>
+            <a:spLocks noGrp="1" noRot="1" noChangeAspect="1"/>
+          </p:cNvSpPr>
+          <p:nvPr>
+            <p:ph type="sldImg"/>
+          </p:nvPr>
+        </p:nvSpPr>
+        <p:spPr>
+          <a:xfrm>
+            <a:off x="381000" y="685800"/>
+            <a:ext cx="6096000" cy="3429000"/>
+          </a:xfrm>
+        </p:spPr>
+      </p:sp>
+      <p:sp>
+        <p:nvSpPr>
+          <p:cNvPr id="3" name="Notes Placeholder 2"/>
+          <p:cNvSpPr>
+            <a:spLocks noGrp="1"/>
+          </p:cNvSpPr>
+          <p:nvPr>
+            <p:ph type="body" idx="1"/>
+          </p:nvPr>
+        </p:nvSpPr>
+        <p:spPr/>
+        <p:txBody>
+          <a:bodyPr/>
+          <a:lstStyle/>
+          <a:p>
+            <a:r>
+              <a:rPr lang="en-US" dirty="0"/>
+              <a:t>Just as with DT and leaflet, </a:t>
+            </a:r>
+            <a:r>
+              <a:rPr lang="en-US" dirty="0" err="1"/>
+              <a:t>plotly</a:t>
+            </a:r>
+            <a:r>
+              <a:rPr lang="en-US" dirty="0"/>
+              <a:t> has a proxy system that will enable us to update a graph rather than rebuild it. </a:t>
+            </a:r>
+          </a:p>
+          <a:p>
+            <a:r>
+              <a:rPr lang="en-US" dirty="0"/>
+              <a:t>Let’s see it in action by giving users a drop-down menu to pick a new color scheme for the graph. </a:t>
+            </a:r>
+          </a:p>
+          <a:p>
+            <a:r>
+              <a:rPr lang="en-US" dirty="0"/>
+              <a:t>(First, go add the selector to the UI).</a:t>
+            </a:r>
+          </a:p>
+          <a:p>
+            <a:r>
+              <a:rPr lang="en-US" dirty="0"/>
+              <a:t>(Then, add the new observer to watch for it and handle it). (Make sure they see the product).</a:t>
+            </a:r>
+          </a:p>
+          <a:p>
+            <a:r>
+              <a:rPr lang="en-US" dirty="0"/>
+              <a:t>Now, you’ll notice that this doesn’t quite work…the dots change well, but the lines and legend keys don’t. </a:t>
+            </a:r>
+          </a:p>
+          <a:p>
+            <a:r>
+              <a:rPr lang="en-US" dirty="0"/>
+              <a:t>These are solvable issues, but not in the time we have today, and it’s kind of </a:t>
+            </a:r>
+            <a:r>
+              <a:rPr lang="en-US" dirty="0" err="1"/>
+              <a:t>ggplotly’s</a:t>
+            </a:r>
+            <a:r>
+              <a:rPr lang="en-US" dirty="0"/>
+              <a:t> fault. We’d have an easier time doing this if we build the graph from scratch in </a:t>
+            </a:r>
+            <a:r>
+              <a:rPr lang="en-US" dirty="0" err="1"/>
+              <a:t>plotly</a:t>
+            </a:r>
+            <a:r>
+              <a:rPr lang="en-US" dirty="0"/>
+              <a:t> though!</a:t>
+            </a:r>
+          </a:p>
+          <a:p>
+            <a:endParaRPr lang="en-US" dirty="0"/>
+          </a:p>
+        </p:txBody>
+      </p:sp>
+    </p:spTree>
+    <p:extLst>
+      <p:ext uri="{BB962C8B-B14F-4D97-AF65-F5344CB8AC3E}">
+        <p14:creationId xmlns:p14="http://schemas.microsoft.com/office/powerpoint/2010/main" val="4282909182"/>
+      </p:ext>
+    </p:extLst>
+  </p:cSld>
+  <p:clrMapOvr>
+    <a:masterClrMapping/>
+  </p:clrMapOvr>
+</p:notes>
+</file>
+
+<file path=ppt/notesSlides/notesSlide61.xml><?xml version="1.0" encoding="utf-8"?>
+<p:notes xmlns:a="http://schemas.openxmlformats.org/drawingml/2006/main" xmlns:r="http://schemas.openxmlformats.org/officeDocument/2006/relationships" xmlns:p="http://schemas.openxmlformats.org/presentationml/2006/main">
+  <p:cSld>
+    <p:spTree>
+      <p:nvGrpSpPr>
+        <p:cNvPr id="1" name=""/>
+        <p:cNvGrpSpPr/>
+        <p:nvPr/>
+      </p:nvGrpSpPr>
+      <p:grpSpPr>
+        <a:xfrm>
+          <a:off x="0" y="0"/>
+          <a:ext cx="0" cy="0"/>
+          <a:chOff x="0" y="0"/>
+          <a:chExt cx="0" cy="0"/>
+        </a:xfrm>
+      </p:grpSpPr>
+      <p:sp>
+        <p:nvSpPr>
+          <p:cNvPr id="2" name="Slide Image Placeholder 1"/>
+          <p:cNvSpPr>
+            <a:spLocks noGrp="1" noRot="1" noChangeAspect="1"/>
+          </p:cNvSpPr>
+          <p:nvPr>
+            <p:ph type="sldImg"/>
+          </p:nvPr>
+        </p:nvSpPr>
+        <p:spPr>
+          <a:xfrm>
+            <a:off x="381000" y="685800"/>
+            <a:ext cx="6096000" cy="3429000"/>
+          </a:xfrm>
+        </p:spPr>
+      </p:sp>
+      <p:sp>
+        <p:nvSpPr>
+          <p:cNvPr id="3" name="Notes Placeholder 2"/>
+          <p:cNvSpPr>
+            <a:spLocks noGrp="1"/>
+          </p:cNvSpPr>
+          <p:nvPr>
+            <p:ph type="body" idx="1"/>
+          </p:nvPr>
+        </p:nvSpPr>
+        <p:spPr/>
+        <p:txBody>
+          <a:bodyPr/>
+          <a:lstStyle/>
+          <a:p>
+            <a:r>
+              <a:rPr lang="en-US" dirty="0"/>
+              <a:t>The last thing to see about </a:t>
+            </a:r>
+            <a:r>
+              <a:rPr lang="en-US" dirty="0" err="1"/>
+              <a:t>plotly</a:t>
+            </a:r>
+            <a:r>
+              <a:rPr lang="en-US" dirty="0"/>
+              <a:t> graphs is that they can be widgets too.</a:t>
+            </a:r>
+          </a:p>
+          <a:p>
+            <a:r>
+              <a:rPr lang="en-US" dirty="0"/>
+              <a:t>However, as widgets, they use an unorthodox system—they do NOT use the input object and </a:t>
+            </a:r>
+            <a:r>
+              <a:rPr lang="en-US" dirty="0" err="1"/>
+              <a:t>inputIds</a:t>
+            </a:r>
+            <a:r>
+              <a:rPr lang="en-US" dirty="0"/>
+              <a:t> to pass around event data.</a:t>
+            </a:r>
+          </a:p>
+          <a:p>
+            <a:r>
+              <a:rPr lang="en-US" dirty="0"/>
+              <a:t>Instead, we have to give our graph another id, called a source, to use.</a:t>
+            </a:r>
+          </a:p>
+          <a:p>
+            <a:r>
+              <a:rPr lang="en-US" dirty="0"/>
+              <a:t>We then have to register the type of event we’re watching for, such as a click.</a:t>
+            </a:r>
+          </a:p>
+          <a:p>
+            <a:r>
+              <a:rPr lang="en-US" dirty="0"/>
+              <a:t>And then we have to use those two things plus a function called </a:t>
+            </a:r>
+            <a:r>
+              <a:rPr lang="en-US" dirty="0" err="1"/>
+              <a:t>event_data</a:t>
+            </a:r>
+            <a:r>
+              <a:rPr lang="en-US" dirty="0"/>
+              <a:t>() to watch for and handle events server-side, like we’ve been using input up until now.</a:t>
+            </a:r>
+          </a:p>
+          <a:p>
+            <a:r>
+              <a:rPr lang="en-US" dirty="0"/>
+              <a:t>It’s not a *harder* system, it’s just different…let’s see it in action by using it to print the exact population datum of a clicked point to the user.</a:t>
+            </a:r>
+          </a:p>
+          <a:p>
+            <a:r>
+              <a:rPr lang="en-US" dirty="0"/>
+              <a:t>(First, set up the </a:t>
+            </a:r>
+            <a:r>
+              <a:rPr lang="en-US" dirty="0" err="1"/>
+              <a:t>textOutput</a:t>
+            </a:r>
+            <a:r>
+              <a:rPr lang="en-US" dirty="0"/>
+              <a:t> in the UI.</a:t>
+            </a:r>
+          </a:p>
+          <a:p>
+            <a:r>
+              <a:rPr lang="en-US" dirty="0"/>
+              <a:t>(Then, go to the global and add the source and </a:t>
+            </a:r>
+            <a:r>
+              <a:rPr lang="en-US" dirty="0" err="1"/>
+              <a:t>register_event</a:t>
+            </a:r>
+            <a:r>
+              <a:rPr lang="en-US" dirty="0"/>
+              <a:t> code).</a:t>
+            </a:r>
+          </a:p>
+          <a:p>
+            <a:r>
+              <a:rPr lang="en-US" dirty="0"/>
+              <a:t>(Then, go to the server and build the new observer, and show them).</a:t>
+            </a:r>
+          </a:p>
+          <a:p>
+            <a:r>
+              <a:rPr lang="en-US" dirty="0"/>
+              <a:t>This isn’t exactly the most exciting usage of this functionality, but it hopefully shows you what’s possible. </a:t>
+            </a:r>
+          </a:p>
+        </p:txBody>
+      </p:sp>
+    </p:spTree>
+    <p:extLst>
+      <p:ext uri="{BB962C8B-B14F-4D97-AF65-F5344CB8AC3E}">
+        <p14:creationId xmlns:p14="http://schemas.microsoft.com/office/powerpoint/2010/main" val="577835042"/>
+      </p:ext>
+    </p:extLst>
+  </p:cSld>
+  <p:clrMapOvr>
+    <a:masterClrMapping/>
+  </p:clrMapOvr>
+</p:notes>
+</file>
+
+<file path=ppt/notesSlides/notesSlide62.xml><?xml version="1.0" encoding="utf-8"?>
+<p:notes xmlns:a="http://schemas.openxmlformats.org/drawingml/2006/main" xmlns:r="http://schemas.openxmlformats.org/officeDocument/2006/relationships" xmlns:p="http://schemas.openxmlformats.org/presentationml/2006/main">
+  <p:cSld>
+    <p:spTree>
+      <p:nvGrpSpPr>
+        <p:cNvPr id="1" name=""/>
+        <p:cNvGrpSpPr/>
+        <p:nvPr/>
+      </p:nvGrpSpPr>
+      <p:grpSpPr>
+        <a:xfrm>
+          <a:off x="0" y="0"/>
+          <a:ext cx="0" cy="0"/>
+          <a:chOff x="0" y="0"/>
+          <a:chExt cx="0" cy="0"/>
+        </a:xfrm>
+      </p:grpSpPr>
+      <p:sp>
+        <p:nvSpPr>
+          <p:cNvPr id="2" name="Slide Image Placeholder 1"/>
+          <p:cNvSpPr>
+            <a:spLocks noGrp="1" noRot="1" noChangeAspect="1"/>
+          </p:cNvSpPr>
+          <p:nvPr>
+            <p:ph type="sldImg"/>
+          </p:nvPr>
+        </p:nvSpPr>
+        <p:spPr>
+          <a:xfrm>
+            <a:off x="381000" y="685800"/>
+            <a:ext cx="6096000" cy="3429000"/>
+          </a:xfrm>
+        </p:spPr>
+      </p:sp>
+      <p:sp>
+        <p:nvSpPr>
+          <p:cNvPr id="3" name="Notes Placeholder 2"/>
+          <p:cNvSpPr>
+            <a:spLocks noGrp="1"/>
+          </p:cNvSpPr>
+          <p:nvPr>
+            <p:ph type="body" idx="1"/>
+          </p:nvPr>
+        </p:nvSpPr>
+        <p:spPr/>
+        <p:txBody>
+          <a:bodyPr/>
+          <a:lstStyle/>
+          <a:p>
+            <a:endParaRPr lang="en-US" dirty="0"/>
+          </a:p>
+        </p:txBody>
+      </p:sp>
+    </p:spTree>
+    <p:extLst>
+      <p:ext uri="{BB962C8B-B14F-4D97-AF65-F5344CB8AC3E}">
+        <p14:creationId xmlns:p14="http://schemas.microsoft.com/office/powerpoint/2010/main" val="2203845918"/>
+      </p:ext>
+    </p:extLst>
+  </p:cSld>
+  <p:clrMapOvr>
+    <a:masterClrMapping/>
+  </p:clrMapOvr>
+</p:notes>
+</file>
+
+<file path=ppt/notesSlides/notesSlide63.xml><?xml version="1.0" encoding="utf-8"?>
 <p:notes xmlns:a="http://schemas.openxmlformats.org/drawingml/2006/main" xmlns:r="http://schemas.openxmlformats.org/officeDocument/2006/relationships" xmlns:p="http://schemas.openxmlformats.org/presentationml/2006/main" showMasterSp="0" showMasterPhAnim="0">
   <p:cSld>
     <p:spTree>
@@ -6992,7 +8011,7 @@
 </p:notes>
 </file>
 
-<file path=ppt/notesSlides/notesSlide57.xml><?xml version="1.0" encoding="utf-8"?>
+<file path=ppt/notesSlides/notesSlide64.xml><?xml version="1.0" encoding="utf-8"?>
 <p:notes xmlns:a="http://schemas.openxmlformats.org/drawingml/2006/main" xmlns:r="http://schemas.openxmlformats.org/officeDocument/2006/relationships" xmlns:p="http://schemas.openxmlformats.org/presentationml/2006/main" showMasterSp="0" showMasterPhAnim="0">
   <p:cSld>
     <p:spTree>
@@ -7089,94 +8108,6 @@
         </p:txBody>
       </p:sp>
     </p:spTree>
-  </p:cSld>
-  <p:clrMapOvr>
-    <a:masterClrMapping/>
-  </p:clrMapOvr>
-</p:notes>
-</file>
-
-<file path=ppt/notesSlides/notesSlide6.xml><?xml version="1.0" encoding="utf-8"?>
-<p:notes xmlns:a="http://schemas.openxmlformats.org/drawingml/2006/main" xmlns:r="http://schemas.openxmlformats.org/officeDocument/2006/relationships" xmlns:p="http://schemas.openxmlformats.org/presentationml/2006/main">
-  <p:cSld>
-    <p:spTree>
-      <p:nvGrpSpPr>
-        <p:cNvPr id="1" name=""/>
-        <p:cNvGrpSpPr/>
-        <p:nvPr/>
-      </p:nvGrpSpPr>
-      <p:grpSpPr>
-        <a:xfrm>
-          <a:off x="0" y="0"/>
-          <a:ext cx="0" cy="0"/>
-          <a:chOff x="0" y="0"/>
-          <a:chExt cx="0" cy="0"/>
-        </a:xfrm>
-      </p:grpSpPr>
-      <p:sp>
-        <p:nvSpPr>
-          <p:cNvPr id="2" name="Slide Image Placeholder 1"/>
-          <p:cNvSpPr>
-            <a:spLocks noGrp="1" noRot="1" noChangeAspect="1"/>
-          </p:cNvSpPr>
-          <p:nvPr>
-            <p:ph type="sldImg"/>
-          </p:nvPr>
-        </p:nvSpPr>
-        <p:spPr>
-          <a:xfrm>
-            <a:off x="381000" y="685800"/>
-            <a:ext cx="6096000" cy="3429000"/>
-          </a:xfrm>
-        </p:spPr>
-      </p:sp>
-      <p:sp>
-        <p:nvSpPr>
-          <p:cNvPr id="3" name="Notes Placeholder 2"/>
-          <p:cNvSpPr>
-            <a:spLocks noGrp="1"/>
-          </p:cNvSpPr>
-          <p:nvPr>
-            <p:ph type="body" idx="1"/>
-          </p:nvPr>
-        </p:nvSpPr>
-        <p:spPr/>
-        <p:txBody>
-          <a:bodyPr/>
-          <a:lstStyle/>
-          <a:p>
-            <a:r>
-              <a:rPr lang="en-US" dirty="0"/>
-              <a:t>Here, pause to show them the app we’re actually going to build together. It’s not super pretty, but it’s highly functional, and you’ll understand how to make it prettier.</a:t>
-            </a:r>
-          </a:p>
-          <a:p>
-            <a:r>
-              <a:rPr lang="en-US" dirty="0"/>
-              <a:t>Then, show them PI Charter: z.umn.edu/</a:t>
-            </a:r>
-            <a:r>
-              <a:rPr lang="en-US" dirty="0" err="1"/>
-              <a:t>PICharter</a:t>
-            </a:r>
-            <a:r>
-              <a:rPr lang="en-US" dirty="0"/>
-              <a:t>. It shows what’s possible—really complex lots of features, 2 year dev, publication, dozens of partners. 95% of what it does, coding wise, is what I teach here! So, if you Master this content, you can build something of </a:t>
-            </a:r>
-            <a:r>
-              <a:rPr lang="en-US"/>
-              <a:t>equal sophistication.</a:t>
-            </a:r>
-            <a:endParaRPr lang="en-US" dirty="0"/>
-          </a:p>
-        </p:txBody>
-      </p:sp>
-    </p:spTree>
-    <p:extLst>
-      <p:ext uri="{BB962C8B-B14F-4D97-AF65-F5344CB8AC3E}">
-        <p14:creationId xmlns:p14="http://schemas.microsoft.com/office/powerpoint/2010/main" val="2393332796"/>
-      </p:ext>
-    </p:extLst>
   </p:cSld>
   <p:clrMapOvr>
     <a:masterClrMapping/>
@@ -42849,7 +43780,7 @@
             </a:r>
             <a:r>
               <a:rPr lang="en-US" dirty="0"/>
-              <a:t> is a JS (and now R) package for making web-enabled, interactive maps using spatial data (</a:t>
+              <a:t> is a JS (and now R) package for making web-enabled, interactive maps of spatial data (</a:t>
             </a:r>
             <a:r>
               <a:rPr lang="en-US" i="1" dirty="0"/>
@@ -42876,8 +43807,40 @@
             </a:pPr>
             <a:r>
               <a:rPr lang="en-US" dirty="0"/>
-              <a:t>This means we need to add some spatial data to our data set!</a:t>
-            </a:r>
+              <a:t>This means we need some spatial data!</a:t>
+            </a:r>
+          </a:p>
+          <a:p>
+            <a:pPr lvl="1">
+              <a:lnSpc>
+                <a:spcPct val="100000"/>
+              </a:lnSpc>
+            </a:pPr>
+            <a:r>
+              <a:rPr lang="en-US" dirty="0"/>
+              <a:t>I’ve already gotten some, but you’ll need to download it: </a:t>
+            </a:r>
+            <a:r>
+              <a:rPr lang="en-US" dirty="0">
+                <a:solidFill>
+                  <a:srgbClr val="7030A0"/>
+                </a:solidFill>
+              </a:rPr>
+              <a:t>z.umn.edu/</a:t>
+            </a:r>
+            <a:r>
+              <a:rPr lang="en-US" dirty="0" err="1">
+                <a:solidFill>
+                  <a:srgbClr val="7030A0"/>
+                </a:solidFill>
+              </a:rPr>
+              <a:t>gap_map</a:t>
+            </a:r>
+            <a:endParaRPr lang="en-US" dirty="0">
+              <a:solidFill>
+                <a:srgbClr val="7030A0"/>
+              </a:solidFill>
+            </a:endParaRPr>
           </a:p>
           <a:p>
             <a:pPr>
@@ -42887,45 +43850,23 @@
             </a:pPr>
             <a:r>
               <a:rPr lang="en-US" dirty="0"/>
-              <a:t>I’ve already done this for you, but you need to download the file that has a version of the </a:t>
-            </a:r>
-            <a:r>
-              <a:rPr lang="en-US" dirty="0" err="1"/>
-              <a:t>gapminder</a:t>
-            </a:r>
-            <a:r>
-              <a:rPr lang="en-US" dirty="0"/>
-              <a:t> data set with spatial data attached to it…</a:t>
-            </a:r>
-          </a:p>
-          <a:p>
-            <a:pPr lvl="1">
-              <a:lnSpc>
-                <a:spcPct val="100000"/>
-              </a:lnSpc>
-              <a:spcBef>
-                <a:spcPts val="0"/>
-              </a:spcBef>
-            </a:pPr>
-            <a:r>
-              <a:rPr lang="en-US" dirty="0"/>
-              <a:t>z.umn.edu/</a:t>
-            </a:r>
-            <a:r>
-              <a:rPr lang="en-US" dirty="0" err="1"/>
-              <a:t>gap_map</a:t>
-            </a:r>
-            <a:endParaRPr lang="en-US" dirty="0"/>
-          </a:p>
-          <a:p>
-            <a:pPr>
-              <a:lnSpc>
-                <a:spcPct val="100000"/>
-              </a:lnSpc>
-            </a:pPr>
-            <a:r>
-              <a:rPr lang="en-US" dirty="0"/>
-              <a:t>We’ll hit all the same “story beats” as with DT. The specifics will change, but the concepts are all the same!</a:t>
+              <a:t>We’ll hit all the same “story beats” for </a:t>
+            </a:r>
+            <a:r>
+              <a:rPr lang="en-US" i="1" dirty="0"/>
+              <a:t>leaflet</a:t>
+            </a:r>
+            <a:r>
+              <a:rPr lang="en-US" dirty="0"/>
+              <a:t> as with </a:t>
+            </a:r>
+            <a:r>
+              <a:rPr lang="en-US" i="1" dirty="0"/>
+              <a:t>DT</a:t>
+            </a:r>
+            <a:r>
+              <a:rPr lang="en-US" dirty="0"/>
+              <a:t>. The specifics will change, but the concepts are the same!</a:t>
             </a:r>
           </a:p>
         </p:txBody>
@@ -43058,33 +43999,15 @@
                                   </p:childTnLst>
                                 </p:cTn>
                               </p:par>
-                            </p:childTnLst>
-                          </p:cTn>
-                        </p:par>
-                      </p:childTnLst>
-                    </p:cTn>
-                  </p:par>
-                  <p:par>
-                    <p:cTn id="12" fill="hold">
-                      <p:stCondLst>
-                        <p:cond delay="indefinite"/>
-                      </p:stCondLst>
-                      <p:childTnLst>
-                        <p:par>
-                          <p:cTn id="13" fill="hold">
-                            <p:stCondLst>
-                              <p:cond delay="0"/>
-                            </p:stCondLst>
-                            <p:childTnLst>
                               <p:par>
-                                <p:cTn id="14" presetID="10" presetClass="entr" presetSubtype="0" fill="hold" grpId="0" nodeType="clickEffect">
+                                <p:cTn id="12" presetID="10" presetClass="entr" presetSubtype="0" fill="hold" grpId="0" nodeType="withEffect">
                                   <p:stCondLst>
                                     <p:cond delay="0"/>
                                   </p:stCondLst>
                                   <p:childTnLst>
                                     <p:set>
                                       <p:cBhvr>
-                                        <p:cTn id="15" dur="1" fill="hold">
+                                        <p:cTn id="13" dur="1" fill="hold">
                                           <p:stCondLst>
                                             <p:cond delay="0"/>
                                           </p:stCondLst>
@@ -43106,63 +44029,11 @@
                                     </p:set>
                                     <p:animEffect transition="in" filter="fade">
                                       <p:cBhvr>
-                                        <p:cTn id="16" dur="500"/>
+                                        <p:cTn id="14" dur="500"/>
                                         <p:tgtEl>
                                           <p:spTgt spid="3">
                                             <p:txEl>
                                               <p:pRg st="2" end="2"/>
-                                            </p:txEl>
-                                          </p:spTgt>
-                                        </p:tgtEl>
-                                      </p:cBhvr>
-                                    </p:animEffect>
-                                  </p:childTnLst>
-                                </p:cTn>
-                              </p:par>
-                            </p:childTnLst>
-                          </p:cTn>
-                        </p:par>
-                        <p:par>
-                          <p:cTn id="17" fill="hold">
-                            <p:stCondLst>
-                              <p:cond delay="500"/>
-                            </p:stCondLst>
-                            <p:childTnLst>
-                              <p:par>
-                                <p:cTn id="18" presetID="10" presetClass="entr" presetSubtype="0" fill="hold" grpId="0" nodeType="afterEffect">
-                                  <p:stCondLst>
-                                    <p:cond delay="0"/>
-                                  </p:stCondLst>
-                                  <p:childTnLst>
-                                    <p:set>
-                                      <p:cBhvr>
-                                        <p:cTn id="19" dur="1" fill="hold">
-                                          <p:stCondLst>
-                                            <p:cond delay="0"/>
-                                          </p:stCondLst>
-                                        </p:cTn>
-                                        <p:tgtEl>
-                                          <p:spTgt spid="3">
-                                            <p:txEl>
-                                              <p:pRg st="3" end="3"/>
-                                            </p:txEl>
-                                          </p:spTgt>
-                                        </p:tgtEl>
-                                        <p:attrNameLst>
-                                          <p:attrName>style.visibility</p:attrName>
-                                        </p:attrNameLst>
-                                      </p:cBhvr>
-                                      <p:to>
-                                        <p:strVal val="visible"/>
-                                      </p:to>
-                                    </p:set>
-                                    <p:animEffect transition="in" filter="fade">
-                                      <p:cBhvr>
-                                        <p:cTn id="20" dur="500"/>
-                                        <p:tgtEl>
-                                          <p:spTgt spid="3">
-                                            <p:txEl>
-                                              <p:pRg st="3" end="3"/>
                                             </p:txEl>
                                           </p:spTgt>
                                         </p:tgtEl>
@@ -43178,26 +44049,26 @@
                     </p:cTn>
                   </p:par>
                   <p:par>
-                    <p:cTn id="21" fill="hold">
+                    <p:cTn id="15" fill="hold">
                       <p:stCondLst>
                         <p:cond delay="indefinite"/>
                       </p:stCondLst>
                       <p:childTnLst>
                         <p:par>
-                          <p:cTn id="22" fill="hold">
+                          <p:cTn id="16" fill="hold">
                             <p:stCondLst>
                               <p:cond delay="0"/>
                             </p:stCondLst>
                             <p:childTnLst>
                               <p:par>
-                                <p:cTn id="23" presetID="10" presetClass="entr" presetSubtype="0" fill="hold" grpId="0" nodeType="clickEffect">
+                                <p:cTn id="17" presetID="10" presetClass="entr" presetSubtype="0" fill="hold" grpId="0" nodeType="clickEffect">
                                   <p:stCondLst>
                                     <p:cond delay="0"/>
                                   </p:stCondLst>
                                   <p:childTnLst>
                                     <p:set>
                                       <p:cBhvr>
-                                        <p:cTn id="24" dur="1" fill="hold">
+                                        <p:cTn id="18" dur="1" fill="hold">
                                           <p:stCondLst>
                                             <p:cond delay="0"/>
                                           </p:stCondLst>
@@ -43205,7 +44076,7 @@
                                         <p:tgtEl>
                                           <p:spTgt spid="3">
                                             <p:txEl>
-                                              <p:pRg st="4" end="4"/>
+                                              <p:pRg st="3" end="3"/>
                                             </p:txEl>
                                           </p:spTgt>
                                         </p:tgtEl>
@@ -43219,11 +44090,11 @@
                                     </p:set>
                                     <p:animEffect transition="in" filter="fade">
                                       <p:cBhvr>
-                                        <p:cTn id="25" dur="500"/>
+                                        <p:cTn id="19" dur="500"/>
                                         <p:tgtEl>
                                           <p:spTgt spid="3">
                                             <p:txEl>
-                                              <p:pRg st="4" end="4"/>
+                                              <p:pRg st="3" end="3"/>
                                             </p:txEl>
                                           </p:spTgt>
                                         </p:tgtEl>
@@ -43339,7 +44210,7 @@
             </a:pPr>
             <a:r>
               <a:rPr lang="en-US" dirty="0"/>
-              <a:t>Every leaflet map comes with three components:</a:t>
+              <a:t>Every leaflet map is built from three key components:</a:t>
             </a:r>
           </a:p>
           <a:p>
@@ -43353,7 +44224,7 @@
             </a:pPr>
             <a:r>
               <a:rPr lang="en-US" dirty="0"/>
-              <a:t>A call to leaflet(), which sets things up. Global options can be set here.</a:t>
+              <a:t>A call to leaflet(), which sets things up. Global options are set here.</a:t>
             </a:r>
           </a:p>
           <a:p>
@@ -43375,7 +44246,7 @@
             </a:r>
             <a:r>
               <a:rPr lang="en-US" dirty="0"/>
-              <a:t> is the map’s background image.</a:t>
+              <a:t> is the map’s background.</a:t>
             </a:r>
           </a:p>
           <a:p>
@@ -43400,7 +44271,7 @@
             </a:pPr>
             <a:r>
               <a:rPr lang="en-US" dirty="0"/>
-              <a:t>Here, we’ll use the default options and tile, and we’ll use </a:t>
+              <a:t>For now, let’s keep the default options and tile and use </a:t>
             </a:r>
             <a:r>
               <a:rPr lang="en-US" dirty="0" err="1"/>
@@ -43427,7 +44298,15 @@
             </a:r>
             <a:r>
               <a:rPr lang="en-US" dirty="0"/>
-              <a:t> and zoom without restrictions. Let’s set mix/max zoom levels and set </a:t>
+              <a:t> and </a:t>
+            </a:r>
+            <a:r>
+              <a:rPr lang="en-US" b="1" dirty="0"/>
+              <a:t>zoom</a:t>
+            </a:r>
+            <a:r>
+              <a:rPr lang="en-US" dirty="0"/>
+              <a:t> without restrictions. Let’s set mix/max zoom levels and </a:t>
             </a:r>
             <a:r>
               <a:rPr lang="en-US" b="1" dirty="0"/>
@@ -43916,7 +44795,7 @@
         <p:spPr/>
         <p:txBody>
           <a:bodyPr>
-            <a:normAutofit fontScale="92500" lnSpcReduction="20000"/>
+            <a:normAutofit fontScale="92500" lnSpcReduction="10000"/>
           </a:bodyPr>
           <a:lstStyle/>
           <a:p>
@@ -43927,7 +44806,7 @@
             </a:pPr>
             <a:r>
               <a:rPr lang="en-US" dirty="0"/>
-              <a:t>Our map is a little messy visually. Let’s make the strokes (outlines) of our countries crisper.</a:t>
+              <a:t>Our map is a little messy. Let’s make the strokes (outlines) of our countries crisper.</a:t>
             </a:r>
           </a:p>
           <a:p>
@@ -43938,7 +44817,7 @@
             </a:pPr>
             <a:r>
               <a:rPr lang="en-US" dirty="0"/>
-              <a:t>This is prettier! But it doesn’t actually show any </a:t>
+              <a:t>This is prettier! But it doesn’t show any </a:t>
             </a:r>
             <a:r>
               <a:rPr lang="en-US" b="1" dirty="0"/>
@@ -43957,21 +44836,7 @@
             </a:pPr>
             <a:r>
               <a:rPr lang="en-US" dirty="0"/>
-              <a:t>Let’s have the map show 2007 life expectancy data from every country.</a:t>
-            </a:r>
-          </a:p>
-          <a:p>
-            <a:pPr lvl="1">
-              <a:lnSpc>
-                <a:spcPct val="100000"/>
-              </a:lnSpc>
-              <a:spcBef>
-                <a:spcPts val="0"/>
-              </a:spcBef>
-            </a:pPr>
-            <a:r>
-              <a:rPr lang="en-US" dirty="0"/>
-              <a:t>We’ll map this aesthetic to the fill (center) of our polygons. </a:t>
+              <a:t>Let’s show 2007 life expectancy data from every country, mapping the value to the fill (center) color of our polygons. </a:t>
             </a:r>
           </a:p>
           <a:p>
@@ -43998,7 +44863,7 @@
             </a:pPr>
             <a:r>
               <a:rPr lang="en-US" dirty="0"/>
-              <a:t>We first need to use a color*() function to make a palette function leaflet can use to determine which spatial objects should get which colors.</a:t>
+              <a:t>Use a color*() function to make a palette function leaflet can use to determine which colors go with which values.</a:t>
             </a:r>
           </a:p>
           <a:p>
@@ -44014,7 +44879,7 @@
             </a:pPr>
             <a:r>
               <a:rPr lang="en-US" dirty="0"/>
-              <a:t>Then, we need to provide that function plus the data to our map.</a:t>
+              <a:t>Provide that function plus the data to our map.</a:t>
             </a:r>
           </a:p>
           <a:p>
@@ -44025,7 +44890,7 @@
             </a:pPr>
             <a:r>
               <a:rPr lang="en-US" dirty="0"/>
-              <a:t>…And it makes sense to add a </a:t>
+              <a:t>…And we should add a </a:t>
             </a:r>
             <a:r>
               <a:rPr lang="en-US" b="1" dirty="0"/>
@@ -44051,15 +44916,15 @@
               <a:t>even more </a:t>
             </a:r>
             <a:r>
-              <a:rPr lang="en-US" dirty="0"/>
-              <a:t>data? Yes, </a:t>
-            </a:r>
-            <a:r>
               <a:rPr lang="en-US"/>
-              <a:t>via </a:t>
-            </a:r>
-            <a:r>
-              <a:rPr lang="en-US" b="1"/>
+              <a:t>data cleanly? </a:t>
+            </a:r>
+            <a:r>
+              <a:rPr lang="en-US" dirty="0"/>
+              <a:t>Yes, via </a:t>
+            </a:r>
+            <a:r>
+              <a:rPr lang="en-US" b="1" dirty="0"/>
               <a:t>tooltips</a:t>
             </a:r>
             <a:r>
@@ -44206,30 +45071,21 @@
                             </p:childTnLst>
                           </p:cTn>
                         </p:par>
-                      </p:childTnLst>
-                    </p:cTn>
-                  </p:par>
-                  <p:par>
-                    <p:cTn id="13" fill="hold">
-                      <p:stCondLst>
-                        <p:cond delay="indefinite"/>
-                      </p:stCondLst>
-                      <p:childTnLst>
                         <p:par>
-                          <p:cTn id="14" fill="hold">
+                          <p:cTn id="13" fill="hold">
                             <p:stCondLst>
-                              <p:cond delay="0"/>
+                              <p:cond delay="500"/>
                             </p:stCondLst>
                             <p:childTnLst>
                               <p:par>
-                                <p:cTn id="15" presetID="10" presetClass="entr" presetSubtype="0" fill="hold" grpId="0" nodeType="clickEffect">
+                                <p:cTn id="14" presetID="10" presetClass="entr" presetSubtype="0" fill="hold" grpId="0" nodeType="afterEffect">
                                   <p:stCondLst>
                                     <p:cond delay="0"/>
                                   </p:stCondLst>
                                   <p:childTnLst>
                                     <p:set>
                                       <p:cBhvr>
-                                        <p:cTn id="16" dur="1" fill="hold">
+                                        <p:cTn id="15" dur="1" fill="hold">
                                           <p:stCondLst>
                                             <p:cond delay="0"/>
                                           </p:stCondLst>
@@ -44251,54 +45107,11 @@
                                     </p:set>
                                     <p:animEffect transition="in" filter="fade">
                                       <p:cBhvr>
-                                        <p:cTn id="17" dur="500"/>
+                                        <p:cTn id="16" dur="500"/>
                                         <p:tgtEl>
                                           <p:spTgt spid="3">
                                             <p:txEl>
                                               <p:pRg st="2" end="2"/>
-                                            </p:txEl>
-                                          </p:spTgt>
-                                        </p:tgtEl>
-                                      </p:cBhvr>
-                                    </p:animEffect>
-                                  </p:childTnLst>
-                                </p:cTn>
-                              </p:par>
-                              <p:par>
-                                <p:cTn id="18" presetID="10" presetClass="entr" presetSubtype="0" fill="hold" grpId="0" nodeType="withEffect">
-                                  <p:stCondLst>
-                                    <p:cond delay="0"/>
-                                  </p:stCondLst>
-                                  <p:childTnLst>
-                                    <p:set>
-                                      <p:cBhvr>
-                                        <p:cTn id="19" dur="1" fill="hold">
-                                          <p:stCondLst>
-                                            <p:cond delay="0"/>
-                                          </p:stCondLst>
-                                        </p:cTn>
-                                        <p:tgtEl>
-                                          <p:spTgt spid="3">
-                                            <p:txEl>
-                                              <p:pRg st="3" end="3"/>
-                                            </p:txEl>
-                                          </p:spTgt>
-                                        </p:tgtEl>
-                                        <p:attrNameLst>
-                                          <p:attrName>style.visibility</p:attrName>
-                                        </p:attrNameLst>
-                                      </p:cBhvr>
-                                      <p:to>
-                                        <p:strVal val="visible"/>
-                                      </p:to>
-                                    </p:set>
-                                    <p:animEffect transition="in" filter="fade">
-                                      <p:cBhvr>
-                                        <p:cTn id="20" dur="500"/>
-                                        <p:tgtEl>
-                                          <p:spTgt spid="3">
-                                            <p:txEl>
-                                              <p:pRg st="3" end="3"/>
                                             </p:txEl>
                                           </p:spTgt>
                                         </p:tgtEl>
@@ -44314,25 +45127,77 @@
                     </p:cTn>
                   </p:par>
                   <p:par>
-                    <p:cTn id="21" fill="hold">
+                    <p:cTn id="17" fill="hold">
                       <p:stCondLst>
                         <p:cond delay="indefinite"/>
                       </p:stCondLst>
                       <p:childTnLst>
                         <p:par>
-                          <p:cTn id="22" fill="hold">
+                          <p:cTn id="18" fill="hold">
                             <p:stCondLst>
                               <p:cond delay="0"/>
                             </p:stCondLst>
                             <p:childTnLst>
                               <p:par>
-                                <p:cTn id="23" presetID="10" presetClass="entr" presetSubtype="0" fill="hold" grpId="0" nodeType="clickEffect">
+                                <p:cTn id="19" presetID="10" presetClass="entr" presetSubtype="0" fill="hold" grpId="0" nodeType="clickEffect">
                                   <p:stCondLst>
                                     <p:cond delay="0"/>
                                   </p:stCondLst>
                                   <p:childTnLst>
                                     <p:set>
                                       <p:cBhvr>
+                                        <p:cTn id="20" dur="1" fill="hold">
+                                          <p:stCondLst>
+                                            <p:cond delay="0"/>
+                                          </p:stCondLst>
+                                        </p:cTn>
+                                        <p:tgtEl>
+                                          <p:spTgt spid="3">
+                                            <p:txEl>
+                                              <p:pRg st="3" end="3"/>
+                                            </p:txEl>
+                                          </p:spTgt>
+                                        </p:tgtEl>
+                                        <p:attrNameLst>
+                                          <p:attrName>style.visibility</p:attrName>
+                                        </p:attrNameLst>
+                                      </p:cBhvr>
+                                      <p:to>
+                                        <p:strVal val="visible"/>
+                                      </p:to>
+                                    </p:set>
+                                    <p:animEffect transition="in" filter="fade">
+                                      <p:cBhvr>
+                                        <p:cTn id="21" dur="500"/>
+                                        <p:tgtEl>
+                                          <p:spTgt spid="3">
+                                            <p:txEl>
+                                              <p:pRg st="3" end="3"/>
+                                            </p:txEl>
+                                          </p:spTgt>
+                                        </p:tgtEl>
+                                      </p:cBhvr>
+                                    </p:animEffect>
+                                  </p:childTnLst>
+                                </p:cTn>
+                              </p:par>
+                            </p:childTnLst>
+                          </p:cTn>
+                        </p:par>
+                        <p:par>
+                          <p:cTn id="22" fill="hold">
+                            <p:stCondLst>
+                              <p:cond delay="500"/>
+                            </p:stCondLst>
+                            <p:childTnLst>
+                              <p:par>
+                                <p:cTn id="23" presetID="10" presetClass="entr" presetSubtype="0" fill="hold" grpId="0" nodeType="afterEffect">
+                                  <p:stCondLst>
+                                    <p:cond delay="0"/>
+                                  </p:stCondLst>
+                                  <p:childTnLst>
+                                    <p:set>
+                                      <p:cBhvr>
                                         <p:cTn id="24" dur="1" fill="hold">
                                           <p:stCondLst>
                                             <p:cond delay="0"/>
@@ -44368,15 +45233,24 @@
                                   </p:childTnLst>
                                 </p:cTn>
                               </p:par>
+                            </p:childTnLst>
+                          </p:cTn>
+                        </p:par>
+                        <p:par>
+                          <p:cTn id="26" fill="hold">
+                            <p:stCondLst>
+                              <p:cond delay="1000"/>
+                            </p:stCondLst>
+                            <p:childTnLst>
                               <p:par>
-                                <p:cTn id="26" presetID="10" presetClass="entr" presetSubtype="0" fill="hold" grpId="0" nodeType="withEffect">
+                                <p:cTn id="27" presetID="10" presetClass="entr" presetSubtype="0" fill="hold" grpId="0" nodeType="afterEffect">
                                   <p:stCondLst>
                                     <p:cond delay="0"/>
                                   </p:stCondLst>
                                   <p:childTnLst>
                                     <p:set>
                                       <p:cBhvr>
-                                        <p:cTn id="27" dur="1" fill="hold">
+                                        <p:cTn id="28" dur="1" fill="hold">
                                           <p:stCondLst>
                                             <p:cond delay="0"/>
                                           </p:stCondLst>
@@ -44398,54 +45272,11 @@
                                     </p:set>
                                     <p:animEffect transition="in" filter="fade">
                                       <p:cBhvr>
-                                        <p:cTn id="28" dur="500"/>
+                                        <p:cTn id="29" dur="500"/>
                                         <p:tgtEl>
                                           <p:spTgt spid="3">
                                             <p:txEl>
                                               <p:pRg st="5" end="5"/>
-                                            </p:txEl>
-                                          </p:spTgt>
-                                        </p:tgtEl>
-                                      </p:cBhvr>
-                                    </p:animEffect>
-                                  </p:childTnLst>
-                                </p:cTn>
-                              </p:par>
-                              <p:par>
-                                <p:cTn id="29" presetID="10" presetClass="entr" presetSubtype="0" fill="hold" grpId="0" nodeType="withEffect">
-                                  <p:stCondLst>
-                                    <p:cond delay="0"/>
-                                  </p:stCondLst>
-                                  <p:childTnLst>
-                                    <p:set>
-                                      <p:cBhvr>
-                                        <p:cTn id="30" dur="1" fill="hold">
-                                          <p:stCondLst>
-                                            <p:cond delay="0"/>
-                                          </p:stCondLst>
-                                        </p:cTn>
-                                        <p:tgtEl>
-                                          <p:spTgt spid="3">
-                                            <p:txEl>
-                                              <p:pRg st="6" end="6"/>
-                                            </p:txEl>
-                                          </p:spTgt>
-                                        </p:tgtEl>
-                                        <p:attrNameLst>
-                                          <p:attrName>style.visibility</p:attrName>
-                                        </p:attrNameLst>
-                                      </p:cBhvr>
-                                      <p:to>
-                                        <p:strVal val="visible"/>
-                                      </p:to>
-                                    </p:set>
-                                    <p:animEffect transition="in" filter="fade">
-                                      <p:cBhvr>
-                                        <p:cTn id="31" dur="500"/>
-                                        <p:tgtEl>
-                                          <p:spTgt spid="3">
-                                            <p:txEl>
-                                              <p:pRg st="6" end="6"/>
                                             </p:txEl>
                                           </p:spTgt>
                                         </p:tgtEl>
@@ -44461,26 +45292,26 @@
                     </p:cTn>
                   </p:par>
                   <p:par>
-                    <p:cTn id="32" fill="hold">
+                    <p:cTn id="30" fill="hold">
                       <p:stCondLst>
                         <p:cond delay="indefinite"/>
                       </p:stCondLst>
                       <p:childTnLst>
                         <p:par>
-                          <p:cTn id="33" fill="hold">
+                          <p:cTn id="31" fill="hold">
                             <p:stCondLst>
                               <p:cond delay="0"/>
                             </p:stCondLst>
                             <p:childTnLst>
                               <p:par>
-                                <p:cTn id="34" presetID="10" presetClass="entr" presetSubtype="0" fill="hold" grpId="0" nodeType="clickEffect">
+                                <p:cTn id="32" presetID="10" presetClass="entr" presetSubtype="0" fill="hold" grpId="0" nodeType="clickEffect">
                                   <p:stCondLst>
                                     <p:cond delay="0"/>
                                   </p:stCondLst>
                                   <p:childTnLst>
                                     <p:set>
                                       <p:cBhvr>
-                                        <p:cTn id="35" dur="1" fill="hold">
+                                        <p:cTn id="33" dur="1" fill="hold">
                                           <p:stCondLst>
                                             <p:cond delay="0"/>
                                           </p:stCondLst>
@@ -44488,7 +45319,7 @@
                                         <p:tgtEl>
                                           <p:spTgt spid="3">
                                             <p:txEl>
-                                              <p:pRg st="7" end="7"/>
+                                              <p:pRg st="6" end="6"/>
                                             </p:txEl>
                                           </p:spTgt>
                                         </p:tgtEl>
@@ -44502,11 +45333,11 @@
                                     </p:set>
                                     <p:animEffect transition="in" filter="fade">
                                       <p:cBhvr>
-                                        <p:cTn id="36" dur="500"/>
+                                        <p:cTn id="34" dur="500"/>
                                         <p:tgtEl>
                                           <p:spTgt spid="3">
                                             <p:txEl>
-                                              <p:pRg st="7" end="7"/>
+                                              <p:pRg st="6" end="6"/>
                                             </p:txEl>
                                           </p:spTgt>
                                         </p:tgtEl>
@@ -44522,26 +45353,26 @@
                     </p:cTn>
                   </p:par>
                   <p:par>
-                    <p:cTn id="37" fill="hold">
+                    <p:cTn id="35" fill="hold">
                       <p:stCondLst>
                         <p:cond delay="indefinite"/>
                       </p:stCondLst>
                       <p:childTnLst>
                         <p:par>
-                          <p:cTn id="38" fill="hold">
+                          <p:cTn id="36" fill="hold">
                             <p:stCondLst>
                               <p:cond delay="0"/>
                             </p:stCondLst>
                             <p:childTnLst>
                               <p:par>
-                                <p:cTn id="39" presetID="10" presetClass="entr" presetSubtype="0" fill="hold" grpId="0" nodeType="clickEffect">
+                                <p:cTn id="37" presetID="10" presetClass="entr" presetSubtype="0" fill="hold" grpId="0" nodeType="clickEffect">
                                   <p:stCondLst>
                                     <p:cond delay="0"/>
                                   </p:stCondLst>
                                   <p:childTnLst>
                                     <p:set>
                                       <p:cBhvr>
-                                        <p:cTn id="40" dur="1" fill="hold">
+                                        <p:cTn id="38" dur="1" fill="hold">
                                           <p:stCondLst>
                                             <p:cond delay="0"/>
                                           </p:stCondLst>
@@ -44549,7 +45380,7 @@
                                         <p:tgtEl>
                                           <p:spTgt spid="3">
                                             <p:txEl>
-                                              <p:pRg st="8" end="8"/>
+                                              <p:pRg st="7" end="7"/>
                                             </p:txEl>
                                           </p:spTgt>
                                         </p:tgtEl>
@@ -44563,11 +45394,11 @@
                                     </p:set>
                                     <p:animEffect transition="in" filter="fade">
                                       <p:cBhvr>
-                                        <p:cTn id="41" dur="500"/>
+                                        <p:cTn id="39" dur="500"/>
                                         <p:tgtEl>
                                           <p:spTgt spid="3">
                                             <p:txEl>
-                                              <p:pRg st="8" end="8"/>
+                                              <p:pRg st="7" end="7"/>
                                             </p:txEl>
                                           </p:spTgt>
                                         </p:tgtEl>
@@ -44615,6 +45446,3500 @@
   <p:cSld>
     <p:spTree>
       <p:nvGrpSpPr>
+        <p:cNvPr id="1" name=""/>
+        <p:cNvGrpSpPr/>
+        <p:nvPr/>
+      </p:nvGrpSpPr>
+      <p:grpSpPr>
+        <a:xfrm>
+          <a:off x="0" y="0"/>
+          <a:ext cx="0" cy="0"/>
+          <a:chOff x="0" y="0"/>
+          <a:chExt cx="0" cy="0"/>
+        </a:xfrm>
+      </p:grpSpPr>
+      <p:sp>
+        <p:nvSpPr>
+          <p:cNvPr id="2" name="Title 1">
+            <a:extLst>
+              <a:ext uri="{FF2B5EF4-FFF2-40B4-BE49-F238E27FC236}">
+                <a16:creationId xmlns:a16="http://schemas.microsoft.com/office/drawing/2014/main" id="{8EC1F853-F66C-EEE9-721F-6639506049D1}"/>
+              </a:ext>
+            </a:extLst>
+          </p:cNvPr>
+          <p:cNvSpPr>
+            <a:spLocks noGrp="1"/>
+          </p:cNvSpPr>
+          <p:nvPr>
+            <p:ph type="title"/>
+          </p:nvPr>
+        </p:nvSpPr>
+        <p:spPr/>
+        <p:txBody>
+          <a:bodyPr/>
+          <a:lstStyle/>
+          <a:p>
+            <a:r>
+              <a:rPr lang="en-US" dirty="0"/>
+              <a:t>Update, don’t rebuild II</a:t>
+            </a:r>
+          </a:p>
+        </p:txBody>
+      </p:sp>
+      <p:sp>
+        <p:nvSpPr>
+          <p:cNvPr id="3" name="Text Placeholder 2">
+            <a:extLst>
+              <a:ext uri="{FF2B5EF4-FFF2-40B4-BE49-F238E27FC236}">
+                <a16:creationId xmlns:a16="http://schemas.microsoft.com/office/drawing/2014/main" id="{7B5DAB49-15EA-950D-14F2-2C944349FB5A}"/>
+              </a:ext>
+            </a:extLst>
+          </p:cNvPr>
+          <p:cNvSpPr>
+            <a:spLocks noGrp="1"/>
+          </p:cNvSpPr>
+          <p:nvPr>
+            <p:ph type="body" idx="1"/>
+          </p:nvPr>
+        </p:nvSpPr>
+        <p:spPr/>
+        <p:txBody>
+          <a:bodyPr>
+            <a:normAutofit fontScale="92500" lnSpcReduction="10000"/>
+          </a:bodyPr>
+          <a:lstStyle/>
+          <a:p>
+            <a:pPr>
+              <a:lnSpc>
+                <a:spcPct val="100000"/>
+              </a:lnSpc>
+            </a:pPr>
+            <a:r>
+              <a:rPr lang="en-US" dirty="0"/>
+              <a:t>Right now, users have no control over the map. </a:t>
+            </a:r>
+          </a:p>
+          <a:p>
+            <a:pPr>
+              <a:lnSpc>
+                <a:spcPct val="100000"/>
+              </a:lnSpc>
+            </a:pPr>
+            <a:r>
+              <a:rPr lang="en-US" dirty="0"/>
+              <a:t>Let’s give them control by adding a slider input that will allow them to pick the year of the data shown.</a:t>
+            </a:r>
+          </a:p>
+          <a:p>
+            <a:pPr lvl="1">
+              <a:lnSpc>
+                <a:spcPct val="100000"/>
+              </a:lnSpc>
+              <a:spcBef>
+                <a:spcPts val="0"/>
+              </a:spcBef>
+            </a:pPr>
+            <a:r>
+              <a:rPr lang="en-US" dirty="0"/>
+              <a:t>First, we add this widget to our UI’s sidebar cell.</a:t>
+            </a:r>
+          </a:p>
+          <a:p>
+            <a:pPr lvl="1">
+              <a:lnSpc>
+                <a:spcPct val="100000"/>
+              </a:lnSpc>
+              <a:spcBef>
+                <a:spcPts val="0"/>
+              </a:spcBef>
+            </a:pPr>
+            <a:r>
+              <a:rPr lang="en-US" dirty="0"/>
+              <a:t>Then, we use that widget’s reactive object server-side somehow to handle events. </a:t>
+            </a:r>
+          </a:p>
+          <a:p>
+            <a:pPr lvl="1">
+              <a:lnSpc>
+                <a:spcPct val="100000"/>
+              </a:lnSpc>
+              <a:spcBef>
+                <a:spcPts val="0"/>
+              </a:spcBef>
+            </a:pPr>
+            <a:r>
+              <a:rPr lang="en-US" dirty="0"/>
+              <a:t>We should make our server code more “agnostic” to year too.</a:t>
+            </a:r>
+          </a:p>
+          <a:p>
+            <a:pPr>
+              <a:lnSpc>
+                <a:spcPct val="100000"/>
+              </a:lnSpc>
+            </a:pPr>
+            <a:r>
+              <a:rPr lang="en-US" dirty="0"/>
+              <a:t>…Did you notice the “freeze?” Rebuilding the map to handle events is not ideal!  </a:t>
+            </a:r>
+          </a:p>
+          <a:p>
+            <a:pPr lvl="1">
+              <a:lnSpc>
+                <a:spcPct val="100000"/>
+              </a:lnSpc>
+              <a:spcBef>
+                <a:spcPts val="0"/>
+              </a:spcBef>
+            </a:pPr>
+            <a:r>
+              <a:rPr lang="en-US" dirty="0"/>
+              <a:t>Let’s switch to a proxy system by using </a:t>
+            </a:r>
+            <a:r>
+              <a:rPr lang="en-US" dirty="0" err="1"/>
+              <a:t>renderLeaflet</a:t>
+            </a:r>
+            <a:r>
+              <a:rPr lang="en-US" dirty="0"/>
+              <a:t>({}) to build the base map and </a:t>
+            </a:r>
+            <a:r>
+              <a:rPr lang="en-US" dirty="0" err="1"/>
+              <a:t>observeEvent</a:t>
+            </a:r>
+            <a:r>
+              <a:rPr lang="en-US" dirty="0"/>
+              <a:t>({},{}) to adjust it using a proxy. </a:t>
+            </a:r>
+          </a:p>
+          <a:p>
+            <a:pPr>
+              <a:lnSpc>
+                <a:spcPct val="100000"/>
+              </a:lnSpc>
+            </a:pPr>
+            <a:endParaRPr lang="en-US" dirty="0"/>
+          </a:p>
+        </p:txBody>
+      </p:sp>
+    </p:spTree>
+    <p:extLst>
+      <p:ext uri="{BB962C8B-B14F-4D97-AF65-F5344CB8AC3E}">
+        <p14:creationId xmlns:p14="http://schemas.microsoft.com/office/powerpoint/2010/main" val="720538414"/>
+      </p:ext>
+    </p:extLst>
+  </p:cSld>
+  <p:clrMapOvr>
+    <a:masterClrMapping/>
+  </p:clrMapOvr>
+  <p:timing>
+    <p:tnLst>
+      <p:par>
+        <p:cTn id="1" dur="indefinite" restart="never" nodeType="tmRoot">
+          <p:childTnLst>
+            <p:seq concurrent="1" nextAc="seek">
+              <p:cTn id="2" dur="indefinite" nodeType="mainSeq">
+                <p:childTnLst>
+                  <p:par>
+                    <p:cTn id="3" fill="hold">
+                      <p:stCondLst>
+                        <p:cond delay="indefinite"/>
+                        <p:cond evt="onBegin" delay="0">
+                          <p:tn val="2"/>
+                        </p:cond>
+                      </p:stCondLst>
+                      <p:childTnLst>
+                        <p:par>
+                          <p:cTn id="4" fill="hold">
+                            <p:stCondLst>
+                              <p:cond delay="0"/>
+                            </p:stCondLst>
+                            <p:childTnLst>
+                              <p:par>
+                                <p:cTn id="5" presetID="10" presetClass="entr" presetSubtype="0" fill="hold" grpId="0" nodeType="afterEffect">
+                                  <p:stCondLst>
+                                    <p:cond delay="0"/>
+                                  </p:stCondLst>
+                                  <p:childTnLst>
+                                    <p:set>
+                                      <p:cBhvr>
+                                        <p:cTn id="6" dur="1" fill="hold">
+                                          <p:stCondLst>
+                                            <p:cond delay="0"/>
+                                          </p:stCondLst>
+                                        </p:cTn>
+                                        <p:tgtEl>
+                                          <p:spTgt spid="3">
+                                            <p:txEl>
+                                              <p:pRg st="0" end="0"/>
+                                            </p:txEl>
+                                          </p:spTgt>
+                                        </p:tgtEl>
+                                        <p:attrNameLst>
+                                          <p:attrName>style.visibility</p:attrName>
+                                        </p:attrNameLst>
+                                      </p:cBhvr>
+                                      <p:to>
+                                        <p:strVal val="visible"/>
+                                      </p:to>
+                                    </p:set>
+                                    <p:animEffect transition="in" filter="fade">
+                                      <p:cBhvr>
+                                        <p:cTn id="7" dur="500"/>
+                                        <p:tgtEl>
+                                          <p:spTgt spid="3">
+                                            <p:txEl>
+                                              <p:pRg st="0" end="0"/>
+                                            </p:txEl>
+                                          </p:spTgt>
+                                        </p:tgtEl>
+                                      </p:cBhvr>
+                                    </p:animEffect>
+                                  </p:childTnLst>
+                                </p:cTn>
+                              </p:par>
+                            </p:childTnLst>
+                          </p:cTn>
+                        </p:par>
+                      </p:childTnLst>
+                    </p:cTn>
+                  </p:par>
+                  <p:par>
+                    <p:cTn id="8" fill="hold">
+                      <p:stCondLst>
+                        <p:cond delay="indefinite"/>
+                      </p:stCondLst>
+                      <p:childTnLst>
+                        <p:par>
+                          <p:cTn id="9" fill="hold">
+                            <p:stCondLst>
+                              <p:cond delay="0"/>
+                            </p:stCondLst>
+                            <p:childTnLst>
+                              <p:par>
+                                <p:cTn id="10" presetID="10" presetClass="entr" presetSubtype="0" fill="hold" grpId="0" nodeType="clickEffect">
+                                  <p:stCondLst>
+                                    <p:cond delay="0"/>
+                                  </p:stCondLst>
+                                  <p:childTnLst>
+                                    <p:set>
+                                      <p:cBhvr>
+                                        <p:cTn id="11" dur="1" fill="hold">
+                                          <p:stCondLst>
+                                            <p:cond delay="0"/>
+                                          </p:stCondLst>
+                                        </p:cTn>
+                                        <p:tgtEl>
+                                          <p:spTgt spid="3">
+                                            <p:txEl>
+                                              <p:pRg st="1" end="1"/>
+                                            </p:txEl>
+                                          </p:spTgt>
+                                        </p:tgtEl>
+                                        <p:attrNameLst>
+                                          <p:attrName>style.visibility</p:attrName>
+                                        </p:attrNameLst>
+                                      </p:cBhvr>
+                                      <p:to>
+                                        <p:strVal val="visible"/>
+                                      </p:to>
+                                    </p:set>
+                                    <p:animEffect transition="in" filter="fade">
+                                      <p:cBhvr>
+                                        <p:cTn id="12" dur="500"/>
+                                        <p:tgtEl>
+                                          <p:spTgt spid="3">
+                                            <p:txEl>
+                                              <p:pRg st="1" end="1"/>
+                                            </p:txEl>
+                                          </p:spTgt>
+                                        </p:tgtEl>
+                                      </p:cBhvr>
+                                    </p:animEffect>
+                                  </p:childTnLst>
+                                </p:cTn>
+                              </p:par>
+                            </p:childTnLst>
+                          </p:cTn>
+                        </p:par>
+                      </p:childTnLst>
+                    </p:cTn>
+                  </p:par>
+                  <p:par>
+                    <p:cTn id="13" fill="hold">
+                      <p:stCondLst>
+                        <p:cond delay="indefinite"/>
+                      </p:stCondLst>
+                      <p:childTnLst>
+                        <p:par>
+                          <p:cTn id="14" fill="hold">
+                            <p:stCondLst>
+                              <p:cond delay="0"/>
+                            </p:stCondLst>
+                            <p:childTnLst>
+                              <p:par>
+                                <p:cTn id="15" presetID="10" presetClass="entr" presetSubtype="0" fill="hold" grpId="0" nodeType="clickEffect">
+                                  <p:stCondLst>
+                                    <p:cond delay="0"/>
+                                  </p:stCondLst>
+                                  <p:childTnLst>
+                                    <p:set>
+                                      <p:cBhvr>
+                                        <p:cTn id="16" dur="1" fill="hold">
+                                          <p:stCondLst>
+                                            <p:cond delay="0"/>
+                                          </p:stCondLst>
+                                        </p:cTn>
+                                        <p:tgtEl>
+                                          <p:spTgt spid="3">
+                                            <p:txEl>
+                                              <p:pRg st="2" end="2"/>
+                                            </p:txEl>
+                                          </p:spTgt>
+                                        </p:tgtEl>
+                                        <p:attrNameLst>
+                                          <p:attrName>style.visibility</p:attrName>
+                                        </p:attrNameLst>
+                                      </p:cBhvr>
+                                      <p:to>
+                                        <p:strVal val="visible"/>
+                                      </p:to>
+                                    </p:set>
+                                    <p:animEffect transition="in" filter="fade">
+                                      <p:cBhvr>
+                                        <p:cTn id="17" dur="500"/>
+                                        <p:tgtEl>
+                                          <p:spTgt spid="3">
+                                            <p:txEl>
+                                              <p:pRg st="2" end="2"/>
+                                            </p:txEl>
+                                          </p:spTgt>
+                                        </p:tgtEl>
+                                      </p:cBhvr>
+                                    </p:animEffect>
+                                  </p:childTnLst>
+                                </p:cTn>
+                              </p:par>
+                            </p:childTnLst>
+                          </p:cTn>
+                        </p:par>
+                        <p:par>
+                          <p:cTn id="18" fill="hold">
+                            <p:stCondLst>
+                              <p:cond delay="500"/>
+                            </p:stCondLst>
+                            <p:childTnLst>
+                              <p:par>
+                                <p:cTn id="19" presetID="10" presetClass="entr" presetSubtype="0" fill="hold" grpId="0" nodeType="afterEffect">
+                                  <p:stCondLst>
+                                    <p:cond delay="0"/>
+                                  </p:stCondLst>
+                                  <p:childTnLst>
+                                    <p:set>
+                                      <p:cBhvr>
+                                        <p:cTn id="20" dur="1" fill="hold">
+                                          <p:stCondLst>
+                                            <p:cond delay="0"/>
+                                          </p:stCondLst>
+                                        </p:cTn>
+                                        <p:tgtEl>
+                                          <p:spTgt spid="3">
+                                            <p:txEl>
+                                              <p:pRg st="3" end="3"/>
+                                            </p:txEl>
+                                          </p:spTgt>
+                                        </p:tgtEl>
+                                        <p:attrNameLst>
+                                          <p:attrName>style.visibility</p:attrName>
+                                        </p:attrNameLst>
+                                      </p:cBhvr>
+                                      <p:to>
+                                        <p:strVal val="visible"/>
+                                      </p:to>
+                                    </p:set>
+                                    <p:animEffect transition="in" filter="fade">
+                                      <p:cBhvr>
+                                        <p:cTn id="21" dur="500"/>
+                                        <p:tgtEl>
+                                          <p:spTgt spid="3">
+                                            <p:txEl>
+                                              <p:pRg st="3" end="3"/>
+                                            </p:txEl>
+                                          </p:spTgt>
+                                        </p:tgtEl>
+                                      </p:cBhvr>
+                                    </p:animEffect>
+                                  </p:childTnLst>
+                                </p:cTn>
+                              </p:par>
+                            </p:childTnLst>
+                          </p:cTn>
+                        </p:par>
+                        <p:par>
+                          <p:cTn id="22" fill="hold">
+                            <p:stCondLst>
+                              <p:cond delay="1000"/>
+                            </p:stCondLst>
+                            <p:childTnLst>
+                              <p:par>
+                                <p:cTn id="23" presetID="10" presetClass="entr" presetSubtype="0" fill="hold" grpId="0" nodeType="afterEffect">
+                                  <p:stCondLst>
+                                    <p:cond delay="0"/>
+                                  </p:stCondLst>
+                                  <p:childTnLst>
+                                    <p:set>
+                                      <p:cBhvr>
+                                        <p:cTn id="24" dur="1" fill="hold">
+                                          <p:stCondLst>
+                                            <p:cond delay="0"/>
+                                          </p:stCondLst>
+                                        </p:cTn>
+                                        <p:tgtEl>
+                                          <p:spTgt spid="3">
+                                            <p:txEl>
+                                              <p:pRg st="4" end="4"/>
+                                            </p:txEl>
+                                          </p:spTgt>
+                                        </p:tgtEl>
+                                        <p:attrNameLst>
+                                          <p:attrName>style.visibility</p:attrName>
+                                        </p:attrNameLst>
+                                      </p:cBhvr>
+                                      <p:to>
+                                        <p:strVal val="visible"/>
+                                      </p:to>
+                                    </p:set>
+                                    <p:animEffect transition="in" filter="fade">
+                                      <p:cBhvr>
+                                        <p:cTn id="25" dur="500"/>
+                                        <p:tgtEl>
+                                          <p:spTgt spid="3">
+                                            <p:txEl>
+                                              <p:pRg st="4" end="4"/>
+                                            </p:txEl>
+                                          </p:spTgt>
+                                        </p:tgtEl>
+                                      </p:cBhvr>
+                                    </p:animEffect>
+                                  </p:childTnLst>
+                                </p:cTn>
+                              </p:par>
+                            </p:childTnLst>
+                          </p:cTn>
+                        </p:par>
+                      </p:childTnLst>
+                    </p:cTn>
+                  </p:par>
+                  <p:par>
+                    <p:cTn id="26" fill="hold">
+                      <p:stCondLst>
+                        <p:cond delay="indefinite"/>
+                      </p:stCondLst>
+                      <p:childTnLst>
+                        <p:par>
+                          <p:cTn id="27" fill="hold">
+                            <p:stCondLst>
+                              <p:cond delay="0"/>
+                            </p:stCondLst>
+                            <p:childTnLst>
+                              <p:par>
+                                <p:cTn id="28" presetID="10" presetClass="entr" presetSubtype="0" fill="hold" grpId="0" nodeType="clickEffect">
+                                  <p:stCondLst>
+                                    <p:cond delay="0"/>
+                                  </p:stCondLst>
+                                  <p:childTnLst>
+                                    <p:set>
+                                      <p:cBhvr>
+                                        <p:cTn id="29" dur="1" fill="hold">
+                                          <p:stCondLst>
+                                            <p:cond delay="0"/>
+                                          </p:stCondLst>
+                                        </p:cTn>
+                                        <p:tgtEl>
+                                          <p:spTgt spid="3">
+                                            <p:txEl>
+                                              <p:pRg st="5" end="5"/>
+                                            </p:txEl>
+                                          </p:spTgt>
+                                        </p:tgtEl>
+                                        <p:attrNameLst>
+                                          <p:attrName>style.visibility</p:attrName>
+                                        </p:attrNameLst>
+                                      </p:cBhvr>
+                                      <p:to>
+                                        <p:strVal val="visible"/>
+                                      </p:to>
+                                    </p:set>
+                                    <p:animEffect transition="in" filter="fade">
+                                      <p:cBhvr>
+                                        <p:cTn id="30" dur="500"/>
+                                        <p:tgtEl>
+                                          <p:spTgt spid="3">
+                                            <p:txEl>
+                                              <p:pRg st="5" end="5"/>
+                                            </p:txEl>
+                                          </p:spTgt>
+                                        </p:tgtEl>
+                                      </p:cBhvr>
+                                    </p:animEffect>
+                                  </p:childTnLst>
+                                </p:cTn>
+                              </p:par>
+                            </p:childTnLst>
+                          </p:cTn>
+                        </p:par>
+                        <p:par>
+                          <p:cTn id="31" fill="hold">
+                            <p:stCondLst>
+                              <p:cond delay="500"/>
+                            </p:stCondLst>
+                            <p:childTnLst>
+                              <p:par>
+                                <p:cTn id="32" presetID="10" presetClass="entr" presetSubtype="0" fill="hold" grpId="0" nodeType="afterEffect">
+                                  <p:stCondLst>
+                                    <p:cond delay="0"/>
+                                  </p:stCondLst>
+                                  <p:childTnLst>
+                                    <p:set>
+                                      <p:cBhvr>
+                                        <p:cTn id="33" dur="1" fill="hold">
+                                          <p:stCondLst>
+                                            <p:cond delay="0"/>
+                                          </p:stCondLst>
+                                        </p:cTn>
+                                        <p:tgtEl>
+                                          <p:spTgt spid="3">
+                                            <p:txEl>
+                                              <p:pRg st="6" end="6"/>
+                                            </p:txEl>
+                                          </p:spTgt>
+                                        </p:tgtEl>
+                                        <p:attrNameLst>
+                                          <p:attrName>style.visibility</p:attrName>
+                                        </p:attrNameLst>
+                                      </p:cBhvr>
+                                      <p:to>
+                                        <p:strVal val="visible"/>
+                                      </p:to>
+                                    </p:set>
+                                    <p:animEffect transition="in" filter="fade">
+                                      <p:cBhvr>
+                                        <p:cTn id="34" dur="500"/>
+                                        <p:tgtEl>
+                                          <p:spTgt spid="3">
+                                            <p:txEl>
+                                              <p:pRg st="6" end="6"/>
+                                            </p:txEl>
+                                          </p:spTgt>
+                                        </p:tgtEl>
+                                      </p:cBhvr>
+                                    </p:animEffect>
+                                  </p:childTnLst>
+                                </p:cTn>
+                              </p:par>
+                            </p:childTnLst>
+                          </p:cTn>
+                        </p:par>
+                      </p:childTnLst>
+                    </p:cTn>
+                  </p:par>
+                </p:childTnLst>
+              </p:cTn>
+              <p:prevCondLst>
+                <p:cond evt="onPrev" delay="0">
+                  <p:tgtEl>
+                    <p:sldTgt/>
+                  </p:tgtEl>
+                </p:cond>
+              </p:prevCondLst>
+              <p:nextCondLst>
+                <p:cond evt="onNext" delay="0">
+                  <p:tgtEl>
+                    <p:sldTgt/>
+                  </p:tgtEl>
+                </p:cond>
+              </p:nextCondLst>
+            </p:seq>
+          </p:childTnLst>
+        </p:cTn>
+      </p:par>
+    </p:tnLst>
+    <p:bldLst>
+      <p:bldP spid="3" grpId="0" uiExpand="1" build="p"/>
+    </p:bldLst>
+  </p:timing>
+</p:sld>
+</file>
+
+<file path=ppt/slides/slide57.xml><?xml version="1.0" encoding="utf-8"?>
+<p:sld xmlns:a="http://schemas.openxmlformats.org/drawingml/2006/main" xmlns:r="http://schemas.openxmlformats.org/officeDocument/2006/relationships" xmlns:p="http://schemas.openxmlformats.org/presentationml/2006/main">
+  <p:cSld>
+    <p:spTree>
+      <p:nvGrpSpPr>
+        <p:cNvPr id="1" name=""/>
+        <p:cNvGrpSpPr/>
+        <p:nvPr/>
+      </p:nvGrpSpPr>
+      <p:grpSpPr>
+        <a:xfrm>
+          <a:off x="0" y="0"/>
+          <a:ext cx="0" cy="0"/>
+          <a:chOff x="0" y="0"/>
+          <a:chExt cx="0" cy="0"/>
+        </a:xfrm>
+      </p:grpSpPr>
+      <p:sp>
+        <p:nvSpPr>
+          <p:cNvPr id="2" name="Title 1">
+            <a:extLst>
+              <a:ext uri="{FF2B5EF4-FFF2-40B4-BE49-F238E27FC236}">
+                <a16:creationId xmlns:a16="http://schemas.microsoft.com/office/drawing/2014/main" id="{5B930E96-EE2A-6539-8CC8-E81BE1FB3ED6}"/>
+              </a:ext>
+            </a:extLst>
+          </p:cNvPr>
+          <p:cNvSpPr>
+            <a:spLocks noGrp="1"/>
+          </p:cNvSpPr>
+          <p:nvPr>
+            <p:ph type="title"/>
+          </p:nvPr>
+        </p:nvSpPr>
+        <p:spPr/>
+        <p:txBody>
+          <a:bodyPr/>
+          <a:lstStyle/>
+          <a:p>
+            <a:r>
+              <a:rPr lang="en-US" dirty="0"/>
+              <a:t>Watch and learn II</a:t>
+            </a:r>
+          </a:p>
+        </p:txBody>
+      </p:sp>
+      <p:sp>
+        <p:nvSpPr>
+          <p:cNvPr id="3" name="Text Placeholder 2">
+            <a:extLst>
+              <a:ext uri="{FF2B5EF4-FFF2-40B4-BE49-F238E27FC236}">
+                <a16:creationId xmlns:a16="http://schemas.microsoft.com/office/drawing/2014/main" id="{CAC7841C-75E6-B504-EB83-CE0B009878FE}"/>
+              </a:ext>
+            </a:extLst>
+          </p:cNvPr>
+          <p:cNvSpPr>
+            <a:spLocks noGrp="1"/>
+          </p:cNvSpPr>
+          <p:nvPr>
+            <p:ph type="body" idx="1"/>
+          </p:nvPr>
+        </p:nvSpPr>
+        <p:spPr/>
+        <p:txBody>
+          <a:bodyPr/>
+          <a:lstStyle/>
+          <a:p>
+            <a:r>
+              <a:rPr lang="en-US" dirty="0"/>
+              <a:t>Leaflet maps are widgets too! User interactions with them can be events that we can handle.</a:t>
+            </a:r>
+          </a:p>
+          <a:p>
+            <a:r>
+              <a:rPr lang="en-US" dirty="0"/>
+              <a:t>Let’s combine polygon click event handling with the “</a:t>
+            </a:r>
+            <a:r>
+              <a:rPr lang="en-US" dirty="0" err="1"/>
+              <a:t>flyTo</a:t>
+            </a:r>
+            <a:r>
+              <a:rPr lang="en-US" dirty="0"/>
+              <a:t>()” feature, which will pan and zoom our map to center on the clicked location.</a:t>
+            </a:r>
+          </a:p>
+          <a:p>
+            <a:r>
+              <a:rPr lang="en-US" dirty="0"/>
+              <a:t>Obviously, only add functionality that improve the UX!</a:t>
+            </a:r>
+          </a:p>
+        </p:txBody>
+      </p:sp>
+    </p:spTree>
+    <p:extLst>
+      <p:ext uri="{BB962C8B-B14F-4D97-AF65-F5344CB8AC3E}">
+        <p14:creationId xmlns:p14="http://schemas.microsoft.com/office/powerpoint/2010/main" val="4097004646"/>
+      </p:ext>
+    </p:extLst>
+  </p:cSld>
+  <p:clrMapOvr>
+    <a:masterClrMapping/>
+  </p:clrMapOvr>
+  <p:timing>
+    <p:tnLst>
+      <p:par>
+        <p:cTn id="1" dur="indefinite" restart="never" nodeType="tmRoot">
+          <p:childTnLst>
+            <p:seq concurrent="1" nextAc="seek">
+              <p:cTn id="2" dur="indefinite" nodeType="mainSeq">
+                <p:childTnLst>
+                  <p:par>
+                    <p:cTn id="3" fill="hold">
+                      <p:stCondLst>
+                        <p:cond delay="indefinite"/>
+                        <p:cond evt="onBegin" delay="0">
+                          <p:tn val="2"/>
+                        </p:cond>
+                      </p:stCondLst>
+                      <p:childTnLst>
+                        <p:par>
+                          <p:cTn id="4" fill="hold">
+                            <p:stCondLst>
+                              <p:cond delay="0"/>
+                            </p:stCondLst>
+                            <p:childTnLst>
+                              <p:par>
+                                <p:cTn id="5" presetID="10" presetClass="entr" presetSubtype="0" fill="hold" grpId="0" nodeType="afterEffect">
+                                  <p:stCondLst>
+                                    <p:cond delay="0"/>
+                                  </p:stCondLst>
+                                  <p:childTnLst>
+                                    <p:set>
+                                      <p:cBhvr>
+                                        <p:cTn id="6" dur="1" fill="hold">
+                                          <p:stCondLst>
+                                            <p:cond delay="0"/>
+                                          </p:stCondLst>
+                                        </p:cTn>
+                                        <p:tgtEl>
+                                          <p:spTgt spid="3">
+                                            <p:txEl>
+                                              <p:pRg st="0" end="0"/>
+                                            </p:txEl>
+                                          </p:spTgt>
+                                        </p:tgtEl>
+                                        <p:attrNameLst>
+                                          <p:attrName>style.visibility</p:attrName>
+                                        </p:attrNameLst>
+                                      </p:cBhvr>
+                                      <p:to>
+                                        <p:strVal val="visible"/>
+                                      </p:to>
+                                    </p:set>
+                                    <p:animEffect transition="in" filter="fade">
+                                      <p:cBhvr>
+                                        <p:cTn id="7" dur="500"/>
+                                        <p:tgtEl>
+                                          <p:spTgt spid="3">
+                                            <p:txEl>
+                                              <p:pRg st="0" end="0"/>
+                                            </p:txEl>
+                                          </p:spTgt>
+                                        </p:tgtEl>
+                                      </p:cBhvr>
+                                    </p:animEffect>
+                                  </p:childTnLst>
+                                </p:cTn>
+                              </p:par>
+                            </p:childTnLst>
+                          </p:cTn>
+                        </p:par>
+                        <p:par>
+                          <p:cTn id="8" fill="hold">
+                            <p:stCondLst>
+                              <p:cond delay="500"/>
+                            </p:stCondLst>
+                            <p:childTnLst>
+                              <p:par>
+                                <p:cTn id="9" presetID="10" presetClass="entr" presetSubtype="0" fill="hold" grpId="0" nodeType="afterEffect">
+                                  <p:stCondLst>
+                                    <p:cond delay="0"/>
+                                  </p:stCondLst>
+                                  <p:childTnLst>
+                                    <p:set>
+                                      <p:cBhvr>
+                                        <p:cTn id="10" dur="1" fill="hold">
+                                          <p:stCondLst>
+                                            <p:cond delay="0"/>
+                                          </p:stCondLst>
+                                        </p:cTn>
+                                        <p:tgtEl>
+                                          <p:spTgt spid="3">
+                                            <p:txEl>
+                                              <p:pRg st="1" end="1"/>
+                                            </p:txEl>
+                                          </p:spTgt>
+                                        </p:tgtEl>
+                                        <p:attrNameLst>
+                                          <p:attrName>style.visibility</p:attrName>
+                                        </p:attrNameLst>
+                                      </p:cBhvr>
+                                      <p:to>
+                                        <p:strVal val="visible"/>
+                                      </p:to>
+                                    </p:set>
+                                    <p:animEffect transition="in" filter="fade">
+                                      <p:cBhvr>
+                                        <p:cTn id="11" dur="500"/>
+                                        <p:tgtEl>
+                                          <p:spTgt spid="3">
+                                            <p:txEl>
+                                              <p:pRg st="1" end="1"/>
+                                            </p:txEl>
+                                          </p:spTgt>
+                                        </p:tgtEl>
+                                      </p:cBhvr>
+                                    </p:animEffect>
+                                  </p:childTnLst>
+                                </p:cTn>
+                              </p:par>
+                            </p:childTnLst>
+                          </p:cTn>
+                        </p:par>
+                      </p:childTnLst>
+                    </p:cTn>
+                  </p:par>
+                  <p:par>
+                    <p:cTn id="12" fill="hold">
+                      <p:stCondLst>
+                        <p:cond delay="indefinite"/>
+                      </p:stCondLst>
+                      <p:childTnLst>
+                        <p:par>
+                          <p:cTn id="13" fill="hold">
+                            <p:stCondLst>
+                              <p:cond delay="0"/>
+                            </p:stCondLst>
+                            <p:childTnLst>
+                              <p:par>
+                                <p:cTn id="14" presetID="10" presetClass="entr" presetSubtype="0" fill="hold" grpId="0" nodeType="clickEffect">
+                                  <p:stCondLst>
+                                    <p:cond delay="0"/>
+                                  </p:stCondLst>
+                                  <p:childTnLst>
+                                    <p:set>
+                                      <p:cBhvr>
+                                        <p:cTn id="15" dur="1" fill="hold">
+                                          <p:stCondLst>
+                                            <p:cond delay="0"/>
+                                          </p:stCondLst>
+                                        </p:cTn>
+                                        <p:tgtEl>
+                                          <p:spTgt spid="3">
+                                            <p:txEl>
+                                              <p:pRg st="2" end="2"/>
+                                            </p:txEl>
+                                          </p:spTgt>
+                                        </p:tgtEl>
+                                        <p:attrNameLst>
+                                          <p:attrName>style.visibility</p:attrName>
+                                        </p:attrNameLst>
+                                      </p:cBhvr>
+                                      <p:to>
+                                        <p:strVal val="visible"/>
+                                      </p:to>
+                                    </p:set>
+                                    <p:animEffect transition="in" filter="fade">
+                                      <p:cBhvr>
+                                        <p:cTn id="16" dur="500"/>
+                                        <p:tgtEl>
+                                          <p:spTgt spid="3">
+                                            <p:txEl>
+                                              <p:pRg st="2" end="2"/>
+                                            </p:txEl>
+                                          </p:spTgt>
+                                        </p:tgtEl>
+                                      </p:cBhvr>
+                                    </p:animEffect>
+                                  </p:childTnLst>
+                                </p:cTn>
+                              </p:par>
+                            </p:childTnLst>
+                          </p:cTn>
+                        </p:par>
+                      </p:childTnLst>
+                    </p:cTn>
+                  </p:par>
+                </p:childTnLst>
+              </p:cTn>
+              <p:prevCondLst>
+                <p:cond evt="onPrev" delay="0">
+                  <p:tgtEl>
+                    <p:sldTgt/>
+                  </p:tgtEl>
+                </p:cond>
+              </p:prevCondLst>
+              <p:nextCondLst>
+                <p:cond evt="onNext" delay="0">
+                  <p:tgtEl>
+                    <p:sldTgt/>
+                  </p:tgtEl>
+                </p:cond>
+              </p:nextCondLst>
+            </p:seq>
+          </p:childTnLst>
+        </p:cTn>
+      </p:par>
+    </p:tnLst>
+    <p:bldLst>
+      <p:bldP spid="3" grpId="0" uiExpand="1" build="p"/>
+    </p:bldLst>
+  </p:timing>
+</p:sld>
+</file>
+
+<file path=ppt/slides/slide58.xml><?xml version="1.0" encoding="utf-8"?>
+<p:sld xmlns:a="http://schemas.openxmlformats.org/drawingml/2006/main" xmlns:r="http://schemas.openxmlformats.org/officeDocument/2006/relationships" xmlns:p="http://schemas.openxmlformats.org/presentationml/2006/main">
+  <p:cSld>
+    <p:spTree>
+      <p:nvGrpSpPr>
+        <p:cNvPr id="1" name=""/>
+        <p:cNvGrpSpPr/>
+        <p:nvPr/>
+      </p:nvGrpSpPr>
+      <p:grpSpPr>
+        <a:xfrm>
+          <a:off x="0" y="0"/>
+          <a:ext cx="0" cy="0"/>
+          <a:chOff x="0" y="0"/>
+          <a:chExt cx="0" cy="0"/>
+        </a:xfrm>
+      </p:grpSpPr>
+      <p:sp>
+        <p:nvSpPr>
+          <p:cNvPr id="2" name="Title 1">
+            <a:extLst>
+              <a:ext uri="{FF2B5EF4-FFF2-40B4-BE49-F238E27FC236}">
+                <a16:creationId xmlns:a16="http://schemas.microsoft.com/office/drawing/2014/main" id="{CE274AA0-A95C-A3DD-D592-17C81E2AB7E8}"/>
+              </a:ext>
+            </a:extLst>
+          </p:cNvPr>
+          <p:cNvSpPr>
+            <a:spLocks noGrp="1"/>
+          </p:cNvSpPr>
+          <p:nvPr>
+            <p:ph type="title"/>
+          </p:nvPr>
+        </p:nvSpPr>
+        <p:spPr/>
+        <p:txBody>
+          <a:bodyPr/>
+          <a:lstStyle/>
+          <a:p>
+            <a:r>
+              <a:rPr lang="en-US" dirty="0"/>
+              <a:t>A big </a:t>
+            </a:r>
+            <a:r>
+              <a:rPr lang="en-US" dirty="0" err="1"/>
+              <a:t>plotly-eap</a:t>
+            </a:r>
+            <a:endParaRPr lang="en-US" dirty="0"/>
+          </a:p>
+        </p:txBody>
+      </p:sp>
+      <p:sp>
+        <p:nvSpPr>
+          <p:cNvPr id="3" name="Text Placeholder 2">
+            <a:extLst>
+              <a:ext uri="{FF2B5EF4-FFF2-40B4-BE49-F238E27FC236}">
+                <a16:creationId xmlns:a16="http://schemas.microsoft.com/office/drawing/2014/main" id="{9029219B-5BB4-7231-464B-D36F5C1EF98D}"/>
+              </a:ext>
+            </a:extLst>
+          </p:cNvPr>
+          <p:cNvSpPr>
+            <a:spLocks noGrp="1"/>
+          </p:cNvSpPr>
+          <p:nvPr>
+            <p:ph type="body" idx="1"/>
+          </p:nvPr>
+        </p:nvSpPr>
+        <p:spPr/>
+        <p:txBody>
+          <a:bodyPr>
+            <a:normAutofit fontScale="85000" lnSpcReduction="10000"/>
+          </a:bodyPr>
+          <a:lstStyle/>
+          <a:p>
+            <a:r>
+              <a:rPr lang="en-US" dirty="0"/>
+              <a:t>We’ll close out the workshop by looking at </a:t>
+            </a:r>
+            <a:r>
+              <a:rPr lang="en-US" dirty="0" err="1"/>
+              <a:t>plotly</a:t>
+            </a:r>
+            <a:r>
+              <a:rPr lang="en-US" dirty="0"/>
+              <a:t>, a JS (and now R) package for creating web-enabled, interactive </a:t>
+            </a:r>
+            <a:r>
+              <a:rPr lang="en-US" b="1" dirty="0"/>
+              <a:t>graphs</a:t>
+            </a:r>
+            <a:r>
+              <a:rPr lang="en-US" dirty="0"/>
+              <a:t>.</a:t>
+            </a:r>
+          </a:p>
+          <a:p>
+            <a:r>
+              <a:rPr lang="en-US" dirty="0"/>
+              <a:t>For those who know ggplot2, </a:t>
+            </a:r>
+            <a:r>
+              <a:rPr lang="en-US" dirty="0" err="1"/>
+              <a:t>plotly</a:t>
+            </a:r>
+            <a:r>
+              <a:rPr lang="en-US" dirty="0"/>
+              <a:t> is similar (and similarly massive!). The difference: </a:t>
+            </a:r>
+            <a:r>
+              <a:rPr lang="en-US" dirty="0" err="1"/>
+              <a:t>plotly</a:t>
+            </a:r>
+            <a:r>
+              <a:rPr lang="en-US" dirty="0"/>
+              <a:t> graphs are interactive!</a:t>
+            </a:r>
+          </a:p>
+          <a:p>
+            <a:pPr>
+              <a:lnSpc>
+                <a:spcPct val="100000"/>
+              </a:lnSpc>
+            </a:pPr>
+            <a:r>
+              <a:rPr lang="en-US" dirty="0"/>
+              <a:t>We don’t need to know </a:t>
+            </a:r>
+            <a:r>
+              <a:rPr lang="en-US" dirty="0" err="1"/>
+              <a:t>plotly</a:t>
+            </a:r>
+            <a:r>
+              <a:rPr lang="en-US" dirty="0"/>
+              <a:t> (or ggplot2!) to appreciate what </a:t>
+            </a:r>
+            <a:r>
+              <a:rPr lang="en-US" dirty="0" err="1"/>
+              <a:t>plotly</a:t>
+            </a:r>
+            <a:r>
+              <a:rPr lang="en-US" dirty="0"/>
+              <a:t> can deliver thanks to the </a:t>
+            </a:r>
+            <a:r>
+              <a:rPr lang="en-US" dirty="0" err="1"/>
+              <a:t>ggplotly</a:t>
+            </a:r>
+            <a:r>
+              <a:rPr lang="en-US" dirty="0"/>
+              <a:t>() function. </a:t>
+            </a:r>
+          </a:p>
+          <a:p>
+            <a:pPr lvl="1">
+              <a:lnSpc>
+                <a:spcPct val="100000"/>
+              </a:lnSpc>
+              <a:spcBef>
+                <a:spcPts val="0"/>
+              </a:spcBef>
+            </a:pPr>
+            <a:r>
+              <a:rPr lang="en-US" dirty="0"/>
+              <a:t>It disassembles a </a:t>
+            </a:r>
+            <a:r>
+              <a:rPr lang="en-US" dirty="0" err="1"/>
+              <a:t>ggplot</a:t>
+            </a:r>
+            <a:r>
+              <a:rPr lang="en-US" dirty="0"/>
+              <a:t> and rebuilds it (more or less) in </a:t>
+            </a:r>
+            <a:r>
+              <a:rPr lang="en-US" dirty="0" err="1"/>
+              <a:t>plotly</a:t>
+            </a:r>
+            <a:r>
+              <a:rPr lang="en-US" dirty="0"/>
+              <a:t>. </a:t>
+            </a:r>
+          </a:p>
+          <a:p>
+            <a:pPr>
+              <a:lnSpc>
+                <a:spcPct val="100000"/>
+              </a:lnSpc>
+            </a:pPr>
+            <a:r>
+              <a:rPr lang="en-US" dirty="0"/>
+              <a:t>We want to use a complex enough ggplot2 to make for an interesting example, so let’s copy-paste one I’ve already built: </a:t>
+            </a:r>
+            <a:r>
+              <a:rPr lang="en-US" b="0" i="0" dirty="0">
+                <a:solidFill>
+                  <a:srgbClr val="1155CC"/>
+                </a:solidFill>
+                <a:effectLst/>
+                <a:latin typeface="Arial" panose="020B0604020202020204" pitchFamily="34" charset="0"/>
+                <a:hlinkClick r:id="rId3"/>
+              </a:rPr>
+              <a:t>https://z.umn.edu/Rshiny</a:t>
+            </a:r>
+            <a:r>
+              <a:rPr lang="en-US" b="0" i="0" dirty="0">
+                <a:solidFill>
+                  <a:srgbClr val="1155CC"/>
+                </a:solidFill>
+                <a:effectLst/>
+                <a:latin typeface="Arial" panose="020B0604020202020204" pitchFamily="34" charset="0"/>
+              </a:rPr>
+              <a:t>. </a:t>
+            </a:r>
+          </a:p>
+          <a:p>
+            <a:pPr>
+              <a:lnSpc>
+                <a:spcPct val="100000"/>
+              </a:lnSpc>
+            </a:pPr>
+            <a:r>
+              <a:rPr lang="en-US" dirty="0"/>
+              <a:t>There are </a:t>
+            </a:r>
+            <a:r>
+              <a:rPr lang="en-US" dirty="0" err="1"/>
+              <a:t>renderPlotly</a:t>
+            </a:r>
+            <a:r>
+              <a:rPr lang="en-US" dirty="0"/>
+              <a:t>({}) and </a:t>
+            </a:r>
+            <a:r>
+              <a:rPr lang="en-US" dirty="0" err="1"/>
+              <a:t>plotlyOutput</a:t>
+            </a:r>
+            <a:r>
+              <a:rPr lang="en-US" dirty="0"/>
+              <a:t>() functions, as per usual.</a:t>
+            </a:r>
+          </a:p>
+        </p:txBody>
+      </p:sp>
+    </p:spTree>
+    <p:extLst>
+      <p:ext uri="{BB962C8B-B14F-4D97-AF65-F5344CB8AC3E}">
+        <p14:creationId xmlns:p14="http://schemas.microsoft.com/office/powerpoint/2010/main" val="239375457"/>
+      </p:ext>
+    </p:extLst>
+  </p:cSld>
+  <p:clrMapOvr>
+    <a:masterClrMapping/>
+  </p:clrMapOvr>
+  <p:timing>
+    <p:tnLst>
+      <p:par>
+        <p:cTn id="1" dur="indefinite" restart="never" nodeType="tmRoot">
+          <p:childTnLst>
+            <p:seq concurrent="1" nextAc="seek">
+              <p:cTn id="2" dur="indefinite" nodeType="mainSeq">
+                <p:childTnLst>
+                  <p:par>
+                    <p:cTn id="3" fill="hold">
+                      <p:stCondLst>
+                        <p:cond delay="indefinite"/>
+                      </p:stCondLst>
+                      <p:childTnLst>
+                        <p:par>
+                          <p:cTn id="4" fill="hold">
+                            <p:stCondLst>
+                              <p:cond delay="0"/>
+                            </p:stCondLst>
+                            <p:childTnLst>
+                              <p:par>
+                                <p:cTn id="5" presetID="10" presetClass="entr" presetSubtype="0" fill="hold" grpId="0" nodeType="clickEffect">
+                                  <p:stCondLst>
+                                    <p:cond delay="0"/>
+                                  </p:stCondLst>
+                                  <p:childTnLst>
+                                    <p:set>
+                                      <p:cBhvr>
+                                        <p:cTn id="6" dur="1" fill="hold">
+                                          <p:stCondLst>
+                                            <p:cond delay="0"/>
+                                          </p:stCondLst>
+                                        </p:cTn>
+                                        <p:tgtEl>
+                                          <p:spTgt spid="3">
+                                            <p:txEl>
+                                              <p:pRg st="0" end="0"/>
+                                            </p:txEl>
+                                          </p:spTgt>
+                                        </p:tgtEl>
+                                        <p:attrNameLst>
+                                          <p:attrName>style.visibility</p:attrName>
+                                        </p:attrNameLst>
+                                      </p:cBhvr>
+                                      <p:to>
+                                        <p:strVal val="visible"/>
+                                      </p:to>
+                                    </p:set>
+                                    <p:animEffect transition="in" filter="fade">
+                                      <p:cBhvr>
+                                        <p:cTn id="7" dur="500"/>
+                                        <p:tgtEl>
+                                          <p:spTgt spid="3">
+                                            <p:txEl>
+                                              <p:pRg st="0" end="0"/>
+                                            </p:txEl>
+                                          </p:spTgt>
+                                        </p:tgtEl>
+                                      </p:cBhvr>
+                                    </p:animEffect>
+                                  </p:childTnLst>
+                                </p:cTn>
+                              </p:par>
+                            </p:childTnLst>
+                          </p:cTn>
+                        </p:par>
+                      </p:childTnLst>
+                    </p:cTn>
+                  </p:par>
+                  <p:par>
+                    <p:cTn id="8" fill="hold">
+                      <p:stCondLst>
+                        <p:cond delay="indefinite"/>
+                      </p:stCondLst>
+                      <p:childTnLst>
+                        <p:par>
+                          <p:cTn id="9" fill="hold">
+                            <p:stCondLst>
+                              <p:cond delay="0"/>
+                            </p:stCondLst>
+                            <p:childTnLst>
+                              <p:par>
+                                <p:cTn id="10" presetID="10" presetClass="entr" presetSubtype="0" fill="hold" grpId="0" nodeType="clickEffect">
+                                  <p:stCondLst>
+                                    <p:cond delay="0"/>
+                                  </p:stCondLst>
+                                  <p:childTnLst>
+                                    <p:set>
+                                      <p:cBhvr>
+                                        <p:cTn id="11" dur="1" fill="hold">
+                                          <p:stCondLst>
+                                            <p:cond delay="0"/>
+                                          </p:stCondLst>
+                                        </p:cTn>
+                                        <p:tgtEl>
+                                          <p:spTgt spid="3">
+                                            <p:txEl>
+                                              <p:pRg st="1" end="1"/>
+                                            </p:txEl>
+                                          </p:spTgt>
+                                        </p:tgtEl>
+                                        <p:attrNameLst>
+                                          <p:attrName>style.visibility</p:attrName>
+                                        </p:attrNameLst>
+                                      </p:cBhvr>
+                                      <p:to>
+                                        <p:strVal val="visible"/>
+                                      </p:to>
+                                    </p:set>
+                                    <p:animEffect transition="in" filter="fade">
+                                      <p:cBhvr>
+                                        <p:cTn id="12" dur="500"/>
+                                        <p:tgtEl>
+                                          <p:spTgt spid="3">
+                                            <p:txEl>
+                                              <p:pRg st="1" end="1"/>
+                                            </p:txEl>
+                                          </p:spTgt>
+                                        </p:tgtEl>
+                                      </p:cBhvr>
+                                    </p:animEffect>
+                                  </p:childTnLst>
+                                </p:cTn>
+                              </p:par>
+                            </p:childTnLst>
+                          </p:cTn>
+                        </p:par>
+                      </p:childTnLst>
+                    </p:cTn>
+                  </p:par>
+                  <p:par>
+                    <p:cTn id="13" fill="hold">
+                      <p:stCondLst>
+                        <p:cond delay="indefinite"/>
+                      </p:stCondLst>
+                      <p:childTnLst>
+                        <p:par>
+                          <p:cTn id="14" fill="hold">
+                            <p:stCondLst>
+                              <p:cond delay="0"/>
+                            </p:stCondLst>
+                            <p:childTnLst>
+                              <p:par>
+                                <p:cTn id="15" presetID="10" presetClass="entr" presetSubtype="0" fill="hold" grpId="0" nodeType="clickEffect">
+                                  <p:stCondLst>
+                                    <p:cond delay="0"/>
+                                  </p:stCondLst>
+                                  <p:childTnLst>
+                                    <p:set>
+                                      <p:cBhvr>
+                                        <p:cTn id="16" dur="1" fill="hold">
+                                          <p:stCondLst>
+                                            <p:cond delay="0"/>
+                                          </p:stCondLst>
+                                        </p:cTn>
+                                        <p:tgtEl>
+                                          <p:spTgt spid="3">
+                                            <p:txEl>
+                                              <p:pRg st="2" end="2"/>
+                                            </p:txEl>
+                                          </p:spTgt>
+                                        </p:tgtEl>
+                                        <p:attrNameLst>
+                                          <p:attrName>style.visibility</p:attrName>
+                                        </p:attrNameLst>
+                                      </p:cBhvr>
+                                      <p:to>
+                                        <p:strVal val="visible"/>
+                                      </p:to>
+                                    </p:set>
+                                    <p:animEffect transition="in" filter="fade">
+                                      <p:cBhvr>
+                                        <p:cTn id="17" dur="500"/>
+                                        <p:tgtEl>
+                                          <p:spTgt spid="3">
+                                            <p:txEl>
+                                              <p:pRg st="2" end="2"/>
+                                            </p:txEl>
+                                          </p:spTgt>
+                                        </p:tgtEl>
+                                      </p:cBhvr>
+                                    </p:animEffect>
+                                  </p:childTnLst>
+                                </p:cTn>
+                              </p:par>
+                            </p:childTnLst>
+                          </p:cTn>
+                        </p:par>
+                        <p:par>
+                          <p:cTn id="18" fill="hold">
+                            <p:stCondLst>
+                              <p:cond delay="500"/>
+                            </p:stCondLst>
+                            <p:childTnLst>
+                              <p:par>
+                                <p:cTn id="19" presetID="10" presetClass="entr" presetSubtype="0" fill="hold" grpId="0" nodeType="afterEffect">
+                                  <p:stCondLst>
+                                    <p:cond delay="0"/>
+                                  </p:stCondLst>
+                                  <p:childTnLst>
+                                    <p:set>
+                                      <p:cBhvr>
+                                        <p:cTn id="20" dur="1" fill="hold">
+                                          <p:stCondLst>
+                                            <p:cond delay="0"/>
+                                          </p:stCondLst>
+                                        </p:cTn>
+                                        <p:tgtEl>
+                                          <p:spTgt spid="3">
+                                            <p:txEl>
+                                              <p:pRg st="3" end="3"/>
+                                            </p:txEl>
+                                          </p:spTgt>
+                                        </p:tgtEl>
+                                        <p:attrNameLst>
+                                          <p:attrName>style.visibility</p:attrName>
+                                        </p:attrNameLst>
+                                      </p:cBhvr>
+                                      <p:to>
+                                        <p:strVal val="visible"/>
+                                      </p:to>
+                                    </p:set>
+                                    <p:animEffect transition="in" filter="fade">
+                                      <p:cBhvr>
+                                        <p:cTn id="21" dur="500"/>
+                                        <p:tgtEl>
+                                          <p:spTgt spid="3">
+                                            <p:txEl>
+                                              <p:pRg st="3" end="3"/>
+                                            </p:txEl>
+                                          </p:spTgt>
+                                        </p:tgtEl>
+                                      </p:cBhvr>
+                                    </p:animEffect>
+                                  </p:childTnLst>
+                                </p:cTn>
+                              </p:par>
+                              <p:par>
+                                <p:cTn id="22" presetID="10" presetClass="entr" presetSubtype="0" fill="hold" grpId="0" nodeType="withEffect">
+                                  <p:stCondLst>
+                                    <p:cond delay="0"/>
+                                  </p:stCondLst>
+                                  <p:childTnLst>
+                                    <p:set>
+                                      <p:cBhvr>
+                                        <p:cTn id="23" dur="1" fill="hold">
+                                          <p:stCondLst>
+                                            <p:cond delay="0"/>
+                                          </p:stCondLst>
+                                        </p:cTn>
+                                        <p:tgtEl>
+                                          <p:spTgt spid="3">
+                                            <p:txEl>
+                                              <p:pRg st="4" end="4"/>
+                                            </p:txEl>
+                                          </p:spTgt>
+                                        </p:tgtEl>
+                                        <p:attrNameLst>
+                                          <p:attrName>style.visibility</p:attrName>
+                                        </p:attrNameLst>
+                                      </p:cBhvr>
+                                      <p:to>
+                                        <p:strVal val="visible"/>
+                                      </p:to>
+                                    </p:set>
+                                    <p:animEffect transition="in" filter="fade">
+                                      <p:cBhvr>
+                                        <p:cTn id="24" dur="500"/>
+                                        <p:tgtEl>
+                                          <p:spTgt spid="3">
+                                            <p:txEl>
+                                              <p:pRg st="4" end="4"/>
+                                            </p:txEl>
+                                          </p:spTgt>
+                                        </p:tgtEl>
+                                      </p:cBhvr>
+                                    </p:animEffect>
+                                  </p:childTnLst>
+                                </p:cTn>
+                              </p:par>
+                            </p:childTnLst>
+                          </p:cTn>
+                        </p:par>
+                      </p:childTnLst>
+                    </p:cTn>
+                  </p:par>
+                  <p:par>
+                    <p:cTn id="25" fill="hold">
+                      <p:stCondLst>
+                        <p:cond delay="indefinite"/>
+                      </p:stCondLst>
+                      <p:childTnLst>
+                        <p:par>
+                          <p:cTn id="26" fill="hold">
+                            <p:stCondLst>
+                              <p:cond delay="0"/>
+                            </p:stCondLst>
+                            <p:childTnLst>
+                              <p:par>
+                                <p:cTn id="27" presetID="10" presetClass="entr" presetSubtype="0" fill="hold" grpId="0" nodeType="clickEffect">
+                                  <p:stCondLst>
+                                    <p:cond delay="0"/>
+                                  </p:stCondLst>
+                                  <p:childTnLst>
+                                    <p:set>
+                                      <p:cBhvr>
+                                        <p:cTn id="28" dur="1" fill="hold">
+                                          <p:stCondLst>
+                                            <p:cond delay="0"/>
+                                          </p:stCondLst>
+                                        </p:cTn>
+                                        <p:tgtEl>
+                                          <p:spTgt spid="3">
+                                            <p:txEl>
+                                              <p:pRg st="5" end="5"/>
+                                            </p:txEl>
+                                          </p:spTgt>
+                                        </p:tgtEl>
+                                        <p:attrNameLst>
+                                          <p:attrName>style.visibility</p:attrName>
+                                        </p:attrNameLst>
+                                      </p:cBhvr>
+                                      <p:to>
+                                        <p:strVal val="visible"/>
+                                      </p:to>
+                                    </p:set>
+                                    <p:animEffect transition="in" filter="fade">
+                                      <p:cBhvr>
+                                        <p:cTn id="29" dur="500"/>
+                                        <p:tgtEl>
+                                          <p:spTgt spid="3">
+                                            <p:txEl>
+                                              <p:pRg st="5" end="5"/>
+                                            </p:txEl>
+                                          </p:spTgt>
+                                        </p:tgtEl>
+                                      </p:cBhvr>
+                                    </p:animEffect>
+                                  </p:childTnLst>
+                                </p:cTn>
+                              </p:par>
+                            </p:childTnLst>
+                          </p:cTn>
+                        </p:par>
+                      </p:childTnLst>
+                    </p:cTn>
+                  </p:par>
+                </p:childTnLst>
+              </p:cTn>
+              <p:prevCondLst>
+                <p:cond evt="onPrev" delay="0">
+                  <p:tgtEl>
+                    <p:sldTgt/>
+                  </p:tgtEl>
+                </p:cond>
+              </p:prevCondLst>
+              <p:nextCondLst>
+                <p:cond evt="onNext" delay="0">
+                  <p:tgtEl>
+                    <p:sldTgt/>
+                  </p:tgtEl>
+                </p:cond>
+              </p:nextCondLst>
+            </p:seq>
+          </p:childTnLst>
+        </p:cTn>
+      </p:par>
+    </p:tnLst>
+    <p:bldLst>
+      <p:bldP spid="3" grpId="0" uiExpand="1" build="p"/>
+    </p:bldLst>
+  </p:timing>
+</p:sld>
+</file>
+
+<file path=ppt/slides/slide59.xml><?xml version="1.0" encoding="utf-8"?>
+<p:sld xmlns:a="http://schemas.openxmlformats.org/drawingml/2006/main" xmlns:r="http://schemas.openxmlformats.org/officeDocument/2006/relationships" xmlns:p="http://schemas.openxmlformats.org/presentationml/2006/main">
+  <p:cSld>
+    <p:spTree>
+      <p:nvGrpSpPr>
+        <p:cNvPr id="1" name=""/>
+        <p:cNvGrpSpPr/>
+        <p:nvPr/>
+      </p:nvGrpSpPr>
+      <p:grpSpPr>
+        <a:xfrm>
+          <a:off x="0" y="0"/>
+          <a:ext cx="0" cy="0"/>
+          <a:chOff x="0" y="0"/>
+          <a:chExt cx="0" cy="0"/>
+        </a:xfrm>
+      </p:grpSpPr>
+      <p:sp>
+        <p:nvSpPr>
+          <p:cNvPr id="2" name="Title 1">
+            <a:extLst>
+              <a:ext uri="{FF2B5EF4-FFF2-40B4-BE49-F238E27FC236}">
+                <a16:creationId xmlns:a16="http://schemas.microsoft.com/office/drawing/2014/main" id="{4C8C8900-1055-788B-9A82-4E9E39B56C4E}"/>
+              </a:ext>
+            </a:extLst>
+          </p:cNvPr>
+          <p:cNvSpPr>
+            <a:spLocks noGrp="1"/>
+          </p:cNvSpPr>
+          <p:nvPr>
+            <p:ph type="title"/>
+          </p:nvPr>
+        </p:nvSpPr>
+        <p:spPr/>
+        <p:txBody>
+          <a:bodyPr/>
+          <a:lstStyle/>
+          <a:p>
+            <a:r>
+              <a:rPr lang="en-US" dirty="0"/>
+              <a:t>Dialing things up…and down.</a:t>
+            </a:r>
+          </a:p>
+        </p:txBody>
+      </p:sp>
+      <p:sp>
+        <p:nvSpPr>
+          <p:cNvPr id="3" name="Text Placeholder 2">
+            <a:extLst>
+              <a:ext uri="{FF2B5EF4-FFF2-40B4-BE49-F238E27FC236}">
+                <a16:creationId xmlns:a16="http://schemas.microsoft.com/office/drawing/2014/main" id="{A9842F7B-8809-FA3C-57D3-2C368770AC0C}"/>
+              </a:ext>
+            </a:extLst>
+          </p:cNvPr>
+          <p:cNvSpPr>
+            <a:spLocks noGrp="1"/>
+          </p:cNvSpPr>
+          <p:nvPr>
+            <p:ph type="body" idx="1"/>
+          </p:nvPr>
+        </p:nvSpPr>
+        <p:spPr/>
+        <p:txBody>
+          <a:bodyPr>
+            <a:normAutofit fontScale="92500" lnSpcReduction="20000"/>
+          </a:bodyPr>
+          <a:lstStyle/>
+          <a:p>
+            <a:pPr>
+              <a:lnSpc>
+                <a:spcPct val="100000"/>
+              </a:lnSpc>
+            </a:pPr>
+            <a:r>
+              <a:rPr lang="en-US" dirty="0" err="1"/>
+              <a:t>Plotly</a:t>
+            </a:r>
+            <a:r>
+              <a:rPr lang="en-US" dirty="0"/>
+              <a:t> graphs come with tons of interactivity!</a:t>
+            </a:r>
+          </a:p>
+          <a:p>
+            <a:pPr lvl="1">
+              <a:lnSpc>
+                <a:spcPct val="100000"/>
+              </a:lnSpc>
+              <a:spcBef>
+                <a:spcPts val="0"/>
+              </a:spcBef>
+            </a:pPr>
+            <a:r>
+              <a:rPr lang="en-US" dirty="0"/>
+              <a:t>Tooltips on mouse hover.</a:t>
+            </a:r>
+          </a:p>
+          <a:p>
+            <a:pPr lvl="1">
+              <a:lnSpc>
+                <a:spcPct val="100000"/>
+              </a:lnSpc>
+              <a:spcBef>
+                <a:spcPts val="0"/>
+              </a:spcBef>
+            </a:pPr>
+            <a:r>
+              <a:rPr lang="en-US" dirty="0"/>
+              <a:t>Legend key group filtering on click/double-click.</a:t>
+            </a:r>
+          </a:p>
+          <a:p>
+            <a:pPr lvl="1">
+              <a:lnSpc>
+                <a:spcPct val="100000"/>
+              </a:lnSpc>
+              <a:spcBef>
+                <a:spcPts val="0"/>
+              </a:spcBef>
+            </a:pPr>
+            <a:r>
+              <a:rPr lang="en-US" dirty="0"/>
+              <a:t>Click and drag to zoom + double-click to </a:t>
+            </a:r>
+            <a:r>
+              <a:rPr lang="en-US" dirty="0" err="1"/>
+              <a:t>unzoom</a:t>
+            </a:r>
+            <a:r>
+              <a:rPr lang="en-US" dirty="0"/>
+              <a:t>.</a:t>
+            </a:r>
+          </a:p>
+          <a:p>
+            <a:pPr lvl="1">
+              <a:lnSpc>
+                <a:spcPct val="100000"/>
+              </a:lnSpc>
+              <a:spcBef>
+                <a:spcPts val="0"/>
+              </a:spcBef>
+            </a:pPr>
+            <a:r>
+              <a:rPr lang="en-US" dirty="0" err="1"/>
+              <a:t>Modebar</a:t>
+            </a:r>
+            <a:r>
+              <a:rPr lang="en-US" dirty="0"/>
+              <a:t> with many additional options.</a:t>
+            </a:r>
+          </a:p>
+          <a:p>
+            <a:pPr>
+              <a:lnSpc>
+                <a:spcPct val="100000"/>
+              </a:lnSpc>
+            </a:pPr>
+            <a:r>
+              <a:rPr lang="en-US" dirty="0"/>
+              <a:t>Dialing all this back is a little tough and requires engaging with layout() and config(). </a:t>
+            </a:r>
+          </a:p>
+          <a:p>
+            <a:pPr lvl="1">
+              <a:lnSpc>
+                <a:spcPct val="100000"/>
+              </a:lnSpc>
+              <a:spcBef>
+                <a:spcPts val="0"/>
+              </a:spcBef>
+            </a:pPr>
+            <a:r>
+              <a:rPr lang="en-US" dirty="0" err="1"/>
+              <a:t>Plotly</a:t>
+            </a:r>
+            <a:r>
+              <a:rPr lang="en-US" dirty="0"/>
+              <a:t> is a JS package, and it shows more than usual here! So, get ready for lists inside lists inside lists! </a:t>
+            </a:r>
+            <a:r>
+              <a:rPr lang="en-US" dirty="0">
+                <a:sym typeface="Wingdings" panose="05000000000000000000" pitchFamily="2" charset="2"/>
+              </a:rPr>
+              <a:t></a:t>
+            </a:r>
+          </a:p>
+          <a:p>
+            <a:pPr lvl="1">
+              <a:lnSpc>
+                <a:spcPct val="100000"/>
+              </a:lnSpc>
+              <a:spcBef>
+                <a:spcPts val="0"/>
+              </a:spcBef>
+            </a:pPr>
+            <a:r>
+              <a:rPr lang="en-US" dirty="0">
+                <a:sym typeface="Wingdings" panose="05000000000000000000" pitchFamily="2" charset="2"/>
+              </a:rPr>
+              <a:t>layout() also lets us adjust our legend placement.</a:t>
+            </a:r>
+          </a:p>
+          <a:p>
+            <a:pPr>
+              <a:lnSpc>
+                <a:spcPct val="100000"/>
+              </a:lnSpc>
+            </a:pPr>
+            <a:r>
+              <a:rPr lang="en-US" dirty="0">
+                <a:sym typeface="Wingdings" panose="05000000000000000000" pitchFamily="2" charset="2"/>
+              </a:rPr>
+              <a:t>Meanwhile, style() will help us restrict our tooltip contents to only custom text we generate. </a:t>
+            </a:r>
+          </a:p>
+          <a:p>
+            <a:pPr lvl="1">
+              <a:lnSpc>
+                <a:spcPct val="100000"/>
+              </a:lnSpc>
+            </a:pPr>
+            <a:endParaRPr lang="en-US" dirty="0"/>
+          </a:p>
+        </p:txBody>
+      </p:sp>
+    </p:spTree>
+    <p:extLst>
+      <p:ext uri="{BB962C8B-B14F-4D97-AF65-F5344CB8AC3E}">
+        <p14:creationId xmlns:p14="http://schemas.microsoft.com/office/powerpoint/2010/main" val="2025308779"/>
+      </p:ext>
+    </p:extLst>
+  </p:cSld>
+  <p:clrMapOvr>
+    <a:masterClrMapping/>
+  </p:clrMapOvr>
+  <p:timing>
+    <p:tnLst>
+      <p:par>
+        <p:cTn id="1" dur="indefinite" restart="never" nodeType="tmRoot">
+          <p:childTnLst>
+            <p:seq concurrent="1" nextAc="seek">
+              <p:cTn id="2" dur="indefinite" nodeType="mainSeq">
+                <p:childTnLst>
+                  <p:par>
+                    <p:cTn id="3" fill="hold">
+                      <p:stCondLst>
+                        <p:cond delay="indefinite"/>
+                      </p:stCondLst>
+                      <p:childTnLst>
+                        <p:par>
+                          <p:cTn id="4" fill="hold">
+                            <p:stCondLst>
+                              <p:cond delay="0"/>
+                            </p:stCondLst>
+                            <p:childTnLst>
+                              <p:par>
+                                <p:cTn id="5" presetID="10" presetClass="entr" presetSubtype="0" fill="hold" grpId="0" nodeType="clickEffect">
+                                  <p:stCondLst>
+                                    <p:cond delay="0"/>
+                                  </p:stCondLst>
+                                  <p:childTnLst>
+                                    <p:set>
+                                      <p:cBhvr>
+                                        <p:cTn id="6" dur="1" fill="hold">
+                                          <p:stCondLst>
+                                            <p:cond delay="0"/>
+                                          </p:stCondLst>
+                                        </p:cTn>
+                                        <p:tgtEl>
+                                          <p:spTgt spid="3">
+                                            <p:txEl>
+                                              <p:pRg st="0" end="0"/>
+                                            </p:txEl>
+                                          </p:spTgt>
+                                        </p:tgtEl>
+                                        <p:attrNameLst>
+                                          <p:attrName>style.visibility</p:attrName>
+                                        </p:attrNameLst>
+                                      </p:cBhvr>
+                                      <p:to>
+                                        <p:strVal val="visible"/>
+                                      </p:to>
+                                    </p:set>
+                                    <p:animEffect transition="in" filter="fade">
+                                      <p:cBhvr>
+                                        <p:cTn id="7" dur="500"/>
+                                        <p:tgtEl>
+                                          <p:spTgt spid="3">
+                                            <p:txEl>
+                                              <p:pRg st="0" end="0"/>
+                                            </p:txEl>
+                                          </p:spTgt>
+                                        </p:tgtEl>
+                                      </p:cBhvr>
+                                    </p:animEffect>
+                                  </p:childTnLst>
+                                </p:cTn>
+                              </p:par>
+                            </p:childTnLst>
+                          </p:cTn>
+                        </p:par>
+                      </p:childTnLst>
+                    </p:cTn>
+                  </p:par>
+                  <p:par>
+                    <p:cTn id="8" fill="hold">
+                      <p:stCondLst>
+                        <p:cond delay="indefinite"/>
+                      </p:stCondLst>
+                      <p:childTnLst>
+                        <p:par>
+                          <p:cTn id="9" fill="hold">
+                            <p:stCondLst>
+                              <p:cond delay="0"/>
+                            </p:stCondLst>
+                            <p:childTnLst>
+                              <p:par>
+                                <p:cTn id="10" presetID="10" presetClass="entr" presetSubtype="0" fill="hold" grpId="0" nodeType="clickEffect">
+                                  <p:stCondLst>
+                                    <p:cond delay="0"/>
+                                  </p:stCondLst>
+                                  <p:childTnLst>
+                                    <p:set>
+                                      <p:cBhvr>
+                                        <p:cTn id="11" dur="1" fill="hold">
+                                          <p:stCondLst>
+                                            <p:cond delay="0"/>
+                                          </p:stCondLst>
+                                        </p:cTn>
+                                        <p:tgtEl>
+                                          <p:spTgt spid="3">
+                                            <p:txEl>
+                                              <p:pRg st="1" end="1"/>
+                                            </p:txEl>
+                                          </p:spTgt>
+                                        </p:tgtEl>
+                                        <p:attrNameLst>
+                                          <p:attrName>style.visibility</p:attrName>
+                                        </p:attrNameLst>
+                                      </p:cBhvr>
+                                      <p:to>
+                                        <p:strVal val="visible"/>
+                                      </p:to>
+                                    </p:set>
+                                    <p:animEffect transition="in" filter="fade">
+                                      <p:cBhvr>
+                                        <p:cTn id="12" dur="500"/>
+                                        <p:tgtEl>
+                                          <p:spTgt spid="3">
+                                            <p:txEl>
+                                              <p:pRg st="1" end="1"/>
+                                            </p:txEl>
+                                          </p:spTgt>
+                                        </p:tgtEl>
+                                      </p:cBhvr>
+                                    </p:animEffect>
+                                  </p:childTnLst>
+                                </p:cTn>
+                              </p:par>
+                            </p:childTnLst>
+                          </p:cTn>
+                        </p:par>
+                        <p:par>
+                          <p:cTn id="13" fill="hold">
+                            <p:stCondLst>
+                              <p:cond delay="500"/>
+                            </p:stCondLst>
+                            <p:childTnLst>
+                              <p:par>
+                                <p:cTn id="14" presetID="10" presetClass="entr" presetSubtype="0" fill="hold" grpId="0" nodeType="afterEffect">
+                                  <p:stCondLst>
+                                    <p:cond delay="0"/>
+                                  </p:stCondLst>
+                                  <p:childTnLst>
+                                    <p:set>
+                                      <p:cBhvr>
+                                        <p:cTn id="15" dur="1" fill="hold">
+                                          <p:stCondLst>
+                                            <p:cond delay="0"/>
+                                          </p:stCondLst>
+                                        </p:cTn>
+                                        <p:tgtEl>
+                                          <p:spTgt spid="3">
+                                            <p:txEl>
+                                              <p:pRg st="2" end="2"/>
+                                            </p:txEl>
+                                          </p:spTgt>
+                                        </p:tgtEl>
+                                        <p:attrNameLst>
+                                          <p:attrName>style.visibility</p:attrName>
+                                        </p:attrNameLst>
+                                      </p:cBhvr>
+                                      <p:to>
+                                        <p:strVal val="visible"/>
+                                      </p:to>
+                                    </p:set>
+                                    <p:animEffect transition="in" filter="fade">
+                                      <p:cBhvr>
+                                        <p:cTn id="16" dur="500"/>
+                                        <p:tgtEl>
+                                          <p:spTgt spid="3">
+                                            <p:txEl>
+                                              <p:pRg st="2" end="2"/>
+                                            </p:txEl>
+                                          </p:spTgt>
+                                        </p:tgtEl>
+                                      </p:cBhvr>
+                                    </p:animEffect>
+                                  </p:childTnLst>
+                                </p:cTn>
+                              </p:par>
+                            </p:childTnLst>
+                          </p:cTn>
+                        </p:par>
+                        <p:par>
+                          <p:cTn id="17" fill="hold">
+                            <p:stCondLst>
+                              <p:cond delay="1000"/>
+                            </p:stCondLst>
+                            <p:childTnLst>
+                              <p:par>
+                                <p:cTn id="18" presetID="10" presetClass="entr" presetSubtype="0" fill="hold" grpId="0" nodeType="afterEffect">
+                                  <p:stCondLst>
+                                    <p:cond delay="0"/>
+                                  </p:stCondLst>
+                                  <p:childTnLst>
+                                    <p:set>
+                                      <p:cBhvr>
+                                        <p:cTn id="19" dur="1" fill="hold">
+                                          <p:stCondLst>
+                                            <p:cond delay="0"/>
+                                          </p:stCondLst>
+                                        </p:cTn>
+                                        <p:tgtEl>
+                                          <p:spTgt spid="3">
+                                            <p:txEl>
+                                              <p:pRg st="3" end="3"/>
+                                            </p:txEl>
+                                          </p:spTgt>
+                                        </p:tgtEl>
+                                        <p:attrNameLst>
+                                          <p:attrName>style.visibility</p:attrName>
+                                        </p:attrNameLst>
+                                      </p:cBhvr>
+                                      <p:to>
+                                        <p:strVal val="visible"/>
+                                      </p:to>
+                                    </p:set>
+                                    <p:animEffect transition="in" filter="fade">
+                                      <p:cBhvr>
+                                        <p:cTn id="20" dur="500"/>
+                                        <p:tgtEl>
+                                          <p:spTgt spid="3">
+                                            <p:txEl>
+                                              <p:pRg st="3" end="3"/>
+                                            </p:txEl>
+                                          </p:spTgt>
+                                        </p:tgtEl>
+                                      </p:cBhvr>
+                                    </p:animEffect>
+                                  </p:childTnLst>
+                                </p:cTn>
+                              </p:par>
+                            </p:childTnLst>
+                          </p:cTn>
+                        </p:par>
+                        <p:par>
+                          <p:cTn id="21" fill="hold">
+                            <p:stCondLst>
+                              <p:cond delay="1500"/>
+                            </p:stCondLst>
+                            <p:childTnLst>
+                              <p:par>
+                                <p:cTn id="22" presetID="10" presetClass="entr" presetSubtype="0" fill="hold" grpId="0" nodeType="afterEffect">
+                                  <p:stCondLst>
+                                    <p:cond delay="0"/>
+                                  </p:stCondLst>
+                                  <p:childTnLst>
+                                    <p:set>
+                                      <p:cBhvr>
+                                        <p:cTn id="23" dur="1" fill="hold">
+                                          <p:stCondLst>
+                                            <p:cond delay="0"/>
+                                          </p:stCondLst>
+                                        </p:cTn>
+                                        <p:tgtEl>
+                                          <p:spTgt spid="3">
+                                            <p:txEl>
+                                              <p:pRg st="4" end="4"/>
+                                            </p:txEl>
+                                          </p:spTgt>
+                                        </p:tgtEl>
+                                        <p:attrNameLst>
+                                          <p:attrName>style.visibility</p:attrName>
+                                        </p:attrNameLst>
+                                      </p:cBhvr>
+                                      <p:to>
+                                        <p:strVal val="visible"/>
+                                      </p:to>
+                                    </p:set>
+                                    <p:animEffect transition="in" filter="fade">
+                                      <p:cBhvr>
+                                        <p:cTn id="24" dur="500"/>
+                                        <p:tgtEl>
+                                          <p:spTgt spid="3">
+                                            <p:txEl>
+                                              <p:pRg st="4" end="4"/>
+                                            </p:txEl>
+                                          </p:spTgt>
+                                        </p:tgtEl>
+                                      </p:cBhvr>
+                                    </p:animEffect>
+                                  </p:childTnLst>
+                                </p:cTn>
+                              </p:par>
+                            </p:childTnLst>
+                          </p:cTn>
+                        </p:par>
+                      </p:childTnLst>
+                    </p:cTn>
+                  </p:par>
+                  <p:par>
+                    <p:cTn id="25" fill="hold">
+                      <p:stCondLst>
+                        <p:cond delay="indefinite"/>
+                      </p:stCondLst>
+                      <p:childTnLst>
+                        <p:par>
+                          <p:cTn id="26" fill="hold">
+                            <p:stCondLst>
+                              <p:cond delay="0"/>
+                            </p:stCondLst>
+                            <p:childTnLst>
+                              <p:par>
+                                <p:cTn id="27" presetID="10" presetClass="entr" presetSubtype="0" fill="hold" grpId="0" nodeType="clickEffect">
+                                  <p:stCondLst>
+                                    <p:cond delay="0"/>
+                                  </p:stCondLst>
+                                  <p:childTnLst>
+                                    <p:set>
+                                      <p:cBhvr>
+                                        <p:cTn id="28" dur="1" fill="hold">
+                                          <p:stCondLst>
+                                            <p:cond delay="0"/>
+                                          </p:stCondLst>
+                                        </p:cTn>
+                                        <p:tgtEl>
+                                          <p:spTgt spid="3">
+                                            <p:txEl>
+                                              <p:pRg st="5" end="5"/>
+                                            </p:txEl>
+                                          </p:spTgt>
+                                        </p:tgtEl>
+                                        <p:attrNameLst>
+                                          <p:attrName>style.visibility</p:attrName>
+                                        </p:attrNameLst>
+                                      </p:cBhvr>
+                                      <p:to>
+                                        <p:strVal val="visible"/>
+                                      </p:to>
+                                    </p:set>
+                                    <p:animEffect transition="in" filter="fade">
+                                      <p:cBhvr>
+                                        <p:cTn id="29" dur="500"/>
+                                        <p:tgtEl>
+                                          <p:spTgt spid="3">
+                                            <p:txEl>
+                                              <p:pRg st="5" end="5"/>
+                                            </p:txEl>
+                                          </p:spTgt>
+                                        </p:tgtEl>
+                                      </p:cBhvr>
+                                    </p:animEffect>
+                                  </p:childTnLst>
+                                </p:cTn>
+                              </p:par>
+                            </p:childTnLst>
+                          </p:cTn>
+                        </p:par>
+                        <p:par>
+                          <p:cTn id="30" fill="hold">
+                            <p:stCondLst>
+                              <p:cond delay="500"/>
+                            </p:stCondLst>
+                            <p:childTnLst>
+                              <p:par>
+                                <p:cTn id="31" presetID="10" presetClass="entr" presetSubtype="0" fill="hold" grpId="0" nodeType="afterEffect">
+                                  <p:stCondLst>
+                                    <p:cond delay="0"/>
+                                  </p:stCondLst>
+                                  <p:childTnLst>
+                                    <p:set>
+                                      <p:cBhvr>
+                                        <p:cTn id="32" dur="1" fill="hold">
+                                          <p:stCondLst>
+                                            <p:cond delay="0"/>
+                                          </p:stCondLst>
+                                        </p:cTn>
+                                        <p:tgtEl>
+                                          <p:spTgt spid="3">
+                                            <p:txEl>
+                                              <p:pRg st="6" end="6"/>
+                                            </p:txEl>
+                                          </p:spTgt>
+                                        </p:tgtEl>
+                                        <p:attrNameLst>
+                                          <p:attrName>style.visibility</p:attrName>
+                                        </p:attrNameLst>
+                                      </p:cBhvr>
+                                      <p:to>
+                                        <p:strVal val="visible"/>
+                                      </p:to>
+                                    </p:set>
+                                    <p:animEffect transition="in" filter="fade">
+                                      <p:cBhvr>
+                                        <p:cTn id="33" dur="500"/>
+                                        <p:tgtEl>
+                                          <p:spTgt spid="3">
+                                            <p:txEl>
+                                              <p:pRg st="6" end="6"/>
+                                            </p:txEl>
+                                          </p:spTgt>
+                                        </p:tgtEl>
+                                      </p:cBhvr>
+                                    </p:animEffect>
+                                  </p:childTnLst>
+                                </p:cTn>
+                              </p:par>
+                            </p:childTnLst>
+                          </p:cTn>
+                        </p:par>
+                      </p:childTnLst>
+                    </p:cTn>
+                  </p:par>
+                  <p:par>
+                    <p:cTn id="34" fill="hold">
+                      <p:stCondLst>
+                        <p:cond delay="indefinite"/>
+                      </p:stCondLst>
+                      <p:childTnLst>
+                        <p:par>
+                          <p:cTn id="35" fill="hold">
+                            <p:stCondLst>
+                              <p:cond delay="0"/>
+                            </p:stCondLst>
+                            <p:childTnLst>
+                              <p:par>
+                                <p:cTn id="36" presetID="10" presetClass="entr" presetSubtype="0" fill="hold" grpId="0" nodeType="clickEffect">
+                                  <p:stCondLst>
+                                    <p:cond delay="0"/>
+                                  </p:stCondLst>
+                                  <p:childTnLst>
+                                    <p:set>
+                                      <p:cBhvr>
+                                        <p:cTn id="37" dur="1" fill="hold">
+                                          <p:stCondLst>
+                                            <p:cond delay="0"/>
+                                          </p:stCondLst>
+                                        </p:cTn>
+                                        <p:tgtEl>
+                                          <p:spTgt spid="3">
+                                            <p:txEl>
+                                              <p:pRg st="7" end="7"/>
+                                            </p:txEl>
+                                          </p:spTgt>
+                                        </p:tgtEl>
+                                        <p:attrNameLst>
+                                          <p:attrName>style.visibility</p:attrName>
+                                        </p:attrNameLst>
+                                      </p:cBhvr>
+                                      <p:to>
+                                        <p:strVal val="visible"/>
+                                      </p:to>
+                                    </p:set>
+                                    <p:animEffect transition="in" filter="fade">
+                                      <p:cBhvr>
+                                        <p:cTn id="38" dur="500"/>
+                                        <p:tgtEl>
+                                          <p:spTgt spid="3">
+                                            <p:txEl>
+                                              <p:pRg st="7" end="7"/>
+                                            </p:txEl>
+                                          </p:spTgt>
+                                        </p:tgtEl>
+                                      </p:cBhvr>
+                                    </p:animEffect>
+                                  </p:childTnLst>
+                                </p:cTn>
+                              </p:par>
+                            </p:childTnLst>
+                          </p:cTn>
+                        </p:par>
+                      </p:childTnLst>
+                    </p:cTn>
+                  </p:par>
+                  <p:par>
+                    <p:cTn id="39" fill="hold">
+                      <p:stCondLst>
+                        <p:cond delay="indefinite"/>
+                      </p:stCondLst>
+                      <p:childTnLst>
+                        <p:par>
+                          <p:cTn id="40" fill="hold">
+                            <p:stCondLst>
+                              <p:cond delay="0"/>
+                            </p:stCondLst>
+                            <p:childTnLst>
+                              <p:par>
+                                <p:cTn id="41" presetID="10" presetClass="entr" presetSubtype="0" fill="hold" grpId="0" nodeType="clickEffect">
+                                  <p:stCondLst>
+                                    <p:cond delay="0"/>
+                                  </p:stCondLst>
+                                  <p:childTnLst>
+                                    <p:set>
+                                      <p:cBhvr>
+                                        <p:cTn id="42" dur="1" fill="hold">
+                                          <p:stCondLst>
+                                            <p:cond delay="0"/>
+                                          </p:stCondLst>
+                                        </p:cTn>
+                                        <p:tgtEl>
+                                          <p:spTgt spid="3">
+                                            <p:txEl>
+                                              <p:pRg st="8" end="8"/>
+                                            </p:txEl>
+                                          </p:spTgt>
+                                        </p:tgtEl>
+                                        <p:attrNameLst>
+                                          <p:attrName>style.visibility</p:attrName>
+                                        </p:attrNameLst>
+                                      </p:cBhvr>
+                                      <p:to>
+                                        <p:strVal val="visible"/>
+                                      </p:to>
+                                    </p:set>
+                                    <p:animEffect transition="in" filter="fade">
+                                      <p:cBhvr>
+                                        <p:cTn id="43" dur="500"/>
+                                        <p:tgtEl>
+                                          <p:spTgt spid="3">
+                                            <p:txEl>
+                                              <p:pRg st="8" end="8"/>
+                                            </p:txEl>
+                                          </p:spTgt>
+                                        </p:tgtEl>
+                                      </p:cBhvr>
+                                    </p:animEffect>
+                                  </p:childTnLst>
+                                </p:cTn>
+                              </p:par>
+                            </p:childTnLst>
+                          </p:cTn>
+                        </p:par>
+                      </p:childTnLst>
+                    </p:cTn>
+                  </p:par>
+                </p:childTnLst>
+              </p:cTn>
+              <p:prevCondLst>
+                <p:cond evt="onPrev" delay="0">
+                  <p:tgtEl>
+                    <p:sldTgt/>
+                  </p:tgtEl>
+                </p:cond>
+              </p:prevCondLst>
+              <p:nextCondLst>
+                <p:cond evt="onNext" delay="0">
+                  <p:tgtEl>
+                    <p:sldTgt/>
+                  </p:tgtEl>
+                </p:cond>
+              </p:nextCondLst>
+            </p:seq>
+          </p:childTnLst>
+        </p:cTn>
+      </p:par>
+    </p:tnLst>
+    <p:bldLst>
+      <p:bldP spid="3" grpId="0" uiExpand="1" build="p"/>
+    </p:bldLst>
+  </p:timing>
+</p:sld>
+</file>
+
+<file path=ppt/slides/slide6.xml><?xml version="1.0" encoding="utf-8"?>
+<p:sld xmlns:a="http://schemas.openxmlformats.org/drawingml/2006/main" xmlns:r="http://schemas.openxmlformats.org/officeDocument/2006/relationships" xmlns:p="http://schemas.openxmlformats.org/presentationml/2006/main">
+  <p:cSld>
+    <p:spTree>
+      <p:nvGrpSpPr>
+        <p:cNvPr id="1" name=""/>
+        <p:cNvGrpSpPr/>
+        <p:nvPr/>
+      </p:nvGrpSpPr>
+      <p:grpSpPr>
+        <a:xfrm>
+          <a:off x="0" y="0"/>
+          <a:ext cx="0" cy="0"/>
+          <a:chOff x="0" y="0"/>
+          <a:chExt cx="0" cy="0"/>
+        </a:xfrm>
+      </p:grpSpPr>
+      <p:sp>
+        <p:nvSpPr>
+          <p:cNvPr id="2" name="Title 1">
+            <a:extLst>
+              <a:ext uri="{FF2B5EF4-FFF2-40B4-BE49-F238E27FC236}">
+                <a16:creationId xmlns:a16="http://schemas.microsoft.com/office/drawing/2014/main" id="{CBD9BCB2-BDCE-DB48-046C-A4FFB071CEEC}"/>
+              </a:ext>
+            </a:extLst>
+          </p:cNvPr>
+          <p:cNvSpPr>
+            <a:spLocks noGrp="1"/>
+          </p:cNvSpPr>
+          <p:nvPr>
+            <p:ph type="title"/>
+          </p:nvPr>
+        </p:nvSpPr>
+        <p:spPr/>
+        <p:txBody>
+          <a:bodyPr/>
+          <a:lstStyle/>
+          <a:p>
+            <a:r>
+              <a:rPr lang="en-US" dirty="0"/>
+              <a:t>Some apps to inspire you!</a:t>
+            </a:r>
+          </a:p>
+        </p:txBody>
+      </p:sp>
+    </p:spTree>
+    <p:extLst>
+      <p:ext uri="{BB962C8B-B14F-4D97-AF65-F5344CB8AC3E}">
+        <p14:creationId xmlns:p14="http://schemas.microsoft.com/office/powerpoint/2010/main" val="2458913389"/>
+      </p:ext>
+    </p:extLst>
+  </p:cSld>
+  <p:clrMapOvr>
+    <a:masterClrMapping/>
+  </p:clrMapOvr>
+</p:sld>
+</file>
+
+<file path=ppt/slides/slide60.xml><?xml version="1.0" encoding="utf-8"?>
+<p:sld xmlns:a="http://schemas.openxmlformats.org/drawingml/2006/main" xmlns:r="http://schemas.openxmlformats.org/officeDocument/2006/relationships" xmlns:p="http://schemas.openxmlformats.org/presentationml/2006/main">
+  <p:cSld>
+    <p:spTree>
+      <p:nvGrpSpPr>
+        <p:cNvPr id="1" name=""/>
+        <p:cNvGrpSpPr/>
+        <p:nvPr/>
+      </p:nvGrpSpPr>
+      <p:grpSpPr>
+        <a:xfrm>
+          <a:off x="0" y="0"/>
+          <a:ext cx="0" cy="0"/>
+          <a:chOff x="0" y="0"/>
+          <a:chExt cx="0" cy="0"/>
+        </a:xfrm>
+      </p:grpSpPr>
+      <p:sp>
+        <p:nvSpPr>
+          <p:cNvPr id="2" name="Title 1">
+            <a:extLst>
+              <a:ext uri="{FF2B5EF4-FFF2-40B4-BE49-F238E27FC236}">
+                <a16:creationId xmlns:a16="http://schemas.microsoft.com/office/drawing/2014/main" id="{FF2F83BF-C9C2-9379-6EA5-2498B16E485D}"/>
+              </a:ext>
+            </a:extLst>
+          </p:cNvPr>
+          <p:cNvSpPr>
+            <a:spLocks noGrp="1"/>
+          </p:cNvSpPr>
+          <p:nvPr>
+            <p:ph type="title"/>
+          </p:nvPr>
+        </p:nvSpPr>
+        <p:spPr/>
+        <p:txBody>
+          <a:bodyPr/>
+          <a:lstStyle/>
+          <a:p>
+            <a:r>
+              <a:rPr lang="en-US" dirty="0"/>
+              <a:t>Update, don’t rebuild III</a:t>
+            </a:r>
+          </a:p>
+        </p:txBody>
+      </p:sp>
+      <p:sp>
+        <p:nvSpPr>
+          <p:cNvPr id="3" name="Text Placeholder 2">
+            <a:extLst>
+              <a:ext uri="{FF2B5EF4-FFF2-40B4-BE49-F238E27FC236}">
+                <a16:creationId xmlns:a16="http://schemas.microsoft.com/office/drawing/2014/main" id="{135D44D6-EEE0-9EF6-0AD0-08E048813507}"/>
+              </a:ext>
+            </a:extLst>
+          </p:cNvPr>
+          <p:cNvSpPr>
+            <a:spLocks noGrp="1"/>
+          </p:cNvSpPr>
+          <p:nvPr>
+            <p:ph type="body" idx="1"/>
+          </p:nvPr>
+        </p:nvSpPr>
+        <p:spPr/>
+        <p:txBody>
+          <a:bodyPr/>
+          <a:lstStyle/>
+          <a:p>
+            <a:r>
+              <a:rPr lang="en-US" dirty="0" err="1"/>
+              <a:t>plotly</a:t>
+            </a:r>
+            <a:r>
+              <a:rPr lang="en-US" dirty="0"/>
+              <a:t> also has a proxy for updating graphs rather than rebuilding them. </a:t>
+            </a:r>
+          </a:p>
+          <a:p>
+            <a:r>
+              <a:rPr lang="en-US" dirty="0"/>
+              <a:t>Let’s use it! Let’s give users a drop-down widget to select a color scheme for the graph. </a:t>
+            </a:r>
+          </a:p>
+          <a:p>
+            <a:pPr>
+              <a:lnSpc>
+                <a:spcPct val="100000"/>
+              </a:lnSpc>
+            </a:pPr>
+            <a:r>
+              <a:rPr lang="en-US" dirty="0"/>
+              <a:t>This doesn’t </a:t>
+            </a:r>
+            <a:r>
+              <a:rPr lang="en-US" i="1" dirty="0"/>
+              <a:t>quite</a:t>
+            </a:r>
+            <a:r>
+              <a:rPr lang="en-US" dirty="0"/>
+              <a:t> work…the lines and legend keys don’t change colors appropriately!</a:t>
+            </a:r>
+          </a:p>
+          <a:p>
+            <a:pPr lvl="1">
+              <a:lnSpc>
+                <a:spcPct val="100000"/>
+              </a:lnSpc>
+              <a:spcBef>
+                <a:spcPts val="0"/>
+              </a:spcBef>
+            </a:pPr>
+            <a:r>
+              <a:rPr lang="en-US" dirty="0"/>
+              <a:t>This is fixable, but it’s kind of </a:t>
+            </a:r>
+            <a:r>
+              <a:rPr lang="en-US" dirty="0" err="1"/>
+              <a:t>ggplotly</a:t>
+            </a:r>
+            <a:r>
+              <a:rPr lang="en-US" dirty="0"/>
+              <a:t>()’s fault. It’d be best to rebuild this graph in </a:t>
+            </a:r>
+            <a:r>
+              <a:rPr lang="en-US" dirty="0" err="1"/>
+              <a:t>plotly</a:t>
+            </a:r>
+            <a:r>
+              <a:rPr lang="en-US" dirty="0"/>
+              <a:t>() if we really wanted to do this!</a:t>
+            </a:r>
+          </a:p>
+        </p:txBody>
+      </p:sp>
+    </p:spTree>
+    <p:extLst>
+      <p:ext uri="{BB962C8B-B14F-4D97-AF65-F5344CB8AC3E}">
+        <p14:creationId xmlns:p14="http://schemas.microsoft.com/office/powerpoint/2010/main" val="3735534585"/>
+      </p:ext>
+    </p:extLst>
+  </p:cSld>
+  <p:clrMapOvr>
+    <a:masterClrMapping/>
+  </p:clrMapOvr>
+  <p:timing>
+    <p:tnLst>
+      <p:par>
+        <p:cTn id="1" dur="indefinite" restart="never" nodeType="tmRoot">
+          <p:childTnLst>
+            <p:seq concurrent="1" nextAc="seek">
+              <p:cTn id="2" dur="indefinite" nodeType="mainSeq">
+                <p:childTnLst>
+                  <p:par>
+                    <p:cTn id="3" fill="hold">
+                      <p:stCondLst>
+                        <p:cond delay="indefinite"/>
+                        <p:cond evt="onBegin" delay="0">
+                          <p:tn val="2"/>
+                        </p:cond>
+                      </p:stCondLst>
+                      <p:childTnLst>
+                        <p:par>
+                          <p:cTn id="4" fill="hold">
+                            <p:stCondLst>
+                              <p:cond delay="0"/>
+                            </p:stCondLst>
+                            <p:childTnLst>
+                              <p:par>
+                                <p:cTn id="5" presetID="10" presetClass="entr" presetSubtype="0" fill="hold" grpId="0" nodeType="afterEffect">
+                                  <p:stCondLst>
+                                    <p:cond delay="0"/>
+                                  </p:stCondLst>
+                                  <p:childTnLst>
+                                    <p:set>
+                                      <p:cBhvr>
+                                        <p:cTn id="6" dur="1" fill="hold">
+                                          <p:stCondLst>
+                                            <p:cond delay="0"/>
+                                          </p:stCondLst>
+                                        </p:cTn>
+                                        <p:tgtEl>
+                                          <p:spTgt spid="3">
+                                            <p:txEl>
+                                              <p:pRg st="0" end="0"/>
+                                            </p:txEl>
+                                          </p:spTgt>
+                                        </p:tgtEl>
+                                        <p:attrNameLst>
+                                          <p:attrName>style.visibility</p:attrName>
+                                        </p:attrNameLst>
+                                      </p:cBhvr>
+                                      <p:to>
+                                        <p:strVal val="visible"/>
+                                      </p:to>
+                                    </p:set>
+                                    <p:animEffect transition="in" filter="fade">
+                                      <p:cBhvr>
+                                        <p:cTn id="7" dur="500"/>
+                                        <p:tgtEl>
+                                          <p:spTgt spid="3">
+                                            <p:txEl>
+                                              <p:pRg st="0" end="0"/>
+                                            </p:txEl>
+                                          </p:spTgt>
+                                        </p:tgtEl>
+                                      </p:cBhvr>
+                                    </p:animEffect>
+                                  </p:childTnLst>
+                                </p:cTn>
+                              </p:par>
+                            </p:childTnLst>
+                          </p:cTn>
+                        </p:par>
+                        <p:par>
+                          <p:cTn id="8" fill="hold">
+                            <p:stCondLst>
+                              <p:cond delay="500"/>
+                            </p:stCondLst>
+                            <p:childTnLst>
+                              <p:par>
+                                <p:cTn id="9" presetID="10" presetClass="entr" presetSubtype="0" fill="hold" grpId="0" nodeType="afterEffect">
+                                  <p:stCondLst>
+                                    <p:cond delay="0"/>
+                                  </p:stCondLst>
+                                  <p:childTnLst>
+                                    <p:set>
+                                      <p:cBhvr>
+                                        <p:cTn id="10" dur="1" fill="hold">
+                                          <p:stCondLst>
+                                            <p:cond delay="0"/>
+                                          </p:stCondLst>
+                                        </p:cTn>
+                                        <p:tgtEl>
+                                          <p:spTgt spid="3">
+                                            <p:txEl>
+                                              <p:pRg st="1" end="1"/>
+                                            </p:txEl>
+                                          </p:spTgt>
+                                        </p:tgtEl>
+                                        <p:attrNameLst>
+                                          <p:attrName>style.visibility</p:attrName>
+                                        </p:attrNameLst>
+                                      </p:cBhvr>
+                                      <p:to>
+                                        <p:strVal val="visible"/>
+                                      </p:to>
+                                    </p:set>
+                                    <p:animEffect transition="in" filter="fade">
+                                      <p:cBhvr>
+                                        <p:cTn id="11" dur="500"/>
+                                        <p:tgtEl>
+                                          <p:spTgt spid="3">
+                                            <p:txEl>
+                                              <p:pRg st="1" end="1"/>
+                                            </p:txEl>
+                                          </p:spTgt>
+                                        </p:tgtEl>
+                                      </p:cBhvr>
+                                    </p:animEffect>
+                                  </p:childTnLst>
+                                </p:cTn>
+                              </p:par>
+                            </p:childTnLst>
+                          </p:cTn>
+                        </p:par>
+                      </p:childTnLst>
+                    </p:cTn>
+                  </p:par>
+                  <p:par>
+                    <p:cTn id="12" fill="hold">
+                      <p:stCondLst>
+                        <p:cond delay="indefinite"/>
+                      </p:stCondLst>
+                      <p:childTnLst>
+                        <p:par>
+                          <p:cTn id="13" fill="hold">
+                            <p:stCondLst>
+                              <p:cond delay="0"/>
+                            </p:stCondLst>
+                            <p:childTnLst>
+                              <p:par>
+                                <p:cTn id="14" presetID="10" presetClass="entr" presetSubtype="0" fill="hold" grpId="0" nodeType="clickEffect">
+                                  <p:stCondLst>
+                                    <p:cond delay="0"/>
+                                  </p:stCondLst>
+                                  <p:childTnLst>
+                                    <p:set>
+                                      <p:cBhvr>
+                                        <p:cTn id="15" dur="1" fill="hold">
+                                          <p:stCondLst>
+                                            <p:cond delay="0"/>
+                                          </p:stCondLst>
+                                        </p:cTn>
+                                        <p:tgtEl>
+                                          <p:spTgt spid="3">
+                                            <p:txEl>
+                                              <p:pRg st="2" end="2"/>
+                                            </p:txEl>
+                                          </p:spTgt>
+                                        </p:tgtEl>
+                                        <p:attrNameLst>
+                                          <p:attrName>style.visibility</p:attrName>
+                                        </p:attrNameLst>
+                                      </p:cBhvr>
+                                      <p:to>
+                                        <p:strVal val="visible"/>
+                                      </p:to>
+                                    </p:set>
+                                    <p:animEffect transition="in" filter="fade">
+                                      <p:cBhvr>
+                                        <p:cTn id="16" dur="500"/>
+                                        <p:tgtEl>
+                                          <p:spTgt spid="3">
+                                            <p:txEl>
+                                              <p:pRg st="2" end="2"/>
+                                            </p:txEl>
+                                          </p:spTgt>
+                                        </p:tgtEl>
+                                      </p:cBhvr>
+                                    </p:animEffect>
+                                  </p:childTnLst>
+                                </p:cTn>
+                              </p:par>
+                            </p:childTnLst>
+                          </p:cTn>
+                        </p:par>
+                        <p:par>
+                          <p:cTn id="17" fill="hold">
+                            <p:stCondLst>
+                              <p:cond delay="500"/>
+                            </p:stCondLst>
+                            <p:childTnLst>
+                              <p:par>
+                                <p:cTn id="18" presetID="10" presetClass="entr" presetSubtype="0" fill="hold" grpId="0" nodeType="afterEffect">
+                                  <p:stCondLst>
+                                    <p:cond delay="0"/>
+                                  </p:stCondLst>
+                                  <p:childTnLst>
+                                    <p:set>
+                                      <p:cBhvr>
+                                        <p:cTn id="19" dur="1" fill="hold">
+                                          <p:stCondLst>
+                                            <p:cond delay="0"/>
+                                          </p:stCondLst>
+                                        </p:cTn>
+                                        <p:tgtEl>
+                                          <p:spTgt spid="3">
+                                            <p:txEl>
+                                              <p:pRg st="3" end="3"/>
+                                            </p:txEl>
+                                          </p:spTgt>
+                                        </p:tgtEl>
+                                        <p:attrNameLst>
+                                          <p:attrName>style.visibility</p:attrName>
+                                        </p:attrNameLst>
+                                      </p:cBhvr>
+                                      <p:to>
+                                        <p:strVal val="visible"/>
+                                      </p:to>
+                                    </p:set>
+                                    <p:animEffect transition="in" filter="fade">
+                                      <p:cBhvr>
+                                        <p:cTn id="20" dur="500"/>
+                                        <p:tgtEl>
+                                          <p:spTgt spid="3">
+                                            <p:txEl>
+                                              <p:pRg st="3" end="3"/>
+                                            </p:txEl>
+                                          </p:spTgt>
+                                        </p:tgtEl>
+                                      </p:cBhvr>
+                                    </p:animEffect>
+                                  </p:childTnLst>
+                                </p:cTn>
+                              </p:par>
+                            </p:childTnLst>
+                          </p:cTn>
+                        </p:par>
+                      </p:childTnLst>
+                    </p:cTn>
+                  </p:par>
+                </p:childTnLst>
+              </p:cTn>
+              <p:prevCondLst>
+                <p:cond evt="onPrev" delay="0">
+                  <p:tgtEl>
+                    <p:sldTgt/>
+                  </p:tgtEl>
+                </p:cond>
+              </p:prevCondLst>
+              <p:nextCondLst>
+                <p:cond evt="onNext" delay="0">
+                  <p:tgtEl>
+                    <p:sldTgt/>
+                  </p:tgtEl>
+                </p:cond>
+              </p:nextCondLst>
+            </p:seq>
+          </p:childTnLst>
+        </p:cTn>
+      </p:par>
+    </p:tnLst>
+    <p:bldLst>
+      <p:bldP spid="3" grpId="0" uiExpand="1" build="p"/>
+    </p:bldLst>
+  </p:timing>
+</p:sld>
+</file>
+
+<file path=ppt/slides/slide61.xml><?xml version="1.0" encoding="utf-8"?>
+<p:sld xmlns:a="http://schemas.openxmlformats.org/drawingml/2006/main" xmlns:r="http://schemas.openxmlformats.org/officeDocument/2006/relationships" xmlns:p="http://schemas.openxmlformats.org/presentationml/2006/main">
+  <p:cSld>
+    <p:spTree>
+      <p:nvGrpSpPr>
+        <p:cNvPr id="1" name=""/>
+        <p:cNvGrpSpPr/>
+        <p:nvPr/>
+      </p:nvGrpSpPr>
+      <p:grpSpPr>
+        <a:xfrm>
+          <a:off x="0" y="0"/>
+          <a:ext cx="0" cy="0"/>
+          <a:chOff x="0" y="0"/>
+          <a:chExt cx="0" cy="0"/>
+        </a:xfrm>
+      </p:grpSpPr>
+      <p:sp>
+        <p:nvSpPr>
+          <p:cNvPr id="2" name="Title 1">
+            <a:extLst>
+              <a:ext uri="{FF2B5EF4-FFF2-40B4-BE49-F238E27FC236}">
+                <a16:creationId xmlns:a16="http://schemas.microsoft.com/office/drawing/2014/main" id="{475FDD44-BAD8-03E7-9512-C2F97D50F8C4}"/>
+              </a:ext>
+            </a:extLst>
+          </p:cNvPr>
+          <p:cNvSpPr>
+            <a:spLocks noGrp="1"/>
+          </p:cNvSpPr>
+          <p:nvPr>
+            <p:ph type="title"/>
+          </p:nvPr>
+        </p:nvSpPr>
+        <p:spPr/>
+        <p:txBody>
+          <a:bodyPr/>
+          <a:lstStyle/>
+          <a:p>
+            <a:r>
+              <a:rPr lang="en-US" dirty="0"/>
+              <a:t>Watch and learn III</a:t>
+            </a:r>
+          </a:p>
+        </p:txBody>
+      </p:sp>
+      <p:sp>
+        <p:nvSpPr>
+          <p:cNvPr id="3" name="Text Placeholder 2">
+            <a:extLst>
+              <a:ext uri="{FF2B5EF4-FFF2-40B4-BE49-F238E27FC236}">
+                <a16:creationId xmlns:a16="http://schemas.microsoft.com/office/drawing/2014/main" id="{E23374A9-7452-0979-21A7-6125D77EFFD7}"/>
+              </a:ext>
+            </a:extLst>
+          </p:cNvPr>
+          <p:cNvSpPr>
+            <a:spLocks noGrp="1"/>
+          </p:cNvSpPr>
+          <p:nvPr>
+            <p:ph type="body" idx="1"/>
+          </p:nvPr>
+        </p:nvSpPr>
+        <p:spPr/>
+        <p:txBody>
+          <a:bodyPr/>
+          <a:lstStyle/>
+          <a:p>
+            <a:pPr>
+              <a:lnSpc>
+                <a:spcPct val="100000"/>
+              </a:lnSpc>
+            </a:pPr>
+            <a:r>
+              <a:rPr lang="en-US" dirty="0"/>
+              <a:t>Lastly, as we have come to expect, </a:t>
+            </a:r>
+            <a:r>
+              <a:rPr lang="en-US" dirty="0" err="1"/>
+              <a:t>plotly</a:t>
+            </a:r>
+            <a:r>
+              <a:rPr lang="en-US" dirty="0"/>
+              <a:t> graphs are also widgets—we can track and handle events related to them.</a:t>
+            </a:r>
+          </a:p>
+          <a:p>
+            <a:pPr>
+              <a:lnSpc>
+                <a:spcPct val="100000"/>
+              </a:lnSpc>
+            </a:pPr>
+            <a:r>
+              <a:rPr lang="en-US" dirty="0"/>
+              <a:t>However, </a:t>
+            </a:r>
+            <a:r>
+              <a:rPr lang="en-US" dirty="0" err="1"/>
+              <a:t>plotly</a:t>
+            </a:r>
+            <a:r>
+              <a:rPr lang="en-US" dirty="0"/>
+              <a:t> uses a different (but equivalent) system for tracking events:</a:t>
+            </a:r>
+          </a:p>
+          <a:p>
+            <a:pPr lvl="1">
+              <a:lnSpc>
+                <a:spcPct val="100000"/>
+              </a:lnSpc>
+              <a:spcBef>
+                <a:spcPts val="0"/>
+              </a:spcBef>
+            </a:pPr>
+            <a:r>
+              <a:rPr lang="en-US" dirty="0"/>
+              <a:t>We must give our graph a source, sort of like an </a:t>
+            </a:r>
+            <a:r>
+              <a:rPr lang="en-US" dirty="0" err="1"/>
+              <a:t>inputId</a:t>
+            </a:r>
+            <a:r>
+              <a:rPr lang="en-US" dirty="0"/>
+              <a:t>.</a:t>
+            </a:r>
+          </a:p>
+          <a:p>
+            <a:pPr lvl="1">
+              <a:lnSpc>
+                <a:spcPct val="100000"/>
+              </a:lnSpc>
+              <a:spcBef>
+                <a:spcPts val="0"/>
+              </a:spcBef>
+            </a:pPr>
+            <a:r>
+              <a:rPr lang="en-US" dirty="0"/>
+              <a:t>We must register the type of event we’re tracking (e.g., a click)</a:t>
+            </a:r>
+          </a:p>
+          <a:p>
+            <a:pPr lvl="1">
+              <a:lnSpc>
+                <a:spcPct val="100000"/>
+              </a:lnSpc>
+              <a:spcBef>
+                <a:spcPts val="0"/>
+              </a:spcBef>
+            </a:pPr>
+            <a:r>
+              <a:rPr lang="en-US" dirty="0"/>
+              <a:t>We must use </a:t>
+            </a:r>
+            <a:r>
+              <a:rPr lang="en-US" dirty="0" err="1"/>
+              <a:t>event_data</a:t>
+            </a:r>
+            <a:r>
+              <a:rPr lang="en-US" dirty="0"/>
+              <a:t>() plus the source and event type server-side instead of input. </a:t>
+            </a:r>
+          </a:p>
+          <a:p>
+            <a:pPr>
+              <a:lnSpc>
+                <a:spcPct val="100000"/>
+              </a:lnSpc>
+            </a:pPr>
+            <a:r>
+              <a:rPr lang="en-US" dirty="0"/>
+              <a:t>Let’s set it up so that users get a printed message about the exact population datum of a clicked point to demonstrate.</a:t>
+            </a:r>
+          </a:p>
+        </p:txBody>
+      </p:sp>
+    </p:spTree>
+    <p:extLst>
+      <p:ext uri="{BB962C8B-B14F-4D97-AF65-F5344CB8AC3E}">
+        <p14:creationId xmlns:p14="http://schemas.microsoft.com/office/powerpoint/2010/main" val="1836319453"/>
+      </p:ext>
+    </p:extLst>
+  </p:cSld>
+  <p:clrMapOvr>
+    <a:masterClrMapping/>
+  </p:clrMapOvr>
+  <p:timing>
+    <p:tnLst>
+      <p:par>
+        <p:cTn id="1" dur="indefinite" restart="never" nodeType="tmRoot">
+          <p:childTnLst>
+            <p:seq concurrent="1" nextAc="seek">
+              <p:cTn id="2" dur="indefinite" nodeType="mainSeq">
+                <p:childTnLst>
+                  <p:par>
+                    <p:cTn id="3" fill="hold">
+                      <p:stCondLst>
+                        <p:cond delay="indefinite"/>
+                      </p:stCondLst>
+                      <p:childTnLst>
+                        <p:par>
+                          <p:cTn id="4" fill="hold">
+                            <p:stCondLst>
+                              <p:cond delay="0"/>
+                            </p:stCondLst>
+                            <p:childTnLst>
+                              <p:par>
+                                <p:cTn id="5" presetID="10" presetClass="entr" presetSubtype="0" fill="hold" grpId="0" nodeType="clickEffect">
+                                  <p:stCondLst>
+                                    <p:cond delay="0"/>
+                                  </p:stCondLst>
+                                  <p:childTnLst>
+                                    <p:set>
+                                      <p:cBhvr>
+                                        <p:cTn id="6" dur="1" fill="hold">
+                                          <p:stCondLst>
+                                            <p:cond delay="0"/>
+                                          </p:stCondLst>
+                                        </p:cTn>
+                                        <p:tgtEl>
+                                          <p:spTgt spid="3">
+                                            <p:txEl>
+                                              <p:pRg st="0" end="0"/>
+                                            </p:txEl>
+                                          </p:spTgt>
+                                        </p:tgtEl>
+                                        <p:attrNameLst>
+                                          <p:attrName>style.visibility</p:attrName>
+                                        </p:attrNameLst>
+                                      </p:cBhvr>
+                                      <p:to>
+                                        <p:strVal val="visible"/>
+                                      </p:to>
+                                    </p:set>
+                                    <p:animEffect transition="in" filter="fade">
+                                      <p:cBhvr>
+                                        <p:cTn id="7" dur="500"/>
+                                        <p:tgtEl>
+                                          <p:spTgt spid="3">
+                                            <p:txEl>
+                                              <p:pRg st="0" end="0"/>
+                                            </p:txEl>
+                                          </p:spTgt>
+                                        </p:tgtEl>
+                                      </p:cBhvr>
+                                    </p:animEffect>
+                                  </p:childTnLst>
+                                </p:cTn>
+                              </p:par>
+                            </p:childTnLst>
+                          </p:cTn>
+                        </p:par>
+                      </p:childTnLst>
+                    </p:cTn>
+                  </p:par>
+                  <p:par>
+                    <p:cTn id="8" fill="hold">
+                      <p:stCondLst>
+                        <p:cond delay="indefinite"/>
+                      </p:stCondLst>
+                      <p:childTnLst>
+                        <p:par>
+                          <p:cTn id="9" fill="hold">
+                            <p:stCondLst>
+                              <p:cond delay="0"/>
+                            </p:stCondLst>
+                            <p:childTnLst>
+                              <p:par>
+                                <p:cTn id="10" presetID="10" presetClass="entr" presetSubtype="0" fill="hold" grpId="0" nodeType="clickEffect">
+                                  <p:stCondLst>
+                                    <p:cond delay="0"/>
+                                  </p:stCondLst>
+                                  <p:childTnLst>
+                                    <p:set>
+                                      <p:cBhvr>
+                                        <p:cTn id="11" dur="1" fill="hold">
+                                          <p:stCondLst>
+                                            <p:cond delay="0"/>
+                                          </p:stCondLst>
+                                        </p:cTn>
+                                        <p:tgtEl>
+                                          <p:spTgt spid="3">
+                                            <p:txEl>
+                                              <p:pRg st="1" end="1"/>
+                                            </p:txEl>
+                                          </p:spTgt>
+                                        </p:tgtEl>
+                                        <p:attrNameLst>
+                                          <p:attrName>style.visibility</p:attrName>
+                                        </p:attrNameLst>
+                                      </p:cBhvr>
+                                      <p:to>
+                                        <p:strVal val="visible"/>
+                                      </p:to>
+                                    </p:set>
+                                    <p:animEffect transition="in" filter="fade">
+                                      <p:cBhvr>
+                                        <p:cTn id="12" dur="500"/>
+                                        <p:tgtEl>
+                                          <p:spTgt spid="3">
+                                            <p:txEl>
+                                              <p:pRg st="1" end="1"/>
+                                            </p:txEl>
+                                          </p:spTgt>
+                                        </p:tgtEl>
+                                      </p:cBhvr>
+                                    </p:animEffect>
+                                  </p:childTnLst>
+                                </p:cTn>
+                              </p:par>
+                            </p:childTnLst>
+                          </p:cTn>
+                        </p:par>
+                      </p:childTnLst>
+                    </p:cTn>
+                  </p:par>
+                  <p:par>
+                    <p:cTn id="13" fill="hold">
+                      <p:stCondLst>
+                        <p:cond delay="indefinite"/>
+                      </p:stCondLst>
+                      <p:childTnLst>
+                        <p:par>
+                          <p:cTn id="14" fill="hold">
+                            <p:stCondLst>
+                              <p:cond delay="0"/>
+                            </p:stCondLst>
+                            <p:childTnLst>
+                              <p:par>
+                                <p:cTn id="15" presetID="10" presetClass="entr" presetSubtype="0" fill="hold" grpId="0" nodeType="clickEffect">
+                                  <p:stCondLst>
+                                    <p:cond delay="0"/>
+                                  </p:stCondLst>
+                                  <p:childTnLst>
+                                    <p:set>
+                                      <p:cBhvr>
+                                        <p:cTn id="16" dur="1" fill="hold">
+                                          <p:stCondLst>
+                                            <p:cond delay="0"/>
+                                          </p:stCondLst>
+                                        </p:cTn>
+                                        <p:tgtEl>
+                                          <p:spTgt spid="3">
+                                            <p:txEl>
+                                              <p:pRg st="2" end="2"/>
+                                            </p:txEl>
+                                          </p:spTgt>
+                                        </p:tgtEl>
+                                        <p:attrNameLst>
+                                          <p:attrName>style.visibility</p:attrName>
+                                        </p:attrNameLst>
+                                      </p:cBhvr>
+                                      <p:to>
+                                        <p:strVal val="visible"/>
+                                      </p:to>
+                                    </p:set>
+                                    <p:animEffect transition="in" filter="fade">
+                                      <p:cBhvr>
+                                        <p:cTn id="17" dur="500"/>
+                                        <p:tgtEl>
+                                          <p:spTgt spid="3">
+                                            <p:txEl>
+                                              <p:pRg st="2" end="2"/>
+                                            </p:txEl>
+                                          </p:spTgt>
+                                        </p:tgtEl>
+                                      </p:cBhvr>
+                                    </p:animEffect>
+                                  </p:childTnLst>
+                                </p:cTn>
+                              </p:par>
+                            </p:childTnLst>
+                          </p:cTn>
+                        </p:par>
+                        <p:par>
+                          <p:cTn id="18" fill="hold">
+                            <p:stCondLst>
+                              <p:cond delay="500"/>
+                            </p:stCondLst>
+                            <p:childTnLst>
+                              <p:par>
+                                <p:cTn id="19" presetID="10" presetClass="entr" presetSubtype="0" fill="hold" grpId="0" nodeType="afterEffect">
+                                  <p:stCondLst>
+                                    <p:cond delay="0"/>
+                                  </p:stCondLst>
+                                  <p:childTnLst>
+                                    <p:set>
+                                      <p:cBhvr>
+                                        <p:cTn id="20" dur="1" fill="hold">
+                                          <p:stCondLst>
+                                            <p:cond delay="0"/>
+                                          </p:stCondLst>
+                                        </p:cTn>
+                                        <p:tgtEl>
+                                          <p:spTgt spid="3">
+                                            <p:txEl>
+                                              <p:pRg st="3" end="3"/>
+                                            </p:txEl>
+                                          </p:spTgt>
+                                        </p:tgtEl>
+                                        <p:attrNameLst>
+                                          <p:attrName>style.visibility</p:attrName>
+                                        </p:attrNameLst>
+                                      </p:cBhvr>
+                                      <p:to>
+                                        <p:strVal val="visible"/>
+                                      </p:to>
+                                    </p:set>
+                                    <p:animEffect transition="in" filter="fade">
+                                      <p:cBhvr>
+                                        <p:cTn id="21" dur="500"/>
+                                        <p:tgtEl>
+                                          <p:spTgt spid="3">
+                                            <p:txEl>
+                                              <p:pRg st="3" end="3"/>
+                                            </p:txEl>
+                                          </p:spTgt>
+                                        </p:tgtEl>
+                                      </p:cBhvr>
+                                    </p:animEffect>
+                                  </p:childTnLst>
+                                </p:cTn>
+                              </p:par>
+                            </p:childTnLst>
+                          </p:cTn>
+                        </p:par>
+                        <p:par>
+                          <p:cTn id="22" fill="hold">
+                            <p:stCondLst>
+                              <p:cond delay="1000"/>
+                            </p:stCondLst>
+                            <p:childTnLst>
+                              <p:par>
+                                <p:cTn id="23" presetID="10" presetClass="entr" presetSubtype="0" fill="hold" grpId="0" nodeType="afterEffect">
+                                  <p:stCondLst>
+                                    <p:cond delay="0"/>
+                                  </p:stCondLst>
+                                  <p:childTnLst>
+                                    <p:set>
+                                      <p:cBhvr>
+                                        <p:cTn id="24" dur="1" fill="hold">
+                                          <p:stCondLst>
+                                            <p:cond delay="0"/>
+                                          </p:stCondLst>
+                                        </p:cTn>
+                                        <p:tgtEl>
+                                          <p:spTgt spid="3">
+                                            <p:txEl>
+                                              <p:pRg st="4" end="4"/>
+                                            </p:txEl>
+                                          </p:spTgt>
+                                        </p:tgtEl>
+                                        <p:attrNameLst>
+                                          <p:attrName>style.visibility</p:attrName>
+                                        </p:attrNameLst>
+                                      </p:cBhvr>
+                                      <p:to>
+                                        <p:strVal val="visible"/>
+                                      </p:to>
+                                    </p:set>
+                                    <p:animEffect transition="in" filter="fade">
+                                      <p:cBhvr>
+                                        <p:cTn id="25" dur="500"/>
+                                        <p:tgtEl>
+                                          <p:spTgt spid="3">
+                                            <p:txEl>
+                                              <p:pRg st="4" end="4"/>
+                                            </p:txEl>
+                                          </p:spTgt>
+                                        </p:tgtEl>
+                                      </p:cBhvr>
+                                    </p:animEffect>
+                                  </p:childTnLst>
+                                </p:cTn>
+                              </p:par>
+                            </p:childTnLst>
+                          </p:cTn>
+                        </p:par>
+                      </p:childTnLst>
+                    </p:cTn>
+                  </p:par>
+                  <p:par>
+                    <p:cTn id="26" fill="hold">
+                      <p:stCondLst>
+                        <p:cond delay="indefinite"/>
+                      </p:stCondLst>
+                      <p:childTnLst>
+                        <p:par>
+                          <p:cTn id="27" fill="hold">
+                            <p:stCondLst>
+                              <p:cond delay="0"/>
+                            </p:stCondLst>
+                            <p:childTnLst>
+                              <p:par>
+                                <p:cTn id="28" presetID="10" presetClass="entr" presetSubtype="0" fill="hold" grpId="0" nodeType="clickEffect">
+                                  <p:stCondLst>
+                                    <p:cond delay="0"/>
+                                  </p:stCondLst>
+                                  <p:childTnLst>
+                                    <p:set>
+                                      <p:cBhvr>
+                                        <p:cTn id="29" dur="1" fill="hold">
+                                          <p:stCondLst>
+                                            <p:cond delay="0"/>
+                                          </p:stCondLst>
+                                        </p:cTn>
+                                        <p:tgtEl>
+                                          <p:spTgt spid="3">
+                                            <p:txEl>
+                                              <p:pRg st="5" end="5"/>
+                                            </p:txEl>
+                                          </p:spTgt>
+                                        </p:tgtEl>
+                                        <p:attrNameLst>
+                                          <p:attrName>style.visibility</p:attrName>
+                                        </p:attrNameLst>
+                                      </p:cBhvr>
+                                      <p:to>
+                                        <p:strVal val="visible"/>
+                                      </p:to>
+                                    </p:set>
+                                    <p:animEffect transition="in" filter="fade">
+                                      <p:cBhvr>
+                                        <p:cTn id="30" dur="500"/>
+                                        <p:tgtEl>
+                                          <p:spTgt spid="3">
+                                            <p:txEl>
+                                              <p:pRg st="5" end="5"/>
+                                            </p:txEl>
+                                          </p:spTgt>
+                                        </p:tgtEl>
+                                      </p:cBhvr>
+                                    </p:animEffect>
+                                  </p:childTnLst>
+                                </p:cTn>
+                              </p:par>
+                            </p:childTnLst>
+                          </p:cTn>
+                        </p:par>
+                      </p:childTnLst>
+                    </p:cTn>
+                  </p:par>
+                </p:childTnLst>
+              </p:cTn>
+              <p:prevCondLst>
+                <p:cond evt="onPrev" delay="0">
+                  <p:tgtEl>
+                    <p:sldTgt/>
+                  </p:tgtEl>
+                </p:cond>
+              </p:prevCondLst>
+              <p:nextCondLst>
+                <p:cond evt="onNext" delay="0">
+                  <p:tgtEl>
+                    <p:sldTgt/>
+                  </p:tgtEl>
+                </p:cond>
+              </p:nextCondLst>
+            </p:seq>
+          </p:childTnLst>
+        </p:cTn>
+      </p:par>
+    </p:tnLst>
+    <p:bldLst>
+      <p:bldP spid="3" grpId="0" uiExpand="1" build="p"/>
+    </p:bldLst>
+  </p:timing>
+</p:sld>
+</file>
+
+<file path=ppt/slides/slide62.xml><?xml version="1.0" encoding="utf-8"?>
+<p:sld xmlns:a="http://schemas.openxmlformats.org/drawingml/2006/main" xmlns:r="http://schemas.openxmlformats.org/officeDocument/2006/relationships" xmlns:p="http://schemas.openxmlformats.org/presentationml/2006/main">
+  <p:cSld>
+    <p:spTree>
+      <p:nvGrpSpPr>
+        <p:cNvPr id="1" name=""/>
+        <p:cNvGrpSpPr/>
+        <p:nvPr/>
+      </p:nvGrpSpPr>
+      <p:grpSpPr>
+        <a:xfrm>
+          <a:off x="0" y="0"/>
+          <a:ext cx="0" cy="0"/>
+          <a:chOff x="0" y="0"/>
+          <a:chExt cx="0" cy="0"/>
+        </a:xfrm>
+      </p:grpSpPr>
+      <p:sp>
+        <p:nvSpPr>
+          <p:cNvPr id="2" name="Title 1">
+            <a:extLst>
+              <a:ext uri="{FF2B5EF4-FFF2-40B4-BE49-F238E27FC236}">
+                <a16:creationId xmlns:a16="http://schemas.microsoft.com/office/drawing/2014/main" id="{20DBE0F0-3D29-F857-BD6D-CA164EB86131}"/>
+              </a:ext>
+            </a:extLst>
+          </p:cNvPr>
+          <p:cNvSpPr>
+            <a:spLocks noGrp="1"/>
+          </p:cNvSpPr>
+          <p:nvPr>
+            <p:ph type="title"/>
+          </p:nvPr>
+        </p:nvSpPr>
+        <p:spPr/>
+        <p:txBody>
+          <a:bodyPr/>
+          <a:lstStyle/>
+          <a:p>
+            <a:r>
+              <a:rPr lang="en-US" dirty="0"/>
+              <a:t>That’s all folks!</a:t>
+            </a:r>
+          </a:p>
+        </p:txBody>
+      </p:sp>
+      <p:sp>
+        <p:nvSpPr>
+          <p:cNvPr id="3" name="Text Placeholder 2">
+            <a:extLst>
+              <a:ext uri="{FF2B5EF4-FFF2-40B4-BE49-F238E27FC236}">
+                <a16:creationId xmlns:a16="http://schemas.microsoft.com/office/drawing/2014/main" id="{A5C2F3BF-8485-CA76-D08C-B3F0D93A9EB1}"/>
+              </a:ext>
+            </a:extLst>
+          </p:cNvPr>
+          <p:cNvSpPr>
+            <a:spLocks noGrp="1"/>
+          </p:cNvSpPr>
+          <p:nvPr>
+            <p:ph type="body" idx="1"/>
+          </p:nvPr>
+        </p:nvSpPr>
+        <p:spPr/>
+        <p:txBody>
+          <a:bodyPr/>
+          <a:lstStyle/>
+          <a:p>
+            <a:r>
+              <a:rPr lang="en-US" dirty="0"/>
+              <a:t>THANK YOU FOR ATTENDING! </a:t>
+            </a:r>
+          </a:p>
+          <a:p>
+            <a:r>
+              <a:rPr lang="en-US" dirty="0"/>
+              <a:t>PLEASE provide feedback! This content is brand-new; your feedback will improve it for future workshops!</a:t>
+            </a:r>
+          </a:p>
+          <a:p>
+            <a:r>
+              <a:rPr lang="en-US" dirty="0"/>
+              <a:t>What more do you want to know? What things would you like to try?</a:t>
+            </a:r>
+          </a:p>
+          <a:p>
+            <a:r>
+              <a:rPr lang="en-US" dirty="0"/>
+              <a:t>An “R Shiny Cookbook” is on the way! Please reach out if you’re interested!</a:t>
+            </a:r>
+          </a:p>
+        </p:txBody>
+      </p:sp>
+    </p:spTree>
+    <p:extLst>
+      <p:ext uri="{BB962C8B-B14F-4D97-AF65-F5344CB8AC3E}">
+        <p14:creationId xmlns:p14="http://schemas.microsoft.com/office/powerpoint/2010/main" val="3967170740"/>
+      </p:ext>
+    </p:extLst>
+  </p:cSld>
+  <p:clrMapOvr>
+    <a:masterClrMapping/>
+  </p:clrMapOvr>
+</p:sld>
+</file>
+
+<file path=ppt/slides/slide63.xml><?xml version="1.0" encoding="utf-8"?>
+<p:sld xmlns:a="http://schemas.openxmlformats.org/drawingml/2006/main" xmlns:r="http://schemas.openxmlformats.org/officeDocument/2006/relationships" xmlns:p="http://schemas.openxmlformats.org/presentationml/2006/main">
+  <p:cSld>
+    <p:spTree>
+      <p:nvGrpSpPr>
         <p:cNvPr id="1" name="Shape 92"/>
         <p:cNvGrpSpPr/>
         <p:nvPr/>
@@ -44845,7 +49170,7 @@
 </p:sld>
 </file>
 
-<file path=ppt/slides/slide57.xml><?xml version="1.0" encoding="utf-8"?>
+<file path=ppt/slides/slide64.xml><?xml version="1.0" encoding="utf-8"?>
 <p:sld xmlns:a="http://schemas.openxmlformats.org/drawingml/2006/main" xmlns:r="http://schemas.openxmlformats.org/officeDocument/2006/relationships" xmlns:p="http://schemas.openxmlformats.org/presentationml/2006/main">
   <p:cSld>
     <p:spTree>
@@ -44996,7 +49321,7 @@
 </p:sld>
 </file>
 
-<file path=ppt/slides/slide58.xml><?xml version="1.0" encoding="utf-8"?>
+<file path=ppt/slides/slide65.xml><?xml version="1.0" encoding="utf-8"?>
 <p:sld xmlns:a="http://schemas.openxmlformats.org/drawingml/2006/main" xmlns:r="http://schemas.openxmlformats.org/officeDocument/2006/relationships" xmlns:p="http://schemas.openxmlformats.org/presentationml/2006/main" show="0">
   <p:cSld>
     <p:spTree>
@@ -45151,64 +49476,6 @@
     <p:extLst>
       <p:ext uri="{BB962C8B-B14F-4D97-AF65-F5344CB8AC3E}">
         <p14:creationId xmlns:p14="http://schemas.microsoft.com/office/powerpoint/2010/main" val="1972745409"/>
-      </p:ext>
-    </p:extLst>
-  </p:cSld>
-  <p:clrMapOvr>
-    <a:masterClrMapping/>
-  </p:clrMapOvr>
-</p:sld>
-</file>
-
-<file path=ppt/slides/slide6.xml><?xml version="1.0" encoding="utf-8"?>
-<p:sld xmlns:a="http://schemas.openxmlformats.org/drawingml/2006/main" xmlns:r="http://schemas.openxmlformats.org/officeDocument/2006/relationships" xmlns:p="http://schemas.openxmlformats.org/presentationml/2006/main">
-  <p:cSld>
-    <p:spTree>
-      <p:nvGrpSpPr>
-        <p:cNvPr id="1" name=""/>
-        <p:cNvGrpSpPr/>
-        <p:nvPr/>
-      </p:nvGrpSpPr>
-      <p:grpSpPr>
-        <a:xfrm>
-          <a:off x="0" y="0"/>
-          <a:ext cx="0" cy="0"/>
-          <a:chOff x="0" y="0"/>
-          <a:chExt cx="0" cy="0"/>
-        </a:xfrm>
-      </p:grpSpPr>
-      <p:sp>
-        <p:nvSpPr>
-          <p:cNvPr id="2" name="Title 1">
-            <a:extLst>
-              <a:ext uri="{FF2B5EF4-FFF2-40B4-BE49-F238E27FC236}">
-                <a16:creationId xmlns:a16="http://schemas.microsoft.com/office/drawing/2014/main" id="{CBD9BCB2-BDCE-DB48-046C-A4FFB071CEEC}"/>
-              </a:ext>
-            </a:extLst>
-          </p:cNvPr>
-          <p:cNvSpPr>
-            <a:spLocks noGrp="1"/>
-          </p:cNvSpPr>
-          <p:nvPr>
-            <p:ph type="title"/>
-          </p:nvPr>
-        </p:nvSpPr>
-        <p:spPr/>
-        <p:txBody>
-          <a:bodyPr/>
-          <a:lstStyle/>
-          <a:p>
-            <a:r>
-              <a:rPr lang="en-US" dirty="0"/>
-              <a:t>Some apps to inspire you!</a:t>
-            </a:r>
-          </a:p>
-        </p:txBody>
-      </p:sp>
-    </p:spTree>
-    <p:extLst>
-      <p:ext uri="{BB962C8B-B14F-4D97-AF65-F5344CB8AC3E}">
-        <p14:creationId xmlns:p14="http://schemas.microsoft.com/office/powerpoint/2010/main" val="2458913389"/>
       </p:ext>
     </p:extLst>
   </p:cSld>
